--- a/presentation.pptx
+++ b/presentation.pptx
@@ -5,15 +5,17 @@
     <p:sldMasterId id="2147483648" r:id="rId1"/>
   </p:sldMasterIdLst>
   <p:notesMasterIdLst>
-    <p:notesMasterId r:id="rId5"/>
+    <p:notesMasterId r:id="rId7"/>
   </p:notesMasterIdLst>
   <p:handoutMasterIdLst>
-    <p:handoutMasterId r:id="rId6"/>
+    <p:handoutMasterId r:id="rId8"/>
   </p:handoutMasterIdLst>
   <p:sldIdLst>
     <p:sldId id="256" r:id="rId2"/>
-    <p:sldId id="257" r:id="rId3"/>
-    <p:sldId id="258" r:id="rId4"/>
+    <p:sldId id="259" r:id="rId3"/>
+    <p:sldId id="257" r:id="rId4"/>
+    <p:sldId id="260" r:id="rId5"/>
+    <p:sldId id="258" r:id="rId6"/>
   </p:sldIdLst>
   <p:sldSz cx="35999738" cy="25201563"/>
   <p:notesSz cx="46342300" cy="46342300"/>
@@ -659,7 +661,7 @@
         <p:nvSpPr>
           <p:cNvPr id="16388" name="Rectangle 4"/>
           <p:cNvSpPr>
-            <a:spLocks noChangeArrowheads="1" noTextEdit="1"/>
+            <a:spLocks noGrp="1" noRot="1" noChangeAspect="1" noChangeArrowheads="1" noTextEdit="1"/>
           </p:cNvSpPr>
           <p:nvPr>
             <p:ph type="sldImg" idx="2"/>
@@ -1071,6 +1073,176 @@
     </a:lvl9pPr>
   </p:notesStyle>
 </p:notesMaster>
+</file>
+
+<file path=ppt/notesSlides/notesSlide1.xml><?xml version="1.0" encoding="utf-8"?>
+<p:notes xmlns:a="http://schemas.openxmlformats.org/drawingml/2006/main" xmlns:r="http://schemas.openxmlformats.org/officeDocument/2006/relationships" xmlns:p="http://schemas.openxmlformats.org/presentationml/2006/main">
+  <p:cSld>
+    <p:spTree>
+      <p:nvGrpSpPr>
+        <p:cNvPr id="1" name=""/>
+        <p:cNvGrpSpPr/>
+        <p:nvPr/>
+      </p:nvGrpSpPr>
+      <p:grpSpPr>
+        <a:xfrm>
+          <a:off x="0" y="0"/>
+          <a:ext cx="0" cy="0"/>
+          <a:chOff x="0" y="0"/>
+          <a:chExt cx="0" cy="0"/>
+        </a:xfrm>
+      </p:grpSpPr>
+      <p:sp>
+        <p:nvSpPr>
+          <p:cNvPr id="2" name="Slide Image Placeholder 1"/>
+          <p:cNvSpPr>
+            <a:spLocks noGrp="1" noRot="1" noChangeAspect="1"/>
+          </p:cNvSpPr>
+          <p:nvPr>
+            <p:ph type="sldImg"/>
+          </p:nvPr>
+        </p:nvSpPr>
+        <p:spPr/>
+      </p:sp>
+      <p:sp>
+        <p:nvSpPr>
+          <p:cNvPr id="3" name="Notes Placeholder 2"/>
+          <p:cNvSpPr>
+            <a:spLocks noGrp="1"/>
+          </p:cNvSpPr>
+          <p:nvPr>
+            <p:ph type="body" idx="1"/>
+          </p:nvPr>
+        </p:nvSpPr>
+        <p:spPr/>
+        <p:txBody>
+          <a:bodyPr/>
+          <a:lstStyle/>
+          <a:p>
+            <a:endParaRPr lang="en-GB" dirty="0"/>
+          </a:p>
+        </p:txBody>
+      </p:sp>
+      <p:sp>
+        <p:nvSpPr>
+          <p:cNvPr id="4" name="Slide Number Placeholder 3"/>
+          <p:cNvSpPr>
+            <a:spLocks noGrp="1"/>
+          </p:cNvSpPr>
+          <p:nvPr>
+            <p:ph type="sldNum" sz="quarter" idx="10"/>
+          </p:nvPr>
+        </p:nvSpPr>
+        <p:spPr/>
+        <p:txBody>
+          <a:bodyPr/>
+          <a:lstStyle/>
+          <a:p>
+            <a:fld id="{E36643B1-9D94-4426-9F70-001B837290C8}" type="slidenum">
+              <a:rPr lang="sv-SE" smtClean="0"/>
+              <a:pPr/>
+              <a:t>1</a:t>
+            </a:fld>
+            <a:endParaRPr lang="sv-SE"/>
+          </a:p>
+        </p:txBody>
+      </p:sp>
+    </p:spTree>
+    <p:extLst>
+      <p:ext uri="{BB962C8B-B14F-4D97-AF65-F5344CB8AC3E}">
+        <p14:creationId xmlns:p14="http://schemas.microsoft.com/office/powerpoint/2010/main" val="2877994907"/>
+      </p:ext>
+    </p:extLst>
+  </p:cSld>
+  <p:clrMapOvr>
+    <a:masterClrMapping/>
+  </p:clrMapOvr>
+</p:notes>
+</file>
+
+<file path=ppt/notesSlides/notesSlide2.xml><?xml version="1.0" encoding="utf-8"?>
+<p:notes xmlns:a="http://schemas.openxmlformats.org/drawingml/2006/main" xmlns:r="http://schemas.openxmlformats.org/officeDocument/2006/relationships" xmlns:p="http://schemas.openxmlformats.org/presentationml/2006/main">
+  <p:cSld>
+    <p:spTree>
+      <p:nvGrpSpPr>
+        <p:cNvPr id="1" name=""/>
+        <p:cNvGrpSpPr/>
+        <p:nvPr/>
+      </p:nvGrpSpPr>
+      <p:grpSpPr>
+        <a:xfrm>
+          <a:off x="0" y="0"/>
+          <a:ext cx="0" cy="0"/>
+          <a:chOff x="0" y="0"/>
+          <a:chExt cx="0" cy="0"/>
+        </a:xfrm>
+      </p:grpSpPr>
+      <p:sp>
+        <p:nvSpPr>
+          <p:cNvPr id="2" name="Slide Image Placeholder 1"/>
+          <p:cNvSpPr>
+            <a:spLocks noGrp="1" noRot="1" noChangeAspect="1"/>
+          </p:cNvSpPr>
+          <p:nvPr>
+            <p:ph type="sldImg"/>
+          </p:nvPr>
+        </p:nvSpPr>
+        <p:spPr/>
+      </p:sp>
+      <p:sp>
+        <p:nvSpPr>
+          <p:cNvPr id="3" name="Notes Placeholder 2"/>
+          <p:cNvSpPr>
+            <a:spLocks noGrp="1"/>
+          </p:cNvSpPr>
+          <p:nvPr>
+            <p:ph type="body" idx="1"/>
+          </p:nvPr>
+        </p:nvSpPr>
+        <p:spPr/>
+        <p:txBody>
+          <a:bodyPr/>
+          <a:lstStyle/>
+          <a:p>
+            <a:endParaRPr lang="en-GB" dirty="0"/>
+          </a:p>
+        </p:txBody>
+      </p:sp>
+      <p:sp>
+        <p:nvSpPr>
+          <p:cNvPr id="4" name="Slide Number Placeholder 3"/>
+          <p:cNvSpPr>
+            <a:spLocks noGrp="1"/>
+          </p:cNvSpPr>
+          <p:nvPr>
+            <p:ph type="sldNum" sz="quarter" idx="10"/>
+          </p:nvPr>
+        </p:nvSpPr>
+        <p:spPr/>
+        <p:txBody>
+          <a:bodyPr/>
+          <a:lstStyle/>
+          <a:p>
+            <a:fld id="{E36643B1-9D94-4426-9F70-001B837290C8}" type="slidenum">
+              <a:rPr lang="sv-SE" smtClean="0"/>
+              <a:pPr/>
+              <a:t>2</a:t>
+            </a:fld>
+            <a:endParaRPr lang="sv-SE"/>
+          </a:p>
+        </p:txBody>
+      </p:sp>
+    </p:spTree>
+    <p:extLst>
+      <p:ext uri="{BB962C8B-B14F-4D97-AF65-F5344CB8AC3E}">
+        <p14:creationId xmlns:p14="http://schemas.microsoft.com/office/powerpoint/2010/main" val="562777672"/>
+      </p:ext>
+    </p:extLst>
+  </p:cSld>
+  <p:clrMapOvr>
+    <a:masterClrMapping/>
+  </p:clrMapOvr>
+</p:notes>
 </file>
 
 <file path=ppt/slideLayouts/slideLayout1.xml><?xml version="1.0" encoding="utf-8"?>
@@ -4407,8 +4579,8 @@
         </p:nvSpPr>
         <p:spPr>
           <a:xfrm>
-            <a:off x="6262566" y="1008063"/>
-            <a:ext cx="28811660" cy="2801937"/>
+            <a:off x="5974533" y="7776245"/>
+            <a:ext cx="29163240" cy="2801937"/>
           </a:xfrm>
         </p:spPr>
         <p:txBody>
@@ -4416,14 +4588,14 @@
           <a:lstStyle/>
           <a:p>
             <a:r>
-              <a:rPr lang="en-US" sz="13000" dirty="0" smtClean="0">
+              <a:rPr lang="en-US" sz="14500" dirty="0" smtClean="0">
                 <a:solidFill>
                   <a:schemeClr val="tx1"/>
                 </a:solidFill>
               </a:rPr>
               <a:t>Detecting Cancer – Saving Lives</a:t>
             </a:r>
-            <a:endParaRPr lang="en-US" sz="13000" dirty="0">
+            <a:endParaRPr lang="en-US" sz="14500" dirty="0">
               <a:solidFill>
                 <a:schemeClr val="tx1"/>
               </a:solidFill>
@@ -4439,8 +4611,8 @@
         </p:nvSpPr>
         <p:spPr>
           <a:xfrm>
-            <a:off x="7923784" y="5932274"/>
-            <a:ext cx="23402600" cy="1938992"/>
+            <a:off x="7867076" y="11520661"/>
+            <a:ext cx="24174351" cy="6309420"/>
           </a:xfrm>
           <a:prstGeom prst="rect">
             <a:avLst/>
@@ -4455,10 +4627,44 @@
           <a:p>
             <a:pPr algn="ctr"/>
             <a:r>
-              <a:rPr lang="sv-SE" sz="6000" dirty="0" smtClean="0"/>
-              <a:t>Using novel Convolutional Neural Netowetwork architechtures to classify cancer cells</a:t>
-            </a:r>
-            <a:endParaRPr lang="en-GB" sz="6000" dirty="0"/>
+              <a:rPr lang="sv-SE" sz="10000" dirty="0" smtClean="0"/>
+              <a:t>Using novel </a:t>
+            </a:r>
+            <a:r>
+              <a:rPr lang="sv-SE" sz="10000" dirty="0" smtClean="0"/>
+              <a:t>Local Binary Pattern inspired CNN’s</a:t>
+            </a:r>
+            <a:r>
+              <a:rPr lang="sv-SE" sz="10000" dirty="0" smtClean="0"/>
+              <a:t> </a:t>
+            </a:r>
+            <a:r>
+              <a:rPr lang="sv-SE" sz="10000" dirty="0" smtClean="0"/>
+              <a:t>to classify cancer </a:t>
+            </a:r>
+            <a:r>
+              <a:rPr lang="sv-SE" sz="10000" dirty="0" smtClean="0"/>
+              <a:t>cells</a:t>
+            </a:r>
+          </a:p>
+          <a:p>
+            <a:pPr algn="ctr"/>
+            <a:endParaRPr lang="sv-SE" sz="3000" dirty="0" smtClean="0"/>
+          </a:p>
+          <a:p>
+            <a:pPr algn="ctr"/>
+            <a:r>
+              <a:rPr lang="sv-SE" sz="7000" dirty="0" smtClean="0"/>
+              <a:t>Hugo Harlin</a:t>
+            </a:r>
+          </a:p>
+          <a:p>
+            <a:pPr algn="ctr"/>
+            <a:r>
+              <a:rPr lang="sv-SE" sz="7000" dirty="0" smtClean="0"/>
+              <a:t>Jo Gay</a:t>
+            </a:r>
+            <a:endParaRPr lang="en-GB" sz="7000" dirty="0"/>
           </a:p>
         </p:txBody>
       </p:sp>
@@ -4504,7 +4710,7 @@
           <a:p>
             <a:r>
               <a:rPr lang="sv-SE" dirty="0" smtClean="0"/>
-              <a:t>Data</a:t>
+              <a:t>Project Goal</a:t>
             </a:r>
             <a:endParaRPr lang="en-GB" dirty="0"/>
           </a:p>
@@ -4527,6 +4733,799 @@
           <a:p>
             <a:r>
               <a:rPr lang="sv-SE" dirty="0" smtClean="0"/>
+              <a:t>Classify images of cancer cells</a:t>
+            </a:r>
+          </a:p>
+          <a:p>
+            <a:r>
+              <a:rPr lang="sv-SE" dirty="0" smtClean="0"/>
+              <a:t>Compare three LBP inspired CNN models</a:t>
+            </a:r>
+          </a:p>
+          <a:p>
+            <a:pPr marL="0" indent="0">
+              <a:buNone/>
+            </a:pPr>
+            <a:r>
+              <a:rPr lang="sv-SE" dirty="0"/>
+              <a:t> </a:t>
+            </a:r>
+            <a:r>
+              <a:rPr lang="sv-SE" dirty="0" smtClean="0"/>
+              <a:t>	- Juefei-Xu et al. [1] </a:t>
+            </a:r>
+          </a:p>
+          <a:p>
+            <a:pPr marL="0" indent="0">
+              <a:buNone/>
+            </a:pPr>
+            <a:r>
+              <a:rPr lang="sv-SE" dirty="0"/>
+              <a:t>	</a:t>
+            </a:r>
+            <a:r>
+              <a:rPr lang="sv-SE" dirty="0" smtClean="0"/>
+              <a:t>- Marcos et al. [2]</a:t>
+            </a:r>
+          </a:p>
+          <a:p>
+            <a:pPr marL="0" indent="0">
+              <a:buNone/>
+            </a:pPr>
+            <a:r>
+              <a:rPr lang="sv-SE" dirty="0"/>
+              <a:t>	</a:t>
+            </a:r>
+            <a:r>
+              <a:rPr lang="sv-SE" dirty="0" smtClean="0"/>
+              <a:t>- Li et al. [3]</a:t>
+            </a:r>
+          </a:p>
+          <a:p>
+            <a:r>
+              <a:rPr lang="sv-SE" dirty="0" smtClean="0"/>
+              <a:t>LBP’s: What are local binary patterns?</a:t>
+            </a:r>
+            <a:endParaRPr lang="en-GB" dirty="0"/>
+          </a:p>
+        </p:txBody>
+      </p:sp>
+      <p:sp>
+        <p:nvSpPr>
+          <p:cNvPr id="4" name="TextBox 3"/>
+          <p:cNvSpPr txBox="1"/>
+          <p:nvPr/>
+        </p:nvSpPr>
+        <p:spPr>
+          <a:xfrm>
+            <a:off x="5974532" y="18433429"/>
+            <a:ext cx="29235249" cy="6026265"/>
+          </a:xfrm>
+          <a:prstGeom prst="rect">
+            <a:avLst/>
+          </a:prstGeom>
+          <a:noFill/>
+        </p:spPr>
+        <p:txBody>
+          <a:bodyPr wrap="square" rtlCol="0">
+            <a:spAutoFit/>
+          </a:bodyPr>
+          <a:lstStyle/>
+          <a:p>
+            <a:r>
+              <a:rPr lang="sv-SE" dirty="0" smtClean="0"/>
+              <a:t>[1]</a:t>
+            </a:r>
+            <a:r>
+              <a:rPr lang="en-GB" dirty="0" smtClean="0"/>
+              <a:t>	  Felix </a:t>
+            </a:r>
+            <a:r>
+              <a:rPr lang="en-GB" dirty="0" err="1"/>
+              <a:t>Juefei</a:t>
+            </a:r>
+            <a:r>
+              <a:rPr lang="en-GB" dirty="0"/>
+              <a:t> </a:t>
+            </a:r>
+            <a:r>
+              <a:rPr lang="en-GB" dirty="0" err="1"/>
+              <a:t>Xu</a:t>
+            </a:r>
+            <a:r>
+              <a:rPr lang="en-GB" dirty="0"/>
+              <a:t>, Vishnu </a:t>
+            </a:r>
+            <a:r>
+              <a:rPr lang="en-GB" dirty="0" err="1"/>
+              <a:t>Naresh</a:t>
+            </a:r>
+            <a:r>
+              <a:rPr lang="en-GB" dirty="0"/>
+              <a:t> </a:t>
+            </a:r>
+            <a:r>
+              <a:rPr lang="en-GB" dirty="0" err="1"/>
+              <a:t>Boddeti</a:t>
+            </a:r>
+            <a:r>
+              <a:rPr lang="en-GB" dirty="0"/>
+              <a:t>, and </a:t>
+            </a:r>
+            <a:r>
+              <a:rPr lang="en-GB" dirty="0" err="1"/>
+              <a:t>Marios</a:t>
+            </a:r>
+            <a:r>
+              <a:rPr lang="en-GB" dirty="0"/>
+              <a:t> </a:t>
+            </a:r>
+            <a:r>
+              <a:rPr lang="en-GB" dirty="0" err="1" smtClean="0"/>
+              <a:t>Savvides</a:t>
+            </a:r>
+            <a:r>
+              <a:rPr lang="en-GB" dirty="0" smtClean="0"/>
+              <a:t>. Local </a:t>
+            </a:r>
+            <a:r>
+              <a:rPr lang="en-GB" dirty="0"/>
+              <a:t>binary convolutional neural networks </a:t>
+            </a:r>
+            <a:r>
+              <a:rPr lang="en-GB" dirty="0" smtClean="0"/>
+              <a:t>	  (</a:t>
+            </a:r>
+            <a:r>
+              <a:rPr lang="en-GB" dirty="0" err="1"/>
+              <a:t>lbcnn</a:t>
+            </a:r>
+            <a:r>
+              <a:rPr lang="en-GB" dirty="0" smtClean="0"/>
+              <a:t>). https</a:t>
+            </a:r>
+            <a:r>
+              <a:rPr lang="en-GB" dirty="0"/>
+              <a:t>://github.com/juefeix/lbcnn.torch, 2016.</a:t>
+            </a:r>
+            <a:endParaRPr lang="en-GB" dirty="0"/>
+          </a:p>
+          <a:p>
+            <a:endParaRPr lang="en-GB" sz="1500" dirty="0" smtClean="0"/>
+          </a:p>
+          <a:p>
+            <a:r>
+              <a:rPr lang="en-GB" dirty="0" smtClean="0"/>
+              <a:t>[</a:t>
+            </a:r>
+            <a:r>
+              <a:rPr lang="en-GB" dirty="0"/>
+              <a:t>2</a:t>
+            </a:r>
+            <a:r>
+              <a:rPr lang="en-GB" dirty="0" smtClean="0"/>
+              <a:t>]    Diego </a:t>
+            </a:r>
+            <a:r>
+              <a:rPr lang="en-GB" dirty="0"/>
+              <a:t>Marcos, Michele </a:t>
+            </a:r>
+            <a:r>
+              <a:rPr lang="en-GB" dirty="0" err="1"/>
+              <a:t>Volpi</a:t>
+            </a:r>
+            <a:r>
+              <a:rPr lang="en-GB" dirty="0"/>
+              <a:t>, Nikos </a:t>
+            </a:r>
+            <a:r>
+              <a:rPr lang="en-GB" dirty="0" err="1"/>
+              <a:t>Komodakis</a:t>
+            </a:r>
+            <a:r>
+              <a:rPr lang="en-GB" dirty="0"/>
+              <a:t>, and </a:t>
+            </a:r>
+            <a:r>
+              <a:rPr lang="en-GB" dirty="0" err="1"/>
+              <a:t>Devis</a:t>
+            </a:r>
+            <a:r>
+              <a:rPr lang="en-GB" dirty="0"/>
+              <a:t> </a:t>
+            </a:r>
+            <a:r>
+              <a:rPr lang="en-GB" dirty="0" err="1"/>
+              <a:t>Tuia</a:t>
+            </a:r>
+            <a:r>
+              <a:rPr lang="en-GB" dirty="0"/>
+              <a:t>.</a:t>
+            </a:r>
+          </a:p>
+          <a:p>
+            <a:r>
+              <a:rPr lang="en-GB" i="1" dirty="0" smtClean="0"/>
+              <a:t>	  Rotation </a:t>
+            </a:r>
+            <a:r>
+              <a:rPr lang="en-GB" i="1" dirty="0" err="1"/>
+              <a:t>equivariant</a:t>
+            </a:r>
+            <a:r>
+              <a:rPr lang="en-GB" i="1" dirty="0"/>
+              <a:t> vector field networks</a:t>
+            </a:r>
+            <a:r>
+              <a:rPr lang="en-GB" dirty="0"/>
+              <a:t>. In ICCV, pages </a:t>
+            </a:r>
+            <a:r>
+              <a:rPr lang="en-GB" dirty="0" smtClean="0"/>
+              <a:t>5058–5067, 2017.</a:t>
+            </a:r>
+          </a:p>
+          <a:p>
+            <a:endParaRPr lang="sv-SE" sz="1500" dirty="0"/>
+          </a:p>
+          <a:p>
+            <a:r>
+              <a:rPr lang="sv-SE" dirty="0" smtClean="0"/>
+              <a:t>[3]	  </a:t>
+            </a:r>
+            <a:r>
+              <a:rPr lang="en-GB" dirty="0" smtClean="0"/>
+              <a:t>Lei </a:t>
+            </a:r>
+            <a:r>
+              <a:rPr lang="en-GB" dirty="0"/>
+              <a:t>Li, </a:t>
+            </a:r>
+            <a:r>
+              <a:rPr lang="en-GB" dirty="0" err="1"/>
+              <a:t>Xiaoyi</a:t>
+            </a:r>
+            <a:r>
+              <a:rPr lang="en-GB" dirty="0"/>
+              <a:t> </a:t>
+            </a:r>
+            <a:r>
+              <a:rPr lang="en-GB" dirty="0" err="1"/>
+              <a:t>Feng</a:t>
+            </a:r>
+            <a:r>
+              <a:rPr lang="en-GB" dirty="0"/>
+              <a:t>, </a:t>
+            </a:r>
+            <a:r>
+              <a:rPr lang="en-GB" dirty="0" err="1"/>
+              <a:t>Zhaoqiang</a:t>
+            </a:r>
+            <a:r>
+              <a:rPr lang="en-GB" dirty="0"/>
+              <a:t> Xia, </a:t>
+            </a:r>
+            <a:r>
+              <a:rPr lang="en-GB" dirty="0" err="1"/>
+              <a:t>Xiaoyue</a:t>
+            </a:r>
+            <a:r>
+              <a:rPr lang="en-GB" dirty="0"/>
+              <a:t> Jiang, and </a:t>
+            </a:r>
+            <a:r>
+              <a:rPr lang="en-GB" dirty="0" err="1" smtClean="0"/>
+              <a:t>Abdenour</a:t>
+            </a:r>
+            <a:r>
+              <a:rPr lang="en-GB" dirty="0" smtClean="0"/>
+              <a:t> </a:t>
+            </a:r>
+            <a:r>
+              <a:rPr lang="en-GB" dirty="0" err="1" smtClean="0"/>
+              <a:t>Hadid</a:t>
+            </a:r>
+            <a:r>
+              <a:rPr lang="en-GB" dirty="0"/>
+              <a:t>. Face spoofing detection with </a:t>
+            </a:r>
+            <a:r>
+              <a:rPr lang="en-GB" dirty="0" smtClean="0"/>
+              <a:t>	    	  local </a:t>
+            </a:r>
+            <a:r>
+              <a:rPr lang="en-GB" dirty="0"/>
+              <a:t>binary pattern </a:t>
+            </a:r>
+            <a:r>
+              <a:rPr lang="en-GB" dirty="0" smtClean="0"/>
+              <a:t>network. Journal </a:t>
+            </a:r>
+            <a:r>
+              <a:rPr lang="en-GB" dirty="0"/>
+              <a:t>of Visual Communication and Image Representation, </a:t>
+            </a:r>
+            <a:r>
+              <a:rPr lang="en-GB" dirty="0" smtClean="0"/>
+              <a:t>54:182–192, 	  	  2018</a:t>
+            </a:r>
+            <a:r>
+              <a:rPr lang="en-GB" dirty="0"/>
+              <a:t>.</a:t>
+            </a:r>
+            <a:endParaRPr lang="en-GB" dirty="0"/>
+          </a:p>
+        </p:txBody>
+      </p:sp>
+    </p:spTree>
+    <p:extLst>
+      <p:ext uri="{BB962C8B-B14F-4D97-AF65-F5344CB8AC3E}">
+        <p14:creationId xmlns:p14="http://schemas.microsoft.com/office/powerpoint/2010/main" val="226894271"/>
+      </p:ext>
+    </p:extLst>
+  </p:cSld>
+  <p:clrMapOvr>
+    <a:masterClrMapping/>
+  </p:clrMapOvr>
+  <p:timing>
+    <p:tnLst>
+      <p:par>
+        <p:cTn id="1" dur="indefinite" restart="never" nodeType="tmRoot">
+          <p:childTnLst>
+            <p:seq concurrent="1" nextAc="seek">
+              <p:cTn id="2" dur="indefinite" nodeType="mainSeq">
+                <p:childTnLst>
+                  <p:par>
+                    <p:cTn id="3" fill="hold">
+                      <p:stCondLst>
+                        <p:cond delay="indefinite"/>
+                      </p:stCondLst>
+                      <p:childTnLst>
+                        <p:par>
+                          <p:cTn id="4" fill="hold">
+                            <p:stCondLst>
+                              <p:cond delay="0"/>
+                            </p:stCondLst>
+                            <p:childTnLst>
+                              <p:par>
+                                <p:cTn id="5" presetID="10" presetClass="entr" presetSubtype="0" fill="hold" grpId="0" nodeType="clickEffect">
+                                  <p:stCondLst>
+                                    <p:cond delay="0"/>
+                                  </p:stCondLst>
+                                  <p:childTnLst>
+                                    <p:set>
+                                      <p:cBhvr>
+                                        <p:cTn id="6" dur="1" fill="hold">
+                                          <p:stCondLst>
+                                            <p:cond delay="0"/>
+                                          </p:stCondLst>
+                                        </p:cTn>
+                                        <p:tgtEl>
+                                          <p:spTgt spid="3">
+                                            <p:txEl>
+                                              <p:pRg st="0" end="0"/>
+                                            </p:txEl>
+                                          </p:spTgt>
+                                        </p:tgtEl>
+                                        <p:attrNameLst>
+                                          <p:attrName>style.visibility</p:attrName>
+                                        </p:attrNameLst>
+                                      </p:cBhvr>
+                                      <p:to>
+                                        <p:strVal val="visible"/>
+                                      </p:to>
+                                    </p:set>
+                                    <p:animEffect transition="in" filter="fade">
+                                      <p:cBhvr>
+                                        <p:cTn id="7" dur="500"/>
+                                        <p:tgtEl>
+                                          <p:spTgt spid="3">
+                                            <p:txEl>
+                                              <p:pRg st="0" end="0"/>
+                                            </p:txEl>
+                                          </p:spTgt>
+                                        </p:tgtEl>
+                                      </p:cBhvr>
+                                    </p:animEffect>
+                                  </p:childTnLst>
+                                </p:cTn>
+                              </p:par>
+                            </p:childTnLst>
+                          </p:cTn>
+                        </p:par>
+                      </p:childTnLst>
+                    </p:cTn>
+                  </p:par>
+                  <p:par>
+                    <p:cTn id="8" fill="hold">
+                      <p:stCondLst>
+                        <p:cond delay="indefinite"/>
+                      </p:stCondLst>
+                      <p:childTnLst>
+                        <p:par>
+                          <p:cTn id="9" fill="hold">
+                            <p:stCondLst>
+                              <p:cond delay="0"/>
+                            </p:stCondLst>
+                            <p:childTnLst>
+                              <p:par>
+                                <p:cTn id="10" presetID="10" presetClass="entr" presetSubtype="0" fill="hold" grpId="0" nodeType="clickEffect">
+                                  <p:stCondLst>
+                                    <p:cond delay="0"/>
+                                  </p:stCondLst>
+                                  <p:childTnLst>
+                                    <p:set>
+                                      <p:cBhvr>
+                                        <p:cTn id="11" dur="1" fill="hold">
+                                          <p:stCondLst>
+                                            <p:cond delay="0"/>
+                                          </p:stCondLst>
+                                        </p:cTn>
+                                        <p:tgtEl>
+                                          <p:spTgt spid="3">
+                                            <p:txEl>
+                                              <p:pRg st="1" end="1"/>
+                                            </p:txEl>
+                                          </p:spTgt>
+                                        </p:tgtEl>
+                                        <p:attrNameLst>
+                                          <p:attrName>style.visibility</p:attrName>
+                                        </p:attrNameLst>
+                                      </p:cBhvr>
+                                      <p:to>
+                                        <p:strVal val="visible"/>
+                                      </p:to>
+                                    </p:set>
+                                    <p:animEffect transition="in" filter="fade">
+                                      <p:cBhvr>
+                                        <p:cTn id="12" dur="500"/>
+                                        <p:tgtEl>
+                                          <p:spTgt spid="3">
+                                            <p:txEl>
+                                              <p:pRg st="1" end="1"/>
+                                            </p:txEl>
+                                          </p:spTgt>
+                                        </p:tgtEl>
+                                      </p:cBhvr>
+                                    </p:animEffect>
+                                  </p:childTnLst>
+                                </p:cTn>
+                              </p:par>
+                            </p:childTnLst>
+                          </p:cTn>
+                        </p:par>
+                      </p:childTnLst>
+                    </p:cTn>
+                  </p:par>
+                  <p:par>
+                    <p:cTn id="13" fill="hold">
+                      <p:stCondLst>
+                        <p:cond delay="indefinite"/>
+                      </p:stCondLst>
+                      <p:childTnLst>
+                        <p:par>
+                          <p:cTn id="14" fill="hold">
+                            <p:stCondLst>
+                              <p:cond delay="0"/>
+                            </p:stCondLst>
+                            <p:childTnLst>
+                              <p:par>
+                                <p:cTn id="15" presetID="10" presetClass="entr" presetSubtype="0" fill="hold" grpId="0" nodeType="clickEffect">
+                                  <p:stCondLst>
+                                    <p:cond delay="0"/>
+                                  </p:stCondLst>
+                                  <p:childTnLst>
+                                    <p:set>
+                                      <p:cBhvr>
+                                        <p:cTn id="16" dur="1" fill="hold">
+                                          <p:stCondLst>
+                                            <p:cond delay="0"/>
+                                          </p:stCondLst>
+                                        </p:cTn>
+                                        <p:tgtEl>
+                                          <p:spTgt spid="3">
+                                            <p:txEl>
+                                              <p:pRg st="2" end="2"/>
+                                            </p:txEl>
+                                          </p:spTgt>
+                                        </p:tgtEl>
+                                        <p:attrNameLst>
+                                          <p:attrName>style.visibility</p:attrName>
+                                        </p:attrNameLst>
+                                      </p:cBhvr>
+                                      <p:to>
+                                        <p:strVal val="visible"/>
+                                      </p:to>
+                                    </p:set>
+                                    <p:animEffect transition="in" filter="fade">
+                                      <p:cBhvr>
+                                        <p:cTn id="17" dur="500"/>
+                                        <p:tgtEl>
+                                          <p:spTgt spid="3">
+                                            <p:txEl>
+                                              <p:pRg st="2" end="2"/>
+                                            </p:txEl>
+                                          </p:spTgt>
+                                        </p:tgtEl>
+                                      </p:cBhvr>
+                                    </p:animEffect>
+                                  </p:childTnLst>
+                                </p:cTn>
+                              </p:par>
+                            </p:childTnLst>
+                          </p:cTn>
+                        </p:par>
+                      </p:childTnLst>
+                    </p:cTn>
+                  </p:par>
+                  <p:par>
+                    <p:cTn id="18" fill="hold">
+                      <p:stCondLst>
+                        <p:cond delay="indefinite"/>
+                      </p:stCondLst>
+                      <p:childTnLst>
+                        <p:par>
+                          <p:cTn id="19" fill="hold">
+                            <p:stCondLst>
+                              <p:cond delay="0"/>
+                            </p:stCondLst>
+                            <p:childTnLst>
+                              <p:par>
+                                <p:cTn id="20" presetID="10" presetClass="entr" presetSubtype="0" fill="hold" grpId="0" nodeType="clickEffect">
+                                  <p:stCondLst>
+                                    <p:cond delay="0"/>
+                                  </p:stCondLst>
+                                  <p:childTnLst>
+                                    <p:set>
+                                      <p:cBhvr>
+                                        <p:cTn id="21" dur="1" fill="hold">
+                                          <p:stCondLst>
+                                            <p:cond delay="0"/>
+                                          </p:stCondLst>
+                                        </p:cTn>
+                                        <p:tgtEl>
+                                          <p:spTgt spid="3">
+                                            <p:txEl>
+                                              <p:pRg st="3" end="3"/>
+                                            </p:txEl>
+                                          </p:spTgt>
+                                        </p:tgtEl>
+                                        <p:attrNameLst>
+                                          <p:attrName>style.visibility</p:attrName>
+                                        </p:attrNameLst>
+                                      </p:cBhvr>
+                                      <p:to>
+                                        <p:strVal val="visible"/>
+                                      </p:to>
+                                    </p:set>
+                                    <p:animEffect transition="in" filter="fade">
+                                      <p:cBhvr>
+                                        <p:cTn id="22" dur="500"/>
+                                        <p:tgtEl>
+                                          <p:spTgt spid="3">
+                                            <p:txEl>
+                                              <p:pRg st="3" end="3"/>
+                                            </p:txEl>
+                                          </p:spTgt>
+                                        </p:tgtEl>
+                                      </p:cBhvr>
+                                    </p:animEffect>
+                                  </p:childTnLst>
+                                </p:cTn>
+                              </p:par>
+                            </p:childTnLst>
+                          </p:cTn>
+                        </p:par>
+                      </p:childTnLst>
+                    </p:cTn>
+                  </p:par>
+                  <p:par>
+                    <p:cTn id="23" fill="hold">
+                      <p:stCondLst>
+                        <p:cond delay="indefinite"/>
+                      </p:stCondLst>
+                      <p:childTnLst>
+                        <p:par>
+                          <p:cTn id="24" fill="hold">
+                            <p:stCondLst>
+                              <p:cond delay="0"/>
+                            </p:stCondLst>
+                            <p:childTnLst>
+                              <p:par>
+                                <p:cTn id="25" presetID="10" presetClass="entr" presetSubtype="0" fill="hold" grpId="0" nodeType="clickEffect">
+                                  <p:stCondLst>
+                                    <p:cond delay="0"/>
+                                  </p:stCondLst>
+                                  <p:childTnLst>
+                                    <p:set>
+                                      <p:cBhvr>
+                                        <p:cTn id="26" dur="1" fill="hold">
+                                          <p:stCondLst>
+                                            <p:cond delay="0"/>
+                                          </p:stCondLst>
+                                        </p:cTn>
+                                        <p:tgtEl>
+                                          <p:spTgt spid="3">
+                                            <p:txEl>
+                                              <p:pRg st="4" end="4"/>
+                                            </p:txEl>
+                                          </p:spTgt>
+                                        </p:tgtEl>
+                                        <p:attrNameLst>
+                                          <p:attrName>style.visibility</p:attrName>
+                                        </p:attrNameLst>
+                                      </p:cBhvr>
+                                      <p:to>
+                                        <p:strVal val="visible"/>
+                                      </p:to>
+                                    </p:set>
+                                    <p:animEffect transition="in" filter="fade">
+                                      <p:cBhvr>
+                                        <p:cTn id="27" dur="500"/>
+                                        <p:tgtEl>
+                                          <p:spTgt spid="3">
+                                            <p:txEl>
+                                              <p:pRg st="4" end="4"/>
+                                            </p:txEl>
+                                          </p:spTgt>
+                                        </p:tgtEl>
+                                      </p:cBhvr>
+                                    </p:animEffect>
+                                  </p:childTnLst>
+                                </p:cTn>
+                              </p:par>
+                            </p:childTnLst>
+                          </p:cTn>
+                        </p:par>
+                      </p:childTnLst>
+                    </p:cTn>
+                  </p:par>
+                  <p:par>
+                    <p:cTn id="28" fill="hold">
+                      <p:stCondLst>
+                        <p:cond delay="indefinite"/>
+                      </p:stCondLst>
+                      <p:childTnLst>
+                        <p:par>
+                          <p:cTn id="29" fill="hold">
+                            <p:stCondLst>
+                              <p:cond delay="0"/>
+                            </p:stCondLst>
+                            <p:childTnLst>
+                              <p:par>
+                                <p:cTn id="30" presetID="10" presetClass="entr" presetSubtype="0" fill="hold" grpId="0" nodeType="clickEffect">
+                                  <p:stCondLst>
+                                    <p:cond delay="0"/>
+                                  </p:stCondLst>
+                                  <p:childTnLst>
+                                    <p:set>
+                                      <p:cBhvr>
+                                        <p:cTn id="31" dur="1" fill="hold">
+                                          <p:stCondLst>
+                                            <p:cond delay="0"/>
+                                          </p:stCondLst>
+                                        </p:cTn>
+                                        <p:tgtEl>
+                                          <p:spTgt spid="3">
+                                            <p:txEl>
+                                              <p:pRg st="5" end="5"/>
+                                            </p:txEl>
+                                          </p:spTgt>
+                                        </p:tgtEl>
+                                        <p:attrNameLst>
+                                          <p:attrName>style.visibility</p:attrName>
+                                        </p:attrNameLst>
+                                      </p:cBhvr>
+                                      <p:to>
+                                        <p:strVal val="visible"/>
+                                      </p:to>
+                                    </p:set>
+                                    <p:animEffect transition="in" filter="fade">
+                                      <p:cBhvr>
+                                        <p:cTn id="32" dur="500"/>
+                                        <p:tgtEl>
+                                          <p:spTgt spid="3">
+                                            <p:txEl>
+                                              <p:pRg st="5" end="5"/>
+                                            </p:txEl>
+                                          </p:spTgt>
+                                        </p:tgtEl>
+                                      </p:cBhvr>
+                                    </p:animEffect>
+                                  </p:childTnLst>
+                                </p:cTn>
+                              </p:par>
+                            </p:childTnLst>
+                          </p:cTn>
+                        </p:par>
+                      </p:childTnLst>
+                    </p:cTn>
+                  </p:par>
+                </p:childTnLst>
+              </p:cTn>
+              <p:prevCondLst>
+                <p:cond evt="onPrev" delay="0">
+                  <p:tgtEl>
+                    <p:sldTgt/>
+                  </p:tgtEl>
+                </p:cond>
+              </p:prevCondLst>
+              <p:nextCondLst>
+                <p:cond evt="onNext" delay="0">
+                  <p:tgtEl>
+                    <p:sldTgt/>
+                  </p:tgtEl>
+                </p:cond>
+              </p:nextCondLst>
+            </p:seq>
+          </p:childTnLst>
+        </p:cTn>
+      </p:par>
+    </p:tnLst>
+    <p:bldLst>
+      <p:bldP spid="3" grpId="0" build="p"/>
+    </p:bldLst>
+  </p:timing>
+</p:sld>
+</file>
+
+<file path=ppt/slides/slide3.xml><?xml version="1.0" encoding="utf-8"?>
+<p:sld xmlns:a="http://schemas.openxmlformats.org/drawingml/2006/main" xmlns:r="http://schemas.openxmlformats.org/officeDocument/2006/relationships" xmlns:p="http://schemas.openxmlformats.org/presentationml/2006/main">
+  <p:cSld>
+    <p:spTree>
+      <p:nvGrpSpPr>
+        <p:cNvPr id="1" name=""/>
+        <p:cNvGrpSpPr/>
+        <p:nvPr/>
+      </p:nvGrpSpPr>
+      <p:grpSpPr>
+        <a:xfrm>
+          <a:off x="0" y="0"/>
+          <a:ext cx="0" cy="0"/>
+          <a:chOff x="0" y="0"/>
+          <a:chExt cx="0" cy="0"/>
+        </a:xfrm>
+      </p:grpSpPr>
+      <p:sp>
+        <p:nvSpPr>
+          <p:cNvPr id="2" name="Title 1"/>
+          <p:cNvSpPr>
+            <a:spLocks noGrp="1"/>
+          </p:cNvSpPr>
+          <p:nvPr>
+            <p:ph type="title"/>
+          </p:nvPr>
+        </p:nvSpPr>
+        <p:spPr/>
+        <p:txBody>
+          <a:bodyPr/>
+          <a:lstStyle/>
+          <a:p>
+            <a:r>
+              <a:rPr lang="sv-SE" dirty="0" smtClean="0"/>
+              <a:t>Data</a:t>
+            </a:r>
+            <a:endParaRPr lang="en-GB" dirty="0"/>
+          </a:p>
+        </p:txBody>
+      </p:sp>
+      <p:sp>
+        <p:nvSpPr>
+          <p:cNvPr id="3" name="Content Placeholder 2"/>
+          <p:cNvSpPr>
+            <a:spLocks noGrp="1"/>
+          </p:cNvSpPr>
+          <p:nvPr>
+            <p:ph idx="1"/>
+          </p:nvPr>
+        </p:nvSpPr>
+        <p:spPr/>
+        <p:txBody>
+          <a:bodyPr/>
+          <a:lstStyle/>
+          <a:p>
+            <a:r>
+              <a:rPr lang="sv-SE" dirty="0" smtClean="0"/>
               <a:t>10274 80x80 images</a:t>
             </a:r>
           </a:p>
@@ -4538,13 +5537,423 @@
           </a:p>
           <a:p>
             <a:r>
+              <a:rPr lang="sv-SE" smtClean="0"/>
+              <a:t>Three</a:t>
+            </a:r>
+            <a:r>
+              <a:rPr lang="sv-SE" smtClean="0"/>
+              <a:t> </a:t>
+            </a:r>
+            <a:r>
               <a:rPr lang="sv-SE" dirty="0" smtClean="0"/>
-              <a:t>3 healthy patients, 3 with cancer</a:t>
+              <a:t>healthy </a:t>
+            </a:r>
+            <a:r>
+              <a:rPr lang="sv-SE" dirty="0" smtClean="0"/>
+              <a:t>patients</a:t>
+            </a:r>
+            <a:r>
+              <a:rPr lang="sv-SE" smtClean="0"/>
+              <a:t>, three </a:t>
+            </a:r>
+            <a:r>
+              <a:rPr lang="sv-SE" dirty="0" smtClean="0"/>
+              <a:t>with cancer</a:t>
             </a:r>
             <a:endParaRPr lang="en-GB" dirty="0"/>
           </a:p>
         </p:txBody>
       </p:sp>
+      <p:pic>
+        <p:nvPicPr>
+          <p:cNvPr id="2051" name="Picture 3" descr="C:\Users\Bulb\Documents\Teknisk Fysik\15hp project\code\data\glass_3_im_85.jpg"/>
+          <p:cNvPicPr>
+            <a:picLocks noChangeAspect="1" noChangeArrowheads="1"/>
+          </p:cNvPicPr>
+          <p:nvPr/>
+        </p:nvPicPr>
+        <p:blipFill>
+          <a:blip r:embed="rId2">
+            <a:extLst>
+              <a:ext uri="{28A0092B-C50C-407E-A947-70E740481C1C}">
+                <a14:useLocalDpi xmlns:a14="http://schemas.microsoft.com/office/drawing/2010/main" val="0"/>
+              </a:ext>
+            </a:extLst>
+          </a:blip>
+          <a:srcRect/>
+          <a:stretch>
+            <a:fillRect/>
+          </a:stretch>
+        </p:blipFill>
+        <p:spPr bwMode="auto">
+          <a:xfrm>
+            <a:off x="8229553" y="17105234"/>
+            <a:ext cx="4873771" cy="4908037"/>
+          </a:xfrm>
+          <a:prstGeom prst="rect">
+            <a:avLst/>
+          </a:prstGeom>
+          <a:noFill/>
+          <a:extLst>
+            <a:ext uri="{909E8E84-426E-40DD-AFC4-6F175D3DCCD1}">
+              <a14:hiddenFill xmlns:a14="http://schemas.microsoft.com/office/drawing/2010/main">
+                <a:solidFill>
+                  <a:srgbClr val="FFFFFF"/>
+                </a:solidFill>
+              </a14:hiddenFill>
+            </a:ext>
+          </a:extLst>
+        </p:spPr>
+      </p:pic>
+      <p:pic>
+        <p:nvPicPr>
+          <p:cNvPr id="2052" name="Picture 4" descr="C:\Users\Bulb\Documents\Teknisk Fysik\15hp project\code\data\glass_3_im_200.jpg"/>
+          <p:cNvPicPr>
+            <a:picLocks noChangeAspect="1" noChangeArrowheads="1"/>
+          </p:cNvPicPr>
+          <p:nvPr/>
+        </p:nvPicPr>
+        <p:blipFill>
+          <a:blip r:embed="rId3">
+            <a:extLst>
+              <a:ext uri="{28A0092B-C50C-407E-A947-70E740481C1C}">
+                <a14:useLocalDpi xmlns:a14="http://schemas.microsoft.com/office/drawing/2010/main" val="0"/>
+              </a:ext>
+            </a:extLst>
+          </a:blip>
+          <a:srcRect/>
+          <a:stretch>
+            <a:fillRect/>
+          </a:stretch>
+        </p:blipFill>
+        <p:spPr bwMode="auto">
+          <a:xfrm>
+            <a:off x="13679389" y="17083621"/>
+            <a:ext cx="4873771" cy="4905322"/>
+          </a:xfrm>
+          <a:prstGeom prst="rect">
+            <a:avLst/>
+          </a:prstGeom>
+          <a:noFill/>
+          <a:extLst>
+            <a:ext uri="{909E8E84-426E-40DD-AFC4-6F175D3DCCD1}">
+              <a14:hiddenFill xmlns:a14="http://schemas.microsoft.com/office/drawing/2010/main">
+                <a:solidFill>
+                  <a:srgbClr val="FFFFFF"/>
+                </a:solidFill>
+              </a14:hiddenFill>
+            </a:ext>
+          </a:extLst>
+        </p:spPr>
+      </p:pic>
+      <p:pic>
+        <p:nvPicPr>
+          <p:cNvPr id="2053" name="Picture 5" descr="C:\Users\Bulb\Documents\Teknisk Fysik\15hp project\code\data\glass_3_im_1000.jpg"/>
+          <p:cNvPicPr>
+            <a:picLocks noChangeAspect="1" noChangeArrowheads="1"/>
+          </p:cNvPicPr>
+          <p:nvPr/>
+        </p:nvPicPr>
+        <p:blipFill>
+          <a:blip r:embed="rId4">
+            <a:extLst>
+              <a:ext uri="{28A0092B-C50C-407E-A947-70E740481C1C}">
+                <a14:useLocalDpi xmlns:a14="http://schemas.microsoft.com/office/drawing/2010/main" val="0"/>
+              </a:ext>
+            </a:extLst>
+          </a:blip>
+          <a:srcRect/>
+          <a:stretch>
+            <a:fillRect/>
+          </a:stretch>
+        </p:blipFill>
+        <p:spPr bwMode="auto">
+          <a:xfrm>
+            <a:off x="8172980" y="11707190"/>
+            <a:ext cx="4905322" cy="4905322"/>
+          </a:xfrm>
+          <a:prstGeom prst="rect">
+            <a:avLst/>
+          </a:prstGeom>
+          <a:noFill/>
+          <a:extLst>
+            <a:ext uri="{909E8E84-426E-40DD-AFC4-6F175D3DCCD1}">
+              <a14:hiddenFill xmlns:a14="http://schemas.microsoft.com/office/drawing/2010/main">
+                <a:solidFill>
+                  <a:srgbClr val="FFFFFF"/>
+                </a:solidFill>
+              </a14:hiddenFill>
+            </a:ext>
+          </a:extLst>
+        </p:spPr>
+      </p:pic>
+      <p:sp>
+        <p:nvSpPr>
+          <p:cNvPr id="4" name="TextBox 3"/>
+          <p:cNvSpPr txBox="1"/>
+          <p:nvPr/>
+        </p:nvSpPr>
+        <p:spPr>
+          <a:xfrm>
+            <a:off x="8172980" y="22763417"/>
+            <a:ext cx="10411732" cy="1169551"/>
+          </a:xfrm>
+          <a:prstGeom prst="rect">
+            <a:avLst/>
+          </a:prstGeom>
+          <a:noFill/>
+        </p:spPr>
+        <p:txBody>
+          <a:bodyPr wrap="square" rtlCol="0">
+            <a:spAutoFit/>
+          </a:bodyPr>
+          <a:lstStyle/>
+          <a:p>
+            <a:pPr algn="ctr"/>
+            <a:r>
+              <a:rPr lang="sv-SE" sz="7000" b="1" dirty="0" smtClean="0"/>
+              <a:t>Healthy Cells</a:t>
+            </a:r>
+            <a:endParaRPr lang="en-GB" sz="7000" b="1" dirty="0"/>
+          </a:p>
+        </p:txBody>
+      </p:sp>
+      <p:pic>
+        <p:nvPicPr>
+          <p:cNvPr id="2057" name="Picture 9" descr="C:\Users\Bulb\Documents\Teknisk Fysik\15hp project\code\data\glass_12_im_50.jpg"/>
+          <p:cNvPicPr>
+            <a:picLocks noChangeAspect="1" noChangeArrowheads="1"/>
+          </p:cNvPicPr>
+          <p:nvPr/>
+        </p:nvPicPr>
+        <p:blipFill>
+          <a:blip r:embed="rId5">
+            <a:extLst>
+              <a:ext uri="{28A0092B-C50C-407E-A947-70E740481C1C}">
+                <a14:useLocalDpi xmlns:a14="http://schemas.microsoft.com/office/drawing/2010/main" val="0"/>
+              </a:ext>
+            </a:extLst>
+          </a:blip>
+          <a:srcRect/>
+          <a:stretch>
+            <a:fillRect/>
+          </a:stretch>
+        </p:blipFill>
+        <p:spPr bwMode="auto">
+          <a:xfrm>
+            <a:off x="21918259" y="11682862"/>
+            <a:ext cx="4905322" cy="4905322"/>
+          </a:xfrm>
+          <a:prstGeom prst="rect">
+            <a:avLst/>
+          </a:prstGeom>
+          <a:noFill/>
+          <a:extLst>
+            <a:ext uri="{909E8E84-426E-40DD-AFC4-6F175D3DCCD1}">
+              <a14:hiddenFill xmlns:a14="http://schemas.microsoft.com/office/drawing/2010/main">
+                <a:solidFill>
+                  <a:srgbClr val="FFFFFF"/>
+                </a:solidFill>
+              </a14:hiddenFill>
+            </a:ext>
+          </a:extLst>
+        </p:spPr>
+      </p:pic>
+      <p:pic>
+        <p:nvPicPr>
+          <p:cNvPr id="2058" name="Picture 10" descr="C:\Users\Bulb\Documents\Teknisk Fysik\15hp project\code\data\glass_12_im_100.jpg"/>
+          <p:cNvPicPr>
+            <a:picLocks noChangeAspect="1" noChangeArrowheads="1"/>
+          </p:cNvPicPr>
+          <p:nvPr/>
+        </p:nvPicPr>
+        <p:blipFill>
+          <a:blip r:embed="rId6">
+            <a:extLst>
+              <a:ext uri="{28A0092B-C50C-407E-A947-70E740481C1C}">
+                <a14:useLocalDpi xmlns:a14="http://schemas.microsoft.com/office/drawing/2010/main" val="0"/>
+              </a:ext>
+            </a:extLst>
+          </a:blip>
+          <a:srcRect/>
+          <a:stretch>
+            <a:fillRect/>
+          </a:stretch>
+        </p:blipFill>
+        <p:spPr bwMode="auto">
+          <a:xfrm>
+            <a:off x="27288901" y="16996064"/>
+            <a:ext cx="4968552" cy="4968552"/>
+          </a:xfrm>
+          <a:prstGeom prst="rect">
+            <a:avLst/>
+          </a:prstGeom>
+          <a:noFill/>
+          <a:extLst>
+            <a:ext uri="{909E8E84-426E-40DD-AFC4-6F175D3DCCD1}">
+              <a14:hiddenFill xmlns:a14="http://schemas.microsoft.com/office/drawing/2010/main">
+                <a:solidFill>
+                  <a:srgbClr val="FFFFFF"/>
+                </a:solidFill>
+              </a14:hiddenFill>
+            </a:ext>
+          </a:extLst>
+        </p:spPr>
+      </p:pic>
+      <p:pic>
+        <p:nvPicPr>
+          <p:cNvPr id="2059" name="Picture 11" descr="C:\Users\Bulb\Documents\Teknisk Fysik\15hp project\code\data\glass_12_im_200.jpg"/>
+          <p:cNvPicPr>
+            <a:picLocks noChangeAspect="1" noChangeArrowheads="1"/>
+          </p:cNvPicPr>
+          <p:nvPr/>
+        </p:nvPicPr>
+        <p:blipFill>
+          <a:blip r:embed="rId7">
+            <a:extLst>
+              <a:ext uri="{28A0092B-C50C-407E-A947-70E740481C1C}">
+                <a14:useLocalDpi xmlns:a14="http://schemas.microsoft.com/office/drawing/2010/main" val="0"/>
+              </a:ext>
+            </a:extLst>
+          </a:blip>
+          <a:srcRect/>
+          <a:stretch>
+            <a:fillRect/>
+          </a:stretch>
+        </p:blipFill>
+        <p:spPr bwMode="auto">
+          <a:xfrm>
+            <a:off x="21918259" y="17037680"/>
+            <a:ext cx="4896544" cy="4896544"/>
+          </a:xfrm>
+          <a:prstGeom prst="rect">
+            <a:avLst/>
+          </a:prstGeom>
+          <a:noFill/>
+          <a:extLst>
+            <a:ext uri="{909E8E84-426E-40DD-AFC4-6F175D3DCCD1}">
+              <a14:hiddenFill xmlns:a14="http://schemas.microsoft.com/office/drawing/2010/main">
+                <a:solidFill>
+                  <a:srgbClr val="FFFFFF"/>
+                </a:solidFill>
+              </a14:hiddenFill>
+            </a:ext>
+          </a:extLst>
+        </p:spPr>
+      </p:pic>
+      <p:pic>
+        <p:nvPicPr>
+          <p:cNvPr id="2061" name="Picture 13" descr="C:\Users\Bulb\Documents\Teknisk Fysik\15hp project\code\data\glass_4_im_1.jpg"/>
+          <p:cNvPicPr>
+            <a:picLocks noChangeAspect="1" noChangeArrowheads="1"/>
+          </p:cNvPicPr>
+          <p:nvPr/>
+        </p:nvPicPr>
+        <p:blipFill>
+          <a:blip r:embed="rId8">
+            <a:extLst>
+              <a:ext uri="{28A0092B-C50C-407E-A947-70E740481C1C}">
+                <a14:useLocalDpi xmlns:a14="http://schemas.microsoft.com/office/drawing/2010/main" val="0"/>
+              </a:ext>
+            </a:extLst>
+          </a:blip>
+          <a:srcRect/>
+          <a:stretch>
+            <a:fillRect/>
+          </a:stretch>
+        </p:blipFill>
+        <p:spPr bwMode="auto">
+          <a:xfrm>
+            <a:off x="13679389" y="11707191"/>
+            <a:ext cx="4905322" cy="4905322"/>
+          </a:xfrm>
+          <a:prstGeom prst="rect">
+            <a:avLst/>
+          </a:prstGeom>
+          <a:noFill/>
+          <a:extLst>
+            <a:ext uri="{909E8E84-426E-40DD-AFC4-6F175D3DCCD1}">
+              <a14:hiddenFill xmlns:a14="http://schemas.microsoft.com/office/drawing/2010/main">
+                <a:solidFill>
+                  <a:srgbClr val="FFFFFF"/>
+                </a:solidFill>
+              </a14:hiddenFill>
+            </a:ext>
+          </a:extLst>
+        </p:spPr>
+      </p:pic>
+      <p:sp>
+        <p:nvSpPr>
+          <p:cNvPr id="18" name="TextBox 17"/>
+          <p:cNvSpPr txBox="1"/>
+          <p:nvPr/>
+        </p:nvSpPr>
+        <p:spPr>
+          <a:xfrm>
+            <a:off x="21918259" y="22739089"/>
+            <a:ext cx="9979154" cy="1169551"/>
+          </a:xfrm>
+          <a:prstGeom prst="rect">
+            <a:avLst/>
+          </a:prstGeom>
+          <a:noFill/>
+        </p:spPr>
+        <p:txBody>
+          <a:bodyPr wrap="square" rtlCol="0">
+            <a:spAutoFit/>
+          </a:bodyPr>
+          <a:lstStyle/>
+          <a:p>
+            <a:pPr algn="ctr"/>
+            <a:r>
+              <a:rPr lang="sv-SE" sz="7000" b="1" dirty="0" smtClean="0"/>
+              <a:t>Cancer Cells</a:t>
+            </a:r>
+            <a:endParaRPr lang="en-GB" sz="7000" b="1" dirty="0"/>
+          </a:p>
+        </p:txBody>
+      </p:sp>
+      <p:pic>
+        <p:nvPicPr>
+          <p:cNvPr id="2063" name="Picture 15" descr="C:\Users\Bulb\Documents\Teknisk Fysik\15hp project\code\data\glass_37_im_1.jpg"/>
+          <p:cNvPicPr>
+            <a:picLocks noChangeAspect="1" noChangeArrowheads="1"/>
+          </p:cNvPicPr>
+          <p:nvPr/>
+        </p:nvPicPr>
+        <p:blipFill>
+          <a:blip r:embed="rId9">
+            <a:extLst>
+              <a:ext uri="{28A0092B-C50C-407E-A947-70E740481C1C}">
+                <a14:useLocalDpi xmlns:a14="http://schemas.microsoft.com/office/drawing/2010/main" val="0"/>
+              </a:ext>
+            </a:extLst>
+          </a:blip>
+          <a:srcRect/>
+          <a:stretch>
+            <a:fillRect/>
+          </a:stretch>
+        </p:blipFill>
+        <p:spPr bwMode="auto">
+          <a:xfrm>
+            <a:off x="27259895" y="11590628"/>
+            <a:ext cx="4997557" cy="4997557"/>
+          </a:xfrm>
+          <a:prstGeom prst="rect">
+            <a:avLst/>
+          </a:prstGeom>
+          <a:noFill/>
+          <a:extLst>
+            <a:ext uri="{909E8E84-426E-40DD-AFC4-6F175D3DCCD1}">
+              <a14:hiddenFill xmlns:a14="http://schemas.microsoft.com/office/drawing/2010/main">
+                <a:solidFill>
+                  <a:srgbClr val="FFFFFF"/>
+                </a:solidFill>
+              </a14:hiddenFill>
+            </a:ext>
+          </a:extLst>
+        </p:spPr>
+      </p:pic>
     </p:spTree>
     <p:extLst>
       <p:ext uri="{BB962C8B-B14F-4D97-AF65-F5344CB8AC3E}">
@@ -4555,10 +5964,1342 @@
   <p:clrMapOvr>
     <a:masterClrMapping/>
   </p:clrMapOvr>
+  <p:timing>
+    <p:tnLst>
+      <p:par>
+        <p:cTn id="1" dur="indefinite" restart="never" nodeType="tmRoot">
+          <p:childTnLst>
+            <p:seq concurrent="1" nextAc="seek">
+              <p:cTn id="2" dur="indefinite" nodeType="mainSeq">
+                <p:childTnLst>
+                  <p:par>
+                    <p:cTn id="3" fill="hold">
+                      <p:stCondLst>
+                        <p:cond delay="indefinite"/>
+                      </p:stCondLst>
+                      <p:childTnLst>
+                        <p:par>
+                          <p:cTn id="4" fill="hold">
+                            <p:stCondLst>
+                              <p:cond delay="0"/>
+                            </p:stCondLst>
+                            <p:childTnLst>
+                              <p:par>
+                                <p:cTn id="5" presetID="10" presetClass="entr" presetSubtype="0" fill="hold" grpId="0" nodeType="clickEffect">
+                                  <p:stCondLst>
+                                    <p:cond delay="0"/>
+                                  </p:stCondLst>
+                                  <p:childTnLst>
+                                    <p:set>
+                                      <p:cBhvr>
+                                        <p:cTn id="6" dur="1" fill="hold">
+                                          <p:stCondLst>
+                                            <p:cond delay="0"/>
+                                          </p:stCondLst>
+                                        </p:cTn>
+                                        <p:tgtEl>
+                                          <p:spTgt spid="3">
+                                            <p:txEl>
+                                              <p:pRg st="0" end="0"/>
+                                            </p:txEl>
+                                          </p:spTgt>
+                                        </p:tgtEl>
+                                        <p:attrNameLst>
+                                          <p:attrName>style.visibility</p:attrName>
+                                        </p:attrNameLst>
+                                      </p:cBhvr>
+                                      <p:to>
+                                        <p:strVal val="visible"/>
+                                      </p:to>
+                                    </p:set>
+                                    <p:animEffect transition="in" filter="fade">
+                                      <p:cBhvr>
+                                        <p:cTn id="7" dur="500"/>
+                                        <p:tgtEl>
+                                          <p:spTgt spid="3">
+                                            <p:txEl>
+                                              <p:pRg st="0" end="0"/>
+                                            </p:txEl>
+                                          </p:spTgt>
+                                        </p:tgtEl>
+                                      </p:cBhvr>
+                                    </p:animEffect>
+                                  </p:childTnLst>
+                                </p:cTn>
+                              </p:par>
+                            </p:childTnLst>
+                          </p:cTn>
+                        </p:par>
+                      </p:childTnLst>
+                    </p:cTn>
+                  </p:par>
+                  <p:par>
+                    <p:cTn id="8" fill="hold">
+                      <p:stCondLst>
+                        <p:cond delay="indefinite"/>
+                      </p:stCondLst>
+                      <p:childTnLst>
+                        <p:par>
+                          <p:cTn id="9" fill="hold">
+                            <p:stCondLst>
+                              <p:cond delay="0"/>
+                            </p:stCondLst>
+                            <p:childTnLst>
+                              <p:par>
+                                <p:cTn id="10" presetID="10" presetClass="entr" presetSubtype="0" fill="hold" grpId="0" nodeType="clickEffect">
+                                  <p:stCondLst>
+                                    <p:cond delay="0"/>
+                                  </p:stCondLst>
+                                  <p:childTnLst>
+                                    <p:set>
+                                      <p:cBhvr>
+                                        <p:cTn id="11" dur="1" fill="hold">
+                                          <p:stCondLst>
+                                            <p:cond delay="0"/>
+                                          </p:stCondLst>
+                                        </p:cTn>
+                                        <p:tgtEl>
+                                          <p:spTgt spid="3">
+                                            <p:txEl>
+                                              <p:pRg st="1" end="1"/>
+                                            </p:txEl>
+                                          </p:spTgt>
+                                        </p:tgtEl>
+                                        <p:attrNameLst>
+                                          <p:attrName>style.visibility</p:attrName>
+                                        </p:attrNameLst>
+                                      </p:cBhvr>
+                                      <p:to>
+                                        <p:strVal val="visible"/>
+                                      </p:to>
+                                    </p:set>
+                                    <p:animEffect transition="in" filter="fade">
+                                      <p:cBhvr>
+                                        <p:cTn id="12" dur="500"/>
+                                        <p:tgtEl>
+                                          <p:spTgt spid="3">
+                                            <p:txEl>
+                                              <p:pRg st="1" end="1"/>
+                                            </p:txEl>
+                                          </p:spTgt>
+                                        </p:tgtEl>
+                                      </p:cBhvr>
+                                    </p:animEffect>
+                                  </p:childTnLst>
+                                </p:cTn>
+                              </p:par>
+                            </p:childTnLst>
+                          </p:cTn>
+                        </p:par>
+                      </p:childTnLst>
+                    </p:cTn>
+                  </p:par>
+                  <p:par>
+                    <p:cTn id="13" fill="hold">
+                      <p:stCondLst>
+                        <p:cond delay="indefinite"/>
+                      </p:stCondLst>
+                      <p:childTnLst>
+                        <p:par>
+                          <p:cTn id="14" fill="hold">
+                            <p:stCondLst>
+                              <p:cond delay="0"/>
+                            </p:stCondLst>
+                            <p:childTnLst>
+                              <p:par>
+                                <p:cTn id="15" presetID="10" presetClass="entr" presetSubtype="0" fill="hold" grpId="0" nodeType="clickEffect">
+                                  <p:stCondLst>
+                                    <p:cond delay="0"/>
+                                  </p:stCondLst>
+                                  <p:childTnLst>
+                                    <p:set>
+                                      <p:cBhvr>
+                                        <p:cTn id="16" dur="1" fill="hold">
+                                          <p:stCondLst>
+                                            <p:cond delay="0"/>
+                                          </p:stCondLst>
+                                        </p:cTn>
+                                        <p:tgtEl>
+                                          <p:spTgt spid="3">
+                                            <p:txEl>
+                                              <p:pRg st="2" end="2"/>
+                                            </p:txEl>
+                                          </p:spTgt>
+                                        </p:tgtEl>
+                                        <p:attrNameLst>
+                                          <p:attrName>style.visibility</p:attrName>
+                                        </p:attrNameLst>
+                                      </p:cBhvr>
+                                      <p:to>
+                                        <p:strVal val="visible"/>
+                                      </p:to>
+                                    </p:set>
+                                    <p:animEffect transition="in" filter="fade">
+                                      <p:cBhvr>
+                                        <p:cTn id="17" dur="500"/>
+                                        <p:tgtEl>
+                                          <p:spTgt spid="3">
+                                            <p:txEl>
+                                              <p:pRg st="2" end="2"/>
+                                            </p:txEl>
+                                          </p:spTgt>
+                                        </p:tgtEl>
+                                      </p:cBhvr>
+                                    </p:animEffect>
+                                  </p:childTnLst>
+                                </p:cTn>
+                              </p:par>
+                            </p:childTnLst>
+                          </p:cTn>
+                        </p:par>
+                      </p:childTnLst>
+                    </p:cTn>
+                  </p:par>
+                </p:childTnLst>
+              </p:cTn>
+              <p:prevCondLst>
+                <p:cond evt="onPrev" delay="0">
+                  <p:tgtEl>
+                    <p:sldTgt/>
+                  </p:tgtEl>
+                </p:cond>
+              </p:prevCondLst>
+              <p:nextCondLst>
+                <p:cond evt="onNext" delay="0">
+                  <p:tgtEl>
+                    <p:sldTgt/>
+                  </p:tgtEl>
+                </p:cond>
+              </p:nextCondLst>
+            </p:seq>
+          </p:childTnLst>
+        </p:cTn>
+      </p:par>
+    </p:tnLst>
+    <p:bldLst>
+      <p:bldP spid="3" grpId="0" build="p"/>
+    </p:bldLst>
+  </p:timing>
 </p:sld>
 </file>
 
-<file path=ppt/slides/slide3.xml><?xml version="1.0" encoding="utf-8"?>
+<file path=ppt/slides/slide4.xml><?xml version="1.0" encoding="utf-8"?>
+<p:sld xmlns:a="http://schemas.openxmlformats.org/drawingml/2006/main" xmlns:r="http://schemas.openxmlformats.org/officeDocument/2006/relationships" xmlns:p="http://schemas.openxmlformats.org/presentationml/2006/main">
+  <p:cSld>
+    <p:spTree>
+      <p:nvGrpSpPr>
+        <p:cNvPr id="1" name=""/>
+        <p:cNvGrpSpPr/>
+        <p:nvPr/>
+      </p:nvGrpSpPr>
+      <p:grpSpPr>
+        <a:xfrm>
+          <a:off x="0" y="0"/>
+          <a:ext cx="0" cy="0"/>
+          <a:chOff x="0" y="0"/>
+          <a:chExt cx="0" cy="0"/>
+        </a:xfrm>
+      </p:grpSpPr>
+      <p:sp>
+        <p:nvSpPr>
+          <p:cNvPr id="2" name="Title 1"/>
+          <p:cNvSpPr>
+            <a:spLocks noGrp="1"/>
+          </p:cNvSpPr>
+          <p:nvPr>
+            <p:ph type="title"/>
+          </p:nvPr>
+        </p:nvSpPr>
+        <p:spPr/>
+        <p:txBody>
+          <a:bodyPr/>
+          <a:lstStyle/>
+          <a:p>
+            <a:r>
+              <a:rPr lang="sv-SE" dirty="0" smtClean="0"/>
+              <a:t>Local Binary Patterns - LBP</a:t>
+            </a:r>
+            <a:endParaRPr lang="en-GB" dirty="0"/>
+          </a:p>
+        </p:txBody>
+      </p:sp>
+      <p:sp>
+        <p:nvSpPr>
+          <p:cNvPr id="3" name="Content Placeholder 2"/>
+          <p:cNvSpPr>
+            <a:spLocks noGrp="1"/>
+          </p:cNvSpPr>
+          <p:nvPr>
+            <p:ph idx="1"/>
+          </p:nvPr>
+        </p:nvSpPr>
+        <p:spPr/>
+        <p:txBody>
+          <a:bodyPr/>
+          <a:lstStyle/>
+          <a:p>
+            <a:r>
+              <a:rPr lang="sv-SE" sz="9200" dirty="0" smtClean="0"/>
+              <a:t>Specific type of filter proposed by Ojala et al. in their paper published in 2002:</a:t>
+            </a:r>
+          </a:p>
+          <a:p>
+            <a:endParaRPr lang="en-GB" sz="9200" dirty="0"/>
+          </a:p>
+        </p:txBody>
+      </p:sp>
+      <p:graphicFrame>
+        <p:nvGraphicFramePr>
+          <p:cNvPr id="4" name="Table 3"/>
+          <p:cNvGraphicFramePr>
+            <a:graphicFrameLocks noGrp="1"/>
+          </p:cNvGraphicFramePr>
+          <p:nvPr>
+            <p:extLst>
+              <p:ext uri="{D42A27DB-BD31-4B8C-83A1-F6EECF244321}">
+                <p14:modId xmlns:p14="http://schemas.microsoft.com/office/powerpoint/2010/main" val="2617114742"/>
+              </p:ext>
+            </p:extLst>
+          </p:nvPr>
+        </p:nvGraphicFramePr>
+        <p:xfrm>
+          <a:off x="9898967" y="8544491"/>
+          <a:ext cx="5472609" cy="4176465"/>
+        </p:xfrm>
+        <a:graphic>
+          <a:graphicData uri="http://schemas.openxmlformats.org/drawingml/2006/table">
+            <a:tbl>
+              <a:tblPr firstRow="1" bandRow="1">
+                <a:tableStyleId>{5940675A-B579-460E-94D1-54222C63F5DA}</a:tableStyleId>
+              </a:tblPr>
+              <a:tblGrid>
+                <a:gridCol w="1824203"/>
+                <a:gridCol w="1824203"/>
+                <a:gridCol w="1824203"/>
+              </a:tblGrid>
+              <a:tr h="1379383">
+                <a:tc>
+                  <a:txBody>
+                    <a:bodyPr/>
+                    <a:lstStyle/>
+                    <a:p>
+                      <a:pPr algn="ctr"/>
+                      <a:r>
+                        <a:rPr lang="sv-SE" sz="7000" b="1" dirty="0" smtClean="0"/>
+                        <a:t>1</a:t>
+                      </a:r>
+                      <a:endParaRPr lang="en-GB" sz="7000" b="1" dirty="0"/>
+                    </a:p>
+                  </a:txBody>
+                  <a:tcPr/>
+                </a:tc>
+                <a:tc>
+                  <a:txBody>
+                    <a:bodyPr/>
+                    <a:lstStyle/>
+                    <a:p>
+                      <a:pPr algn="ctr"/>
+                      <a:r>
+                        <a:rPr lang="sv-SE" sz="7000" b="1" dirty="0" smtClean="0"/>
+                        <a:t>0</a:t>
+                      </a:r>
+                      <a:endParaRPr lang="en-GB" sz="7000" b="1" dirty="0"/>
+                    </a:p>
+                  </a:txBody>
+                  <a:tcPr/>
+                </a:tc>
+                <a:tc>
+                  <a:txBody>
+                    <a:bodyPr/>
+                    <a:lstStyle/>
+                    <a:p>
+                      <a:pPr algn="ctr"/>
+                      <a:r>
+                        <a:rPr lang="sv-SE" sz="7000" b="1" dirty="0" smtClean="0"/>
+                        <a:t>0</a:t>
+                      </a:r>
+                      <a:endParaRPr lang="en-GB" sz="7000" b="1" dirty="0"/>
+                    </a:p>
+                  </a:txBody>
+                  <a:tcPr/>
+                </a:tc>
+              </a:tr>
+              <a:tr h="1398541">
+                <a:tc>
+                  <a:txBody>
+                    <a:bodyPr/>
+                    <a:lstStyle/>
+                    <a:p>
+                      <a:pPr algn="ctr"/>
+                      <a:r>
+                        <a:rPr lang="sv-SE" sz="7000" b="1" dirty="0" smtClean="0"/>
+                        <a:t>0</a:t>
+                      </a:r>
+                      <a:endParaRPr lang="en-GB" sz="7000" b="1" dirty="0"/>
+                    </a:p>
+                  </a:txBody>
+                  <a:tcPr/>
+                </a:tc>
+                <a:tc>
+                  <a:txBody>
+                    <a:bodyPr/>
+                    <a:lstStyle/>
+                    <a:p>
+                      <a:pPr algn="ctr"/>
+                      <a:r>
+                        <a:rPr lang="sv-SE" sz="7000" b="1" dirty="0" smtClean="0"/>
+                        <a:t>-1</a:t>
+                      </a:r>
+                      <a:endParaRPr lang="en-GB" sz="7000" b="1" dirty="0"/>
+                    </a:p>
+                  </a:txBody>
+                  <a:tcPr/>
+                </a:tc>
+                <a:tc>
+                  <a:txBody>
+                    <a:bodyPr/>
+                    <a:lstStyle/>
+                    <a:p>
+                      <a:pPr algn="ctr"/>
+                      <a:r>
+                        <a:rPr lang="sv-SE" sz="7000" b="1" dirty="0" smtClean="0"/>
+                        <a:t>0</a:t>
+                      </a:r>
+                      <a:endParaRPr lang="en-GB" sz="7000" b="1" dirty="0"/>
+                    </a:p>
+                  </a:txBody>
+                  <a:tcPr/>
+                </a:tc>
+              </a:tr>
+              <a:tr h="1398541">
+                <a:tc>
+                  <a:txBody>
+                    <a:bodyPr/>
+                    <a:lstStyle/>
+                    <a:p>
+                      <a:pPr algn="ctr"/>
+                      <a:r>
+                        <a:rPr lang="sv-SE" sz="7000" b="1" dirty="0" smtClean="0"/>
+                        <a:t>0</a:t>
+                      </a:r>
+                      <a:endParaRPr lang="en-GB" sz="7000" b="1" dirty="0"/>
+                    </a:p>
+                  </a:txBody>
+                  <a:tcPr/>
+                </a:tc>
+                <a:tc>
+                  <a:txBody>
+                    <a:bodyPr/>
+                    <a:lstStyle/>
+                    <a:p>
+                      <a:pPr algn="ctr"/>
+                      <a:r>
+                        <a:rPr lang="sv-SE" sz="7000" b="1" dirty="0" smtClean="0"/>
+                        <a:t>0</a:t>
+                      </a:r>
+                      <a:endParaRPr lang="en-GB" sz="7000" b="1" dirty="0"/>
+                    </a:p>
+                  </a:txBody>
+                  <a:tcPr/>
+                </a:tc>
+                <a:tc>
+                  <a:txBody>
+                    <a:bodyPr/>
+                    <a:lstStyle/>
+                    <a:p>
+                      <a:pPr algn="ctr"/>
+                      <a:r>
+                        <a:rPr lang="sv-SE" sz="7000" b="1" dirty="0" smtClean="0"/>
+                        <a:t>0</a:t>
+                      </a:r>
+                      <a:endParaRPr lang="en-GB" sz="7000" b="1" dirty="0"/>
+                    </a:p>
+                  </a:txBody>
+                  <a:tcPr/>
+                </a:tc>
+              </a:tr>
+            </a:tbl>
+          </a:graphicData>
+        </a:graphic>
+      </p:graphicFrame>
+      <p:graphicFrame>
+        <p:nvGraphicFramePr>
+          <p:cNvPr id="5" name="Table 4"/>
+          <p:cNvGraphicFramePr>
+            <a:graphicFrameLocks noGrp="1"/>
+          </p:cNvGraphicFramePr>
+          <p:nvPr>
+            <p:extLst>
+              <p:ext uri="{D42A27DB-BD31-4B8C-83A1-F6EECF244321}">
+                <p14:modId xmlns:p14="http://schemas.microsoft.com/office/powerpoint/2010/main" val="350322288"/>
+              </p:ext>
+            </p:extLst>
+          </p:nvPr>
+        </p:nvGraphicFramePr>
+        <p:xfrm>
+          <a:off x="16091655" y="8544491"/>
+          <a:ext cx="5472609" cy="4176465"/>
+        </p:xfrm>
+        <a:graphic>
+          <a:graphicData uri="http://schemas.openxmlformats.org/drawingml/2006/table">
+            <a:tbl>
+              <a:tblPr firstRow="1" bandRow="1">
+                <a:tableStyleId>{5940675A-B579-460E-94D1-54222C63F5DA}</a:tableStyleId>
+              </a:tblPr>
+              <a:tblGrid>
+                <a:gridCol w="1824203"/>
+                <a:gridCol w="1824203"/>
+                <a:gridCol w="1824203"/>
+              </a:tblGrid>
+              <a:tr h="1379383">
+                <a:tc>
+                  <a:txBody>
+                    <a:bodyPr/>
+                    <a:lstStyle/>
+                    <a:p>
+                      <a:pPr algn="ctr"/>
+                      <a:r>
+                        <a:rPr lang="sv-SE" sz="7000" b="1" dirty="0" smtClean="0"/>
+                        <a:t>0</a:t>
+                      </a:r>
+                      <a:endParaRPr lang="en-GB" sz="7000" b="1" dirty="0"/>
+                    </a:p>
+                  </a:txBody>
+                  <a:tcPr/>
+                </a:tc>
+                <a:tc>
+                  <a:txBody>
+                    <a:bodyPr/>
+                    <a:lstStyle/>
+                    <a:p>
+                      <a:pPr algn="ctr"/>
+                      <a:r>
+                        <a:rPr lang="sv-SE" sz="7000" b="1" dirty="0" smtClean="0"/>
+                        <a:t>1</a:t>
+                      </a:r>
+                      <a:endParaRPr lang="en-GB" sz="7000" b="1" dirty="0"/>
+                    </a:p>
+                  </a:txBody>
+                  <a:tcPr/>
+                </a:tc>
+                <a:tc>
+                  <a:txBody>
+                    <a:bodyPr/>
+                    <a:lstStyle/>
+                    <a:p>
+                      <a:pPr algn="ctr"/>
+                      <a:r>
+                        <a:rPr lang="sv-SE" sz="7000" b="1" dirty="0" smtClean="0"/>
+                        <a:t>0</a:t>
+                      </a:r>
+                      <a:endParaRPr lang="en-GB" sz="7000" b="1" dirty="0"/>
+                    </a:p>
+                  </a:txBody>
+                  <a:tcPr/>
+                </a:tc>
+              </a:tr>
+              <a:tr h="1398541">
+                <a:tc>
+                  <a:txBody>
+                    <a:bodyPr/>
+                    <a:lstStyle/>
+                    <a:p>
+                      <a:pPr algn="ctr"/>
+                      <a:r>
+                        <a:rPr lang="sv-SE" sz="7000" b="1" dirty="0" smtClean="0"/>
+                        <a:t>0</a:t>
+                      </a:r>
+                      <a:endParaRPr lang="en-GB" sz="7000" b="1" dirty="0"/>
+                    </a:p>
+                  </a:txBody>
+                  <a:tcPr/>
+                </a:tc>
+                <a:tc>
+                  <a:txBody>
+                    <a:bodyPr/>
+                    <a:lstStyle/>
+                    <a:p>
+                      <a:pPr algn="ctr"/>
+                      <a:r>
+                        <a:rPr lang="sv-SE" sz="7000" b="1" dirty="0" smtClean="0"/>
+                        <a:t>-1</a:t>
+                      </a:r>
+                      <a:endParaRPr lang="en-GB" sz="7000" b="1" dirty="0"/>
+                    </a:p>
+                  </a:txBody>
+                  <a:tcPr/>
+                </a:tc>
+                <a:tc>
+                  <a:txBody>
+                    <a:bodyPr/>
+                    <a:lstStyle/>
+                    <a:p>
+                      <a:pPr algn="ctr"/>
+                      <a:r>
+                        <a:rPr lang="sv-SE" sz="7000" b="1" dirty="0" smtClean="0"/>
+                        <a:t>0</a:t>
+                      </a:r>
+                      <a:endParaRPr lang="en-GB" sz="7000" b="1" dirty="0"/>
+                    </a:p>
+                  </a:txBody>
+                  <a:tcPr/>
+                </a:tc>
+              </a:tr>
+              <a:tr h="1398541">
+                <a:tc>
+                  <a:txBody>
+                    <a:bodyPr/>
+                    <a:lstStyle/>
+                    <a:p>
+                      <a:pPr algn="ctr"/>
+                      <a:r>
+                        <a:rPr lang="sv-SE" sz="7000" b="1" dirty="0" smtClean="0"/>
+                        <a:t>0</a:t>
+                      </a:r>
+                      <a:endParaRPr lang="en-GB" sz="7000" b="1" dirty="0"/>
+                    </a:p>
+                  </a:txBody>
+                  <a:tcPr/>
+                </a:tc>
+                <a:tc>
+                  <a:txBody>
+                    <a:bodyPr/>
+                    <a:lstStyle/>
+                    <a:p>
+                      <a:pPr algn="ctr"/>
+                      <a:r>
+                        <a:rPr lang="sv-SE" sz="7000" b="1" dirty="0" smtClean="0"/>
+                        <a:t>0</a:t>
+                      </a:r>
+                      <a:endParaRPr lang="en-GB" sz="7000" b="1" dirty="0"/>
+                    </a:p>
+                  </a:txBody>
+                  <a:tcPr/>
+                </a:tc>
+                <a:tc>
+                  <a:txBody>
+                    <a:bodyPr/>
+                    <a:lstStyle/>
+                    <a:p>
+                      <a:pPr algn="ctr"/>
+                      <a:r>
+                        <a:rPr lang="sv-SE" sz="7000" b="1" dirty="0" smtClean="0"/>
+                        <a:t>0</a:t>
+                      </a:r>
+                      <a:endParaRPr lang="en-GB" sz="7000" b="1" dirty="0"/>
+                    </a:p>
+                  </a:txBody>
+                  <a:tcPr/>
+                </a:tc>
+              </a:tr>
+            </a:tbl>
+          </a:graphicData>
+        </a:graphic>
+      </p:graphicFrame>
+      <p:sp>
+        <p:nvSpPr>
+          <p:cNvPr id="6" name="TextBox 5"/>
+          <p:cNvSpPr txBox="1"/>
+          <p:nvPr/>
+        </p:nvSpPr>
+        <p:spPr>
+          <a:xfrm>
+            <a:off x="22356351" y="9457075"/>
+            <a:ext cx="2124236" cy="1631216"/>
+          </a:xfrm>
+          <a:prstGeom prst="rect">
+            <a:avLst/>
+          </a:prstGeom>
+          <a:noFill/>
+        </p:spPr>
+        <p:txBody>
+          <a:bodyPr wrap="square" rtlCol="0">
+            <a:spAutoFit/>
+          </a:bodyPr>
+          <a:lstStyle/>
+          <a:p>
+            <a:r>
+              <a:rPr lang="sv-SE" sz="10000" b="1" dirty="0" smtClean="0"/>
+              <a:t>. . .</a:t>
+            </a:r>
+            <a:endParaRPr lang="en-GB" sz="10000" b="1" dirty="0"/>
+          </a:p>
+        </p:txBody>
+      </p:sp>
+      <p:graphicFrame>
+        <p:nvGraphicFramePr>
+          <p:cNvPr id="7" name="Table 6"/>
+          <p:cNvGraphicFramePr>
+            <a:graphicFrameLocks noGrp="1"/>
+          </p:cNvGraphicFramePr>
+          <p:nvPr>
+            <p:extLst>
+              <p:ext uri="{D42A27DB-BD31-4B8C-83A1-F6EECF244321}">
+                <p14:modId xmlns:p14="http://schemas.microsoft.com/office/powerpoint/2010/main" val="1086045762"/>
+              </p:ext>
+            </p:extLst>
+          </p:nvPr>
+        </p:nvGraphicFramePr>
+        <p:xfrm>
+          <a:off x="25380687" y="8616499"/>
+          <a:ext cx="5472609" cy="4176465"/>
+        </p:xfrm>
+        <a:graphic>
+          <a:graphicData uri="http://schemas.openxmlformats.org/drawingml/2006/table">
+            <a:tbl>
+              <a:tblPr firstRow="1" bandRow="1">
+                <a:tableStyleId>{5940675A-B579-460E-94D1-54222C63F5DA}</a:tableStyleId>
+              </a:tblPr>
+              <a:tblGrid>
+                <a:gridCol w="1824203"/>
+                <a:gridCol w="1824203"/>
+                <a:gridCol w="1824203"/>
+              </a:tblGrid>
+              <a:tr h="1379383">
+                <a:tc>
+                  <a:txBody>
+                    <a:bodyPr/>
+                    <a:lstStyle/>
+                    <a:p>
+                      <a:pPr algn="ctr"/>
+                      <a:r>
+                        <a:rPr lang="sv-SE" sz="7000" b="1" dirty="0" smtClean="0"/>
+                        <a:t>0</a:t>
+                      </a:r>
+                      <a:endParaRPr lang="en-GB" sz="7000" b="1" dirty="0"/>
+                    </a:p>
+                  </a:txBody>
+                  <a:tcPr/>
+                </a:tc>
+                <a:tc>
+                  <a:txBody>
+                    <a:bodyPr/>
+                    <a:lstStyle/>
+                    <a:p>
+                      <a:pPr algn="ctr"/>
+                      <a:r>
+                        <a:rPr lang="sv-SE" sz="7000" b="1" dirty="0" smtClean="0"/>
+                        <a:t>0</a:t>
+                      </a:r>
+                      <a:endParaRPr lang="en-GB" sz="7000" b="1" dirty="0"/>
+                    </a:p>
+                  </a:txBody>
+                  <a:tcPr/>
+                </a:tc>
+                <a:tc>
+                  <a:txBody>
+                    <a:bodyPr/>
+                    <a:lstStyle/>
+                    <a:p>
+                      <a:pPr algn="ctr"/>
+                      <a:r>
+                        <a:rPr lang="sv-SE" sz="7000" b="1" dirty="0" smtClean="0"/>
+                        <a:t>0</a:t>
+                      </a:r>
+                      <a:endParaRPr lang="en-GB" sz="7000" b="1" dirty="0"/>
+                    </a:p>
+                  </a:txBody>
+                  <a:tcPr/>
+                </a:tc>
+              </a:tr>
+              <a:tr h="1398541">
+                <a:tc>
+                  <a:txBody>
+                    <a:bodyPr/>
+                    <a:lstStyle/>
+                    <a:p>
+                      <a:pPr algn="ctr"/>
+                      <a:r>
+                        <a:rPr lang="sv-SE" sz="7000" b="1" dirty="0" smtClean="0"/>
+                        <a:t>1</a:t>
+                      </a:r>
+                      <a:endParaRPr lang="en-GB" sz="7000" b="1" dirty="0"/>
+                    </a:p>
+                  </a:txBody>
+                  <a:tcPr/>
+                </a:tc>
+                <a:tc>
+                  <a:txBody>
+                    <a:bodyPr/>
+                    <a:lstStyle/>
+                    <a:p>
+                      <a:pPr algn="ctr"/>
+                      <a:r>
+                        <a:rPr lang="sv-SE" sz="7000" b="1" dirty="0" smtClean="0"/>
+                        <a:t>-1</a:t>
+                      </a:r>
+                      <a:endParaRPr lang="en-GB" sz="7000" b="1" dirty="0"/>
+                    </a:p>
+                  </a:txBody>
+                  <a:tcPr/>
+                </a:tc>
+                <a:tc>
+                  <a:txBody>
+                    <a:bodyPr/>
+                    <a:lstStyle/>
+                    <a:p>
+                      <a:pPr algn="ctr"/>
+                      <a:r>
+                        <a:rPr lang="sv-SE" sz="7000" b="1" dirty="0" smtClean="0"/>
+                        <a:t>0</a:t>
+                      </a:r>
+                      <a:endParaRPr lang="en-GB" sz="7000" b="1" dirty="0"/>
+                    </a:p>
+                  </a:txBody>
+                  <a:tcPr/>
+                </a:tc>
+              </a:tr>
+              <a:tr h="1398541">
+                <a:tc>
+                  <a:txBody>
+                    <a:bodyPr/>
+                    <a:lstStyle/>
+                    <a:p>
+                      <a:pPr algn="ctr"/>
+                      <a:r>
+                        <a:rPr lang="sv-SE" sz="7000" b="1" dirty="0" smtClean="0"/>
+                        <a:t>0</a:t>
+                      </a:r>
+                      <a:endParaRPr lang="en-GB" sz="7000" b="1" dirty="0"/>
+                    </a:p>
+                  </a:txBody>
+                  <a:tcPr/>
+                </a:tc>
+                <a:tc>
+                  <a:txBody>
+                    <a:bodyPr/>
+                    <a:lstStyle/>
+                    <a:p>
+                      <a:pPr algn="ctr"/>
+                      <a:r>
+                        <a:rPr lang="sv-SE" sz="7000" b="1" dirty="0" smtClean="0"/>
+                        <a:t>0</a:t>
+                      </a:r>
+                      <a:endParaRPr lang="en-GB" sz="7000" b="1" dirty="0"/>
+                    </a:p>
+                  </a:txBody>
+                  <a:tcPr/>
+                </a:tc>
+                <a:tc>
+                  <a:txBody>
+                    <a:bodyPr/>
+                    <a:lstStyle/>
+                    <a:p>
+                      <a:pPr algn="ctr"/>
+                      <a:r>
+                        <a:rPr lang="sv-SE" sz="7000" b="1" dirty="0" smtClean="0"/>
+                        <a:t>0</a:t>
+                      </a:r>
+                      <a:endParaRPr lang="en-GB" sz="7000" b="1" dirty="0"/>
+                    </a:p>
+                  </a:txBody>
+                  <a:tcPr/>
+                </a:tc>
+              </a:tr>
+            </a:tbl>
+          </a:graphicData>
+        </a:graphic>
+      </p:graphicFrame>
+      <p:sp>
+        <p:nvSpPr>
+          <p:cNvPr id="9" name="Down Arrow 8"/>
+          <p:cNvSpPr/>
+          <p:nvPr/>
+        </p:nvSpPr>
+        <p:spPr bwMode="auto">
+          <a:xfrm>
+            <a:off x="11843183" y="13369027"/>
+            <a:ext cx="1368152" cy="1944216"/>
+          </a:xfrm>
+          <a:prstGeom prst="downArrow">
+            <a:avLst/>
+          </a:prstGeom>
+          <a:solidFill>
+            <a:schemeClr val="tx1"/>
+          </a:solidFill>
+          <a:ln>
+            <a:noFill/>
+          </a:ln>
+          <a:effectLst/>
+          <a:extLst/>
+        </p:spPr>
+        <p:txBody>
+          <a:bodyPr vert="horz" wrap="square" lIns="457200" tIns="228600" rIns="457200" bIns="228600" numCol="1" rtlCol="0" anchor="t" anchorCtr="0" compatLnSpc="1">
+            <a:prstTxWarp prst="textNoShape">
+              <a:avLst/>
+            </a:prstTxWarp>
+          </a:bodyPr>
+          <a:lstStyle/>
+          <a:p>
+            <a:pPr marL="0" marR="0" indent="0" algn="l" defTabSz="914400" rtl="0" eaLnBrk="1" fontAlgn="base" latinLnBrk="0" hangingPunct="1">
+              <a:lnSpc>
+                <a:spcPct val="100000"/>
+              </a:lnSpc>
+              <a:spcBef>
+                <a:spcPct val="20000"/>
+              </a:spcBef>
+              <a:spcAft>
+                <a:spcPct val="0"/>
+              </a:spcAft>
+              <a:buClrTx/>
+              <a:buSzTx/>
+              <a:buFontTx/>
+              <a:buNone/>
+              <a:tabLst/>
+            </a:pPr>
+            <a:endParaRPr kumimoji="0" lang="en-GB" sz="4600" b="0" i="0" u="none" strike="noStrike" cap="none" normalizeH="0" baseline="0" smtClean="0">
+              <a:ln>
+                <a:noFill/>
+              </a:ln>
+              <a:solidFill>
+                <a:srgbClr val="000000"/>
+              </a:solidFill>
+              <a:effectLst/>
+              <a:latin typeface="Arial" charset="0"/>
+            </a:endParaRPr>
+          </a:p>
+        </p:txBody>
+      </p:sp>
+      <p:sp>
+        <p:nvSpPr>
+          <p:cNvPr id="10" name="Down Arrow 9"/>
+          <p:cNvSpPr/>
+          <p:nvPr/>
+        </p:nvSpPr>
+        <p:spPr bwMode="auto">
+          <a:xfrm>
+            <a:off x="18035871" y="13369027"/>
+            <a:ext cx="1368152" cy="1944216"/>
+          </a:xfrm>
+          <a:prstGeom prst="downArrow">
+            <a:avLst/>
+          </a:prstGeom>
+          <a:solidFill>
+            <a:schemeClr val="tx1"/>
+          </a:solidFill>
+          <a:ln>
+            <a:noFill/>
+          </a:ln>
+          <a:effectLst/>
+          <a:extLst/>
+        </p:spPr>
+        <p:txBody>
+          <a:bodyPr vert="horz" wrap="square" lIns="457200" tIns="228600" rIns="457200" bIns="228600" numCol="1" rtlCol="0" anchor="t" anchorCtr="0" compatLnSpc="1">
+            <a:prstTxWarp prst="textNoShape">
+              <a:avLst/>
+            </a:prstTxWarp>
+          </a:bodyPr>
+          <a:lstStyle/>
+          <a:p>
+            <a:pPr marL="0" marR="0" indent="0" algn="l" defTabSz="914400" rtl="0" eaLnBrk="1" fontAlgn="base" latinLnBrk="0" hangingPunct="1">
+              <a:lnSpc>
+                <a:spcPct val="100000"/>
+              </a:lnSpc>
+              <a:spcBef>
+                <a:spcPct val="20000"/>
+              </a:spcBef>
+              <a:spcAft>
+                <a:spcPct val="0"/>
+              </a:spcAft>
+              <a:buClrTx/>
+              <a:buSzTx/>
+              <a:buFontTx/>
+              <a:buNone/>
+              <a:tabLst/>
+            </a:pPr>
+            <a:endParaRPr kumimoji="0" lang="en-GB" sz="4600" b="0" i="0" u="none" strike="noStrike" cap="none" normalizeH="0" baseline="0" smtClean="0">
+              <a:ln>
+                <a:noFill/>
+              </a:ln>
+              <a:solidFill>
+                <a:srgbClr val="000000"/>
+              </a:solidFill>
+              <a:effectLst/>
+              <a:latin typeface="Arial" charset="0"/>
+            </a:endParaRPr>
+          </a:p>
+        </p:txBody>
+      </p:sp>
+      <p:sp>
+        <p:nvSpPr>
+          <p:cNvPr id="11" name="Down Arrow 10"/>
+          <p:cNvSpPr/>
+          <p:nvPr/>
+        </p:nvSpPr>
+        <p:spPr bwMode="auto">
+          <a:xfrm>
+            <a:off x="27468919" y="13369027"/>
+            <a:ext cx="1368152" cy="1944216"/>
+          </a:xfrm>
+          <a:prstGeom prst="downArrow">
+            <a:avLst/>
+          </a:prstGeom>
+          <a:solidFill>
+            <a:schemeClr val="tx1"/>
+          </a:solidFill>
+          <a:ln>
+            <a:noFill/>
+          </a:ln>
+          <a:effectLst/>
+          <a:extLst/>
+        </p:spPr>
+        <p:txBody>
+          <a:bodyPr vert="horz" wrap="square" lIns="457200" tIns="228600" rIns="457200" bIns="228600" numCol="1" rtlCol="0" anchor="t" anchorCtr="0" compatLnSpc="1">
+            <a:prstTxWarp prst="textNoShape">
+              <a:avLst/>
+            </a:prstTxWarp>
+          </a:bodyPr>
+          <a:lstStyle/>
+          <a:p>
+            <a:pPr marL="0" marR="0" indent="0" algn="l" defTabSz="914400" rtl="0" eaLnBrk="1" fontAlgn="base" latinLnBrk="0" hangingPunct="1">
+              <a:lnSpc>
+                <a:spcPct val="100000"/>
+              </a:lnSpc>
+              <a:spcBef>
+                <a:spcPct val="20000"/>
+              </a:spcBef>
+              <a:spcAft>
+                <a:spcPct val="0"/>
+              </a:spcAft>
+              <a:buClrTx/>
+              <a:buSzTx/>
+              <a:buFontTx/>
+              <a:buNone/>
+              <a:tabLst/>
+            </a:pPr>
+            <a:endParaRPr kumimoji="0" lang="en-GB" sz="4600" b="0" i="0" u="none" strike="noStrike" cap="none" normalizeH="0" baseline="0" smtClean="0">
+              <a:ln>
+                <a:noFill/>
+              </a:ln>
+              <a:solidFill>
+                <a:srgbClr val="000000"/>
+              </a:solidFill>
+              <a:effectLst/>
+              <a:latin typeface="Arial" charset="0"/>
+            </a:endParaRPr>
+          </a:p>
+        </p:txBody>
+      </p:sp>
+      <mc:AlternateContent xmlns:mc="http://schemas.openxmlformats.org/markup-compatibility/2006">
+        <mc:Choice xmlns:a14="http://schemas.microsoft.com/office/drawing/2010/main" Requires="a14">
+          <p:sp>
+            <p:nvSpPr>
+              <p:cNvPr id="14" name="TextBox 13"/>
+              <p:cNvSpPr txBox="1"/>
+              <p:nvPr/>
+            </p:nvSpPr>
+            <p:spPr>
+              <a:xfrm>
+                <a:off x="11358731" y="16297058"/>
+                <a:ext cx="2337055" cy="1785104"/>
+              </a:xfrm>
+              <a:prstGeom prst="rect">
+                <a:avLst/>
+              </a:prstGeom>
+              <a:noFill/>
+            </p:spPr>
+            <p:txBody>
+              <a:bodyPr wrap="square" rtlCol="0">
+                <a:spAutoFit/>
+              </a:bodyPr>
+              <a:lstStyle/>
+              <a:p>
+                <a14:m>
+                  <m:oMathPara xmlns:m="http://schemas.openxmlformats.org/officeDocument/2006/math">
+                    <m:oMathParaPr>
+                      <m:jc m:val="centerGroup"/>
+                    </m:oMathParaPr>
+                    <m:oMath xmlns:m="http://schemas.openxmlformats.org/officeDocument/2006/math">
+                      <m:sSup>
+                        <m:sSupPr>
+                          <m:ctrlPr>
+                            <a:rPr lang="sv-SE" sz="11000" i="1" smtClean="0">
+                              <a:latin typeface="Cambria Math"/>
+                            </a:rPr>
+                          </m:ctrlPr>
+                        </m:sSupPr>
+                        <m:e>
+                          <m:r>
+                            <a:rPr lang="sv-SE" sz="11000" b="0" i="1" smtClean="0">
+                              <a:latin typeface="Cambria Math"/>
+                            </a:rPr>
+                            <m:t>2</m:t>
+                          </m:r>
+                        </m:e>
+                        <m:sup>
+                          <m:r>
+                            <a:rPr lang="sv-SE" sz="11000" b="0" i="1" smtClean="0">
+                              <a:latin typeface="Cambria Math"/>
+                            </a:rPr>
+                            <m:t>0</m:t>
+                          </m:r>
+                        </m:sup>
+                      </m:sSup>
+                    </m:oMath>
+                  </m:oMathPara>
+                </a14:m>
+                <a:endParaRPr lang="en-GB" sz="11000" dirty="0"/>
+              </a:p>
+            </p:txBody>
+          </p:sp>
+        </mc:Choice>
+        <mc:Fallback>
+          <p:sp>
+            <p:nvSpPr>
+              <p:cNvPr id="14" name="TextBox 13"/>
+              <p:cNvSpPr txBox="1">
+                <a:spLocks noRot="1" noChangeAspect="1" noMove="1" noResize="1" noEditPoints="1" noAdjustHandles="1" noChangeArrowheads="1" noChangeShapeType="1" noTextEdit="1"/>
+              </p:cNvSpPr>
+              <p:nvPr/>
+            </p:nvSpPr>
+            <p:spPr>
+              <a:xfrm>
+                <a:off x="11358731" y="16297058"/>
+                <a:ext cx="2337055" cy="1785104"/>
+              </a:xfrm>
+              <a:prstGeom prst="rect">
+                <a:avLst/>
+              </a:prstGeom>
+              <a:blipFill rotWithShape="1">
+                <a:blip r:embed="rId2"/>
+                <a:stretch>
+                  <a:fillRect/>
+                </a:stretch>
+              </a:blipFill>
+            </p:spPr>
+            <p:txBody>
+              <a:bodyPr/>
+              <a:lstStyle/>
+              <a:p>
+                <a:r>
+                  <a:rPr lang="en-GB">
+                    <a:noFill/>
+                  </a:rPr>
+                  <a:t> </a:t>
+                </a:r>
+              </a:p>
+            </p:txBody>
+          </p:sp>
+        </mc:Fallback>
+      </mc:AlternateContent>
+      <mc:AlternateContent xmlns:mc="http://schemas.openxmlformats.org/markup-compatibility/2006">
+        <mc:Choice xmlns:a14="http://schemas.microsoft.com/office/drawing/2010/main" Requires="a14">
+          <p:sp>
+            <p:nvSpPr>
+              <p:cNvPr id="15" name="TextBox 14"/>
+              <p:cNvSpPr txBox="1"/>
+              <p:nvPr/>
+            </p:nvSpPr>
+            <p:spPr>
+              <a:xfrm>
+                <a:off x="17801844" y="16297059"/>
+                <a:ext cx="1836205" cy="1785104"/>
+              </a:xfrm>
+              <a:prstGeom prst="rect">
+                <a:avLst/>
+              </a:prstGeom>
+              <a:noFill/>
+            </p:spPr>
+            <p:txBody>
+              <a:bodyPr wrap="square" rtlCol="0">
+                <a:spAutoFit/>
+              </a:bodyPr>
+              <a:lstStyle/>
+              <a:p>
+                <a14:m>
+                  <m:oMathPara xmlns:m="http://schemas.openxmlformats.org/officeDocument/2006/math">
+                    <m:oMathParaPr>
+                      <m:jc m:val="centerGroup"/>
+                    </m:oMathParaPr>
+                    <m:oMath xmlns:m="http://schemas.openxmlformats.org/officeDocument/2006/math">
+                      <m:sSup>
+                        <m:sSupPr>
+                          <m:ctrlPr>
+                            <a:rPr lang="sv-SE" sz="11000" i="1">
+                              <a:latin typeface="Cambria Math"/>
+                            </a:rPr>
+                          </m:ctrlPr>
+                        </m:sSupPr>
+                        <m:e>
+                          <m:r>
+                            <a:rPr lang="sv-SE" sz="11000" i="1">
+                              <a:latin typeface="Cambria Math"/>
+                            </a:rPr>
+                            <m:t>2</m:t>
+                          </m:r>
+                        </m:e>
+                        <m:sup>
+                          <m:r>
+                            <a:rPr lang="sv-SE" sz="11000" b="0" i="1" smtClean="0">
+                              <a:latin typeface="Cambria Math"/>
+                            </a:rPr>
+                            <m:t>1</m:t>
+                          </m:r>
+                        </m:sup>
+                      </m:sSup>
+                    </m:oMath>
+                  </m:oMathPara>
+                </a14:m>
+                <a:endParaRPr lang="en-GB" sz="11000" dirty="0"/>
+              </a:p>
+            </p:txBody>
+          </p:sp>
+        </mc:Choice>
+        <mc:Fallback>
+          <p:sp>
+            <p:nvSpPr>
+              <p:cNvPr id="15" name="TextBox 14"/>
+              <p:cNvSpPr txBox="1">
+                <a:spLocks noRot="1" noChangeAspect="1" noMove="1" noResize="1" noEditPoints="1" noAdjustHandles="1" noChangeArrowheads="1" noChangeShapeType="1" noTextEdit="1"/>
+              </p:cNvSpPr>
+              <p:nvPr/>
+            </p:nvSpPr>
+            <p:spPr>
+              <a:xfrm>
+                <a:off x="17801844" y="16297059"/>
+                <a:ext cx="1836205" cy="1785104"/>
+              </a:xfrm>
+              <a:prstGeom prst="rect">
+                <a:avLst/>
+              </a:prstGeom>
+              <a:blipFill rotWithShape="1">
+                <a:blip r:embed="rId3"/>
+                <a:stretch>
+                  <a:fillRect/>
+                </a:stretch>
+              </a:blipFill>
+            </p:spPr>
+            <p:txBody>
+              <a:bodyPr/>
+              <a:lstStyle/>
+              <a:p>
+                <a:r>
+                  <a:rPr lang="en-GB">
+                    <a:noFill/>
+                  </a:rPr>
+                  <a:t> </a:t>
+                </a:r>
+              </a:p>
+            </p:txBody>
+          </p:sp>
+        </mc:Fallback>
+      </mc:AlternateContent>
+      <mc:AlternateContent xmlns:mc="http://schemas.openxmlformats.org/markup-compatibility/2006">
+        <mc:Choice xmlns:a14="http://schemas.microsoft.com/office/drawing/2010/main" Requires="a14">
+          <p:sp>
+            <p:nvSpPr>
+              <p:cNvPr id="16" name="TextBox 15"/>
+              <p:cNvSpPr txBox="1"/>
+              <p:nvPr/>
+            </p:nvSpPr>
+            <p:spPr>
+              <a:xfrm>
+                <a:off x="27216891" y="16297060"/>
+                <a:ext cx="1872208" cy="1785104"/>
+              </a:xfrm>
+              <a:prstGeom prst="rect">
+                <a:avLst/>
+              </a:prstGeom>
+              <a:noFill/>
+            </p:spPr>
+            <p:txBody>
+              <a:bodyPr wrap="square" rtlCol="0">
+                <a:spAutoFit/>
+              </a:bodyPr>
+              <a:lstStyle/>
+              <a:p>
+                <a14:m>
+                  <m:oMathPara xmlns:m="http://schemas.openxmlformats.org/officeDocument/2006/math">
+                    <m:oMathParaPr>
+                      <m:jc m:val="centerGroup"/>
+                    </m:oMathParaPr>
+                    <m:oMath xmlns:m="http://schemas.openxmlformats.org/officeDocument/2006/math">
+                      <m:sSup>
+                        <m:sSupPr>
+                          <m:ctrlPr>
+                            <a:rPr lang="sv-SE" sz="11000" i="1">
+                              <a:latin typeface="Cambria Math"/>
+                            </a:rPr>
+                          </m:ctrlPr>
+                        </m:sSupPr>
+                        <m:e>
+                          <m:r>
+                            <a:rPr lang="sv-SE" sz="11000" i="1">
+                              <a:latin typeface="Cambria Math"/>
+                            </a:rPr>
+                            <m:t>2</m:t>
+                          </m:r>
+                        </m:e>
+                        <m:sup>
+                          <m:r>
+                            <a:rPr lang="sv-SE" sz="11000" b="0" i="1" smtClean="0">
+                              <a:latin typeface="Cambria Math"/>
+                            </a:rPr>
+                            <m:t>7</m:t>
+                          </m:r>
+                        </m:sup>
+                      </m:sSup>
+                    </m:oMath>
+                  </m:oMathPara>
+                </a14:m>
+                <a:endParaRPr lang="en-GB" sz="11000" dirty="0"/>
+              </a:p>
+            </p:txBody>
+          </p:sp>
+        </mc:Choice>
+        <mc:Fallback>
+          <p:sp>
+            <p:nvSpPr>
+              <p:cNvPr id="16" name="TextBox 15"/>
+              <p:cNvSpPr txBox="1">
+                <a:spLocks noRot="1" noChangeAspect="1" noMove="1" noResize="1" noEditPoints="1" noAdjustHandles="1" noChangeArrowheads="1" noChangeShapeType="1" noTextEdit="1"/>
+              </p:cNvSpPr>
+              <p:nvPr/>
+            </p:nvSpPr>
+            <p:spPr>
+              <a:xfrm>
+                <a:off x="27216891" y="16297060"/>
+                <a:ext cx="1872208" cy="1785104"/>
+              </a:xfrm>
+              <a:prstGeom prst="rect">
+                <a:avLst/>
+              </a:prstGeom>
+              <a:blipFill rotWithShape="1">
+                <a:blip r:embed="rId4"/>
+                <a:stretch>
+                  <a:fillRect/>
+                </a:stretch>
+              </a:blipFill>
+            </p:spPr>
+            <p:txBody>
+              <a:bodyPr/>
+              <a:lstStyle/>
+              <a:p>
+                <a:r>
+                  <a:rPr lang="en-GB">
+                    <a:noFill/>
+                  </a:rPr>
+                  <a:t> </a:t>
+                </a:r>
+              </a:p>
+            </p:txBody>
+          </p:sp>
+        </mc:Fallback>
+      </mc:AlternateContent>
+    </p:spTree>
+    <p:extLst>
+      <p:ext uri="{BB962C8B-B14F-4D97-AF65-F5344CB8AC3E}">
+        <p14:creationId xmlns:p14="http://schemas.microsoft.com/office/powerpoint/2010/main" val="171060525"/>
+      </p:ext>
+    </p:extLst>
+  </p:cSld>
+  <p:clrMapOvr>
+    <a:masterClrMapping/>
+  </p:clrMapOvr>
+</p:sld>
+</file>
+
+<file path=ppt/slides/slide5.xml><?xml version="1.0" encoding="utf-8"?>
 <p:sld xmlns:a="http://schemas.openxmlformats.org/drawingml/2006/main" xmlns:r="http://schemas.openxmlformats.org/officeDocument/2006/relationships" xmlns:p="http://schemas.openxmlformats.org/presentationml/2006/main">
   <p:cSld>
     <p:spTree>

--- a/presentation.pptx
+++ b/presentation.pptx
@@ -4579,8 +4579,8 @@
         </p:nvSpPr>
         <p:spPr>
           <a:xfrm>
-            <a:off x="5974533" y="7776245"/>
-            <a:ext cx="29163240" cy="2801937"/>
+            <a:off x="6550597" y="6408093"/>
+            <a:ext cx="28443160" cy="2801937"/>
           </a:xfrm>
         </p:spPr>
         <p:txBody>
@@ -4593,7 +4593,15 @@
                   <a:schemeClr val="tx1"/>
                 </a:solidFill>
               </a:rPr>
-              <a:t>Detecting Cancer – Saving Lives</a:t>
+              <a:t>Classifying Cancer Cells usin</a:t>
+            </a:r>
+            <a:r>
+              <a:rPr lang="en-US" sz="14500" dirty="0" smtClean="0">
+                <a:solidFill>
+                  <a:schemeClr val="tx1"/>
+                </a:solidFill>
+              </a:rPr>
+              <a:t>g Local Binary Patterns</a:t>
             </a:r>
             <a:endParaRPr lang="en-US" sz="14500" dirty="0">
               <a:solidFill>
@@ -4612,7 +4620,7 @@
         <p:spPr>
           <a:xfrm>
             <a:off x="7867076" y="11520661"/>
-            <a:ext cx="24174351" cy="6309420"/>
+            <a:ext cx="24174351" cy="8359211"/>
           </a:xfrm>
           <a:prstGeom prst="rect">
             <a:avLst/>
@@ -4625,45 +4633,39 @@
           </a:bodyPr>
           <a:lstStyle/>
           <a:p>
-            <a:pPr algn="ctr"/>
-            <a:r>
-              <a:rPr lang="sv-SE" sz="10000" dirty="0" smtClean="0"/>
-              <a:t>Using novel </a:t>
-            </a:r>
-            <a:r>
-              <a:rPr lang="sv-SE" sz="10000" dirty="0" smtClean="0"/>
-              <a:t>Local Binary Pattern inspired CNN’s</a:t>
-            </a:r>
-            <a:r>
-              <a:rPr lang="sv-SE" sz="10000" dirty="0" smtClean="0"/>
-              <a:t> </a:t>
-            </a:r>
-            <a:r>
-              <a:rPr lang="sv-SE" sz="10000" dirty="0" smtClean="0"/>
-              <a:t>to classify cancer </a:t>
-            </a:r>
-            <a:r>
-              <a:rPr lang="sv-SE" sz="10000" dirty="0" smtClean="0"/>
-              <a:t>cells</a:t>
-            </a:r>
-          </a:p>
-          <a:p>
-            <a:pPr algn="ctr"/>
-            <a:endParaRPr lang="sv-SE" sz="3000" dirty="0" smtClean="0"/>
-          </a:p>
-          <a:p>
-            <a:pPr algn="ctr"/>
-            <a:r>
-              <a:rPr lang="sv-SE" sz="7000" dirty="0" smtClean="0"/>
-              <a:t>Hugo Harlin</a:t>
-            </a:r>
-          </a:p>
-          <a:p>
-            <a:pPr algn="ctr"/>
-            <a:r>
-              <a:rPr lang="sv-SE" sz="7000" dirty="0" smtClean="0"/>
-              <a:t>Jo Gay</a:t>
-            </a:r>
+            <a:r>
+              <a:rPr lang="sv-SE" sz="8000" b="1" dirty="0" smtClean="0"/>
+              <a:t>Hugo Harlin and Joe Gay</a:t>
+            </a:r>
+          </a:p>
+          <a:p>
+            <a:endParaRPr lang="sv-SE" sz="2400" b="1" dirty="0" smtClean="0"/>
+          </a:p>
+          <a:p>
+            <a:r>
+              <a:rPr lang="sv-SE" sz="8000" b="1" dirty="0" smtClean="0"/>
+              <a:t>Supervisors</a:t>
+            </a:r>
+            <a:r>
+              <a:rPr lang="sv-SE" sz="8000" b="1" dirty="0"/>
+              <a:t>: Joakim </a:t>
+            </a:r>
+            <a:r>
+              <a:rPr lang="sv-SE" sz="8000" b="1" dirty="0" smtClean="0"/>
+              <a:t>Lindblad, Natasa Sladjoe</a:t>
+            </a:r>
+          </a:p>
+          <a:p>
+            <a:endParaRPr lang="sv-SE" sz="7000" dirty="0"/>
+          </a:p>
+          <a:p>
+            <a:r>
+              <a:rPr lang="en-GB" sz="6600" dirty="0"/>
+              <a:t>Centre for Image Analysis, Department of Information Technology, Uppsala University </a:t>
+            </a:r>
+            <a:endParaRPr lang="sv-SE" sz="1800" dirty="0"/>
+          </a:p>
+          <a:p>
             <a:endParaRPr lang="en-GB" sz="7000" dirty="0"/>
           </a:p>
         </p:txBody>
@@ -4673,6 +4675,13 @@
   <p:clrMapOvr>
     <a:masterClrMapping/>
   </p:clrMapOvr>
+  <p:timing>
+    <p:tnLst>
+      <p:par>
+        <p:cTn id="1" dur="indefinite" restart="never" nodeType="tmRoot"/>
+      </p:par>
+    </p:tnLst>
+  </p:timing>
 </p:sld>
 </file>
 
@@ -5537,11 +5546,11 @@
           </a:p>
           <a:p>
             <a:r>
-              <a:rPr lang="sv-SE" smtClean="0"/>
+              <a:rPr lang="sv-SE" dirty="0" smtClean="0"/>
               <a:t>Three</a:t>
             </a:r>
             <a:r>
-              <a:rPr lang="sv-SE" smtClean="0"/>
+              <a:rPr lang="sv-SE" dirty="0" smtClean="0"/>
               <a:t> </a:t>
             </a:r>
             <a:r>
@@ -5550,11 +5559,7 @@
             </a:r>
             <a:r>
               <a:rPr lang="sv-SE" dirty="0" smtClean="0"/>
-              <a:t>patients</a:t>
-            </a:r>
-            <a:r>
-              <a:rPr lang="sv-SE" smtClean="0"/>
-              <a:t>, three </a:t>
+              <a:t>patients, three </a:t>
             </a:r>
             <a:r>
               <a:rPr lang="sv-SE" dirty="0" smtClean="0"/>

--- a/presentation.pptx
+++ b/presentation.pptx
@@ -13,8 +13,8 @@
   <p:sldIdLst>
     <p:sldId id="256" r:id="rId2"/>
     <p:sldId id="259" r:id="rId3"/>
-    <p:sldId id="257" r:id="rId4"/>
-    <p:sldId id="260" r:id="rId5"/>
+    <p:sldId id="260" r:id="rId4"/>
+    <p:sldId id="257" r:id="rId5"/>
     <p:sldId id="258" r:id="rId6"/>
   </p:sldIdLst>
   <p:sldSz cx="35999738" cy="25201563"/>
@@ -5110,11 +5110,7 @@
                                           </p:stCondLst>
                                         </p:cTn>
                                         <p:tgtEl>
-                                          <p:spTgt spid="3">
-                                            <p:txEl>
-                                              <p:pRg st="0" end="0"/>
-                                            </p:txEl>
-                                          </p:spTgt>
+                                          <p:spTgt spid="4"/>
                                         </p:tgtEl>
                                         <p:attrNameLst>
                                           <p:attrName>style.visibility</p:attrName>
@@ -5128,316 +5124,7 @@
                                       <p:cBhvr>
                                         <p:cTn id="7" dur="500"/>
                                         <p:tgtEl>
-                                          <p:spTgt spid="3">
-                                            <p:txEl>
-                                              <p:pRg st="0" end="0"/>
-                                            </p:txEl>
-                                          </p:spTgt>
-                                        </p:tgtEl>
-                                      </p:cBhvr>
-                                    </p:animEffect>
-                                  </p:childTnLst>
-                                </p:cTn>
-                              </p:par>
-                            </p:childTnLst>
-                          </p:cTn>
-                        </p:par>
-                      </p:childTnLst>
-                    </p:cTn>
-                  </p:par>
-                  <p:par>
-                    <p:cTn id="8" fill="hold">
-                      <p:stCondLst>
-                        <p:cond delay="indefinite"/>
-                      </p:stCondLst>
-                      <p:childTnLst>
-                        <p:par>
-                          <p:cTn id="9" fill="hold">
-                            <p:stCondLst>
-                              <p:cond delay="0"/>
-                            </p:stCondLst>
-                            <p:childTnLst>
-                              <p:par>
-                                <p:cTn id="10" presetID="10" presetClass="entr" presetSubtype="0" fill="hold" grpId="0" nodeType="clickEffect">
-                                  <p:stCondLst>
-                                    <p:cond delay="0"/>
-                                  </p:stCondLst>
-                                  <p:childTnLst>
-                                    <p:set>
-                                      <p:cBhvr>
-                                        <p:cTn id="11" dur="1" fill="hold">
-                                          <p:stCondLst>
-                                            <p:cond delay="0"/>
-                                          </p:stCondLst>
-                                        </p:cTn>
-                                        <p:tgtEl>
-                                          <p:spTgt spid="3">
-                                            <p:txEl>
-                                              <p:pRg st="1" end="1"/>
-                                            </p:txEl>
-                                          </p:spTgt>
-                                        </p:tgtEl>
-                                        <p:attrNameLst>
-                                          <p:attrName>style.visibility</p:attrName>
-                                        </p:attrNameLst>
-                                      </p:cBhvr>
-                                      <p:to>
-                                        <p:strVal val="visible"/>
-                                      </p:to>
-                                    </p:set>
-                                    <p:animEffect transition="in" filter="fade">
-                                      <p:cBhvr>
-                                        <p:cTn id="12" dur="500"/>
-                                        <p:tgtEl>
-                                          <p:spTgt spid="3">
-                                            <p:txEl>
-                                              <p:pRg st="1" end="1"/>
-                                            </p:txEl>
-                                          </p:spTgt>
-                                        </p:tgtEl>
-                                      </p:cBhvr>
-                                    </p:animEffect>
-                                  </p:childTnLst>
-                                </p:cTn>
-                              </p:par>
-                            </p:childTnLst>
-                          </p:cTn>
-                        </p:par>
-                      </p:childTnLst>
-                    </p:cTn>
-                  </p:par>
-                  <p:par>
-                    <p:cTn id="13" fill="hold">
-                      <p:stCondLst>
-                        <p:cond delay="indefinite"/>
-                      </p:stCondLst>
-                      <p:childTnLst>
-                        <p:par>
-                          <p:cTn id="14" fill="hold">
-                            <p:stCondLst>
-                              <p:cond delay="0"/>
-                            </p:stCondLst>
-                            <p:childTnLst>
-                              <p:par>
-                                <p:cTn id="15" presetID="10" presetClass="entr" presetSubtype="0" fill="hold" grpId="0" nodeType="clickEffect">
-                                  <p:stCondLst>
-                                    <p:cond delay="0"/>
-                                  </p:stCondLst>
-                                  <p:childTnLst>
-                                    <p:set>
-                                      <p:cBhvr>
-                                        <p:cTn id="16" dur="1" fill="hold">
-                                          <p:stCondLst>
-                                            <p:cond delay="0"/>
-                                          </p:stCondLst>
-                                        </p:cTn>
-                                        <p:tgtEl>
-                                          <p:spTgt spid="3">
-                                            <p:txEl>
-                                              <p:pRg st="2" end="2"/>
-                                            </p:txEl>
-                                          </p:spTgt>
-                                        </p:tgtEl>
-                                        <p:attrNameLst>
-                                          <p:attrName>style.visibility</p:attrName>
-                                        </p:attrNameLst>
-                                      </p:cBhvr>
-                                      <p:to>
-                                        <p:strVal val="visible"/>
-                                      </p:to>
-                                    </p:set>
-                                    <p:animEffect transition="in" filter="fade">
-                                      <p:cBhvr>
-                                        <p:cTn id="17" dur="500"/>
-                                        <p:tgtEl>
-                                          <p:spTgt spid="3">
-                                            <p:txEl>
-                                              <p:pRg st="2" end="2"/>
-                                            </p:txEl>
-                                          </p:spTgt>
-                                        </p:tgtEl>
-                                      </p:cBhvr>
-                                    </p:animEffect>
-                                  </p:childTnLst>
-                                </p:cTn>
-                              </p:par>
-                            </p:childTnLst>
-                          </p:cTn>
-                        </p:par>
-                      </p:childTnLst>
-                    </p:cTn>
-                  </p:par>
-                  <p:par>
-                    <p:cTn id="18" fill="hold">
-                      <p:stCondLst>
-                        <p:cond delay="indefinite"/>
-                      </p:stCondLst>
-                      <p:childTnLst>
-                        <p:par>
-                          <p:cTn id="19" fill="hold">
-                            <p:stCondLst>
-                              <p:cond delay="0"/>
-                            </p:stCondLst>
-                            <p:childTnLst>
-                              <p:par>
-                                <p:cTn id="20" presetID="10" presetClass="entr" presetSubtype="0" fill="hold" grpId="0" nodeType="clickEffect">
-                                  <p:stCondLst>
-                                    <p:cond delay="0"/>
-                                  </p:stCondLst>
-                                  <p:childTnLst>
-                                    <p:set>
-                                      <p:cBhvr>
-                                        <p:cTn id="21" dur="1" fill="hold">
-                                          <p:stCondLst>
-                                            <p:cond delay="0"/>
-                                          </p:stCondLst>
-                                        </p:cTn>
-                                        <p:tgtEl>
-                                          <p:spTgt spid="3">
-                                            <p:txEl>
-                                              <p:pRg st="3" end="3"/>
-                                            </p:txEl>
-                                          </p:spTgt>
-                                        </p:tgtEl>
-                                        <p:attrNameLst>
-                                          <p:attrName>style.visibility</p:attrName>
-                                        </p:attrNameLst>
-                                      </p:cBhvr>
-                                      <p:to>
-                                        <p:strVal val="visible"/>
-                                      </p:to>
-                                    </p:set>
-                                    <p:animEffect transition="in" filter="fade">
-                                      <p:cBhvr>
-                                        <p:cTn id="22" dur="500"/>
-                                        <p:tgtEl>
-                                          <p:spTgt spid="3">
-                                            <p:txEl>
-                                              <p:pRg st="3" end="3"/>
-                                            </p:txEl>
-                                          </p:spTgt>
-                                        </p:tgtEl>
-                                      </p:cBhvr>
-                                    </p:animEffect>
-                                  </p:childTnLst>
-                                </p:cTn>
-                              </p:par>
-                            </p:childTnLst>
-                          </p:cTn>
-                        </p:par>
-                      </p:childTnLst>
-                    </p:cTn>
-                  </p:par>
-                  <p:par>
-                    <p:cTn id="23" fill="hold">
-                      <p:stCondLst>
-                        <p:cond delay="indefinite"/>
-                      </p:stCondLst>
-                      <p:childTnLst>
-                        <p:par>
-                          <p:cTn id="24" fill="hold">
-                            <p:stCondLst>
-                              <p:cond delay="0"/>
-                            </p:stCondLst>
-                            <p:childTnLst>
-                              <p:par>
-                                <p:cTn id="25" presetID="10" presetClass="entr" presetSubtype="0" fill="hold" grpId="0" nodeType="clickEffect">
-                                  <p:stCondLst>
-                                    <p:cond delay="0"/>
-                                  </p:stCondLst>
-                                  <p:childTnLst>
-                                    <p:set>
-                                      <p:cBhvr>
-                                        <p:cTn id="26" dur="1" fill="hold">
-                                          <p:stCondLst>
-                                            <p:cond delay="0"/>
-                                          </p:stCondLst>
-                                        </p:cTn>
-                                        <p:tgtEl>
-                                          <p:spTgt spid="3">
-                                            <p:txEl>
-                                              <p:pRg st="4" end="4"/>
-                                            </p:txEl>
-                                          </p:spTgt>
-                                        </p:tgtEl>
-                                        <p:attrNameLst>
-                                          <p:attrName>style.visibility</p:attrName>
-                                        </p:attrNameLst>
-                                      </p:cBhvr>
-                                      <p:to>
-                                        <p:strVal val="visible"/>
-                                      </p:to>
-                                    </p:set>
-                                    <p:animEffect transition="in" filter="fade">
-                                      <p:cBhvr>
-                                        <p:cTn id="27" dur="500"/>
-                                        <p:tgtEl>
-                                          <p:spTgt spid="3">
-                                            <p:txEl>
-                                              <p:pRg st="4" end="4"/>
-                                            </p:txEl>
-                                          </p:spTgt>
-                                        </p:tgtEl>
-                                      </p:cBhvr>
-                                    </p:animEffect>
-                                  </p:childTnLst>
-                                </p:cTn>
-                              </p:par>
-                            </p:childTnLst>
-                          </p:cTn>
-                        </p:par>
-                      </p:childTnLst>
-                    </p:cTn>
-                  </p:par>
-                  <p:par>
-                    <p:cTn id="28" fill="hold">
-                      <p:stCondLst>
-                        <p:cond delay="indefinite"/>
-                      </p:stCondLst>
-                      <p:childTnLst>
-                        <p:par>
-                          <p:cTn id="29" fill="hold">
-                            <p:stCondLst>
-                              <p:cond delay="0"/>
-                            </p:stCondLst>
-                            <p:childTnLst>
-                              <p:par>
-                                <p:cTn id="30" presetID="10" presetClass="entr" presetSubtype="0" fill="hold" grpId="0" nodeType="clickEffect">
-                                  <p:stCondLst>
-                                    <p:cond delay="0"/>
-                                  </p:stCondLst>
-                                  <p:childTnLst>
-                                    <p:set>
-                                      <p:cBhvr>
-                                        <p:cTn id="31" dur="1" fill="hold">
-                                          <p:stCondLst>
-                                            <p:cond delay="0"/>
-                                          </p:stCondLst>
-                                        </p:cTn>
-                                        <p:tgtEl>
-                                          <p:spTgt spid="3">
-                                            <p:txEl>
-                                              <p:pRg st="5" end="5"/>
-                                            </p:txEl>
-                                          </p:spTgt>
-                                        </p:tgtEl>
-                                        <p:attrNameLst>
-                                          <p:attrName>style.visibility</p:attrName>
-                                        </p:attrNameLst>
-                                      </p:cBhvr>
-                                      <p:to>
-                                        <p:strVal val="visible"/>
-                                      </p:to>
-                                    </p:set>
-                                    <p:animEffect transition="in" filter="fade">
-                                      <p:cBhvr>
-                                        <p:cTn id="32" dur="500"/>
-                                        <p:tgtEl>
-                                          <p:spTgt spid="3">
-                                            <p:txEl>
-                                              <p:pRg st="5" end="5"/>
-                                            </p:txEl>
-                                          </p:spTgt>
+                                          <p:spTgt spid="4"/>
                                         </p:tgtEl>
                                       </p:cBhvr>
                                     </p:animEffect>
@@ -5472,7 +5159,7 @@
       </p:par>
     </p:tnLst>
     <p:bldLst>
-      <p:bldP spid="3" grpId="0" build="p"/>
+      <p:bldP spid="4" grpId="0"/>
     </p:bldLst>
   </p:timing>
 </p:sld>
@@ -5511,718 +5198,8 @@
           <a:lstStyle/>
           <a:p>
             <a:r>
-              <a:rPr lang="sv-SE" dirty="0" smtClean="0"/>
-              <a:t>Data</a:t>
-            </a:r>
-            <a:endParaRPr lang="en-GB" dirty="0"/>
-          </a:p>
-        </p:txBody>
-      </p:sp>
-      <p:sp>
-        <p:nvSpPr>
-          <p:cNvPr id="3" name="Content Placeholder 2"/>
-          <p:cNvSpPr>
-            <a:spLocks noGrp="1"/>
-          </p:cNvSpPr>
-          <p:nvPr>
-            <p:ph idx="1"/>
-          </p:nvPr>
-        </p:nvSpPr>
-        <p:spPr/>
-        <p:txBody>
-          <a:bodyPr/>
-          <a:lstStyle/>
-          <a:p>
-            <a:r>
-              <a:rPr lang="sv-SE" dirty="0" smtClean="0"/>
-              <a:t>10274 80x80 images</a:t>
-            </a:r>
-          </a:p>
-          <a:p>
-            <a:r>
-              <a:rPr lang="sv-SE" dirty="0" smtClean="0"/>
-              <a:t>Cells sampled from patients mouth</a:t>
-            </a:r>
-          </a:p>
-          <a:p>
-            <a:r>
-              <a:rPr lang="sv-SE" dirty="0" smtClean="0"/>
-              <a:t>Three</a:t>
-            </a:r>
-            <a:r>
-              <a:rPr lang="sv-SE" dirty="0" smtClean="0"/>
-              <a:t> </a:t>
-            </a:r>
-            <a:r>
-              <a:rPr lang="sv-SE" dirty="0" smtClean="0"/>
-              <a:t>healthy </a:t>
-            </a:r>
-            <a:r>
-              <a:rPr lang="sv-SE" dirty="0" smtClean="0"/>
-              <a:t>patients, three </a:t>
-            </a:r>
-            <a:r>
-              <a:rPr lang="sv-SE" dirty="0" smtClean="0"/>
-              <a:t>with cancer</a:t>
-            </a:r>
-            <a:endParaRPr lang="en-GB" dirty="0"/>
-          </a:p>
-        </p:txBody>
-      </p:sp>
-      <p:pic>
-        <p:nvPicPr>
-          <p:cNvPr id="2051" name="Picture 3" descr="C:\Users\Bulb\Documents\Teknisk Fysik\15hp project\code\data\glass_3_im_85.jpg"/>
-          <p:cNvPicPr>
-            <a:picLocks noChangeAspect="1" noChangeArrowheads="1"/>
-          </p:cNvPicPr>
-          <p:nvPr/>
-        </p:nvPicPr>
-        <p:blipFill>
-          <a:blip r:embed="rId2">
-            <a:extLst>
-              <a:ext uri="{28A0092B-C50C-407E-A947-70E740481C1C}">
-                <a14:useLocalDpi xmlns:a14="http://schemas.microsoft.com/office/drawing/2010/main" val="0"/>
-              </a:ext>
-            </a:extLst>
-          </a:blip>
-          <a:srcRect/>
-          <a:stretch>
-            <a:fillRect/>
-          </a:stretch>
-        </p:blipFill>
-        <p:spPr bwMode="auto">
-          <a:xfrm>
-            <a:off x="8229553" y="17105234"/>
-            <a:ext cx="4873771" cy="4908037"/>
-          </a:xfrm>
-          <a:prstGeom prst="rect">
-            <a:avLst/>
-          </a:prstGeom>
-          <a:noFill/>
-          <a:extLst>
-            <a:ext uri="{909E8E84-426E-40DD-AFC4-6F175D3DCCD1}">
-              <a14:hiddenFill xmlns:a14="http://schemas.microsoft.com/office/drawing/2010/main">
-                <a:solidFill>
-                  <a:srgbClr val="FFFFFF"/>
-                </a:solidFill>
-              </a14:hiddenFill>
-            </a:ext>
-          </a:extLst>
-        </p:spPr>
-      </p:pic>
-      <p:pic>
-        <p:nvPicPr>
-          <p:cNvPr id="2052" name="Picture 4" descr="C:\Users\Bulb\Documents\Teknisk Fysik\15hp project\code\data\glass_3_im_200.jpg"/>
-          <p:cNvPicPr>
-            <a:picLocks noChangeAspect="1" noChangeArrowheads="1"/>
-          </p:cNvPicPr>
-          <p:nvPr/>
-        </p:nvPicPr>
-        <p:blipFill>
-          <a:blip r:embed="rId3">
-            <a:extLst>
-              <a:ext uri="{28A0092B-C50C-407E-A947-70E740481C1C}">
-                <a14:useLocalDpi xmlns:a14="http://schemas.microsoft.com/office/drawing/2010/main" val="0"/>
-              </a:ext>
-            </a:extLst>
-          </a:blip>
-          <a:srcRect/>
-          <a:stretch>
-            <a:fillRect/>
-          </a:stretch>
-        </p:blipFill>
-        <p:spPr bwMode="auto">
-          <a:xfrm>
-            <a:off x="13679389" y="17083621"/>
-            <a:ext cx="4873771" cy="4905322"/>
-          </a:xfrm>
-          <a:prstGeom prst="rect">
-            <a:avLst/>
-          </a:prstGeom>
-          <a:noFill/>
-          <a:extLst>
-            <a:ext uri="{909E8E84-426E-40DD-AFC4-6F175D3DCCD1}">
-              <a14:hiddenFill xmlns:a14="http://schemas.microsoft.com/office/drawing/2010/main">
-                <a:solidFill>
-                  <a:srgbClr val="FFFFFF"/>
-                </a:solidFill>
-              </a14:hiddenFill>
-            </a:ext>
-          </a:extLst>
-        </p:spPr>
-      </p:pic>
-      <p:pic>
-        <p:nvPicPr>
-          <p:cNvPr id="2053" name="Picture 5" descr="C:\Users\Bulb\Documents\Teknisk Fysik\15hp project\code\data\glass_3_im_1000.jpg"/>
-          <p:cNvPicPr>
-            <a:picLocks noChangeAspect="1" noChangeArrowheads="1"/>
-          </p:cNvPicPr>
-          <p:nvPr/>
-        </p:nvPicPr>
-        <p:blipFill>
-          <a:blip r:embed="rId4">
-            <a:extLst>
-              <a:ext uri="{28A0092B-C50C-407E-A947-70E740481C1C}">
-                <a14:useLocalDpi xmlns:a14="http://schemas.microsoft.com/office/drawing/2010/main" val="0"/>
-              </a:ext>
-            </a:extLst>
-          </a:blip>
-          <a:srcRect/>
-          <a:stretch>
-            <a:fillRect/>
-          </a:stretch>
-        </p:blipFill>
-        <p:spPr bwMode="auto">
-          <a:xfrm>
-            <a:off x="8172980" y="11707190"/>
-            <a:ext cx="4905322" cy="4905322"/>
-          </a:xfrm>
-          <a:prstGeom prst="rect">
-            <a:avLst/>
-          </a:prstGeom>
-          <a:noFill/>
-          <a:extLst>
-            <a:ext uri="{909E8E84-426E-40DD-AFC4-6F175D3DCCD1}">
-              <a14:hiddenFill xmlns:a14="http://schemas.microsoft.com/office/drawing/2010/main">
-                <a:solidFill>
-                  <a:srgbClr val="FFFFFF"/>
-                </a:solidFill>
-              </a14:hiddenFill>
-            </a:ext>
-          </a:extLst>
-        </p:spPr>
-      </p:pic>
-      <p:sp>
-        <p:nvSpPr>
-          <p:cNvPr id="4" name="TextBox 3"/>
-          <p:cNvSpPr txBox="1"/>
-          <p:nvPr/>
-        </p:nvSpPr>
-        <p:spPr>
-          <a:xfrm>
-            <a:off x="8172980" y="22763417"/>
-            <a:ext cx="10411732" cy="1169551"/>
-          </a:xfrm>
-          <a:prstGeom prst="rect">
-            <a:avLst/>
-          </a:prstGeom>
-          <a:noFill/>
-        </p:spPr>
-        <p:txBody>
-          <a:bodyPr wrap="square" rtlCol="0">
-            <a:spAutoFit/>
-          </a:bodyPr>
-          <a:lstStyle/>
-          <a:p>
-            <a:pPr algn="ctr"/>
-            <a:r>
-              <a:rPr lang="sv-SE" sz="7000" b="1" dirty="0" smtClean="0"/>
-              <a:t>Healthy Cells</a:t>
-            </a:r>
-            <a:endParaRPr lang="en-GB" sz="7000" b="1" dirty="0"/>
-          </a:p>
-        </p:txBody>
-      </p:sp>
-      <p:pic>
-        <p:nvPicPr>
-          <p:cNvPr id="2057" name="Picture 9" descr="C:\Users\Bulb\Documents\Teknisk Fysik\15hp project\code\data\glass_12_im_50.jpg"/>
-          <p:cNvPicPr>
-            <a:picLocks noChangeAspect="1" noChangeArrowheads="1"/>
-          </p:cNvPicPr>
-          <p:nvPr/>
-        </p:nvPicPr>
-        <p:blipFill>
-          <a:blip r:embed="rId5">
-            <a:extLst>
-              <a:ext uri="{28A0092B-C50C-407E-A947-70E740481C1C}">
-                <a14:useLocalDpi xmlns:a14="http://schemas.microsoft.com/office/drawing/2010/main" val="0"/>
-              </a:ext>
-            </a:extLst>
-          </a:blip>
-          <a:srcRect/>
-          <a:stretch>
-            <a:fillRect/>
-          </a:stretch>
-        </p:blipFill>
-        <p:spPr bwMode="auto">
-          <a:xfrm>
-            <a:off x="21918259" y="11682862"/>
-            <a:ext cx="4905322" cy="4905322"/>
-          </a:xfrm>
-          <a:prstGeom prst="rect">
-            <a:avLst/>
-          </a:prstGeom>
-          <a:noFill/>
-          <a:extLst>
-            <a:ext uri="{909E8E84-426E-40DD-AFC4-6F175D3DCCD1}">
-              <a14:hiddenFill xmlns:a14="http://schemas.microsoft.com/office/drawing/2010/main">
-                <a:solidFill>
-                  <a:srgbClr val="FFFFFF"/>
-                </a:solidFill>
-              </a14:hiddenFill>
-            </a:ext>
-          </a:extLst>
-        </p:spPr>
-      </p:pic>
-      <p:pic>
-        <p:nvPicPr>
-          <p:cNvPr id="2058" name="Picture 10" descr="C:\Users\Bulb\Documents\Teknisk Fysik\15hp project\code\data\glass_12_im_100.jpg"/>
-          <p:cNvPicPr>
-            <a:picLocks noChangeAspect="1" noChangeArrowheads="1"/>
-          </p:cNvPicPr>
-          <p:nvPr/>
-        </p:nvPicPr>
-        <p:blipFill>
-          <a:blip r:embed="rId6">
-            <a:extLst>
-              <a:ext uri="{28A0092B-C50C-407E-A947-70E740481C1C}">
-                <a14:useLocalDpi xmlns:a14="http://schemas.microsoft.com/office/drawing/2010/main" val="0"/>
-              </a:ext>
-            </a:extLst>
-          </a:blip>
-          <a:srcRect/>
-          <a:stretch>
-            <a:fillRect/>
-          </a:stretch>
-        </p:blipFill>
-        <p:spPr bwMode="auto">
-          <a:xfrm>
-            <a:off x="27288901" y="16996064"/>
-            <a:ext cx="4968552" cy="4968552"/>
-          </a:xfrm>
-          <a:prstGeom prst="rect">
-            <a:avLst/>
-          </a:prstGeom>
-          <a:noFill/>
-          <a:extLst>
-            <a:ext uri="{909E8E84-426E-40DD-AFC4-6F175D3DCCD1}">
-              <a14:hiddenFill xmlns:a14="http://schemas.microsoft.com/office/drawing/2010/main">
-                <a:solidFill>
-                  <a:srgbClr val="FFFFFF"/>
-                </a:solidFill>
-              </a14:hiddenFill>
-            </a:ext>
-          </a:extLst>
-        </p:spPr>
-      </p:pic>
-      <p:pic>
-        <p:nvPicPr>
-          <p:cNvPr id="2059" name="Picture 11" descr="C:\Users\Bulb\Documents\Teknisk Fysik\15hp project\code\data\glass_12_im_200.jpg"/>
-          <p:cNvPicPr>
-            <a:picLocks noChangeAspect="1" noChangeArrowheads="1"/>
-          </p:cNvPicPr>
-          <p:nvPr/>
-        </p:nvPicPr>
-        <p:blipFill>
-          <a:blip r:embed="rId7">
-            <a:extLst>
-              <a:ext uri="{28A0092B-C50C-407E-A947-70E740481C1C}">
-                <a14:useLocalDpi xmlns:a14="http://schemas.microsoft.com/office/drawing/2010/main" val="0"/>
-              </a:ext>
-            </a:extLst>
-          </a:blip>
-          <a:srcRect/>
-          <a:stretch>
-            <a:fillRect/>
-          </a:stretch>
-        </p:blipFill>
-        <p:spPr bwMode="auto">
-          <a:xfrm>
-            <a:off x="21918259" y="17037680"/>
-            <a:ext cx="4896544" cy="4896544"/>
-          </a:xfrm>
-          <a:prstGeom prst="rect">
-            <a:avLst/>
-          </a:prstGeom>
-          <a:noFill/>
-          <a:extLst>
-            <a:ext uri="{909E8E84-426E-40DD-AFC4-6F175D3DCCD1}">
-              <a14:hiddenFill xmlns:a14="http://schemas.microsoft.com/office/drawing/2010/main">
-                <a:solidFill>
-                  <a:srgbClr val="FFFFFF"/>
-                </a:solidFill>
-              </a14:hiddenFill>
-            </a:ext>
-          </a:extLst>
-        </p:spPr>
-      </p:pic>
-      <p:pic>
-        <p:nvPicPr>
-          <p:cNvPr id="2061" name="Picture 13" descr="C:\Users\Bulb\Documents\Teknisk Fysik\15hp project\code\data\glass_4_im_1.jpg"/>
-          <p:cNvPicPr>
-            <a:picLocks noChangeAspect="1" noChangeArrowheads="1"/>
-          </p:cNvPicPr>
-          <p:nvPr/>
-        </p:nvPicPr>
-        <p:blipFill>
-          <a:blip r:embed="rId8">
-            <a:extLst>
-              <a:ext uri="{28A0092B-C50C-407E-A947-70E740481C1C}">
-                <a14:useLocalDpi xmlns:a14="http://schemas.microsoft.com/office/drawing/2010/main" val="0"/>
-              </a:ext>
-            </a:extLst>
-          </a:blip>
-          <a:srcRect/>
-          <a:stretch>
-            <a:fillRect/>
-          </a:stretch>
-        </p:blipFill>
-        <p:spPr bwMode="auto">
-          <a:xfrm>
-            <a:off x="13679389" y="11707191"/>
-            <a:ext cx="4905322" cy="4905322"/>
-          </a:xfrm>
-          <a:prstGeom prst="rect">
-            <a:avLst/>
-          </a:prstGeom>
-          <a:noFill/>
-          <a:extLst>
-            <a:ext uri="{909E8E84-426E-40DD-AFC4-6F175D3DCCD1}">
-              <a14:hiddenFill xmlns:a14="http://schemas.microsoft.com/office/drawing/2010/main">
-                <a:solidFill>
-                  <a:srgbClr val="FFFFFF"/>
-                </a:solidFill>
-              </a14:hiddenFill>
-            </a:ext>
-          </a:extLst>
-        </p:spPr>
-      </p:pic>
-      <p:sp>
-        <p:nvSpPr>
-          <p:cNvPr id="18" name="TextBox 17"/>
-          <p:cNvSpPr txBox="1"/>
-          <p:nvPr/>
-        </p:nvSpPr>
-        <p:spPr>
-          <a:xfrm>
-            <a:off x="21918259" y="22739089"/>
-            <a:ext cx="9979154" cy="1169551"/>
-          </a:xfrm>
-          <a:prstGeom prst="rect">
-            <a:avLst/>
-          </a:prstGeom>
-          <a:noFill/>
-        </p:spPr>
-        <p:txBody>
-          <a:bodyPr wrap="square" rtlCol="0">
-            <a:spAutoFit/>
-          </a:bodyPr>
-          <a:lstStyle/>
-          <a:p>
-            <a:pPr algn="ctr"/>
-            <a:r>
-              <a:rPr lang="sv-SE" sz="7000" b="1" dirty="0" smtClean="0"/>
-              <a:t>Cancer Cells</a:t>
-            </a:r>
-            <a:endParaRPr lang="en-GB" sz="7000" b="1" dirty="0"/>
-          </a:p>
-        </p:txBody>
-      </p:sp>
-      <p:pic>
-        <p:nvPicPr>
-          <p:cNvPr id="2063" name="Picture 15" descr="C:\Users\Bulb\Documents\Teknisk Fysik\15hp project\code\data\glass_37_im_1.jpg"/>
-          <p:cNvPicPr>
-            <a:picLocks noChangeAspect="1" noChangeArrowheads="1"/>
-          </p:cNvPicPr>
-          <p:nvPr/>
-        </p:nvPicPr>
-        <p:blipFill>
-          <a:blip r:embed="rId9">
-            <a:extLst>
-              <a:ext uri="{28A0092B-C50C-407E-A947-70E740481C1C}">
-                <a14:useLocalDpi xmlns:a14="http://schemas.microsoft.com/office/drawing/2010/main" val="0"/>
-              </a:ext>
-            </a:extLst>
-          </a:blip>
-          <a:srcRect/>
-          <a:stretch>
-            <a:fillRect/>
-          </a:stretch>
-        </p:blipFill>
-        <p:spPr bwMode="auto">
-          <a:xfrm>
-            <a:off x="27259895" y="11590628"/>
-            <a:ext cx="4997557" cy="4997557"/>
-          </a:xfrm>
-          <a:prstGeom prst="rect">
-            <a:avLst/>
-          </a:prstGeom>
-          <a:noFill/>
-          <a:extLst>
-            <a:ext uri="{909E8E84-426E-40DD-AFC4-6F175D3DCCD1}">
-              <a14:hiddenFill xmlns:a14="http://schemas.microsoft.com/office/drawing/2010/main">
-                <a:solidFill>
-                  <a:srgbClr val="FFFFFF"/>
-                </a:solidFill>
-              </a14:hiddenFill>
-            </a:ext>
-          </a:extLst>
-        </p:spPr>
-      </p:pic>
-    </p:spTree>
-    <p:extLst>
-      <p:ext uri="{BB962C8B-B14F-4D97-AF65-F5344CB8AC3E}">
-        <p14:creationId xmlns:p14="http://schemas.microsoft.com/office/powerpoint/2010/main" val="1927327782"/>
-      </p:ext>
-    </p:extLst>
-  </p:cSld>
-  <p:clrMapOvr>
-    <a:masterClrMapping/>
-  </p:clrMapOvr>
-  <p:timing>
-    <p:tnLst>
-      <p:par>
-        <p:cTn id="1" dur="indefinite" restart="never" nodeType="tmRoot">
-          <p:childTnLst>
-            <p:seq concurrent="1" nextAc="seek">
-              <p:cTn id="2" dur="indefinite" nodeType="mainSeq">
-                <p:childTnLst>
-                  <p:par>
-                    <p:cTn id="3" fill="hold">
-                      <p:stCondLst>
-                        <p:cond delay="indefinite"/>
-                      </p:stCondLst>
-                      <p:childTnLst>
-                        <p:par>
-                          <p:cTn id="4" fill="hold">
-                            <p:stCondLst>
-                              <p:cond delay="0"/>
-                            </p:stCondLst>
-                            <p:childTnLst>
-                              <p:par>
-                                <p:cTn id="5" presetID="10" presetClass="entr" presetSubtype="0" fill="hold" grpId="0" nodeType="clickEffect">
-                                  <p:stCondLst>
-                                    <p:cond delay="0"/>
-                                  </p:stCondLst>
-                                  <p:childTnLst>
-                                    <p:set>
-                                      <p:cBhvr>
-                                        <p:cTn id="6" dur="1" fill="hold">
-                                          <p:stCondLst>
-                                            <p:cond delay="0"/>
-                                          </p:stCondLst>
-                                        </p:cTn>
-                                        <p:tgtEl>
-                                          <p:spTgt spid="3">
-                                            <p:txEl>
-                                              <p:pRg st="0" end="0"/>
-                                            </p:txEl>
-                                          </p:spTgt>
-                                        </p:tgtEl>
-                                        <p:attrNameLst>
-                                          <p:attrName>style.visibility</p:attrName>
-                                        </p:attrNameLst>
-                                      </p:cBhvr>
-                                      <p:to>
-                                        <p:strVal val="visible"/>
-                                      </p:to>
-                                    </p:set>
-                                    <p:animEffect transition="in" filter="fade">
-                                      <p:cBhvr>
-                                        <p:cTn id="7" dur="500"/>
-                                        <p:tgtEl>
-                                          <p:spTgt spid="3">
-                                            <p:txEl>
-                                              <p:pRg st="0" end="0"/>
-                                            </p:txEl>
-                                          </p:spTgt>
-                                        </p:tgtEl>
-                                      </p:cBhvr>
-                                    </p:animEffect>
-                                  </p:childTnLst>
-                                </p:cTn>
-                              </p:par>
-                            </p:childTnLst>
-                          </p:cTn>
-                        </p:par>
-                      </p:childTnLst>
-                    </p:cTn>
-                  </p:par>
-                  <p:par>
-                    <p:cTn id="8" fill="hold">
-                      <p:stCondLst>
-                        <p:cond delay="indefinite"/>
-                      </p:stCondLst>
-                      <p:childTnLst>
-                        <p:par>
-                          <p:cTn id="9" fill="hold">
-                            <p:stCondLst>
-                              <p:cond delay="0"/>
-                            </p:stCondLst>
-                            <p:childTnLst>
-                              <p:par>
-                                <p:cTn id="10" presetID="10" presetClass="entr" presetSubtype="0" fill="hold" grpId="0" nodeType="clickEffect">
-                                  <p:stCondLst>
-                                    <p:cond delay="0"/>
-                                  </p:stCondLst>
-                                  <p:childTnLst>
-                                    <p:set>
-                                      <p:cBhvr>
-                                        <p:cTn id="11" dur="1" fill="hold">
-                                          <p:stCondLst>
-                                            <p:cond delay="0"/>
-                                          </p:stCondLst>
-                                        </p:cTn>
-                                        <p:tgtEl>
-                                          <p:spTgt spid="3">
-                                            <p:txEl>
-                                              <p:pRg st="1" end="1"/>
-                                            </p:txEl>
-                                          </p:spTgt>
-                                        </p:tgtEl>
-                                        <p:attrNameLst>
-                                          <p:attrName>style.visibility</p:attrName>
-                                        </p:attrNameLst>
-                                      </p:cBhvr>
-                                      <p:to>
-                                        <p:strVal val="visible"/>
-                                      </p:to>
-                                    </p:set>
-                                    <p:animEffect transition="in" filter="fade">
-                                      <p:cBhvr>
-                                        <p:cTn id="12" dur="500"/>
-                                        <p:tgtEl>
-                                          <p:spTgt spid="3">
-                                            <p:txEl>
-                                              <p:pRg st="1" end="1"/>
-                                            </p:txEl>
-                                          </p:spTgt>
-                                        </p:tgtEl>
-                                      </p:cBhvr>
-                                    </p:animEffect>
-                                  </p:childTnLst>
-                                </p:cTn>
-                              </p:par>
-                            </p:childTnLst>
-                          </p:cTn>
-                        </p:par>
-                      </p:childTnLst>
-                    </p:cTn>
-                  </p:par>
-                  <p:par>
-                    <p:cTn id="13" fill="hold">
-                      <p:stCondLst>
-                        <p:cond delay="indefinite"/>
-                      </p:stCondLst>
-                      <p:childTnLst>
-                        <p:par>
-                          <p:cTn id="14" fill="hold">
-                            <p:stCondLst>
-                              <p:cond delay="0"/>
-                            </p:stCondLst>
-                            <p:childTnLst>
-                              <p:par>
-                                <p:cTn id="15" presetID="10" presetClass="entr" presetSubtype="0" fill="hold" grpId="0" nodeType="clickEffect">
-                                  <p:stCondLst>
-                                    <p:cond delay="0"/>
-                                  </p:stCondLst>
-                                  <p:childTnLst>
-                                    <p:set>
-                                      <p:cBhvr>
-                                        <p:cTn id="16" dur="1" fill="hold">
-                                          <p:stCondLst>
-                                            <p:cond delay="0"/>
-                                          </p:stCondLst>
-                                        </p:cTn>
-                                        <p:tgtEl>
-                                          <p:spTgt spid="3">
-                                            <p:txEl>
-                                              <p:pRg st="2" end="2"/>
-                                            </p:txEl>
-                                          </p:spTgt>
-                                        </p:tgtEl>
-                                        <p:attrNameLst>
-                                          <p:attrName>style.visibility</p:attrName>
-                                        </p:attrNameLst>
-                                      </p:cBhvr>
-                                      <p:to>
-                                        <p:strVal val="visible"/>
-                                      </p:to>
-                                    </p:set>
-                                    <p:animEffect transition="in" filter="fade">
-                                      <p:cBhvr>
-                                        <p:cTn id="17" dur="500"/>
-                                        <p:tgtEl>
-                                          <p:spTgt spid="3">
-                                            <p:txEl>
-                                              <p:pRg st="2" end="2"/>
-                                            </p:txEl>
-                                          </p:spTgt>
-                                        </p:tgtEl>
-                                      </p:cBhvr>
-                                    </p:animEffect>
-                                  </p:childTnLst>
-                                </p:cTn>
-                              </p:par>
-                            </p:childTnLst>
-                          </p:cTn>
-                        </p:par>
-                      </p:childTnLst>
-                    </p:cTn>
-                  </p:par>
-                </p:childTnLst>
-              </p:cTn>
-              <p:prevCondLst>
-                <p:cond evt="onPrev" delay="0">
-                  <p:tgtEl>
-                    <p:sldTgt/>
-                  </p:tgtEl>
-                </p:cond>
-              </p:prevCondLst>
-              <p:nextCondLst>
-                <p:cond evt="onNext" delay="0">
-                  <p:tgtEl>
-                    <p:sldTgt/>
-                  </p:tgtEl>
-                </p:cond>
-              </p:nextCondLst>
-            </p:seq>
-          </p:childTnLst>
-        </p:cTn>
-      </p:par>
-    </p:tnLst>
-    <p:bldLst>
-      <p:bldP spid="3" grpId="0" build="p"/>
-    </p:bldLst>
-  </p:timing>
-</p:sld>
-</file>
-
-<file path=ppt/slides/slide4.xml><?xml version="1.0" encoding="utf-8"?>
-<p:sld xmlns:a="http://schemas.openxmlformats.org/drawingml/2006/main" xmlns:r="http://schemas.openxmlformats.org/officeDocument/2006/relationships" xmlns:p="http://schemas.openxmlformats.org/presentationml/2006/main">
-  <p:cSld>
-    <p:spTree>
-      <p:nvGrpSpPr>
-        <p:cNvPr id="1" name=""/>
-        <p:cNvGrpSpPr/>
-        <p:nvPr/>
-      </p:nvGrpSpPr>
-      <p:grpSpPr>
-        <a:xfrm>
-          <a:off x="0" y="0"/>
-          <a:ext cx="0" cy="0"/>
-          <a:chOff x="0" y="0"/>
-          <a:chExt cx="0" cy="0"/>
-        </a:xfrm>
-      </p:grpSpPr>
-      <p:sp>
-        <p:nvSpPr>
-          <p:cNvPr id="2" name="Title 1"/>
-          <p:cNvSpPr>
-            <a:spLocks noGrp="1"/>
-          </p:cNvSpPr>
-          <p:nvPr>
-            <p:ph type="title"/>
-          </p:nvPr>
-        </p:nvSpPr>
-        <p:spPr/>
-        <p:txBody>
-          <a:bodyPr/>
-          <a:lstStyle/>
-          <a:p>
-            <a:r>
-              <a:rPr lang="sv-SE" dirty="0" smtClean="0"/>
-              <a:t>Local Binary Patterns - LBP</a:t>
+              <a:rPr lang="sv-SE" smtClean="0"/>
+              <a:t>Juefei-Xu et al.</a:t>
             </a:r>
             <a:endParaRPr lang="en-GB" dirty="0"/>
           </a:p>
@@ -7301,6 +6278,723 @@
   <p:clrMapOvr>
     <a:masterClrMapping/>
   </p:clrMapOvr>
+  <p:timing>
+    <p:tnLst>
+      <p:par>
+        <p:cTn id="1" dur="indefinite" restart="never" nodeType="tmRoot"/>
+      </p:par>
+    </p:tnLst>
+  </p:timing>
+</p:sld>
+</file>
+
+<file path=ppt/slides/slide4.xml><?xml version="1.0" encoding="utf-8"?>
+<p:sld xmlns:a="http://schemas.openxmlformats.org/drawingml/2006/main" xmlns:r="http://schemas.openxmlformats.org/officeDocument/2006/relationships" xmlns:p="http://schemas.openxmlformats.org/presentationml/2006/main">
+  <p:cSld>
+    <p:spTree>
+      <p:nvGrpSpPr>
+        <p:cNvPr id="1" name=""/>
+        <p:cNvGrpSpPr/>
+        <p:nvPr/>
+      </p:nvGrpSpPr>
+      <p:grpSpPr>
+        <a:xfrm>
+          <a:off x="0" y="0"/>
+          <a:ext cx="0" cy="0"/>
+          <a:chOff x="0" y="0"/>
+          <a:chExt cx="0" cy="0"/>
+        </a:xfrm>
+      </p:grpSpPr>
+      <p:sp>
+        <p:nvSpPr>
+          <p:cNvPr id="2" name="Title 1"/>
+          <p:cNvSpPr>
+            <a:spLocks noGrp="1"/>
+          </p:cNvSpPr>
+          <p:nvPr>
+            <p:ph type="title"/>
+          </p:nvPr>
+        </p:nvSpPr>
+        <p:spPr/>
+        <p:txBody>
+          <a:bodyPr/>
+          <a:lstStyle/>
+          <a:p>
+            <a:r>
+              <a:rPr lang="sv-SE" dirty="0" smtClean="0"/>
+              <a:t>Data</a:t>
+            </a:r>
+            <a:endParaRPr lang="en-GB" dirty="0"/>
+          </a:p>
+        </p:txBody>
+      </p:sp>
+      <p:sp>
+        <p:nvSpPr>
+          <p:cNvPr id="3" name="Content Placeholder 2"/>
+          <p:cNvSpPr>
+            <a:spLocks noGrp="1"/>
+          </p:cNvSpPr>
+          <p:nvPr>
+            <p:ph idx="1"/>
+          </p:nvPr>
+        </p:nvSpPr>
+        <p:spPr/>
+        <p:txBody>
+          <a:bodyPr/>
+          <a:lstStyle/>
+          <a:p>
+            <a:r>
+              <a:rPr lang="sv-SE" dirty="0" smtClean="0"/>
+              <a:t>10274 80x80 images</a:t>
+            </a:r>
+          </a:p>
+          <a:p>
+            <a:r>
+              <a:rPr lang="sv-SE" dirty="0" smtClean="0"/>
+              <a:t>Cells sampled from patients mouth</a:t>
+            </a:r>
+          </a:p>
+          <a:p>
+            <a:r>
+              <a:rPr lang="sv-SE" dirty="0" smtClean="0"/>
+              <a:t>Three</a:t>
+            </a:r>
+            <a:r>
+              <a:rPr lang="sv-SE" dirty="0" smtClean="0"/>
+              <a:t> </a:t>
+            </a:r>
+            <a:r>
+              <a:rPr lang="sv-SE" dirty="0" smtClean="0"/>
+              <a:t>healthy </a:t>
+            </a:r>
+            <a:r>
+              <a:rPr lang="sv-SE" dirty="0" smtClean="0"/>
+              <a:t>patients, three </a:t>
+            </a:r>
+            <a:r>
+              <a:rPr lang="sv-SE" dirty="0" smtClean="0"/>
+              <a:t>with cancer</a:t>
+            </a:r>
+            <a:endParaRPr lang="en-GB" dirty="0"/>
+          </a:p>
+        </p:txBody>
+      </p:sp>
+      <p:pic>
+        <p:nvPicPr>
+          <p:cNvPr id="2051" name="Picture 3" descr="C:\Users\Bulb\Documents\Teknisk Fysik\15hp project\code\data\glass_3_im_85.jpg"/>
+          <p:cNvPicPr>
+            <a:picLocks noChangeAspect="1" noChangeArrowheads="1"/>
+          </p:cNvPicPr>
+          <p:nvPr/>
+        </p:nvPicPr>
+        <p:blipFill>
+          <a:blip r:embed="rId2">
+            <a:extLst>
+              <a:ext uri="{28A0092B-C50C-407E-A947-70E740481C1C}">
+                <a14:useLocalDpi xmlns:a14="http://schemas.microsoft.com/office/drawing/2010/main" val="0"/>
+              </a:ext>
+            </a:extLst>
+          </a:blip>
+          <a:srcRect/>
+          <a:stretch>
+            <a:fillRect/>
+          </a:stretch>
+        </p:blipFill>
+        <p:spPr bwMode="auto">
+          <a:xfrm>
+            <a:off x="8229553" y="17105234"/>
+            <a:ext cx="4873771" cy="4908037"/>
+          </a:xfrm>
+          <a:prstGeom prst="rect">
+            <a:avLst/>
+          </a:prstGeom>
+          <a:noFill/>
+          <a:extLst>
+            <a:ext uri="{909E8E84-426E-40DD-AFC4-6F175D3DCCD1}">
+              <a14:hiddenFill xmlns:a14="http://schemas.microsoft.com/office/drawing/2010/main">
+                <a:solidFill>
+                  <a:srgbClr val="FFFFFF"/>
+                </a:solidFill>
+              </a14:hiddenFill>
+            </a:ext>
+          </a:extLst>
+        </p:spPr>
+      </p:pic>
+      <p:pic>
+        <p:nvPicPr>
+          <p:cNvPr id="2052" name="Picture 4" descr="C:\Users\Bulb\Documents\Teknisk Fysik\15hp project\code\data\glass_3_im_200.jpg"/>
+          <p:cNvPicPr>
+            <a:picLocks noChangeAspect="1" noChangeArrowheads="1"/>
+          </p:cNvPicPr>
+          <p:nvPr/>
+        </p:nvPicPr>
+        <p:blipFill>
+          <a:blip r:embed="rId3">
+            <a:extLst>
+              <a:ext uri="{28A0092B-C50C-407E-A947-70E740481C1C}">
+                <a14:useLocalDpi xmlns:a14="http://schemas.microsoft.com/office/drawing/2010/main" val="0"/>
+              </a:ext>
+            </a:extLst>
+          </a:blip>
+          <a:srcRect/>
+          <a:stretch>
+            <a:fillRect/>
+          </a:stretch>
+        </p:blipFill>
+        <p:spPr bwMode="auto">
+          <a:xfrm>
+            <a:off x="13679389" y="17083621"/>
+            <a:ext cx="4873771" cy="4905322"/>
+          </a:xfrm>
+          <a:prstGeom prst="rect">
+            <a:avLst/>
+          </a:prstGeom>
+          <a:noFill/>
+          <a:extLst>
+            <a:ext uri="{909E8E84-426E-40DD-AFC4-6F175D3DCCD1}">
+              <a14:hiddenFill xmlns:a14="http://schemas.microsoft.com/office/drawing/2010/main">
+                <a:solidFill>
+                  <a:srgbClr val="FFFFFF"/>
+                </a:solidFill>
+              </a14:hiddenFill>
+            </a:ext>
+          </a:extLst>
+        </p:spPr>
+      </p:pic>
+      <p:pic>
+        <p:nvPicPr>
+          <p:cNvPr id="2053" name="Picture 5" descr="C:\Users\Bulb\Documents\Teknisk Fysik\15hp project\code\data\glass_3_im_1000.jpg"/>
+          <p:cNvPicPr>
+            <a:picLocks noChangeAspect="1" noChangeArrowheads="1"/>
+          </p:cNvPicPr>
+          <p:nvPr/>
+        </p:nvPicPr>
+        <p:blipFill>
+          <a:blip r:embed="rId4">
+            <a:extLst>
+              <a:ext uri="{28A0092B-C50C-407E-A947-70E740481C1C}">
+                <a14:useLocalDpi xmlns:a14="http://schemas.microsoft.com/office/drawing/2010/main" val="0"/>
+              </a:ext>
+            </a:extLst>
+          </a:blip>
+          <a:srcRect/>
+          <a:stretch>
+            <a:fillRect/>
+          </a:stretch>
+        </p:blipFill>
+        <p:spPr bwMode="auto">
+          <a:xfrm>
+            <a:off x="8172980" y="11707190"/>
+            <a:ext cx="4905322" cy="4905322"/>
+          </a:xfrm>
+          <a:prstGeom prst="rect">
+            <a:avLst/>
+          </a:prstGeom>
+          <a:noFill/>
+          <a:extLst>
+            <a:ext uri="{909E8E84-426E-40DD-AFC4-6F175D3DCCD1}">
+              <a14:hiddenFill xmlns:a14="http://schemas.microsoft.com/office/drawing/2010/main">
+                <a:solidFill>
+                  <a:srgbClr val="FFFFFF"/>
+                </a:solidFill>
+              </a14:hiddenFill>
+            </a:ext>
+          </a:extLst>
+        </p:spPr>
+      </p:pic>
+      <p:sp>
+        <p:nvSpPr>
+          <p:cNvPr id="4" name="TextBox 3"/>
+          <p:cNvSpPr txBox="1"/>
+          <p:nvPr/>
+        </p:nvSpPr>
+        <p:spPr>
+          <a:xfrm>
+            <a:off x="8172980" y="22763417"/>
+            <a:ext cx="10411732" cy="1169551"/>
+          </a:xfrm>
+          <a:prstGeom prst="rect">
+            <a:avLst/>
+          </a:prstGeom>
+          <a:noFill/>
+        </p:spPr>
+        <p:txBody>
+          <a:bodyPr wrap="square" rtlCol="0">
+            <a:spAutoFit/>
+          </a:bodyPr>
+          <a:lstStyle/>
+          <a:p>
+            <a:pPr algn="ctr"/>
+            <a:r>
+              <a:rPr lang="sv-SE" sz="7000" b="1" dirty="0" smtClean="0"/>
+              <a:t>Healthy Cells</a:t>
+            </a:r>
+            <a:endParaRPr lang="en-GB" sz="7000" b="1" dirty="0"/>
+          </a:p>
+        </p:txBody>
+      </p:sp>
+      <p:pic>
+        <p:nvPicPr>
+          <p:cNvPr id="2057" name="Picture 9" descr="C:\Users\Bulb\Documents\Teknisk Fysik\15hp project\code\data\glass_12_im_50.jpg"/>
+          <p:cNvPicPr>
+            <a:picLocks noChangeAspect="1" noChangeArrowheads="1"/>
+          </p:cNvPicPr>
+          <p:nvPr/>
+        </p:nvPicPr>
+        <p:blipFill>
+          <a:blip r:embed="rId5">
+            <a:extLst>
+              <a:ext uri="{28A0092B-C50C-407E-A947-70E740481C1C}">
+                <a14:useLocalDpi xmlns:a14="http://schemas.microsoft.com/office/drawing/2010/main" val="0"/>
+              </a:ext>
+            </a:extLst>
+          </a:blip>
+          <a:srcRect/>
+          <a:stretch>
+            <a:fillRect/>
+          </a:stretch>
+        </p:blipFill>
+        <p:spPr bwMode="auto">
+          <a:xfrm>
+            <a:off x="21918259" y="11682862"/>
+            <a:ext cx="4905322" cy="4905322"/>
+          </a:xfrm>
+          <a:prstGeom prst="rect">
+            <a:avLst/>
+          </a:prstGeom>
+          <a:noFill/>
+          <a:extLst>
+            <a:ext uri="{909E8E84-426E-40DD-AFC4-6F175D3DCCD1}">
+              <a14:hiddenFill xmlns:a14="http://schemas.microsoft.com/office/drawing/2010/main">
+                <a:solidFill>
+                  <a:srgbClr val="FFFFFF"/>
+                </a:solidFill>
+              </a14:hiddenFill>
+            </a:ext>
+          </a:extLst>
+        </p:spPr>
+      </p:pic>
+      <p:pic>
+        <p:nvPicPr>
+          <p:cNvPr id="2058" name="Picture 10" descr="C:\Users\Bulb\Documents\Teknisk Fysik\15hp project\code\data\glass_12_im_100.jpg"/>
+          <p:cNvPicPr>
+            <a:picLocks noChangeAspect="1" noChangeArrowheads="1"/>
+          </p:cNvPicPr>
+          <p:nvPr/>
+        </p:nvPicPr>
+        <p:blipFill>
+          <a:blip r:embed="rId6">
+            <a:extLst>
+              <a:ext uri="{28A0092B-C50C-407E-A947-70E740481C1C}">
+                <a14:useLocalDpi xmlns:a14="http://schemas.microsoft.com/office/drawing/2010/main" val="0"/>
+              </a:ext>
+            </a:extLst>
+          </a:blip>
+          <a:srcRect/>
+          <a:stretch>
+            <a:fillRect/>
+          </a:stretch>
+        </p:blipFill>
+        <p:spPr bwMode="auto">
+          <a:xfrm>
+            <a:off x="27288901" y="16996064"/>
+            <a:ext cx="4968552" cy="4968552"/>
+          </a:xfrm>
+          <a:prstGeom prst="rect">
+            <a:avLst/>
+          </a:prstGeom>
+          <a:noFill/>
+          <a:extLst>
+            <a:ext uri="{909E8E84-426E-40DD-AFC4-6F175D3DCCD1}">
+              <a14:hiddenFill xmlns:a14="http://schemas.microsoft.com/office/drawing/2010/main">
+                <a:solidFill>
+                  <a:srgbClr val="FFFFFF"/>
+                </a:solidFill>
+              </a14:hiddenFill>
+            </a:ext>
+          </a:extLst>
+        </p:spPr>
+      </p:pic>
+      <p:pic>
+        <p:nvPicPr>
+          <p:cNvPr id="2059" name="Picture 11" descr="C:\Users\Bulb\Documents\Teknisk Fysik\15hp project\code\data\glass_12_im_200.jpg"/>
+          <p:cNvPicPr>
+            <a:picLocks noChangeAspect="1" noChangeArrowheads="1"/>
+          </p:cNvPicPr>
+          <p:nvPr/>
+        </p:nvPicPr>
+        <p:blipFill>
+          <a:blip r:embed="rId7">
+            <a:extLst>
+              <a:ext uri="{28A0092B-C50C-407E-A947-70E740481C1C}">
+                <a14:useLocalDpi xmlns:a14="http://schemas.microsoft.com/office/drawing/2010/main" val="0"/>
+              </a:ext>
+            </a:extLst>
+          </a:blip>
+          <a:srcRect/>
+          <a:stretch>
+            <a:fillRect/>
+          </a:stretch>
+        </p:blipFill>
+        <p:spPr bwMode="auto">
+          <a:xfrm>
+            <a:off x="21918259" y="17037680"/>
+            <a:ext cx="4896544" cy="4896544"/>
+          </a:xfrm>
+          <a:prstGeom prst="rect">
+            <a:avLst/>
+          </a:prstGeom>
+          <a:noFill/>
+          <a:extLst>
+            <a:ext uri="{909E8E84-426E-40DD-AFC4-6F175D3DCCD1}">
+              <a14:hiddenFill xmlns:a14="http://schemas.microsoft.com/office/drawing/2010/main">
+                <a:solidFill>
+                  <a:srgbClr val="FFFFFF"/>
+                </a:solidFill>
+              </a14:hiddenFill>
+            </a:ext>
+          </a:extLst>
+        </p:spPr>
+      </p:pic>
+      <p:pic>
+        <p:nvPicPr>
+          <p:cNvPr id="2061" name="Picture 13" descr="C:\Users\Bulb\Documents\Teknisk Fysik\15hp project\code\data\glass_4_im_1.jpg"/>
+          <p:cNvPicPr>
+            <a:picLocks noChangeAspect="1" noChangeArrowheads="1"/>
+          </p:cNvPicPr>
+          <p:nvPr/>
+        </p:nvPicPr>
+        <p:blipFill>
+          <a:blip r:embed="rId8">
+            <a:extLst>
+              <a:ext uri="{28A0092B-C50C-407E-A947-70E740481C1C}">
+                <a14:useLocalDpi xmlns:a14="http://schemas.microsoft.com/office/drawing/2010/main" val="0"/>
+              </a:ext>
+            </a:extLst>
+          </a:blip>
+          <a:srcRect/>
+          <a:stretch>
+            <a:fillRect/>
+          </a:stretch>
+        </p:blipFill>
+        <p:spPr bwMode="auto">
+          <a:xfrm>
+            <a:off x="13679389" y="11707191"/>
+            <a:ext cx="4905322" cy="4905322"/>
+          </a:xfrm>
+          <a:prstGeom prst="rect">
+            <a:avLst/>
+          </a:prstGeom>
+          <a:noFill/>
+          <a:extLst>
+            <a:ext uri="{909E8E84-426E-40DD-AFC4-6F175D3DCCD1}">
+              <a14:hiddenFill xmlns:a14="http://schemas.microsoft.com/office/drawing/2010/main">
+                <a:solidFill>
+                  <a:srgbClr val="FFFFFF"/>
+                </a:solidFill>
+              </a14:hiddenFill>
+            </a:ext>
+          </a:extLst>
+        </p:spPr>
+      </p:pic>
+      <p:sp>
+        <p:nvSpPr>
+          <p:cNvPr id="18" name="TextBox 17"/>
+          <p:cNvSpPr txBox="1"/>
+          <p:nvPr/>
+        </p:nvSpPr>
+        <p:spPr>
+          <a:xfrm>
+            <a:off x="21918259" y="22739089"/>
+            <a:ext cx="9979154" cy="1169551"/>
+          </a:xfrm>
+          <a:prstGeom prst="rect">
+            <a:avLst/>
+          </a:prstGeom>
+          <a:noFill/>
+        </p:spPr>
+        <p:txBody>
+          <a:bodyPr wrap="square" rtlCol="0">
+            <a:spAutoFit/>
+          </a:bodyPr>
+          <a:lstStyle/>
+          <a:p>
+            <a:pPr algn="ctr"/>
+            <a:r>
+              <a:rPr lang="sv-SE" sz="7000" b="1" dirty="0" smtClean="0"/>
+              <a:t>Cancer Cells</a:t>
+            </a:r>
+            <a:endParaRPr lang="en-GB" sz="7000" b="1" dirty="0"/>
+          </a:p>
+        </p:txBody>
+      </p:sp>
+      <p:pic>
+        <p:nvPicPr>
+          <p:cNvPr id="2063" name="Picture 15" descr="C:\Users\Bulb\Documents\Teknisk Fysik\15hp project\code\data\glass_37_im_1.jpg"/>
+          <p:cNvPicPr>
+            <a:picLocks noChangeAspect="1" noChangeArrowheads="1"/>
+          </p:cNvPicPr>
+          <p:nvPr/>
+        </p:nvPicPr>
+        <p:blipFill>
+          <a:blip r:embed="rId9">
+            <a:extLst>
+              <a:ext uri="{28A0092B-C50C-407E-A947-70E740481C1C}">
+                <a14:useLocalDpi xmlns:a14="http://schemas.microsoft.com/office/drawing/2010/main" val="0"/>
+              </a:ext>
+            </a:extLst>
+          </a:blip>
+          <a:srcRect/>
+          <a:stretch>
+            <a:fillRect/>
+          </a:stretch>
+        </p:blipFill>
+        <p:spPr bwMode="auto">
+          <a:xfrm>
+            <a:off x="27259895" y="11590628"/>
+            <a:ext cx="4997557" cy="4997557"/>
+          </a:xfrm>
+          <a:prstGeom prst="rect">
+            <a:avLst/>
+          </a:prstGeom>
+          <a:noFill/>
+          <a:extLst>
+            <a:ext uri="{909E8E84-426E-40DD-AFC4-6F175D3DCCD1}">
+              <a14:hiddenFill xmlns:a14="http://schemas.microsoft.com/office/drawing/2010/main">
+                <a:solidFill>
+                  <a:srgbClr val="FFFFFF"/>
+                </a:solidFill>
+              </a14:hiddenFill>
+            </a:ext>
+          </a:extLst>
+        </p:spPr>
+      </p:pic>
+    </p:spTree>
+    <p:extLst>
+      <p:ext uri="{BB962C8B-B14F-4D97-AF65-F5344CB8AC3E}">
+        <p14:creationId xmlns:p14="http://schemas.microsoft.com/office/powerpoint/2010/main" val="1927327782"/>
+      </p:ext>
+    </p:extLst>
+  </p:cSld>
+  <p:clrMapOvr>
+    <a:masterClrMapping/>
+  </p:clrMapOvr>
+  <p:timing>
+    <p:tnLst>
+      <p:par>
+        <p:cTn id="1" dur="indefinite" restart="never" nodeType="tmRoot">
+          <p:childTnLst>
+            <p:seq concurrent="1" nextAc="seek">
+              <p:cTn id="2" dur="indefinite" nodeType="mainSeq">
+                <p:childTnLst>
+                  <p:par>
+                    <p:cTn id="3" fill="hold">
+                      <p:stCondLst>
+                        <p:cond delay="indefinite"/>
+                      </p:stCondLst>
+                      <p:childTnLst>
+                        <p:par>
+                          <p:cTn id="4" fill="hold">
+                            <p:stCondLst>
+                              <p:cond delay="0"/>
+                            </p:stCondLst>
+                            <p:childTnLst>
+                              <p:par>
+                                <p:cTn id="5" presetID="10" presetClass="entr" presetSubtype="0" fill="hold" grpId="0" nodeType="clickEffect">
+                                  <p:stCondLst>
+                                    <p:cond delay="0"/>
+                                  </p:stCondLst>
+                                  <p:childTnLst>
+                                    <p:set>
+                                      <p:cBhvr>
+                                        <p:cTn id="6" dur="1" fill="hold">
+                                          <p:stCondLst>
+                                            <p:cond delay="0"/>
+                                          </p:stCondLst>
+                                        </p:cTn>
+                                        <p:tgtEl>
+                                          <p:spTgt spid="3">
+                                            <p:txEl>
+                                              <p:pRg st="0" end="0"/>
+                                            </p:txEl>
+                                          </p:spTgt>
+                                        </p:tgtEl>
+                                        <p:attrNameLst>
+                                          <p:attrName>style.visibility</p:attrName>
+                                        </p:attrNameLst>
+                                      </p:cBhvr>
+                                      <p:to>
+                                        <p:strVal val="visible"/>
+                                      </p:to>
+                                    </p:set>
+                                    <p:animEffect transition="in" filter="fade">
+                                      <p:cBhvr>
+                                        <p:cTn id="7" dur="500"/>
+                                        <p:tgtEl>
+                                          <p:spTgt spid="3">
+                                            <p:txEl>
+                                              <p:pRg st="0" end="0"/>
+                                            </p:txEl>
+                                          </p:spTgt>
+                                        </p:tgtEl>
+                                      </p:cBhvr>
+                                    </p:animEffect>
+                                  </p:childTnLst>
+                                </p:cTn>
+                              </p:par>
+                            </p:childTnLst>
+                          </p:cTn>
+                        </p:par>
+                      </p:childTnLst>
+                    </p:cTn>
+                  </p:par>
+                  <p:par>
+                    <p:cTn id="8" fill="hold">
+                      <p:stCondLst>
+                        <p:cond delay="indefinite"/>
+                      </p:stCondLst>
+                      <p:childTnLst>
+                        <p:par>
+                          <p:cTn id="9" fill="hold">
+                            <p:stCondLst>
+                              <p:cond delay="0"/>
+                            </p:stCondLst>
+                            <p:childTnLst>
+                              <p:par>
+                                <p:cTn id="10" presetID="10" presetClass="entr" presetSubtype="0" fill="hold" grpId="0" nodeType="clickEffect">
+                                  <p:stCondLst>
+                                    <p:cond delay="0"/>
+                                  </p:stCondLst>
+                                  <p:childTnLst>
+                                    <p:set>
+                                      <p:cBhvr>
+                                        <p:cTn id="11" dur="1" fill="hold">
+                                          <p:stCondLst>
+                                            <p:cond delay="0"/>
+                                          </p:stCondLst>
+                                        </p:cTn>
+                                        <p:tgtEl>
+                                          <p:spTgt spid="3">
+                                            <p:txEl>
+                                              <p:pRg st="1" end="1"/>
+                                            </p:txEl>
+                                          </p:spTgt>
+                                        </p:tgtEl>
+                                        <p:attrNameLst>
+                                          <p:attrName>style.visibility</p:attrName>
+                                        </p:attrNameLst>
+                                      </p:cBhvr>
+                                      <p:to>
+                                        <p:strVal val="visible"/>
+                                      </p:to>
+                                    </p:set>
+                                    <p:animEffect transition="in" filter="fade">
+                                      <p:cBhvr>
+                                        <p:cTn id="12" dur="500"/>
+                                        <p:tgtEl>
+                                          <p:spTgt spid="3">
+                                            <p:txEl>
+                                              <p:pRg st="1" end="1"/>
+                                            </p:txEl>
+                                          </p:spTgt>
+                                        </p:tgtEl>
+                                      </p:cBhvr>
+                                    </p:animEffect>
+                                  </p:childTnLst>
+                                </p:cTn>
+                              </p:par>
+                            </p:childTnLst>
+                          </p:cTn>
+                        </p:par>
+                      </p:childTnLst>
+                    </p:cTn>
+                  </p:par>
+                  <p:par>
+                    <p:cTn id="13" fill="hold">
+                      <p:stCondLst>
+                        <p:cond delay="indefinite"/>
+                      </p:stCondLst>
+                      <p:childTnLst>
+                        <p:par>
+                          <p:cTn id="14" fill="hold">
+                            <p:stCondLst>
+                              <p:cond delay="0"/>
+                            </p:stCondLst>
+                            <p:childTnLst>
+                              <p:par>
+                                <p:cTn id="15" presetID="10" presetClass="entr" presetSubtype="0" fill="hold" grpId="0" nodeType="clickEffect">
+                                  <p:stCondLst>
+                                    <p:cond delay="0"/>
+                                  </p:stCondLst>
+                                  <p:childTnLst>
+                                    <p:set>
+                                      <p:cBhvr>
+                                        <p:cTn id="16" dur="1" fill="hold">
+                                          <p:stCondLst>
+                                            <p:cond delay="0"/>
+                                          </p:stCondLst>
+                                        </p:cTn>
+                                        <p:tgtEl>
+                                          <p:spTgt spid="3">
+                                            <p:txEl>
+                                              <p:pRg st="2" end="2"/>
+                                            </p:txEl>
+                                          </p:spTgt>
+                                        </p:tgtEl>
+                                        <p:attrNameLst>
+                                          <p:attrName>style.visibility</p:attrName>
+                                        </p:attrNameLst>
+                                      </p:cBhvr>
+                                      <p:to>
+                                        <p:strVal val="visible"/>
+                                      </p:to>
+                                    </p:set>
+                                    <p:animEffect transition="in" filter="fade">
+                                      <p:cBhvr>
+                                        <p:cTn id="17" dur="500"/>
+                                        <p:tgtEl>
+                                          <p:spTgt spid="3">
+                                            <p:txEl>
+                                              <p:pRg st="2" end="2"/>
+                                            </p:txEl>
+                                          </p:spTgt>
+                                        </p:tgtEl>
+                                      </p:cBhvr>
+                                    </p:animEffect>
+                                  </p:childTnLst>
+                                </p:cTn>
+                              </p:par>
+                            </p:childTnLst>
+                          </p:cTn>
+                        </p:par>
+                      </p:childTnLst>
+                    </p:cTn>
+                  </p:par>
+                </p:childTnLst>
+              </p:cTn>
+              <p:prevCondLst>
+                <p:cond evt="onPrev" delay="0">
+                  <p:tgtEl>
+                    <p:sldTgt/>
+                  </p:tgtEl>
+                </p:cond>
+              </p:prevCondLst>
+              <p:nextCondLst>
+                <p:cond evt="onNext" delay="0">
+                  <p:tgtEl>
+                    <p:sldTgt/>
+                  </p:tgtEl>
+                </p:cond>
+              </p:nextCondLst>
+            </p:seq>
+          </p:childTnLst>
+        </p:cTn>
+      </p:par>
+    </p:tnLst>
+    <p:bldLst>
+      <p:bldP spid="3" grpId="0" build="p"/>
+    </p:bldLst>
+  </p:timing>
 </p:sld>
 </file>
 

--- a/presentation.pptx
+++ b/presentation.pptx
@@ -5198,7 +5198,7 @@
           <a:lstStyle/>
           <a:p>
             <a:r>
-              <a:rPr lang="sv-SE" smtClean="0"/>
+              <a:rPr lang="sv-SE" dirty="0" smtClean="0"/>
               <a:t>Juefei-Xu et al.</a:t>
             </a:r>
             <a:endParaRPr lang="en-GB" dirty="0"/>
@@ -5221,9 +5221,10 @@
           <a:lstStyle/>
           <a:p>
             <a:r>
-              <a:rPr lang="sv-SE" sz="9200" dirty="0" smtClean="0"/>
-              <a:t>Specific type of filter proposed by Ojala et al. in their paper published in 2002:</a:t>
-            </a:r>
+              <a:rPr lang="sv-SE" sz="9200" smtClean="0"/>
+              <a:t>Square 3x3 LBP filters</a:t>
+            </a:r>
+            <a:endParaRPr lang="sv-SE" sz="9200" dirty="0" smtClean="0"/>
           </a:p>
           <a:p>
             <a:endParaRPr lang="en-GB" sz="9200" dirty="0"/>

--- a/presentation.pptx
+++ b/presentation.pptx
@@ -13,9 +13,9 @@
   <p:sldIdLst>
     <p:sldId id="256" r:id="rId2"/>
     <p:sldId id="259" r:id="rId3"/>
-    <p:sldId id="260" r:id="rId4"/>
-    <p:sldId id="257" r:id="rId5"/>
-    <p:sldId id="258" r:id="rId6"/>
+    <p:sldId id="262" r:id="rId4"/>
+    <p:sldId id="260" r:id="rId5"/>
+    <p:sldId id="261" r:id="rId6"/>
   </p:sldIdLst>
   <p:sldSz cx="35999738" cy="25201563"/>
   <p:notesSz cx="46342300" cy="46342300"/>
@@ -1236,6 +1236,91 @@
     <p:extLst>
       <p:ext uri="{BB962C8B-B14F-4D97-AF65-F5344CB8AC3E}">
         <p14:creationId xmlns:p14="http://schemas.microsoft.com/office/powerpoint/2010/main" val="562777672"/>
+      </p:ext>
+    </p:extLst>
+  </p:cSld>
+  <p:clrMapOvr>
+    <a:masterClrMapping/>
+  </p:clrMapOvr>
+</p:notes>
+</file>
+
+<file path=ppt/notesSlides/notesSlide3.xml><?xml version="1.0" encoding="utf-8"?>
+<p:notes xmlns:a="http://schemas.openxmlformats.org/drawingml/2006/main" xmlns:r="http://schemas.openxmlformats.org/officeDocument/2006/relationships" xmlns:p="http://schemas.openxmlformats.org/presentationml/2006/main">
+  <p:cSld>
+    <p:spTree>
+      <p:nvGrpSpPr>
+        <p:cNvPr id="1" name=""/>
+        <p:cNvGrpSpPr/>
+        <p:nvPr/>
+      </p:nvGrpSpPr>
+      <p:grpSpPr>
+        <a:xfrm>
+          <a:off x="0" y="0"/>
+          <a:ext cx="0" cy="0"/>
+          <a:chOff x="0" y="0"/>
+          <a:chExt cx="0" cy="0"/>
+        </a:xfrm>
+      </p:grpSpPr>
+      <p:sp>
+        <p:nvSpPr>
+          <p:cNvPr id="2" name="Slide Image Placeholder 1"/>
+          <p:cNvSpPr>
+            <a:spLocks noGrp="1" noRot="1" noChangeAspect="1"/>
+          </p:cNvSpPr>
+          <p:nvPr>
+            <p:ph type="sldImg"/>
+          </p:nvPr>
+        </p:nvSpPr>
+        <p:spPr/>
+      </p:sp>
+      <p:sp>
+        <p:nvSpPr>
+          <p:cNvPr id="3" name="Notes Placeholder 2"/>
+          <p:cNvSpPr>
+            <a:spLocks noGrp="1"/>
+          </p:cNvSpPr>
+          <p:nvPr>
+            <p:ph type="body" idx="1"/>
+          </p:nvPr>
+        </p:nvSpPr>
+        <p:spPr/>
+        <p:txBody>
+          <a:bodyPr/>
+          <a:lstStyle/>
+          <a:p>
+            <a:endParaRPr lang="en-GB" dirty="0"/>
+          </a:p>
+        </p:txBody>
+      </p:sp>
+      <p:sp>
+        <p:nvSpPr>
+          <p:cNvPr id="4" name="Slide Number Placeholder 3"/>
+          <p:cNvSpPr>
+            <a:spLocks noGrp="1"/>
+          </p:cNvSpPr>
+          <p:nvPr>
+            <p:ph type="sldNum" sz="quarter" idx="10"/>
+          </p:nvPr>
+        </p:nvSpPr>
+        <p:spPr/>
+        <p:txBody>
+          <a:bodyPr/>
+          <a:lstStyle/>
+          <a:p>
+            <a:fld id="{E36643B1-9D94-4426-9F70-001B837290C8}" type="slidenum">
+              <a:rPr lang="sv-SE" smtClean="0"/>
+              <a:pPr/>
+              <a:t>5</a:t>
+            </a:fld>
+            <a:endParaRPr lang="sv-SE"/>
+          </a:p>
+        </p:txBody>
+      </p:sp>
+    </p:spTree>
+    <p:extLst>
+      <p:ext uri="{BB962C8B-B14F-4D97-AF65-F5344CB8AC3E}">
+        <p14:creationId xmlns:p14="http://schemas.microsoft.com/office/powerpoint/2010/main" val="2477875580"/>
       </p:ext>
     </p:extLst>
   </p:cSld>
@@ -4593,7 +4678,23 @@
                   <a:schemeClr val="tx1"/>
                 </a:solidFill>
               </a:rPr>
-              <a:t>Classifying Cancer Cells usin</a:t>
+              <a:t>Classifying Cancer </a:t>
+            </a:r>
+            <a:r>
+              <a:rPr lang="en-US" sz="14500" smtClean="0">
+                <a:solidFill>
+                  <a:schemeClr val="tx1"/>
+                </a:solidFill>
+              </a:rPr>
+              <a:t>Cells Usin</a:t>
+            </a:r>
+            <a:r>
+              <a:rPr lang="en-US" sz="14500" smtClean="0">
+                <a:solidFill>
+                  <a:schemeClr val="tx1"/>
+                </a:solidFill>
+              </a:rPr>
+              <a:t>g </a:t>
             </a:r>
             <a:r>
               <a:rPr lang="en-US" sz="14500" dirty="0" smtClean="0">
@@ -4601,7 +4702,7 @@
                   <a:schemeClr val="tx1"/>
                 </a:solidFill>
               </a:rPr>
-              <a:t>g Local Binary Patterns</a:t>
+              <a:t>Local Binary Patterns</a:t>
             </a:r>
             <a:endParaRPr lang="en-US" sz="14500" dirty="0">
               <a:solidFill>
@@ -5199,7 +5300,7 @@
           <a:p>
             <a:r>
               <a:rPr lang="sv-SE" dirty="0" smtClean="0"/>
-              <a:t>Juefei-Xu et al.</a:t>
+              <a:t>Data</a:t>
             </a:r>
             <a:endParaRPr lang="en-GB" dirty="0"/>
           </a:p>
@@ -5215,16 +5316,801 @@
             <p:ph idx="1"/>
           </p:nvPr>
         </p:nvSpPr>
-        <p:spPr/>
+        <p:spPr>
+          <a:xfrm>
+            <a:off x="7126661" y="4031829"/>
+            <a:ext cx="27779663" cy="17280260"/>
+          </a:xfrm>
+        </p:spPr>
         <p:txBody>
           <a:bodyPr/>
           <a:lstStyle/>
           <a:p>
             <a:r>
-              <a:rPr lang="sv-SE" sz="9200" smtClean="0"/>
-              <a:t>Square 3x3 LBP filters</a:t>
-            </a:r>
-            <a:endParaRPr lang="sv-SE" sz="9200" dirty="0" smtClean="0"/>
+              <a:rPr lang="sv-SE" dirty="0" smtClean="0"/>
+              <a:t>10274 80x80 images</a:t>
+            </a:r>
+          </a:p>
+          <a:p>
+            <a:r>
+              <a:rPr lang="sv-SE" dirty="0" smtClean="0"/>
+              <a:t>Cells sampled from patients mouth</a:t>
+            </a:r>
+          </a:p>
+          <a:p>
+            <a:r>
+              <a:rPr lang="sv-SE" dirty="0" smtClean="0"/>
+              <a:t>Three</a:t>
+            </a:r>
+            <a:r>
+              <a:rPr lang="sv-SE" dirty="0" smtClean="0"/>
+              <a:t> </a:t>
+            </a:r>
+            <a:r>
+              <a:rPr lang="sv-SE" dirty="0" smtClean="0"/>
+              <a:t>healthy </a:t>
+            </a:r>
+            <a:r>
+              <a:rPr lang="sv-SE" dirty="0" smtClean="0"/>
+              <a:t>patients, three </a:t>
+            </a:r>
+            <a:r>
+              <a:rPr lang="sv-SE" dirty="0" smtClean="0"/>
+              <a:t>with </a:t>
+            </a:r>
+            <a:r>
+              <a:rPr lang="sv-SE" dirty="0" smtClean="0"/>
+              <a:t>cancer</a:t>
+            </a:r>
+          </a:p>
+          <a:p>
+            <a:r>
+              <a:rPr lang="sv-SE" dirty="0" smtClean="0"/>
+              <a:t>Ground truth on patient level, note cell level</a:t>
+            </a:r>
+            <a:endParaRPr lang="en-GB" dirty="0"/>
+          </a:p>
+        </p:txBody>
+      </p:sp>
+      <p:pic>
+        <p:nvPicPr>
+          <p:cNvPr id="2051" name="Picture 3" descr="C:\Users\Bulb\Documents\Teknisk Fysik\15hp project\code\data\glass_3_im_85.jpg"/>
+          <p:cNvPicPr>
+            <a:picLocks noChangeAspect="1" noChangeArrowheads="1"/>
+          </p:cNvPicPr>
+          <p:nvPr/>
+        </p:nvPicPr>
+        <p:blipFill>
+          <a:blip r:embed="rId2">
+            <a:extLst>
+              <a:ext uri="{28A0092B-C50C-407E-A947-70E740481C1C}">
+                <a14:useLocalDpi xmlns:a14="http://schemas.microsoft.com/office/drawing/2010/main" val="0"/>
+              </a:ext>
+            </a:extLst>
+          </a:blip>
+          <a:srcRect/>
+          <a:stretch>
+            <a:fillRect/>
+          </a:stretch>
+        </p:blipFill>
+        <p:spPr bwMode="auto">
+          <a:xfrm>
+            <a:off x="8198002" y="17597955"/>
+            <a:ext cx="4873771" cy="4908037"/>
+          </a:xfrm>
+          <a:prstGeom prst="rect">
+            <a:avLst/>
+          </a:prstGeom>
+          <a:noFill/>
+          <a:extLst>
+            <a:ext uri="{909E8E84-426E-40DD-AFC4-6F175D3DCCD1}">
+              <a14:hiddenFill xmlns:a14="http://schemas.microsoft.com/office/drawing/2010/main">
+                <a:solidFill>
+                  <a:srgbClr val="FFFFFF"/>
+                </a:solidFill>
+              </a14:hiddenFill>
+            </a:ext>
+          </a:extLst>
+        </p:spPr>
+      </p:pic>
+      <p:pic>
+        <p:nvPicPr>
+          <p:cNvPr id="2052" name="Picture 4" descr="C:\Users\Bulb\Documents\Teknisk Fysik\15hp project\code\data\glass_3_im_200.jpg"/>
+          <p:cNvPicPr>
+            <a:picLocks noChangeAspect="1" noChangeArrowheads="1"/>
+          </p:cNvPicPr>
+          <p:nvPr/>
+        </p:nvPicPr>
+        <p:blipFill>
+          <a:blip r:embed="rId3">
+            <a:extLst>
+              <a:ext uri="{28A0092B-C50C-407E-A947-70E740481C1C}">
+                <a14:useLocalDpi xmlns:a14="http://schemas.microsoft.com/office/drawing/2010/main" val="0"/>
+              </a:ext>
+            </a:extLst>
+          </a:blip>
+          <a:srcRect/>
+          <a:stretch>
+            <a:fillRect/>
+          </a:stretch>
+        </p:blipFill>
+        <p:spPr bwMode="auto">
+          <a:xfrm>
+            <a:off x="13647838" y="17576342"/>
+            <a:ext cx="4873771" cy="4905322"/>
+          </a:xfrm>
+          <a:prstGeom prst="rect">
+            <a:avLst/>
+          </a:prstGeom>
+          <a:noFill/>
+          <a:extLst>
+            <a:ext uri="{909E8E84-426E-40DD-AFC4-6F175D3DCCD1}">
+              <a14:hiddenFill xmlns:a14="http://schemas.microsoft.com/office/drawing/2010/main">
+                <a:solidFill>
+                  <a:srgbClr val="FFFFFF"/>
+                </a:solidFill>
+              </a14:hiddenFill>
+            </a:ext>
+          </a:extLst>
+        </p:spPr>
+      </p:pic>
+      <p:pic>
+        <p:nvPicPr>
+          <p:cNvPr id="2053" name="Picture 5" descr="C:\Users\Bulb\Documents\Teknisk Fysik\15hp project\code\data\glass_3_im_1000.jpg"/>
+          <p:cNvPicPr>
+            <a:picLocks noChangeAspect="1" noChangeArrowheads="1"/>
+          </p:cNvPicPr>
+          <p:nvPr/>
+        </p:nvPicPr>
+        <p:blipFill>
+          <a:blip r:embed="rId4">
+            <a:extLst>
+              <a:ext uri="{28A0092B-C50C-407E-A947-70E740481C1C}">
+                <a14:useLocalDpi xmlns:a14="http://schemas.microsoft.com/office/drawing/2010/main" val="0"/>
+              </a:ext>
+            </a:extLst>
+          </a:blip>
+          <a:srcRect/>
+          <a:stretch>
+            <a:fillRect/>
+          </a:stretch>
+        </p:blipFill>
+        <p:spPr bwMode="auto">
+          <a:xfrm>
+            <a:off x="8141429" y="12199911"/>
+            <a:ext cx="4905322" cy="4905322"/>
+          </a:xfrm>
+          <a:prstGeom prst="rect">
+            <a:avLst/>
+          </a:prstGeom>
+          <a:noFill/>
+          <a:extLst>
+            <a:ext uri="{909E8E84-426E-40DD-AFC4-6F175D3DCCD1}">
+              <a14:hiddenFill xmlns:a14="http://schemas.microsoft.com/office/drawing/2010/main">
+                <a:solidFill>
+                  <a:srgbClr val="FFFFFF"/>
+                </a:solidFill>
+              </a14:hiddenFill>
+            </a:ext>
+          </a:extLst>
+        </p:spPr>
+      </p:pic>
+      <p:sp>
+        <p:nvSpPr>
+          <p:cNvPr id="4" name="TextBox 3"/>
+          <p:cNvSpPr txBox="1"/>
+          <p:nvPr/>
+        </p:nvSpPr>
+        <p:spPr>
+          <a:xfrm>
+            <a:off x="8141429" y="23256138"/>
+            <a:ext cx="10411732" cy="1169551"/>
+          </a:xfrm>
+          <a:prstGeom prst="rect">
+            <a:avLst/>
+          </a:prstGeom>
+          <a:noFill/>
+        </p:spPr>
+        <p:txBody>
+          <a:bodyPr wrap="square" rtlCol="0">
+            <a:spAutoFit/>
+          </a:bodyPr>
+          <a:lstStyle/>
+          <a:p>
+            <a:pPr algn="ctr"/>
+            <a:r>
+              <a:rPr lang="sv-SE" sz="7000" b="1" dirty="0" smtClean="0"/>
+              <a:t>Healthy Cells</a:t>
+            </a:r>
+            <a:endParaRPr lang="en-GB" sz="7000" b="1" dirty="0"/>
+          </a:p>
+        </p:txBody>
+      </p:sp>
+      <p:pic>
+        <p:nvPicPr>
+          <p:cNvPr id="2057" name="Picture 9" descr="C:\Users\Bulb\Documents\Teknisk Fysik\15hp project\code\data\glass_12_im_50.jpg"/>
+          <p:cNvPicPr>
+            <a:picLocks noChangeAspect="1" noChangeArrowheads="1"/>
+          </p:cNvPicPr>
+          <p:nvPr/>
+        </p:nvPicPr>
+        <p:blipFill>
+          <a:blip r:embed="rId5">
+            <a:extLst>
+              <a:ext uri="{28A0092B-C50C-407E-A947-70E740481C1C}">
+                <a14:useLocalDpi xmlns:a14="http://schemas.microsoft.com/office/drawing/2010/main" val="0"/>
+              </a:ext>
+            </a:extLst>
+          </a:blip>
+          <a:srcRect/>
+          <a:stretch>
+            <a:fillRect/>
+          </a:stretch>
+        </p:blipFill>
+        <p:spPr bwMode="auto">
+          <a:xfrm>
+            <a:off x="21886708" y="12175583"/>
+            <a:ext cx="4905322" cy="4905322"/>
+          </a:xfrm>
+          <a:prstGeom prst="rect">
+            <a:avLst/>
+          </a:prstGeom>
+          <a:noFill/>
+          <a:extLst>
+            <a:ext uri="{909E8E84-426E-40DD-AFC4-6F175D3DCCD1}">
+              <a14:hiddenFill xmlns:a14="http://schemas.microsoft.com/office/drawing/2010/main">
+                <a:solidFill>
+                  <a:srgbClr val="FFFFFF"/>
+                </a:solidFill>
+              </a14:hiddenFill>
+            </a:ext>
+          </a:extLst>
+        </p:spPr>
+      </p:pic>
+      <p:pic>
+        <p:nvPicPr>
+          <p:cNvPr id="2058" name="Picture 10" descr="C:\Users\Bulb\Documents\Teknisk Fysik\15hp project\code\data\glass_12_im_100.jpg"/>
+          <p:cNvPicPr>
+            <a:picLocks noChangeAspect="1" noChangeArrowheads="1"/>
+          </p:cNvPicPr>
+          <p:nvPr/>
+        </p:nvPicPr>
+        <p:blipFill>
+          <a:blip r:embed="rId6">
+            <a:extLst>
+              <a:ext uri="{28A0092B-C50C-407E-A947-70E740481C1C}">
+                <a14:useLocalDpi xmlns:a14="http://schemas.microsoft.com/office/drawing/2010/main" val="0"/>
+              </a:ext>
+            </a:extLst>
+          </a:blip>
+          <a:srcRect/>
+          <a:stretch>
+            <a:fillRect/>
+          </a:stretch>
+        </p:blipFill>
+        <p:spPr bwMode="auto">
+          <a:xfrm>
+            <a:off x="27257350" y="17488785"/>
+            <a:ext cx="4968552" cy="4968552"/>
+          </a:xfrm>
+          <a:prstGeom prst="rect">
+            <a:avLst/>
+          </a:prstGeom>
+          <a:noFill/>
+          <a:extLst>
+            <a:ext uri="{909E8E84-426E-40DD-AFC4-6F175D3DCCD1}">
+              <a14:hiddenFill xmlns:a14="http://schemas.microsoft.com/office/drawing/2010/main">
+                <a:solidFill>
+                  <a:srgbClr val="FFFFFF"/>
+                </a:solidFill>
+              </a14:hiddenFill>
+            </a:ext>
+          </a:extLst>
+        </p:spPr>
+      </p:pic>
+      <p:pic>
+        <p:nvPicPr>
+          <p:cNvPr id="2059" name="Picture 11" descr="C:\Users\Bulb\Documents\Teknisk Fysik\15hp project\code\data\glass_12_im_200.jpg"/>
+          <p:cNvPicPr>
+            <a:picLocks noChangeAspect="1" noChangeArrowheads="1"/>
+          </p:cNvPicPr>
+          <p:nvPr/>
+        </p:nvPicPr>
+        <p:blipFill>
+          <a:blip r:embed="rId7">
+            <a:extLst>
+              <a:ext uri="{28A0092B-C50C-407E-A947-70E740481C1C}">
+                <a14:useLocalDpi xmlns:a14="http://schemas.microsoft.com/office/drawing/2010/main" val="0"/>
+              </a:ext>
+            </a:extLst>
+          </a:blip>
+          <a:srcRect/>
+          <a:stretch>
+            <a:fillRect/>
+          </a:stretch>
+        </p:blipFill>
+        <p:spPr bwMode="auto">
+          <a:xfrm>
+            <a:off x="21886708" y="17530401"/>
+            <a:ext cx="4896544" cy="4896544"/>
+          </a:xfrm>
+          <a:prstGeom prst="rect">
+            <a:avLst/>
+          </a:prstGeom>
+          <a:noFill/>
+          <a:extLst>
+            <a:ext uri="{909E8E84-426E-40DD-AFC4-6F175D3DCCD1}">
+              <a14:hiddenFill xmlns:a14="http://schemas.microsoft.com/office/drawing/2010/main">
+                <a:solidFill>
+                  <a:srgbClr val="FFFFFF"/>
+                </a:solidFill>
+              </a14:hiddenFill>
+            </a:ext>
+          </a:extLst>
+        </p:spPr>
+      </p:pic>
+      <p:pic>
+        <p:nvPicPr>
+          <p:cNvPr id="2061" name="Picture 13" descr="C:\Users\Bulb\Documents\Teknisk Fysik\15hp project\code\data\glass_4_im_1.jpg"/>
+          <p:cNvPicPr>
+            <a:picLocks noChangeAspect="1" noChangeArrowheads="1"/>
+          </p:cNvPicPr>
+          <p:nvPr/>
+        </p:nvPicPr>
+        <p:blipFill>
+          <a:blip r:embed="rId8">
+            <a:extLst>
+              <a:ext uri="{28A0092B-C50C-407E-A947-70E740481C1C}">
+                <a14:useLocalDpi xmlns:a14="http://schemas.microsoft.com/office/drawing/2010/main" val="0"/>
+              </a:ext>
+            </a:extLst>
+          </a:blip>
+          <a:srcRect/>
+          <a:stretch>
+            <a:fillRect/>
+          </a:stretch>
+        </p:blipFill>
+        <p:spPr bwMode="auto">
+          <a:xfrm>
+            <a:off x="13647838" y="12199912"/>
+            <a:ext cx="4905322" cy="4905322"/>
+          </a:xfrm>
+          <a:prstGeom prst="rect">
+            <a:avLst/>
+          </a:prstGeom>
+          <a:noFill/>
+          <a:extLst>
+            <a:ext uri="{909E8E84-426E-40DD-AFC4-6F175D3DCCD1}">
+              <a14:hiddenFill xmlns:a14="http://schemas.microsoft.com/office/drawing/2010/main">
+                <a:solidFill>
+                  <a:srgbClr val="FFFFFF"/>
+                </a:solidFill>
+              </a14:hiddenFill>
+            </a:ext>
+          </a:extLst>
+        </p:spPr>
+      </p:pic>
+      <p:sp>
+        <p:nvSpPr>
+          <p:cNvPr id="18" name="TextBox 17"/>
+          <p:cNvSpPr txBox="1"/>
+          <p:nvPr/>
+        </p:nvSpPr>
+        <p:spPr>
+          <a:xfrm>
+            <a:off x="21886708" y="23231810"/>
+            <a:ext cx="9979154" cy="1169551"/>
+          </a:xfrm>
+          <a:prstGeom prst="rect">
+            <a:avLst/>
+          </a:prstGeom>
+          <a:noFill/>
+        </p:spPr>
+        <p:txBody>
+          <a:bodyPr wrap="square" rtlCol="0">
+            <a:spAutoFit/>
+          </a:bodyPr>
+          <a:lstStyle/>
+          <a:p>
+            <a:pPr algn="ctr"/>
+            <a:r>
+              <a:rPr lang="sv-SE" sz="7000" b="1" dirty="0" smtClean="0"/>
+              <a:t>Cancer Cells</a:t>
+            </a:r>
+            <a:endParaRPr lang="en-GB" sz="7000" b="1" dirty="0"/>
+          </a:p>
+        </p:txBody>
+      </p:sp>
+      <p:pic>
+        <p:nvPicPr>
+          <p:cNvPr id="2063" name="Picture 15" descr="C:\Users\Bulb\Documents\Teknisk Fysik\15hp project\code\data\glass_37_im_1.jpg"/>
+          <p:cNvPicPr>
+            <a:picLocks noChangeAspect="1" noChangeArrowheads="1"/>
+          </p:cNvPicPr>
+          <p:nvPr/>
+        </p:nvPicPr>
+        <p:blipFill>
+          <a:blip r:embed="rId9">
+            <a:extLst>
+              <a:ext uri="{28A0092B-C50C-407E-A947-70E740481C1C}">
+                <a14:useLocalDpi xmlns:a14="http://schemas.microsoft.com/office/drawing/2010/main" val="0"/>
+              </a:ext>
+            </a:extLst>
+          </a:blip>
+          <a:srcRect/>
+          <a:stretch>
+            <a:fillRect/>
+          </a:stretch>
+        </p:blipFill>
+        <p:spPr bwMode="auto">
+          <a:xfrm>
+            <a:off x="27228344" y="12083349"/>
+            <a:ext cx="4997557" cy="4997557"/>
+          </a:xfrm>
+          <a:prstGeom prst="rect">
+            <a:avLst/>
+          </a:prstGeom>
+          <a:noFill/>
+          <a:extLst>
+            <a:ext uri="{909E8E84-426E-40DD-AFC4-6F175D3DCCD1}">
+              <a14:hiddenFill xmlns:a14="http://schemas.microsoft.com/office/drawing/2010/main">
+                <a:solidFill>
+                  <a:srgbClr val="FFFFFF"/>
+                </a:solidFill>
+              </a14:hiddenFill>
+            </a:ext>
+          </a:extLst>
+        </p:spPr>
+      </p:pic>
+    </p:spTree>
+    <p:extLst>
+      <p:ext uri="{BB962C8B-B14F-4D97-AF65-F5344CB8AC3E}">
+        <p14:creationId xmlns:p14="http://schemas.microsoft.com/office/powerpoint/2010/main" val="4109800522"/>
+      </p:ext>
+    </p:extLst>
+  </p:cSld>
+  <p:clrMapOvr>
+    <a:masterClrMapping/>
+  </p:clrMapOvr>
+  <p:timing>
+    <p:tnLst>
+      <p:par>
+        <p:cTn id="1" dur="indefinite" restart="never" nodeType="tmRoot">
+          <p:childTnLst>
+            <p:seq concurrent="1" nextAc="seek">
+              <p:cTn id="2" dur="indefinite" nodeType="mainSeq">
+                <p:childTnLst>
+                  <p:par>
+                    <p:cTn id="3" fill="hold">
+                      <p:stCondLst>
+                        <p:cond delay="indefinite"/>
+                      </p:stCondLst>
+                      <p:childTnLst>
+                        <p:par>
+                          <p:cTn id="4" fill="hold">
+                            <p:stCondLst>
+                              <p:cond delay="0"/>
+                            </p:stCondLst>
+                            <p:childTnLst>
+                              <p:par>
+                                <p:cTn id="5" presetID="10" presetClass="entr" presetSubtype="0" fill="hold" grpId="0" nodeType="clickEffect">
+                                  <p:stCondLst>
+                                    <p:cond delay="0"/>
+                                  </p:stCondLst>
+                                  <p:childTnLst>
+                                    <p:set>
+                                      <p:cBhvr>
+                                        <p:cTn id="6" dur="1" fill="hold">
+                                          <p:stCondLst>
+                                            <p:cond delay="0"/>
+                                          </p:stCondLst>
+                                        </p:cTn>
+                                        <p:tgtEl>
+                                          <p:spTgt spid="3">
+                                            <p:txEl>
+                                              <p:pRg st="0" end="0"/>
+                                            </p:txEl>
+                                          </p:spTgt>
+                                        </p:tgtEl>
+                                        <p:attrNameLst>
+                                          <p:attrName>style.visibility</p:attrName>
+                                        </p:attrNameLst>
+                                      </p:cBhvr>
+                                      <p:to>
+                                        <p:strVal val="visible"/>
+                                      </p:to>
+                                    </p:set>
+                                    <p:animEffect transition="in" filter="fade">
+                                      <p:cBhvr>
+                                        <p:cTn id="7" dur="500"/>
+                                        <p:tgtEl>
+                                          <p:spTgt spid="3">
+                                            <p:txEl>
+                                              <p:pRg st="0" end="0"/>
+                                            </p:txEl>
+                                          </p:spTgt>
+                                        </p:tgtEl>
+                                      </p:cBhvr>
+                                    </p:animEffect>
+                                  </p:childTnLst>
+                                </p:cTn>
+                              </p:par>
+                            </p:childTnLst>
+                          </p:cTn>
+                        </p:par>
+                      </p:childTnLst>
+                    </p:cTn>
+                  </p:par>
+                  <p:par>
+                    <p:cTn id="8" fill="hold">
+                      <p:stCondLst>
+                        <p:cond delay="indefinite"/>
+                      </p:stCondLst>
+                      <p:childTnLst>
+                        <p:par>
+                          <p:cTn id="9" fill="hold">
+                            <p:stCondLst>
+                              <p:cond delay="0"/>
+                            </p:stCondLst>
+                            <p:childTnLst>
+                              <p:par>
+                                <p:cTn id="10" presetID="10" presetClass="entr" presetSubtype="0" fill="hold" grpId="0" nodeType="clickEffect">
+                                  <p:stCondLst>
+                                    <p:cond delay="0"/>
+                                  </p:stCondLst>
+                                  <p:childTnLst>
+                                    <p:set>
+                                      <p:cBhvr>
+                                        <p:cTn id="11" dur="1" fill="hold">
+                                          <p:stCondLst>
+                                            <p:cond delay="0"/>
+                                          </p:stCondLst>
+                                        </p:cTn>
+                                        <p:tgtEl>
+                                          <p:spTgt spid="3">
+                                            <p:txEl>
+                                              <p:pRg st="1" end="1"/>
+                                            </p:txEl>
+                                          </p:spTgt>
+                                        </p:tgtEl>
+                                        <p:attrNameLst>
+                                          <p:attrName>style.visibility</p:attrName>
+                                        </p:attrNameLst>
+                                      </p:cBhvr>
+                                      <p:to>
+                                        <p:strVal val="visible"/>
+                                      </p:to>
+                                    </p:set>
+                                    <p:animEffect transition="in" filter="fade">
+                                      <p:cBhvr>
+                                        <p:cTn id="12" dur="500"/>
+                                        <p:tgtEl>
+                                          <p:spTgt spid="3">
+                                            <p:txEl>
+                                              <p:pRg st="1" end="1"/>
+                                            </p:txEl>
+                                          </p:spTgt>
+                                        </p:tgtEl>
+                                      </p:cBhvr>
+                                    </p:animEffect>
+                                  </p:childTnLst>
+                                </p:cTn>
+                              </p:par>
+                            </p:childTnLst>
+                          </p:cTn>
+                        </p:par>
+                      </p:childTnLst>
+                    </p:cTn>
+                  </p:par>
+                  <p:par>
+                    <p:cTn id="13" fill="hold">
+                      <p:stCondLst>
+                        <p:cond delay="indefinite"/>
+                      </p:stCondLst>
+                      <p:childTnLst>
+                        <p:par>
+                          <p:cTn id="14" fill="hold">
+                            <p:stCondLst>
+                              <p:cond delay="0"/>
+                            </p:stCondLst>
+                            <p:childTnLst>
+                              <p:par>
+                                <p:cTn id="15" presetID="10" presetClass="entr" presetSubtype="0" fill="hold" grpId="0" nodeType="clickEffect">
+                                  <p:stCondLst>
+                                    <p:cond delay="0"/>
+                                  </p:stCondLst>
+                                  <p:childTnLst>
+                                    <p:set>
+                                      <p:cBhvr>
+                                        <p:cTn id="16" dur="1" fill="hold">
+                                          <p:stCondLst>
+                                            <p:cond delay="0"/>
+                                          </p:stCondLst>
+                                        </p:cTn>
+                                        <p:tgtEl>
+                                          <p:spTgt spid="3">
+                                            <p:txEl>
+                                              <p:pRg st="2" end="2"/>
+                                            </p:txEl>
+                                          </p:spTgt>
+                                        </p:tgtEl>
+                                        <p:attrNameLst>
+                                          <p:attrName>style.visibility</p:attrName>
+                                        </p:attrNameLst>
+                                      </p:cBhvr>
+                                      <p:to>
+                                        <p:strVal val="visible"/>
+                                      </p:to>
+                                    </p:set>
+                                    <p:animEffect transition="in" filter="fade">
+                                      <p:cBhvr>
+                                        <p:cTn id="17" dur="500"/>
+                                        <p:tgtEl>
+                                          <p:spTgt spid="3">
+                                            <p:txEl>
+                                              <p:pRg st="2" end="2"/>
+                                            </p:txEl>
+                                          </p:spTgt>
+                                        </p:tgtEl>
+                                      </p:cBhvr>
+                                    </p:animEffect>
+                                  </p:childTnLst>
+                                </p:cTn>
+                              </p:par>
+                            </p:childTnLst>
+                          </p:cTn>
+                        </p:par>
+                      </p:childTnLst>
+                    </p:cTn>
+                  </p:par>
+                  <p:par>
+                    <p:cTn id="18" fill="hold">
+                      <p:stCondLst>
+                        <p:cond delay="indefinite"/>
+                      </p:stCondLst>
+                      <p:childTnLst>
+                        <p:par>
+                          <p:cTn id="19" fill="hold">
+                            <p:stCondLst>
+                              <p:cond delay="0"/>
+                            </p:stCondLst>
+                            <p:childTnLst>
+                              <p:par>
+                                <p:cTn id="20" presetID="10" presetClass="entr" presetSubtype="0" fill="hold" grpId="0" nodeType="clickEffect">
+                                  <p:stCondLst>
+                                    <p:cond delay="0"/>
+                                  </p:stCondLst>
+                                  <p:childTnLst>
+                                    <p:set>
+                                      <p:cBhvr>
+                                        <p:cTn id="21" dur="1" fill="hold">
+                                          <p:stCondLst>
+                                            <p:cond delay="0"/>
+                                          </p:stCondLst>
+                                        </p:cTn>
+                                        <p:tgtEl>
+                                          <p:spTgt spid="3">
+                                            <p:txEl>
+                                              <p:pRg st="3" end="3"/>
+                                            </p:txEl>
+                                          </p:spTgt>
+                                        </p:tgtEl>
+                                        <p:attrNameLst>
+                                          <p:attrName>style.visibility</p:attrName>
+                                        </p:attrNameLst>
+                                      </p:cBhvr>
+                                      <p:to>
+                                        <p:strVal val="visible"/>
+                                      </p:to>
+                                    </p:set>
+                                    <p:animEffect transition="in" filter="fade">
+                                      <p:cBhvr>
+                                        <p:cTn id="22" dur="500"/>
+                                        <p:tgtEl>
+                                          <p:spTgt spid="3">
+                                            <p:txEl>
+                                              <p:pRg st="3" end="3"/>
+                                            </p:txEl>
+                                          </p:spTgt>
+                                        </p:tgtEl>
+                                      </p:cBhvr>
+                                    </p:animEffect>
+                                  </p:childTnLst>
+                                </p:cTn>
+                              </p:par>
+                            </p:childTnLst>
+                          </p:cTn>
+                        </p:par>
+                      </p:childTnLst>
+                    </p:cTn>
+                  </p:par>
+                </p:childTnLst>
+              </p:cTn>
+              <p:prevCondLst>
+                <p:cond evt="onPrev" delay="0">
+                  <p:tgtEl>
+                    <p:sldTgt/>
+                  </p:tgtEl>
+                </p:cond>
+              </p:prevCondLst>
+              <p:nextCondLst>
+                <p:cond evt="onNext" delay="0">
+                  <p:tgtEl>
+                    <p:sldTgt/>
+                  </p:tgtEl>
+                </p:cond>
+              </p:nextCondLst>
+            </p:seq>
+          </p:childTnLst>
+        </p:cTn>
+      </p:par>
+    </p:tnLst>
+    <p:bldLst>
+      <p:bldP spid="3" grpId="0" build="p"/>
+    </p:bldLst>
+  </p:timing>
+</p:sld>
+</file>
+
+<file path=ppt/slides/slide4.xml><?xml version="1.0" encoding="utf-8"?>
+<p:sld xmlns:a="http://schemas.openxmlformats.org/drawingml/2006/main" xmlns:r="http://schemas.openxmlformats.org/officeDocument/2006/relationships" xmlns:p="http://schemas.openxmlformats.org/presentationml/2006/main">
+  <p:cSld>
+    <p:spTree>
+      <p:nvGrpSpPr>
+        <p:cNvPr id="1" name=""/>
+        <p:cNvGrpSpPr/>
+        <p:nvPr/>
+      </p:nvGrpSpPr>
+      <p:grpSpPr>
+        <a:xfrm>
+          <a:off x="0" y="0"/>
+          <a:ext cx="0" cy="0"/>
+          <a:chOff x="0" y="0"/>
+          <a:chExt cx="0" cy="0"/>
+        </a:xfrm>
+      </p:grpSpPr>
+      <p:sp>
+        <p:nvSpPr>
+          <p:cNvPr id="2" name="Title 1"/>
+          <p:cNvSpPr>
+            <a:spLocks noGrp="1"/>
+          </p:cNvSpPr>
+          <p:nvPr>
+            <p:ph type="title"/>
+          </p:nvPr>
+        </p:nvSpPr>
+        <p:spPr/>
+        <p:txBody>
+          <a:bodyPr/>
+          <a:lstStyle/>
+          <a:p>
+            <a:r>
+              <a:rPr lang="sv-SE" dirty="0" smtClean="0"/>
+              <a:t>Model 1: Juefei-Xu et al.</a:t>
+            </a:r>
+            <a:endParaRPr lang="en-GB" dirty="0"/>
+          </a:p>
+        </p:txBody>
+      </p:sp>
+      <p:sp>
+        <p:nvSpPr>
+          <p:cNvPr id="3" name="Content Placeholder 2"/>
+          <p:cNvSpPr>
+            <a:spLocks noGrp="1"/>
+          </p:cNvSpPr>
+          <p:nvPr>
+            <p:ph idx="1"/>
+          </p:nvPr>
+        </p:nvSpPr>
+        <p:spPr/>
+        <p:txBody>
+          <a:bodyPr/>
+          <a:lstStyle/>
+          <a:p>
+            <a:r>
+              <a:rPr lang="sv-SE" sz="9200" dirty="0" smtClean="0"/>
+              <a:t>3x3 LBP filters</a:t>
+            </a:r>
           </a:p>
           <a:p>
             <a:endParaRPr lang="en-GB" sz="9200" dirty="0"/>
@@ -6289,716 +7175,6 @@
 </p:sld>
 </file>
 
-<file path=ppt/slides/slide4.xml><?xml version="1.0" encoding="utf-8"?>
-<p:sld xmlns:a="http://schemas.openxmlformats.org/drawingml/2006/main" xmlns:r="http://schemas.openxmlformats.org/officeDocument/2006/relationships" xmlns:p="http://schemas.openxmlformats.org/presentationml/2006/main">
-  <p:cSld>
-    <p:spTree>
-      <p:nvGrpSpPr>
-        <p:cNvPr id="1" name=""/>
-        <p:cNvGrpSpPr/>
-        <p:nvPr/>
-      </p:nvGrpSpPr>
-      <p:grpSpPr>
-        <a:xfrm>
-          <a:off x="0" y="0"/>
-          <a:ext cx="0" cy="0"/>
-          <a:chOff x="0" y="0"/>
-          <a:chExt cx="0" cy="0"/>
-        </a:xfrm>
-      </p:grpSpPr>
-      <p:sp>
-        <p:nvSpPr>
-          <p:cNvPr id="2" name="Title 1"/>
-          <p:cNvSpPr>
-            <a:spLocks noGrp="1"/>
-          </p:cNvSpPr>
-          <p:nvPr>
-            <p:ph type="title"/>
-          </p:nvPr>
-        </p:nvSpPr>
-        <p:spPr/>
-        <p:txBody>
-          <a:bodyPr/>
-          <a:lstStyle/>
-          <a:p>
-            <a:r>
-              <a:rPr lang="sv-SE" dirty="0" smtClean="0"/>
-              <a:t>Data</a:t>
-            </a:r>
-            <a:endParaRPr lang="en-GB" dirty="0"/>
-          </a:p>
-        </p:txBody>
-      </p:sp>
-      <p:sp>
-        <p:nvSpPr>
-          <p:cNvPr id="3" name="Content Placeholder 2"/>
-          <p:cNvSpPr>
-            <a:spLocks noGrp="1"/>
-          </p:cNvSpPr>
-          <p:nvPr>
-            <p:ph idx="1"/>
-          </p:nvPr>
-        </p:nvSpPr>
-        <p:spPr/>
-        <p:txBody>
-          <a:bodyPr/>
-          <a:lstStyle/>
-          <a:p>
-            <a:r>
-              <a:rPr lang="sv-SE" dirty="0" smtClean="0"/>
-              <a:t>10274 80x80 images</a:t>
-            </a:r>
-          </a:p>
-          <a:p>
-            <a:r>
-              <a:rPr lang="sv-SE" dirty="0" smtClean="0"/>
-              <a:t>Cells sampled from patients mouth</a:t>
-            </a:r>
-          </a:p>
-          <a:p>
-            <a:r>
-              <a:rPr lang="sv-SE" dirty="0" smtClean="0"/>
-              <a:t>Three</a:t>
-            </a:r>
-            <a:r>
-              <a:rPr lang="sv-SE" dirty="0" smtClean="0"/>
-              <a:t> </a:t>
-            </a:r>
-            <a:r>
-              <a:rPr lang="sv-SE" dirty="0" smtClean="0"/>
-              <a:t>healthy </a:t>
-            </a:r>
-            <a:r>
-              <a:rPr lang="sv-SE" dirty="0" smtClean="0"/>
-              <a:t>patients, three </a:t>
-            </a:r>
-            <a:r>
-              <a:rPr lang="sv-SE" dirty="0" smtClean="0"/>
-              <a:t>with cancer</a:t>
-            </a:r>
-            <a:endParaRPr lang="en-GB" dirty="0"/>
-          </a:p>
-        </p:txBody>
-      </p:sp>
-      <p:pic>
-        <p:nvPicPr>
-          <p:cNvPr id="2051" name="Picture 3" descr="C:\Users\Bulb\Documents\Teknisk Fysik\15hp project\code\data\glass_3_im_85.jpg"/>
-          <p:cNvPicPr>
-            <a:picLocks noChangeAspect="1" noChangeArrowheads="1"/>
-          </p:cNvPicPr>
-          <p:nvPr/>
-        </p:nvPicPr>
-        <p:blipFill>
-          <a:blip r:embed="rId2">
-            <a:extLst>
-              <a:ext uri="{28A0092B-C50C-407E-A947-70E740481C1C}">
-                <a14:useLocalDpi xmlns:a14="http://schemas.microsoft.com/office/drawing/2010/main" val="0"/>
-              </a:ext>
-            </a:extLst>
-          </a:blip>
-          <a:srcRect/>
-          <a:stretch>
-            <a:fillRect/>
-          </a:stretch>
-        </p:blipFill>
-        <p:spPr bwMode="auto">
-          <a:xfrm>
-            <a:off x="8229553" y="17105234"/>
-            <a:ext cx="4873771" cy="4908037"/>
-          </a:xfrm>
-          <a:prstGeom prst="rect">
-            <a:avLst/>
-          </a:prstGeom>
-          <a:noFill/>
-          <a:extLst>
-            <a:ext uri="{909E8E84-426E-40DD-AFC4-6F175D3DCCD1}">
-              <a14:hiddenFill xmlns:a14="http://schemas.microsoft.com/office/drawing/2010/main">
-                <a:solidFill>
-                  <a:srgbClr val="FFFFFF"/>
-                </a:solidFill>
-              </a14:hiddenFill>
-            </a:ext>
-          </a:extLst>
-        </p:spPr>
-      </p:pic>
-      <p:pic>
-        <p:nvPicPr>
-          <p:cNvPr id="2052" name="Picture 4" descr="C:\Users\Bulb\Documents\Teknisk Fysik\15hp project\code\data\glass_3_im_200.jpg"/>
-          <p:cNvPicPr>
-            <a:picLocks noChangeAspect="1" noChangeArrowheads="1"/>
-          </p:cNvPicPr>
-          <p:nvPr/>
-        </p:nvPicPr>
-        <p:blipFill>
-          <a:blip r:embed="rId3">
-            <a:extLst>
-              <a:ext uri="{28A0092B-C50C-407E-A947-70E740481C1C}">
-                <a14:useLocalDpi xmlns:a14="http://schemas.microsoft.com/office/drawing/2010/main" val="0"/>
-              </a:ext>
-            </a:extLst>
-          </a:blip>
-          <a:srcRect/>
-          <a:stretch>
-            <a:fillRect/>
-          </a:stretch>
-        </p:blipFill>
-        <p:spPr bwMode="auto">
-          <a:xfrm>
-            <a:off x="13679389" y="17083621"/>
-            <a:ext cx="4873771" cy="4905322"/>
-          </a:xfrm>
-          <a:prstGeom prst="rect">
-            <a:avLst/>
-          </a:prstGeom>
-          <a:noFill/>
-          <a:extLst>
-            <a:ext uri="{909E8E84-426E-40DD-AFC4-6F175D3DCCD1}">
-              <a14:hiddenFill xmlns:a14="http://schemas.microsoft.com/office/drawing/2010/main">
-                <a:solidFill>
-                  <a:srgbClr val="FFFFFF"/>
-                </a:solidFill>
-              </a14:hiddenFill>
-            </a:ext>
-          </a:extLst>
-        </p:spPr>
-      </p:pic>
-      <p:pic>
-        <p:nvPicPr>
-          <p:cNvPr id="2053" name="Picture 5" descr="C:\Users\Bulb\Documents\Teknisk Fysik\15hp project\code\data\glass_3_im_1000.jpg"/>
-          <p:cNvPicPr>
-            <a:picLocks noChangeAspect="1" noChangeArrowheads="1"/>
-          </p:cNvPicPr>
-          <p:nvPr/>
-        </p:nvPicPr>
-        <p:blipFill>
-          <a:blip r:embed="rId4">
-            <a:extLst>
-              <a:ext uri="{28A0092B-C50C-407E-A947-70E740481C1C}">
-                <a14:useLocalDpi xmlns:a14="http://schemas.microsoft.com/office/drawing/2010/main" val="0"/>
-              </a:ext>
-            </a:extLst>
-          </a:blip>
-          <a:srcRect/>
-          <a:stretch>
-            <a:fillRect/>
-          </a:stretch>
-        </p:blipFill>
-        <p:spPr bwMode="auto">
-          <a:xfrm>
-            <a:off x="8172980" y="11707190"/>
-            <a:ext cx="4905322" cy="4905322"/>
-          </a:xfrm>
-          <a:prstGeom prst="rect">
-            <a:avLst/>
-          </a:prstGeom>
-          <a:noFill/>
-          <a:extLst>
-            <a:ext uri="{909E8E84-426E-40DD-AFC4-6F175D3DCCD1}">
-              <a14:hiddenFill xmlns:a14="http://schemas.microsoft.com/office/drawing/2010/main">
-                <a:solidFill>
-                  <a:srgbClr val="FFFFFF"/>
-                </a:solidFill>
-              </a14:hiddenFill>
-            </a:ext>
-          </a:extLst>
-        </p:spPr>
-      </p:pic>
-      <p:sp>
-        <p:nvSpPr>
-          <p:cNvPr id="4" name="TextBox 3"/>
-          <p:cNvSpPr txBox="1"/>
-          <p:nvPr/>
-        </p:nvSpPr>
-        <p:spPr>
-          <a:xfrm>
-            <a:off x="8172980" y="22763417"/>
-            <a:ext cx="10411732" cy="1169551"/>
-          </a:xfrm>
-          <a:prstGeom prst="rect">
-            <a:avLst/>
-          </a:prstGeom>
-          <a:noFill/>
-        </p:spPr>
-        <p:txBody>
-          <a:bodyPr wrap="square" rtlCol="0">
-            <a:spAutoFit/>
-          </a:bodyPr>
-          <a:lstStyle/>
-          <a:p>
-            <a:pPr algn="ctr"/>
-            <a:r>
-              <a:rPr lang="sv-SE" sz="7000" b="1" dirty="0" smtClean="0"/>
-              <a:t>Healthy Cells</a:t>
-            </a:r>
-            <a:endParaRPr lang="en-GB" sz="7000" b="1" dirty="0"/>
-          </a:p>
-        </p:txBody>
-      </p:sp>
-      <p:pic>
-        <p:nvPicPr>
-          <p:cNvPr id="2057" name="Picture 9" descr="C:\Users\Bulb\Documents\Teknisk Fysik\15hp project\code\data\glass_12_im_50.jpg"/>
-          <p:cNvPicPr>
-            <a:picLocks noChangeAspect="1" noChangeArrowheads="1"/>
-          </p:cNvPicPr>
-          <p:nvPr/>
-        </p:nvPicPr>
-        <p:blipFill>
-          <a:blip r:embed="rId5">
-            <a:extLst>
-              <a:ext uri="{28A0092B-C50C-407E-A947-70E740481C1C}">
-                <a14:useLocalDpi xmlns:a14="http://schemas.microsoft.com/office/drawing/2010/main" val="0"/>
-              </a:ext>
-            </a:extLst>
-          </a:blip>
-          <a:srcRect/>
-          <a:stretch>
-            <a:fillRect/>
-          </a:stretch>
-        </p:blipFill>
-        <p:spPr bwMode="auto">
-          <a:xfrm>
-            <a:off x="21918259" y="11682862"/>
-            <a:ext cx="4905322" cy="4905322"/>
-          </a:xfrm>
-          <a:prstGeom prst="rect">
-            <a:avLst/>
-          </a:prstGeom>
-          <a:noFill/>
-          <a:extLst>
-            <a:ext uri="{909E8E84-426E-40DD-AFC4-6F175D3DCCD1}">
-              <a14:hiddenFill xmlns:a14="http://schemas.microsoft.com/office/drawing/2010/main">
-                <a:solidFill>
-                  <a:srgbClr val="FFFFFF"/>
-                </a:solidFill>
-              </a14:hiddenFill>
-            </a:ext>
-          </a:extLst>
-        </p:spPr>
-      </p:pic>
-      <p:pic>
-        <p:nvPicPr>
-          <p:cNvPr id="2058" name="Picture 10" descr="C:\Users\Bulb\Documents\Teknisk Fysik\15hp project\code\data\glass_12_im_100.jpg"/>
-          <p:cNvPicPr>
-            <a:picLocks noChangeAspect="1" noChangeArrowheads="1"/>
-          </p:cNvPicPr>
-          <p:nvPr/>
-        </p:nvPicPr>
-        <p:blipFill>
-          <a:blip r:embed="rId6">
-            <a:extLst>
-              <a:ext uri="{28A0092B-C50C-407E-A947-70E740481C1C}">
-                <a14:useLocalDpi xmlns:a14="http://schemas.microsoft.com/office/drawing/2010/main" val="0"/>
-              </a:ext>
-            </a:extLst>
-          </a:blip>
-          <a:srcRect/>
-          <a:stretch>
-            <a:fillRect/>
-          </a:stretch>
-        </p:blipFill>
-        <p:spPr bwMode="auto">
-          <a:xfrm>
-            <a:off x="27288901" y="16996064"/>
-            <a:ext cx="4968552" cy="4968552"/>
-          </a:xfrm>
-          <a:prstGeom prst="rect">
-            <a:avLst/>
-          </a:prstGeom>
-          <a:noFill/>
-          <a:extLst>
-            <a:ext uri="{909E8E84-426E-40DD-AFC4-6F175D3DCCD1}">
-              <a14:hiddenFill xmlns:a14="http://schemas.microsoft.com/office/drawing/2010/main">
-                <a:solidFill>
-                  <a:srgbClr val="FFFFFF"/>
-                </a:solidFill>
-              </a14:hiddenFill>
-            </a:ext>
-          </a:extLst>
-        </p:spPr>
-      </p:pic>
-      <p:pic>
-        <p:nvPicPr>
-          <p:cNvPr id="2059" name="Picture 11" descr="C:\Users\Bulb\Documents\Teknisk Fysik\15hp project\code\data\glass_12_im_200.jpg"/>
-          <p:cNvPicPr>
-            <a:picLocks noChangeAspect="1" noChangeArrowheads="1"/>
-          </p:cNvPicPr>
-          <p:nvPr/>
-        </p:nvPicPr>
-        <p:blipFill>
-          <a:blip r:embed="rId7">
-            <a:extLst>
-              <a:ext uri="{28A0092B-C50C-407E-A947-70E740481C1C}">
-                <a14:useLocalDpi xmlns:a14="http://schemas.microsoft.com/office/drawing/2010/main" val="0"/>
-              </a:ext>
-            </a:extLst>
-          </a:blip>
-          <a:srcRect/>
-          <a:stretch>
-            <a:fillRect/>
-          </a:stretch>
-        </p:blipFill>
-        <p:spPr bwMode="auto">
-          <a:xfrm>
-            <a:off x="21918259" y="17037680"/>
-            <a:ext cx="4896544" cy="4896544"/>
-          </a:xfrm>
-          <a:prstGeom prst="rect">
-            <a:avLst/>
-          </a:prstGeom>
-          <a:noFill/>
-          <a:extLst>
-            <a:ext uri="{909E8E84-426E-40DD-AFC4-6F175D3DCCD1}">
-              <a14:hiddenFill xmlns:a14="http://schemas.microsoft.com/office/drawing/2010/main">
-                <a:solidFill>
-                  <a:srgbClr val="FFFFFF"/>
-                </a:solidFill>
-              </a14:hiddenFill>
-            </a:ext>
-          </a:extLst>
-        </p:spPr>
-      </p:pic>
-      <p:pic>
-        <p:nvPicPr>
-          <p:cNvPr id="2061" name="Picture 13" descr="C:\Users\Bulb\Documents\Teknisk Fysik\15hp project\code\data\glass_4_im_1.jpg"/>
-          <p:cNvPicPr>
-            <a:picLocks noChangeAspect="1" noChangeArrowheads="1"/>
-          </p:cNvPicPr>
-          <p:nvPr/>
-        </p:nvPicPr>
-        <p:blipFill>
-          <a:blip r:embed="rId8">
-            <a:extLst>
-              <a:ext uri="{28A0092B-C50C-407E-A947-70E740481C1C}">
-                <a14:useLocalDpi xmlns:a14="http://schemas.microsoft.com/office/drawing/2010/main" val="0"/>
-              </a:ext>
-            </a:extLst>
-          </a:blip>
-          <a:srcRect/>
-          <a:stretch>
-            <a:fillRect/>
-          </a:stretch>
-        </p:blipFill>
-        <p:spPr bwMode="auto">
-          <a:xfrm>
-            <a:off x="13679389" y="11707191"/>
-            <a:ext cx="4905322" cy="4905322"/>
-          </a:xfrm>
-          <a:prstGeom prst="rect">
-            <a:avLst/>
-          </a:prstGeom>
-          <a:noFill/>
-          <a:extLst>
-            <a:ext uri="{909E8E84-426E-40DD-AFC4-6F175D3DCCD1}">
-              <a14:hiddenFill xmlns:a14="http://schemas.microsoft.com/office/drawing/2010/main">
-                <a:solidFill>
-                  <a:srgbClr val="FFFFFF"/>
-                </a:solidFill>
-              </a14:hiddenFill>
-            </a:ext>
-          </a:extLst>
-        </p:spPr>
-      </p:pic>
-      <p:sp>
-        <p:nvSpPr>
-          <p:cNvPr id="18" name="TextBox 17"/>
-          <p:cNvSpPr txBox="1"/>
-          <p:nvPr/>
-        </p:nvSpPr>
-        <p:spPr>
-          <a:xfrm>
-            <a:off x="21918259" y="22739089"/>
-            <a:ext cx="9979154" cy="1169551"/>
-          </a:xfrm>
-          <a:prstGeom prst="rect">
-            <a:avLst/>
-          </a:prstGeom>
-          <a:noFill/>
-        </p:spPr>
-        <p:txBody>
-          <a:bodyPr wrap="square" rtlCol="0">
-            <a:spAutoFit/>
-          </a:bodyPr>
-          <a:lstStyle/>
-          <a:p>
-            <a:pPr algn="ctr"/>
-            <a:r>
-              <a:rPr lang="sv-SE" sz="7000" b="1" dirty="0" smtClean="0"/>
-              <a:t>Cancer Cells</a:t>
-            </a:r>
-            <a:endParaRPr lang="en-GB" sz="7000" b="1" dirty="0"/>
-          </a:p>
-        </p:txBody>
-      </p:sp>
-      <p:pic>
-        <p:nvPicPr>
-          <p:cNvPr id="2063" name="Picture 15" descr="C:\Users\Bulb\Documents\Teknisk Fysik\15hp project\code\data\glass_37_im_1.jpg"/>
-          <p:cNvPicPr>
-            <a:picLocks noChangeAspect="1" noChangeArrowheads="1"/>
-          </p:cNvPicPr>
-          <p:nvPr/>
-        </p:nvPicPr>
-        <p:blipFill>
-          <a:blip r:embed="rId9">
-            <a:extLst>
-              <a:ext uri="{28A0092B-C50C-407E-A947-70E740481C1C}">
-                <a14:useLocalDpi xmlns:a14="http://schemas.microsoft.com/office/drawing/2010/main" val="0"/>
-              </a:ext>
-            </a:extLst>
-          </a:blip>
-          <a:srcRect/>
-          <a:stretch>
-            <a:fillRect/>
-          </a:stretch>
-        </p:blipFill>
-        <p:spPr bwMode="auto">
-          <a:xfrm>
-            <a:off x="27259895" y="11590628"/>
-            <a:ext cx="4997557" cy="4997557"/>
-          </a:xfrm>
-          <a:prstGeom prst="rect">
-            <a:avLst/>
-          </a:prstGeom>
-          <a:noFill/>
-          <a:extLst>
-            <a:ext uri="{909E8E84-426E-40DD-AFC4-6F175D3DCCD1}">
-              <a14:hiddenFill xmlns:a14="http://schemas.microsoft.com/office/drawing/2010/main">
-                <a:solidFill>
-                  <a:srgbClr val="FFFFFF"/>
-                </a:solidFill>
-              </a14:hiddenFill>
-            </a:ext>
-          </a:extLst>
-        </p:spPr>
-      </p:pic>
-    </p:spTree>
-    <p:extLst>
-      <p:ext uri="{BB962C8B-B14F-4D97-AF65-F5344CB8AC3E}">
-        <p14:creationId xmlns:p14="http://schemas.microsoft.com/office/powerpoint/2010/main" val="1927327782"/>
-      </p:ext>
-    </p:extLst>
-  </p:cSld>
-  <p:clrMapOvr>
-    <a:masterClrMapping/>
-  </p:clrMapOvr>
-  <p:timing>
-    <p:tnLst>
-      <p:par>
-        <p:cTn id="1" dur="indefinite" restart="never" nodeType="tmRoot">
-          <p:childTnLst>
-            <p:seq concurrent="1" nextAc="seek">
-              <p:cTn id="2" dur="indefinite" nodeType="mainSeq">
-                <p:childTnLst>
-                  <p:par>
-                    <p:cTn id="3" fill="hold">
-                      <p:stCondLst>
-                        <p:cond delay="indefinite"/>
-                      </p:stCondLst>
-                      <p:childTnLst>
-                        <p:par>
-                          <p:cTn id="4" fill="hold">
-                            <p:stCondLst>
-                              <p:cond delay="0"/>
-                            </p:stCondLst>
-                            <p:childTnLst>
-                              <p:par>
-                                <p:cTn id="5" presetID="10" presetClass="entr" presetSubtype="0" fill="hold" grpId="0" nodeType="clickEffect">
-                                  <p:stCondLst>
-                                    <p:cond delay="0"/>
-                                  </p:stCondLst>
-                                  <p:childTnLst>
-                                    <p:set>
-                                      <p:cBhvr>
-                                        <p:cTn id="6" dur="1" fill="hold">
-                                          <p:stCondLst>
-                                            <p:cond delay="0"/>
-                                          </p:stCondLst>
-                                        </p:cTn>
-                                        <p:tgtEl>
-                                          <p:spTgt spid="3">
-                                            <p:txEl>
-                                              <p:pRg st="0" end="0"/>
-                                            </p:txEl>
-                                          </p:spTgt>
-                                        </p:tgtEl>
-                                        <p:attrNameLst>
-                                          <p:attrName>style.visibility</p:attrName>
-                                        </p:attrNameLst>
-                                      </p:cBhvr>
-                                      <p:to>
-                                        <p:strVal val="visible"/>
-                                      </p:to>
-                                    </p:set>
-                                    <p:animEffect transition="in" filter="fade">
-                                      <p:cBhvr>
-                                        <p:cTn id="7" dur="500"/>
-                                        <p:tgtEl>
-                                          <p:spTgt spid="3">
-                                            <p:txEl>
-                                              <p:pRg st="0" end="0"/>
-                                            </p:txEl>
-                                          </p:spTgt>
-                                        </p:tgtEl>
-                                      </p:cBhvr>
-                                    </p:animEffect>
-                                  </p:childTnLst>
-                                </p:cTn>
-                              </p:par>
-                            </p:childTnLst>
-                          </p:cTn>
-                        </p:par>
-                      </p:childTnLst>
-                    </p:cTn>
-                  </p:par>
-                  <p:par>
-                    <p:cTn id="8" fill="hold">
-                      <p:stCondLst>
-                        <p:cond delay="indefinite"/>
-                      </p:stCondLst>
-                      <p:childTnLst>
-                        <p:par>
-                          <p:cTn id="9" fill="hold">
-                            <p:stCondLst>
-                              <p:cond delay="0"/>
-                            </p:stCondLst>
-                            <p:childTnLst>
-                              <p:par>
-                                <p:cTn id="10" presetID="10" presetClass="entr" presetSubtype="0" fill="hold" grpId="0" nodeType="clickEffect">
-                                  <p:stCondLst>
-                                    <p:cond delay="0"/>
-                                  </p:stCondLst>
-                                  <p:childTnLst>
-                                    <p:set>
-                                      <p:cBhvr>
-                                        <p:cTn id="11" dur="1" fill="hold">
-                                          <p:stCondLst>
-                                            <p:cond delay="0"/>
-                                          </p:stCondLst>
-                                        </p:cTn>
-                                        <p:tgtEl>
-                                          <p:spTgt spid="3">
-                                            <p:txEl>
-                                              <p:pRg st="1" end="1"/>
-                                            </p:txEl>
-                                          </p:spTgt>
-                                        </p:tgtEl>
-                                        <p:attrNameLst>
-                                          <p:attrName>style.visibility</p:attrName>
-                                        </p:attrNameLst>
-                                      </p:cBhvr>
-                                      <p:to>
-                                        <p:strVal val="visible"/>
-                                      </p:to>
-                                    </p:set>
-                                    <p:animEffect transition="in" filter="fade">
-                                      <p:cBhvr>
-                                        <p:cTn id="12" dur="500"/>
-                                        <p:tgtEl>
-                                          <p:spTgt spid="3">
-                                            <p:txEl>
-                                              <p:pRg st="1" end="1"/>
-                                            </p:txEl>
-                                          </p:spTgt>
-                                        </p:tgtEl>
-                                      </p:cBhvr>
-                                    </p:animEffect>
-                                  </p:childTnLst>
-                                </p:cTn>
-                              </p:par>
-                            </p:childTnLst>
-                          </p:cTn>
-                        </p:par>
-                      </p:childTnLst>
-                    </p:cTn>
-                  </p:par>
-                  <p:par>
-                    <p:cTn id="13" fill="hold">
-                      <p:stCondLst>
-                        <p:cond delay="indefinite"/>
-                      </p:stCondLst>
-                      <p:childTnLst>
-                        <p:par>
-                          <p:cTn id="14" fill="hold">
-                            <p:stCondLst>
-                              <p:cond delay="0"/>
-                            </p:stCondLst>
-                            <p:childTnLst>
-                              <p:par>
-                                <p:cTn id="15" presetID="10" presetClass="entr" presetSubtype="0" fill="hold" grpId="0" nodeType="clickEffect">
-                                  <p:stCondLst>
-                                    <p:cond delay="0"/>
-                                  </p:stCondLst>
-                                  <p:childTnLst>
-                                    <p:set>
-                                      <p:cBhvr>
-                                        <p:cTn id="16" dur="1" fill="hold">
-                                          <p:stCondLst>
-                                            <p:cond delay="0"/>
-                                          </p:stCondLst>
-                                        </p:cTn>
-                                        <p:tgtEl>
-                                          <p:spTgt spid="3">
-                                            <p:txEl>
-                                              <p:pRg st="2" end="2"/>
-                                            </p:txEl>
-                                          </p:spTgt>
-                                        </p:tgtEl>
-                                        <p:attrNameLst>
-                                          <p:attrName>style.visibility</p:attrName>
-                                        </p:attrNameLst>
-                                      </p:cBhvr>
-                                      <p:to>
-                                        <p:strVal val="visible"/>
-                                      </p:to>
-                                    </p:set>
-                                    <p:animEffect transition="in" filter="fade">
-                                      <p:cBhvr>
-                                        <p:cTn id="17" dur="500"/>
-                                        <p:tgtEl>
-                                          <p:spTgt spid="3">
-                                            <p:txEl>
-                                              <p:pRg st="2" end="2"/>
-                                            </p:txEl>
-                                          </p:spTgt>
-                                        </p:tgtEl>
-                                      </p:cBhvr>
-                                    </p:animEffect>
-                                  </p:childTnLst>
-                                </p:cTn>
-                              </p:par>
-                            </p:childTnLst>
-                          </p:cTn>
-                        </p:par>
-                      </p:childTnLst>
-                    </p:cTn>
-                  </p:par>
-                </p:childTnLst>
-              </p:cTn>
-              <p:prevCondLst>
-                <p:cond evt="onPrev" delay="0">
-                  <p:tgtEl>
-                    <p:sldTgt/>
-                  </p:tgtEl>
-                </p:cond>
-              </p:prevCondLst>
-              <p:nextCondLst>
-                <p:cond evt="onNext" delay="0">
-                  <p:tgtEl>
-                    <p:sldTgt/>
-                  </p:tgtEl>
-                </p:cond>
-              </p:nextCondLst>
-            </p:seq>
-          </p:childTnLst>
-        </p:cTn>
-      </p:par>
-    </p:tnLst>
-    <p:bldLst>
-      <p:bldP spid="3" grpId="0" build="p"/>
-    </p:bldLst>
-  </p:timing>
-</p:sld>
-</file>
-
 <file path=ppt/slides/slide5.xml><?xml version="1.0" encoding="utf-8"?>
 <p:sld xmlns:a="http://schemas.openxmlformats.org/drawingml/2006/main" xmlns:r="http://schemas.openxmlformats.org/officeDocument/2006/relationships" xmlns:p="http://schemas.openxmlformats.org/presentationml/2006/main">
   <p:cSld>
@@ -7018,12 +7194,12 @@
       </p:grpSpPr>
       <p:sp>
         <p:nvSpPr>
-          <p:cNvPr id="3" name="Content Placeholder 2"/>
+          <p:cNvPr id="2" name="Title 1"/>
           <p:cNvSpPr>
             <a:spLocks noGrp="1"/>
           </p:cNvSpPr>
           <p:nvPr>
-            <p:ph idx="1"/>
+            <p:ph type="title"/>
           </p:nvPr>
         </p:nvSpPr>
         <p:spPr/>
@@ -7031,18 +7207,22 @@
           <a:bodyPr/>
           <a:lstStyle/>
           <a:p>
-            <a:endParaRPr lang="en-GB"/>
-          </a:p>
-        </p:txBody>
-      </p:sp>
-      <p:sp>
-        <p:nvSpPr>
-          <p:cNvPr id="4" name="Title 1"/>
+            <a:r>
+              <a:rPr lang="sv-SE" dirty="0" smtClean="0"/>
+              <a:t>Model 1: Lei Li et al.</a:t>
+            </a:r>
+            <a:endParaRPr lang="en-GB" dirty="0"/>
+          </a:p>
+        </p:txBody>
+      </p:sp>
+      <p:sp>
+        <p:nvSpPr>
+          <p:cNvPr id="8" name="Content Placeholder 7"/>
           <p:cNvSpPr>
             <a:spLocks noGrp="1"/>
           </p:cNvSpPr>
           <p:nvPr>
-            <p:ph type="title"/>
+            <p:ph idx="1"/>
           </p:nvPr>
         </p:nvSpPr>
         <p:spPr/>
@@ -7050,9 +7230,64 @@
           <a:bodyPr/>
           <a:lstStyle/>
           <a:p>
+            <a:pPr marL="0" indent="0">
+              <a:buNone/>
+            </a:pPr>
             <a:r>
               <a:rPr lang="sv-SE" dirty="0" smtClean="0"/>
-              <a:t>Data</a:t>
+              <a:t>Network comprised of four sequentially coupled modules</a:t>
+            </a:r>
+          </a:p>
+          <a:p>
+            <a:pPr marL="0" indent="0">
+              <a:buNone/>
+            </a:pPr>
+            <a:r>
+              <a:rPr lang="sv-SE" dirty="0"/>
+              <a:t>	</a:t>
+            </a:r>
+            <a:r>
+              <a:rPr lang="sv-SE" dirty="0" smtClean="0"/>
+              <a:t>- Convoltutional Module</a:t>
+            </a:r>
+          </a:p>
+          <a:p>
+            <a:pPr marL="0" indent="0">
+              <a:buNone/>
+            </a:pPr>
+            <a:r>
+              <a:rPr lang="sv-SE" dirty="0"/>
+              <a:t>	</a:t>
+            </a:r>
+            <a:r>
+              <a:rPr lang="sv-SE" dirty="0" smtClean="0"/>
+              <a:t>- LBP Module</a:t>
+            </a:r>
+          </a:p>
+          <a:p>
+            <a:pPr marL="0" indent="0">
+              <a:buNone/>
+            </a:pPr>
+            <a:r>
+              <a:rPr lang="sv-SE" dirty="0"/>
+              <a:t>	</a:t>
+            </a:r>
+            <a:r>
+              <a:rPr lang="sv-SE" dirty="0" smtClean="0"/>
+              <a:t>- Gate Layer Module</a:t>
+            </a:r>
+          </a:p>
+          <a:p>
+            <a:pPr marL="0" indent="0">
+              <a:buNone/>
+            </a:pPr>
+            <a:r>
+              <a:rPr lang="sv-SE" dirty="0"/>
+              <a:t>	</a:t>
+            </a:r>
+            <a:r>
+              <a:rPr lang="sv-SE" dirty="0" smtClean="0"/>
+              <a:t>- Standard dense NN module</a:t>
             </a:r>
             <a:endParaRPr lang="en-GB" dirty="0"/>
           </a:p>
@@ -7061,13 +7296,20 @@
     </p:spTree>
     <p:extLst>
       <p:ext uri="{BB962C8B-B14F-4D97-AF65-F5344CB8AC3E}">
-        <p14:creationId xmlns:p14="http://schemas.microsoft.com/office/powerpoint/2010/main" val="3671318913"/>
+        <p14:creationId xmlns:p14="http://schemas.microsoft.com/office/powerpoint/2010/main" val="1007135063"/>
       </p:ext>
     </p:extLst>
   </p:cSld>
   <p:clrMapOvr>
     <a:masterClrMapping/>
   </p:clrMapOvr>
+  <p:timing>
+    <p:tnLst>
+      <p:par>
+        <p:cTn id="1" dur="indefinite" restart="never" nodeType="tmRoot"/>
+      </p:par>
+    </p:tnLst>
+  </p:timing>
 </p:sld>
 </file>
 

--- a/presentation.pptx
+++ b/presentation.pptx
@@ -4678,23 +4678,7 @@
                   <a:schemeClr val="tx1"/>
                 </a:solidFill>
               </a:rPr>
-              <a:t>Classifying Cancer </a:t>
-            </a:r>
-            <a:r>
-              <a:rPr lang="en-US" sz="14500" smtClean="0">
-                <a:solidFill>
-                  <a:schemeClr val="tx1"/>
-                </a:solidFill>
-              </a:rPr>
-              <a:t>Cells Usin</a:t>
-            </a:r>
-            <a:r>
-              <a:rPr lang="en-US" sz="14500" smtClean="0">
-                <a:solidFill>
-                  <a:schemeClr val="tx1"/>
-                </a:solidFill>
-              </a:rPr>
-              <a:t>g </a:t>
+              <a:t>Classifying Cancer Cells Usin</a:t>
             </a:r>
             <a:r>
               <a:rPr lang="en-US" sz="14500" dirty="0" smtClean="0">
@@ -4702,7 +4686,7 @@
                   <a:schemeClr val="tx1"/>
                 </a:solidFill>
               </a:rPr>
-              <a:t>Local Binary Patterns</a:t>
+              <a:t>g Local Binary Patterns</a:t>
             </a:r>
             <a:endParaRPr lang="en-US" sz="14500" dirty="0">
               <a:solidFill>
@@ -6085,8 +6069,12 @@
           <a:lstStyle/>
           <a:p>
             <a:r>
+              <a:rPr lang="sv-SE" smtClean="0"/>
+              <a:t>Model 3: Li </a:t>
+            </a:r>
+            <a:r>
               <a:rPr lang="sv-SE" dirty="0" smtClean="0"/>
-              <a:t>Model 1: Juefei-Xu et al.</a:t>
+              <a:t>et al.</a:t>
             </a:r>
             <a:endParaRPr lang="en-GB" dirty="0"/>
           </a:p>
@@ -7155,6 +7143,99 @@
           </p:sp>
         </mc:Fallback>
       </mc:AlternateContent>
+      <p:sp>
+        <p:nvSpPr>
+          <p:cNvPr id="17" name="TextBox 16"/>
+          <p:cNvSpPr txBox="1"/>
+          <p:nvPr/>
+        </p:nvSpPr>
+        <p:spPr>
+          <a:xfrm>
+            <a:off x="9804276" y="7257357"/>
+            <a:ext cx="5472608" cy="923330"/>
+          </a:xfrm>
+          <a:prstGeom prst="rect">
+            <a:avLst/>
+          </a:prstGeom>
+          <a:noFill/>
+        </p:spPr>
+        <p:txBody>
+          <a:bodyPr wrap="square" rtlCol="0">
+            <a:spAutoFit/>
+          </a:bodyPr>
+          <a:lstStyle/>
+          <a:p>
+            <a:pPr algn="ctr"/>
+            <a:r>
+              <a:rPr lang="sv-SE" sz="5400" b="1" dirty="0" smtClean="0"/>
+              <a:t>Filter 1</a:t>
+            </a:r>
+            <a:endParaRPr lang="en-GB" sz="5400" b="1" dirty="0"/>
+          </a:p>
+        </p:txBody>
+      </p:sp>
+      <p:sp>
+        <p:nvSpPr>
+          <p:cNvPr id="18" name="TextBox 17"/>
+          <p:cNvSpPr txBox="1"/>
+          <p:nvPr/>
+        </p:nvSpPr>
+        <p:spPr>
+          <a:xfrm>
+            <a:off x="15983642" y="7257357"/>
+            <a:ext cx="5472608" cy="923330"/>
+          </a:xfrm>
+          <a:prstGeom prst="rect">
+            <a:avLst/>
+          </a:prstGeom>
+          <a:noFill/>
+        </p:spPr>
+        <p:txBody>
+          <a:bodyPr wrap="square" rtlCol="0">
+            <a:spAutoFit/>
+          </a:bodyPr>
+          <a:lstStyle/>
+          <a:p>
+            <a:pPr algn="ctr"/>
+            <a:r>
+              <a:rPr lang="sv-SE" sz="5400" b="1" dirty="0" smtClean="0"/>
+              <a:t>Filter 2</a:t>
+            </a:r>
+            <a:endParaRPr lang="en-GB" sz="5400" b="1" dirty="0"/>
+          </a:p>
+        </p:txBody>
+      </p:sp>
+      <p:sp>
+        <p:nvSpPr>
+          <p:cNvPr id="19" name="TextBox 18"/>
+          <p:cNvSpPr txBox="1"/>
+          <p:nvPr/>
+        </p:nvSpPr>
+        <p:spPr>
+          <a:xfrm>
+            <a:off x="25416691" y="7428114"/>
+            <a:ext cx="5472608" cy="923330"/>
+          </a:xfrm>
+          <a:prstGeom prst="rect">
+            <a:avLst/>
+          </a:prstGeom>
+          <a:noFill/>
+        </p:spPr>
+        <p:txBody>
+          <a:bodyPr wrap="square" rtlCol="0">
+            <a:spAutoFit/>
+          </a:bodyPr>
+          <a:lstStyle/>
+          <a:p>
+            <a:pPr algn="ctr"/>
+            <a:r>
+              <a:rPr lang="sv-SE" sz="5400" b="1" dirty="0" smtClean="0"/>
+              <a:t>Filter 8</a:t>
+            </a:r>
+            <a:endParaRPr lang="en-GB" sz="5400" b="1" dirty="0"/>
+          </a:p>
+        </p:txBody>
+      </p:sp>
     </p:spTree>
     <p:extLst>
       <p:ext uri="{BB962C8B-B14F-4D97-AF65-F5344CB8AC3E}">

--- a/presentation.pptx
+++ b/presentation.pptx
@@ -6070,11 +6070,11 @@
           <a:p>
             <a:r>
               <a:rPr lang="sv-SE" smtClean="0"/>
-              <a:t>Model 3: Li </a:t>
+              <a:t>Model 1: </a:t>
             </a:r>
             <a:r>
               <a:rPr lang="sv-SE" dirty="0" smtClean="0"/>
-              <a:t>et al.</a:t>
+              <a:t>Juefei-Xu et al.</a:t>
             </a:r>
             <a:endParaRPr lang="en-GB" dirty="0"/>
           </a:p>

--- a/presentation.pptx
+++ b/presentation.pptx
@@ -5,17 +5,18 @@
     <p:sldMasterId id="2147483648" r:id="rId1"/>
   </p:sldMasterIdLst>
   <p:notesMasterIdLst>
-    <p:notesMasterId r:id="rId7"/>
+    <p:notesMasterId r:id="rId8"/>
   </p:notesMasterIdLst>
   <p:handoutMasterIdLst>
-    <p:handoutMasterId r:id="rId8"/>
+    <p:handoutMasterId r:id="rId9"/>
   </p:handoutMasterIdLst>
   <p:sldIdLst>
     <p:sldId id="256" r:id="rId2"/>
     <p:sldId id="259" r:id="rId3"/>
-    <p:sldId id="262" r:id="rId4"/>
-    <p:sldId id="260" r:id="rId5"/>
-    <p:sldId id="261" r:id="rId6"/>
+    <p:sldId id="263" r:id="rId4"/>
+    <p:sldId id="262" r:id="rId5"/>
+    <p:sldId id="260" r:id="rId6"/>
+    <p:sldId id="261" r:id="rId7"/>
   </p:sldIdLst>
   <p:sldSz cx="35999738" cy="25201563"/>
   <p:notesSz cx="46342300" cy="46342300"/>
@@ -1311,7 +1312,7 @@
             <a:fld id="{E36643B1-9D94-4426-9F70-001B837290C8}" type="slidenum">
               <a:rPr lang="sv-SE" smtClean="0"/>
               <a:pPr/>
-              <a:t>5</a:t>
+              <a:t>6</a:t>
             </a:fld>
             <a:endParaRPr lang="sv-SE"/>
           </a:p>
@@ -4678,15 +4679,7 @@
                   <a:schemeClr val="tx1"/>
                 </a:solidFill>
               </a:rPr>
-              <a:t>Classifying Cancer Cells Usin</a:t>
-            </a:r>
-            <a:r>
-              <a:rPr lang="en-US" sz="14500" dirty="0" smtClean="0">
-                <a:solidFill>
-                  <a:schemeClr val="tx1"/>
-                </a:solidFill>
-              </a:rPr>
-              <a:t>g Local Binary Patterns</a:t>
+              <a:t>Classifying Cancer Cells Using Local Binary Patterns</a:t>
             </a:r>
             <a:endParaRPr lang="en-US" sz="14500" dirty="0">
               <a:solidFill>
@@ -4803,10 +4796,10 @@
           <a:lstStyle/>
           <a:p>
             <a:r>
-              <a:rPr lang="sv-SE" dirty="0" smtClean="0"/>
+              <a:rPr lang="sv-SE" sz="14400" dirty="0" smtClean="0"/>
               <a:t>Project Goal</a:t>
             </a:r>
-            <a:endParaRPr lang="en-GB" dirty="0"/>
+            <a:endParaRPr lang="en-GB" sz="14400" dirty="0"/>
           </a:p>
         </p:txBody>
       </p:sp>
@@ -4827,7 +4820,7 @@
           <a:p>
             <a:r>
               <a:rPr lang="sv-SE" dirty="0" smtClean="0"/>
-              <a:t>Classify images of cancer cells</a:t>
+              <a:t>Classify images of cancer cells using Local Binary Patterns</a:t>
             </a:r>
           </a:p>
           <a:p>
@@ -4878,7 +4871,7 @@
           <a:p>
             <a:r>
               <a:rPr lang="sv-SE" dirty="0" smtClean="0"/>
-              <a:t>LBP’s: What are local binary patterns?</a:t>
+              <a:t>LBP’s: What are they?</a:t>
             </a:r>
             <a:endParaRPr lang="en-GB" dirty="0"/>
           </a:p>
@@ -4982,7 +4975,6 @@
               <a:rPr lang="en-GB" dirty="0"/>
               <a:t>://github.com/juefeix/lbcnn.torch, 2016.</a:t>
             </a:r>
-            <a:endParaRPr lang="en-GB" dirty="0"/>
           </a:p>
           <a:p>
             <a:endParaRPr lang="en-GB" sz="1500" dirty="0" smtClean="0"/>
@@ -5147,7 +5139,6 @@
               <a:rPr lang="en-GB" dirty="0"/>
               <a:t>.</a:t>
             </a:r>
-            <a:endParaRPr lang="en-GB" dirty="0"/>
           </a:p>
         </p:txBody>
       </p:sp>
@@ -5283,10 +5274,10 @@
           <a:lstStyle/>
           <a:p>
             <a:r>
-              <a:rPr lang="sv-SE" dirty="0" smtClean="0"/>
-              <a:t>Data</a:t>
-            </a:r>
-            <a:endParaRPr lang="en-GB" dirty="0"/>
+              <a:rPr lang="sv-SE" sz="14400" dirty="0" smtClean="0"/>
+              <a:t>Local Binary Patterns</a:t>
+            </a:r>
+            <a:endParaRPr lang="en-GB" sz="14400" dirty="0"/>
           </a:p>
         </p:txBody>
       </p:sp>
@@ -5300,6 +5291,1109 @@
             <p:ph idx="1"/>
           </p:nvPr>
         </p:nvSpPr>
+        <p:spPr/>
+        <p:txBody>
+          <a:bodyPr/>
+          <a:lstStyle/>
+          <a:p>
+            <a:r>
+              <a:rPr lang="sv-SE" dirty="0" smtClean="0"/>
+              <a:t>Concieved by Ojala et al in 2002. [1]</a:t>
+            </a:r>
+          </a:p>
+          <a:p>
+            <a:r>
+              <a:rPr lang="sv-SE" dirty="0" smtClean="0"/>
+              <a:t>Rotational invariant thresholding filters</a:t>
+            </a:r>
+            <a:endParaRPr lang="en-GB" dirty="0"/>
+          </a:p>
+        </p:txBody>
+      </p:sp>
+      <p:sp>
+        <p:nvSpPr>
+          <p:cNvPr id="4" name="TextBox 3"/>
+          <p:cNvSpPr txBox="1"/>
+          <p:nvPr/>
+        </p:nvSpPr>
+        <p:spPr>
+          <a:xfrm>
+            <a:off x="6168110" y="22393869"/>
+            <a:ext cx="27219024" cy="2357568"/>
+          </a:xfrm>
+          <a:prstGeom prst="rect">
+            <a:avLst/>
+          </a:prstGeom>
+          <a:noFill/>
+        </p:spPr>
+        <p:txBody>
+          <a:bodyPr wrap="square" rtlCol="0">
+            <a:spAutoFit/>
+          </a:bodyPr>
+          <a:lstStyle/>
+          <a:p>
+            <a:r>
+              <a:rPr lang="fi-FI" dirty="0" smtClean="0"/>
+              <a:t>[1]   Timo </a:t>
+            </a:r>
+            <a:r>
+              <a:rPr lang="fi-FI" dirty="0"/>
+              <a:t>Ojala, Matti Pietikainen, and Topi Maenpaa. </a:t>
+            </a:r>
+            <a:r>
+              <a:rPr lang="fi-FI" dirty="0" smtClean="0"/>
+              <a:t>Multiresolution </a:t>
+            </a:r>
+            <a:r>
+              <a:rPr lang="en-GB" dirty="0" err="1" smtClean="0"/>
+              <a:t>gray</a:t>
+            </a:r>
+            <a:r>
+              <a:rPr lang="en-GB" dirty="0" smtClean="0"/>
+              <a:t>-scale </a:t>
+            </a:r>
+            <a:r>
+              <a:rPr lang="en-GB" dirty="0"/>
+              <a:t>and rotation invariant </a:t>
+            </a:r>
+            <a:r>
+              <a:rPr lang="en-GB" dirty="0" smtClean="0"/>
+              <a:t>	  	  texture </a:t>
+            </a:r>
+            <a:r>
+              <a:rPr lang="en-GB" dirty="0"/>
+              <a:t>classification with local </a:t>
+            </a:r>
+            <a:r>
+              <a:rPr lang="en-GB" dirty="0" smtClean="0"/>
+              <a:t>binary patterns</a:t>
+            </a:r>
+            <a:r>
+              <a:rPr lang="en-GB" dirty="0"/>
+              <a:t>. IEEE Transactions on pattern analysis and machine</a:t>
+            </a:r>
+          </a:p>
+          <a:p>
+            <a:r>
+              <a:rPr lang="en-GB" dirty="0" smtClean="0"/>
+              <a:t>	  intelligence</a:t>
+            </a:r>
+            <a:r>
+              <a:rPr lang="en-GB" dirty="0"/>
+              <a:t>, 24(7):971–987, 2002.</a:t>
+            </a:r>
+            <a:endParaRPr lang="en-GB" dirty="0"/>
+          </a:p>
+        </p:txBody>
+      </p:sp>
+      <p:graphicFrame>
+        <p:nvGraphicFramePr>
+          <p:cNvPr id="5" name="Table 4"/>
+          <p:cNvGraphicFramePr>
+            <a:graphicFrameLocks noGrp="1"/>
+          </p:cNvGraphicFramePr>
+          <p:nvPr>
+            <p:extLst>
+              <p:ext uri="{D42A27DB-BD31-4B8C-83A1-F6EECF244321}">
+                <p14:modId xmlns:p14="http://schemas.microsoft.com/office/powerpoint/2010/main" val="3557319213"/>
+              </p:ext>
+            </p:extLst>
+          </p:nvPr>
+        </p:nvGraphicFramePr>
+        <p:xfrm>
+          <a:off x="7918749" y="10152509"/>
+          <a:ext cx="10009110" cy="9433045"/>
+        </p:xfrm>
+        <a:graphic>
+          <a:graphicData uri="http://schemas.openxmlformats.org/drawingml/2006/table">
+            <a:tbl>
+              <a:tblPr firstRow="1" bandRow="1">
+                <a:tableStyleId>{5940675A-B579-460E-94D1-54222C63F5DA}</a:tableStyleId>
+              </a:tblPr>
+              <a:tblGrid>
+                <a:gridCol w="2001822"/>
+                <a:gridCol w="2001822"/>
+                <a:gridCol w="2001822"/>
+                <a:gridCol w="2001822"/>
+                <a:gridCol w="2001822"/>
+              </a:tblGrid>
+              <a:tr h="1886609">
+                <a:tc>
+                  <a:txBody>
+                    <a:bodyPr/>
+                    <a:lstStyle/>
+                    <a:p>
+                      <a:endParaRPr lang="en-GB" dirty="0"/>
+                    </a:p>
+                  </a:txBody>
+                  <a:tcPr/>
+                </a:tc>
+                <a:tc>
+                  <a:txBody>
+                    <a:bodyPr/>
+                    <a:lstStyle/>
+                    <a:p>
+                      <a:endParaRPr lang="en-GB"/>
+                    </a:p>
+                  </a:txBody>
+                  <a:tcPr/>
+                </a:tc>
+                <a:tc>
+                  <a:txBody>
+                    <a:bodyPr/>
+                    <a:lstStyle/>
+                    <a:p>
+                      <a:endParaRPr lang="en-GB"/>
+                    </a:p>
+                  </a:txBody>
+                  <a:tcPr/>
+                </a:tc>
+                <a:tc>
+                  <a:txBody>
+                    <a:bodyPr/>
+                    <a:lstStyle/>
+                    <a:p>
+                      <a:endParaRPr lang="en-GB"/>
+                    </a:p>
+                  </a:txBody>
+                  <a:tcPr/>
+                </a:tc>
+                <a:tc>
+                  <a:txBody>
+                    <a:bodyPr/>
+                    <a:lstStyle/>
+                    <a:p>
+                      <a:endParaRPr lang="en-GB"/>
+                    </a:p>
+                  </a:txBody>
+                  <a:tcPr/>
+                </a:tc>
+              </a:tr>
+              <a:tr h="1886609">
+                <a:tc>
+                  <a:txBody>
+                    <a:bodyPr/>
+                    <a:lstStyle/>
+                    <a:p>
+                      <a:endParaRPr lang="en-GB"/>
+                    </a:p>
+                  </a:txBody>
+                  <a:tcPr/>
+                </a:tc>
+                <a:tc>
+                  <a:txBody>
+                    <a:bodyPr/>
+                    <a:lstStyle/>
+                    <a:p>
+                      <a:endParaRPr lang="en-GB" dirty="0"/>
+                    </a:p>
+                  </a:txBody>
+                  <a:tcPr/>
+                </a:tc>
+                <a:tc>
+                  <a:txBody>
+                    <a:bodyPr/>
+                    <a:lstStyle/>
+                    <a:p>
+                      <a:endParaRPr lang="en-GB"/>
+                    </a:p>
+                  </a:txBody>
+                  <a:tcPr/>
+                </a:tc>
+                <a:tc>
+                  <a:txBody>
+                    <a:bodyPr/>
+                    <a:lstStyle/>
+                    <a:p>
+                      <a:endParaRPr lang="en-GB"/>
+                    </a:p>
+                  </a:txBody>
+                  <a:tcPr/>
+                </a:tc>
+                <a:tc>
+                  <a:txBody>
+                    <a:bodyPr/>
+                    <a:lstStyle/>
+                    <a:p>
+                      <a:endParaRPr lang="en-GB"/>
+                    </a:p>
+                  </a:txBody>
+                  <a:tcPr/>
+                </a:tc>
+              </a:tr>
+              <a:tr h="1886609">
+                <a:tc>
+                  <a:txBody>
+                    <a:bodyPr/>
+                    <a:lstStyle/>
+                    <a:p>
+                      <a:endParaRPr lang="en-GB"/>
+                    </a:p>
+                  </a:txBody>
+                  <a:tcPr/>
+                </a:tc>
+                <a:tc>
+                  <a:txBody>
+                    <a:bodyPr/>
+                    <a:lstStyle/>
+                    <a:p>
+                      <a:endParaRPr lang="en-GB"/>
+                    </a:p>
+                  </a:txBody>
+                  <a:tcPr/>
+                </a:tc>
+                <a:tc>
+                  <a:txBody>
+                    <a:bodyPr/>
+                    <a:lstStyle/>
+                    <a:p>
+                      <a:endParaRPr lang="en-GB" dirty="0"/>
+                    </a:p>
+                  </a:txBody>
+                  <a:tcPr/>
+                </a:tc>
+                <a:tc>
+                  <a:txBody>
+                    <a:bodyPr/>
+                    <a:lstStyle/>
+                    <a:p>
+                      <a:endParaRPr lang="en-GB"/>
+                    </a:p>
+                  </a:txBody>
+                  <a:tcPr/>
+                </a:tc>
+                <a:tc>
+                  <a:txBody>
+                    <a:bodyPr/>
+                    <a:lstStyle/>
+                    <a:p>
+                      <a:endParaRPr lang="en-GB"/>
+                    </a:p>
+                  </a:txBody>
+                  <a:tcPr/>
+                </a:tc>
+              </a:tr>
+              <a:tr h="1886609">
+                <a:tc>
+                  <a:txBody>
+                    <a:bodyPr/>
+                    <a:lstStyle/>
+                    <a:p>
+                      <a:endParaRPr lang="en-GB"/>
+                    </a:p>
+                  </a:txBody>
+                  <a:tcPr/>
+                </a:tc>
+                <a:tc>
+                  <a:txBody>
+                    <a:bodyPr/>
+                    <a:lstStyle/>
+                    <a:p>
+                      <a:endParaRPr lang="en-GB"/>
+                    </a:p>
+                  </a:txBody>
+                  <a:tcPr/>
+                </a:tc>
+                <a:tc>
+                  <a:txBody>
+                    <a:bodyPr/>
+                    <a:lstStyle/>
+                    <a:p>
+                      <a:endParaRPr lang="en-GB" dirty="0"/>
+                    </a:p>
+                  </a:txBody>
+                  <a:tcPr/>
+                </a:tc>
+                <a:tc>
+                  <a:txBody>
+                    <a:bodyPr/>
+                    <a:lstStyle/>
+                    <a:p>
+                      <a:endParaRPr lang="en-GB"/>
+                    </a:p>
+                  </a:txBody>
+                  <a:tcPr/>
+                </a:tc>
+                <a:tc>
+                  <a:txBody>
+                    <a:bodyPr/>
+                    <a:lstStyle/>
+                    <a:p>
+                      <a:endParaRPr lang="en-GB"/>
+                    </a:p>
+                  </a:txBody>
+                  <a:tcPr/>
+                </a:tc>
+              </a:tr>
+              <a:tr h="1886609">
+                <a:tc>
+                  <a:txBody>
+                    <a:bodyPr/>
+                    <a:lstStyle/>
+                    <a:p>
+                      <a:endParaRPr lang="en-GB" dirty="0"/>
+                    </a:p>
+                  </a:txBody>
+                  <a:tcPr/>
+                </a:tc>
+                <a:tc>
+                  <a:txBody>
+                    <a:bodyPr/>
+                    <a:lstStyle/>
+                    <a:p>
+                      <a:endParaRPr lang="en-GB" dirty="0"/>
+                    </a:p>
+                  </a:txBody>
+                  <a:tcPr/>
+                </a:tc>
+                <a:tc>
+                  <a:txBody>
+                    <a:bodyPr/>
+                    <a:lstStyle/>
+                    <a:p>
+                      <a:endParaRPr lang="en-GB" dirty="0"/>
+                    </a:p>
+                  </a:txBody>
+                  <a:tcPr/>
+                </a:tc>
+                <a:tc>
+                  <a:txBody>
+                    <a:bodyPr/>
+                    <a:lstStyle/>
+                    <a:p>
+                      <a:endParaRPr lang="en-GB" dirty="0"/>
+                    </a:p>
+                  </a:txBody>
+                  <a:tcPr/>
+                </a:tc>
+                <a:tc>
+                  <a:txBody>
+                    <a:bodyPr/>
+                    <a:lstStyle/>
+                    <a:p>
+                      <a:endParaRPr lang="en-GB" dirty="0"/>
+                    </a:p>
+                  </a:txBody>
+                  <a:tcPr/>
+                </a:tc>
+              </a:tr>
+            </a:tbl>
+          </a:graphicData>
+        </a:graphic>
+      </p:graphicFrame>
+      <p:sp>
+        <p:nvSpPr>
+          <p:cNvPr id="7" name="Oval 6"/>
+          <p:cNvSpPr/>
+          <p:nvPr/>
+        </p:nvSpPr>
+        <p:spPr bwMode="auto">
+          <a:xfrm>
+            <a:off x="12581267" y="14472989"/>
+            <a:ext cx="738082" cy="684076"/>
+          </a:xfrm>
+          <a:prstGeom prst="ellipse">
+            <a:avLst/>
+          </a:prstGeom>
+          <a:solidFill>
+            <a:srgbClr val="FF0000"/>
+          </a:solidFill>
+          <a:ln>
+            <a:solidFill>
+              <a:schemeClr val="tx1"/>
+            </a:solidFill>
+          </a:ln>
+          <a:effectLst/>
+          <a:extLst/>
+        </p:spPr>
+        <p:txBody>
+          <a:bodyPr vert="horz" wrap="square" lIns="457200" tIns="228600" rIns="457200" bIns="228600" numCol="1" rtlCol="0" anchor="t" anchorCtr="0" compatLnSpc="1">
+            <a:prstTxWarp prst="textNoShape">
+              <a:avLst/>
+            </a:prstTxWarp>
+          </a:bodyPr>
+          <a:lstStyle/>
+          <a:p>
+            <a:pPr marL="0" marR="0" indent="0" algn="l" defTabSz="914400" rtl="0" eaLnBrk="1" fontAlgn="base" latinLnBrk="0" hangingPunct="1">
+              <a:lnSpc>
+                <a:spcPct val="100000"/>
+              </a:lnSpc>
+              <a:spcBef>
+                <a:spcPct val="20000"/>
+              </a:spcBef>
+              <a:spcAft>
+                <a:spcPct val="0"/>
+              </a:spcAft>
+              <a:buClrTx/>
+              <a:buSzTx/>
+              <a:buFontTx/>
+              <a:buNone/>
+              <a:tabLst/>
+            </a:pPr>
+            <a:endParaRPr kumimoji="0" lang="en-GB" sz="4600" b="0" i="0" u="none" strike="noStrike" cap="none" normalizeH="0" baseline="0" smtClean="0">
+              <a:ln>
+                <a:noFill/>
+              </a:ln>
+              <a:solidFill>
+                <a:srgbClr val="000000"/>
+              </a:solidFill>
+              <a:effectLst/>
+              <a:latin typeface="Arial" charset="0"/>
+            </a:endParaRPr>
+          </a:p>
+        </p:txBody>
+      </p:sp>
+      <p:sp>
+        <p:nvSpPr>
+          <p:cNvPr id="8" name="Oval 7"/>
+          <p:cNvSpPr/>
+          <p:nvPr/>
+        </p:nvSpPr>
+        <p:spPr bwMode="auto">
+          <a:xfrm>
+            <a:off x="12527261" y="10728573"/>
+            <a:ext cx="738082" cy="684076"/>
+          </a:xfrm>
+          <a:prstGeom prst="ellipse">
+            <a:avLst/>
+          </a:prstGeom>
+          <a:solidFill>
+            <a:schemeClr val="bg2"/>
+          </a:solidFill>
+          <a:ln>
+            <a:solidFill>
+              <a:schemeClr val="tx1"/>
+            </a:solidFill>
+          </a:ln>
+          <a:effectLst/>
+          <a:extLst/>
+        </p:spPr>
+        <p:txBody>
+          <a:bodyPr vert="horz" wrap="square" lIns="457200" tIns="228600" rIns="457200" bIns="228600" numCol="1" rtlCol="0" anchor="t" anchorCtr="0" compatLnSpc="1">
+            <a:prstTxWarp prst="textNoShape">
+              <a:avLst/>
+            </a:prstTxWarp>
+          </a:bodyPr>
+          <a:lstStyle/>
+          <a:p>
+            <a:pPr marL="0" marR="0" indent="0" algn="l" defTabSz="914400" rtl="0" eaLnBrk="1" fontAlgn="base" latinLnBrk="0" hangingPunct="1">
+              <a:lnSpc>
+                <a:spcPct val="100000"/>
+              </a:lnSpc>
+              <a:spcBef>
+                <a:spcPct val="20000"/>
+              </a:spcBef>
+              <a:spcAft>
+                <a:spcPct val="0"/>
+              </a:spcAft>
+              <a:buClrTx/>
+              <a:buSzTx/>
+              <a:buFontTx/>
+              <a:buNone/>
+              <a:tabLst/>
+            </a:pPr>
+            <a:endParaRPr kumimoji="0" lang="en-GB" sz="4600" b="0" i="0" u="none" strike="noStrike" cap="none" normalizeH="0" baseline="0" smtClean="0">
+              <a:ln>
+                <a:noFill/>
+              </a:ln>
+              <a:solidFill>
+                <a:srgbClr val="000000"/>
+              </a:solidFill>
+              <a:effectLst/>
+              <a:latin typeface="Arial" charset="0"/>
+            </a:endParaRPr>
+          </a:p>
+        </p:txBody>
+      </p:sp>
+      <p:sp>
+        <p:nvSpPr>
+          <p:cNvPr id="9" name="Oval 8"/>
+          <p:cNvSpPr/>
+          <p:nvPr/>
+        </p:nvSpPr>
+        <p:spPr bwMode="auto">
+          <a:xfrm>
+            <a:off x="12535783" y="18325417"/>
+            <a:ext cx="738082" cy="684076"/>
+          </a:xfrm>
+          <a:prstGeom prst="ellipse">
+            <a:avLst/>
+          </a:prstGeom>
+          <a:solidFill>
+            <a:schemeClr val="bg2"/>
+          </a:solidFill>
+          <a:ln>
+            <a:solidFill>
+              <a:schemeClr val="tx1"/>
+            </a:solidFill>
+          </a:ln>
+          <a:effectLst/>
+          <a:extLst/>
+        </p:spPr>
+        <p:txBody>
+          <a:bodyPr vert="horz" wrap="square" lIns="457200" tIns="228600" rIns="457200" bIns="228600" numCol="1" rtlCol="0" anchor="t" anchorCtr="0" compatLnSpc="1">
+            <a:prstTxWarp prst="textNoShape">
+              <a:avLst/>
+            </a:prstTxWarp>
+          </a:bodyPr>
+          <a:lstStyle/>
+          <a:p>
+            <a:pPr marL="0" marR="0" indent="0" algn="l" defTabSz="914400" rtl="0" eaLnBrk="1" fontAlgn="base" latinLnBrk="0" hangingPunct="1">
+              <a:lnSpc>
+                <a:spcPct val="100000"/>
+              </a:lnSpc>
+              <a:spcBef>
+                <a:spcPct val="20000"/>
+              </a:spcBef>
+              <a:spcAft>
+                <a:spcPct val="0"/>
+              </a:spcAft>
+              <a:buClrTx/>
+              <a:buSzTx/>
+              <a:buFontTx/>
+              <a:buNone/>
+              <a:tabLst/>
+            </a:pPr>
+            <a:endParaRPr kumimoji="0" lang="en-GB" sz="4600" b="0" i="0" u="none" strike="noStrike" cap="none" normalizeH="0" baseline="0" smtClean="0">
+              <a:ln>
+                <a:noFill/>
+              </a:ln>
+              <a:solidFill>
+                <a:srgbClr val="000000"/>
+              </a:solidFill>
+              <a:effectLst/>
+              <a:latin typeface="Arial" charset="0"/>
+            </a:endParaRPr>
+          </a:p>
+        </p:txBody>
+      </p:sp>
+      <p:sp>
+        <p:nvSpPr>
+          <p:cNvPr id="10" name="Oval 9"/>
+          <p:cNvSpPr/>
+          <p:nvPr/>
+        </p:nvSpPr>
+        <p:spPr bwMode="auto">
+          <a:xfrm>
+            <a:off x="16541707" y="14478204"/>
+            <a:ext cx="738082" cy="684076"/>
+          </a:xfrm>
+          <a:prstGeom prst="ellipse">
+            <a:avLst/>
+          </a:prstGeom>
+          <a:solidFill>
+            <a:schemeClr val="bg2"/>
+          </a:solidFill>
+          <a:ln>
+            <a:solidFill>
+              <a:schemeClr val="tx1"/>
+            </a:solidFill>
+          </a:ln>
+          <a:effectLst/>
+          <a:extLst/>
+        </p:spPr>
+        <p:txBody>
+          <a:bodyPr vert="horz" wrap="square" lIns="457200" tIns="228600" rIns="457200" bIns="228600" numCol="1" rtlCol="0" anchor="t" anchorCtr="0" compatLnSpc="1">
+            <a:prstTxWarp prst="textNoShape">
+              <a:avLst/>
+            </a:prstTxWarp>
+          </a:bodyPr>
+          <a:lstStyle/>
+          <a:p>
+            <a:pPr marL="0" marR="0" indent="0" algn="l" defTabSz="914400" rtl="0" eaLnBrk="1" fontAlgn="base" latinLnBrk="0" hangingPunct="1">
+              <a:lnSpc>
+                <a:spcPct val="100000"/>
+              </a:lnSpc>
+              <a:spcBef>
+                <a:spcPct val="20000"/>
+              </a:spcBef>
+              <a:spcAft>
+                <a:spcPct val="0"/>
+              </a:spcAft>
+              <a:buClrTx/>
+              <a:buSzTx/>
+              <a:buFontTx/>
+              <a:buNone/>
+              <a:tabLst/>
+            </a:pPr>
+            <a:endParaRPr kumimoji="0" lang="en-GB" sz="4600" b="0" i="0" u="none" strike="noStrike" cap="none" normalizeH="0" baseline="0" smtClean="0">
+              <a:ln>
+                <a:noFill/>
+              </a:ln>
+              <a:solidFill>
+                <a:srgbClr val="000000"/>
+              </a:solidFill>
+              <a:effectLst/>
+              <a:latin typeface="Arial" charset="0"/>
+            </a:endParaRPr>
+          </a:p>
+        </p:txBody>
+      </p:sp>
+      <p:sp>
+        <p:nvSpPr>
+          <p:cNvPr id="11" name="Oval 10"/>
+          <p:cNvSpPr/>
+          <p:nvPr/>
+        </p:nvSpPr>
+        <p:spPr bwMode="auto">
+          <a:xfrm>
+            <a:off x="8566821" y="14472989"/>
+            <a:ext cx="738082" cy="684076"/>
+          </a:xfrm>
+          <a:prstGeom prst="ellipse">
+            <a:avLst/>
+          </a:prstGeom>
+          <a:solidFill>
+            <a:schemeClr val="bg2"/>
+          </a:solidFill>
+          <a:ln>
+            <a:solidFill>
+              <a:schemeClr val="tx1"/>
+            </a:solidFill>
+          </a:ln>
+          <a:effectLst/>
+          <a:extLst/>
+        </p:spPr>
+        <p:txBody>
+          <a:bodyPr vert="horz" wrap="square" lIns="457200" tIns="228600" rIns="457200" bIns="228600" numCol="1" rtlCol="0" anchor="t" anchorCtr="0" compatLnSpc="1">
+            <a:prstTxWarp prst="textNoShape">
+              <a:avLst/>
+            </a:prstTxWarp>
+          </a:bodyPr>
+          <a:lstStyle/>
+          <a:p>
+            <a:pPr marL="0" marR="0" indent="0" algn="l" defTabSz="914400" rtl="0" eaLnBrk="1" fontAlgn="base" latinLnBrk="0" hangingPunct="1">
+              <a:lnSpc>
+                <a:spcPct val="100000"/>
+              </a:lnSpc>
+              <a:spcBef>
+                <a:spcPct val="20000"/>
+              </a:spcBef>
+              <a:spcAft>
+                <a:spcPct val="0"/>
+              </a:spcAft>
+              <a:buClrTx/>
+              <a:buSzTx/>
+              <a:buFontTx/>
+              <a:buNone/>
+              <a:tabLst/>
+            </a:pPr>
+            <a:endParaRPr kumimoji="0" lang="en-GB" sz="4600" b="0" i="0" u="none" strike="noStrike" cap="none" normalizeH="0" baseline="0" smtClean="0">
+              <a:ln>
+                <a:noFill/>
+              </a:ln>
+              <a:solidFill>
+                <a:srgbClr val="000000"/>
+              </a:solidFill>
+              <a:effectLst/>
+              <a:latin typeface="Arial" charset="0"/>
+            </a:endParaRPr>
+          </a:p>
+        </p:txBody>
+      </p:sp>
+      <p:sp>
+        <p:nvSpPr>
+          <p:cNvPr id="12" name="Oval 11"/>
+          <p:cNvSpPr/>
+          <p:nvPr/>
+        </p:nvSpPr>
+        <p:spPr bwMode="auto">
+          <a:xfrm>
+            <a:off x="9718949" y="11808693"/>
+            <a:ext cx="738082" cy="684076"/>
+          </a:xfrm>
+          <a:prstGeom prst="ellipse">
+            <a:avLst/>
+          </a:prstGeom>
+          <a:solidFill>
+            <a:schemeClr val="bg2"/>
+          </a:solidFill>
+          <a:ln>
+            <a:solidFill>
+              <a:schemeClr val="tx1"/>
+            </a:solidFill>
+          </a:ln>
+          <a:effectLst/>
+          <a:extLst/>
+        </p:spPr>
+        <p:txBody>
+          <a:bodyPr vert="horz" wrap="square" lIns="457200" tIns="228600" rIns="457200" bIns="228600" numCol="1" rtlCol="0" anchor="t" anchorCtr="0" compatLnSpc="1">
+            <a:prstTxWarp prst="textNoShape">
+              <a:avLst/>
+            </a:prstTxWarp>
+          </a:bodyPr>
+          <a:lstStyle/>
+          <a:p>
+            <a:pPr marL="0" marR="0" indent="0" algn="l" defTabSz="914400" rtl="0" eaLnBrk="1" fontAlgn="base" latinLnBrk="0" hangingPunct="1">
+              <a:lnSpc>
+                <a:spcPct val="100000"/>
+              </a:lnSpc>
+              <a:spcBef>
+                <a:spcPct val="20000"/>
+              </a:spcBef>
+              <a:spcAft>
+                <a:spcPct val="0"/>
+              </a:spcAft>
+              <a:buClrTx/>
+              <a:buSzTx/>
+              <a:buFontTx/>
+              <a:buNone/>
+              <a:tabLst/>
+            </a:pPr>
+            <a:endParaRPr kumimoji="0" lang="en-GB" sz="4600" b="0" i="0" u="none" strike="noStrike" cap="none" normalizeH="0" baseline="0" smtClean="0">
+              <a:ln>
+                <a:noFill/>
+              </a:ln>
+              <a:solidFill>
+                <a:srgbClr val="000000"/>
+              </a:solidFill>
+              <a:effectLst/>
+              <a:latin typeface="Arial" charset="0"/>
+            </a:endParaRPr>
+          </a:p>
+        </p:txBody>
+      </p:sp>
+      <p:sp>
+        <p:nvSpPr>
+          <p:cNvPr id="13" name="Oval 12"/>
+          <p:cNvSpPr/>
+          <p:nvPr/>
+        </p:nvSpPr>
+        <p:spPr bwMode="auto">
+          <a:xfrm>
+            <a:off x="15389579" y="11880701"/>
+            <a:ext cx="738082" cy="684076"/>
+          </a:xfrm>
+          <a:prstGeom prst="ellipse">
+            <a:avLst/>
+          </a:prstGeom>
+          <a:solidFill>
+            <a:schemeClr val="bg2"/>
+          </a:solidFill>
+          <a:ln>
+            <a:solidFill>
+              <a:schemeClr val="tx1"/>
+            </a:solidFill>
+          </a:ln>
+          <a:effectLst/>
+          <a:extLst/>
+        </p:spPr>
+        <p:txBody>
+          <a:bodyPr vert="horz" wrap="square" lIns="457200" tIns="228600" rIns="457200" bIns="228600" numCol="1" rtlCol="0" anchor="t" anchorCtr="0" compatLnSpc="1">
+            <a:prstTxWarp prst="textNoShape">
+              <a:avLst/>
+            </a:prstTxWarp>
+          </a:bodyPr>
+          <a:lstStyle/>
+          <a:p>
+            <a:pPr marL="0" marR="0" indent="0" algn="l" defTabSz="914400" rtl="0" eaLnBrk="1" fontAlgn="base" latinLnBrk="0" hangingPunct="1">
+              <a:lnSpc>
+                <a:spcPct val="100000"/>
+              </a:lnSpc>
+              <a:spcBef>
+                <a:spcPct val="20000"/>
+              </a:spcBef>
+              <a:spcAft>
+                <a:spcPct val="0"/>
+              </a:spcAft>
+              <a:buClrTx/>
+              <a:buSzTx/>
+              <a:buFontTx/>
+              <a:buNone/>
+              <a:tabLst/>
+            </a:pPr>
+            <a:endParaRPr kumimoji="0" lang="en-GB" sz="4600" b="0" i="0" u="none" strike="noStrike" cap="none" normalizeH="0" baseline="0" smtClean="0">
+              <a:ln>
+                <a:noFill/>
+              </a:ln>
+              <a:solidFill>
+                <a:srgbClr val="000000"/>
+              </a:solidFill>
+              <a:effectLst/>
+              <a:latin typeface="Arial" charset="0"/>
+            </a:endParaRPr>
+          </a:p>
+        </p:txBody>
+      </p:sp>
+      <p:sp>
+        <p:nvSpPr>
+          <p:cNvPr id="14" name="Oval 13"/>
+          <p:cNvSpPr/>
+          <p:nvPr/>
+        </p:nvSpPr>
+        <p:spPr bwMode="auto">
+          <a:xfrm>
+            <a:off x="9628939" y="17137285"/>
+            <a:ext cx="738082" cy="684076"/>
+          </a:xfrm>
+          <a:prstGeom prst="ellipse">
+            <a:avLst/>
+          </a:prstGeom>
+          <a:solidFill>
+            <a:schemeClr val="bg2"/>
+          </a:solidFill>
+          <a:ln>
+            <a:solidFill>
+              <a:schemeClr val="tx1"/>
+            </a:solidFill>
+          </a:ln>
+          <a:effectLst/>
+          <a:extLst/>
+        </p:spPr>
+        <p:txBody>
+          <a:bodyPr vert="horz" wrap="square" lIns="457200" tIns="228600" rIns="457200" bIns="228600" numCol="1" rtlCol="0" anchor="t" anchorCtr="0" compatLnSpc="1">
+            <a:prstTxWarp prst="textNoShape">
+              <a:avLst/>
+            </a:prstTxWarp>
+          </a:bodyPr>
+          <a:lstStyle/>
+          <a:p>
+            <a:pPr marL="0" marR="0" indent="0" algn="l" defTabSz="914400" rtl="0" eaLnBrk="1" fontAlgn="base" latinLnBrk="0" hangingPunct="1">
+              <a:lnSpc>
+                <a:spcPct val="100000"/>
+              </a:lnSpc>
+              <a:spcBef>
+                <a:spcPct val="20000"/>
+              </a:spcBef>
+              <a:spcAft>
+                <a:spcPct val="0"/>
+              </a:spcAft>
+              <a:buClrTx/>
+              <a:buSzTx/>
+              <a:buFontTx/>
+              <a:buNone/>
+              <a:tabLst/>
+            </a:pPr>
+            <a:endParaRPr kumimoji="0" lang="en-GB" sz="4600" b="0" i="0" u="none" strike="noStrike" cap="none" normalizeH="0" baseline="0" smtClean="0">
+              <a:ln>
+                <a:noFill/>
+              </a:ln>
+              <a:solidFill>
+                <a:srgbClr val="000000"/>
+              </a:solidFill>
+              <a:effectLst/>
+              <a:latin typeface="Arial" charset="0"/>
+            </a:endParaRPr>
+          </a:p>
+        </p:txBody>
+      </p:sp>
+      <p:sp>
+        <p:nvSpPr>
+          <p:cNvPr id="15" name="Oval 14"/>
+          <p:cNvSpPr/>
+          <p:nvPr/>
+        </p:nvSpPr>
+        <p:spPr bwMode="auto">
+          <a:xfrm>
+            <a:off x="15479589" y="17137285"/>
+            <a:ext cx="738082" cy="684076"/>
+          </a:xfrm>
+          <a:prstGeom prst="ellipse">
+            <a:avLst/>
+          </a:prstGeom>
+          <a:solidFill>
+            <a:schemeClr val="bg2"/>
+          </a:solidFill>
+          <a:ln>
+            <a:solidFill>
+              <a:schemeClr val="tx1"/>
+            </a:solidFill>
+          </a:ln>
+          <a:effectLst/>
+          <a:extLst/>
+        </p:spPr>
+        <p:txBody>
+          <a:bodyPr vert="horz" wrap="square" lIns="457200" tIns="228600" rIns="457200" bIns="228600" numCol="1" rtlCol="0" anchor="t" anchorCtr="0" compatLnSpc="1">
+            <a:prstTxWarp prst="textNoShape">
+              <a:avLst/>
+            </a:prstTxWarp>
+          </a:bodyPr>
+          <a:lstStyle/>
+          <a:p>
+            <a:pPr marL="0" marR="0" indent="0" algn="l" defTabSz="914400" rtl="0" eaLnBrk="1" fontAlgn="base" latinLnBrk="0" hangingPunct="1">
+              <a:lnSpc>
+                <a:spcPct val="100000"/>
+              </a:lnSpc>
+              <a:spcBef>
+                <a:spcPct val="20000"/>
+              </a:spcBef>
+              <a:spcAft>
+                <a:spcPct val="0"/>
+              </a:spcAft>
+              <a:buClrTx/>
+              <a:buSzTx/>
+              <a:buFontTx/>
+              <a:buNone/>
+              <a:tabLst/>
+            </a:pPr>
+            <a:endParaRPr kumimoji="0" lang="en-GB" sz="4600" b="0" i="0" u="none" strike="noStrike" cap="none" normalizeH="0" baseline="0" smtClean="0">
+              <a:ln>
+                <a:noFill/>
+              </a:ln>
+              <a:solidFill>
+                <a:srgbClr val="000000"/>
+              </a:solidFill>
+              <a:effectLst/>
+              <a:latin typeface="Arial" charset="0"/>
+            </a:endParaRPr>
+          </a:p>
+        </p:txBody>
+      </p:sp>
+      <p:sp>
+        <p:nvSpPr>
+          <p:cNvPr id="16" name="TextBox 15"/>
+          <p:cNvSpPr txBox="1"/>
+          <p:nvPr/>
+        </p:nvSpPr>
+        <p:spPr>
+          <a:xfrm>
+            <a:off x="7990757" y="19945597"/>
+            <a:ext cx="9577064" cy="1107996"/>
+          </a:xfrm>
+          <a:prstGeom prst="rect">
+            <a:avLst/>
+          </a:prstGeom>
+          <a:noFill/>
+        </p:spPr>
+        <p:txBody>
+          <a:bodyPr wrap="square" rtlCol="0">
+            <a:spAutoFit/>
+          </a:bodyPr>
+          <a:lstStyle/>
+          <a:p>
+            <a:pPr algn="ctr"/>
+            <a:r>
+              <a:rPr lang="sv-SE" sz="6600" b="1" dirty="0" smtClean="0"/>
+              <a:t>P = 8, R = 2</a:t>
+            </a:r>
+            <a:endParaRPr lang="en-GB" sz="6600" b="1" dirty="0"/>
+          </a:p>
+        </p:txBody>
+      </p:sp>
+      <p:sp>
+        <p:nvSpPr>
+          <p:cNvPr id="18" name="TextBox 17"/>
+          <p:cNvSpPr txBox="1"/>
+          <p:nvPr/>
+        </p:nvSpPr>
+        <p:spPr>
+          <a:xfrm>
+            <a:off x="19440029" y="10368533"/>
+            <a:ext cx="12745416" cy="4278094"/>
+          </a:xfrm>
+          <a:prstGeom prst="rect">
+            <a:avLst/>
+          </a:prstGeom>
+          <a:noFill/>
+        </p:spPr>
+        <p:txBody>
+          <a:bodyPr wrap="square" rtlCol="0">
+            <a:spAutoFit/>
+          </a:bodyPr>
+          <a:lstStyle/>
+          <a:p>
+            <a:pPr marL="857250" indent="-857250">
+              <a:buFont typeface="Arial" panose="020B0604020202020204" pitchFamily="34" charset="0"/>
+              <a:buChar char="•"/>
+            </a:pPr>
+            <a:r>
+              <a:rPr lang="sv-SE" sz="8000" dirty="0" smtClean="0"/>
+              <a:t>P uniformly spaced points</a:t>
+            </a:r>
+          </a:p>
+          <a:p>
+            <a:pPr marL="857250" indent="-857250">
+              <a:buFont typeface="Arial" panose="020B0604020202020204" pitchFamily="34" charset="0"/>
+              <a:buChar char="•"/>
+            </a:pPr>
+            <a:r>
+              <a:rPr lang="sv-SE" sz="8000" dirty="0" smtClean="0"/>
+              <a:t>Center pixel – threshold</a:t>
+            </a:r>
+          </a:p>
+          <a:p>
+            <a:pPr marL="857250" indent="-857250">
+              <a:buFont typeface="Arial" panose="020B0604020202020204" pitchFamily="34" charset="0"/>
+              <a:buChar char="•"/>
+            </a:pPr>
+            <a:r>
+              <a:rPr lang="sv-SE" sz="8000" dirty="0" smtClean="0"/>
+              <a:t>Generates binary string</a:t>
+            </a:r>
+            <a:endParaRPr lang="en-GB" sz="8000" dirty="0"/>
+          </a:p>
+        </p:txBody>
+      </p:sp>
+    </p:spTree>
+    <p:extLst>
+      <p:ext uri="{BB962C8B-B14F-4D97-AF65-F5344CB8AC3E}">
+        <p14:creationId xmlns:p14="http://schemas.microsoft.com/office/powerpoint/2010/main" val="3655956742"/>
+      </p:ext>
+    </p:extLst>
+  </p:cSld>
+  <p:clrMapOvr>
+    <a:masterClrMapping/>
+  </p:clrMapOvr>
+  <p:timing>
+    <p:tnLst>
+      <p:par>
+        <p:cTn id="1" dur="indefinite" restart="never" nodeType="tmRoot"/>
+      </p:par>
+    </p:tnLst>
+  </p:timing>
+</p:sld>
+</file>
+
+<file path=ppt/slides/slide4.xml><?xml version="1.0" encoding="utf-8"?>
+<p:sld xmlns:a="http://schemas.openxmlformats.org/drawingml/2006/main" xmlns:r="http://schemas.openxmlformats.org/officeDocument/2006/relationships" xmlns:p="http://schemas.openxmlformats.org/presentationml/2006/main">
+  <p:cSld>
+    <p:spTree>
+      <p:nvGrpSpPr>
+        <p:cNvPr id="1" name=""/>
+        <p:cNvGrpSpPr/>
+        <p:nvPr/>
+      </p:nvGrpSpPr>
+      <p:grpSpPr>
+        <a:xfrm>
+          <a:off x="0" y="0"/>
+          <a:ext cx="0" cy="0"/>
+          <a:chOff x="0" y="0"/>
+          <a:chExt cx="0" cy="0"/>
+        </a:xfrm>
+      </p:grpSpPr>
+      <p:sp>
+        <p:nvSpPr>
+          <p:cNvPr id="2" name="Title 1"/>
+          <p:cNvSpPr>
+            <a:spLocks noGrp="1"/>
+          </p:cNvSpPr>
+          <p:nvPr>
+            <p:ph type="title"/>
+          </p:nvPr>
+        </p:nvSpPr>
+        <p:spPr/>
+        <p:txBody>
+          <a:bodyPr/>
+          <a:lstStyle/>
+          <a:p>
+            <a:r>
+              <a:rPr lang="sv-SE" sz="14400" dirty="0" smtClean="0"/>
+              <a:t>Data</a:t>
+            </a:r>
+            <a:endParaRPr lang="en-GB" sz="14400" dirty="0"/>
+          </a:p>
+        </p:txBody>
+      </p:sp>
+      <p:sp>
+        <p:nvSpPr>
+          <p:cNvPr id="3" name="Content Placeholder 2"/>
+          <p:cNvSpPr>
+            <a:spLocks noGrp="1"/>
+          </p:cNvSpPr>
+          <p:nvPr>
+            <p:ph idx="1"/>
+          </p:nvPr>
+        </p:nvSpPr>
         <p:spPr>
           <a:xfrm>
             <a:off x="7126661" y="4031829"/>
@@ -5324,27 +6418,7 @@
           <a:p>
             <a:r>
               <a:rPr lang="sv-SE" dirty="0" smtClean="0"/>
-              <a:t>Three</a:t>
-            </a:r>
-            <a:r>
-              <a:rPr lang="sv-SE" dirty="0" smtClean="0"/>
-              <a:t> </a:t>
-            </a:r>
-            <a:r>
-              <a:rPr lang="sv-SE" dirty="0" smtClean="0"/>
-              <a:t>healthy </a:t>
-            </a:r>
-            <a:r>
-              <a:rPr lang="sv-SE" dirty="0" smtClean="0"/>
-              <a:t>patients, three </a:t>
-            </a:r>
-            <a:r>
-              <a:rPr lang="sv-SE" dirty="0" smtClean="0"/>
-              <a:t>with </a:t>
-            </a:r>
-            <a:r>
-              <a:rPr lang="sv-SE" dirty="0" smtClean="0"/>
-              <a:t>cancer</a:t>
+              <a:t>Three healthy patients, three with cancer</a:t>
             </a:r>
           </a:p>
           <a:p>
@@ -6036,7 +7110,7 @@
 </p:sld>
 </file>
 
-<file path=ppt/slides/slide4.xml><?xml version="1.0" encoding="utf-8"?>
+<file path=ppt/slides/slide5.xml><?xml version="1.0" encoding="utf-8"?>
 <p:sld xmlns:a="http://schemas.openxmlformats.org/drawingml/2006/main" xmlns:r="http://schemas.openxmlformats.org/officeDocument/2006/relationships" xmlns:p="http://schemas.openxmlformats.org/presentationml/2006/main">
   <p:cSld>
     <p:spTree>
@@ -6069,14 +7143,10 @@
           <a:lstStyle/>
           <a:p>
             <a:r>
-              <a:rPr lang="sv-SE" smtClean="0"/>
-              <a:t>Model 1: </a:t>
-            </a:r>
-            <a:r>
-              <a:rPr lang="sv-SE" dirty="0" smtClean="0"/>
-              <a:t>Juefei-Xu et al.</a:t>
-            </a:r>
-            <a:endParaRPr lang="en-GB" dirty="0"/>
+              <a:rPr lang="sv-SE" sz="14400" dirty="0" smtClean="0"/>
+              <a:t>Model 1: Juefei-Xu et al.</a:t>
+            </a:r>
+            <a:endParaRPr lang="en-GB" sz="14400" dirty="0"/>
           </a:p>
         </p:txBody>
       </p:sp>
@@ -6837,8 +7907,8 @@
           </a:p>
         </p:txBody>
       </p:sp>
-      <mc:AlternateContent xmlns:mc="http://schemas.openxmlformats.org/markup-compatibility/2006">
-        <mc:Choice xmlns:a14="http://schemas.microsoft.com/office/drawing/2010/main" Requires="a14">
+      <mc:AlternateContent xmlns:mc="http://schemas.openxmlformats.org/markup-compatibility/2006" xmlns:a14="http://schemas.microsoft.com/office/drawing/2010/main">
+        <mc:Choice Requires="a14">
           <p:sp>
             <p:nvSpPr>
               <p:cNvPr id="14" name="TextBox 13"/>
@@ -6861,6 +7931,7 @@
               </a:bodyPr>
               <a:lstStyle/>
               <a:p>
+                <a:pPr/>
                 <a14:m>
                   <m:oMathPara xmlns:m="http://schemas.openxmlformats.org/officeDocument/2006/math">
                     <m:oMathParaPr>
@@ -6900,7 +7971,7 @@
             </p:txBody>
           </p:sp>
         </mc:Choice>
-        <mc:Fallback>
+        <mc:Fallback xmlns="">
           <p:sp>
             <p:nvSpPr>
               <p:cNvPr id="14" name="TextBox 13"/>
@@ -6939,8 +8010,8 @@
           </p:sp>
         </mc:Fallback>
       </mc:AlternateContent>
-      <mc:AlternateContent xmlns:mc="http://schemas.openxmlformats.org/markup-compatibility/2006">
-        <mc:Choice xmlns:a14="http://schemas.microsoft.com/office/drawing/2010/main" Requires="a14">
+      <mc:AlternateContent xmlns:mc="http://schemas.openxmlformats.org/markup-compatibility/2006" xmlns:a14="http://schemas.microsoft.com/office/drawing/2010/main">
+        <mc:Choice Requires="a14">
           <p:sp>
             <p:nvSpPr>
               <p:cNvPr id="15" name="TextBox 14"/>
@@ -6963,6 +8034,7 @@
               </a:bodyPr>
               <a:lstStyle/>
               <a:p>
+                <a:pPr/>
                 <a14:m>
                   <m:oMathPara xmlns:m="http://schemas.openxmlformats.org/officeDocument/2006/math">
                     <m:oMathParaPr>
@@ -7002,7 +8074,7 @@
             </p:txBody>
           </p:sp>
         </mc:Choice>
-        <mc:Fallback>
+        <mc:Fallback xmlns="">
           <p:sp>
             <p:nvSpPr>
               <p:cNvPr id="15" name="TextBox 14"/>
@@ -7041,8 +8113,8 @@
           </p:sp>
         </mc:Fallback>
       </mc:AlternateContent>
-      <mc:AlternateContent xmlns:mc="http://schemas.openxmlformats.org/markup-compatibility/2006">
-        <mc:Choice xmlns:a14="http://schemas.microsoft.com/office/drawing/2010/main" Requires="a14">
+      <mc:AlternateContent xmlns:mc="http://schemas.openxmlformats.org/markup-compatibility/2006" xmlns:a14="http://schemas.microsoft.com/office/drawing/2010/main">
+        <mc:Choice Requires="a14">
           <p:sp>
             <p:nvSpPr>
               <p:cNvPr id="16" name="TextBox 15"/>
@@ -7065,6 +8137,7 @@
               </a:bodyPr>
               <a:lstStyle/>
               <a:p>
+                <a:pPr/>
                 <a14:m>
                   <m:oMathPara xmlns:m="http://schemas.openxmlformats.org/officeDocument/2006/math">
                     <m:oMathParaPr>
@@ -7104,7 +8177,7 @@
             </p:txBody>
           </p:sp>
         </mc:Choice>
-        <mc:Fallback>
+        <mc:Fallback xmlns="">
           <p:sp>
             <p:nvSpPr>
               <p:cNvPr id="16" name="TextBox 15"/>
@@ -7256,7 +8329,7 @@
 </p:sld>
 </file>
 
-<file path=ppt/slides/slide5.xml><?xml version="1.0" encoding="utf-8"?>
+<file path=ppt/slides/slide6.xml><?xml version="1.0" encoding="utf-8"?>
 <p:sld xmlns:a="http://schemas.openxmlformats.org/drawingml/2006/main" xmlns:r="http://schemas.openxmlformats.org/officeDocument/2006/relationships" xmlns:p="http://schemas.openxmlformats.org/presentationml/2006/main">
   <p:cSld>
     <p:spTree>
@@ -7289,10 +8362,18 @@
           <a:lstStyle/>
           <a:p>
             <a:r>
-              <a:rPr lang="sv-SE" dirty="0" smtClean="0"/>
-              <a:t>Model 1: Lei Li et al.</a:t>
-            </a:r>
-            <a:endParaRPr lang="en-GB" dirty="0"/>
+              <a:rPr lang="sv-SE" sz="14400" smtClean="0"/>
+              <a:t>Model </a:t>
+            </a:r>
+            <a:r>
+              <a:rPr lang="sv-SE" sz="14400" smtClean="0"/>
+              <a:t>3: </a:t>
+            </a:r>
+            <a:r>
+              <a:rPr lang="sv-SE" sz="14400" dirty="0" smtClean="0"/>
+              <a:t>Lei Li et al.</a:t>
+            </a:r>
+            <a:endParaRPr lang="en-GB" sz="14400" dirty="0"/>
           </a:p>
         </p:txBody>
       </p:sp>

--- a/presentation.pptx
+++ b/presentation.pptx
@@ -6270,60 +6270,424 @@
           </a:p>
         </p:txBody>
       </p:sp>
-      <p:sp>
-        <p:nvSpPr>
-          <p:cNvPr id="18" name="TextBox 17"/>
-          <p:cNvSpPr txBox="1"/>
-          <p:nvPr/>
-        </p:nvSpPr>
-        <p:spPr>
-          <a:xfrm>
-            <a:off x="19440029" y="10368533"/>
-            <a:ext cx="12745416" cy="4278094"/>
-          </a:xfrm>
-          <a:prstGeom prst="rect">
-            <a:avLst/>
-          </a:prstGeom>
-          <a:noFill/>
-        </p:spPr>
-        <p:txBody>
-          <a:bodyPr wrap="square" rtlCol="0">
-            <a:spAutoFit/>
-          </a:bodyPr>
-          <a:lstStyle/>
-          <a:p>
-            <a:pPr marL="857250" indent="-857250">
-              <a:buFont typeface="Arial" panose="020B0604020202020204" pitchFamily="34" charset="0"/>
-              <a:buChar char="•"/>
-            </a:pPr>
-            <a:r>
-              <a:rPr lang="sv-SE" sz="8000" dirty="0" smtClean="0"/>
-              <a:t>P uniformly spaced points</a:t>
-            </a:r>
-          </a:p>
-          <a:p>
-            <a:pPr marL="857250" indent="-857250">
-              <a:buFont typeface="Arial" panose="020B0604020202020204" pitchFamily="34" charset="0"/>
-              <a:buChar char="•"/>
-            </a:pPr>
-            <a:r>
-              <a:rPr lang="sv-SE" sz="8000" dirty="0" smtClean="0"/>
-              <a:t>Center pixel – threshold</a:t>
-            </a:r>
-          </a:p>
-          <a:p>
-            <a:pPr marL="857250" indent="-857250">
-              <a:buFont typeface="Arial" panose="020B0604020202020204" pitchFamily="34" charset="0"/>
-              <a:buChar char="•"/>
-            </a:pPr>
-            <a:r>
-              <a:rPr lang="sv-SE" sz="8000" dirty="0" smtClean="0"/>
-              <a:t>Generates binary string</a:t>
-            </a:r>
-            <a:endParaRPr lang="en-GB" sz="8000" dirty="0"/>
-          </a:p>
-        </p:txBody>
-      </p:sp>
+      <mc:AlternateContent xmlns:mc="http://schemas.openxmlformats.org/markup-compatibility/2006">
+        <mc:Choice xmlns:a14="http://schemas.microsoft.com/office/drawing/2010/main" Requires="a14">
+          <p:sp>
+            <p:nvSpPr>
+              <p:cNvPr id="18" name="TextBox 17"/>
+              <p:cNvSpPr txBox="1"/>
+              <p:nvPr/>
+            </p:nvSpPr>
+            <p:spPr>
+              <a:xfrm>
+                <a:off x="19440029" y="9288413"/>
+                <a:ext cx="14833648" cy="13594875"/>
+              </a:xfrm>
+              <a:prstGeom prst="rect">
+                <a:avLst/>
+              </a:prstGeom>
+              <a:noFill/>
+            </p:spPr>
+            <p:txBody>
+              <a:bodyPr wrap="square" rtlCol="0">
+                <a:spAutoFit/>
+              </a:bodyPr>
+              <a:lstStyle/>
+              <a:p>
+                <a:pPr marL="857250" indent="-857250">
+                  <a:buFont typeface="Arial" panose="020B0604020202020204" pitchFamily="34" charset="0"/>
+                  <a:buChar char="•"/>
+                </a:pPr>
+                <a:r>
+                  <a:rPr lang="sv-SE" sz="8000" dirty="0" smtClean="0"/>
+                  <a:t>P uniformly spaced points</a:t>
+                </a:r>
+              </a:p>
+              <a:p>
+                <a:pPr marL="857250" indent="-857250">
+                  <a:buFont typeface="Arial" panose="020B0604020202020204" pitchFamily="34" charset="0"/>
+                  <a:buChar char="•"/>
+                </a:pPr>
+                <a:r>
+                  <a:rPr lang="sv-SE" sz="8000" dirty="0" smtClean="0"/>
+                  <a:t>Center pixel – threshold</a:t>
+                </a:r>
+              </a:p>
+              <a:p>
+                <a:pPr marL="857250" indent="-857250">
+                  <a:buFont typeface="Arial" panose="020B0604020202020204" pitchFamily="34" charset="0"/>
+                  <a:buChar char="•"/>
+                </a:pPr>
+                <a:r>
+                  <a:rPr lang="sv-SE" sz="8000" dirty="0" smtClean="0"/>
+                  <a:t>Generates binary string</a:t>
+                </a:r>
+              </a:p>
+              <a:p>
+                <a:pPr marL="857250" indent="-857250">
+                  <a:buFont typeface="Arial" panose="020B0604020202020204" pitchFamily="34" charset="0"/>
+                  <a:buChar char="•"/>
+                </a:pPr>
+                <a:r>
+                  <a:rPr lang="sv-SE" sz="8000" dirty="0" smtClean="0"/>
+                  <a:t>Encoding:</a:t>
+                </a:r>
+              </a:p>
+              <a:p>
+                <a:r>
+                  <a:rPr lang="sv-SE" sz="1000" dirty="0" smtClean="0"/>
+                  <a:t>	</a:t>
+                </a:r>
+              </a:p>
+              <a:p>
+                <a:r>
+                  <a:rPr lang="sv-SE" sz="8000" dirty="0" smtClean="0"/>
+                  <a:t> </a:t>
+                </a:r>
+                <a14:m>
+                  <m:oMath xmlns:m="http://schemas.openxmlformats.org/officeDocument/2006/math">
+                    <m:sSub>
+                      <m:sSubPr>
+                        <m:ctrlPr>
+                          <a:rPr lang="sv-SE" sz="8000" b="0" i="1" smtClean="0">
+                            <a:latin typeface="Cambria Math"/>
+                          </a:rPr>
+                        </m:ctrlPr>
+                      </m:sSubPr>
+                      <m:e>
+                        <m:r>
+                          <a:rPr lang="sv-SE" sz="8000" i="1">
+                            <a:latin typeface="Cambria Math"/>
+                          </a:rPr>
+                          <m:t>𝐿𝐵𝑃</m:t>
+                        </m:r>
+                      </m:e>
+                      <m:sub>
+                        <m:r>
+                          <a:rPr lang="sv-SE" sz="8000" b="0" i="1" smtClean="0">
+                            <a:latin typeface="Cambria Math"/>
+                          </a:rPr>
+                          <m:t>𝑃</m:t>
+                        </m:r>
+                        <m:r>
+                          <a:rPr lang="sv-SE" sz="8000" b="0" i="1" smtClean="0">
+                            <a:latin typeface="Cambria Math"/>
+                          </a:rPr>
+                          <m:t>,</m:t>
+                        </m:r>
+                        <m:r>
+                          <a:rPr lang="sv-SE" sz="8000" b="0" i="1" smtClean="0">
+                            <a:latin typeface="Cambria Math"/>
+                          </a:rPr>
+                          <m:t>𝑅</m:t>
+                        </m:r>
+                      </m:sub>
+                    </m:sSub>
+                    <m:r>
+                      <a:rPr lang="sv-SE" sz="8000" b="0" i="1" smtClean="0">
+                        <a:latin typeface="Cambria Math"/>
+                      </a:rPr>
+                      <m:t>= </m:t>
+                    </m:r>
+                    <m:nary>
+                      <m:naryPr>
+                        <m:chr m:val="∑"/>
+                        <m:ctrlPr>
+                          <a:rPr lang="sv-SE" sz="8000" b="0" i="1" smtClean="0">
+                            <a:latin typeface="Cambria Math"/>
+                          </a:rPr>
+                        </m:ctrlPr>
+                      </m:naryPr>
+                      <m:sub>
+                        <m:r>
+                          <m:rPr>
+                            <m:brk m:alnAt="23"/>
+                          </m:rPr>
+                          <a:rPr lang="sv-SE" sz="8000" b="0" i="1" smtClean="0">
+                            <a:latin typeface="Cambria Math"/>
+                          </a:rPr>
+                          <m:t>𝑝</m:t>
+                        </m:r>
+                        <m:r>
+                          <a:rPr lang="sv-SE" sz="8000" b="0" i="1" smtClean="0">
+                            <a:latin typeface="Cambria Math"/>
+                          </a:rPr>
+                          <m:t>=0</m:t>
+                        </m:r>
+                      </m:sub>
+                      <m:sup>
+                        <m:r>
+                          <a:rPr lang="sv-SE" sz="8000" b="0" i="1" smtClean="0">
+                            <a:latin typeface="Cambria Math"/>
+                          </a:rPr>
+                          <m:t>𝑃</m:t>
+                        </m:r>
+                        <m:r>
+                          <a:rPr lang="sv-SE" sz="8000" b="0" i="1" smtClean="0">
+                            <a:latin typeface="Cambria Math"/>
+                          </a:rPr>
+                          <m:t>−1</m:t>
+                        </m:r>
+                      </m:sup>
+                      <m:e>
+                        <m:r>
+                          <a:rPr lang="sv-SE" sz="8000" b="0" i="1" smtClean="0">
+                            <a:latin typeface="Cambria Math"/>
+                          </a:rPr>
+                          <m:t> </m:t>
+                        </m:r>
+                        <m:r>
+                          <a:rPr lang="sv-SE" sz="8000" b="0" i="1" smtClean="0">
+                            <a:latin typeface="Cambria Math"/>
+                          </a:rPr>
+                          <m:t>𝑠</m:t>
+                        </m:r>
+                        <m:r>
+                          <a:rPr lang="sv-SE" sz="8000" b="0" i="1" smtClean="0">
+                            <a:latin typeface="Cambria Math"/>
+                          </a:rPr>
+                          <m:t>(</m:t>
+                        </m:r>
+                        <m:sSub>
+                          <m:sSubPr>
+                            <m:ctrlPr>
+                              <a:rPr lang="sv-SE" sz="8000" b="0" i="1" smtClean="0">
+                                <a:latin typeface="Cambria Math"/>
+                              </a:rPr>
+                            </m:ctrlPr>
+                          </m:sSubPr>
+                          <m:e>
+                            <m:r>
+                              <a:rPr lang="sv-SE" sz="8000" b="0" i="1" smtClean="0">
+                                <a:latin typeface="Cambria Math"/>
+                              </a:rPr>
+                              <m:t>𝑔</m:t>
+                            </m:r>
+                          </m:e>
+                          <m:sub>
+                            <m:r>
+                              <a:rPr lang="sv-SE" sz="8000" b="0" i="1" smtClean="0">
+                                <a:latin typeface="Cambria Math"/>
+                              </a:rPr>
+                              <m:t>𝑝</m:t>
+                            </m:r>
+                          </m:sub>
+                        </m:sSub>
+                        <m:r>
+                          <a:rPr lang="sv-SE" sz="8000" b="0" i="1" smtClean="0">
+                            <a:latin typeface="Cambria Math"/>
+                          </a:rPr>
+                          <m:t>−</m:t>
+                        </m:r>
+                        <m:sSub>
+                          <m:sSubPr>
+                            <m:ctrlPr>
+                              <a:rPr lang="sv-SE" sz="8000" b="0" i="1" smtClean="0">
+                                <a:latin typeface="Cambria Math"/>
+                              </a:rPr>
+                            </m:ctrlPr>
+                          </m:sSubPr>
+                          <m:e>
+                            <m:r>
+                              <a:rPr lang="sv-SE" sz="8000" b="0" i="1" smtClean="0">
+                                <a:latin typeface="Cambria Math"/>
+                              </a:rPr>
+                              <m:t>𝑔</m:t>
+                            </m:r>
+                          </m:e>
+                          <m:sub>
+                            <m:r>
+                              <a:rPr lang="sv-SE" sz="8000" b="0" i="1" smtClean="0">
+                                <a:latin typeface="Cambria Math"/>
+                              </a:rPr>
+                              <m:t>𝑐</m:t>
+                            </m:r>
+                          </m:sub>
+                        </m:sSub>
+                        <m:r>
+                          <a:rPr lang="sv-SE" sz="8000" b="0" i="1" smtClean="0">
+                            <a:latin typeface="Cambria Math"/>
+                          </a:rPr>
+                          <m:t>)</m:t>
+                        </m:r>
+                        <m:sSup>
+                          <m:sSupPr>
+                            <m:ctrlPr>
+                              <a:rPr lang="sv-SE" sz="8000" b="0" i="1" smtClean="0">
+                                <a:latin typeface="Cambria Math"/>
+                              </a:rPr>
+                            </m:ctrlPr>
+                          </m:sSupPr>
+                          <m:e>
+                            <m:r>
+                              <a:rPr lang="sv-SE" sz="8000" b="0" i="1" smtClean="0">
+                                <a:latin typeface="Cambria Math"/>
+                              </a:rPr>
+                              <m:t>2</m:t>
+                            </m:r>
+                          </m:e>
+                          <m:sup>
+                            <m:r>
+                              <a:rPr lang="sv-SE" sz="8000" b="0" i="1" smtClean="0">
+                                <a:latin typeface="Cambria Math"/>
+                              </a:rPr>
+                              <m:t>𝑝</m:t>
+                            </m:r>
+                          </m:sup>
+                        </m:sSup>
+                      </m:e>
+                    </m:nary>
+                  </m:oMath>
+                </a14:m>
+                <a:endParaRPr lang="sv-SE" sz="8000" b="0" dirty="0" smtClean="0"/>
+              </a:p>
+              <a:p>
+                <a:endParaRPr lang="sv-SE" sz="2400" dirty="0" smtClean="0"/>
+              </a:p>
+              <a:p>
+                <a:r>
+                  <a:rPr lang="sv-SE" sz="5400" dirty="0" smtClean="0"/>
+                  <a:t>P = Number of points</a:t>
+                </a:r>
+              </a:p>
+              <a:p>
+                <a:r>
+                  <a:rPr lang="sv-SE" sz="5400" dirty="0" smtClean="0"/>
+                  <a:t>R= Radius</a:t>
+                </a:r>
+              </a:p>
+              <a:p>
+                <a:r>
+                  <a:rPr lang="sv-SE" sz="5400" dirty="0" smtClean="0"/>
+                  <a:t>S = binary thresholding function</a:t>
+                </a:r>
+              </a:p>
+              <a:p>
+                <a:pPr/>
+                <a14:m>
+                  <m:oMath xmlns:m="http://schemas.openxmlformats.org/officeDocument/2006/math">
+                    <m:sSub>
+                      <m:sSubPr>
+                        <m:ctrlPr>
+                          <a:rPr lang="sv-SE" sz="5400" i="1" smtClean="0">
+                            <a:latin typeface="Cambria Math"/>
+                          </a:rPr>
+                        </m:ctrlPr>
+                      </m:sSubPr>
+                      <m:e>
+                        <m:r>
+                          <a:rPr lang="sv-SE" sz="5400" b="0" i="1" smtClean="0">
+                            <a:latin typeface="Cambria Math"/>
+                          </a:rPr>
+                          <m:t>𝑔</m:t>
+                        </m:r>
+                      </m:e>
+                      <m:sub>
+                        <m:r>
+                          <a:rPr lang="sv-SE" sz="5400" b="0" i="1" smtClean="0">
+                            <a:latin typeface="Cambria Math"/>
+                          </a:rPr>
+                          <m:t>𝑝</m:t>
+                        </m:r>
+                        <m:r>
+                          <a:rPr lang="sv-SE" sz="5400" b="0" i="1" smtClean="0">
+                            <a:latin typeface="Cambria Math"/>
+                          </a:rPr>
+                          <m:t> </m:t>
+                        </m:r>
+                      </m:sub>
+                    </m:sSub>
+                    <m:r>
+                      <a:rPr lang="sv-SE" sz="5400" b="0" i="1" smtClean="0">
+                        <a:latin typeface="Cambria Math"/>
+                      </a:rPr>
+                      <m:t>, </m:t>
+                    </m:r>
+                    <m:sSub>
+                      <m:sSubPr>
+                        <m:ctrlPr>
+                          <a:rPr lang="sv-SE" sz="5400" b="0" i="1" smtClean="0">
+                            <a:latin typeface="Cambria Math"/>
+                          </a:rPr>
+                        </m:ctrlPr>
+                      </m:sSubPr>
+                      <m:e>
+                        <m:r>
+                          <a:rPr lang="sv-SE" sz="5400" b="0" i="1" smtClean="0">
+                            <a:latin typeface="Cambria Math"/>
+                          </a:rPr>
+                          <m:t>𝑔</m:t>
+                        </m:r>
+                      </m:e>
+                      <m:sub>
+                        <m:r>
+                          <a:rPr lang="sv-SE" sz="5400" b="0" i="1" smtClean="0">
+                            <a:latin typeface="Cambria Math"/>
+                          </a:rPr>
+                          <m:t>𝑐</m:t>
+                        </m:r>
+                      </m:sub>
+                    </m:sSub>
+                  </m:oMath>
+                </a14:m>
+                <a:r>
+                  <a:rPr lang="sv-SE" sz="5400" dirty="0" smtClean="0"/>
+                  <a:t> = intensity values</a:t>
+                </a:r>
+              </a:p>
+              <a:p>
+                <a:r>
+                  <a:rPr lang="sv-SE" sz="8000" dirty="0"/>
+                  <a:t> </a:t>
+                </a:r>
+                <a:r>
+                  <a:rPr lang="sv-SE" sz="8000" dirty="0" smtClean="0"/>
+                  <a:t> </a:t>
+                </a:r>
+                <a:endParaRPr lang="en-GB" sz="8000" dirty="0"/>
+              </a:p>
+            </p:txBody>
+          </p:sp>
+        </mc:Choice>
+        <mc:Fallback>
+          <p:sp>
+            <p:nvSpPr>
+              <p:cNvPr id="18" name="TextBox 17"/>
+              <p:cNvSpPr txBox="1">
+                <a:spLocks noRot="1" noChangeAspect="1" noMove="1" noResize="1" noEditPoints="1" noAdjustHandles="1" noChangeArrowheads="1" noChangeShapeType="1" noTextEdit="1"/>
+              </p:cNvSpPr>
+              <p:nvPr/>
+            </p:nvSpPr>
+            <p:spPr>
+              <a:xfrm>
+                <a:off x="19440029" y="9288413"/>
+                <a:ext cx="14833648" cy="13594875"/>
+              </a:xfrm>
+              <a:prstGeom prst="rect">
+                <a:avLst/>
+              </a:prstGeom>
+              <a:blipFill rotWithShape="1">
+                <a:blip r:embed="rId2"/>
+                <a:stretch>
+                  <a:fillRect l="-3247" t="-1928"/>
+                </a:stretch>
+              </a:blipFill>
+            </p:spPr>
+            <p:txBody>
+              <a:bodyPr/>
+              <a:lstStyle/>
+              <a:p>
+                <a:r>
+                  <a:rPr lang="en-GB">
+                    <a:noFill/>
+                  </a:rPr>
+                  <a:t> </a:t>
+                </a:r>
+              </a:p>
+            </p:txBody>
+          </p:sp>
+        </mc:Fallback>
+      </mc:AlternateContent>
     </p:spTree>
     <p:extLst>
       <p:ext uri="{BB962C8B-B14F-4D97-AF65-F5344CB8AC3E}">
@@ -8362,11 +8726,11 @@
           <a:lstStyle/>
           <a:p>
             <a:r>
-              <a:rPr lang="sv-SE" sz="14400" smtClean="0"/>
+              <a:rPr lang="sv-SE" sz="14400" dirty="0" smtClean="0"/>
               <a:t>Model </a:t>
             </a:r>
             <a:r>
-              <a:rPr lang="sv-SE" sz="14400" smtClean="0"/>
+              <a:rPr lang="sv-SE" sz="14400" dirty="0" smtClean="0"/>
               <a:t>3: </a:t>
             </a:r>
             <a:r>

--- a/presentation.pptx
+++ b/presentation.pptx
@@ -5,10 +5,10 @@
     <p:sldMasterId id="2147483648" r:id="rId1"/>
   </p:sldMasterIdLst>
   <p:notesMasterIdLst>
-    <p:notesMasterId r:id="rId8"/>
+    <p:notesMasterId r:id="rId10"/>
   </p:notesMasterIdLst>
   <p:handoutMasterIdLst>
-    <p:handoutMasterId r:id="rId9"/>
+    <p:handoutMasterId r:id="rId11"/>
   </p:handoutMasterIdLst>
   <p:sldIdLst>
     <p:sldId id="256" r:id="rId2"/>
@@ -16,7 +16,9 @@
     <p:sldId id="263" r:id="rId4"/>
     <p:sldId id="262" r:id="rId5"/>
     <p:sldId id="260" r:id="rId6"/>
-    <p:sldId id="261" r:id="rId7"/>
+    <p:sldId id="265" r:id="rId7"/>
+    <p:sldId id="261" r:id="rId8"/>
+    <p:sldId id="264" r:id="rId9"/>
   </p:sldIdLst>
   <p:sldSz cx="35999738" cy="25201563"/>
   <p:notesSz cx="46342300" cy="46342300"/>
@@ -1312,7 +1314,7 @@
             <a:fld id="{E36643B1-9D94-4426-9F70-001B837290C8}" type="slidenum">
               <a:rPr lang="sv-SE" smtClean="0"/>
               <a:pPr/>
-              <a:t>6</a:t>
+              <a:t>7</a:t>
             </a:fld>
             <a:endParaRPr lang="sv-SE"/>
           </a:p>
@@ -7531,11 +7533,356 @@
           <a:p>
             <a:r>
               <a:rPr lang="sv-SE" sz="9200" dirty="0" smtClean="0"/>
-              <a:t>3x3 LBP filters</a:t>
-            </a:r>
-          </a:p>
-          <a:p>
-            <a:endParaRPr lang="en-GB" sz="9200" dirty="0"/>
+              <a:t>Idea: Fixed LBP inspired convolutional layers</a:t>
+            </a:r>
+          </a:p>
+          <a:p>
+            <a:r>
+              <a:rPr lang="sv-SE" sz="9200" dirty="0" smtClean="0"/>
+              <a:t>LBCCN Module</a:t>
+            </a:r>
+          </a:p>
+          <a:p>
+            <a:pPr marL="0" indent="0">
+              <a:buNone/>
+            </a:pPr>
+            <a:r>
+              <a:rPr lang="sv-SE" sz="9200" dirty="0" smtClean="0"/>
+              <a:t>	- 3x3 filter with randomly arranged values of 	  1 and -1</a:t>
+            </a:r>
+          </a:p>
+          <a:p>
+            <a:pPr marL="0" indent="0">
+              <a:buNone/>
+            </a:pPr>
+            <a:r>
+              <a:rPr lang="sv-SE" sz="9200" dirty="0"/>
+              <a:t>	</a:t>
+            </a:r>
+            <a:r>
+              <a:rPr lang="sv-SE" sz="9200" dirty="0" smtClean="0"/>
+              <a:t>- Sigmoid activation</a:t>
+            </a:r>
+          </a:p>
+          <a:p>
+            <a:pPr marL="0" indent="0">
+              <a:buNone/>
+            </a:pPr>
+            <a:r>
+              <a:rPr lang="sv-SE" sz="9200" dirty="0"/>
+              <a:t>	</a:t>
+            </a:r>
+            <a:r>
+              <a:rPr lang="sv-SE" sz="9200" dirty="0" smtClean="0"/>
+              <a:t>- Multiply feature map by constant (1x1 conv)</a:t>
+            </a:r>
+          </a:p>
+          <a:p>
+            <a:pPr marL="0" indent="0">
+              <a:buNone/>
+            </a:pPr>
+            <a:endParaRPr lang="sv-SE" sz="9200" dirty="0" smtClean="0"/>
+          </a:p>
+        </p:txBody>
+      </p:sp>
+    </p:spTree>
+    <p:extLst>
+      <p:ext uri="{BB962C8B-B14F-4D97-AF65-F5344CB8AC3E}">
+        <p14:creationId xmlns:p14="http://schemas.microsoft.com/office/powerpoint/2010/main" val="171060525"/>
+      </p:ext>
+    </p:extLst>
+  </p:cSld>
+  <p:clrMapOvr>
+    <a:masterClrMapping/>
+  </p:clrMapOvr>
+  <p:timing>
+    <p:tnLst>
+      <p:par>
+        <p:cTn id="1" dur="indefinite" restart="never" nodeType="tmRoot"/>
+      </p:par>
+    </p:tnLst>
+  </p:timing>
+</p:sld>
+</file>
+
+<file path=ppt/slides/slide6.xml><?xml version="1.0" encoding="utf-8"?>
+<p:sld xmlns:a="http://schemas.openxmlformats.org/drawingml/2006/main" xmlns:r="http://schemas.openxmlformats.org/officeDocument/2006/relationships" xmlns:p="http://schemas.openxmlformats.org/presentationml/2006/main">
+  <p:cSld>
+    <p:spTree>
+      <p:nvGrpSpPr>
+        <p:cNvPr id="1" name=""/>
+        <p:cNvGrpSpPr/>
+        <p:nvPr/>
+      </p:nvGrpSpPr>
+      <p:grpSpPr>
+        <a:xfrm>
+          <a:off x="0" y="0"/>
+          <a:ext cx="0" cy="0"/>
+          <a:chOff x="0" y="0"/>
+          <a:chExt cx="0" cy="0"/>
+        </a:xfrm>
+      </p:grpSpPr>
+      <p:sp>
+        <p:nvSpPr>
+          <p:cNvPr id="2" name="Title 1"/>
+          <p:cNvSpPr>
+            <a:spLocks noGrp="1"/>
+          </p:cNvSpPr>
+          <p:nvPr>
+            <p:ph type="title"/>
+          </p:nvPr>
+        </p:nvSpPr>
+        <p:spPr/>
+        <p:txBody>
+          <a:bodyPr/>
+          <a:lstStyle/>
+          <a:p>
+            <a:r>
+              <a:rPr lang="sv-SE" dirty="0" smtClean="0"/>
+              <a:t>Model 2: Marcos el al.</a:t>
+            </a:r>
+            <a:endParaRPr lang="en-GB" dirty="0"/>
+          </a:p>
+        </p:txBody>
+      </p:sp>
+      <p:sp>
+        <p:nvSpPr>
+          <p:cNvPr id="3" name="Content Placeholder 2"/>
+          <p:cNvSpPr>
+            <a:spLocks noGrp="1"/>
+          </p:cNvSpPr>
+          <p:nvPr>
+            <p:ph idx="1"/>
+          </p:nvPr>
+        </p:nvSpPr>
+        <p:spPr/>
+        <p:txBody>
+          <a:bodyPr/>
+          <a:lstStyle/>
+          <a:p>
+            <a:endParaRPr lang="en-GB"/>
+          </a:p>
+        </p:txBody>
+      </p:sp>
+    </p:spTree>
+    <p:extLst>
+      <p:ext uri="{BB962C8B-B14F-4D97-AF65-F5344CB8AC3E}">
+        <p14:creationId xmlns:p14="http://schemas.microsoft.com/office/powerpoint/2010/main" val="1695188074"/>
+      </p:ext>
+    </p:extLst>
+  </p:cSld>
+  <p:clrMapOvr>
+    <a:masterClrMapping/>
+  </p:clrMapOvr>
+</p:sld>
+</file>
+
+<file path=ppt/slides/slide7.xml><?xml version="1.0" encoding="utf-8"?>
+<p:sld xmlns:a="http://schemas.openxmlformats.org/drawingml/2006/main" xmlns:r="http://schemas.openxmlformats.org/officeDocument/2006/relationships" xmlns:p="http://schemas.openxmlformats.org/presentationml/2006/main">
+  <p:cSld>
+    <p:spTree>
+      <p:nvGrpSpPr>
+        <p:cNvPr id="1" name=""/>
+        <p:cNvGrpSpPr/>
+        <p:nvPr/>
+      </p:nvGrpSpPr>
+      <p:grpSpPr>
+        <a:xfrm>
+          <a:off x="0" y="0"/>
+          <a:ext cx="0" cy="0"/>
+          <a:chOff x="0" y="0"/>
+          <a:chExt cx="0" cy="0"/>
+        </a:xfrm>
+      </p:grpSpPr>
+      <p:sp>
+        <p:nvSpPr>
+          <p:cNvPr id="2" name="Title 1"/>
+          <p:cNvSpPr>
+            <a:spLocks noGrp="1"/>
+          </p:cNvSpPr>
+          <p:nvPr>
+            <p:ph type="title"/>
+          </p:nvPr>
+        </p:nvSpPr>
+        <p:spPr/>
+        <p:txBody>
+          <a:bodyPr/>
+          <a:lstStyle/>
+          <a:p>
+            <a:r>
+              <a:rPr lang="sv-SE" sz="14400" dirty="0" smtClean="0"/>
+              <a:t>Model </a:t>
+            </a:r>
+            <a:r>
+              <a:rPr lang="sv-SE" sz="14400" dirty="0" smtClean="0"/>
+              <a:t>3: </a:t>
+            </a:r>
+            <a:r>
+              <a:rPr lang="sv-SE" sz="14400" dirty="0" smtClean="0"/>
+              <a:t>Lei Li et al.</a:t>
+            </a:r>
+            <a:endParaRPr lang="en-GB" sz="14400" dirty="0"/>
+          </a:p>
+        </p:txBody>
+      </p:sp>
+      <p:sp>
+        <p:nvSpPr>
+          <p:cNvPr id="8" name="Content Placeholder 7"/>
+          <p:cNvSpPr>
+            <a:spLocks noGrp="1"/>
+          </p:cNvSpPr>
+          <p:nvPr>
+            <p:ph idx="1"/>
+          </p:nvPr>
+        </p:nvSpPr>
+        <p:spPr/>
+        <p:txBody>
+          <a:bodyPr/>
+          <a:lstStyle/>
+          <a:p>
+            <a:pPr marL="0" indent="0">
+              <a:buNone/>
+            </a:pPr>
+            <a:r>
+              <a:rPr lang="sv-SE" dirty="0" smtClean="0"/>
+              <a:t>Network comprised of four sequentially coupled modules</a:t>
+            </a:r>
+          </a:p>
+          <a:p>
+            <a:pPr marL="0" indent="0">
+              <a:buNone/>
+            </a:pPr>
+            <a:r>
+              <a:rPr lang="sv-SE" dirty="0"/>
+              <a:t>	</a:t>
+            </a:r>
+            <a:r>
+              <a:rPr lang="sv-SE" smtClean="0"/>
+              <a:t>- </a:t>
+            </a:r>
+            <a:r>
+              <a:rPr lang="sv-SE" smtClean="0"/>
+              <a:t>Convolutional </a:t>
+            </a:r>
+            <a:r>
+              <a:rPr lang="sv-SE" dirty="0" smtClean="0"/>
+              <a:t>Module</a:t>
+            </a:r>
+          </a:p>
+          <a:p>
+            <a:pPr marL="0" indent="0">
+              <a:buNone/>
+            </a:pPr>
+            <a:r>
+              <a:rPr lang="sv-SE" dirty="0"/>
+              <a:t>	</a:t>
+            </a:r>
+            <a:r>
+              <a:rPr lang="sv-SE" dirty="0" smtClean="0"/>
+              <a:t>- LBP Module</a:t>
+            </a:r>
+          </a:p>
+          <a:p>
+            <a:pPr marL="0" indent="0">
+              <a:buNone/>
+            </a:pPr>
+            <a:r>
+              <a:rPr lang="sv-SE" dirty="0"/>
+              <a:t>	</a:t>
+            </a:r>
+            <a:r>
+              <a:rPr lang="sv-SE" dirty="0" smtClean="0"/>
+              <a:t>- Gate Layer Module</a:t>
+            </a:r>
+          </a:p>
+          <a:p>
+            <a:pPr marL="0" indent="0">
+              <a:buNone/>
+            </a:pPr>
+            <a:r>
+              <a:rPr lang="sv-SE" dirty="0"/>
+              <a:t>	</a:t>
+            </a:r>
+            <a:r>
+              <a:rPr lang="sv-SE" dirty="0" smtClean="0"/>
+              <a:t>- Standard dense NN module</a:t>
+            </a:r>
+            <a:endParaRPr lang="en-GB" dirty="0"/>
+          </a:p>
+        </p:txBody>
+      </p:sp>
+    </p:spTree>
+    <p:extLst>
+      <p:ext uri="{BB962C8B-B14F-4D97-AF65-F5344CB8AC3E}">
+        <p14:creationId xmlns:p14="http://schemas.microsoft.com/office/powerpoint/2010/main" val="1007135063"/>
+      </p:ext>
+    </p:extLst>
+  </p:cSld>
+  <p:clrMapOvr>
+    <a:masterClrMapping/>
+  </p:clrMapOvr>
+  <p:timing>
+    <p:tnLst>
+      <p:par>
+        <p:cTn id="1" dur="indefinite" restart="never" nodeType="tmRoot"/>
+      </p:par>
+    </p:tnLst>
+  </p:timing>
+</p:sld>
+</file>
+
+<file path=ppt/slides/slide8.xml><?xml version="1.0" encoding="utf-8"?>
+<p:sld xmlns:a="http://schemas.openxmlformats.org/drawingml/2006/main" xmlns:r="http://schemas.openxmlformats.org/officeDocument/2006/relationships" xmlns:p="http://schemas.openxmlformats.org/presentationml/2006/main">
+  <p:cSld>
+    <p:spTree>
+      <p:nvGrpSpPr>
+        <p:cNvPr id="1" name=""/>
+        <p:cNvGrpSpPr/>
+        <p:nvPr/>
+      </p:nvGrpSpPr>
+      <p:grpSpPr>
+        <a:xfrm>
+          <a:off x="0" y="0"/>
+          <a:ext cx="0" cy="0"/>
+          <a:chOff x="0" y="0"/>
+          <a:chExt cx="0" cy="0"/>
+        </a:xfrm>
+      </p:grpSpPr>
+      <p:sp>
+        <p:nvSpPr>
+          <p:cNvPr id="2" name="Title 1"/>
+          <p:cNvSpPr>
+            <a:spLocks noGrp="1"/>
+          </p:cNvSpPr>
+          <p:nvPr>
+            <p:ph type="title"/>
+          </p:nvPr>
+        </p:nvSpPr>
+        <p:spPr/>
+        <p:txBody>
+          <a:bodyPr/>
+          <a:lstStyle/>
+          <a:p>
+            <a:endParaRPr lang="en-GB"/>
+          </a:p>
+        </p:txBody>
+      </p:sp>
+      <p:sp>
+        <p:nvSpPr>
+          <p:cNvPr id="3" name="Content Placeholder 2"/>
+          <p:cNvSpPr>
+            <a:spLocks noGrp="1"/>
+          </p:cNvSpPr>
+          <p:nvPr>
+            <p:ph idx="1"/>
+          </p:nvPr>
+        </p:nvSpPr>
+        <p:spPr/>
+        <p:txBody>
+          <a:bodyPr/>
+          <a:lstStyle/>
+          <a:p>
+            <a:endParaRPr lang="en-GB" dirty="0"/>
           </a:p>
         </p:txBody>
       </p:sp>
@@ -7548,7 +7895,7 @@
           <p:nvPr>
             <p:extLst>
               <p:ext uri="{D42A27DB-BD31-4B8C-83A1-F6EECF244321}">
-                <p14:modId xmlns:p14="http://schemas.microsoft.com/office/powerpoint/2010/main" val="2617114742"/>
+                <p14:modId xmlns:p14="http://schemas.microsoft.com/office/powerpoint/2010/main" val="561055387"/>
               </p:ext>
             </p:extLst>
           </p:nvPr>
@@ -7722,7 +8069,7 @@
           <p:nvPr>
             <p:extLst>
               <p:ext uri="{D42A27DB-BD31-4B8C-83A1-F6EECF244321}">
-                <p14:modId xmlns:p14="http://schemas.microsoft.com/office/powerpoint/2010/main" val="350322288"/>
+                <p14:modId xmlns:p14="http://schemas.microsoft.com/office/powerpoint/2010/main" val="4143720586"/>
               </p:ext>
             </p:extLst>
           </p:nvPr>
@@ -7926,7 +8273,7 @@
           <p:nvPr>
             <p:extLst>
               <p:ext uri="{D42A27DB-BD31-4B8C-83A1-F6EECF244321}">
-                <p14:modId xmlns:p14="http://schemas.microsoft.com/office/powerpoint/2010/main" val="1086045762"/>
+                <p14:modId xmlns:p14="http://schemas.microsoft.com/office/powerpoint/2010/main" val="1367738564"/>
               </p:ext>
             </p:extLst>
           </p:nvPr>
@@ -8093,7 +8440,7 @@
       </p:graphicFrame>
       <p:sp>
         <p:nvSpPr>
-          <p:cNvPr id="9" name="Down Arrow 8"/>
+          <p:cNvPr id="8" name="Down Arrow 7"/>
           <p:cNvSpPr/>
           <p:nvPr/>
         </p:nvSpPr>
@@ -8153,7 +8500,7 @@
       </p:sp>
       <p:sp>
         <p:nvSpPr>
-          <p:cNvPr id="10" name="Down Arrow 9"/>
+          <p:cNvPr id="9" name="Down Arrow 8"/>
           <p:cNvSpPr/>
           <p:nvPr/>
         </p:nvSpPr>
@@ -8213,7 +8560,7 @@
       </p:sp>
       <p:sp>
         <p:nvSpPr>
-          <p:cNvPr id="11" name="Down Arrow 10"/>
+          <p:cNvPr id="10" name="Down Arrow 9"/>
           <p:cNvSpPr/>
           <p:nvPr/>
         </p:nvSpPr>
@@ -8271,11 +8618,11 @@
           </a:p>
         </p:txBody>
       </p:sp>
-      <mc:AlternateContent xmlns:mc="http://schemas.openxmlformats.org/markup-compatibility/2006" xmlns:a14="http://schemas.microsoft.com/office/drawing/2010/main">
-        <mc:Choice Requires="a14">
+      <mc:AlternateContent xmlns:mc="http://schemas.openxmlformats.org/markup-compatibility/2006">
+        <mc:Choice xmlns:a14="http://schemas.microsoft.com/office/drawing/2010/main" Requires="a14">
           <p:sp>
             <p:nvSpPr>
-              <p:cNvPr id="14" name="TextBox 13"/>
+              <p:cNvPr id="11" name="TextBox 10"/>
               <p:cNvSpPr txBox="1"/>
               <p:nvPr/>
             </p:nvSpPr>
@@ -8335,10 +8682,10 @@
             </p:txBody>
           </p:sp>
         </mc:Choice>
-        <mc:Fallback xmlns="">
+        <mc:Fallback>
           <p:sp>
             <p:nvSpPr>
-              <p:cNvPr id="14" name="TextBox 13"/>
+              <p:cNvPr id="11" name="TextBox 10"/>
               <p:cNvSpPr txBox="1">
                 <a:spLocks noRot="1" noChangeAspect="1" noMove="1" noResize="1" noEditPoints="1" noAdjustHandles="1" noChangeArrowheads="1" noChangeShapeType="1" noTextEdit="1"/>
               </p:cNvSpPr>
@@ -8374,11 +8721,11 @@
           </p:sp>
         </mc:Fallback>
       </mc:AlternateContent>
-      <mc:AlternateContent xmlns:mc="http://schemas.openxmlformats.org/markup-compatibility/2006" xmlns:a14="http://schemas.microsoft.com/office/drawing/2010/main">
-        <mc:Choice Requires="a14">
+      <mc:AlternateContent xmlns:mc="http://schemas.openxmlformats.org/markup-compatibility/2006">
+        <mc:Choice xmlns:a14="http://schemas.microsoft.com/office/drawing/2010/main" Requires="a14">
           <p:sp>
             <p:nvSpPr>
-              <p:cNvPr id="15" name="TextBox 14"/>
+              <p:cNvPr id="12" name="TextBox 11"/>
               <p:cNvSpPr txBox="1"/>
               <p:nvPr/>
             </p:nvSpPr>
@@ -8438,10 +8785,10 @@
             </p:txBody>
           </p:sp>
         </mc:Choice>
-        <mc:Fallback xmlns="">
+        <mc:Fallback>
           <p:sp>
             <p:nvSpPr>
-              <p:cNvPr id="15" name="TextBox 14"/>
+              <p:cNvPr id="12" name="TextBox 11"/>
               <p:cNvSpPr txBox="1">
                 <a:spLocks noRot="1" noChangeAspect="1" noMove="1" noResize="1" noEditPoints="1" noAdjustHandles="1" noChangeArrowheads="1" noChangeShapeType="1" noTextEdit="1"/>
               </p:cNvSpPr>
@@ -8477,11 +8824,11 @@
           </p:sp>
         </mc:Fallback>
       </mc:AlternateContent>
-      <mc:AlternateContent xmlns:mc="http://schemas.openxmlformats.org/markup-compatibility/2006" xmlns:a14="http://schemas.microsoft.com/office/drawing/2010/main">
-        <mc:Choice Requires="a14">
+      <mc:AlternateContent xmlns:mc="http://schemas.openxmlformats.org/markup-compatibility/2006">
+        <mc:Choice xmlns:a14="http://schemas.microsoft.com/office/drawing/2010/main" Requires="a14">
           <p:sp>
             <p:nvSpPr>
-              <p:cNvPr id="16" name="TextBox 15"/>
+              <p:cNvPr id="13" name="TextBox 12"/>
               <p:cNvSpPr txBox="1"/>
               <p:nvPr/>
             </p:nvSpPr>
@@ -8541,10 +8888,10 @@
             </p:txBody>
           </p:sp>
         </mc:Choice>
-        <mc:Fallback xmlns="">
+        <mc:Fallback>
           <p:sp>
             <p:nvSpPr>
-              <p:cNvPr id="16" name="TextBox 15"/>
+              <p:cNvPr id="13" name="TextBox 12"/>
               <p:cNvSpPr txBox="1">
                 <a:spLocks noRot="1" noChangeAspect="1" noMove="1" noResize="1" noEditPoints="1" noAdjustHandles="1" noChangeArrowheads="1" noChangeShapeType="1" noTextEdit="1"/>
               </p:cNvSpPr>
@@ -8582,7 +8929,7 @@
       </mc:AlternateContent>
       <p:sp>
         <p:nvSpPr>
-          <p:cNvPr id="17" name="TextBox 16"/>
+          <p:cNvPr id="14" name="TextBox 13"/>
           <p:cNvSpPr txBox="1"/>
           <p:nvPr/>
         </p:nvSpPr>
@@ -8613,7 +8960,7 @@
       </p:sp>
       <p:sp>
         <p:nvSpPr>
-          <p:cNvPr id="18" name="TextBox 17"/>
+          <p:cNvPr id="15" name="TextBox 14"/>
           <p:cNvSpPr txBox="1"/>
           <p:nvPr/>
         </p:nvSpPr>
@@ -8644,7 +8991,7 @@
       </p:sp>
       <p:sp>
         <p:nvSpPr>
-          <p:cNvPr id="19" name="TextBox 18"/>
+          <p:cNvPr id="16" name="TextBox 15"/>
           <p:cNvSpPr txBox="1"/>
           <p:nvPr/>
         </p:nvSpPr>
@@ -8676,166 +9023,13 @@
     </p:spTree>
     <p:extLst>
       <p:ext uri="{BB962C8B-B14F-4D97-AF65-F5344CB8AC3E}">
-        <p14:creationId xmlns:p14="http://schemas.microsoft.com/office/powerpoint/2010/main" val="171060525"/>
+        <p14:creationId xmlns:p14="http://schemas.microsoft.com/office/powerpoint/2010/main" val="2647270106"/>
       </p:ext>
     </p:extLst>
   </p:cSld>
   <p:clrMapOvr>
     <a:masterClrMapping/>
   </p:clrMapOvr>
-  <p:timing>
-    <p:tnLst>
-      <p:par>
-        <p:cTn id="1" dur="indefinite" restart="never" nodeType="tmRoot"/>
-      </p:par>
-    </p:tnLst>
-  </p:timing>
-</p:sld>
-</file>
-
-<file path=ppt/slides/slide6.xml><?xml version="1.0" encoding="utf-8"?>
-<p:sld xmlns:a="http://schemas.openxmlformats.org/drawingml/2006/main" xmlns:r="http://schemas.openxmlformats.org/officeDocument/2006/relationships" xmlns:p="http://schemas.openxmlformats.org/presentationml/2006/main">
-  <p:cSld>
-    <p:spTree>
-      <p:nvGrpSpPr>
-        <p:cNvPr id="1" name=""/>
-        <p:cNvGrpSpPr/>
-        <p:nvPr/>
-      </p:nvGrpSpPr>
-      <p:grpSpPr>
-        <a:xfrm>
-          <a:off x="0" y="0"/>
-          <a:ext cx="0" cy="0"/>
-          <a:chOff x="0" y="0"/>
-          <a:chExt cx="0" cy="0"/>
-        </a:xfrm>
-      </p:grpSpPr>
-      <p:sp>
-        <p:nvSpPr>
-          <p:cNvPr id="2" name="Title 1"/>
-          <p:cNvSpPr>
-            <a:spLocks noGrp="1"/>
-          </p:cNvSpPr>
-          <p:nvPr>
-            <p:ph type="title"/>
-          </p:nvPr>
-        </p:nvSpPr>
-        <p:spPr/>
-        <p:txBody>
-          <a:bodyPr/>
-          <a:lstStyle/>
-          <a:p>
-            <a:r>
-              <a:rPr lang="sv-SE" sz="14400" dirty="0" smtClean="0"/>
-              <a:t>Model </a:t>
-            </a:r>
-            <a:r>
-              <a:rPr lang="sv-SE" sz="14400" dirty="0" smtClean="0"/>
-              <a:t>3: </a:t>
-            </a:r>
-            <a:r>
-              <a:rPr lang="sv-SE" sz="14400" dirty="0" smtClean="0"/>
-              <a:t>Lei Li et al.</a:t>
-            </a:r>
-            <a:endParaRPr lang="en-GB" sz="14400" dirty="0"/>
-          </a:p>
-        </p:txBody>
-      </p:sp>
-      <p:sp>
-        <p:nvSpPr>
-          <p:cNvPr id="8" name="Content Placeholder 7"/>
-          <p:cNvSpPr>
-            <a:spLocks noGrp="1"/>
-          </p:cNvSpPr>
-          <p:nvPr>
-            <p:ph idx="1"/>
-          </p:nvPr>
-        </p:nvSpPr>
-        <p:spPr/>
-        <p:txBody>
-          <a:bodyPr/>
-          <a:lstStyle/>
-          <a:p>
-            <a:pPr marL="0" indent="0">
-              <a:buNone/>
-            </a:pPr>
-            <a:r>
-              <a:rPr lang="sv-SE" dirty="0" smtClean="0"/>
-              <a:t>Network comprised of four sequentially coupled modules</a:t>
-            </a:r>
-          </a:p>
-          <a:p>
-            <a:pPr marL="0" indent="0">
-              <a:buNone/>
-            </a:pPr>
-            <a:r>
-              <a:rPr lang="sv-SE" dirty="0"/>
-              <a:t>	</a:t>
-            </a:r>
-            <a:r>
-              <a:rPr lang="sv-SE" dirty="0" smtClean="0"/>
-              <a:t>- Convoltutional Module</a:t>
-            </a:r>
-          </a:p>
-          <a:p>
-            <a:pPr marL="0" indent="0">
-              <a:buNone/>
-            </a:pPr>
-            <a:r>
-              <a:rPr lang="sv-SE" dirty="0"/>
-              <a:t>	</a:t>
-            </a:r>
-            <a:r>
-              <a:rPr lang="sv-SE" dirty="0" smtClean="0"/>
-              <a:t>- LBP Module</a:t>
-            </a:r>
-          </a:p>
-          <a:p>
-            <a:pPr marL="0" indent="0">
-              <a:buNone/>
-            </a:pPr>
-            <a:r>
-              <a:rPr lang="sv-SE" dirty="0"/>
-              <a:t>	</a:t>
-            </a:r>
-            <a:r>
-              <a:rPr lang="sv-SE" dirty="0" smtClean="0"/>
-              <a:t>- Gate Layer Module</a:t>
-            </a:r>
-          </a:p>
-          <a:p>
-            <a:pPr marL="0" indent="0">
-              <a:buNone/>
-            </a:pPr>
-            <a:r>
-              <a:rPr lang="sv-SE" dirty="0"/>
-              <a:t>	</a:t>
-            </a:r>
-            <a:r>
-              <a:rPr lang="sv-SE" dirty="0" smtClean="0"/>
-              <a:t>- Standard dense NN module</a:t>
-            </a:r>
-            <a:endParaRPr lang="en-GB" dirty="0"/>
-          </a:p>
-        </p:txBody>
-      </p:sp>
-    </p:spTree>
-    <p:extLst>
-      <p:ext uri="{BB962C8B-B14F-4D97-AF65-F5344CB8AC3E}">
-        <p14:creationId xmlns:p14="http://schemas.microsoft.com/office/powerpoint/2010/main" val="1007135063"/>
-      </p:ext>
-    </p:extLst>
-  </p:cSld>
-  <p:clrMapOvr>
-    <a:masterClrMapping/>
-  </p:clrMapOvr>
-  <p:timing>
-    <p:tnLst>
-      <p:par>
-        <p:cTn id="1" dur="indefinite" restart="never" nodeType="tmRoot"/>
-      </p:par>
-    </p:tnLst>
-  </p:timing>
 </p:sld>
 </file>
 

--- a/presentation.pptx
+++ b/presentation.pptx
@@ -16,8 +16,8 @@
     <p:sldId id="263" r:id="rId4"/>
     <p:sldId id="262" r:id="rId5"/>
     <p:sldId id="260" r:id="rId6"/>
-    <p:sldId id="265" r:id="rId7"/>
-    <p:sldId id="261" r:id="rId8"/>
+    <p:sldId id="261" r:id="rId7"/>
+    <p:sldId id="265" r:id="rId8"/>
     <p:sldId id="264" r:id="rId9"/>
   </p:sldIdLst>
   <p:sldSz cx="35999738" cy="25201563"/>
@@ -1314,7 +1314,7 @@
             <a:fld id="{E36643B1-9D94-4426-9F70-001B837290C8}" type="slidenum">
               <a:rPr lang="sv-SE" smtClean="0"/>
               <a:pPr/>
-              <a:t>7</a:t>
+              <a:t>6</a:t>
             </a:fld>
             <a:endParaRPr lang="sv-SE"/>
           </a:p>
@@ -5569,7 +5569,7 @@
                     <a:bodyPr/>
                     <a:lstStyle/>
                     <a:p>
-                      <a:endParaRPr lang="en-GB"/>
+                      <a:endParaRPr lang="en-GB" dirty="0"/>
                     </a:p>
                   </a:txBody>
                   <a:tcPr/>
@@ -5760,7 +5760,69 @@
             <a:avLst/>
           </a:prstGeom>
           <a:solidFill>
-            <a:schemeClr val="bg2"/>
+            <a:schemeClr val="tx1"/>
+          </a:solidFill>
+          <a:ln>
+            <a:solidFill>
+              <a:schemeClr val="tx1"/>
+            </a:solidFill>
+          </a:ln>
+          <a:effectLst/>
+          <a:extLst/>
+        </p:spPr>
+        <p:txBody>
+          <a:bodyPr vert="horz" wrap="square" lIns="457200" tIns="228600" rIns="457200" bIns="228600" numCol="1" rtlCol="0" anchor="t" anchorCtr="0" compatLnSpc="1">
+            <a:prstTxWarp prst="textNoShape">
+              <a:avLst/>
+            </a:prstTxWarp>
+          </a:bodyPr>
+          <a:lstStyle/>
+          <a:p>
+            <a:pPr marL="0" marR="0" indent="0" algn="l" defTabSz="914400" rtl="0" eaLnBrk="1" fontAlgn="base" latinLnBrk="0" hangingPunct="1">
+              <a:lnSpc>
+                <a:spcPct val="100000"/>
+              </a:lnSpc>
+              <a:spcBef>
+                <a:spcPct val="20000"/>
+              </a:spcBef>
+              <a:spcAft>
+                <a:spcPct val="0"/>
+              </a:spcAft>
+              <a:buClrTx/>
+              <a:buSzTx/>
+              <a:buFontTx/>
+              <a:buNone/>
+              <a:tabLst/>
+            </a:pPr>
+            <a:endParaRPr kumimoji="0" lang="en-GB" sz="4600" b="0" i="0" u="none" strike="noStrike" cap="none" normalizeH="0" baseline="0" smtClean="0">
+              <a:ln>
+                <a:noFill/>
+              </a:ln>
+              <a:solidFill>
+                <a:schemeClr val="tx1"/>
+              </a:solidFill>
+              <a:effectLst/>
+              <a:latin typeface="Arial" charset="0"/>
+            </a:endParaRPr>
+          </a:p>
+        </p:txBody>
+      </p:sp>
+      <p:sp>
+        <p:nvSpPr>
+          <p:cNvPr id="9" name="Oval 8"/>
+          <p:cNvSpPr/>
+          <p:nvPr/>
+        </p:nvSpPr>
+        <p:spPr bwMode="auto">
+          <a:xfrm>
+            <a:off x="12535783" y="18325417"/>
+            <a:ext cx="738082" cy="684076"/>
+          </a:xfrm>
+          <a:prstGeom prst="ellipse">
+            <a:avLst/>
+          </a:prstGeom>
+          <a:solidFill>
+            <a:schemeClr val="tx1"/>
           </a:solidFill>
           <a:ln>
             <a:solidFill>
@@ -5809,20 +5871,84 @@
       </p:sp>
       <p:sp>
         <p:nvSpPr>
-          <p:cNvPr id="9" name="Oval 8"/>
+          <p:cNvPr id="10" name="Oval 9"/>
           <p:cNvSpPr/>
           <p:nvPr/>
         </p:nvSpPr>
         <p:spPr bwMode="auto">
           <a:xfrm>
-            <a:off x="12535783" y="18325417"/>
+            <a:off x="16541707" y="14478204"/>
             <a:ext cx="738082" cy="684076"/>
           </a:xfrm>
           <a:prstGeom prst="ellipse">
             <a:avLst/>
           </a:prstGeom>
           <a:solidFill>
-            <a:schemeClr val="bg2"/>
+            <a:schemeClr val="bg1"/>
+          </a:solidFill>
+          <a:ln w="38100">
+            <a:solidFill>
+              <a:schemeClr val="tx1"/>
+            </a:solidFill>
+          </a:ln>
+          <a:effectLst/>
+          <a:extLst/>
+        </p:spPr>
+        <p:txBody>
+          <a:bodyPr vert="horz" wrap="square" lIns="457200" tIns="228600" rIns="457200" bIns="228600" numCol="1" rtlCol="0" anchor="t" anchorCtr="0" compatLnSpc="1">
+            <a:prstTxWarp prst="textNoShape">
+              <a:avLst/>
+            </a:prstTxWarp>
+          </a:bodyPr>
+          <a:lstStyle/>
+          <a:p>
+            <a:pPr marL="0" marR="0" indent="0" algn="l" defTabSz="914400" rtl="0" eaLnBrk="1" fontAlgn="base" latinLnBrk="0" hangingPunct="1">
+              <a:lnSpc>
+                <a:spcPct val="100000"/>
+              </a:lnSpc>
+              <a:spcBef>
+                <a:spcPct val="20000"/>
+              </a:spcBef>
+              <a:spcAft>
+                <a:spcPct val="0"/>
+              </a:spcAft>
+              <a:buClrTx/>
+              <a:buSzTx/>
+              <a:buFontTx/>
+              <a:buNone/>
+              <a:tabLst/>
+            </a:pPr>
+            <a:endParaRPr kumimoji="0" lang="en-GB" sz="4600" b="0" i="0" u="none" strike="noStrike" cap="none" normalizeH="0" baseline="0" smtClean="0">
+              <a:ln w="57150">
+                <a:solidFill>
+                  <a:schemeClr val="tx1"/>
+                </a:solidFill>
+              </a:ln>
+              <a:solidFill>
+                <a:schemeClr val="tx1"/>
+              </a:solidFill>
+              <a:effectLst/>
+              <a:latin typeface="Arial" charset="0"/>
+            </a:endParaRPr>
+          </a:p>
+        </p:txBody>
+      </p:sp>
+      <p:sp>
+        <p:nvSpPr>
+          <p:cNvPr id="11" name="Oval 10"/>
+          <p:cNvSpPr/>
+          <p:nvPr/>
+        </p:nvSpPr>
+        <p:spPr bwMode="auto">
+          <a:xfrm>
+            <a:off x="8566821" y="14472989"/>
+            <a:ext cx="738082" cy="684076"/>
+          </a:xfrm>
+          <a:prstGeom prst="ellipse">
+            <a:avLst/>
+          </a:prstGeom>
+          <a:solidFill>
+            <a:schemeClr val="tx1"/>
           </a:solidFill>
           <a:ln>
             <a:solidFill>
@@ -5871,20 +5997,20 @@
       </p:sp>
       <p:sp>
         <p:nvSpPr>
-          <p:cNvPr id="10" name="Oval 9"/>
+          <p:cNvPr id="12" name="Oval 11"/>
           <p:cNvSpPr/>
           <p:nvPr/>
         </p:nvSpPr>
         <p:spPr bwMode="auto">
           <a:xfrm>
-            <a:off x="16541707" y="14478204"/>
+            <a:off x="9718949" y="11808693"/>
             <a:ext cx="738082" cy="684076"/>
           </a:xfrm>
           <a:prstGeom prst="ellipse">
             <a:avLst/>
           </a:prstGeom>
           <a:solidFill>
-            <a:schemeClr val="bg2"/>
+            <a:schemeClr val="tx1"/>
           </a:solidFill>
           <a:ln>
             <a:solidFill>
@@ -5933,20 +6059,20 @@
       </p:sp>
       <p:sp>
         <p:nvSpPr>
-          <p:cNvPr id="11" name="Oval 10"/>
+          <p:cNvPr id="13" name="Oval 12"/>
           <p:cNvSpPr/>
           <p:nvPr/>
         </p:nvSpPr>
         <p:spPr bwMode="auto">
           <a:xfrm>
-            <a:off x="8566821" y="14472989"/>
+            <a:off x="15389579" y="11880701"/>
             <a:ext cx="738082" cy="684076"/>
           </a:xfrm>
           <a:prstGeom prst="ellipse">
             <a:avLst/>
           </a:prstGeom>
           <a:solidFill>
-            <a:schemeClr val="bg2"/>
+            <a:schemeClr val="tx1"/>
           </a:solidFill>
           <a:ln>
             <a:solidFill>
@@ -5995,20 +6121,20 @@
       </p:sp>
       <p:sp>
         <p:nvSpPr>
-          <p:cNvPr id="12" name="Oval 11"/>
+          <p:cNvPr id="14" name="Oval 13"/>
           <p:cNvSpPr/>
           <p:nvPr/>
         </p:nvSpPr>
         <p:spPr bwMode="auto">
           <a:xfrm>
-            <a:off x="9718949" y="11808693"/>
+            <a:off x="9628939" y="17137285"/>
             <a:ext cx="738082" cy="684076"/>
           </a:xfrm>
           <a:prstGeom prst="ellipse">
             <a:avLst/>
           </a:prstGeom>
           <a:solidFill>
-            <a:schemeClr val="bg2"/>
+            <a:schemeClr val="bg1"/>
           </a:solidFill>
           <a:ln>
             <a:solidFill>
@@ -6057,130 +6183,6 @@
       </p:sp>
       <p:sp>
         <p:nvSpPr>
-          <p:cNvPr id="13" name="Oval 12"/>
-          <p:cNvSpPr/>
-          <p:nvPr/>
-        </p:nvSpPr>
-        <p:spPr bwMode="auto">
-          <a:xfrm>
-            <a:off x="15389579" y="11880701"/>
-            <a:ext cx="738082" cy="684076"/>
-          </a:xfrm>
-          <a:prstGeom prst="ellipse">
-            <a:avLst/>
-          </a:prstGeom>
-          <a:solidFill>
-            <a:schemeClr val="bg2"/>
-          </a:solidFill>
-          <a:ln>
-            <a:solidFill>
-              <a:schemeClr val="tx1"/>
-            </a:solidFill>
-          </a:ln>
-          <a:effectLst/>
-          <a:extLst/>
-        </p:spPr>
-        <p:txBody>
-          <a:bodyPr vert="horz" wrap="square" lIns="457200" tIns="228600" rIns="457200" bIns="228600" numCol="1" rtlCol="0" anchor="t" anchorCtr="0" compatLnSpc="1">
-            <a:prstTxWarp prst="textNoShape">
-              <a:avLst/>
-            </a:prstTxWarp>
-          </a:bodyPr>
-          <a:lstStyle/>
-          <a:p>
-            <a:pPr marL="0" marR="0" indent="0" algn="l" defTabSz="914400" rtl="0" eaLnBrk="1" fontAlgn="base" latinLnBrk="0" hangingPunct="1">
-              <a:lnSpc>
-                <a:spcPct val="100000"/>
-              </a:lnSpc>
-              <a:spcBef>
-                <a:spcPct val="20000"/>
-              </a:spcBef>
-              <a:spcAft>
-                <a:spcPct val="0"/>
-              </a:spcAft>
-              <a:buClrTx/>
-              <a:buSzTx/>
-              <a:buFontTx/>
-              <a:buNone/>
-              <a:tabLst/>
-            </a:pPr>
-            <a:endParaRPr kumimoji="0" lang="en-GB" sz="4600" b="0" i="0" u="none" strike="noStrike" cap="none" normalizeH="0" baseline="0" smtClean="0">
-              <a:ln>
-                <a:noFill/>
-              </a:ln>
-              <a:solidFill>
-                <a:srgbClr val="000000"/>
-              </a:solidFill>
-              <a:effectLst/>
-              <a:latin typeface="Arial" charset="0"/>
-            </a:endParaRPr>
-          </a:p>
-        </p:txBody>
-      </p:sp>
-      <p:sp>
-        <p:nvSpPr>
-          <p:cNvPr id="14" name="Oval 13"/>
-          <p:cNvSpPr/>
-          <p:nvPr/>
-        </p:nvSpPr>
-        <p:spPr bwMode="auto">
-          <a:xfrm>
-            <a:off x="9628939" y="17137285"/>
-            <a:ext cx="738082" cy="684076"/>
-          </a:xfrm>
-          <a:prstGeom prst="ellipse">
-            <a:avLst/>
-          </a:prstGeom>
-          <a:solidFill>
-            <a:schemeClr val="bg2"/>
-          </a:solidFill>
-          <a:ln>
-            <a:solidFill>
-              <a:schemeClr val="tx1"/>
-            </a:solidFill>
-          </a:ln>
-          <a:effectLst/>
-          <a:extLst/>
-        </p:spPr>
-        <p:txBody>
-          <a:bodyPr vert="horz" wrap="square" lIns="457200" tIns="228600" rIns="457200" bIns="228600" numCol="1" rtlCol="0" anchor="t" anchorCtr="0" compatLnSpc="1">
-            <a:prstTxWarp prst="textNoShape">
-              <a:avLst/>
-            </a:prstTxWarp>
-          </a:bodyPr>
-          <a:lstStyle/>
-          <a:p>
-            <a:pPr marL="0" marR="0" indent="0" algn="l" defTabSz="914400" rtl="0" eaLnBrk="1" fontAlgn="base" latinLnBrk="0" hangingPunct="1">
-              <a:lnSpc>
-                <a:spcPct val="100000"/>
-              </a:lnSpc>
-              <a:spcBef>
-                <a:spcPct val="20000"/>
-              </a:spcBef>
-              <a:spcAft>
-                <a:spcPct val="0"/>
-              </a:spcAft>
-              <a:buClrTx/>
-              <a:buSzTx/>
-              <a:buFontTx/>
-              <a:buNone/>
-              <a:tabLst/>
-            </a:pPr>
-            <a:endParaRPr kumimoji="0" lang="en-GB" sz="4600" b="0" i="0" u="none" strike="noStrike" cap="none" normalizeH="0" baseline="0" smtClean="0">
-              <a:ln>
-                <a:noFill/>
-              </a:ln>
-              <a:solidFill>
-                <a:srgbClr val="000000"/>
-              </a:solidFill>
-              <a:effectLst/>
-              <a:latin typeface="Arial" charset="0"/>
-            </a:endParaRPr>
-          </a:p>
-        </p:txBody>
-      </p:sp>
-      <p:sp>
-        <p:nvSpPr>
           <p:cNvPr id="15" name="Oval 14"/>
           <p:cNvSpPr/>
           <p:nvPr/>
@@ -6194,7 +6196,7 @@
             <a:avLst/>
           </a:prstGeom>
           <a:solidFill>
-            <a:schemeClr val="bg2"/>
+            <a:schemeClr val="bg1"/>
           </a:solidFill>
           <a:ln>
             <a:solidFill>
@@ -6790,7 +6792,15 @@
           <a:p>
             <a:r>
               <a:rPr lang="sv-SE" dirty="0" smtClean="0"/>
-              <a:t>Ground truth on patient level, note cell level</a:t>
+              <a:t>Ground truth on patient level, </a:t>
+            </a:r>
+            <a:r>
+              <a:rPr lang="sv-SE" dirty="0" smtClean="0"/>
+              <a:t>not </a:t>
+            </a:r>
+            <a:r>
+              <a:rPr lang="sv-SE" dirty="0" smtClean="0"/>
+              <a:t>cell level</a:t>
             </a:r>
             <a:endParaRPr lang="en-GB" dirty="0"/>
           </a:p>
@@ -6901,8 +6911,8 @@
         </p:blipFill>
         <p:spPr bwMode="auto">
           <a:xfrm>
-            <a:off x="8141429" y="12199911"/>
-            <a:ext cx="4905322" cy="4905322"/>
+            <a:off x="8141429" y="12083349"/>
+            <a:ext cx="4905322" cy="5021884"/>
           </a:xfrm>
           <a:prstGeom prst="rect">
             <a:avLst/>
@@ -6973,8 +6983,8 @@
         </p:blipFill>
         <p:spPr bwMode="auto">
           <a:xfrm>
-            <a:off x="21886708" y="12175583"/>
-            <a:ext cx="4905322" cy="4905322"/>
+            <a:off x="21886708" y="12083349"/>
+            <a:ext cx="4905322" cy="4997556"/>
           </a:xfrm>
           <a:prstGeom prst="rect">
             <a:avLst/>
@@ -7096,8 +7106,8 @@
         </p:blipFill>
         <p:spPr bwMode="auto">
           <a:xfrm>
-            <a:off x="13647838" y="12199912"/>
-            <a:ext cx="4905322" cy="4905322"/>
+            <a:off x="13647838" y="12083349"/>
+            <a:ext cx="4905322" cy="5021885"/>
           </a:xfrm>
           <a:prstGeom prst="rect">
             <a:avLst/>
@@ -7526,7 +7536,12 @@
             <p:ph idx="1"/>
           </p:nvPr>
         </p:nvSpPr>
-        <p:spPr/>
+        <p:spPr>
+          <a:xfrm>
+            <a:off x="7270677" y="4751909"/>
+            <a:ext cx="27779663" cy="17640300"/>
+          </a:xfrm>
+        </p:spPr>
         <p:txBody>
           <a:bodyPr/>
           <a:lstStyle/>
@@ -7569,12 +7584,8 @@
               <a:buNone/>
             </a:pPr>
             <a:r>
-              <a:rPr lang="sv-SE" sz="9200" dirty="0"/>
-              <a:t>	</a:t>
-            </a:r>
-            <a:r>
               <a:rPr lang="sv-SE" sz="9200" dirty="0" smtClean="0"/>
-              <a:t>- Multiply feature map by constant (1x1 conv)</a:t>
+              <a:t>	- Multiply feature map by constant (1x1 conv)</a:t>
             </a:r>
           </a:p>
           <a:p>
@@ -7585,6 +7596,528 @@
           </a:p>
         </p:txBody>
       </p:sp>
+      <p:graphicFrame>
+        <p:nvGraphicFramePr>
+          <p:cNvPr id="20" name="Table 19"/>
+          <p:cNvGraphicFramePr>
+            <a:graphicFrameLocks noGrp="1"/>
+          </p:cNvGraphicFramePr>
+          <p:nvPr>
+            <p:extLst>
+              <p:ext uri="{D42A27DB-BD31-4B8C-83A1-F6EECF244321}">
+                <p14:modId xmlns:p14="http://schemas.microsoft.com/office/powerpoint/2010/main" val="3296054368"/>
+              </p:ext>
+            </p:extLst>
+          </p:nvPr>
+        </p:nvGraphicFramePr>
+        <p:xfrm>
+          <a:off x="9790957" y="16129173"/>
+          <a:ext cx="5472609" cy="4176465"/>
+        </p:xfrm>
+        <a:graphic>
+          <a:graphicData uri="http://schemas.openxmlformats.org/drawingml/2006/table">
+            <a:tbl>
+              <a:tblPr firstRow="1" bandRow="1">
+                <a:tableStyleId>{5940675A-B579-460E-94D1-54222C63F5DA}</a:tableStyleId>
+              </a:tblPr>
+              <a:tblGrid>
+                <a:gridCol w="1824203"/>
+                <a:gridCol w="1824203"/>
+                <a:gridCol w="1824203"/>
+              </a:tblGrid>
+              <a:tr h="1379383">
+                <a:tc>
+                  <a:txBody>
+                    <a:bodyPr/>
+                    <a:lstStyle/>
+                    <a:p>
+                      <a:pPr algn="ctr"/>
+                      <a:r>
+                        <a:rPr lang="sv-SE" sz="7000" b="1" dirty="0" smtClean="0"/>
+                        <a:t>1</a:t>
+                      </a:r>
+                      <a:endParaRPr lang="en-GB" sz="7000" b="1" dirty="0"/>
+                    </a:p>
+                  </a:txBody>
+                  <a:tcPr/>
+                </a:tc>
+                <a:tc>
+                  <a:txBody>
+                    <a:bodyPr/>
+                    <a:lstStyle/>
+                    <a:p>
+                      <a:pPr algn="ctr"/>
+                      <a:r>
+                        <a:rPr lang="sv-SE" sz="7000" b="1" dirty="0" smtClean="0"/>
+                        <a:t>0</a:t>
+                      </a:r>
+                      <a:endParaRPr lang="en-GB" sz="7000" b="1" dirty="0"/>
+                    </a:p>
+                  </a:txBody>
+                  <a:tcPr/>
+                </a:tc>
+                <a:tc>
+                  <a:txBody>
+                    <a:bodyPr/>
+                    <a:lstStyle/>
+                    <a:p>
+                      <a:pPr algn="ctr"/>
+                      <a:r>
+                        <a:rPr lang="sv-SE" sz="7000" b="1" dirty="0" smtClean="0"/>
+                        <a:t>0</a:t>
+                      </a:r>
+                      <a:endParaRPr lang="en-GB" sz="7000" b="1" dirty="0"/>
+                    </a:p>
+                  </a:txBody>
+                  <a:tcPr/>
+                </a:tc>
+              </a:tr>
+              <a:tr h="1398541">
+                <a:tc>
+                  <a:txBody>
+                    <a:bodyPr/>
+                    <a:lstStyle/>
+                    <a:p>
+                      <a:pPr algn="ctr"/>
+                      <a:r>
+                        <a:rPr lang="sv-SE" sz="7000" b="1" dirty="0" smtClean="0"/>
+                        <a:t>0</a:t>
+                      </a:r>
+                      <a:endParaRPr lang="en-GB" sz="7000" b="1" dirty="0"/>
+                    </a:p>
+                  </a:txBody>
+                  <a:tcPr/>
+                </a:tc>
+                <a:tc>
+                  <a:txBody>
+                    <a:bodyPr/>
+                    <a:lstStyle/>
+                    <a:p>
+                      <a:pPr algn="ctr"/>
+                      <a:r>
+                        <a:rPr lang="sv-SE" sz="7000" b="1" dirty="0" smtClean="0"/>
+                        <a:t>-1</a:t>
+                      </a:r>
+                      <a:endParaRPr lang="en-GB" sz="7000" b="1" dirty="0"/>
+                    </a:p>
+                  </a:txBody>
+                  <a:tcPr/>
+                </a:tc>
+                <a:tc>
+                  <a:txBody>
+                    <a:bodyPr/>
+                    <a:lstStyle/>
+                    <a:p>
+                      <a:pPr algn="ctr"/>
+                      <a:r>
+                        <a:rPr lang="sv-SE" sz="7000" b="1" dirty="0" smtClean="0"/>
+                        <a:t>0</a:t>
+                      </a:r>
+                      <a:endParaRPr lang="en-GB" sz="7000" b="1" dirty="0"/>
+                    </a:p>
+                  </a:txBody>
+                  <a:tcPr/>
+                </a:tc>
+              </a:tr>
+              <a:tr h="1398541">
+                <a:tc>
+                  <a:txBody>
+                    <a:bodyPr/>
+                    <a:lstStyle/>
+                    <a:p>
+                      <a:pPr algn="ctr"/>
+                      <a:r>
+                        <a:rPr lang="sv-SE" sz="7000" b="1" dirty="0" smtClean="0"/>
+                        <a:t>0</a:t>
+                      </a:r>
+                      <a:endParaRPr lang="en-GB" sz="7000" b="1" dirty="0"/>
+                    </a:p>
+                  </a:txBody>
+                  <a:tcPr/>
+                </a:tc>
+                <a:tc>
+                  <a:txBody>
+                    <a:bodyPr/>
+                    <a:lstStyle/>
+                    <a:p>
+                      <a:pPr algn="ctr"/>
+                      <a:r>
+                        <a:rPr lang="sv-SE" sz="7000" b="1" dirty="0" smtClean="0"/>
+                        <a:t>0</a:t>
+                      </a:r>
+                      <a:endParaRPr lang="en-GB" sz="7000" b="1" dirty="0"/>
+                    </a:p>
+                  </a:txBody>
+                  <a:tcPr/>
+                </a:tc>
+                <a:tc>
+                  <a:txBody>
+                    <a:bodyPr/>
+                    <a:lstStyle/>
+                    <a:p>
+                      <a:pPr algn="ctr"/>
+                      <a:r>
+                        <a:rPr lang="sv-SE" sz="7000" b="1" dirty="0" smtClean="0"/>
+                        <a:t>0</a:t>
+                      </a:r>
+                      <a:endParaRPr lang="en-GB" sz="7000" b="1" dirty="0"/>
+                    </a:p>
+                  </a:txBody>
+                  <a:tcPr/>
+                </a:tc>
+              </a:tr>
+            </a:tbl>
+          </a:graphicData>
+        </a:graphic>
+      </p:graphicFrame>
+      <p:graphicFrame>
+        <p:nvGraphicFramePr>
+          <p:cNvPr id="21" name="Table 20"/>
+          <p:cNvGraphicFramePr>
+            <a:graphicFrameLocks noGrp="1"/>
+          </p:cNvGraphicFramePr>
+          <p:nvPr>
+            <p:extLst>
+              <p:ext uri="{D42A27DB-BD31-4B8C-83A1-F6EECF244321}">
+                <p14:modId xmlns:p14="http://schemas.microsoft.com/office/powerpoint/2010/main" val="1768089442"/>
+              </p:ext>
+            </p:extLst>
+          </p:nvPr>
+        </p:nvGraphicFramePr>
+        <p:xfrm>
+          <a:off x="16631717" y="17425317"/>
+          <a:ext cx="5472609" cy="4176465"/>
+        </p:xfrm>
+        <a:graphic>
+          <a:graphicData uri="http://schemas.openxmlformats.org/drawingml/2006/table">
+            <a:tbl>
+              <a:tblPr firstRow="1" bandRow="1">
+                <a:tableStyleId>{5940675A-B579-460E-94D1-54222C63F5DA}</a:tableStyleId>
+              </a:tblPr>
+              <a:tblGrid>
+                <a:gridCol w="1824203"/>
+                <a:gridCol w="1824203"/>
+                <a:gridCol w="1824203"/>
+              </a:tblGrid>
+              <a:tr h="1379383">
+                <a:tc>
+                  <a:txBody>
+                    <a:bodyPr/>
+                    <a:lstStyle/>
+                    <a:p>
+                      <a:pPr algn="ctr"/>
+                      <a:r>
+                        <a:rPr lang="sv-SE" sz="7000" b="1" dirty="0" smtClean="0"/>
+                        <a:t>0</a:t>
+                      </a:r>
+                      <a:endParaRPr lang="en-GB" sz="7000" b="1" dirty="0"/>
+                    </a:p>
+                  </a:txBody>
+                  <a:tcPr/>
+                </a:tc>
+                <a:tc>
+                  <a:txBody>
+                    <a:bodyPr/>
+                    <a:lstStyle/>
+                    <a:p>
+                      <a:pPr algn="ctr"/>
+                      <a:r>
+                        <a:rPr lang="sv-SE" sz="7000" b="1" dirty="0" smtClean="0"/>
+                        <a:t>1</a:t>
+                      </a:r>
+                      <a:endParaRPr lang="en-GB" sz="7000" b="1" dirty="0"/>
+                    </a:p>
+                  </a:txBody>
+                  <a:tcPr/>
+                </a:tc>
+                <a:tc>
+                  <a:txBody>
+                    <a:bodyPr/>
+                    <a:lstStyle/>
+                    <a:p>
+                      <a:pPr algn="ctr"/>
+                      <a:r>
+                        <a:rPr lang="sv-SE" sz="7000" b="1" dirty="0" smtClean="0"/>
+                        <a:t>0</a:t>
+                      </a:r>
+                      <a:endParaRPr lang="en-GB" sz="7000" b="1" dirty="0"/>
+                    </a:p>
+                  </a:txBody>
+                  <a:tcPr/>
+                </a:tc>
+              </a:tr>
+              <a:tr h="1398541">
+                <a:tc>
+                  <a:txBody>
+                    <a:bodyPr/>
+                    <a:lstStyle/>
+                    <a:p>
+                      <a:pPr algn="ctr"/>
+                      <a:r>
+                        <a:rPr lang="sv-SE" sz="7000" b="1" dirty="0" smtClean="0"/>
+                        <a:t>0</a:t>
+                      </a:r>
+                      <a:endParaRPr lang="en-GB" sz="7000" b="1" dirty="0"/>
+                    </a:p>
+                  </a:txBody>
+                  <a:tcPr/>
+                </a:tc>
+                <a:tc>
+                  <a:txBody>
+                    <a:bodyPr/>
+                    <a:lstStyle/>
+                    <a:p>
+                      <a:pPr algn="ctr"/>
+                      <a:r>
+                        <a:rPr lang="sv-SE" sz="7000" b="1" dirty="0" smtClean="0"/>
+                        <a:t>0</a:t>
+                      </a:r>
+                      <a:endParaRPr lang="en-GB" sz="7000" b="1" dirty="0"/>
+                    </a:p>
+                  </a:txBody>
+                  <a:tcPr/>
+                </a:tc>
+                <a:tc>
+                  <a:txBody>
+                    <a:bodyPr/>
+                    <a:lstStyle/>
+                    <a:p>
+                      <a:pPr algn="ctr"/>
+                      <a:r>
+                        <a:rPr lang="sv-SE" sz="7000" b="1" dirty="0" smtClean="0"/>
+                        <a:t>1</a:t>
+                      </a:r>
+                      <a:endParaRPr lang="en-GB" sz="7000" b="1" dirty="0"/>
+                    </a:p>
+                  </a:txBody>
+                  <a:tcPr/>
+                </a:tc>
+              </a:tr>
+              <a:tr h="1398541">
+                <a:tc>
+                  <a:txBody>
+                    <a:bodyPr/>
+                    <a:lstStyle/>
+                    <a:p>
+                      <a:pPr algn="ctr"/>
+                      <a:r>
+                        <a:rPr lang="sv-SE" sz="7000" b="1" dirty="0" smtClean="0"/>
+                        <a:t>0</a:t>
+                      </a:r>
+                      <a:endParaRPr lang="en-GB" sz="7000" b="1" dirty="0"/>
+                    </a:p>
+                  </a:txBody>
+                  <a:tcPr/>
+                </a:tc>
+                <a:tc>
+                  <a:txBody>
+                    <a:bodyPr/>
+                    <a:lstStyle/>
+                    <a:p>
+                      <a:pPr algn="ctr"/>
+                      <a:r>
+                        <a:rPr lang="sv-SE" sz="7000" b="1" dirty="0" smtClean="0"/>
+                        <a:t>-1</a:t>
+                      </a:r>
+                      <a:endParaRPr lang="en-GB" sz="7000" b="1" dirty="0"/>
+                    </a:p>
+                  </a:txBody>
+                  <a:tcPr/>
+                </a:tc>
+                <a:tc>
+                  <a:txBody>
+                    <a:bodyPr/>
+                    <a:lstStyle/>
+                    <a:p>
+                      <a:pPr algn="ctr"/>
+                      <a:r>
+                        <a:rPr lang="sv-SE" sz="7000" b="1" dirty="0" smtClean="0"/>
+                        <a:t>0</a:t>
+                      </a:r>
+                      <a:endParaRPr lang="en-GB" sz="7000" b="1" dirty="0"/>
+                    </a:p>
+                  </a:txBody>
+                  <a:tcPr/>
+                </a:tc>
+              </a:tr>
+            </a:tbl>
+          </a:graphicData>
+        </a:graphic>
+      </p:graphicFrame>
+      <p:graphicFrame>
+        <p:nvGraphicFramePr>
+          <p:cNvPr id="26" name="Table 25"/>
+          <p:cNvGraphicFramePr>
+            <a:graphicFrameLocks noGrp="1"/>
+          </p:cNvGraphicFramePr>
+          <p:nvPr>
+            <p:extLst>
+              <p:ext uri="{D42A27DB-BD31-4B8C-83A1-F6EECF244321}">
+                <p14:modId xmlns:p14="http://schemas.microsoft.com/office/powerpoint/2010/main" val="374228449"/>
+              </p:ext>
+            </p:extLst>
+          </p:nvPr>
+        </p:nvGraphicFramePr>
+        <p:xfrm>
+          <a:off x="23544485" y="16057165"/>
+          <a:ext cx="5472609" cy="4176465"/>
+        </p:xfrm>
+        <a:graphic>
+          <a:graphicData uri="http://schemas.openxmlformats.org/drawingml/2006/table">
+            <a:tbl>
+              <a:tblPr firstRow="1" bandRow="1">
+                <a:tableStyleId>{5940675A-B579-460E-94D1-54222C63F5DA}</a:tableStyleId>
+              </a:tblPr>
+              <a:tblGrid>
+                <a:gridCol w="1824203"/>
+                <a:gridCol w="1824203"/>
+                <a:gridCol w="1824203"/>
+              </a:tblGrid>
+              <a:tr h="1379383">
+                <a:tc>
+                  <a:txBody>
+                    <a:bodyPr/>
+                    <a:lstStyle/>
+                    <a:p>
+                      <a:pPr algn="ctr"/>
+                      <a:r>
+                        <a:rPr lang="sv-SE" sz="7000" b="1" dirty="0" smtClean="0"/>
+                        <a:t>1</a:t>
+                      </a:r>
+                      <a:endParaRPr lang="en-GB" sz="7000" b="1" dirty="0"/>
+                    </a:p>
+                  </a:txBody>
+                  <a:tcPr/>
+                </a:tc>
+                <a:tc>
+                  <a:txBody>
+                    <a:bodyPr/>
+                    <a:lstStyle/>
+                    <a:p>
+                      <a:pPr algn="ctr"/>
+                      <a:r>
+                        <a:rPr lang="sv-SE" sz="7000" b="1" dirty="0" smtClean="0"/>
+                        <a:t>1</a:t>
+                      </a:r>
+                      <a:endParaRPr lang="en-GB" sz="7000" b="1" dirty="0"/>
+                    </a:p>
+                  </a:txBody>
+                  <a:tcPr/>
+                </a:tc>
+                <a:tc>
+                  <a:txBody>
+                    <a:bodyPr/>
+                    <a:lstStyle/>
+                    <a:p>
+                      <a:pPr algn="ctr"/>
+                      <a:r>
+                        <a:rPr lang="sv-SE" sz="7000" b="1" dirty="0" smtClean="0"/>
+                        <a:t>0</a:t>
+                      </a:r>
+                      <a:endParaRPr lang="en-GB" sz="7000" b="1" dirty="0"/>
+                    </a:p>
+                  </a:txBody>
+                  <a:tcPr/>
+                </a:tc>
+              </a:tr>
+              <a:tr h="1398541">
+                <a:tc>
+                  <a:txBody>
+                    <a:bodyPr/>
+                    <a:lstStyle/>
+                    <a:p>
+                      <a:pPr algn="ctr"/>
+                      <a:r>
+                        <a:rPr lang="sv-SE" sz="7000" b="1" dirty="0" smtClean="0"/>
+                        <a:t>0</a:t>
+                      </a:r>
+                      <a:endParaRPr lang="en-GB" sz="7000" b="1" dirty="0"/>
+                    </a:p>
+                  </a:txBody>
+                  <a:tcPr/>
+                </a:tc>
+                <a:tc>
+                  <a:txBody>
+                    <a:bodyPr/>
+                    <a:lstStyle/>
+                    <a:p>
+                      <a:pPr algn="ctr"/>
+                      <a:r>
+                        <a:rPr lang="sv-SE" sz="7000" b="1" dirty="0" smtClean="0"/>
+                        <a:t>0</a:t>
+                      </a:r>
+                      <a:endParaRPr lang="en-GB" sz="7000" b="1" dirty="0"/>
+                    </a:p>
+                  </a:txBody>
+                  <a:tcPr/>
+                </a:tc>
+                <a:tc>
+                  <a:txBody>
+                    <a:bodyPr/>
+                    <a:lstStyle/>
+                    <a:p>
+                      <a:pPr algn="ctr"/>
+                      <a:r>
+                        <a:rPr lang="sv-SE" sz="7000" b="1" dirty="0" smtClean="0"/>
+                        <a:t>0</a:t>
+                      </a:r>
+                      <a:endParaRPr lang="en-GB" sz="7000" b="1" dirty="0"/>
+                    </a:p>
+                  </a:txBody>
+                  <a:tcPr/>
+                </a:tc>
+              </a:tr>
+              <a:tr h="1398541">
+                <a:tc>
+                  <a:txBody>
+                    <a:bodyPr/>
+                    <a:lstStyle/>
+                    <a:p>
+                      <a:pPr algn="ctr"/>
+                      <a:r>
+                        <a:rPr lang="sv-SE" sz="7000" b="1" dirty="0" smtClean="0"/>
+                        <a:t>0</a:t>
+                      </a:r>
+                      <a:endParaRPr lang="en-GB" sz="7000" b="1" dirty="0"/>
+                    </a:p>
+                  </a:txBody>
+                  <a:tcPr/>
+                </a:tc>
+                <a:tc>
+                  <a:txBody>
+                    <a:bodyPr/>
+                    <a:lstStyle/>
+                    <a:p>
+                      <a:pPr algn="ctr"/>
+                      <a:r>
+                        <a:rPr lang="sv-SE" sz="7000" b="1" dirty="0" smtClean="0"/>
+                        <a:t>0</a:t>
+                      </a:r>
+                      <a:endParaRPr lang="en-GB" sz="7000" b="1" dirty="0"/>
+                    </a:p>
+                  </a:txBody>
+                  <a:tcPr/>
+                </a:tc>
+                <a:tc>
+                  <a:txBody>
+                    <a:bodyPr/>
+                    <a:lstStyle/>
+                    <a:p>
+                      <a:pPr algn="ctr"/>
+                      <a:r>
+                        <a:rPr lang="sv-SE" sz="7000" b="1" dirty="0" smtClean="0"/>
+                        <a:t>0</a:t>
+                      </a:r>
+                      <a:endParaRPr lang="en-GB" sz="7000" b="1" dirty="0"/>
+                    </a:p>
+                  </a:txBody>
+                  <a:tcPr/>
+                </a:tc>
+              </a:tr>
+            </a:tbl>
+          </a:graphicData>
+        </a:graphic>
+      </p:graphicFrame>
     </p:spTree>
     <p:extLst>
       <p:ext uri="{BB962C8B-B14F-4D97-AF65-F5344CB8AC3E}">
@@ -7638,16 +8171,28 @@
           <a:lstStyle/>
           <a:p>
             <a:r>
-              <a:rPr lang="sv-SE" dirty="0" smtClean="0"/>
-              <a:t>Model 2: Marcos el al.</a:t>
-            </a:r>
-            <a:endParaRPr lang="en-GB" dirty="0"/>
-          </a:p>
-        </p:txBody>
-      </p:sp>
-      <p:sp>
-        <p:nvSpPr>
-          <p:cNvPr id="3" name="Content Placeholder 2"/>
+              <a:rPr lang="sv-SE" sz="14400" dirty="0" smtClean="0"/>
+              <a:t>Model </a:t>
+            </a:r>
+            <a:r>
+              <a:rPr lang="sv-SE" sz="14400" dirty="0"/>
+              <a:t>2</a:t>
+            </a:r>
+            <a:r>
+              <a:rPr lang="sv-SE" sz="14400" smtClean="0"/>
+              <a:t>: Li </a:t>
+            </a:r>
+            <a:r>
+              <a:rPr lang="sv-SE" sz="14400" dirty="0" smtClean="0"/>
+              <a:t>et al.</a:t>
+            </a:r>
+            <a:endParaRPr lang="en-GB" sz="14400" dirty="0"/>
+          </a:p>
+        </p:txBody>
+      </p:sp>
+      <p:sp>
+        <p:nvSpPr>
+          <p:cNvPr id="8" name="Content Placeholder 7"/>
           <p:cNvSpPr>
             <a:spLocks noGrp="1"/>
           </p:cNvSpPr>
@@ -7660,20 +8205,94 @@
           <a:bodyPr/>
           <a:lstStyle/>
           <a:p>
-            <a:endParaRPr lang="en-GB"/>
+            <a:pPr marL="0" indent="0">
+              <a:buNone/>
+            </a:pPr>
+            <a:r>
+              <a:rPr lang="sv-SE" dirty="0" smtClean="0"/>
+              <a:t>Network comprised of four sequentially coupled modules</a:t>
+            </a:r>
+          </a:p>
+          <a:p>
+            <a:pPr marL="0" indent="0">
+              <a:buNone/>
+            </a:pPr>
+            <a:r>
+              <a:rPr lang="sv-SE" dirty="0"/>
+              <a:t>	</a:t>
+            </a:r>
+            <a:r>
+              <a:rPr lang="sv-SE" dirty="0" smtClean="0"/>
+              <a:t>- </a:t>
+            </a:r>
+            <a:r>
+              <a:rPr lang="sv-SE" dirty="0" smtClean="0"/>
+              <a:t>Convolutional </a:t>
+            </a:r>
+            <a:r>
+              <a:rPr lang="sv-SE" dirty="0" smtClean="0"/>
+              <a:t>Module</a:t>
+            </a:r>
+          </a:p>
+          <a:p>
+            <a:pPr marL="0" indent="0">
+              <a:buNone/>
+            </a:pPr>
+            <a:r>
+              <a:rPr lang="sv-SE" dirty="0"/>
+              <a:t>	</a:t>
+            </a:r>
+            <a:r>
+              <a:rPr lang="sv-SE" dirty="0" smtClean="0"/>
+              <a:t>- LBP Module</a:t>
+            </a:r>
+          </a:p>
+          <a:p>
+            <a:pPr marL="0" indent="0">
+              <a:buNone/>
+            </a:pPr>
+            <a:r>
+              <a:rPr lang="sv-SE" dirty="0"/>
+              <a:t>	</a:t>
+            </a:r>
+            <a:r>
+              <a:rPr lang="sv-SE" dirty="0" smtClean="0"/>
+              <a:t>- Gate Layer Module</a:t>
+            </a:r>
+          </a:p>
+          <a:p>
+            <a:pPr marL="0" indent="0">
+              <a:buNone/>
+            </a:pPr>
+            <a:r>
+              <a:rPr lang="sv-SE" dirty="0"/>
+              <a:t>	</a:t>
+            </a:r>
+            <a:r>
+              <a:rPr lang="sv-SE" dirty="0" smtClean="0"/>
+              <a:t>- Standard dense NN module</a:t>
+            </a:r>
+            <a:endParaRPr lang="en-GB" dirty="0"/>
           </a:p>
         </p:txBody>
       </p:sp>
     </p:spTree>
     <p:extLst>
       <p:ext uri="{BB962C8B-B14F-4D97-AF65-F5344CB8AC3E}">
-        <p14:creationId xmlns:p14="http://schemas.microsoft.com/office/powerpoint/2010/main" val="1695188074"/>
+        <p14:creationId xmlns:p14="http://schemas.microsoft.com/office/powerpoint/2010/main" val="1007135063"/>
       </p:ext>
     </p:extLst>
   </p:cSld>
   <p:clrMapOvr>
     <a:masterClrMapping/>
   </p:clrMapOvr>
+  <p:timing>
+    <p:tnLst>
+      <p:par>
+        <p:cTn id="1" dur="indefinite" restart="never" nodeType="tmRoot"/>
+      </p:par>
+    </p:tnLst>
+  </p:timing>
 </p:sld>
 </file>
 
@@ -7710,24 +8329,16 @@
           <a:lstStyle/>
           <a:p>
             <a:r>
-              <a:rPr lang="sv-SE" sz="14400" dirty="0" smtClean="0"/>
-              <a:t>Model </a:t>
-            </a:r>
-            <a:r>
-              <a:rPr lang="sv-SE" sz="14400" dirty="0" smtClean="0"/>
-              <a:t>3: </a:t>
-            </a:r>
-            <a:r>
-              <a:rPr lang="sv-SE" sz="14400" dirty="0" smtClean="0"/>
-              <a:t>Lei Li et al.</a:t>
-            </a:r>
-            <a:endParaRPr lang="en-GB" sz="14400" dirty="0"/>
-          </a:p>
-        </p:txBody>
-      </p:sp>
-      <p:sp>
-        <p:nvSpPr>
-          <p:cNvPr id="8" name="Content Placeholder 7"/>
+              <a:rPr lang="sv-SE" dirty="0" smtClean="0"/>
+              <a:t>Model 3: Marcos el al.</a:t>
+            </a:r>
+            <a:endParaRPr lang="en-GB" dirty="0"/>
+          </a:p>
+        </p:txBody>
+      </p:sp>
+      <p:sp>
+        <p:nvSpPr>
+          <p:cNvPr id="3" name="Content Placeholder 2"/>
           <p:cNvSpPr>
             <a:spLocks noGrp="1"/>
           </p:cNvSpPr>
@@ -7740,73 +8351,54 @@
           <a:bodyPr/>
           <a:lstStyle/>
           <a:p>
-            <a:pPr marL="0" indent="0">
-              <a:buNone/>
-            </a:pPr>
             <a:r>
               <a:rPr lang="sv-SE" dirty="0" smtClean="0"/>
-              <a:t>Network comprised of four sequentially coupled modules</a:t>
-            </a:r>
-          </a:p>
-          <a:p>
-            <a:pPr marL="0" indent="0">
-              <a:buNone/>
-            </a:pPr>
-            <a:r>
-              <a:rPr lang="sv-SE" dirty="0"/>
-              <a:t>	</a:t>
-            </a:r>
-            <a:r>
-              <a:rPr lang="sv-SE" smtClean="0"/>
-              <a:t>- </a:t>
-            </a:r>
-            <a:r>
-              <a:rPr lang="sv-SE" smtClean="0"/>
-              <a:t>Convolutional </a:t>
-            </a:r>
+              <a:t>Not based on LBPs</a:t>
+            </a:r>
+          </a:p>
+          <a:p>
             <a:r>
               <a:rPr lang="sv-SE" dirty="0" smtClean="0"/>
-              <a:t>Module</a:t>
-            </a:r>
-          </a:p>
-          <a:p>
-            <a:pPr marL="0" indent="0">
-              <a:buNone/>
-            </a:pPr>
-            <a:r>
-              <a:rPr lang="sv-SE" dirty="0"/>
-              <a:t>	</a:t>
-            </a:r>
+              <a:t>Rotationally invariant groups of filters</a:t>
+            </a:r>
+          </a:p>
+          <a:p>
             <a:r>
               <a:rPr lang="sv-SE" dirty="0" smtClean="0"/>
-              <a:t>- LBP Module</a:t>
-            </a:r>
-          </a:p>
-          <a:p>
-            <a:pPr marL="0" indent="0">
-              <a:buNone/>
-            </a:pPr>
-            <a:r>
-              <a:rPr lang="sv-SE" dirty="0"/>
-              <a:t>	</a:t>
-            </a:r>
+              <a:t>Each group consists of R filters</a:t>
+            </a:r>
+          </a:p>
+          <a:p>
             <a:r>
               <a:rPr lang="sv-SE" dirty="0" smtClean="0"/>
-              <a:t>- Gate Layer Module</a:t>
-            </a:r>
-          </a:p>
-          <a:p>
-            <a:pPr marL="0" indent="0">
-              <a:buNone/>
-            </a:pPr>
-            <a:r>
-              <a:rPr lang="sv-SE" dirty="0"/>
-              <a:t>	</a:t>
-            </a:r>
+              <a:t>Only the first is trainable</a:t>
+            </a:r>
+          </a:p>
+          <a:p>
             <a:r>
               <a:rPr lang="sv-SE" dirty="0" smtClean="0"/>
-              <a:t>- Standard dense NN module</a:t>
-            </a:r>
+              <a:t>The rest are rotations</a:t>
+            </a:r>
+          </a:p>
+          <a:p>
+            <a:r>
+              <a:rPr lang="sv-SE" dirty="0" smtClean="0"/>
+              <a:t>Input is passed to each filter in parallel</a:t>
+            </a:r>
+          </a:p>
+          <a:p>
+            <a:r>
+              <a:rPr lang="sv-SE" dirty="0" smtClean="0"/>
+              <a:t>The output of the group is combined into a vector field</a:t>
+            </a:r>
+          </a:p>
+          <a:p>
+            <a:endParaRPr lang="sv-SE" dirty="0" smtClean="0"/>
+          </a:p>
+          <a:p>
+            <a:endParaRPr lang="sv-SE" dirty="0" smtClean="0"/>
+          </a:p>
+          <a:p>
             <a:endParaRPr lang="en-GB" dirty="0"/>
           </a:p>
         </p:txBody>
@@ -7814,20 +8406,13 @@
     </p:spTree>
     <p:extLst>
       <p:ext uri="{BB962C8B-B14F-4D97-AF65-F5344CB8AC3E}">
-        <p14:creationId xmlns:p14="http://schemas.microsoft.com/office/powerpoint/2010/main" val="1007135063"/>
+        <p14:creationId xmlns:p14="http://schemas.microsoft.com/office/powerpoint/2010/main" val="1695188074"/>
       </p:ext>
     </p:extLst>
   </p:cSld>
   <p:clrMapOvr>
     <a:masterClrMapping/>
   </p:clrMapOvr>
-  <p:timing>
-    <p:tnLst>
-      <p:par>
-        <p:cTn id="1" dur="indefinite" restart="never" nodeType="tmRoot"/>
-      </p:par>
-    </p:tnLst>
-  </p:timing>
 </p:sld>
 </file>
 

--- a/presentation.pptx
+++ b/presentation.pptx
@@ -4854,8 +4854,13 @@
             </a:r>
             <a:r>
               <a:rPr lang="sv-SE" dirty="0" smtClean="0"/>
-              <a:t>- Marcos et al. [2]</a:t>
-            </a:r>
+              <a:t>- Li et al. </a:t>
+            </a:r>
+            <a:r>
+              <a:rPr lang="sv-SE" dirty="0" smtClean="0"/>
+              <a:t>[2]</a:t>
+            </a:r>
+            <a:endParaRPr lang="sv-SE" dirty="0" smtClean="0"/>
           </a:p>
           <a:p>
             <a:pPr marL="0" indent="0">
@@ -4863,17 +4868,22 @@
             </a:pPr>
             <a:r>
               <a:rPr lang="sv-SE" dirty="0"/>
-              <a:t>	</a:t>
+              <a:t>	- Marcos et al. </a:t>
             </a:r>
             <a:r>
               <a:rPr lang="sv-SE" dirty="0" smtClean="0"/>
-              <a:t>- Li et al. [3]</a:t>
-            </a:r>
+              <a:t>[3]</a:t>
+            </a:r>
+            <a:endParaRPr lang="sv-SE" dirty="0"/>
           </a:p>
           <a:p>
             <a:r>
               <a:rPr lang="sv-SE" dirty="0" smtClean="0"/>
-              <a:t>LBP’s: What are they?</a:t>
+              <a:t>LBP’s</a:t>
+            </a:r>
+            <a:r>
+              <a:rPr lang="sv-SE" dirty="0" smtClean="0"/>
+              <a:t>: What are they?</a:t>
             </a:r>
             <a:endParaRPr lang="en-GB" dirty="0"/>
           </a:p>
@@ -4888,7 +4898,7 @@
         <p:spPr>
           <a:xfrm>
             <a:off x="5974532" y="18433429"/>
-            <a:ext cx="29235249" cy="6026265"/>
+            <a:ext cx="29235249" cy="6734151"/>
           </a:xfrm>
           <a:prstGeom prst="rect">
             <a:avLst/>
@@ -4907,7 +4917,11 @@
             </a:r>
             <a:r>
               <a:rPr lang="en-GB" dirty="0" smtClean="0"/>
-              <a:t>	  Felix </a:t>
+              <a:t>	</a:t>
+            </a:r>
+            <a:r>
+              <a:rPr lang="en-GB" dirty="0" smtClean="0"/>
+              <a:t>Felix </a:t>
             </a:r>
             <a:r>
               <a:rPr lang="en-GB" dirty="0" err="1"/>
@@ -4915,19 +4929,19 @@
             </a:r>
             <a:r>
               <a:rPr lang="en-GB" dirty="0"/>
-              <a:t> </a:t>
+              <a:t>-Xu, Vishnu Naresh </a:t>
             </a:r>
             <a:r>
               <a:rPr lang="en-GB" dirty="0" err="1"/>
-              <a:t>Xu</a:t>
+              <a:t>Boddeti</a:t>
             </a:r>
             <a:r>
               <a:rPr lang="en-GB" dirty="0"/>
-              <a:t>, Vishnu </a:t>
+              <a:t>, and </a:t>
             </a:r>
             <a:r>
               <a:rPr lang="en-GB" dirty="0" err="1"/>
-              <a:t>Naresh</a:t>
+              <a:t>Marios</a:t>
             </a:r>
             <a:r>
               <a:rPr lang="en-GB" dirty="0"/>
@@ -4935,7 +4949,174 @@
             </a:r>
             <a:r>
               <a:rPr lang="en-GB" dirty="0" err="1"/>
-              <a:t>Boddeti</a:t>
+              <a:t>Savvides</a:t>
+            </a:r>
+            <a:r>
+              <a:rPr lang="en-GB" dirty="0"/>
+              <a:t>. </a:t>
+            </a:r>
+            <a:r>
+              <a:rPr lang="en-GB" i="1" dirty="0" smtClean="0"/>
+              <a:t>Local binary </a:t>
+            </a:r>
+            <a:r>
+              <a:rPr lang="en-GB" i="1" dirty="0"/>
+              <a:t>convolutional neural networks</a:t>
+            </a:r>
+            <a:r>
+              <a:rPr lang="en-GB" dirty="0"/>
+              <a:t>. </a:t>
+            </a:r>
+            <a:r>
+              <a:rPr lang="en-GB" dirty="0" smtClean="0"/>
+              <a:t>	In Computer </a:t>
+            </a:r>
+            <a:r>
+              <a:rPr lang="en-GB" dirty="0"/>
+              <a:t>Vision and </a:t>
+            </a:r>
+            <a:r>
+              <a:rPr lang="en-GB" dirty="0" smtClean="0"/>
+              <a:t>Pattern Recognition </a:t>
+            </a:r>
+            <a:r>
+              <a:rPr lang="en-GB" dirty="0"/>
+              <a:t>(CVPR), 2017 IEEE Conference </a:t>
+            </a:r>
+            <a:r>
+              <a:rPr lang="en-GB" dirty="0" smtClean="0"/>
+              <a:t>on , </a:t>
+            </a:r>
+            <a:r>
+              <a:rPr lang="en-GB" dirty="0"/>
+              <a:t>volume 1. IEEE</a:t>
+            </a:r>
+            <a:r>
+              <a:rPr lang="en-GB" dirty="0" smtClean="0"/>
+              <a:t>, 2017</a:t>
+            </a:r>
+            <a:endParaRPr lang="en-GB" dirty="0"/>
+          </a:p>
+          <a:p>
+            <a:endParaRPr lang="sv-SE" sz="1500" dirty="0"/>
+          </a:p>
+          <a:p>
+            <a:r>
+              <a:rPr lang="sv-SE" dirty="0" smtClean="0"/>
+              <a:t>[2]</a:t>
+            </a:r>
+            <a:r>
+              <a:rPr lang="sv-SE" dirty="0" smtClean="0"/>
+              <a:t>	</a:t>
+            </a:r>
+            <a:r>
+              <a:rPr lang="en-GB" dirty="0" smtClean="0"/>
+              <a:t>Lei </a:t>
+            </a:r>
+            <a:r>
+              <a:rPr lang="en-GB" dirty="0"/>
+              <a:t>Li, </a:t>
+            </a:r>
+            <a:r>
+              <a:rPr lang="en-GB" dirty="0" err="1"/>
+              <a:t>Xiaoyi</a:t>
+            </a:r>
+            <a:r>
+              <a:rPr lang="en-GB" dirty="0"/>
+              <a:t> Feng, </a:t>
+            </a:r>
+            <a:r>
+              <a:rPr lang="en-GB" dirty="0" err="1"/>
+              <a:t>Zhaoqiang</a:t>
+            </a:r>
+            <a:r>
+              <a:rPr lang="en-GB" dirty="0"/>
+              <a:t> Xia, </a:t>
+            </a:r>
+            <a:r>
+              <a:rPr lang="en-GB" dirty="0" err="1"/>
+              <a:t>Xiaoyue</a:t>
+            </a:r>
+            <a:r>
+              <a:rPr lang="en-GB" dirty="0"/>
+              <a:t> Jiang, and </a:t>
+            </a:r>
+            <a:r>
+              <a:rPr lang="en-GB" dirty="0" err="1" smtClean="0"/>
+              <a:t>Abdenour</a:t>
+            </a:r>
+            <a:r>
+              <a:rPr lang="en-GB" dirty="0" smtClean="0"/>
+              <a:t> </a:t>
+            </a:r>
+            <a:r>
+              <a:rPr lang="en-GB" dirty="0" err="1" smtClean="0"/>
+              <a:t>Hadid</a:t>
+            </a:r>
+            <a:r>
+              <a:rPr lang="en-GB" dirty="0"/>
+              <a:t>. </a:t>
+            </a:r>
+            <a:r>
+              <a:rPr lang="en-GB" i="1" dirty="0"/>
+              <a:t>Face spoofing detection with </a:t>
+            </a:r>
+            <a:r>
+              <a:rPr lang="en-GB" i="1" dirty="0" smtClean="0"/>
+              <a:t>	    	</a:t>
+            </a:r>
+            <a:r>
+              <a:rPr lang="en-GB" i="1" dirty="0" smtClean="0"/>
+              <a:t>local </a:t>
+            </a:r>
+            <a:r>
+              <a:rPr lang="en-GB" i="1" dirty="0"/>
+              <a:t>binary pattern </a:t>
+            </a:r>
+            <a:r>
+              <a:rPr lang="en-GB" i="1" dirty="0" smtClean="0"/>
+              <a:t>network</a:t>
+            </a:r>
+            <a:r>
+              <a:rPr lang="en-GB" dirty="0" smtClean="0"/>
+              <a:t>. Journal </a:t>
+            </a:r>
+            <a:r>
+              <a:rPr lang="en-GB" dirty="0"/>
+              <a:t>of Visual Communication and Image Representation, </a:t>
+            </a:r>
+            <a:r>
+              <a:rPr lang="en-GB" dirty="0" smtClean="0"/>
+              <a:t>54:182–192, 	  	</a:t>
+            </a:r>
+            <a:r>
+              <a:rPr lang="en-GB" dirty="0" smtClean="0"/>
+              <a:t>2018.</a:t>
+            </a:r>
+          </a:p>
+          <a:p>
+            <a:endParaRPr lang="en-GB" sz="1500" dirty="0"/>
+          </a:p>
+          <a:p>
+            <a:r>
+              <a:rPr lang="en-GB" dirty="0" smtClean="0"/>
+              <a:t>[3] </a:t>
+            </a:r>
+            <a:r>
+              <a:rPr lang="en-GB" dirty="0"/>
+              <a:t>Diego Marcos, Michele </a:t>
+            </a:r>
+            <a:r>
+              <a:rPr lang="en-GB" dirty="0" err="1"/>
+              <a:t>Volpi</a:t>
+            </a:r>
+            <a:r>
+              <a:rPr lang="en-GB" dirty="0"/>
+              <a:t>, Nikos </a:t>
+            </a:r>
+            <a:r>
+              <a:rPr lang="en-GB" dirty="0" err="1"/>
+              <a:t>Komodakis</a:t>
             </a:r>
             <a:r>
               <a:rPr lang="en-GB" dirty="0"/>
@@ -4943,98 +5124,23 @@
             </a:r>
             <a:r>
               <a:rPr lang="en-GB" dirty="0" err="1"/>
-              <a:t>Marios</a:t>
+              <a:t>Devis</a:t>
             </a:r>
             <a:r>
               <a:rPr lang="en-GB" dirty="0"/>
               <a:t> </a:t>
             </a:r>
             <a:r>
-              <a:rPr lang="en-GB" dirty="0" err="1" smtClean="0"/>
-              <a:t>Savvides</a:t>
-            </a:r>
-            <a:r>
-              <a:rPr lang="en-GB" dirty="0" smtClean="0"/>
-              <a:t>. Local </a:t>
-            </a:r>
-            <a:r>
-              <a:rPr lang="en-GB" dirty="0"/>
-              <a:t>binary convolutional neural networks </a:t>
-            </a:r>
-            <a:r>
-              <a:rPr lang="en-GB" dirty="0" smtClean="0"/>
-              <a:t>	  (</a:t>
-            </a:r>
-            <a:r>
-              <a:rPr lang="en-GB" dirty="0" err="1"/>
-              <a:t>lbcnn</a:t>
-            </a:r>
-            <a:r>
-              <a:rPr lang="en-GB" dirty="0" smtClean="0"/>
-              <a:t>). https</a:t>
-            </a:r>
-            <a:r>
-              <a:rPr lang="en-GB" dirty="0"/>
-              <a:t>://github.com/juefeix/lbcnn.torch, 2016.</a:t>
-            </a:r>
-          </a:p>
-          <a:p>
-            <a:endParaRPr lang="en-GB" sz="1500" dirty="0" smtClean="0"/>
-          </a:p>
-          <a:p>
-            <a:r>
-              <a:rPr lang="en-GB" dirty="0" smtClean="0"/>
-              <a:t>[</a:t>
-            </a:r>
-            <a:r>
-              <a:rPr lang="en-GB" dirty="0"/>
-              <a:t>2</a:t>
-            </a:r>
-            <a:r>
-              <a:rPr lang="en-GB" dirty="0" smtClean="0"/>
-              <a:t>]    Diego </a:t>
-            </a:r>
-            <a:r>
-              <a:rPr lang="en-GB" dirty="0"/>
-              <a:t>Marcos, Michele </a:t>
-            </a:r>
-            <a:r>
-              <a:rPr lang="en-GB" dirty="0" err="1"/>
-              <a:t>Volpi</a:t>
-            </a:r>
-            <a:r>
-              <a:rPr lang="en-GB" dirty="0"/>
-              <a:t>, Nikos </a:t>
-            </a:r>
-            <a:r>
-              <a:rPr lang="en-GB" dirty="0" err="1"/>
-              <a:t>Komodakis</a:t>
-            </a:r>
-            <a:r>
-              <a:rPr lang="en-GB" dirty="0"/>
-              <a:t>, and </a:t>
-            </a:r>
-            <a:r>
-              <a:rPr lang="en-GB" dirty="0" err="1"/>
-              <a:t>Devis</a:t>
-            </a:r>
-            <a:r>
-              <a:rPr lang="en-GB" dirty="0"/>
-              <a:t> </a:t>
-            </a:r>
-            <a:r>
               <a:rPr lang="en-GB" dirty="0" err="1"/>
               <a:t>Tuia</a:t>
             </a:r>
             <a:r>
               <a:rPr lang="en-GB" dirty="0"/>
-              <a:t>.</a:t>
-            </a:r>
-          </a:p>
-          <a:p>
-            <a:r>
-              <a:rPr lang="en-GB" i="1" dirty="0" smtClean="0"/>
-              <a:t>	  Rotation </a:t>
+              <a:t>. </a:t>
+            </a:r>
+            <a:r>
+              <a:rPr lang="en-GB" i="1" dirty="0"/>
+              <a:t>Rotation </a:t>
             </a:r>
             <a:r>
               <a:rPr lang="en-GB" i="1" dirty="0" err="1"/>
@@ -5046,101 +5152,11 @@
             </a:r>
             <a:r>
               <a:rPr lang="en-GB" dirty="0"/>
-              <a:t>. In ICCV, pages </a:t>
-            </a:r>
-            <a:r>
-              <a:rPr lang="en-GB" dirty="0" smtClean="0"/>
-              <a:t>5058–5067, 2017.</a:t>
-            </a:r>
-          </a:p>
-          <a:p>
-            <a:endParaRPr lang="sv-SE" sz="1500" dirty="0"/>
-          </a:p>
-          <a:p>
-            <a:r>
-              <a:rPr lang="sv-SE" dirty="0" smtClean="0"/>
-              <a:t>[3]	  </a:t>
-            </a:r>
-            <a:r>
-              <a:rPr lang="en-GB" dirty="0" smtClean="0"/>
-              <a:t>Lei </a:t>
-            </a:r>
-            <a:r>
-              <a:rPr lang="en-GB" dirty="0"/>
-              <a:t>Li, </a:t>
-            </a:r>
-            <a:r>
-              <a:rPr lang="en-GB" dirty="0" err="1"/>
-              <a:t>Xiaoyi</a:t>
-            </a:r>
-            <a:r>
-              <a:rPr lang="en-GB" dirty="0"/>
-              <a:t> </a:t>
-            </a:r>
-            <a:r>
-              <a:rPr lang="en-GB" dirty="0" err="1"/>
-              <a:t>Feng</a:t>
-            </a:r>
-            <a:r>
-              <a:rPr lang="en-GB" dirty="0"/>
-              <a:t>, </a:t>
-            </a:r>
-            <a:r>
-              <a:rPr lang="en-GB" dirty="0" err="1"/>
-              <a:t>Zhaoqiang</a:t>
-            </a:r>
-            <a:r>
-              <a:rPr lang="en-GB" dirty="0"/>
-              <a:t> Xia, </a:t>
-            </a:r>
-            <a:r>
-              <a:rPr lang="en-GB" dirty="0" err="1"/>
-              <a:t>Xiaoyue</a:t>
-            </a:r>
-            <a:r>
-              <a:rPr lang="en-GB" dirty="0"/>
-              <a:t> Jiang, and </a:t>
-            </a:r>
-            <a:r>
-              <a:rPr lang="en-GB" dirty="0" err="1" smtClean="0"/>
-              <a:t>Abdenour</a:t>
-            </a:r>
-            <a:r>
-              <a:rPr lang="en-GB" dirty="0" smtClean="0"/>
-              <a:t> </a:t>
-            </a:r>
-            <a:r>
-              <a:rPr lang="en-GB" dirty="0" err="1" smtClean="0"/>
-              <a:t>Hadid</a:t>
-            </a:r>
-            <a:r>
-              <a:rPr lang="en-GB" dirty="0"/>
-              <a:t>. Face spoofing detection with </a:t>
-            </a:r>
-            <a:r>
-              <a:rPr lang="en-GB" dirty="0" smtClean="0"/>
-              <a:t>	    	  local </a:t>
-            </a:r>
-            <a:r>
-              <a:rPr lang="en-GB" dirty="0"/>
-              <a:t>binary pattern </a:t>
-            </a:r>
-            <a:r>
-              <a:rPr lang="en-GB" dirty="0" smtClean="0"/>
-              <a:t>network. Journal </a:t>
-            </a:r>
-            <a:r>
-              <a:rPr lang="en-GB" dirty="0"/>
-              <a:t>of Visual Communication and Image Representation, </a:t>
-            </a:r>
-            <a:r>
-              <a:rPr lang="en-GB" dirty="0" smtClean="0"/>
-              <a:t>54:182–192, 	  	  2018</a:t>
-            </a:r>
-            <a:r>
-              <a:rPr lang="en-GB" dirty="0"/>
-              <a:t>.</a:t>
-            </a:r>
+              <a:t>. 	In ICCV, pages 5058–5067, 2017.</a:t>
+            </a:r>
+          </a:p>
+          <a:p>
+            <a:endParaRPr lang="en-GB" dirty="0"/>
           </a:p>
         </p:txBody>
       </p:sp>
@@ -5300,7 +5316,15 @@
           <a:p>
             <a:r>
               <a:rPr lang="sv-SE" dirty="0" smtClean="0"/>
-              <a:t>Concieved by Ojala et al in 2002. [1]</a:t>
+              <a:t>Concieved by Ojala et al in </a:t>
+            </a:r>
+            <a:r>
+              <a:rPr lang="sv-SE" dirty="0" smtClean="0"/>
+              <a:t>1996 and extended in 2002</a:t>
+            </a:r>
+            <a:r>
+              <a:rPr lang="sv-SE" dirty="0" smtClean="0"/>
+              <a:t>. [1]</a:t>
             </a:r>
           </a:p>
           <a:p>
@@ -5343,31 +5367,31 @@
               <a:t>Ojala, Matti Pietikainen, and Topi Maenpaa. </a:t>
             </a:r>
             <a:r>
-              <a:rPr lang="fi-FI" dirty="0" smtClean="0"/>
+              <a:rPr lang="fi-FI" i="1" dirty="0" smtClean="0"/>
               <a:t>Multiresolution </a:t>
             </a:r>
             <a:r>
-              <a:rPr lang="en-GB" dirty="0" err="1" smtClean="0"/>
+              <a:rPr lang="en-GB" i="1" dirty="0" err="1" smtClean="0"/>
               <a:t>gray</a:t>
             </a:r>
             <a:r>
-              <a:rPr lang="en-GB" dirty="0" smtClean="0"/>
+              <a:rPr lang="en-GB" i="1" dirty="0" smtClean="0"/>
               <a:t>-scale </a:t>
             </a:r>
             <a:r>
-              <a:rPr lang="en-GB" dirty="0"/>
+              <a:rPr lang="en-GB" i="1" dirty="0"/>
               <a:t>and rotation invariant </a:t>
             </a:r>
             <a:r>
-              <a:rPr lang="en-GB" dirty="0" smtClean="0"/>
+              <a:rPr lang="en-GB" i="1" dirty="0" smtClean="0"/>
               <a:t>	  	  texture </a:t>
             </a:r>
             <a:r>
-              <a:rPr lang="en-GB" dirty="0"/>
+              <a:rPr lang="en-GB" i="1" dirty="0"/>
               <a:t>classification with local </a:t>
             </a:r>
             <a:r>
-              <a:rPr lang="en-GB" dirty="0" smtClean="0"/>
+              <a:rPr lang="en-GB" i="1" dirty="0" smtClean="0"/>
               <a:t>binary patterns</a:t>
             </a:r>
             <a:r>
@@ -5384,7 +5408,6 @@
               <a:rPr lang="en-GB" dirty="0"/>
               <a:t>, 24(7):971–987, 2002.</a:t>
             </a:r>
-            <a:endParaRPr lang="en-GB" dirty="0"/>
           </a:p>
         </p:txBody>
       </p:sp>
@@ -5397,13 +5420,13 @@
           <p:nvPr>
             <p:extLst>
               <p:ext uri="{D42A27DB-BD31-4B8C-83A1-F6EECF244321}">
-                <p14:modId xmlns:p14="http://schemas.microsoft.com/office/powerpoint/2010/main" val="3557319213"/>
+                <p14:modId xmlns:p14="http://schemas.microsoft.com/office/powerpoint/2010/main" val="3301256833"/>
               </p:ext>
             </p:extLst>
           </p:nvPr>
         </p:nvGraphicFramePr>
         <p:xfrm>
-          <a:off x="7918749" y="10152509"/>
+          <a:off x="7918749" y="10512552"/>
           <a:ext cx="10009110" cy="9433045"/>
         </p:xfrm>
         <a:graphic>
@@ -5517,7 +5540,7 @@
                     <a:bodyPr/>
                     <a:lstStyle/>
                     <a:p>
-                      <a:endParaRPr lang="en-GB"/>
+                      <a:endParaRPr lang="en-GB" dirty="0"/>
                     </a:p>
                   </a:txBody>
                   <a:tcPr/>
@@ -5691,7 +5714,7 @@
         </p:nvSpPr>
         <p:spPr bwMode="auto">
           <a:xfrm>
-            <a:off x="12581267" y="14472989"/>
+            <a:off x="12581267" y="14833032"/>
             <a:ext cx="738082" cy="684076"/>
           </a:xfrm>
           <a:prstGeom prst="ellipse">
@@ -5753,7 +5776,7 @@
         </p:nvSpPr>
         <p:spPr bwMode="auto">
           <a:xfrm>
-            <a:off x="12527261" y="10728573"/>
+            <a:off x="12527261" y="11088616"/>
             <a:ext cx="738082" cy="684076"/>
           </a:xfrm>
           <a:prstGeom prst="ellipse">
@@ -5815,7 +5838,7 @@
         </p:nvSpPr>
         <p:spPr bwMode="auto">
           <a:xfrm>
-            <a:off x="12535783" y="18325417"/>
+            <a:off x="12535783" y="18685460"/>
             <a:ext cx="738082" cy="684076"/>
           </a:xfrm>
           <a:prstGeom prst="ellipse">
@@ -5877,7 +5900,7 @@
         </p:nvSpPr>
         <p:spPr bwMode="auto">
           <a:xfrm>
-            <a:off x="16541707" y="14478204"/>
+            <a:off x="16541707" y="14838247"/>
             <a:ext cx="738082" cy="684076"/>
           </a:xfrm>
           <a:prstGeom prst="ellipse">
@@ -5941,7 +5964,7 @@
         </p:nvSpPr>
         <p:spPr bwMode="auto">
           <a:xfrm>
-            <a:off x="8566821" y="14472989"/>
+            <a:off x="8566821" y="14833032"/>
             <a:ext cx="738082" cy="684076"/>
           </a:xfrm>
           <a:prstGeom prst="ellipse">
@@ -6003,7 +6026,7 @@
         </p:nvSpPr>
         <p:spPr bwMode="auto">
           <a:xfrm>
-            <a:off x="9718949" y="11808693"/>
+            <a:off x="9718949" y="12168736"/>
             <a:ext cx="738082" cy="684076"/>
           </a:xfrm>
           <a:prstGeom prst="ellipse">
@@ -6065,7 +6088,7 @@
         </p:nvSpPr>
         <p:spPr bwMode="auto">
           <a:xfrm>
-            <a:off x="15389579" y="11880701"/>
+            <a:off x="15389579" y="12240744"/>
             <a:ext cx="738082" cy="684076"/>
           </a:xfrm>
           <a:prstGeom prst="ellipse">
@@ -6127,7 +6150,7 @@
         </p:nvSpPr>
         <p:spPr bwMode="auto">
           <a:xfrm>
-            <a:off x="9628939" y="17137285"/>
+            <a:off x="9628939" y="17497328"/>
             <a:ext cx="738082" cy="684076"/>
           </a:xfrm>
           <a:prstGeom prst="ellipse">
@@ -6136,7 +6159,7 @@
           <a:solidFill>
             <a:schemeClr val="bg1"/>
           </a:solidFill>
-          <a:ln>
+          <a:ln w="38100">
             <a:solidFill>
               <a:schemeClr val="tx1"/>
             </a:solidFill>
@@ -6189,7 +6212,7 @@
         </p:nvSpPr>
         <p:spPr bwMode="auto">
           <a:xfrm>
-            <a:off x="15479589" y="17137285"/>
+            <a:off x="15479589" y="17497328"/>
             <a:ext cx="738082" cy="684076"/>
           </a:xfrm>
           <a:prstGeom prst="ellipse">
@@ -6198,7 +6221,7 @@
           <a:solidFill>
             <a:schemeClr val="bg1"/>
           </a:solidFill>
-          <a:ln>
+          <a:ln w="38100">
             <a:solidFill>
               <a:schemeClr val="tx1"/>
             </a:solidFill>
@@ -6251,7 +6274,7 @@
         </p:nvSpPr>
         <p:spPr>
           <a:xfrm>
-            <a:off x="7990757" y="19945597"/>
+            <a:off x="7990757" y="20205753"/>
             <a:ext cx="9577064" cy="1107996"/>
           </a:xfrm>
           <a:prstGeom prst="rect">
@@ -6284,7 +6307,7 @@
             </p:nvSpPr>
             <p:spPr>
               <a:xfrm>
-                <a:off x="19440029" y="9288413"/>
+                <a:off x="19440029" y="10095138"/>
                 <a:ext cx="14833648" cy="13594875"/>
               </a:xfrm>
               <a:prstGeom prst="rect">
@@ -6563,11 +6586,14 @@
               <a:p>
                 <a:r>
                   <a:rPr lang="sv-SE" sz="5400" dirty="0" smtClean="0"/>
-                  <a:t>S = binary thresholding function</a:t>
+                  <a:t>s </a:t>
+                </a:r>
+                <a:r>
+                  <a:rPr lang="sv-SE" sz="5400" dirty="0" smtClean="0"/>
+                  <a:t>= binary thresholding function</a:t>
                 </a:r>
               </a:p>
               <a:p>
-                <a:pPr/>
                 <a14:m>
                   <m:oMath xmlns:m="http://schemas.openxmlformats.org/officeDocument/2006/math">
                     <m:sSub>
@@ -6664,7 +6690,7 @@
             </p:nvSpPr>
             <p:spPr>
               <a:xfrm>
-                <a:off x="19440029" y="9288413"/>
+                <a:off x="19440029" y="10095138"/>
                 <a:ext cx="14833648" cy="13594875"/>
               </a:xfrm>
               <a:prstGeom prst="rect">
@@ -6792,15 +6818,7 @@
           <a:p>
             <a:r>
               <a:rPr lang="sv-SE" dirty="0" smtClean="0"/>
-              <a:t>Ground truth on patient level, </a:t>
-            </a:r>
-            <a:r>
-              <a:rPr lang="sv-SE" dirty="0" smtClean="0"/>
-              <a:t>not </a:t>
-            </a:r>
-            <a:r>
-              <a:rPr lang="sv-SE" dirty="0" smtClean="0"/>
-              <a:t>cell level</a:t>
+              <a:t>Ground truth on patient level, not cell level</a:t>
             </a:r>
             <a:endParaRPr lang="en-GB" dirty="0"/>
           </a:p>
@@ -7526,76 +7544,163 @@
           </a:p>
         </p:txBody>
       </p:sp>
-      <p:sp>
-        <p:nvSpPr>
-          <p:cNvPr id="3" name="Content Placeholder 2"/>
-          <p:cNvSpPr>
-            <a:spLocks noGrp="1"/>
-          </p:cNvSpPr>
-          <p:nvPr>
-            <p:ph idx="1"/>
-          </p:nvPr>
-        </p:nvSpPr>
-        <p:spPr>
-          <a:xfrm>
-            <a:off x="7270677" y="4751909"/>
-            <a:ext cx="27779663" cy="17640300"/>
-          </a:xfrm>
-        </p:spPr>
-        <p:txBody>
-          <a:bodyPr/>
-          <a:lstStyle/>
-          <a:p>
-            <a:r>
-              <a:rPr lang="sv-SE" sz="9200" dirty="0" smtClean="0"/>
-              <a:t>Idea: Fixed LBP inspired convolutional layers</a:t>
-            </a:r>
-          </a:p>
-          <a:p>
-            <a:r>
-              <a:rPr lang="sv-SE" sz="9200" dirty="0" smtClean="0"/>
-              <a:t>LBCCN Module</a:t>
-            </a:r>
-          </a:p>
-          <a:p>
-            <a:pPr marL="0" indent="0">
-              <a:buNone/>
-            </a:pPr>
-            <a:r>
-              <a:rPr lang="sv-SE" sz="9200" dirty="0" smtClean="0"/>
-              <a:t>	- 3x3 filter with randomly arranged values of 	  1 and -1</a:t>
-            </a:r>
-          </a:p>
-          <a:p>
-            <a:pPr marL="0" indent="0">
-              <a:buNone/>
-            </a:pPr>
-            <a:r>
-              <a:rPr lang="sv-SE" sz="9200" dirty="0"/>
-              <a:t>	</a:t>
-            </a:r>
-            <a:r>
-              <a:rPr lang="sv-SE" sz="9200" dirty="0" smtClean="0"/>
-              <a:t>- Sigmoid activation</a:t>
-            </a:r>
-          </a:p>
-          <a:p>
-            <a:pPr marL="0" indent="0">
-              <a:buNone/>
-            </a:pPr>
-            <a:r>
-              <a:rPr lang="sv-SE" sz="9200" dirty="0" smtClean="0"/>
-              <a:t>	- Multiply feature map by constant (1x1 conv)</a:t>
-            </a:r>
-          </a:p>
-          <a:p>
-            <a:pPr marL="0" indent="0">
-              <a:buNone/>
-            </a:pPr>
-            <a:endParaRPr lang="sv-SE" sz="9200" dirty="0" smtClean="0"/>
-          </a:p>
-        </p:txBody>
-      </p:sp>
+      <mc:AlternateContent xmlns:mc="http://schemas.openxmlformats.org/markup-compatibility/2006">
+        <mc:Choice xmlns:a14="http://schemas.microsoft.com/office/drawing/2010/main" Requires="a14">
+          <p:sp>
+            <p:nvSpPr>
+              <p:cNvPr id="3" name="Content Placeholder 2"/>
+              <p:cNvSpPr>
+                <a:spLocks noGrp="1"/>
+              </p:cNvSpPr>
+              <p:nvPr>
+                <p:ph idx="1"/>
+              </p:nvPr>
+            </p:nvSpPr>
+            <p:spPr>
+              <a:xfrm>
+                <a:off x="7270677" y="4751909"/>
+                <a:ext cx="27779663" cy="17640300"/>
+              </a:xfrm>
+            </p:spPr>
+            <p:txBody>
+              <a:bodyPr/>
+              <a:lstStyle/>
+              <a:p>
+                <a:r>
+                  <a:rPr lang="sv-SE" sz="9200" dirty="0" smtClean="0"/>
+                  <a:t>Idea: Fixed </a:t>
+                </a:r>
+                <a:r>
+                  <a:rPr lang="sv-SE" sz="9200" dirty="0" smtClean="0"/>
+                  <a:t>LBP-inspired </a:t>
+                </a:r>
+                <a:r>
+                  <a:rPr lang="sv-SE" sz="9200" dirty="0" smtClean="0"/>
+                  <a:t>convolutional layers</a:t>
+                </a:r>
+              </a:p>
+              <a:p>
+                <a:r>
+                  <a:rPr lang="sv-SE" sz="9200" dirty="0" smtClean="0"/>
+                  <a:t>LBCCN Module</a:t>
+                </a:r>
+              </a:p>
+              <a:p>
+                <a:pPr lvl="1"/>
+                <a:r>
+                  <a:rPr lang="sv-SE" sz="8000" dirty="0" smtClean="0"/>
+                  <a:t>3x3 filters </a:t>
+                </a:r>
+                <a:r>
+                  <a:rPr lang="sv-SE" sz="8000" dirty="0" smtClean="0"/>
+                  <a:t>with randomly arranged values of </a:t>
+                </a:r>
+                <a:r>
+                  <a:rPr lang="sv-SE" sz="8000" dirty="0" smtClean="0"/>
+                  <a:t>1 </a:t>
+                </a:r>
+                <a:r>
+                  <a:rPr lang="sv-SE" sz="8000" dirty="0" smtClean="0"/>
+                  <a:t>and -1</a:t>
+                </a:r>
+              </a:p>
+              <a:p>
+                <a:pPr lvl="1"/>
+                <a:r>
+                  <a:rPr lang="sv-SE" sz="8000" dirty="0" smtClean="0"/>
+                  <a:t>Sigmoid activation to smooth noise</a:t>
+                </a:r>
+                <a:endParaRPr lang="sv-SE" sz="8000" dirty="0" smtClean="0"/>
+              </a:p>
+              <a:p>
+                <a:pPr lvl="1"/>
+                <a:r>
+                  <a:rPr lang="sv-SE" sz="8000" dirty="0" smtClean="0"/>
+                  <a:t>Multiply each output by learnable constant </a:t>
+                </a:r>
+                <a14:m>
+                  <m:oMath xmlns:m="http://schemas.openxmlformats.org/officeDocument/2006/math">
+                    <m:r>
+                      <a:rPr lang="en-GB" sz="8000" i="1">
+                        <a:latin typeface="Cambria Math"/>
+                      </a:rPr>
+                      <m:t>𝑣</m:t>
+                    </m:r>
+                  </m:oMath>
+                </a14:m>
+                <a:endParaRPr lang="sv-SE" sz="8000" dirty="0" smtClean="0"/>
+              </a:p>
+              <a:p>
+                <a:pPr marL="0" indent="0">
+                  <a:buNone/>
+                </a:pPr>
+                <a:endParaRPr lang="sv-SE" sz="9200" dirty="0" smtClean="0"/>
+              </a:p>
+              <a:p>
+                <a:pPr marL="0" indent="0">
+                  <a:buNone/>
+                </a:pPr>
+                <a:endParaRPr lang="sv-SE" sz="9200" dirty="0"/>
+              </a:p>
+              <a:p>
+                <a:pPr marL="0" indent="0">
+                  <a:buNone/>
+                </a:pPr>
+                <a:endParaRPr lang="sv-SE" sz="9200" dirty="0" smtClean="0"/>
+              </a:p>
+              <a:p>
+                <a:pPr marL="0" indent="0">
+                  <a:buNone/>
+                </a:pPr>
+                <a:endParaRPr lang="sv-SE" sz="9200" dirty="0"/>
+              </a:p>
+              <a:p>
+                <a:pPr marL="0" indent="0">
+                  <a:buNone/>
+                </a:pPr>
+                <a:endParaRPr lang="sv-SE" sz="9200" dirty="0" smtClean="0"/>
+              </a:p>
+            </p:txBody>
+          </p:sp>
+        </mc:Choice>
+        <mc:Fallback>
+          <p:sp>
+            <p:nvSpPr>
+              <p:cNvPr id="3" name="Content Placeholder 2"/>
+              <p:cNvSpPr>
+                <a:spLocks noGrp="1" noRot="1" noChangeAspect="1" noMove="1" noResize="1" noEditPoints="1" noAdjustHandles="1" noChangeArrowheads="1" noChangeShapeType="1" noTextEdit="1"/>
+              </p:cNvSpPr>
+              <p:nvPr>
+                <p:ph idx="1"/>
+              </p:nvPr>
+            </p:nvSpPr>
+            <p:spPr>
+              <a:xfrm>
+                <a:off x="7270677" y="4751909"/>
+                <a:ext cx="27779663" cy="17640300"/>
+              </a:xfrm>
+              <a:blipFill rotWithShape="1">
+                <a:blip r:embed="rId2"/>
+                <a:stretch>
+                  <a:fillRect l="-1097" t="-1002"/>
+                </a:stretch>
+              </a:blipFill>
+            </p:spPr>
+            <p:txBody>
+              <a:bodyPr/>
+              <a:lstStyle/>
+              <a:p>
+                <a:r>
+                  <a:rPr lang="en-GB">
+                    <a:noFill/>
+                  </a:rPr>
+                  <a:t> </a:t>
+                </a:r>
+              </a:p>
+            </p:txBody>
+          </p:sp>
+        </mc:Fallback>
+      </mc:AlternateContent>
       <p:graphicFrame>
         <p:nvGraphicFramePr>
           <p:cNvPr id="20" name="Table 19"/>
@@ -7605,14 +7710,14 @@
           <p:nvPr>
             <p:extLst>
               <p:ext uri="{D42A27DB-BD31-4B8C-83A1-F6EECF244321}">
-                <p14:modId xmlns:p14="http://schemas.microsoft.com/office/powerpoint/2010/main" val="3296054368"/>
+                <p14:modId xmlns:p14="http://schemas.microsoft.com/office/powerpoint/2010/main" val="708541717"/>
               </p:ext>
             </p:extLst>
           </p:nvPr>
         </p:nvGraphicFramePr>
         <p:xfrm>
-          <a:off x="9790957" y="16129173"/>
-          <a:ext cx="5472609" cy="4176465"/>
+          <a:off x="6478590" y="14256966"/>
+          <a:ext cx="3672408" cy="3456384"/>
         </p:xfrm>
         <a:graphic>
           <a:graphicData uri="http://schemas.openxmlformats.org/drawingml/2006/table">
@@ -7621,11 +7726,11 @@
                 <a:tableStyleId>{5940675A-B579-460E-94D1-54222C63F5DA}</a:tableStyleId>
               </a:tblPr>
               <a:tblGrid>
-                <a:gridCol w="1824203"/>
-                <a:gridCol w="1824203"/>
-                <a:gridCol w="1824203"/>
+                <a:gridCol w="1224136"/>
+                <a:gridCol w="1224136"/>
+                <a:gridCol w="1224136"/>
               </a:tblGrid>
-              <a:tr h="1379383">
+              <a:tr h="1141558">
                 <a:tc>
                   <a:txBody>
                     <a:bodyPr/>
@@ -7633,10 +7738,10 @@
                     <a:p>
                       <a:pPr algn="ctr"/>
                       <a:r>
-                        <a:rPr lang="sv-SE" sz="7000" b="1" dirty="0" smtClean="0"/>
+                        <a:rPr lang="sv-SE" sz="5400" b="1" dirty="0" smtClean="0"/>
                         <a:t>1</a:t>
                       </a:r>
-                      <a:endParaRPr lang="en-GB" sz="7000" b="1" dirty="0"/>
+                      <a:endParaRPr lang="en-GB" sz="5400" b="1" dirty="0"/>
                     </a:p>
                   </a:txBody>
                   <a:tcPr/>
@@ -7648,10 +7753,10 @@
                     <a:p>
                       <a:pPr algn="ctr"/>
                       <a:r>
-                        <a:rPr lang="sv-SE" sz="7000" b="1" dirty="0" smtClean="0"/>
+                        <a:rPr lang="sv-SE" sz="5400" b="1" dirty="0" smtClean="0"/>
                         <a:t>0</a:t>
                       </a:r>
-                      <a:endParaRPr lang="en-GB" sz="7000" b="1" dirty="0"/>
+                      <a:endParaRPr lang="en-GB" sz="5400" b="1" dirty="0"/>
                     </a:p>
                   </a:txBody>
                   <a:tcPr/>
@@ -7663,16 +7768,16 @@
                     <a:p>
                       <a:pPr algn="ctr"/>
                       <a:r>
-                        <a:rPr lang="sv-SE" sz="7000" b="1" dirty="0" smtClean="0"/>
+                        <a:rPr lang="sv-SE" sz="5400" b="1" dirty="0" smtClean="0"/>
                         <a:t>0</a:t>
                       </a:r>
-                      <a:endParaRPr lang="en-GB" sz="7000" b="1" dirty="0"/>
+                      <a:endParaRPr lang="en-GB" sz="5400" b="1" dirty="0"/>
                     </a:p>
                   </a:txBody>
                   <a:tcPr/>
                 </a:tc>
               </a:tr>
-              <a:tr h="1398541">
+              <a:tr h="1157413">
                 <a:tc>
                   <a:txBody>
                     <a:bodyPr/>
@@ -7680,10 +7785,10 @@
                     <a:p>
                       <a:pPr algn="ctr"/>
                       <a:r>
-                        <a:rPr lang="sv-SE" sz="7000" b="1" dirty="0" smtClean="0"/>
+                        <a:rPr lang="sv-SE" sz="5400" b="1" dirty="0" smtClean="0"/>
                         <a:t>0</a:t>
                       </a:r>
-                      <a:endParaRPr lang="en-GB" sz="7000" b="1" dirty="0"/>
+                      <a:endParaRPr lang="en-GB" sz="5400" b="1" dirty="0"/>
                     </a:p>
                   </a:txBody>
                   <a:tcPr/>
@@ -7695,10 +7800,10 @@
                     <a:p>
                       <a:pPr algn="ctr"/>
                       <a:r>
-                        <a:rPr lang="sv-SE" sz="7000" b="1" dirty="0" smtClean="0"/>
+                        <a:rPr lang="sv-SE" sz="5400" b="1" dirty="0" smtClean="0"/>
                         <a:t>-1</a:t>
                       </a:r>
-                      <a:endParaRPr lang="en-GB" sz="7000" b="1" dirty="0"/>
+                      <a:endParaRPr lang="en-GB" sz="5400" b="1" dirty="0"/>
                     </a:p>
                   </a:txBody>
                   <a:tcPr/>
@@ -7710,16 +7815,16 @@
                     <a:p>
                       <a:pPr algn="ctr"/>
                       <a:r>
-                        <a:rPr lang="sv-SE" sz="7000" b="1" dirty="0" smtClean="0"/>
+                        <a:rPr lang="sv-SE" sz="5400" b="1" dirty="0" smtClean="0"/>
                         <a:t>0</a:t>
                       </a:r>
-                      <a:endParaRPr lang="en-GB" sz="7000" b="1" dirty="0"/>
+                      <a:endParaRPr lang="en-GB" sz="5400" b="1" dirty="0"/>
                     </a:p>
                   </a:txBody>
                   <a:tcPr/>
                 </a:tc>
               </a:tr>
-              <a:tr h="1398541">
+              <a:tr h="1157413">
                 <a:tc>
                   <a:txBody>
                     <a:bodyPr/>
@@ -7727,10 +7832,10 @@
                     <a:p>
                       <a:pPr algn="ctr"/>
                       <a:r>
-                        <a:rPr lang="sv-SE" sz="7000" b="1" dirty="0" smtClean="0"/>
+                        <a:rPr lang="sv-SE" sz="5400" b="1" dirty="0" smtClean="0"/>
                         <a:t>0</a:t>
                       </a:r>
-                      <a:endParaRPr lang="en-GB" sz="7000" b="1" dirty="0"/>
+                      <a:endParaRPr lang="en-GB" sz="5400" b="1" dirty="0"/>
                     </a:p>
                   </a:txBody>
                   <a:tcPr/>
@@ -7742,10 +7847,10 @@
                     <a:p>
                       <a:pPr algn="ctr"/>
                       <a:r>
-                        <a:rPr lang="sv-SE" sz="7000" b="1" dirty="0" smtClean="0"/>
+                        <a:rPr lang="sv-SE" sz="5400" b="1" dirty="0" smtClean="0"/>
                         <a:t>0</a:t>
                       </a:r>
-                      <a:endParaRPr lang="en-GB" sz="7000" b="1" dirty="0"/>
+                      <a:endParaRPr lang="en-GB" sz="5400" b="1" dirty="0"/>
                     </a:p>
                   </a:txBody>
                   <a:tcPr/>
@@ -7757,10 +7862,10 @@
                     <a:p>
                       <a:pPr algn="ctr"/>
                       <a:r>
-                        <a:rPr lang="sv-SE" sz="7000" b="1" dirty="0" smtClean="0"/>
+                        <a:rPr lang="sv-SE" sz="5400" b="1" dirty="0" smtClean="0"/>
                         <a:t>0</a:t>
                       </a:r>
-                      <a:endParaRPr lang="en-GB" sz="7000" b="1" dirty="0"/>
+                      <a:endParaRPr lang="en-GB" sz="5400" b="1" dirty="0"/>
                     </a:p>
                   </a:txBody>
                   <a:tcPr/>
@@ -7779,14 +7884,14 @@
           <p:nvPr>
             <p:extLst>
               <p:ext uri="{D42A27DB-BD31-4B8C-83A1-F6EECF244321}">
-                <p14:modId xmlns:p14="http://schemas.microsoft.com/office/powerpoint/2010/main" val="1768089442"/>
+                <p14:modId xmlns:p14="http://schemas.microsoft.com/office/powerpoint/2010/main" val="738636015"/>
               </p:ext>
             </p:extLst>
           </p:nvPr>
         </p:nvGraphicFramePr>
         <p:xfrm>
-          <a:off x="16631717" y="17425317"/>
-          <a:ext cx="5472609" cy="4176465"/>
+          <a:off x="6478589" y="18217404"/>
+          <a:ext cx="3672408" cy="3528393"/>
         </p:xfrm>
         <a:graphic>
           <a:graphicData uri="http://schemas.openxmlformats.org/drawingml/2006/table">
@@ -7795,11 +7900,11 @@
                 <a:tableStyleId>{5940675A-B579-460E-94D1-54222C63F5DA}</a:tableStyleId>
               </a:tblPr>
               <a:tblGrid>
-                <a:gridCol w="1824203"/>
-                <a:gridCol w="1824203"/>
-                <a:gridCol w="1824203"/>
+                <a:gridCol w="1224136"/>
+                <a:gridCol w="1224136"/>
+                <a:gridCol w="1224136"/>
               </a:tblGrid>
-              <a:tr h="1379383">
+              <a:tr h="1165341">
                 <a:tc>
                   <a:txBody>
                     <a:bodyPr/>
@@ -7807,10 +7912,10 @@
                     <a:p>
                       <a:pPr algn="ctr"/>
                       <a:r>
-                        <a:rPr lang="sv-SE" sz="7000" b="1" dirty="0" smtClean="0"/>
+                        <a:rPr lang="sv-SE" sz="5400" b="1" dirty="0" smtClean="0"/>
                         <a:t>0</a:t>
                       </a:r>
-                      <a:endParaRPr lang="en-GB" sz="7000" b="1" dirty="0"/>
+                      <a:endParaRPr lang="en-GB" sz="5400" b="1" dirty="0"/>
                     </a:p>
                   </a:txBody>
                   <a:tcPr/>
@@ -7822,10 +7927,10 @@
                     <a:p>
                       <a:pPr algn="ctr"/>
                       <a:r>
-                        <a:rPr lang="sv-SE" sz="7000" b="1" dirty="0" smtClean="0"/>
+                        <a:rPr lang="sv-SE" sz="5400" b="1" dirty="0" smtClean="0"/>
                         <a:t>1</a:t>
                       </a:r>
-                      <a:endParaRPr lang="en-GB" sz="7000" b="1" dirty="0"/>
+                      <a:endParaRPr lang="en-GB" sz="5400" b="1" dirty="0"/>
                     </a:p>
                   </a:txBody>
                   <a:tcPr/>
@@ -7837,16 +7942,16 @@
                     <a:p>
                       <a:pPr algn="ctr"/>
                       <a:r>
-                        <a:rPr lang="sv-SE" sz="7000" b="1" dirty="0" smtClean="0"/>
+                        <a:rPr lang="sv-SE" sz="5400" b="1" dirty="0" smtClean="0"/>
                         <a:t>0</a:t>
                       </a:r>
-                      <a:endParaRPr lang="en-GB" sz="7000" b="1" dirty="0"/>
+                      <a:endParaRPr lang="en-GB" sz="5400" b="1" dirty="0"/>
                     </a:p>
                   </a:txBody>
                   <a:tcPr/>
                 </a:tc>
               </a:tr>
-              <a:tr h="1398541">
+              <a:tr h="1181526">
                 <a:tc>
                   <a:txBody>
                     <a:bodyPr/>
@@ -7854,10 +7959,10 @@
                     <a:p>
                       <a:pPr algn="ctr"/>
                       <a:r>
-                        <a:rPr lang="sv-SE" sz="7000" b="1" dirty="0" smtClean="0"/>
+                        <a:rPr lang="sv-SE" sz="5400" b="1" dirty="0" smtClean="0"/>
                         <a:t>0</a:t>
                       </a:r>
-                      <a:endParaRPr lang="en-GB" sz="7000" b="1" dirty="0"/>
+                      <a:endParaRPr lang="en-GB" sz="5400" b="1" dirty="0"/>
                     </a:p>
                   </a:txBody>
                   <a:tcPr/>
@@ -7869,10 +7974,10 @@
                     <a:p>
                       <a:pPr algn="ctr"/>
                       <a:r>
-                        <a:rPr lang="sv-SE" sz="7000" b="1" dirty="0" smtClean="0"/>
+                        <a:rPr lang="sv-SE" sz="5400" b="1" dirty="0" smtClean="0"/>
                         <a:t>0</a:t>
                       </a:r>
-                      <a:endParaRPr lang="en-GB" sz="7000" b="1" dirty="0"/>
+                      <a:endParaRPr lang="en-GB" sz="5400" b="1" dirty="0"/>
                     </a:p>
                   </a:txBody>
                   <a:tcPr/>
@@ -7884,16 +7989,16 @@
                     <a:p>
                       <a:pPr algn="ctr"/>
                       <a:r>
-                        <a:rPr lang="sv-SE" sz="7000" b="1" dirty="0" smtClean="0"/>
+                        <a:rPr lang="sv-SE" sz="5400" b="1" dirty="0" smtClean="0"/>
                         <a:t>1</a:t>
                       </a:r>
-                      <a:endParaRPr lang="en-GB" sz="7000" b="1" dirty="0"/>
+                      <a:endParaRPr lang="en-GB" sz="5400" b="1" dirty="0"/>
                     </a:p>
                   </a:txBody>
                   <a:tcPr/>
                 </a:tc>
               </a:tr>
-              <a:tr h="1398541">
+              <a:tr h="1181526">
                 <a:tc>
                   <a:txBody>
                     <a:bodyPr/>
@@ -7901,10 +8006,10 @@
                     <a:p>
                       <a:pPr algn="ctr"/>
                       <a:r>
-                        <a:rPr lang="sv-SE" sz="7000" b="1" dirty="0" smtClean="0"/>
+                        <a:rPr lang="sv-SE" sz="5400" b="1" dirty="0" smtClean="0"/>
                         <a:t>0</a:t>
                       </a:r>
-                      <a:endParaRPr lang="en-GB" sz="7000" b="1" dirty="0"/>
+                      <a:endParaRPr lang="en-GB" sz="5400" b="1" dirty="0"/>
                     </a:p>
                   </a:txBody>
                   <a:tcPr/>
@@ -7916,10 +8021,10 @@
                     <a:p>
                       <a:pPr algn="ctr"/>
                       <a:r>
-                        <a:rPr lang="sv-SE" sz="7000" b="1" dirty="0" smtClean="0"/>
+                        <a:rPr lang="sv-SE" sz="5400" b="1" dirty="0" smtClean="0"/>
                         <a:t>-1</a:t>
                       </a:r>
-                      <a:endParaRPr lang="en-GB" sz="7000" b="1" dirty="0"/>
+                      <a:endParaRPr lang="en-GB" sz="5400" b="1" dirty="0"/>
                     </a:p>
                   </a:txBody>
                   <a:tcPr/>
@@ -7931,10 +8036,10 @@
                     <a:p>
                       <a:pPr algn="ctr"/>
                       <a:r>
-                        <a:rPr lang="sv-SE" sz="7000" b="1" dirty="0" smtClean="0"/>
+                        <a:rPr lang="sv-SE" sz="5400" b="1" dirty="0" smtClean="0"/>
                         <a:t>0</a:t>
                       </a:r>
-                      <a:endParaRPr lang="en-GB" sz="7000" b="1" dirty="0"/>
+                      <a:endParaRPr lang="en-GB" sz="5400" b="1" dirty="0"/>
                     </a:p>
                   </a:txBody>
                   <a:tcPr/>
@@ -7953,14 +8058,14 @@
           <p:nvPr>
             <p:extLst>
               <p:ext uri="{D42A27DB-BD31-4B8C-83A1-F6EECF244321}">
-                <p14:modId xmlns:p14="http://schemas.microsoft.com/office/powerpoint/2010/main" val="374228449"/>
+                <p14:modId xmlns:p14="http://schemas.microsoft.com/office/powerpoint/2010/main" val="814342614"/>
               </p:ext>
             </p:extLst>
           </p:nvPr>
         </p:nvGraphicFramePr>
         <p:xfrm>
-          <a:off x="23544485" y="16057165"/>
-          <a:ext cx="5472609" cy="4176465"/>
+          <a:off x="10799069" y="15116958"/>
+          <a:ext cx="3672408" cy="3460487"/>
         </p:xfrm>
         <a:graphic>
           <a:graphicData uri="http://schemas.openxmlformats.org/drawingml/2006/table">
@@ -7969,11 +8074,11 @@
                 <a:tableStyleId>{5940675A-B579-460E-94D1-54222C63F5DA}</a:tableStyleId>
               </a:tblPr>
               <a:tblGrid>
-                <a:gridCol w="1824203"/>
-                <a:gridCol w="1824203"/>
-                <a:gridCol w="1824203"/>
+                <a:gridCol w="1224136"/>
+                <a:gridCol w="1224136"/>
+                <a:gridCol w="1224136"/>
               </a:tblGrid>
-              <a:tr h="1379383">
+              <a:tr h="1142913">
                 <a:tc>
                   <a:txBody>
                     <a:bodyPr/>
@@ -7981,10 +8086,10 @@
                     <a:p>
                       <a:pPr algn="ctr"/>
                       <a:r>
-                        <a:rPr lang="sv-SE" sz="7000" b="1" dirty="0" smtClean="0"/>
+                        <a:rPr lang="sv-SE" sz="5400" b="1" dirty="0" smtClean="0"/>
                         <a:t>1</a:t>
                       </a:r>
-                      <a:endParaRPr lang="en-GB" sz="7000" b="1" dirty="0"/>
+                      <a:endParaRPr lang="en-GB" sz="5400" b="1" dirty="0"/>
                     </a:p>
                   </a:txBody>
                   <a:tcPr/>
@@ -7996,10 +8101,10 @@
                     <a:p>
                       <a:pPr algn="ctr"/>
                       <a:r>
-                        <a:rPr lang="sv-SE" sz="7000" b="1" dirty="0" smtClean="0"/>
+                        <a:rPr lang="sv-SE" sz="5400" b="1" dirty="0" smtClean="0"/>
                         <a:t>1</a:t>
                       </a:r>
-                      <a:endParaRPr lang="en-GB" sz="7000" b="1" dirty="0"/>
+                      <a:endParaRPr lang="en-GB" sz="5400" b="1" dirty="0"/>
                     </a:p>
                   </a:txBody>
                   <a:tcPr/>
@@ -8011,16 +8116,16 @@
                     <a:p>
                       <a:pPr algn="ctr"/>
                       <a:r>
-                        <a:rPr lang="sv-SE" sz="7000" b="1" dirty="0" smtClean="0"/>
+                        <a:rPr lang="sv-SE" sz="5400" b="1" dirty="0" smtClean="0"/>
                         <a:t>0</a:t>
                       </a:r>
-                      <a:endParaRPr lang="en-GB" sz="7000" b="1" dirty="0"/>
+                      <a:endParaRPr lang="en-GB" sz="5400" b="1" dirty="0"/>
                     </a:p>
                   </a:txBody>
                   <a:tcPr/>
                 </a:tc>
               </a:tr>
-              <a:tr h="1398541">
+              <a:tr h="1158787">
                 <a:tc>
                   <a:txBody>
                     <a:bodyPr/>
@@ -8028,10 +8133,10 @@
                     <a:p>
                       <a:pPr algn="ctr"/>
                       <a:r>
-                        <a:rPr lang="sv-SE" sz="7000" b="1" dirty="0" smtClean="0"/>
+                        <a:rPr lang="sv-SE" sz="5400" b="1" dirty="0" smtClean="0"/>
                         <a:t>0</a:t>
                       </a:r>
-                      <a:endParaRPr lang="en-GB" sz="7000" b="1" dirty="0"/>
+                      <a:endParaRPr lang="en-GB" sz="5400" b="1" dirty="0"/>
                     </a:p>
                   </a:txBody>
                   <a:tcPr/>
@@ -8043,10 +8148,10 @@
                     <a:p>
                       <a:pPr algn="ctr"/>
                       <a:r>
-                        <a:rPr lang="sv-SE" sz="7000" b="1" dirty="0" smtClean="0"/>
+                        <a:rPr lang="sv-SE" sz="5400" b="1" dirty="0" smtClean="0"/>
                         <a:t>0</a:t>
                       </a:r>
-                      <a:endParaRPr lang="en-GB" sz="7000" b="1" dirty="0"/>
+                      <a:endParaRPr lang="en-GB" sz="5400" b="1" dirty="0"/>
                     </a:p>
                   </a:txBody>
                   <a:tcPr/>
@@ -8058,16 +8163,16 @@
                     <a:p>
                       <a:pPr algn="ctr"/>
                       <a:r>
-                        <a:rPr lang="sv-SE" sz="7000" b="1" dirty="0" smtClean="0"/>
+                        <a:rPr lang="sv-SE" sz="5400" b="1" dirty="0" smtClean="0"/>
                         <a:t>0</a:t>
                       </a:r>
-                      <a:endParaRPr lang="en-GB" sz="7000" b="1" dirty="0"/>
+                      <a:endParaRPr lang="en-GB" sz="5400" b="1" dirty="0"/>
                     </a:p>
                   </a:txBody>
                   <a:tcPr/>
                 </a:tc>
               </a:tr>
-              <a:tr h="1398541">
+              <a:tr h="1158787">
                 <a:tc>
                   <a:txBody>
                     <a:bodyPr/>
@@ -8075,10 +8180,10 @@
                     <a:p>
                       <a:pPr algn="ctr"/>
                       <a:r>
-                        <a:rPr lang="sv-SE" sz="7000" b="1" dirty="0" smtClean="0"/>
+                        <a:rPr lang="sv-SE" sz="5400" b="1" dirty="0" smtClean="0"/>
                         <a:t>0</a:t>
                       </a:r>
-                      <a:endParaRPr lang="en-GB" sz="7000" b="1" dirty="0"/>
+                      <a:endParaRPr lang="en-GB" sz="5400" b="1" dirty="0"/>
                     </a:p>
                   </a:txBody>
                   <a:tcPr/>
@@ -8090,10 +8195,10 @@
                     <a:p>
                       <a:pPr algn="ctr"/>
                       <a:r>
-                        <a:rPr lang="sv-SE" sz="7000" b="1" dirty="0" smtClean="0"/>
+                        <a:rPr lang="sv-SE" sz="5400" b="1" dirty="0" smtClean="0"/>
                         <a:t>0</a:t>
                       </a:r>
-                      <a:endParaRPr lang="en-GB" sz="7000" b="1" dirty="0"/>
+                      <a:endParaRPr lang="en-GB" sz="5400" b="1" dirty="0"/>
                     </a:p>
                   </a:txBody>
                   <a:tcPr/>
@@ -8105,10 +8210,10 @@
                     <a:p>
                       <a:pPr algn="ctr"/>
                       <a:r>
-                        <a:rPr lang="sv-SE" sz="7000" b="1" dirty="0" smtClean="0"/>
+                        <a:rPr lang="sv-SE" sz="5400" b="1" dirty="0" smtClean="0"/>
                         <a:t>0</a:t>
                       </a:r>
-                      <a:endParaRPr lang="en-GB" sz="7000" b="1" dirty="0"/>
+                      <a:endParaRPr lang="en-GB" sz="5400" b="1" dirty="0"/>
                     </a:p>
                   </a:txBody>
                   <a:tcPr/>
@@ -8118,6 +8223,1780 @@
           </a:graphicData>
         </a:graphic>
       </p:graphicFrame>
+      <mc:AlternateContent xmlns:mc="http://schemas.openxmlformats.org/markup-compatibility/2006">
+        <mc:Choice xmlns:a14="http://schemas.microsoft.com/office/drawing/2010/main" Requires="a14">
+          <p:sp>
+            <p:nvSpPr>
+              <p:cNvPr id="4" name="TextBox 3"/>
+              <p:cNvSpPr txBox="1"/>
+              <p:nvPr/>
+            </p:nvSpPr>
+            <p:spPr>
+              <a:xfrm>
+                <a:off x="18215893" y="15843503"/>
+                <a:ext cx="3024336" cy="3551678"/>
+              </a:xfrm>
+              <a:prstGeom prst="rect">
+                <a:avLst/>
+              </a:prstGeom>
+              <a:noFill/>
+            </p:spPr>
+            <p:txBody>
+              <a:bodyPr wrap="square" rtlCol="0">
+                <a:spAutoFit/>
+              </a:bodyPr>
+              <a:lstStyle/>
+              <a:p>
+                <a14:m>
+                  <m:oMathPara xmlns:m="http://schemas.openxmlformats.org/officeDocument/2006/math">
+                    <m:oMathParaPr>
+                      <m:jc m:val="centerGroup"/>
+                    </m:oMathParaPr>
+                    <m:oMath xmlns:m="http://schemas.openxmlformats.org/officeDocument/2006/math">
+                      <m:nary>
+                        <m:naryPr>
+                          <m:chr m:val="∑"/>
+                          <m:ctrlPr>
+                            <a:rPr lang="pt-BR" sz="8000" i="1" smtClean="0">
+                              <a:latin typeface="Cambria Math"/>
+                            </a:rPr>
+                          </m:ctrlPr>
+                        </m:naryPr>
+                        <m:sub>
+                          <m:r>
+                            <a:rPr lang="pt-BR" sz="8000" i="1" smtClean="0">
+                              <a:latin typeface="Cambria Math"/>
+                            </a:rPr>
+                            <m:t>𝑘</m:t>
+                          </m:r>
+                          <m:r>
+                            <a:rPr lang="pt-BR" sz="8000" i="1" smtClean="0">
+                              <a:latin typeface="Cambria Math"/>
+                            </a:rPr>
+                            <m:t>=0</m:t>
+                          </m:r>
+                        </m:sub>
+                        <m:sup>
+                          <m:r>
+                            <a:rPr lang="pt-BR" sz="8000" i="1" smtClean="0">
+                              <a:latin typeface="Cambria Math"/>
+                            </a:rPr>
+                            <m:t>𝑛</m:t>
+                          </m:r>
+                          <m:r>
+                            <a:rPr lang="en-GB" sz="8000" b="0" i="1" smtClean="0">
+                              <a:latin typeface="Cambria Math"/>
+                            </a:rPr>
+                            <m:t>−1</m:t>
+                          </m:r>
+                        </m:sup>
+                        <m:e>
+                          <m:sSub>
+                            <m:sSubPr>
+                              <m:ctrlPr>
+                                <a:rPr lang="en-GB" sz="8000" b="0" i="1" smtClean="0">
+                                  <a:latin typeface="Cambria Math"/>
+                                </a:rPr>
+                              </m:ctrlPr>
+                            </m:sSubPr>
+                            <m:e>
+                              <m:r>
+                                <a:rPr lang="en-GB" sz="8000" b="0" i="1" smtClean="0">
+                                  <a:latin typeface="Cambria Math"/>
+                                </a:rPr>
+                                <m:t>𝑣</m:t>
+                              </m:r>
+                            </m:e>
+                            <m:sub>
+                              <m:r>
+                                <a:rPr lang="en-GB" sz="8000" b="0" i="1" smtClean="0">
+                                  <a:latin typeface="Cambria Math"/>
+                                </a:rPr>
+                                <m:t>𝑘</m:t>
+                              </m:r>
+                            </m:sub>
+                          </m:sSub>
+                          <m:r>
+                            <a:rPr lang="pt-BR" sz="8000" i="1" smtClean="0">
+                              <a:latin typeface="Cambria Math"/>
+                              <a:ea typeface="Cambria Math"/>
+                            </a:rPr>
+                            <m:t>𝜎</m:t>
+                          </m:r>
+                          <m:r>
+                            <a:rPr lang="en-GB" sz="8000" b="0" i="1" smtClean="0">
+                              <a:latin typeface="Cambria Math"/>
+                              <a:ea typeface="Cambria Math"/>
+                            </a:rPr>
+                            <m:t>(</m:t>
+                          </m:r>
+                          <m:sSub>
+                            <m:sSubPr>
+                              <m:ctrlPr>
+                                <a:rPr lang="en-GB" sz="8000" b="0" i="1" smtClean="0">
+                                  <a:latin typeface="Cambria Math"/>
+                                  <a:ea typeface="Cambria Math"/>
+                                </a:rPr>
+                              </m:ctrlPr>
+                            </m:sSubPr>
+                            <m:e>
+                              <m:r>
+                                <a:rPr lang="en-GB" sz="8000" b="0" i="1" smtClean="0">
+                                  <a:latin typeface="Cambria Math"/>
+                                  <a:ea typeface="Cambria Math"/>
+                                </a:rPr>
+                                <m:t>𝑓</m:t>
+                              </m:r>
+                            </m:e>
+                            <m:sub>
+                              <m:r>
+                                <a:rPr lang="en-GB" sz="8000" b="0" i="1" smtClean="0">
+                                  <a:latin typeface="Cambria Math"/>
+                                  <a:ea typeface="Cambria Math"/>
+                                </a:rPr>
+                                <m:t>𝑘</m:t>
+                              </m:r>
+                            </m:sub>
+                          </m:sSub>
+                          <m:r>
+                            <a:rPr lang="en-GB" sz="8000" b="0" i="1" smtClean="0">
+                              <a:latin typeface="Cambria Math"/>
+                              <a:ea typeface="Cambria Math"/>
+                            </a:rPr>
+                            <m:t>)</m:t>
+                          </m:r>
+                        </m:e>
+                      </m:nary>
+                    </m:oMath>
+                  </m:oMathPara>
+                </a14:m>
+                <a:endParaRPr lang="en-GB" sz="8000" dirty="0"/>
+              </a:p>
+            </p:txBody>
+          </p:sp>
+        </mc:Choice>
+        <mc:Fallback>
+          <p:sp>
+            <p:nvSpPr>
+              <p:cNvPr id="4" name="TextBox 3"/>
+              <p:cNvSpPr txBox="1">
+                <a:spLocks noRot="1" noChangeAspect="1" noMove="1" noResize="1" noEditPoints="1" noAdjustHandles="1" noChangeArrowheads="1" noChangeShapeType="1" noTextEdit="1"/>
+              </p:cNvSpPr>
+              <p:nvPr/>
+            </p:nvSpPr>
+            <p:spPr>
+              <a:xfrm>
+                <a:off x="18215893" y="15843503"/>
+                <a:ext cx="3024336" cy="3551678"/>
+              </a:xfrm>
+              <a:prstGeom prst="rect">
+                <a:avLst/>
+              </a:prstGeom>
+              <a:blipFill rotWithShape="1">
+                <a:blip r:embed="rId3"/>
+                <a:stretch>
+                  <a:fillRect r="-67742"/>
+                </a:stretch>
+              </a:blipFill>
+            </p:spPr>
+            <p:txBody>
+              <a:bodyPr/>
+              <a:lstStyle/>
+              <a:p>
+                <a:r>
+                  <a:rPr lang="en-GB">
+                    <a:noFill/>
+                  </a:rPr>
+                  <a:t> </a:t>
+                </a:r>
+              </a:p>
+            </p:txBody>
+          </p:sp>
+        </mc:Fallback>
+      </mc:AlternateContent>
+      <p:sp>
+        <p:nvSpPr>
+          <p:cNvPr id="5" name="Right Arrow 4"/>
+          <p:cNvSpPr/>
+          <p:nvPr/>
+        </p:nvSpPr>
+        <p:spPr bwMode="auto">
+          <a:xfrm>
+            <a:off x="15551597" y="16913789"/>
+            <a:ext cx="1584176" cy="1303616"/>
+          </a:xfrm>
+          <a:prstGeom prst="rightArrow">
+            <a:avLst/>
+          </a:prstGeom>
+          <a:solidFill>
+            <a:srgbClr val="FF0000"/>
+          </a:solidFill>
+          <a:ln w="38100">
+            <a:headEnd type="none" w="med" len="med"/>
+            <a:tailEnd type="none" w="med" len="med"/>
+          </a:ln>
+          <a:extLst/>
+        </p:spPr>
+        <p:style>
+          <a:lnRef idx="2">
+            <a:schemeClr val="accent4"/>
+          </a:lnRef>
+          <a:fillRef idx="1">
+            <a:schemeClr val="lt1"/>
+          </a:fillRef>
+          <a:effectRef idx="0">
+            <a:schemeClr val="accent4"/>
+          </a:effectRef>
+          <a:fontRef idx="minor">
+            <a:schemeClr val="dk1"/>
+          </a:fontRef>
+        </p:style>
+        <p:txBody>
+          <a:bodyPr vert="horz" wrap="square" lIns="457200" tIns="228600" rIns="457200" bIns="228600" numCol="1" rtlCol="0" anchor="t" anchorCtr="0" compatLnSpc="1">
+            <a:prstTxWarp prst="textNoShape">
+              <a:avLst/>
+            </a:prstTxWarp>
+          </a:bodyPr>
+          <a:lstStyle/>
+          <a:p>
+            <a:pPr marL="0" marR="0" indent="0" algn="l" defTabSz="914400" rtl="0" eaLnBrk="1" fontAlgn="base" latinLnBrk="0" hangingPunct="1">
+              <a:lnSpc>
+                <a:spcPct val="100000"/>
+              </a:lnSpc>
+              <a:spcBef>
+                <a:spcPct val="20000"/>
+              </a:spcBef>
+              <a:spcAft>
+                <a:spcPct val="0"/>
+              </a:spcAft>
+              <a:buClrTx/>
+              <a:buSzTx/>
+              <a:buFontTx/>
+              <a:buNone/>
+              <a:tabLst/>
+            </a:pPr>
+            <a:endParaRPr kumimoji="0" lang="en-GB" sz="4600" b="0" i="0" u="none" strike="noStrike" cap="none" normalizeH="0" baseline="0" smtClean="0">
+              <a:ln>
+                <a:noFill/>
+              </a:ln>
+              <a:solidFill>
+                <a:srgbClr val="000000"/>
+              </a:solidFill>
+              <a:effectLst/>
+              <a:latin typeface="Arial" charset="0"/>
+            </a:endParaRPr>
+          </a:p>
+        </p:txBody>
+      </p:sp>
+      <mc:AlternateContent xmlns:mc="http://schemas.openxmlformats.org/markup-compatibility/2006">
+        <mc:Choice xmlns:a14="http://schemas.microsoft.com/office/drawing/2010/main" Requires="a14">
+          <p:sp>
+            <p:nvSpPr>
+              <p:cNvPr id="6" name="TextBox 5"/>
+              <p:cNvSpPr txBox="1"/>
+              <p:nvPr/>
+            </p:nvSpPr>
+            <p:spPr>
+              <a:xfrm>
+                <a:off x="11807181" y="19475474"/>
+                <a:ext cx="1135247" cy="1200329"/>
+              </a:xfrm>
+              <a:prstGeom prst="rect">
+                <a:avLst/>
+              </a:prstGeom>
+              <a:noFill/>
+            </p:spPr>
+            <p:txBody>
+              <a:bodyPr wrap="none" rtlCol="0">
+                <a:spAutoFit/>
+              </a:bodyPr>
+              <a:lstStyle/>
+              <a:p>
+                <a14:m>
+                  <m:oMathPara xmlns:m="http://schemas.openxmlformats.org/officeDocument/2006/math">
+                    <m:oMathParaPr>
+                      <m:jc m:val="centerGroup"/>
+                    </m:oMathParaPr>
+                    <m:oMath xmlns:m="http://schemas.openxmlformats.org/officeDocument/2006/math">
+                      <m:r>
+                        <a:rPr lang="en-GB" sz="7200" b="0" i="1" smtClean="0">
+                          <a:latin typeface="Cambria Math"/>
+                        </a:rPr>
+                        <m:t>…</m:t>
+                      </m:r>
+                    </m:oMath>
+                  </m:oMathPara>
+                </a14:m>
+                <a:endParaRPr lang="en-GB" dirty="0"/>
+              </a:p>
+            </p:txBody>
+          </p:sp>
+        </mc:Choice>
+        <mc:Fallback>
+          <p:sp>
+            <p:nvSpPr>
+              <p:cNvPr id="6" name="TextBox 5"/>
+              <p:cNvSpPr txBox="1">
+                <a:spLocks noRot="1" noChangeAspect="1" noMove="1" noResize="1" noEditPoints="1" noAdjustHandles="1" noChangeArrowheads="1" noChangeShapeType="1" noTextEdit="1"/>
+              </p:cNvSpPr>
+              <p:nvPr/>
+            </p:nvSpPr>
+            <p:spPr>
+              <a:xfrm>
+                <a:off x="11807181" y="19475474"/>
+                <a:ext cx="1135247" cy="1200329"/>
+              </a:xfrm>
+              <a:prstGeom prst="rect">
+                <a:avLst/>
+              </a:prstGeom>
+              <a:blipFill rotWithShape="1">
+                <a:blip r:embed="rId4"/>
+                <a:stretch>
+                  <a:fillRect/>
+                </a:stretch>
+              </a:blipFill>
+            </p:spPr>
+            <p:txBody>
+              <a:bodyPr/>
+              <a:lstStyle/>
+              <a:p>
+                <a:r>
+                  <a:rPr lang="en-GB">
+                    <a:noFill/>
+                  </a:rPr>
+                  <a:t> </a:t>
+                </a:r>
+              </a:p>
+            </p:txBody>
+          </p:sp>
+        </mc:Fallback>
+      </mc:AlternateContent>
+      <p:sp>
+        <p:nvSpPr>
+          <p:cNvPr id="10" name="Right Arrow 9"/>
+          <p:cNvSpPr/>
+          <p:nvPr/>
+        </p:nvSpPr>
+        <p:spPr bwMode="auto">
+          <a:xfrm rot="21600000">
+            <a:off x="25056653" y="16985797"/>
+            <a:ext cx="1584176" cy="1303616"/>
+          </a:xfrm>
+          <a:prstGeom prst="rightArrow">
+            <a:avLst/>
+          </a:prstGeom>
+          <a:solidFill>
+            <a:srgbClr val="FF0000"/>
+          </a:solidFill>
+          <a:ln w="38100">
+            <a:headEnd type="none" w="med" len="med"/>
+            <a:tailEnd type="none" w="med" len="med"/>
+          </a:ln>
+          <a:extLst/>
+        </p:spPr>
+        <p:style>
+          <a:lnRef idx="2">
+            <a:schemeClr val="accent4"/>
+          </a:lnRef>
+          <a:fillRef idx="1">
+            <a:schemeClr val="lt1"/>
+          </a:fillRef>
+          <a:effectRef idx="0">
+            <a:schemeClr val="accent4"/>
+          </a:effectRef>
+          <a:fontRef idx="minor">
+            <a:schemeClr val="dk1"/>
+          </a:fontRef>
+        </p:style>
+        <p:txBody>
+          <a:bodyPr vert="horz" wrap="square" lIns="457200" tIns="228600" rIns="457200" bIns="228600" numCol="1" rtlCol="0" anchor="t" anchorCtr="0" compatLnSpc="1">
+            <a:prstTxWarp prst="textNoShape">
+              <a:avLst/>
+            </a:prstTxWarp>
+          </a:bodyPr>
+          <a:lstStyle/>
+          <a:p>
+            <a:pPr marL="0" marR="0" indent="0" algn="l" defTabSz="914400" rtl="0" eaLnBrk="1" fontAlgn="base" latinLnBrk="0" hangingPunct="1">
+              <a:lnSpc>
+                <a:spcPct val="100000"/>
+              </a:lnSpc>
+              <a:spcBef>
+                <a:spcPct val="20000"/>
+              </a:spcBef>
+              <a:spcAft>
+                <a:spcPct val="0"/>
+              </a:spcAft>
+              <a:buClrTx/>
+              <a:buSzTx/>
+              <a:buFontTx/>
+              <a:buNone/>
+              <a:tabLst/>
+            </a:pPr>
+            <a:endParaRPr kumimoji="0" lang="en-GB" sz="4600" b="0" i="0" u="none" strike="noStrike" cap="none" normalizeH="0" baseline="0" smtClean="0">
+              <a:ln>
+                <a:noFill/>
+              </a:ln>
+              <a:solidFill>
+                <a:srgbClr val="000000"/>
+              </a:solidFill>
+              <a:effectLst/>
+              <a:latin typeface="Arial" charset="0"/>
+            </a:endParaRPr>
+          </a:p>
+        </p:txBody>
+      </p:sp>
+      <p:graphicFrame>
+        <p:nvGraphicFramePr>
+          <p:cNvPr id="11" name="Table 10"/>
+          <p:cNvGraphicFramePr>
+            <a:graphicFrameLocks noGrp="1"/>
+          </p:cNvGraphicFramePr>
+          <p:nvPr>
+            <p:extLst>
+              <p:ext uri="{D42A27DB-BD31-4B8C-83A1-F6EECF244321}">
+                <p14:modId xmlns:p14="http://schemas.microsoft.com/office/powerpoint/2010/main" val="2423670753"/>
+              </p:ext>
+            </p:extLst>
+          </p:nvPr>
+        </p:nvGraphicFramePr>
+        <p:xfrm>
+          <a:off x="28369021" y="15855841"/>
+          <a:ext cx="4896540" cy="3960440"/>
+        </p:xfrm>
+        <a:graphic>
+          <a:graphicData uri="http://schemas.openxmlformats.org/drawingml/2006/table">
+            <a:tbl>
+              <a:tblPr firstRow="1" bandRow="1">
+                <a:tableStyleId>{5940675A-B579-460E-94D1-54222C63F5DA}</a:tableStyleId>
+              </a:tblPr>
+              <a:tblGrid>
+                <a:gridCol w="489654"/>
+                <a:gridCol w="489654"/>
+                <a:gridCol w="489654"/>
+                <a:gridCol w="489654"/>
+                <a:gridCol w="489654"/>
+                <a:gridCol w="489654"/>
+                <a:gridCol w="489654"/>
+                <a:gridCol w="489654"/>
+                <a:gridCol w="489654"/>
+                <a:gridCol w="489654"/>
+              </a:tblGrid>
+              <a:tr h="396044">
+                <a:tc>
+                  <a:txBody>
+                    <a:bodyPr/>
+                    <a:lstStyle/>
+                    <a:p>
+                      <a:pPr algn="ctr"/>
+                      <a:endParaRPr lang="en-GB" sz="1000" b="1" dirty="0"/>
+                    </a:p>
+                  </a:txBody>
+                  <a:tcPr/>
+                </a:tc>
+                <a:tc>
+                  <a:txBody>
+                    <a:bodyPr/>
+                    <a:lstStyle/>
+                    <a:p>
+                      <a:pPr algn="ctr"/>
+                      <a:endParaRPr lang="en-GB" sz="1000" b="1" dirty="0"/>
+                    </a:p>
+                  </a:txBody>
+                  <a:tcPr/>
+                </a:tc>
+                <a:tc>
+                  <a:txBody>
+                    <a:bodyPr/>
+                    <a:lstStyle/>
+                    <a:p>
+                      <a:pPr algn="ctr"/>
+                      <a:endParaRPr lang="en-GB" sz="1000" b="1" dirty="0"/>
+                    </a:p>
+                  </a:txBody>
+                  <a:tcPr/>
+                </a:tc>
+                <a:tc>
+                  <a:txBody>
+                    <a:bodyPr/>
+                    <a:lstStyle/>
+                    <a:p>
+                      <a:pPr algn="ctr"/>
+                      <a:endParaRPr lang="en-GB" sz="1000" b="1" dirty="0"/>
+                    </a:p>
+                  </a:txBody>
+                  <a:tcPr/>
+                </a:tc>
+                <a:tc>
+                  <a:txBody>
+                    <a:bodyPr/>
+                    <a:lstStyle/>
+                    <a:p>
+                      <a:pPr algn="ctr"/>
+                      <a:endParaRPr lang="en-GB" sz="1000" b="1" dirty="0"/>
+                    </a:p>
+                  </a:txBody>
+                  <a:tcPr/>
+                </a:tc>
+                <a:tc>
+                  <a:txBody>
+                    <a:bodyPr/>
+                    <a:lstStyle/>
+                    <a:p>
+                      <a:pPr algn="ctr"/>
+                      <a:endParaRPr lang="en-GB" sz="1000" b="1" dirty="0"/>
+                    </a:p>
+                  </a:txBody>
+                  <a:tcPr/>
+                </a:tc>
+                <a:tc>
+                  <a:txBody>
+                    <a:bodyPr/>
+                    <a:lstStyle/>
+                    <a:p>
+                      <a:pPr algn="ctr"/>
+                      <a:endParaRPr lang="en-GB" sz="1000" b="1" dirty="0"/>
+                    </a:p>
+                  </a:txBody>
+                  <a:tcPr/>
+                </a:tc>
+                <a:tc>
+                  <a:txBody>
+                    <a:bodyPr/>
+                    <a:lstStyle/>
+                    <a:p>
+                      <a:pPr algn="ctr"/>
+                      <a:endParaRPr lang="en-GB" sz="1000" b="1" dirty="0"/>
+                    </a:p>
+                  </a:txBody>
+                  <a:tcPr/>
+                </a:tc>
+                <a:tc>
+                  <a:txBody>
+                    <a:bodyPr/>
+                    <a:lstStyle/>
+                    <a:p>
+                      <a:pPr algn="ctr"/>
+                      <a:endParaRPr lang="en-GB" sz="1000" b="1" dirty="0"/>
+                    </a:p>
+                  </a:txBody>
+                  <a:tcPr/>
+                </a:tc>
+                <a:tc>
+                  <a:txBody>
+                    <a:bodyPr/>
+                    <a:lstStyle/>
+                    <a:p>
+                      <a:pPr algn="ctr"/>
+                      <a:endParaRPr lang="en-GB" sz="1000" b="1" dirty="0"/>
+                    </a:p>
+                  </a:txBody>
+                  <a:tcPr/>
+                </a:tc>
+              </a:tr>
+              <a:tr h="396044">
+                <a:tc>
+                  <a:txBody>
+                    <a:bodyPr/>
+                    <a:lstStyle/>
+                    <a:p>
+                      <a:pPr algn="ctr"/>
+                      <a:endParaRPr lang="en-GB" sz="1000" b="1" dirty="0"/>
+                    </a:p>
+                  </a:txBody>
+                  <a:tcPr/>
+                </a:tc>
+                <a:tc>
+                  <a:txBody>
+                    <a:bodyPr/>
+                    <a:lstStyle/>
+                    <a:p>
+                      <a:pPr algn="ctr"/>
+                      <a:endParaRPr lang="en-GB" sz="1000" b="1" dirty="0"/>
+                    </a:p>
+                  </a:txBody>
+                  <a:tcPr/>
+                </a:tc>
+                <a:tc>
+                  <a:txBody>
+                    <a:bodyPr/>
+                    <a:lstStyle/>
+                    <a:p>
+                      <a:pPr algn="ctr"/>
+                      <a:endParaRPr lang="en-GB" sz="1000" b="1" dirty="0"/>
+                    </a:p>
+                  </a:txBody>
+                  <a:tcPr/>
+                </a:tc>
+                <a:tc>
+                  <a:txBody>
+                    <a:bodyPr/>
+                    <a:lstStyle/>
+                    <a:p>
+                      <a:pPr algn="ctr"/>
+                      <a:endParaRPr lang="en-GB" sz="1000" b="1" dirty="0"/>
+                    </a:p>
+                  </a:txBody>
+                  <a:tcPr/>
+                </a:tc>
+                <a:tc>
+                  <a:txBody>
+                    <a:bodyPr/>
+                    <a:lstStyle/>
+                    <a:p>
+                      <a:pPr algn="ctr"/>
+                      <a:endParaRPr lang="en-GB" sz="1000" b="1" dirty="0"/>
+                    </a:p>
+                  </a:txBody>
+                  <a:tcPr/>
+                </a:tc>
+                <a:tc>
+                  <a:txBody>
+                    <a:bodyPr/>
+                    <a:lstStyle/>
+                    <a:p>
+                      <a:pPr algn="ctr"/>
+                      <a:endParaRPr lang="en-GB" sz="1000" b="1" dirty="0"/>
+                    </a:p>
+                  </a:txBody>
+                  <a:tcPr/>
+                </a:tc>
+                <a:tc>
+                  <a:txBody>
+                    <a:bodyPr/>
+                    <a:lstStyle/>
+                    <a:p>
+                      <a:pPr algn="ctr"/>
+                      <a:endParaRPr lang="en-GB" sz="1000" b="1" dirty="0"/>
+                    </a:p>
+                  </a:txBody>
+                  <a:tcPr/>
+                </a:tc>
+                <a:tc>
+                  <a:txBody>
+                    <a:bodyPr/>
+                    <a:lstStyle/>
+                    <a:p>
+                      <a:pPr algn="ctr"/>
+                      <a:endParaRPr lang="en-GB" sz="1000" b="1" dirty="0"/>
+                    </a:p>
+                  </a:txBody>
+                  <a:tcPr/>
+                </a:tc>
+                <a:tc>
+                  <a:txBody>
+                    <a:bodyPr/>
+                    <a:lstStyle/>
+                    <a:p>
+                      <a:pPr algn="ctr"/>
+                      <a:endParaRPr lang="en-GB" sz="1000" b="1" dirty="0"/>
+                    </a:p>
+                  </a:txBody>
+                  <a:tcPr/>
+                </a:tc>
+                <a:tc>
+                  <a:txBody>
+                    <a:bodyPr/>
+                    <a:lstStyle/>
+                    <a:p>
+                      <a:pPr algn="ctr"/>
+                      <a:endParaRPr lang="en-GB" sz="1000" b="1" dirty="0"/>
+                    </a:p>
+                  </a:txBody>
+                  <a:tcPr/>
+                </a:tc>
+              </a:tr>
+              <a:tr h="396044">
+                <a:tc>
+                  <a:txBody>
+                    <a:bodyPr/>
+                    <a:lstStyle/>
+                    <a:p>
+                      <a:pPr algn="ctr"/>
+                      <a:endParaRPr lang="en-GB" sz="1000" b="1" dirty="0"/>
+                    </a:p>
+                  </a:txBody>
+                  <a:tcPr/>
+                </a:tc>
+                <a:tc>
+                  <a:txBody>
+                    <a:bodyPr/>
+                    <a:lstStyle/>
+                    <a:p>
+                      <a:pPr algn="ctr"/>
+                      <a:endParaRPr lang="en-GB" sz="1000" b="1" dirty="0"/>
+                    </a:p>
+                  </a:txBody>
+                  <a:tcPr/>
+                </a:tc>
+                <a:tc>
+                  <a:txBody>
+                    <a:bodyPr/>
+                    <a:lstStyle/>
+                    <a:p>
+                      <a:pPr algn="ctr"/>
+                      <a:endParaRPr lang="en-GB" sz="1000" b="1" dirty="0"/>
+                    </a:p>
+                  </a:txBody>
+                  <a:tcPr/>
+                </a:tc>
+                <a:tc>
+                  <a:txBody>
+                    <a:bodyPr/>
+                    <a:lstStyle/>
+                    <a:p>
+                      <a:pPr algn="ctr"/>
+                      <a:endParaRPr lang="en-GB" sz="1000" b="1" dirty="0"/>
+                    </a:p>
+                  </a:txBody>
+                  <a:tcPr/>
+                </a:tc>
+                <a:tc>
+                  <a:txBody>
+                    <a:bodyPr/>
+                    <a:lstStyle/>
+                    <a:p>
+                      <a:pPr algn="ctr"/>
+                      <a:endParaRPr lang="en-GB" sz="1000" b="1" dirty="0"/>
+                    </a:p>
+                  </a:txBody>
+                  <a:tcPr/>
+                </a:tc>
+                <a:tc>
+                  <a:txBody>
+                    <a:bodyPr/>
+                    <a:lstStyle/>
+                    <a:p>
+                      <a:pPr algn="ctr"/>
+                      <a:endParaRPr lang="en-GB" sz="1000" b="1" dirty="0"/>
+                    </a:p>
+                  </a:txBody>
+                  <a:tcPr/>
+                </a:tc>
+                <a:tc>
+                  <a:txBody>
+                    <a:bodyPr/>
+                    <a:lstStyle/>
+                    <a:p>
+                      <a:pPr algn="ctr"/>
+                      <a:endParaRPr lang="en-GB" sz="1000" b="1" dirty="0"/>
+                    </a:p>
+                  </a:txBody>
+                  <a:tcPr/>
+                </a:tc>
+                <a:tc>
+                  <a:txBody>
+                    <a:bodyPr/>
+                    <a:lstStyle/>
+                    <a:p>
+                      <a:pPr algn="ctr"/>
+                      <a:endParaRPr lang="en-GB" sz="1000" b="1" dirty="0"/>
+                    </a:p>
+                  </a:txBody>
+                  <a:tcPr/>
+                </a:tc>
+                <a:tc>
+                  <a:txBody>
+                    <a:bodyPr/>
+                    <a:lstStyle/>
+                    <a:p>
+                      <a:pPr algn="ctr"/>
+                      <a:endParaRPr lang="en-GB" sz="1000" b="1" dirty="0"/>
+                    </a:p>
+                  </a:txBody>
+                  <a:tcPr/>
+                </a:tc>
+                <a:tc>
+                  <a:txBody>
+                    <a:bodyPr/>
+                    <a:lstStyle/>
+                    <a:p>
+                      <a:pPr algn="ctr"/>
+                      <a:endParaRPr lang="en-GB" sz="1000" b="1" dirty="0"/>
+                    </a:p>
+                  </a:txBody>
+                  <a:tcPr/>
+                </a:tc>
+              </a:tr>
+              <a:tr h="396044">
+                <a:tc>
+                  <a:txBody>
+                    <a:bodyPr/>
+                    <a:lstStyle/>
+                    <a:p>
+                      <a:pPr algn="ctr"/>
+                      <a:endParaRPr lang="en-GB" sz="1000" b="1" dirty="0"/>
+                    </a:p>
+                  </a:txBody>
+                  <a:tcPr/>
+                </a:tc>
+                <a:tc>
+                  <a:txBody>
+                    <a:bodyPr/>
+                    <a:lstStyle/>
+                    <a:p>
+                      <a:pPr algn="ctr"/>
+                      <a:endParaRPr lang="en-GB" sz="1000" b="1" dirty="0"/>
+                    </a:p>
+                  </a:txBody>
+                  <a:tcPr/>
+                </a:tc>
+                <a:tc>
+                  <a:txBody>
+                    <a:bodyPr/>
+                    <a:lstStyle/>
+                    <a:p>
+                      <a:pPr algn="ctr"/>
+                      <a:endParaRPr lang="en-GB" sz="1000" b="1" dirty="0"/>
+                    </a:p>
+                  </a:txBody>
+                  <a:tcPr/>
+                </a:tc>
+                <a:tc>
+                  <a:txBody>
+                    <a:bodyPr/>
+                    <a:lstStyle/>
+                    <a:p>
+                      <a:pPr algn="ctr"/>
+                      <a:endParaRPr lang="en-GB" sz="1000" b="1" dirty="0"/>
+                    </a:p>
+                  </a:txBody>
+                  <a:tcPr/>
+                </a:tc>
+                <a:tc>
+                  <a:txBody>
+                    <a:bodyPr/>
+                    <a:lstStyle/>
+                    <a:p>
+                      <a:pPr algn="ctr"/>
+                      <a:endParaRPr lang="en-GB" sz="1000" b="1" dirty="0"/>
+                    </a:p>
+                  </a:txBody>
+                  <a:tcPr/>
+                </a:tc>
+                <a:tc>
+                  <a:txBody>
+                    <a:bodyPr/>
+                    <a:lstStyle/>
+                    <a:p>
+                      <a:pPr algn="ctr"/>
+                      <a:endParaRPr lang="en-GB" sz="1000" b="1" dirty="0"/>
+                    </a:p>
+                  </a:txBody>
+                  <a:tcPr/>
+                </a:tc>
+                <a:tc>
+                  <a:txBody>
+                    <a:bodyPr/>
+                    <a:lstStyle/>
+                    <a:p>
+                      <a:pPr algn="ctr"/>
+                      <a:endParaRPr lang="en-GB" sz="1000" b="1" dirty="0"/>
+                    </a:p>
+                  </a:txBody>
+                  <a:tcPr/>
+                </a:tc>
+                <a:tc>
+                  <a:txBody>
+                    <a:bodyPr/>
+                    <a:lstStyle/>
+                    <a:p>
+                      <a:pPr algn="ctr"/>
+                      <a:endParaRPr lang="en-GB" sz="1000" b="1" dirty="0"/>
+                    </a:p>
+                  </a:txBody>
+                  <a:tcPr/>
+                </a:tc>
+                <a:tc>
+                  <a:txBody>
+                    <a:bodyPr/>
+                    <a:lstStyle/>
+                    <a:p>
+                      <a:pPr algn="ctr"/>
+                      <a:endParaRPr lang="en-GB" sz="1000" b="1" dirty="0"/>
+                    </a:p>
+                  </a:txBody>
+                  <a:tcPr/>
+                </a:tc>
+                <a:tc>
+                  <a:txBody>
+                    <a:bodyPr/>
+                    <a:lstStyle/>
+                    <a:p>
+                      <a:pPr algn="ctr"/>
+                      <a:endParaRPr lang="en-GB" sz="1000" b="1" dirty="0"/>
+                    </a:p>
+                  </a:txBody>
+                  <a:tcPr/>
+                </a:tc>
+              </a:tr>
+              <a:tr h="396044">
+                <a:tc>
+                  <a:txBody>
+                    <a:bodyPr/>
+                    <a:lstStyle/>
+                    <a:p>
+                      <a:pPr algn="ctr"/>
+                      <a:endParaRPr lang="en-GB" sz="1000" b="1" dirty="0"/>
+                    </a:p>
+                  </a:txBody>
+                  <a:tcPr/>
+                </a:tc>
+                <a:tc>
+                  <a:txBody>
+                    <a:bodyPr/>
+                    <a:lstStyle/>
+                    <a:p>
+                      <a:pPr algn="ctr"/>
+                      <a:endParaRPr lang="en-GB" sz="1000" b="1" dirty="0"/>
+                    </a:p>
+                  </a:txBody>
+                  <a:tcPr/>
+                </a:tc>
+                <a:tc>
+                  <a:txBody>
+                    <a:bodyPr/>
+                    <a:lstStyle/>
+                    <a:p>
+                      <a:pPr algn="ctr"/>
+                      <a:endParaRPr lang="en-GB" sz="1000" b="1" dirty="0"/>
+                    </a:p>
+                  </a:txBody>
+                  <a:tcPr/>
+                </a:tc>
+                <a:tc>
+                  <a:txBody>
+                    <a:bodyPr/>
+                    <a:lstStyle/>
+                    <a:p>
+                      <a:pPr algn="ctr"/>
+                      <a:endParaRPr lang="en-GB" sz="1000" b="1" dirty="0"/>
+                    </a:p>
+                  </a:txBody>
+                  <a:tcPr/>
+                </a:tc>
+                <a:tc>
+                  <a:txBody>
+                    <a:bodyPr/>
+                    <a:lstStyle/>
+                    <a:p>
+                      <a:pPr algn="ctr"/>
+                      <a:endParaRPr lang="en-GB" sz="1000" b="1" dirty="0"/>
+                    </a:p>
+                  </a:txBody>
+                  <a:tcPr/>
+                </a:tc>
+                <a:tc>
+                  <a:txBody>
+                    <a:bodyPr/>
+                    <a:lstStyle/>
+                    <a:p>
+                      <a:pPr algn="ctr"/>
+                      <a:endParaRPr lang="en-GB" sz="1000" b="1" dirty="0"/>
+                    </a:p>
+                  </a:txBody>
+                  <a:tcPr/>
+                </a:tc>
+                <a:tc>
+                  <a:txBody>
+                    <a:bodyPr/>
+                    <a:lstStyle/>
+                    <a:p>
+                      <a:pPr algn="ctr"/>
+                      <a:endParaRPr lang="en-GB" sz="1000" b="1" dirty="0"/>
+                    </a:p>
+                  </a:txBody>
+                  <a:tcPr/>
+                </a:tc>
+                <a:tc>
+                  <a:txBody>
+                    <a:bodyPr/>
+                    <a:lstStyle/>
+                    <a:p>
+                      <a:pPr algn="ctr"/>
+                      <a:endParaRPr lang="en-GB" sz="1000" b="1" dirty="0"/>
+                    </a:p>
+                  </a:txBody>
+                  <a:tcPr/>
+                </a:tc>
+                <a:tc>
+                  <a:txBody>
+                    <a:bodyPr/>
+                    <a:lstStyle/>
+                    <a:p>
+                      <a:pPr algn="ctr"/>
+                      <a:endParaRPr lang="en-GB" sz="1000" b="1" dirty="0"/>
+                    </a:p>
+                  </a:txBody>
+                  <a:tcPr/>
+                </a:tc>
+                <a:tc>
+                  <a:txBody>
+                    <a:bodyPr/>
+                    <a:lstStyle/>
+                    <a:p>
+                      <a:pPr algn="ctr"/>
+                      <a:endParaRPr lang="en-GB" sz="1000" b="1" dirty="0"/>
+                    </a:p>
+                  </a:txBody>
+                  <a:tcPr/>
+                </a:tc>
+              </a:tr>
+              <a:tr h="396044">
+                <a:tc>
+                  <a:txBody>
+                    <a:bodyPr/>
+                    <a:lstStyle/>
+                    <a:p>
+                      <a:pPr algn="ctr"/>
+                      <a:endParaRPr lang="en-GB" sz="1000" b="1" dirty="0"/>
+                    </a:p>
+                  </a:txBody>
+                  <a:tcPr/>
+                </a:tc>
+                <a:tc>
+                  <a:txBody>
+                    <a:bodyPr/>
+                    <a:lstStyle/>
+                    <a:p>
+                      <a:pPr algn="ctr"/>
+                      <a:endParaRPr lang="en-GB" sz="1000" b="1" dirty="0"/>
+                    </a:p>
+                  </a:txBody>
+                  <a:tcPr/>
+                </a:tc>
+                <a:tc>
+                  <a:txBody>
+                    <a:bodyPr/>
+                    <a:lstStyle/>
+                    <a:p>
+                      <a:pPr algn="ctr"/>
+                      <a:endParaRPr lang="en-GB" sz="1000" b="1" dirty="0"/>
+                    </a:p>
+                  </a:txBody>
+                  <a:tcPr/>
+                </a:tc>
+                <a:tc>
+                  <a:txBody>
+                    <a:bodyPr/>
+                    <a:lstStyle/>
+                    <a:p>
+                      <a:pPr algn="ctr"/>
+                      <a:endParaRPr lang="en-GB" sz="1000" b="1" dirty="0"/>
+                    </a:p>
+                  </a:txBody>
+                  <a:tcPr/>
+                </a:tc>
+                <a:tc>
+                  <a:txBody>
+                    <a:bodyPr/>
+                    <a:lstStyle/>
+                    <a:p>
+                      <a:pPr algn="ctr"/>
+                      <a:endParaRPr lang="en-GB" sz="1000" b="1" dirty="0"/>
+                    </a:p>
+                  </a:txBody>
+                  <a:tcPr/>
+                </a:tc>
+                <a:tc>
+                  <a:txBody>
+                    <a:bodyPr/>
+                    <a:lstStyle/>
+                    <a:p>
+                      <a:pPr algn="ctr"/>
+                      <a:endParaRPr lang="en-GB" sz="1000" b="1" dirty="0"/>
+                    </a:p>
+                  </a:txBody>
+                  <a:tcPr/>
+                </a:tc>
+                <a:tc>
+                  <a:txBody>
+                    <a:bodyPr/>
+                    <a:lstStyle/>
+                    <a:p>
+                      <a:pPr algn="ctr"/>
+                      <a:endParaRPr lang="en-GB" sz="1000" b="1" dirty="0"/>
+                    </a:p>
+                  </a:txBody>
+                  <a:tcPr/>
+                </a:tc>
+                <a:tc>
+                  <a:txBody>
+                    <a:bodyPr/>
+                    <a:lstStyle/>
+                    <a:p>
+                      <a:pPr algn="ctr"/>
+                      <a:endParaRPr lang="en-GB" sz="1000" b="1" dirty="0"/>
+                    </a:p>
+                  </a:txBody>
+                  <a:tcPr/>
+                </a:tc>
+                <a:tc>
+                  <a:txBody>
+                    <a:bodyPr/>
+                    <a:lstStyle/>
+                    <a:p>
+                      <a:pPr algn="ctr"/>
+                      <a:endParaRPr lang="en-GB" sz="1000" b="1" dirty="0"/>
+                    </a:p>
+                  </a:txBody>
+                  <a:tcPr/>
+                </a:tc>
+                <a:tc>
+                  <a:txBody>
+                    <a:bodyPr/>
+                    <a:lstStyle/>
+                    <a:p>
+                      <a:pPr algn="ctr"/>
+                      <a:endParaRPr lang="en-GB" sz="1000" b="1" dirty="0"/>
+                    </a:p>
+                  </a:txBody>
+                  <a:tcPr/>
+                </a:tc>
+              </a:tr>
+              <a:tr h="396044">
+                <a:tc>
+                  <a:txBody>
+                    <a:bodyPr/>
+                    <a:lstStyle/>
+                    <a:p>
+                      <a:pPr algn="ctr"/>
+                      <a:endParaRPr lang="en-GB" sz="1000" b="1" dirty="0"/>
+                    </a:p>
+                  </a:txBody>
+                  <a:tcPr/>
+                </a:tc>
+                <a:tc>
+                  <a:txBody>
+                    <a:bodyPr/>
+                    <a:lstStyle/>
+                    <a:p>
+                      <a:pPr algn="ctr"/>
+                      <a:endParaRPr lang="en-GB" sz="1000" b="1" dirty="0"/>
+                    </a:p>
+                  </a:txBody>
+                  <a:tcPr/>
+                </a:tc>
+                <a:tc>
+                  <a:txBody>
+                    <a:bodyPr/>
+                    <a:lstStyle/>
+                    <a:p>
+                      <a:pPr algn="ctr"/>
+                      <a:endParaRPr lang="en-GB" sz="1000" b="1" dirty="0"/>
+                    </a:p>
+                  </a:txBody>
+                  <a:tcPr/>
+                </a:tc>
+                <a:tc>
+                  <a:txBody>
+                    <a:bodyPr/>
+                    <a:lstStyle/>
+                    <a:p>
+                      <a:pPr algn="ctr"/>
+                      <a:endParaRPr lang="en-GB" sz="1000" b="1" dirty="0"/>
+                    </a:p>
+                  </a:txBody>
+                  <a:tcPr/>
+                </a:tc>
+                <a:tc>
+                  <a:txBody>
+                    <a:bodyPr/>
+                    <a:lstStyle/>
+                    <a:p>
+                      <a:pPr algn="ctr"/>
+                      <a:endParaRPr lang="en-GB" sz="1000" b="1" dirty="0"/>
+                    </a:p>
+                  </a:txBody>
+                  <a:tcPr/>
+                </a:tc>
+                <a:tc>
+                  <a:txBody>
+                    <a:bodyPr/>
+                    <a:lstStyle/>
+                    <a:p>
+                      <a:pPr algn="ctr"/>
+                      <a:endParaRPr lang="en-GB" sz="1000" b="1" dirty="0"/>
+                    </a:p>
+                  </a:txBody>
+                  <a:tcPr/>
+                </a:tc>
+                <a:tc>
+                  <a:txBody>
+                    <a:bodyPr/>
+                    <a:lstStyle/>
+                    <a:p>
+                      <a:pPr algn="ctr"/>
+                      <a:endParaRPr lang="en-GB" sz="1000" b="1" dirty="0"/>
+                    </a:p>
+                  </a:txBody>
+                  <a:tcPr/>
+                </a:tc>
+                <a:tc>
+                  <a:txBody>
+                    <a:bodyPr/>
+                    <a:lstStyle/>
+                    <a:p>
+                      <a:pPr algn="ctr"/>
+                      <a:endParaRPr lang="en-GB" sz="1000" b="1" dirty="0"/>
+                    </a:p>
+                  </a:txBody>
+                  <a:tcPr/>
+                </a:tc>
+                <a:tc>
+                  <a:txBody>
+                    <a:bodyPr/>
+                    <a:lstStyle/>
+                    <a:p>
+                      <a:pPr algn="ctr"/>
+                      <a:endParaRPr lang="en-GB" sz="1000" b="1" dirty="0"/>
+                    </a:p>
+                  </a:txBody>
+                  <a:tcPr/>
+                </a:tc>
+                <a:tc>
+                  <a:txBody>
+                    <a:bodyPr/>
+                    <a:lstStyle/>
+                    <a:p>
+                      <a:pPr algn="ctr"/>
+                      <a:endParaRPr lang="en-GB" sz="1000" b="1" dirty="0"/>
+                    </a:p>
+                  </a:txBody>
+                  <a:tcPr/>
+                </a:tc>
+              </a:tr>
+              <a:tr h="396044">
+                <a:tc>
+                  <a:txBody>
+                    <a:bodyPr/>
+                    <a:lstStyle/>
+                    <a:p>
+                      <a:pPr algn="ctr"/>
+                      <a:endParaRPr lang="en-GB" sz="1000" b="1" dirty="0"/>
+                    </a:p>
+                  </a:txBody>
+                  <a:tcPr/>
+                </a:tc>
+                <a:tc>
+                  <a:txBody>
+                    <a:bodyPr/>
+                    <a:lstStyle/>
+                    <a:p>
+                      <a:pPr algn="ctr"/>
+                      <a:endParaRPr lang="en-GB" sz="1000" b="1" dirty="0"/>
+                    </a:p>
+                  </a:txBody>
+                  <a:tcPr/>
+                </a:tc>
+                <a:tc>
+                  <a:txBody>
+                    <a:bodyPr/>
+                    <a:lstStyle/>
+                    <a:p>
+                      <a:pPr algn="ctr"/>
+                      <a:endParaRPr lang="en-GB" sz="1000" b="1" dirty="0"/>
+                    </a:p>
+                  </a:txBody>
+                  <a:tcPr/>
+                </a:tc>
+                <a:tc>
+                  <a:txBody>
+                    <a:bodyPr/>
+                    <a:lstStyle/>
+                    <a:p>
+                      <a:pPr algn="ctr"/>
+                      <a:endParaRPr lang="en-GB" sz="1000" b="1" dirty="0"/>
+                    </a:p>
+                  </a:txBody>
+                  <a:tcPr/>
+                </a:tc>
+                <a:tc>
+                  <a:txBody>
+                    <a:bodyPr/>
+                    <a:lstStyle/>
+                    <a:p>
+                      <a:pPr algn="ctr"/>
+                      <a:endParaRPr lang="en-GB" sz="1000" b="1" dirty="0"/>
+                    </a:p>
+                  </a:txBody>
+                  <a:tcPr/>
+                </a:tc>
+                <a:tc>
+                  <a:txBody>
+                    <a:bodyPr/>
+                    <a:lstStyle/>
+                    <a:p>
+                      <a:pPr algn="ctr"/>
+                      <a:endParaRPr lang="en-GB" sz="1000" b="1" dirty="0"/>
+                    </a:p>
+                  </a:txBody>
+                  <a:tcPr/>
+                </a:tc>
+                <a:tc>
+                  <a:txBody>
+                    <a:bodyPr/>
+                    <a:lstStyle/>
+                    <a:p>
+                      <a:pPr algn="ctr"/>
+                      <a:endParaRPr lang="en-GB" sz="1000" b="1" dirty="0"/>
+                    </a:p>
+                  </a:txBody>
+                  <a:tcPr/>
+                </a:tc>
+                <a:tc>
+                  <a:txBody>
+                    <a:bodyPr/>
+                    <a:lstStyle/>
+                    <a:p>
+                      <a:pPr algn="ctr"/>
+                      <a:endParaRPr lang="en-GB" sz="1000" b="1" dirty="0"/>
+                    </a:p>
+                  </a:txBody>
+                  <a:tcPr/>
+                </a:tc>
+                <a:tc>
+                  <a:txBody>
+                    <a:bodyPr/>
+                    <a:lstStyle/>
+                    <a:p>
+                      <a:pPr algn="ctr"/>
+                      <a:endParaRPr lang="en-GB" sz="1000" b="1" dirty="0"/>
+                    </a:p>
+                  </a:txBody>
+                  <a:tcPr/>
+                </a:tc>
+                <a:tc>
+                  <a:txBody>
+                    <a:bodyPr/>
+                    <a:lstStyle/>
+                    <a:p>
+                      <a:pPr algn="ctr"/>
+                      <a:endParaRPr lang="en-GB" sz="1000" b="1" dirty="0"/>
+                    </a:p>
+                  </a:txBody>
+                  <a:tcPr/>
+                </a:tc>
+              </a:tr>
+              <a:tr h="396044">
+                <a:tc>
+                  <a:txBody>
+                    <a:bodyPr/>
+                    <a:lstStyle/>
+                    <a:p>
+                      <a:pPr algn="ctr"/>
+                      <a:endParaRPr lang="en-GB" sz="1000" b="1" dirty="0"/>
+                    </a:p>
+                  </a:txBody>
+                  <a:tcPr/>
+                </a:tc>
+                <a:tc>
+                  <a:txBody>
+                    <a:bodyPr/>
+                    <a:lstStyle/>
+                    <a:p>
+                      <a:pPr algn="ctr"/>
+                      <a:endParaRPr lang="en-GB" sz="1000" b="1" dirty="0"/>
+                    </a:p>
+                  </a:txBody>
+                  <a:tcPr/>
+                </a:tc>
+                <a:tc>
+                  <a:txBody>
+                    <a:bodyPr/>
+                    <a:lstStyle/>
+                    <a:p>
+                      <a:pPr algn="ctr"/>
+                      <a:endParaRPr lang="en-GB" sz="1000" b="1" dirty="0"/>
+                    </a:p>
+                  </a:txBody>
+                  <a:tcPr/>
+                </a:tc>
+                <a:tc>
+                  <a:txBody>
+                    <a:bodyPr/>
+                    <a:lstStyle/>
+                    <a:p>
+                      <a:pPr algn="ctr"/>
+                      <a:endParaRPr lang="en-GB" sz="1000" b="1" dirty="0"/>
+                    </a:p>
+                  </a:txBody>
+                  <a:tcPr/>
+                </a:tc>
+                <a:tc>
+                  <a:txBody>
+                    <a:bodyPr/>
+                    <a:lstStyle/>
+                    <a:p>
+                      <a:pPr algn="ctr"/>
+                      <a:endParaRPr lang="en-GB" sz="1000" b="1" dirty="0"/>
+                    </a:p>
+                  </a:txBody>
+                  <a:tcPr/>
+                </a:tc>
+                <a:tc>
+                  <a:txBody>
+                    <a:bodyPr/>
+                    <a:lstStyle/>
+                    <a:p>
+                      <a:pPr algn="ctr"/>
+                      <a:endParaRPr lang="en-GB" sz="1000" b="1" dirty="0"/>
+                    </a:p>
+                  </a:txBody>
+                  <a:tcPr/>
+                </a:tc>
+                <a:tc>
+                  <a:txBody>
+                    <a:bodyPr/>
+                    <a:lstStyle/>
+                    <a:p>
+                      <a:pPr algn="ctr"/>
+                      <a:endParaRPr lang="en-GB" sz="1000" b="1" dirty="0"/>
+                    </a:p>
+                  </a:txBody>
+                  <a:tcPr/>
+                </a:tc>
+                <a:tc>
+                  <a:txBody>
+                    <a:bodyPr/>
+                    <a:lstStyle/>
+                    <a:p>
+                      <a:pPr algn="ctr"/>
+                      <a:endParaRPr lang="en-GB" sz="1000" b="1" dirty="0"/>
+                    </a:p>
+                  </a:txBody>
+                  <a:tcPr/>
+                </a:tc>
+                <a:tc>
+                  <a:txBody>
+                    <a:bodyPr/>
+                    <a:lstStyle/>
+                    <a:p>
+                      <a:pPr algn="ctr"/>
+                      <a:endParaRPr lang="en-GB" sz="1000" b="1" dirty="0"/>
+                    </a:p>
+                  </a:txBody>
+                  <a:tcPr/>
+                </a:tc>
+                <a:tc>
+                  <a:txBody>
+                    <a:bodyPr/>
+                    <a:lstStyle/>
+                    <a:p>
+                      <a:pPr algn="ctr"/>
+                      <a:endParaRPr lang="en-GB" sz="1000" b="1" dirty="0"/>
+                    </a:p>
+                  </a:txBody>
+                  <a:tcPr/>
+                </a:tc>
+              </a:tr>
+              <a:tr h="396044">
+                <a:tc>
+                  <a:txBody>
+                    <a:bodyPr/>
+                    <a:lstStyle/>
+                    <a:p>
+                      <a:pPr algn="ctr"/>
+                      <a:endParaRPr lang="en-GB" sz="1000" b="1" dirty="0"/>
+                    </a:p>
+                  </a:txBody>
+                  <a:tcPr/>
+                </a:tc>
+                <a:tc>
+                  <a:txBody>
+                    <a:bodyPr/>
+                    <a:lstStyle/>
+                    <a:p>
+                      <a:pPr algn="ctr"/>
+                      <a:endParaRPr lang="en-GB" sz="1000" b="1" dirty="0"/>
+                    </a:p>
+                  </a:txBody>
+                  <a:tcPr/>
+                </a:tc>
+                <a:tc>
+                  <a:txBody>
+                    <a:bodyPr/>
+                    <a:lstStyle/>
+                    <a:p>
+                      <a:pPr algn="ctr"/>
+                      <a:endParaRPr lang="en-GB" sz="1000" b="1" dirty="0"/>
+                    </a:p>
+                  </a:txBody>
+                  <a:tcPr/>
+                </a:tc>
+                <a:tc>
+                  <a:txBody>
+                    <a:bodyPr/>
+                    <a:lstStyle/>
+                    <a:p>
+                      <a:pPr algn="ctr"/>
+                      <a:endParaRPr lang="en-GB" sz="1000" b="1" dirty="0"/>
+                    </a:p>
+                  </a:txBody>
+                  <a:tcPr/>
+                </a:tc>
+                <a:tc>
+                  <a:txBody>
+                    <a:bodyPr/>
+                    <a:lstStyle/>
+                    <a:p>
+                      <a:pPr algn="ctr"/>
+                      <a:endParaRPr lang="en-GB" sz="1000" b="1" dirty="0"/>
+                    </a:p>
+                  </a:txBody>
+                  <a:tcPr/>
+                </a:tc>
+                <a:tc>
+                  <a:txBody>
+                    <a:bodyPr/>
+                    <a:lstStyle/>
+                    <a:p>
+                      <a:pPr algn="ctr"/>
+                      <a:endParaRPr lang="en-GB" sz="1000" b="1" dirty="0"/>
+                    </a:p>
+                  </a:txBody>
+                  <a:tcPr/>
+                </a:tc>
+                <a:tc>
+                  <a:txBody>
+                    <a:bodyPr/>
+                    <a:lstStyle/>
+                    <a:p>
+                      <a:pPr algn="ctr"/>
+                      <a:endParaRPr lang="en-GB" sz="1000" b="1" dirty="0"/>
+                    </a:p>
+                  </a:txBody>
+                  <a:tcPr/>
+                </a:tc>
+                <a:tc>
+                  <a:txBody>
+                    <a:bodyPr/>
+                    <a:lstStyle/>
+                    <a:p>
+                      <a:pPr algn="ctr"/>
+                      <a:endParaRPr lang="en-GB" sz="1000" b="1" dirty="0"/>
+                    </a:p>
+                  </a:txBody>
+                  <a:tcPr/>
+                </a:tc>
+                <a:tc>
+                  <a:txBody>
+                    <a:bodyPr/>
+                    <a:lstStyle/>
+                    <a:p>
+                      <a:pPr algn="ctr"/>
+                      <a:endParaRPr lang="en-GB" sz="1000" b="1" dirty="0"/>
+                    </a:p>
+                  </a:txBody>
+                  <a:tcPr/>
+                </a:tc>
+                <a:tc>
+                  <a:txBody>
+                    <a:bodyPr/>
+                    <a:lstStyle/>
+                    <a:p>
+                      <a:pPr algn="ctr"/>
+                      <a:endParaRPr lang="en-GB" sz="1000" b="1" dirty="0"/>
+                    </a:p>
+                  </a:txBody>
+                  <a:tcPr/>
+                </a:tc>
+              </a:tr>
+            </a:tbl>
+          </a:graphicData>
+        </a:graphic>
+      </p:graphicFrame>
+      <mc:AlternateContent xmlns:mc="http://schemas.openxmlformats.org/markup-compatibility/2006">
+        <mc:Choice xmlns:a14="http://schemas.microsoft.com/office/drawing/2010/main" Requires="a14">
+          <p:sp>
+            <p:nvSpPr>
+              <p:cNvPr id="7" name="TextBox 6"/>
+              <p:cNvSpPr txBox="1"/>
+              <p:nvPr/>
+            </p:nvSpPr>
+            <p:spPr>
+              <a:xfrm>
+                <a:off x="5653623" y="22129703"/>
+                <a:ext cx="9393918" cy="2123658"/>
+              </a:xfrm>
+              <a:prstGeom prst="rect">
+                <a:avLst/>
+              </a:prstGeom>
+              <a:noFill/>
+            </p:spPr>
+            <p:txBody>
+              <a:bodyPr wrap="none" rtlCol="0">
+                <a:spAutoFit/>
+              </a:bodyPr>
+              <a:lstStyle/>
+              <a:p>
+                <a:pPr algn="ctr"/>
+                <a:r>
+                  <a:rPr lang="sv-SE" sz="4800" dirty="0" smtClean="0"/>
+                  <a:t>Apply </a:t>
+                </a:r>
+                <a:r>
+                  <a:rPr lang="sv-SE" sz="6000" dirty="0"/>
+                  <a:t>𝑛</a:t>
+                </a:r>
+                <a:r>
+                  <a:rPr lang="sv-SE" sz="4800" dirty="0"/>
+                  <a:t> </a:t>
+                </a:r>
+                <a:r>
+                  <a:rPr lang="sv-SE" sz="4800" dirty="0" smtClean="0"/>
+                  <a:t>fixed convolutional filters </a:t>
+                </a:r>
+              </a:p>
+              <a:p>
+                <a:pPr algn="ctr"/>
+                <a:r>
+                  <a:rPr lang="sv-SE" sz="4800" dirty="0" smtClean="0"/>
+                  <a:t>to image, giving outputs </a:t>
+                </a:r>
+                <a14:m>
+                  <m:oMath xmlns:m="http://schemas.openxmlformats.org/officeDocument/2006/math">
+                    <m:r>
+                      <a:rPr lang="en-GB" sz="6000" i="1">
+                        <a:latin typeface="Cambria Math"/>
+                        <a:ea typeface="Cambria Math"/>
+                      </a:rPr>
+                      <m:t>𝑓</m:t>
+                    </m:r>
+                  </m:oMath>
+                </a14:m>
+                <a:endParaRPr lang="sv-SE" sz="4800" dirty="0"/>
+              </a:p>
+            </p:txBody>
+          </p:sp>
+        </mc:Choice>
+        <mc:Fallback>
+          <p:sp>
+            <p:nvSpPr>
+              <p:cNvPr id="7" name="TextBox 6"/>
+              <p:cNvSpPr txBox="1">
+                <a:spLocks noRot="1" noChangeAspect="1" noMove="1" noResize="1" noEditPoints="1" noAdjustHandles="1" noChangeArrowheads="1" noChangeShapeType="1" noTextEdit="1"/>
+              </p:cNvSpPr>
+              <p:nvPr/>
+            </p:nvSpPr>
+            <p:spPr>
+              <a:xfrm>
+                <a:off x="5653623" y="22129703"/>
+                <a:ext cx="9393918" cy="2123658"/>
+              </a:xfrm>
+              <a:prstGeom prst="rect">
+                <a:avLst/>
+              </a:prstGeom>
+              <a:blipFill rotWithShape="1">
+                <a:blip r:embed="rId5"/>
+                <a:stretch>
+                  <a:fillRect l="-2466" t="-8309" r="-2466" b="-12321"/>
+                </a:stretch>
+              </a:blipFill>
+            </p:spPr>
+            <p:txBody>
+              <a:bodyPr/>
+              <a:lstStyle/>
+              <a:p>
+                <a:r>
+                  <a:rPr lang="en-GB">
+                    <a:noFill/>
+                  </a:rPr>
+                  <a:t> </a:t>
+                </a:r>
+              </a:p>
+            </p:txBody>
+          </p:sp>
+        </mc:Fallback>
+      </mc:AlternateContent>
+      <p:sp>
+        <p:nvSpPr>
+          <p:cNvPr id="13" name="TextBox 12"/>
+          <p:cNvSpPr txBox="1"/>
+          <p:nvPr/>
+        </p:nvSpPr>
+        <p:spPr>
+          <a:xfrm>
+            <a:off x="16680438" y="22203276"/>
+            <a:ext cx="7584127" cy="2566857"/>
+          </a:xfrm>
+          <a:prstGeom prst="rect">
+            <a:avLst/>
+          </a:prstGeom>
+          <a:noFill/>
+        </p:spPr>
+        <p:txBody>
+          <a:bodyPr wrap="none" rtlCol="0">
+            <a:spAutoFit/>
+          </a:bodyPr>
+          <a:lstStyle/>
+          <a:p>
+            <a:pPr algn="ctr"/>
+            <a:r>
+              <a:rPr lang="sv-SE" sz="4800" dirty="0" smtClean="0"/>
+              <a:t>Calculate weighted sum of</a:t>
+            </a:r>
+          </a:p>
+          <a:p>
+            <a:pPr algn="ctr"/>
+            <a:r>
+              <a:rPr lang="sv-SE" sz="4800" dirty="0" smtClean="0"/>
+              <a:t>outputs for each pixel</a:t>
+            </a:r>
+            <a:endParaRPr lang="sv-SE" sz="4800" dirty="0"/>
+          </a:p>
+          <a:p>
+            <a:endParaRPr lang="en-GB" dirty="0"/>
+          </a:p>
+        </p:txBody>
+      </p:sp>
+      <p:sp>
+        <p:nvSpPr>
+          <p:cNvPr id="14" name="TextBox 13"/>
+          <p:cNvSpPr txBox="1"/>
+          <p:nvPr/>
+        </p:nvSpPr>
+        <p:spPr>
+          <a:xfrm>
+            <a:off x="27144885" y="21892944"/>
+            <a:ext cx="7451079" cy="3453253"/>
+          </a:xfrm>
+          <a:prstGeom prst="rect">
+            <a:avLst/>
+          </a:prstGeom>
+          <a:noFill/>
+        </p:spPr>
+        <p:txBody>
+          <a:bodyPr wrap="none" rtlCol="0">
+            <a:spAutoFit/>
+          </a:bodyPr>
+          <a:lstStyle/>
+          <a:p>
+            <a:pPr algn="ctr"/>
+            <a:r>
+              <a:rPr lang="sv-SE" sz="4800" dirty="0" smtClean="0"/>
+              <a:t>These form a feature map</a:t>
+            </a:r>
+          </a:p>
+          <a:p>
+            <a:pPr algn="ctr"/>
+            <a:r>
+              <a:rPr lang="sv-SE" sz="4800" dirty="0" smtClean="0"/>
+              <a:t>which can be used in</a:t>
+            </a:r>
+          </a:p>
+          <a:p>
+            <a:pPr algn="ctr"/>
+            <a:r>
+              <a:rPr lang="sv-SE" sz="4800" dirty="0" smtClean="0"/>
+              <a:t>further layers</a:t>
+            </a:r>
+            <a:endParaRPr lang="sv-SE" sz="4800" dirty="0"/>
+          </a:p>
+          <a:p>
+            <a:endParaRPr lang="en-GB" dirty="0"/>
+          </a:p>
+        </p:txBody>
+      </p:sp>
     </p:spTree>
     <p:extLst>
       <p:ext uri="{BB962C8B-B14F-4D97-AF65-F5344CB8AC3E}">
@@ -8179,12 +10058,8 @@
               <a:t>2</a:t>
             </a:r>
             <a:r>
-              <a:rPr lang="sv-SE" sz="14400" smtClean="0"/>
-              <a:t>: Li </a:t>
-            </a:r>
-            <a:r>
               <a:rPr lang="sv-SE" sz="14400" dirty="0" smtClean="0"/>
-              <a:t>et al.</a:t>
+              <a:t>: Li et al.</a:t>
             </a:r>
             <a:endParaRPr lang="en-GB" sz="14400" dirty="0"/>
           </a:p>
@@ -8223,15 +10098,7 @@
             </a:r>
             <a:r>
               <a:rPr lang="sv-SE" dirty="0" smtClean="0"/>
-              <a:t>- </a:t>
-            </a:r>
-            <a:r>
-              <a:rPr lang="sv-SE" dirty="0" smtClean="0"/>
-              <a:t>Convolutional </a:t>
-            </a:r>
-            <a:r>
-              <a:rPr lang="sv-SE" dirty="0" smtClean="0"/>
-              <a:t>Module</a:t>
+              <a:t>- Convolutional Module</a:t>
             </a:r>
           </a:p>
           <a:p>
@@ -8329,10 +10196,18 @@
           <a:lstStyle/>
           <a:p>
             <a:r>
-              <a:rPr lang="sv-SE" dirty="0" smtClean="0"/>
-              <a:t>Model 3: Marcos el al.</a:t>
-            </a:r>
-            <a:endParaRPr lang="en-GB" dirty="0"/>
+              <a:rPr lang="sv-SE" sz="14400" dirty="0" smtClean="0"/>
+              <a:t>Model 3: Marcos </a:t>
+            </a:r>
+            <a:r>
+              <a:rPr lang="sv-SE" sz="14400" dirty="0" smtClean="0"/>
+              <a:t>et </a:t>
+            </a:r>
+            <a:r>
+              <a:rPr lang="sv-SE" sz="14400" dirty="0" smtClean="0"/>
+              <a:t>al.</a:t>
+            </a:r>
+            <a:endParaRPr lang="en-GB" sz="14400" dirty="0"/>
           </a:p>
         </p:txBody>
       </p:sp>
@@ -9203,8 +11078,8 @@
           </a:p>
         </p:txBody>
       </p:sp>
-      <mc:AlternateContent xmlns:mc="http://schemas.openxmlformats.org/markup-compatibility/2006">
-        <mc:Choice xmlns:a14="http://schemas.microsoft.com/office/drawing/2010/main" Requires="a14">
+      <mc:AlternateContent xmlns:mc="http://schemas.openxmlformats.org/markup-compatibility/2006" xmlns:a14="http://schemas.microsoft.com/office/drawing/2010/main">
+        <mc:Choice Requires="a14">
           <p:sp>
             <p:nvSpPr>
               <p:cNvPr id="11" name="TextBox 10"/>
@@ -9267,7 +11142,7 @@
             </p:txBody>
           </p:sp>
         </mc:Choice>
-        <mc:Fallback>
+        <mc:Fallback xmlns="">
           <p:sp>
             <p:nvSpPr>
               <p:cNvPr id="11" name="TextBox 10"/>
@@ -9306,8 +11181,8 @@
           </p:sp>
         </mc:Fallback>
       </mc:AlternateContent>
-      <mc:AlternateContent xmlns:mc="http://schemas.openxmlformats.org/markup-compatibility/2006">
-        <mc:Choice xmlns:a14="http://schemas.microsoft.com/office/drawing/2010/main" Requires="a14">
+      <mc:AlternateContent xmlns:mc="http://schemas.openxmlformats.org/markup-compatibility/2006" xmlns:a14="http://schemas.microsoft.com/office/drawing/2010/main">
+        <mc:Choice Requires="a14">
           <p:sp>
             <p:nvSpPr>
               <p:cNvPr id="12" name="TextBox 11"/>
@@ -9370,7 +11245,7 @@
             </p:txBody>
           </p:sp>
         </mc:Choice>
-        <mc:Fallback>
+        <mc:Fallback xmlns="">
           <p:sp>
             <p:nvSpPr>
               <p:cNvPr id="12" name="TextBox 11"/>
@@ -9409,8 +11284,8 @@
           </p:sp>
         </mc:Fallback>
       </mc:AlternateContent>
-      <mc:AlternateContent xmlns:mc="http://schemas.openxmlformats.org/markup-compatibility/2006">
-        <mc:Choice xmlns:a14="http://schemas.microsoft.com/office/drawing/2010/main" Requires="a14">
+      <mc:AlternateContent xmlns:mc="http://schemas.openxmlformats.org/markup-compatibility/2006" xmlns:a14="http://schemas.microsoft.com/office/drawing/2010/main">
+        <mc:Choice Requires="a14">
           <p:sp>
             <p:nvSpPr>
               <p:cNvPr id="13" name="TextBox 12"/>
@@ -9473,7 +11348,7 @@
             </p:txBody>
           </p:sp>
         </mc:Choice>
-        <mc:Fallback>
+        <mc:Fallback xmlns="">
           <p:sp>
             <p:nvSpPr>
               <p:cNvPr id="13" name="TextBox 12"/>

--- a/presentation.pptx
+++ b/presentation.pptx
@@ -5,10 +5,10 @@
     <p:sldMasterId id="2147483648" r:id="rId1"/>
   </p:sldMasterIdLst>
   <p:notesMasterIdLst>
-    <p:notesMasterId r:id="rId12"/>
+    <p:notesMasterId r:id="rId13"/>
   </p:notesMasterIdLst>
   <p:handoutMasterIdLst>
-    <p:handoutMasterId r:id="rId13"/>
+    <p:handoutMasterId r:id="rId14"/>
   </p:handoutMasterIdLst>
   <p:sldIdLst>
     <p:sldId id="256" r:id="rId2"/>
@@ -19,8 +19,9 @@
     <p:sldId id="261" r:id="rId7"/>
     <p:sldId id="264" r:id="rId8"/>
     <p:sldId id="267" r:id="rId9"/>
-    <p:sldId id="265" r:id="rId10"/>
-    <p:sldId id="266" r:id="rId11"/>
+    <p:sldId id="268" r:id="rId10"/>
+    <p:sldId id="269" r:id="rId11"/>
+    <p:sldId id="266" r:id="rId12"/>
   </p:sldIdLst>
   <p:sldSz cx="35999738" cy="25201563"/>
   <p:notesSz cx="46342300" cy="46342300"/>
@@ -1294,6 +1295,119 @@
           <a:bodyPr/>
           <a:lstStyle/>
           <a:p>
+            <a:pPr marL="0" marR="0" indent="0" algn="l" defTabSz="914400" rtl="0" eaLnBrk="1" fontAlgn="base" latinLnBrk="0" hangingPunct="1">
+              <a:lnSpc>
+                <a:spcPct val="100000"/>
+              </a:lnSpc>
+              <a:spcBef>
+                <a:spcPct val="30000"/>
+              </a:spcBef>
+              <a:spcAft>
+                <a:spcPct val="0"/>
+              </a:spcAft>
+              <a:buClrTx/>
+              <a:buSzTx/>
+              <a:buFontTx/>
+              <a:buNone/>
+              <a:tabLst/>
+              <a:defRPr/>
+            </a:pPr>
+            <a:r>
+              <a:rPr lang="en-GB" dirty="0" smtClean="0"/>
+              <a:t>Expand on black/white board. Show binary string representation and rotational</a:t>
+            </a:r>
+            <a:r>
+              <a:rPr lang="en-GB" baseline="0" dirty="0" smtClean="0"/>
+              <a:t> invariance. Our experiments show R=10, P=6 has highest predictive power. Histograms used as input features to neural network. Loss of positional information.</a:t>
+            </a:r>
+            <a:endParaRPr lang="en-GB" dirty="0" smtClean="0"/>
+          </a:p>
+          <a:p>
+            <a:endParaRPr lang="en-GB" dirty="0"/>
+          </a:p>
+        </p:txBody>
+      </p:sp>
+      <p:sp>
+        <p:nvSpPr>
+          <p:cNvPr id="4" name="Slide Number Placeholder 3"/>
+          <p:cNvSpPr>
+            <a:spLocks noGrp="1"/>
+          </p:cNvSpPr>
+          <p:nvPr>
+            <p:ph type="sldNum" sz="quarter" idx="10"/>
+          </p:nvPr>
+        </p:nvSpPr>
+        <p:spPr/>
+        <p:txBody>
+          <a:bodyPr/>
+          <a:lstStyle/>
+          <a:p>
+            <a:fld id="{E36643B1-9D94-4426-9F70-001B837290C8}" type="slidenum">
+              <a:rPr lang="sv-SE" smtClean="0"/>
+              <a:pPr/>
+              <a:t>3</a:t>
+            </a:fld>
+            <a:endParaRPr lang="sv-SE"/>
+          </a:p>
+        </p:txBody>
+      </p:sp>
+    </p:spTree>
+    <p:extLst>
+      <p:ext uri="{BB962C8B-B14F-4D97-AF65-F5344CB8AC3E}">
+        <p14:creationId xmlns:p14="http://schemas.microsoft.com/office/powerpoint/2010/main" val="1612184293"/>
+      </p:ext>
+    </p:extLst>
+  </p:cSld>
+  <p:clrMapOvr>
+    <a:masterClrMapping/>
+  </p:clrMapOvr>
+</p:notes>
+</file>
+
+<file path=ppt/notesSlides/notesSlide4.xml><?xml version="1.0" encoding="utf-8"?>
+<p:notes xmlns:a="http://schemas.openxmlformats.org/drawingml/2006/main" xmlns:r="http://schemas.openxmlformats.org/officeDocument/2006/relationships" xmlns:p="http://schemas.openxmlformats.org/presentationml/2006/main">
+  <p:cSld>
+    <p:spTree>
+      <p:nvGrpSpPr>
+        <p:cNvPr id="1" name=""/>
+        <p:cNvGrpSpPr/>
+        <p:nvPr/>
+      </p:nvGrpSpPr>
+      <p:grpSpPr>
+        <a:xfrm>
+          <a:off x="0" y="0"/>
+          <a:ext cx="0" cy="0"/>
+          <a:chOff x="0" y="0"/>
+          <a:chExt cx="0" cy="0"/>
+        </a:xfrm>
+      </p:grpSpPr>
+      <p:sp>
+        <p:nvSpPr>
+          <p:cNvPr id="2" name="Slide Image Placeholder 1"/>
+          <p:cNvSpPr>
+            <a:spLocks noGrp="1" noRot="1" noChangeAspect="1"/>
+          </p:cNvSpPr>
+          <p:nvPr>
+            <p:ph type="sldImg"/>
+          </p:nvPr>
+        </p:nvSpPr>
+        <p:spPr/>
+      </p:sp>
+      <p:sp>
+        <p:nvSpPr>
+          <p:cNvPr id="3" name="Notes Placeholder 2"/>
+          <p:cNvSpPr>
+            <a:spLocks noGrp="1"/>
+          </p:cNvSpPr>
+          <p:nvPr>
+            <p:ph type="body" idx="1"/>
+          </p:nvPr>
+        </p:nvSpPr>
+        <p:spPr/>
+        <p:txBody>
+          <a:bodyPr/>
+          <a:lstStyle/>
+          <a:p>
             <a:endParaRPr lang="en-GB" dirty="0"/>
           </a:p>
         </p:txBody>
@@ -3636,7 +3750,7 @@
             </a:lvl9pPr>
           </a:lstStyle>
           <a:p>
-            <a:endParaRPr lang="en-GB"/>
+            <a:endParaRPr lang="en-GB" dirty="0"/>
           </a:p>
         </p:txBody>
       </p:sp>
@@ -4717,7 +4831,15 @@
           <a:p>
             <a:r>
               <a:rPr lang="sv-SE" sz="8000" b="1" dirty="0" smtClean="0"/>
-              <a:t>Hugo Harlin and Joe Gay</a:t>
+              <a:t>Hugo Harlin and </a:t>
+            </a:r>
+            <a:r>
+              <a:rPr lang="sv-SE" sz="8000" b="1" dirty="0" smtClean="0"/>
+              <a:t>Jo </a:t>
+            </a:r>
+            <a:r>
+              <a:rPr lang="sv-SE" sz="8000" b="1" dirty="0" smtClean="0"/>
+              <a:t>Gay</a:t>
             </a:r>
           </a:p>
           <a:p>
@@ -4734,7 +4856,15 @@
             </a:r>
             <a:r>
               <a:rPr lang="sv-SE" sz="8000" b="1" dirty="0" smtClean="0"/>
-              <a:t>Lindblad, Natasa Sladjoe</a:t>
+              <a:t>Lindblad, </a:t>
+            </a:r>
+            <a:r>
+              <a:rPr lang="sv-SE" sz="8000" b="1" dirty="0"/>
+              <a:t>Nataša </a:t>
+            </a:r>
+            <a:r>
+              <a:rPr lang="sv-SE" sz="8000" b="1" dirty="0" smtClean="0"/>
+              <a:t>Sladjoe</a:t>
             </a:r>
           </a:p>
           <a:p>
@@ -4768,6 +4898,252 @@
 </file>
 
 <file path=ppt/slides/slide10.xml><?xml version="1.0" encoding="utf-8"?>
+<p:sld xmlns:a="http://schemas.openxmlformats.org/drawingml/2006/main" xmlns:r="http://schemas.openxmlformats.org/officeDocument/2006/relationships" xmlns:p="http://schemas.openxmlformats.org/presentationml/2006/main">
+  <p:cSld>
+    <p:spTree>
+      <p:nvGrpSpPr>
+        <p:cNvPr id="1" name=""/>
+        <p:cNvGrpSpPr/>
+        <p:nvPr/>
+      </p:nvGrpSpPr>
+      <p:grpSpPr>
+        <a:xfrm>
+          <a:off x="0" y="0"/>
+          <a:ext cx="0" cy="0"/>
+          <a:chOff x="0" y="0"/>
+          <a:chExt cx="0" cy="0"/>
+        </a:xfrm>
+      </p:grpSpPr>
+      <p:sp>
+        <p:nvSpPr>
+          <p:cNvPr id="2" name="Title 1"/>
+          <p:cNvSpPr>
+            <a:spLocks noGrp="1"/>
+          </p:cNvSpPr>
+          <p:nvPr>
+            <p:ph type="title"/>
+          </p:nvPr>
+        </p:nvSpPr>
+        <p:spPr/>
+        <p:txBody>
+          <a:bodyPr/>
+          <a:lstStyle/>
+          <a:p>
+            <a:r>
+              <a:rPr lang="en-GB" dirty="0" smtClean="0"/>
+              <a:t>Preliminary Results</a:t>
+            </a:r>
+            <a:endParaRPr lang="en-GB" dirty="0"/>
+          </a:p>
+        </p:txBody>
+      </p:sp>
+      <p:sp>
+        <p:nvSpPr>
+          <p:cNvPr id="4" name="AutoShape 2" descr="data:image/png;base64,iVBORw0KGgoAAAANSUhEUgAAA4QAAAIsCAYAAACqdmcMAAAgAElEQVR4Xuy9e/BdVZXvO0MIhCAGCUh4irwEFEWlkQAhAgEUfIECIg0B5Nnpun+cOtW3q+v2Pefcc+tUn66uc6tOiYqERxJoQBBQMYpggzwUMUhoUIEEEFAegkAEISFAbn2XveLKytp7r7nXno89fp9dRaH85p5zrM8Ye6zxnXOuuSatXbt2reMDAQhAAAIQgAAEIAABCEAAAhOOwCQE4YTzORcMAQhAAAIQgAAEIAABCECgIIAgJBAgAAEIQAACEIAABCAAAQhMUAIIwgnqeC4bAhCAAAQgAAEIQAACEIAAgpAYgAAEIAABCEAAAhCAAAQgMEEJIAgnqOO5bAhAAAIQgAAEIAABCEAAAghCYgACEIAABCAAAQhAAAIQgMAEJYAgnKCO57IhAAEIQAACEIAABCAAAQggCIkBCEAAAhCAAAQgAAEIQAACE5QAgnCCOp7LhgAEIAABCEAAAhCAAAQggCAkBiAAAQhAAAIQgAAEIAABCExQAgjCCep4LhsCEIAABCAAAQhAAAIQgACCkBiAAAQgAAEIQAACEIAABCAwQQkgCCeo47lsCEAAAhCAAAQgAAEIQAACCEJiAAIQgAAEIAABCEAAAhCAwAQlgCCcoI7nsiEAAQhAAAIQgAAEIAABCCAIiQEIQAACEIAABCAAAQhAAAITlACCcII6nsuGAAQgAAEIQAACEIAABCCAICQGIAABCEAAAhCAAAQgAAEITFACCMIJ6nguGwIQgAAEIAABCEAAAhCAAIKQGIAABCAAAQhAAAIQgAAEIDBBCSAIJ6jjuWwIQAACEIAABCAAAQhAAAIIQmIAAhCAAAQgAAEIQAACEIDABCWAIJygjueyIQABCEAAAhCAAAQgAAEIIAiJAQhAAAIQgAAEIAABCEAAAhOUAIJwgjqey4YABCAAAQhAAAIQgAAEIIAgJAYgAAEIQAACEIAABCAAAQhMUAIIwgnqeC4bAhCAAAQgAAEIQAACEIAAgpAYgAAEIAABCEAAAhCAAAQgMEEJmBCEDzzwgFu8eHHhwlNPPdXtu+++ptz55ptvusmTJ7tJkyb1vK6VK1e6W2+91YnFK6+8UrTbfPPN3Xvf+173V3/1V27PPfcs+hjXz9tvv+3Wrl071tcwruyxe+IQuOKKK9z999/vpk6d6s466yy38847T5yLn4BX+swzz7jvfe977vHHH3dr1qxxG2+8sfvkJz/pZs+ePXY0dA+84IIL3Msvv+x22WUXd+aZZxZxXP20uZeuWrXK/fCHPyx+B7qX6r671157uVNOOcVtsskm67rT/ejRRx91P/jBD9zTTz/t1PeUKVOKGkTt+UxsArfccksRRyHq0ieffNItWLDAKVaPOuooN3fu3IkNm6sfCYEsBKES67PPPuvuuOMO9/DDD68TNEqu2267rTvooIPchz70oSLZNn2sCsK33nrLXX/99e7nP/+5e/e73+2+/OUvuy233HIDBEoOl112mXv11Vcb+UgYnnvuuW7mzJkjCZrYnfz2t791l1xyiXvttdfcJz7xCffxj388tgmMB4EJQaCLICy/6wOKYsaH1mjbLlu2zF1zzTWFEKx+xnVStZ8gbHsvffHFF4t7ze9///v1mKj+kCAsP6pZNAGrgl+TleWHiZTRxug494YgHGfvTUzbkwtCFfm6Kf3qV78qVoB6fbbaait38sknu/e85z0bNLEqCF9//XV30UUXOQkizVKedtpp7v3vf/96168ZzAsvvLC4gamNBPQHP/hB9653vcv97ne/K2Z+NXMpQfiOd7xjLKP83nvvdVdffXVh+6677lrM/FZnasfyojAaAhkSQBBm6JQAJr300kvuG9/4hvvDH/7gNtpoI7fffvu5973vfcVI2lXSNPEYwIyRdtlPELa5l0o0qhb5xS9+Udi1ww47FJPRWjXV/VSrjuWnukKjiepZs2YV7bULZ/fdd3fTpk0b6bXR2fgRQBCOn88musVJBeEf//jHYqvnE088UfhBgkU3pp122qn4/1oOv+eee4rtGBKLSrJnnHHGBqLQqiCszkJq69a8efOKbaDVj1YPdRPTR9t8jj322OIGX/202SaT6odQvbHWZ2FLm8pZWxUxn/3sZ90BBxyQylzGhYBpAqMQhCqQDzvsMDdjxoyBrLbbbrux3bkw8OIyblC9b8yZM8cdc8wxfR9JyPhS1pnWTxC2uZe+8MIL7utf/7pTXSJxpy3T9fttOdiNN97obr/99oLZ5z//+Ql9T2qzVXcc4mfUNiIIR02U/kITSCYINRt37bXXOq3+6KNVrRNOOMFtuumm612zEvnPfvYz953vfKdY6WpK1FYFYRvnX3XVVcWM5rhuVWkjCNtwoA0EINCdwCgE4bjmou70xqeHsliVr/QoQtPOm/G5mj9b2lWYVO9FeiZL25l7fcrfyfTp0938+fPHckV1VP7tyn1UduTWD4IwN49gzyACyQThQw895BYtWlSIPG0D1OrXZptt1mivROG3vvWtYrVQM3Innnii++hHP7qu7UQWhOWNSVt8dGPSDWqcPgjCcfIWtlongCC07uE/X18XP+dKqKswqdYR/Z5t1c4lPWf4m9/8phCC43jfHaUPu3IfpS059YUgzMkb2NKGQBJBqNVB3ZAefPDB4lmw008/vdh33++jZ+Euvvhi98Ybb7h99tmnOMmrPDUTQXj/2N6YEIRtfqa0gUAcAl2EQpfvxrk6RikJWPRVV2GCIBzu99GV+3Cj5v8tBGH+PsLC9QkkEYQ6FvprX/ua0zNh2gJ69tlnD3wIWydoan+/Dk/RiZvnnXfeukNS2gjC8iRTnQy2fPly96c//akgoVXJ3XbbzR155JFOz7P0+uj7etZRP/KnnnrK6SF1rVa+853vLA560TMz/VbnNKt45513uqVLlxbHYutkMj1rozF1aqZEbv3Zv+pMbnUmsiqietlbnhTXVnCJx49//OPiqG3Zp+tty0YCX4cC6fs6xlyn1omNbNZzgYcffvh6x39XbyC97K/O0LY9YllMZcdtt9227hhwHQigZ5kOOeQQ95GPfKTxpNqqPbL3S1/60jpfl8exy1c6bEHPaPaLk0EJRjEvTr/85S+LZ1XEWX1ry5Y4KRb7vV5E17hixYriGhWPYq242Xrrrd3HPvYxd+CBB/Y8jVe2rV69utiCrdV2PTNTxmG/8dvy7/c7rK5k/83f/E0xu64T+nSohQ5s0H/Tb0mfrr9V3+vUeFdeeaXTqYuaZNJvR7/Hpk/12atPfepT7tBDDx3k8nV/9/2dlF+s81ec1ONcv9W9997bHX300QXPXh/Fy09+8pPiH/3O9dHvVK+m0W9EOzGGfe1ELJExbC4tmQzzG6jyFENt09ep2NXf0KBcXvejnoVesmRJ8aog9anXPeg+MmgsPdemA2AG+boeA23uG71Wxnq91miPPfZwRxxxRHGYWdOnujVVz+TpOnXNOvBMj4fo3r/jjju2/g0pf950003u17/+dXEPVn7ffvvti3uo+vnqV7/a87UTTbtpqqt9vYwoX2GhuqF8vdWg+25XHw4TK3Uf6b6g37YOvNHhOE2ntNf9o9pKdYryXDU/6PvVPtpw63UmQBO7um902ODNN99cvNZDfta1qFbU76OslXTvUs7+t3/7t/V+h23v08PGdGl/0/hbbLFF8doz2SmGbV47MYzf2tyTq/VQWZeVMbH//vsX+b7+WpbWP0QamiSQRBDqR64tF7o5qEj/4he/OBCuijYlCW0xVVDrplgKqEGCUAVAWej0OslUfelmqB9yvSBXIffd737X/fSnP+15Eqp+WNrK+oEPfGCDa9EpodoeWybYpotVkjvppJM22DbbdBNrc2P3EYQSJzqYRnybPmIjLnquov4uQ70uRDfJ559/vqcPdViQVoHLd5qFEIRiKzsk1nt9ttlmm6LYr79+o2qP/KfiRhMH1ePEyz5VgMjPOvzI56MY0s23V7/qS3GnrdA6pKDpnZG6McpP8levOO51jepfcXj55Zc7HdLT9NH4uolr/OqzvG1uPuqvjSDUpIne0SVBWl5DdbKj62912OuUwFL8yE8q1MWgKQ+ojdrqgKtzzjmnKEbbfIb5nZT9VvnrABDFq0RbUwz0OnhLfek3snDhwqIYb/roJGft2JCtwzwHGEMQdsmlw8ZGldWg35Da6hEITSqVExxNftTvXJMimhApP3UxNihmVOB/4QtfKHJRv0mkpvF7xWzdBsWYBILetVd/PUXZR7/7Q1Vw6Jo1GaV7uD6+MaYdRd/85jeLw+aaPprU0n1I97Gm9xCmEITD+rD6mx8UK/KR8qnOWejlIwk9PZaj+0P1U/WPJjt1UE6ve3n10Z5QglD3B50noVqrjJOqvYpzTd5L5Opeplqy6dPvPt01pjWe7sU6+Vz3gqaP8rCY6zeuT9OrXLr4bdA9eZB9skn3XZ1c7zMh0+ZeR5vxJZBEELbdmtEWa79CVAWexKBW5vTRLJMSiv5dzthrtUWrNUoi+oHUXyqrGSjNSuoHLDEhcaRZKN14lEA1SyXxoCSgB/TLU1I1noowvTpCSVY3cAlgJTO1VTLTLFhZoGvWpi4GBj0jOOjvg1YItcp06aWXFtdSHp8tG3WzVrLT9ekalIg1I63VifJTvbby6HKtmEisa8VRSV2HBimxKznq1ReaQat+BtmntoOSn169oZe0ahZMdurGpRNX5WMVXBJhjzzySOE/rRZqVlrFb/mpCkJdh9rpxnTwwQcX/tbqtOLnscceK/7W61r6xWs1hjS2YlCrgfpoFfJHP/rRuleHfPrTny5m76qf+iFMujb5QrGm+BFr/Q4Uh7rp6xqrR8erjeKwesy84lDXqfHFSMWLPvU4HMS/tLONIJR/yuJVq5q6DsWaClH9u+tvddjrrO5AED/Far2gFzvtUlC8aIu7Tjzu9W7Uqu+6/k6q/DVRoFhQXMp/YqhVKvm/9N+ee+5ZFH9V21TASQyWBZRiQ/EtQSv7NMmg57rLSRDfYl3XG1oQds2lw8ZG6UvxVZ7RvUJ5QisB8oFyikS2cnkptpuei2/yo1Z2JWSUM+W3D3/4w8VwTbYqt8ovEkbKJ8rZ+v96DU/1lQht7pttfaWVZAmN8v6mVSIJUN0rq3aUhbpWC6vitBQc5e9e+VOxp8lBTTopT/daXaxehyb69MiIrrnM8Zq40fUr/iU0q+8ObCsIq2O0rUvaPkPYxYc+saL6Q0JZ91nVFbovaGJTdlbrE8WZYqV6VkPdP+KhuNb3NTkkO5RbSu5N96ZRbBmtv8O0zE/Kb7oO5aby/ia7dA0at5oHlR+0cl/ep/W71KRdfcdE15iu15RirjygmBMn1Rr//u//vp44bxKEXfzW755ctW9QPdRUK7TJH7SxSSC5IPzMZz6zQfHri7pfIaqbuN7TJ4GirZ1//dd/vcHqi2ZxtGKpxKNEqBfQlis0+oGrkNaNvtdR1EpCWrlpWl0ot5j1Op5aMzkaW8KsadVhkOAb9Pd+gqv6bqZeKwsqfvTSe82MSzxoq255nLxmjlUs9Lo23fx1w1Gh1HQYUF3s9dpi0i/5aYzrr7/e3X333cUYWsVUUVLdfqs2ElyyQ/+7Hgf1FcumE2/lW80IltsKVXDXJw56xW1VbPSKIYkNxZmKCM3YSdBVb9wS1rrpy37NGGtloLqKqP8uBvKHbNUWKh0lr0/1md1eM6damdP1lc/1amJDkx5tBLmPIFRbCWLdIMWi+un6W+16neVR8r22jSrPaFZarH3yVtffSTX+FeNaJdTkTNX/1TwicSFBW10Jr8ZPk1jRNd13333Fyc8qLHMUhF1yadfY0MqLBLWKPf2G9PuTeKuKn/qkTf11Dk1+1MRQfVJB/SjOJNJ7/V6rE3k+kxPl762NINQEm3KS8pdyvsREfYWpKnqazgOoPkele4x2wShvtlnRLG2t+q6X8JR/NJlUvkMwtSDs6sO2saKJZtU3uk83TXbW7331be51/2i3Vv2+Vq2PtEVYu32qMTtqQagaTHFS3aVSvw7FhiauNYFetaX6G1SsqN6TwC0/o4jp6nkWTcw1lkSpdoWVu67qgrCr3/rVRNXXpzTVvNW6TLb6PvrgW5/TfnwIJBGEo37Ytp8g1A9Sz1wpUfR651V1xq/+fGL9+TKJxfqnKhrrN6L6Hv1y22S1j+pzSfXEMUjwDfp7P0FY3SZXFRD166u201aocrukCngl2H4v462Or2fclMCrn64rhNVVm6YioFpUlEWWCpeq4Kn6uNfqkPrRLKWKQsVS0/M+vX72KlZUSOpApPoLjqvfKX1ZL+j1fa3iKo7rorz6/Wo7xZme2VFhr/d46iXUitP6hEf1+9V21WPXR7lC2O8Zva6/1a7XWb3R17eNVp8z1MqhJkY0e93m0/V3UuXfr/ivCk/tdFAxoI/iQpM6egaq31ZXXaN+I8qnXQRhGybDnM7YJZeOMjZUiOoVSU3bujXxqFVETSDWf6tt/ViNw35j6Vk87W7p4qt+3y3713WqQO+1TV55SfGl/FbPL9V7/bCFZ3WiqF/8a4XoggsuKFaOUgvCrj5sGyttfFSd+O1Vn/QTBtX8ocm86vPe+t4oBWG/16BU/dsvj1UfSapvgW7DS9fUL6Y18aAV6UHPm+v5QcW/PvW6ro0d/fzW757c5n5dFY0+z3q2ye20GV8C5gVhG9f02wJSXd1RMtQsqURj209ZpKm9Vq40I9x0eEyv/gYJvkF/7ye4ysQ2qKBQwtdsl7ZmattSfTtjPxaDBN+gv6vvfgmuKqZVpOlwjF6fqrCtCrq2N7Q2ibZtXDS16zVrXy2IVJSdfPLJPWfYdWDNXXfdVWx31CqmtuhWhUJ9xrRqh34Heq+limcdUHLccccVf2573W22jA6KtUH8+v1Wu15nte/6xIBm4DUTr5ndfqJ6kP29/t7vd9DmN6J+e/GvFlJNM/xVm9qsHA3KVW0YDCMIu+TSrrFRrh5rNUL3gHK7d9O1apue2muFoirM2/qxLCRVcPbbiVAtfAflvrqdg/xc3xnT7+C36kRUXTCMYvJXuzL+9V//tbiEfivzg/L4oHvlKLeMdvVhm1hRvtLkg9rWJ7Lr/i7jtz6Z1dY//dgN4t4mHwyKR/VRzc/9Jn+r7KpnVIwipn2Y92Lr00cvv/W7J1frBU0MK19JQPOBwCACSQRhNfH63siaLmjQoTL6TnlKqPaPa/auPOGx3l9ToVJ9/ktiTslIiUbFlWaB+wm86nMvGksHrKio16yMnp0YdMrToJvYoL/3urFUZ/2GKc6q3NSXDrnQc3ZaMdTMVtOnaSaqzY2vX/IrE2abFyz3mhVre0NrK4z6/eiee+65QrBpxbA8bbbevi6aqiuT/d6P1WvctsK/jVjpN/6oBOGwv9Wu16nrL4v5+uxv6QM9S1V/D+qgJFv+fdjfSZvfSD9BWP1+2xduDyPcq0WdJi36HbhTPRisal+/fNwll3aJDe0IKA8TavMi8l4rFG386DOWj199BWE1V2rLnSaS+m3zrOZh7Uwod8K0FRz9fkPVlWHt7NCzcE2fQXl80L1yVIJwFD5sEys+PurFsK1/xlUQVmsOH16Kr6aYrsbYoN9FL7Y+dvTyW79apP6Mo7ad61Ri1ayqXVWD+mzZbnt/o934E0guCIcpcOvYBwlCzQzp+SgdVT3o0ySOyudr9HxW/SROzRhra1a/o7clPlWQqKisngyoH6X2oOtZk16vRBh0Exv09143lrazbYN46VkW2dDvBNWyjxCCsLz+Ntv4qsm8ulIyqJAo7e8iCCUGdIPRc369Tggtx6kX44Pie5CPBsXIoO+3ve5RCMIuv9Wu1ykO1a2F1W2jpaDot2W3H8cuv5M2xWE/QegzodBmpr7XdQ773baCUOMOm0u7xEY1V7Z5TVL1eqrb5Nv4sc3pjW0n2/rF4yBfVW3VrhBt92wj2uqrmm0FR7++24r5QXl8UAyMShCOwodtYqXf76Yfz+r2xbb+sSAIRxHT1dW3QVste7Edhd8G3ZMlCrWdXIsZ9ZNntVqoRYlBr0obVBfwd3sEkgjC6gxq03Nlvpj7FaLVwwA0Ky3hpR+ChFi5stf21DAdvKFth9qmWL4DrrRVfemkKR3k0XTyoESATkHT3nMdFlC+66/8vrbaaFa9Pvs56CY26O8hBWH1AW0lGR10oQNZ9Axck4gKKQjbzNxXCwYdrKGtFHqecFAh0VUQ1g++0WmCn/jEJ4pDP6rPIfUq0iaKIOz6Wx30W2iTV6qz++W2Uc2wlgdLDdqy2zRG199Jm+JwnAWhmOvZu6aJkvorhnSdw+TSLrFRvT9Un83tFU+9tqy18eMoxESbOPcRhINWlTVe9bTK6jbZtoIDQeiKXUPlGQVtYmUUwqKtf6wJwmFjelwEYfl7Ul7ViaeqWWV79VUeqlO1IKOTfn0eY2qTX2gzngSSCMLqi+n77QWvIh32xfTV2XE9v6dEUF8ubysI6y7WbHX5YtRy5bDtiqeKIB2lrdMvq69EqB+TPKiQGfT3kFtGqzO3vY4+H3RjG/R3MW+7ZbS6Vanp55hqy2j9GUAd0NB0IEWvIs1nhafputvOsLcpcENuGe36W+16neX1lydy6iap2XSddqeTgLVdtN9L63vx6/o7afMb6ScIfbYWDhIK/W5zXb7b5fbZJpd2iY3qJEGb7fVdtoxWt/LruTBt1ayeNtyLU3kUf1uOg3zle+gEW0anr0M/Ch+2+c1X7yvazaD6ps1Hk7flpPVEEoSjiOlRbBkdhd8GrRA2xYEm0nQqsBYl9NiK4nTQgVFt4ok2dggkEYTVY6TrJz72Qls9tUsvcVdhVhbV/VZQ2jx/0E8Q6nk4nZ4mEamVr6ZCvvrKgOqWourMd68bdv0I4PozlYME36C/97uxtC2SVAhrpkn/VnGsLY1tZ80H3dgG/X2QIBz2UJmqsAm9QliNz+oprfVY71Wk+RwqI79oJbu6stL2QA3FoiY2NItYjde2gqLrltGuv9Wu11n6o3pyrQotFVDaftPvBNpeeWsUv5M2v5F+grB6qEw9d7aNwTa3vEEio00fvdp0zaVdY2PYQ2Wqhzi19WOZl9tsgx+W6SBfDXsAh05RPv/889e9A7Wt4Oh3HdVDZfqdOTAojw+6V45qy6iupasP28RKdZJ80O+6F9+2/rGwQjiKmK4eCDNo+3gvtqPwWy9BWL2HN+2uKOOg+iqRYWNn2NzD9/IlkEQQCkf1xMemFylXkdW33NUPdegqCCV2dCy/tnbVZ4DL08L6nS5XPa69+v22hZi2n+qlu0o29RWYQTexQX/vd2Op+qDfyk9VjJenvLUtdLX6qVc1aDYqxJbRtkeSV98L1e+1E21PL2u7Elwv1HsJQtknTlolqz9DWD3Fr9fLdjVOdaKleupc9bm4fsfYV4VQdSt324fgywNZZEuv16f0O6ykjSDs91vtep1lztHvWQXdPffcU5zWqt++2NRfRdEmrY/id9KmOOwnCGO/dmKYA2kGseyaS7vGRnX1ul8ctH3tRL/nj6rvuxz0qgb95jVZ6bvla5AgrIqaQcfrt33tRNPLuQf5XX9vm+Nzeu1EVx+2+c1XX4XT7zUMJWPlgfrjLBNJEI4qpru+dmIUfusnCMtXB/WbUKoK27a79Nr8Vmkz3gSSCcJqga4b2oEHHlg8uF5PWPUXJje92LufIKweVd70Qm/9MPRSefWhT10QVgsBPT+kGcq6jdUVwuqPq1qIqUjSEeL148rrL2+vvxZgkOAb9Pd+N5Y2L6ZXGwkVvWhVCUYvvNZKSfXaer08We/i0ul82qagT1MRpBfe6/ksjdPr1K5+2yPavphe2yR0KJBWv/q9mD6EIKzGUNNLwcXy5ptvdnplhK6nqaAe9GJ68dVMul5er2usvhS7zUu5qy/0rb9gujqzWo2Bauqrvih7WEHY9bfa9Tqr11OdLNF/H/QKgF63gVH8TtoUh/0EYRkbOlhLjMbxxfRdc2nX2Gj7Yvqbbrpp3e+434vp+wnCel5uelm4fKr7joo/vQ9T73cddGJ1NUbbCMI2L/HWYxPK8fr9D3ox/bCCUL7TPVovnR+XF9N39WHb33x1slbnD4ixcnR9Qv3BBx90N9xwQ/HIjCb7ygmEUQhCxcBXv/rV4j7f5hnbplzZJh7bHoTXj90oYrra/7Avpu/qt341UZvX81RXCId5Ln68ZQ/W9yKQTBDKICUQPZujw1ZKMXbwwQcX79RRwtLfNUuv2V0VypoFO+OMMzY4eKWfIHzppZeK1T/dPHUzUdL88Ic/XNw89QyfbjLVk0PrgrBaKMtGHQSiQ2ne+973FlsoVThqZUSzk+r/05/+9Hrv6asWyhKSWqHR4TPafiqbfvrTnxZiVH3puiW49O648jNI8A36+6AbS90+2SYbxVrPwkioyA+6Nh0ac/jhh6+zTQKkLDJ1bTpQRi8O1rXo4BwJIf3v8tNUBFW3T8gnH//4x4uXt4uPVo71GbRfvnocvexUwasHpTV5IMZKkLJHMdSUwAdtNSrtH2RHrx9Z/aAI+Vk3ZR3/rPfa6XUd1VNamwRhPQ51bfLFTjvtVMSvYlD+EG8Jdr03TLFcfuRDCW/x0G9LNwH5Wm0k3OVn/Vuf/fffvygwq9ujq4WDvqPfqX4LGlu/AfGtPrA+zAph199qmVO6XGfJqxqX+m+Dtgf1u8V0/Z0M+g2XY7c9XKuaa/V70BZjTTho0qf8vQ6zytemqOtyK+6aS7v+BnS/0E4Oxbx+Q5rA0m9IDPXb0YSOCj19mkR3Wz/q+9VrLcfShOZ2221XbN/XfUP3LglVja9nuPW7b/tp66vqK5d0TzjooIOK3KFJQP3utZVagqCXUGsrOAbZXS3kyxxf3qe0g0E8yolH9ZX6xfRdfdg2VnRP0zkEyt9ljaSYVGzqHqq4vOOOO4rftv4uZsrto3yGsD7ppfF33HHH4mokxN8AACAASURBVPESnebddMhe3d9t4nEUglDjdo3p6iS0+tPvQtese4RYtLkfdvVbv1qkOolfr4eU63U/0uvXlMf0O9YhUHvttdegnyB/nwAEkgpC8dXNRC+dVcLq99HNTkWmitD6Z9ApjBImeuF2/ZURZT9atdMPR1tf9AC/imkltPKjH5iEj37ovT66aetmeeyxx27wnKFm57Ryo4TW66NTRrU6WB1XbQcJvkF/b3NjUTGvGdhefJQ0tEVSx49XtyZJpFRnxOvXprZ6Ubz4S3RVT/astq0m6PK/9zpxrddWTQkqzVSraOv16RVDoQWh7NG2p8suu2y9oqVqp0Sibij33XffBi+0rsah/FSK26brVB+KIxWJ9Y9WY7WiUC2cqm36rdRXbzJN4+qmr3cdKdb1GUYQ6ntdf6vqo8t1Vq+tfG5M/00TFTpBeJhP199Jm9+w7BqUB6urOU3XoRyk+FE/OQpC2dwll44iNgbFlsZQntPW8PpKTVs/lr5Zvnx5kZf7vdKn131jUJy2KcDVhwpXTaj94Ac/2OD4+nIM5XlNkmr1qf6M/agEYZvcoAlExbhybQ6CUDYP60OfWFF+ufXWWwuhU52Uq+d27YzRDqfqIUVt/TOozlDOuPLKK9cb32crYpt4HJUg7BrT4iphpd+mTvBs+kgk6tk8TfY23Q/137r4bdDktHKGdnaVk7y97tk67fyQQw7hvYSDEuYE+XtyQSjOmpXWErYSmgr68sXmSlwqUDT7oh9X04EubQohtdHqg8SL3kWo/nUT02yrtvVoZUuzu9///vcLtzc9uN7LRs3CaRZMN0SJ1V4v/CxndcvVIPUnoaXCXastWrXUjFr9MygRD/p72xuL7BMDvWC+fCWGVir33nvvda/paPpNKLlqJVEFg1ZydUMqxYFOPdP1aRW43HJ63nnnFVucqh8lRo2tVS6JUn1fq1THHXdc0WxQ8iv7Uj9K0JoRLY9YFmP5RWJdIrNptjKGIJSNuqHpmVQxfuWVV4pYER/Ft7ZM63nLRYsWFUVYr3d/KW40caGZ+fLVJ+U1alVUsdzrd1LeyLR9VivvmllXf/qdaVJE79LUy8R7xbBmPzWzqH/KGCnjX9/VSr9EedMNsM0Nv/Rj199q1+ss7VAxd+mllxa5Qi/E1q6AYT9dfidtf8ODBKFsr/tQ/00rvvptaMVZfajQyVUQyt5hc2npOxVzw/4GesWW8op2nyjP6F7V9ExfWz9WY6zJ1vK+oUKu1/trB8Wpz+9RfWlngUSH7p/KXfro/qBJIN1Dt91228Yh2wqOQfb2yg1l7lO+/MAHPlBMeGniNhdB2CteBvlwmFhp8pFyu3aRSKwrPuu5va1/BtUZ5aM9qqF0Py1fhq5XaWkr8aBPm3gclSAsbRk2psvv695ZnjJf3kvLmkn3w3IHnHJuv+3Sw/itTU2keki/BdVWWmGXHfK/Jqo0OaDfrXZj8YFASSALQYg7IAABCORGYMmSJYXw1qq9dg20Of4/t2vAHghAAAIQgAAEIDCIAIJwECH+DgEITDgC2np24YUXFs94+pwoO+FAccEQgAAEIAABCIw9AQTh2LuQC4AABEZJoPrAv1YFzznnnGIrLR8IQAACEIAABCBgkQCC0KJXuSYIQMCLgJ6v0DOceoZVB/uUJ27q2U49y9rruUqvQWgMAQhAAAIQgAAEMiSAIMzQKZgEAQjEJVA9WKgcWQdT6EhuvR6EDwQgAAEIQAACELBKAEFo1bNcFwQg0JqATk7Uabg6KVfbRHV6o54d9HnZd+vBaAgBCEAAAhCAAAQyIoAgzMgZmAIBCEAAAhCAAAQgAAEIQCAmAQRhTNqMBQEIQAACEIAABCAAAQhAICMCCMKMnIEpEIAABCAAAQhAAAIQgAAEYhJAEMakzVgQgAAEIAABCEAAAhCAAAQyIoAgzMgZmAIBCEAAAhCAAAQgAAEIQCAmAQRhTNqMBQEIQAACEIAABCAAAQhAICMCCMKMnIEpEIAABCAAAQhAAAIQgAAEYhJAEMakzVgQgAAEIAABCEAAAhCAAAQyIoAgzMgZmAIBCEAAAhCAAAQgAAEIQCAmAQRhTNqMBQEIQAACEIAABCAAAQhAICMCCMKMnIEpEIAABCAAAQhAAAIQgAAEYhJAEMakzVgQgAAEIAABCEAAAhCAAAQyIoAgzMgZmAIBCEAAAhCAAAQgAAEIQCAmAQRhTNqMBQEIQAACEIAABCAAAQhAICMCCMKMnIEpEIAABCAAAQhAAAIQgAAEYhJAEMakzVgQgAAEIAABCEAAAhCAAAQyIoAgzMgZmAIBCEAAAhCAAAQgAAEIQCAmAQRhTNqMBQEIQAACEIAABCAAAQhAICMCCMKMnIEpEICADQIL73jDPbdy7dAX89H3TnZHvH/job/PF9MSePGyb7g1zz9XGDGpjyn1CCnbTvurWe4dH5+b9iIYHQIQgAAEJgwBBOGEcTUXCgEIxCBwyY/fcFfctabzUP/7tKnu/TtO7twPHcQl8IeLvuJe+ublnQfd6SuXuk3ft3fnfugAAhCAAAQgMIgAgnAQIf4OAQhAwIPAf79+tbvt1296fKO56T8et6n7+N7DrxK+9dZb7oorrnCPPfaYO+ecc9z222/f2SY6GEzgmf/6f7o/3fXjwQ0HtNjuv/5Pt/nBc7z6efLJJ92CBQvcqlWrGr/3oQ99yJ1yyilefdIYAhCAAATsE0AQ2vcxVwgBCEQkkIsgfPbZZ92FF17o/vSnP7mjjjrKzZ3LFsQYYZCDINxjjz3cBz7wgQ0u913vepfbZZddYmBgDAhAAAIQGCMCCMIxchamQgAC+RPIRRDefvvt7rbbbnPbbLONW7NmjTv77LPdZpttlj/AMbcwB0F46KGHMgEw5nGE+RCAAARiEkAQxqTNWBCAgHkCOQjC119/3V100UVuyy23dB/5yEfclVde6U499VS31157bcD/mWeecdddd5176qmnir/tsMMO7nOf+5zbaaed1rWVoJTAvOOOO9xrr73mpk2b5j72sY8VomPKlCnFFsVLLrmkaH/mmWe6qVOnFv975cqV7oILLnDvec97iq2K5f/fcccdnVarfvrTn7r3v//9xd/Uxw9/+EP3i1/8Yt0YEjZz5sxxkyf/5VnKfrZom6zskI3nnXeee8c73lHYoe9cdtll7uWXX3bnnnuue+c73xksDsdZEDbFwjHHHON222231rFQNnzuuefcd77zHff44487+UUTE5/5zGecVi8nTfrz8Tm33HJLEVdHH320+8lPfuJeeeUVd9ZZZ7mdd97ZvfTSS8X3H374Yff2228X8fiFL3zBbbvttsF8R8cQgAAEJioBBOFE9TzXDQEIBCGQgyBUEX7ppZe6E044oSjmJQ4l9D7/+c+vK8Z18U888UTRTgJp9uzZBQ+Jvj/+8Y/ujDPOKIScivlrr73W3X///W7WrFlOYu63v/1tIeb0TJqKdAkuH0Go/jfffHO36667Fv/st99+buHChU7bXCUAJWQfeuihYkxtdz388MML29rYctddd7nvf//7bt68eesE8AsvvOC+/vWvu7333rtgEPIzroJQYlBxIhFdjQWxO+200wqWbfhLvGty4eKLLy4mBtTXJpts4pYuXVr89xNPPLHwdykIb7755kLwK65mzpxZ+F+CUbbovx988MFu4403LuLy1VdfLVa6t9tuu5AupG8IQAACE44AgnDCuZwLhgAEQhLIQRB+61vfKg6TKVfDlixZ4u67775i1WzGjBnrxJUOnZEQ0KEzWrHTR2JNzx5KQJ588snuN7/5TVHcf/zjH19vG6JWdrTCoxWdd7/73V6CUIW+CvutttqqGPORRx5xsvmzn/2s22effYr/JpEpsarVTrXVqqSE7iBbJB6+8Y1vuP3339996lOfKvq69957i/5LYRPS/+MqCG+99Vanf7785S8XEwH6/P73vy+E9J577um++MUvtuKvuFFcPf3004XfyniTHyX6tQpYxqXiR4LwyCOPdEcccUQhBCU6r7nmmiLuqt9//vnni7iMIepDxgd9QwACEMiRAIIwR69gEwQgMLYEUgvCUtBp5a1cDdPpkxJS2rL30Y9+tGDbb9VMxbgEmfrQapsElYp4reCUH23LXLFiRbG9TytBPiuE5RbSQU6WsNAq5vz589306dPdjTfeONAWrTxqe6jsK5+b1JbZ3/3ud8G3i+p6chCETaeM6jCZ6nbeOvtSNB977LHFSvBGG220gXva8H/zzTd7rsb+/Oc/L7Ynl6u35ZbRcpuoBtS23q997WuFCK2u5pbbfvXvftcxKKb4OwQgAAEIbEgAQUhUQAACEBghgdSCUIX9t7/97WLL53vf+97iysrVNq3AnH766cVzf+UrCgYdQFIXZU2ofJ8hbBKEembspptucr/+9a+LVcHyo+2jpSBsY4u+d+eddxZCVsJBz5xplUuCqL5ldoRuX9dVDoKw6ZRRbQWVwP/Vr37lFi9evAFfiXqtomqbrlZZ1YcmD7RiWz7D2YZ/v7gq/6ZtwIcccsi6ZwirgnDQqzMGCdsQPqVPCEAAAtYJIAite5jrgwAEohJIKQjLdw8++OCDjdesbZflOwlzEoRardQ2T4mST3ziE8V2VX2uv/76YuuhryAsVz91oI5EkASQDq4pt6OGDIgcBGE/ka8VOG29LT96vk+rcZokWLt2rXvxxRcLUfjAAw8U24klyHUgUbkVtLpi28SxX1zpu1qpbiMIe706oxS21YOGQvqTviEAAQhMBAIIwongZa4RAhCIRiClIJR4krBSga9nraofrbrpFM8DDjjA6eRICQOdAKqDYcpn7cr2aquTHSUg9YzXPffcUzx/uPXWW6/rUuJT7zjUqyzK0z31xzanjNZXCMvn16orReqrviIl+wfZImEjeyQCtX1W21wlREKfLlqCyV0QNv0QJAS1xVYf+bw8BfTRRx8tnvuTkNYzhG346yTZXgf4tNkyWop5HWITY0U3WmJgIAhAAAIZE0AQZuwcTIMABMaPQEpBWD3oRc/2VT9VkaRn67QtUKLpD3/4w3piSSJvwYIFxSEzWlXT4TQ63EUrd1p5Kj8SZnqmTFtTtY3v8ssvL04fPf/884tVJX1KgarVnuprJ+qCsHyWrHqgiUSpnkuUwChXCJcvXz7QlnKbrLbO6nRUfbT1MZa4GEdB2Ou1HBKJOu1TEwHyXxv+ijufQ2UUs9WJANmiuFQsaXJBp4+WHz3busUWW6w7qGb8sgMWQwACEMiTAIIwT79gFQQgMKYEUgnC8t2DEnq9Dt0oV2i0BVCrPk2vndD74PQ8X7/XTuiAFr124oMf/GDx2glt35MA++Y3v+l233334t2HWulRGz1fuO+++/YVhOXpoVqd0msGVq9eXbymQKuY1WcIm1570GSLQkdCVytVelVBeb0xQmocBaG4aIuoDt/RM5cHHXRQcajMsmXLChGo15dIVLfl7/PaiboglC1lXCqW9doKvRZFExN6R6VeS6H3XzYdehPDv4wBAQhAwCIBBKFFr3JNEIBAMgKpBKFO/NTpmvXXQ1RBNG3Hq7+MXC8AP/7449d711vTy+BVqGvFUFs09ZFY+PGPf+xuu+22QgTqVNDDDjuseN2FRF2/FUJ9X8LjhhtucHq9gISh+lY/d99993qvQmhji/rTNkitWurdhrG2i2rccRWEsl1bRPWKEols8dMrI/S8n7YVl9tI2/L3eTF9fauwbKl/X7ZICOodhojBZOmNgSEAAaMEEIRGHctlQQACaQikEoRprjbfUcsV0+233z7adtHUgjBfb2AZBCAAAQjkTABBmLN3sA0CEBg7AgjCPFymFVM9i3bSSSdFOV20vOqUK4R5kMcKCEAAAhAYNwIIwnHzGPZCAAJZE7jxvjfd//f91Z1tvGL+NDdz+qTO/Uy0DrRF9OGHH3Z33HGH22abbYqXoOt1FrE+K799rXv+K//Sebhdrvyu23jrbTr3QwcQgAAEIACBQQQQhIMI8XcIQAACngSWPv6W+8Mraz2/9Zfm++60kdv+XRsN/f2J/EU9x6iX0utZSL0qQc+exf689vO73Zsv/WHoYTf74IfdlJnbD/19vggBCEAAAhDwIYAg9KFFWwhAAAIQgAAEIAABCEAAAoYIIAgNOZNLgQAEIAABCEAAAhCAAAQg4EMAQehDi7YQgAAEIAABCEAAAhCAAAQMEUAQGnImlwIBCEAAAhCAAAQgAAEIQMCHAILQhxZtIQABCEAAAhCAAAQgAAEIGCKAIDTkTC4FAhCAAAQgAAEIQAACEICADwEEoQ8t2kIAAhCAAAQgAAEIQAACEDBEAEFoyJlcCgQgAAEIQAACEIAABCAAAR8CCEIfWrSFAAQgAAEIQAACEIAABCBgiACC0JAzuRQIQAACEIAABCAAAQhAAAI+BBCEPrRoCwEIQAACEIAABCAAAQhAwBABBKEhZ3IpEIAABCAAAQhAAAIQgAAEfAggCH1o0RYCEIAABCAAAQhAAAIQgIAhAghCQ87kUiAAAQhAAAIQgAAEIAABCPgQQBD60KItBCAAAQhAAAIQgAAEIAABQwQQhIacyaVAAAIQgAAEIAABCEAAAhDwIYAg9KFFWwhAAAIQgAAEIAABCEAAAoYIIAgNOZNLgQAEIAABCEAAAhCAAAQg4EMAQehDi7YQgAAEIAABCEAAAhCAAAQMEUAQGnImlwIBCEAAAhCAAAQgAAEIQMCHAILQhxZtIQABCEAAAhCAAAQgAAEIGCKAIDTkTC4FAhCAAAQgAAEIQAACEICADwEEoQ8t2kIAAhCAAAQgAAEIQAACEDBEAEFoyJlcCgQgAAEIQAACEIAABCAAAR8CCEIfWrSFAAQgAAEIQAACEIAABCBgiACC0JAzuRQIQAACEIAABCAAAQhAAAI+BBCEPrRom4bA22+7tW++6dzat9OM7zvqpI3cpI03dm6jjXy/SXsIQAACEIAABCAAAQhEJYAgjIqbwXwJ/Olnd7ln/vE/O7d2re9X07afNMlt99//xW3+sYPT2sHoEIAABCAAAQhAAAIQ6EMAQUh4ZE3gt//Hl92qX/8yaxt7GTd17/e7Hf/3xWNpO0ZDAAIQgAAEIAABCEwMAgjCieHnsb3KFUceOLa2y/Ddb757rO3HeAhAAAIQgAAEIAAB2wQQhLb9O/ZXhyAcexdyARCAAAQgAAEIQAACGRNAEGbsHExzDkFIFEAAAhCAAAQgAAEIQCAcAQRhOLb0PAICCMIRQKQLCEAAAhCAAAQgAAEI9CCAICQ0siaAIMzaPRgHAQhAAAIQgAAEIDDmBBCEY+5A6+YjCK17OO316bUmL11xyVidZKvTa991ypm80iRt6DA6BCAAAQhAwAwBBKEZV9q8EAShTb/mcFVrnn3aPXHa58fvHZeCN2mSe8+ib7kpM7fPASU2QAACEIAABCAwxgQQhGPsvIlgOoJwIng5zTWuvOGb7vkL/leawUcw6jbz/5Ob/rkTR9ATXUAAAhCAAAQgMJEJIAgnsvfH4NoRhGPgpDE18cVFC9yLixeMqfXObXXqWW6r084aW/sxHAIQgAAEIACBPAhkJQhXrVrllixZ4u699163Zs0aN23aNHfooYe6OXPmuMmTJ/cl9txzz7lrr73WPfXUU0W7HXbYwR1zzDFut912y4M0VgxFAEE4FDa+1IIAgrAFJJpAAAIQgAAEIGCeQDaCUAJw4cKF7sknn3SzZs1yM2fOdA8//LBbtmyZmz17diHuJk2a1OiQZ555xl100UVuk002Kdrq33fccYf74x//6M444wz3nve8x7wjrV4ggtCqZ9NfF4IwvQ+wAAIQgAAEIACB9ASyEYSPPvqou+SSS9zRRx9drArq89Zbb7lrrrnG6W/nnXeemzFjRiOxG2+80S1dutSdc845bvvt/3zIwvPPP+8uvPBCt+uuu7qTTz65p5hM7wIs6EcAQUh8hCKAIAxFln4hAAEIQAACEBgnAtkIwltvvdXdfvvt7txzzy1WB8uPVgivvvpqN2/ePLfXXns1sr3iiivcCy+84M4+++xim6k+2n4qganPmWee6aZOnTpOfhmZrT955C23/Lm3RtZf6I722HayO2jPv2wPRhCGJj5x+0cQTlzfc+UQgAAEIAABCPyFQDaC8KqrrnKPPfaYmz9/vps+ffo6C5944gl38cUXuxNOOMHtu+++jb771re+5R566KHiu1tuuWXR5rXXXiu2kaqvU089deAziBaD4r9dt9rd/tCbY3dph+61sfsvx29a2I0gHDv3jY3BCMKxcRWGQgACEIAABCAQkEA2glCrfBJ/dUGoZwoXLFhQbCOdO3duIwodJCPR+L73vc8df/zxbqONNnI333yzu+uuuwox2GtlMSDX5F1rZfAfr12V3I5hDfjvX5harBQiCIclyPcGEUAQDiLE3yFgh8BXfviG+8G/v+lef2PtWFzUZptMcp/44Mbub4/aZCzsxUgIQGC8CZgQhHLBgw8+6LTK+MYbbxQe2XjjjQtx+NGPfnRCPj+46I41buEdf2Yxjp/TZk9x82ZvgiAcR+eNic0IwjFxFGZCoCMBicHrl67p2Euarx+3/xREYRr0jAqBCUXAhCDUKuJll11WbA896KCDihVCPXv429/+1n3pS19ye+yxx4Ryqi5WYlCicFw/CMJx9dz42I0gHB9fYSkEuhD41L+8NjYrg/Xr1Erhjf/5z2cj8IEABCAQikA2gnDYZwj1uopLL73Uvf766+6ss85ym2++ecFKJ5TqNRavvvpqcdjMZptt1pfhK6+84h555JFQnKP3e/OjW7ubV2wdfdxRDXjk7i+4I3d7wU3/+/mj6jJJPyv/6YIk4zLoYAKb3rLETb3le4MbZtpi1dxj3eq5x2RqHWZBIB8Cf3dT84F0+VjY35J/PvqhcTEVOyEAgRER2HPPPd0WW2wxot4Gd5ONINQpo7fddlsh3nbcccd1lg86ZXTlypXuggsuKN41eMopp6x3xbfccktxcqmE4s477zxQEEoUWvlct2yqu37Znw9mGcfPcfutdsfvt8q9Nu/4cTR/nc3TFl431vZbNn7NDVe7NddfPbaXOOW4k9yUz500tvZjOARiETj1sr8cVBdrzFGOs/j0laPsjr4gAIExICAxOCEF4eOPP14cDHPUUUet9x7Cyy+/3D399NPu/PPPX3eCaNWP5WmiWgHUS+inTJlS/FkrhIO+OwbxMLSJbBkdGt1Iv7j7zXePtD86Gx0BtoyOjiU9QSBnAkf8jz/lbN5A2370D3/e+cQHAhCAQCgC2awQlgJO2zZnzZrldthhh+JVEvfff39xuugRRxxRHA6zYsUKt3jx4uIF9npeUJ8777zTffe733W77LKL23///dc9Q7h8+fL1vhsKYo79Igjz8AqCMA8/NFmBIMzXN1gGgVESQBCOkiZ9QQACFglkIwgFd/Xq1W7JkiVu6dKlTs8G6iXzet3EnDlz1r1HUCJv0aJF7rDDDnOHH3544ZO1a9cWwlFbRPWCev3/GTNmFGJwv/32KwTiRPsgCPPwOIIwDz8gCPP1A5ZBIDQBBGFowvQPAQiMO4GsBOG4w8zJfgRhHt5AEObhBwRhvn7AMgiEJoAgDE2Y/iEAgXEngCAcdw/2sB9BmIdjLQvCcX/RM1tG8/iNYAUEQhNAEIYmTP8QgMC4E0AQjrsHEYRZe9CqILTwomcEYdY/HYyDwMgIIAhHhpKOIAABowQQhEYdywphHo61KggtvOgZQZjHbwQrIBCaAIIwNGH6hwAExp0AgnDcPcgKYdYetCoILRRYCMKsfzoYB4GREbCQrwTjTz+7y710xSVu1a9/OTI2oTuauvf73btOOdNt/rGDQw9F/xCAQAcCCMIO8HL+KiuEeXgHQZiHH+pW6L1eCMI8fYNVEBg1AQuCcM2zT7snTvu8jlUfNZ7w/U2a5N6z6Ftuysztw4/FCBCAwFAEEIRDYcv/SwjCPHyEIMzDDwjCPP2AVRCIQcCCIFx5wzfd8xf8rxi4goyxzfz/5KZ/7sQgfdMpBCDQnQCCsDvDLHtAEObhFgRhHn5AEObpB6yCQAwCFgQhOxpiRApjQGDiEkAQGvU9gjAPxyII8/ADgjBPP2AVBGIQQBDGoNx/jK1OPcttddpZ6Q3BAghAoJEAgtBoYCAI83AsgjAPPyAI8/QDVkEgBgEEYQzKCML0lLEAAsMTQBAOzy7rbyII83APgjAPPyAI8/QDVkEgBgEEYQzKCML0lLEAAsMTQBAOzy7rbyII83APgjAPPyAI8/QDVkEgBgEEYQzKCML0lLEAAsMTQBAOzy7rbyII83APgjAPPyAI8/QDVkEgBgEEYQzKCML0lLEAAsMTQBAOzy7rbyII83APgjAPPyAI8/QDVkEgBgEEYQzKCML0lLtZoNeavHLTje7t11/r1lGkb2+02TS3xdGfcnqlCZ/uBBCE3Rlm2QOCMA+3IAjz8AOCME8/YBUEYhBAEMagjCBMT3l4CyQG9a7Lcfzo/ZaIwu6eQxB2Z5hlDwjCPNyCIMzDDwjCPP2AVRCIQQBBGIMygjA95eEteOwzh4/NymD9KrVSuOt3/m34i+ebBQEEodFAQBDm4VgEYR5+QBDm6QesgkAMAgjCGJQRhOkpD2/BiiMPHP7LGXzTaq0VEy2CMCbtiGMhCCPC7jOU1SRFgZU+vnjRc3ofYMF4ECBfpfcT+Sq9D/pZgCDM2z8xrEMQxqCcYAwEYQLoDUMiCPPwAyuEefoBqyAQgwCCMAZlVgjTUx7eAgTh8OysfBNBaMWTtetAEObhWARhHn5AEObpB6yCQAwCCMIYlBGE6SkPbwGCcHh2Vr6JILTiSQRhlp5EEGbpFvejf9jcvbhogXtx8YI8DWxhFVuwWkCiCQSccwjC9GFAvkrvg34WIAjz9k8M6xCEMSgnGIMVwgTQG4ZEWYyl9gAAIABJREFUEObhB1YI8/QDVkEgBgEEYQzKrBCmpzy8BQjC4dlZ+SaC0IonWSHM0pMIwizdwgphnm7BKggEIYAgDILVq1NWCL1wRW+MIIyOPLsBEYTZuWQ0BrFCOBqOXXtBEHYlGOb7bBkNw5VeIZAjAQRheq8gCNP7oJ8FCMK8/RPDOgRhDMoJxkAQJoDeMCSCMA8/1K1AEObpF6yCQAgCCMIQVP36RBD68YrdGkEYm3h+4yEI8/PJSCxCEI4EY+dOEISdEQbpAEEYBCudQiBLAgjC9G5BEKb3ASuEefsgtXUIwtQeCDQ+gjAQWM9uEYSewCI1RxBGAs0wEMiAAIIwvRMQhOl9gCDM2weprUMQpvZAoPERhIHAenaLIPQEFqk5gjASaIaBQAYEEITpnYAgTO8DBGHePkhtHYIwtQcCjY8gDATWs1sEoSewSM0RhJFAMwwEMiCAIEzvBARheh8gCPP2QWrrEISpPRBofARhILCe3SIIPYFFao4gjASaYSCQAQEEYXonIAjT+wBBmLcPUluHIEztgUDjIwgDgfXsFkHoCSxScwRhJNAMA4EMCCAI0zsBQZjeBwjCvH2Q2joEYWoPBBofQRgIrGe3CEJPYJGaIwgjgWYYCGRAAEGY3gkIwvQ+QBDm7YPU1iEIU3sg0PgIwkBgPbtFEHoCi9QcQRgJNMNAIAMCCML0TkAQpvcBgjBvH6S2DkGY2gOBxkcQBgLr2S2C0BNYpOYIwkigGQYCGRBAEKZ3AoIwvQ8QhHn7ILV1CMLUHgg0PoIwEFjPbhGEnsAiNUcQRgLNMBDIgACCML0TEITpfYAgzNsHqa1DEKb2QKDxEYSBwHp2iyD0BBapOYIwEmiGgUAGBBCE6Z2AIEzvAwRh3j5IbR2CMLUHAo2PIAwE1rNbBKEnsEjNEYSRQDMMBDIggCBM7wQEYXofIAjz9kFq6xCEqT0QaHwEYSCwnt0iCD2BRWqOIIwEmmEgkAEBBGF6J1gWhHeveMtdftcb7te/ezs96JYW7L3DRu6vD97EHbj75OIbK448sOU382xmtdaKSRtBGJN2xLEQhBFh9xnKapKiwEofX5YLrPR0scASAfJVem9azVfPvrzW/fVXX3Nr0yP2tmCSc+7yv5nmZm45CUHoTc/eFxCE9nxaXBGCMA/HIgjz8EPdClYI8/QLVkEgBAEEYQiqfn1aFYTXL13jvvLDN/xgZNT6b4/axB23/xQEYUY+SWUKgjAV+cDjIggDA27ZPYKwJajIzRCEkYEzHAQSEkAQJoT/H0NbFYTUWuljSxZYrbVi0kUQxqQdcSySVETYfYaymqQosNLHl9UCKz1ZLLBGgHyV3qNW8xW1VvrYQhCOxgcIwtFwzK4XklQeLkEQ5uGHuhWsEObpF6yCQAgCCMIQVP36RBD68YrV+rTZU9y82ZuwZTQW8IzHQRBm7JwupiEIu9Ab3XcRhKNjOcqeEISjpElfEMibAIIwvX8QhOl90GQBgjBPv6SwCkGYgnqEMRGEESC3GAJB2AJSgiYIwgTQGRICiQggCBOBrwyLIEzvAwRhnj7IxSoEYS6eGLEdCMIRAx2yOwThkOACfw1BGBgw3UMgIwIIwvTOQBCm9wGCME8f5GIVgjAXT4zYDgThiIEO2R2CcEhwgb+GIAwMmO4hkBEBBGF6ZyAI0/sAQZinD3KxCkGYiydGbAeCcMRAh+wOQTgkuMBfQxAGBkz37k8/ud2tXvHI2JDYdPc93eYHHTo29voYiiD0oRWmLYIwDNeuvfIMYVeCdr6PILTjy/WuBEGYh2MRhHn4oW4FgjBPv1ix6tn/5x/cq3f829hdzjtmH+5m/t//Y+zsHmQwgnAQofB/RxCGZzzMCAjCYajZ/A6C0KZfHYIwD8ciCPPwA4IwTz9YtEorg8/8l78b20vb7r/9s7mVQgRh+nBEEKb3QZMFCMI8/ZLCKgRhCuoRxkQQRoDcYggEYQtICZqwQpgA+gQZ8sVFC9yLixeM7dVaLNwRhOnD0WJciSq1VvrYkgVWa62YdBGEMWlHHIskFRF2n6GsJikKrPTxZbXASk+2mwUIwm78QnybfBWCql+fVvMVtZZfHIRqbbXWCsWrqV8EYUzaEcciSUWEjSDMA7aHFawQesCiqRcBBKEXriiNEYRRMPcdBEGY3gdNFrBlNE+/pLAKQZiCeoQxEYQRILcYwuqsFQVWC+cHbmK1wAqMLXj3CMLgiL0HIF95Ixv5F6zmK2qtkYfKUB1arbWGgjHklxCEQ4LL/WskqTw8ZDVJUWCljy+rBVZ6st0sQBB24xfi2+SrEFT9+rSar6i1/OIgVGurtVYoXk39Ighj0o44FkkqIuw+Q1lNUhRY6ePLaoGVnmw3CxCE3fiF+Db5KgRVvz6t5itqLb84CNXaaq0ViheCMCbZxGORpBI74D+Gt5qkKLDSx5fVAis92W4WIAi78QvxbfJVCKp+fVrNV9RafnEQqrXVWisULwRhTLKJxyJJJXYAgjAPB/SwgkNlsnbPWBuHIMzPfQjC9D5BEKb3QZMFHCqTp19SWMWW0RTUI4yJIIwAucUQVmetKLBaOD9wE6sFVmBswbtHEAZH7D0A+cob2ci/YDVfUWuNPFSG6tBqrTUUjCG/hCAcElzuXyNJ5eEhq0mKAit9fFktsNKT7WYBgrAbvxDfJl+FoOrXp9V8Ra3lFwehWluttULxauoXQRiTdsSxSFIRYfcZymqSosBKH19WC6z0ZLtZgCDsxi/Et8lXIaj69Wk1X1Fr+cVBqNZWa61QvBCEMckmHoskldgB/zG81SRFgZU+vqwWWOnJdrMAQdiNX4hvk69CUPXr02q+otbyi4NQra3WWqF4IQhjkk08FkkqsQMQhHk4oIcVHCqTtXvG2jgEYX7uQxCm9wmCML0PmizgUJk8/ZLCKraMpqAeYUwEYQTILYawOmtFgdXC+YGbWC2wAmML3j2CMDhi7wHIV97IRv4Fq/mKWmvkoTJUh1ZrraFgDPklBOGQ4HL/GkkqDw9ZTVIUWOnjy2qBlZ5sNwsQhN34hfg2+SoEVb8+reYrai2/OAjV2mqtFYpXU78Iwpi0I45FkooIu89QVpMUBVb6+LJaYKUn280CBGE3fiG+Tb4KQdWvT6v5ilrLLw5CtbZaa4Xilb0gXLVqlVuyZIm799573Zo1a9y0adPcoYce6ubMmeMmT548kIu+c/fdd7uf/exn7oUXXnBz584t/pmIH5JUHl63mqQosNLHl9UCKz3ZbhYgCLvxC/Ft8lUIqn59Ws1X1Fp+cRCqtdVaKxSvrAWhxNzChQvdk08+6WbNmuVmzpzpHn74Ybds2TI3e/Zsd8wxx7hJkyb1ZPPyyy8X33/uuefc+973PrfPPvu4nXbaqehnIn5IUnl43WqSosBKH19WC6z0ZLtZgCDsxi/Et8lXIaj69Wk1X1Fr+cVBqNZWa61QvLIWhI8++qi75JJL3NFHH12sCurz1ltvuWuuucbpb+edd56bMWNGIxu1u/zyy92zzz7rzjzzTLfNNtvEZJjlWCSpPNxiNUlRYKWPL6sFVnqy3SxAEHbjF+Lb5KsQVP36tJqvqLX84iBUa6u1ViheWQvCW2+91d1+++3u3HPPXW9VTyuEV199tZs3b57ba6+9Gtk8/vjjbtGiRe7kk092e+65Z0x+2Y5FksrDNVaTFAVW+viyWmClJ9vNAgRhN34hvk2+CkHVr0+r+Ypayy8OQrW2WmuF4pW1ILzqqqvcY4895ubPn++mT5++ztYnnnjCXXzxxe6EE05w++67byObG2+80f3qV79yBxxwgLvrrrvcypUr3Tve8Y7i+cEDDzzQbbTRRjGZZjEWSSoLNzirSYoCK318WS2w0pPtZgGCsBu/EN8mX4Wg6ten1XxFreUXB6FaW621QvHKWhBeccUVTuKvLgj1TOGCBQuKbaRNB8Rou+jixYsLQTh16tTi+cN3v/vd7he/+IVbsWKF+/SnP+0OOeSQmEyzGIsklYUbEIR5uGEDK3gxfaaOMWAWgjA/JyII0/sEQZjeB00W8GL6PP2SwqpsXjsxrCDUyaR69rB8fnCXXXYpOL7++uvFf9e/9fyhVgwn0gdBmIe3rc5aUWCljy+rBVZ6st0sQBB24xfi2+SrEFT9+rSar6i1/OIgVGurtVYoXiZXCEtBqIvTgTJaJSw/ei5R/5x11llu55137sv1lVdecY888khM9kHHuvnRrd3NK7YOOkbIzo/c/QV35G4vuOl/Pz/kMMH7XvlPFwQfI8UAf3dT8/O8KWwZZsx/Pvoht+ktS9zUW743zNez+M6quce61XOPycIWjPgLAeIqv2ggX6X3idV8Ra2VPrZkgcVaS2eibLHFFtEAZ7NCOOwzhP0E4QMPPFAcSCOhuOuuuw4UhBKFVj7XLZvqrl+26dheznH7rXbH77fKvTbv+LG9Bhk+beF1Y21/L+NPvewvz/mO4wUuPn2lW3PD1W7N9VePo/mFzVOOO8lN+dxJY2u/VcOJq/w8S75K7xOr+YpaK31sWa21JAYnpCDUSt5tt93mzj77bLfjjjuui7BBp4yuXbvWXXnllcXzh+eff77bcsst1333zjvvdD/84Q9brRDmEdKjs4JtDKNj2aUnq9sY2ILVJSpG812rW7BGQyddL2wZTce+18jkq/Q+sZqvqLXSx5YssFprxaSbzQqhXh2h00SPOuqo9d5DqPcLPv300xuIvSqke++9t3hf4ac+9al1B8iUK4dvvvlmITI322yzmFyTj0WSSu6CwgCrSYoCK318WS2w0pPtZgGCsBu/EN8mX4Wg6ten1XxFreUXB6FaW621QvFq6jcbQVi+XF7P8emk0B122ME99NBD7v777y9OFz3iiCPcpEmTipNDdaqoXmB/0EEHFde0Zs2a4sX0+pu+u9122xWnjEpknnjiiW6//faLyTSLsUhSWbgBQZiHGzawglNGM3WMAbMQhPk5EUGY3icIwvQ+aLKAU0bz9EsKq7IRhLr41atXuyVLlrilS5cWIm/atGnFauGcOXPc5MmTCz7Lly8vXkJ/2GGHucMPP3wds+p3tSo4Y8YMd+yxx7p99tmnEJIT7YMgzMPjVmetKLDSx5fVAis92W4WIAi78QvxbfJVCKp+fVrNV9RafnEQqrXVWisUr6Z+sxKEMS/c+lgkqTw8bDVJUWCljy+rBVZ6st0sQBB24xfi2+SrEFT9+rSar6i1/OIgVGurtVYoXgjCmGQTj0WSSuyA/xjeapKiwEofX1YLrPRku1mAIOzGL8S3yVchqPr1aTVfUWv5xUGo1lZrrVC8EIQxySYeiySV2AEIwjwc0MMKniHM2j1jbRyCMD/3IQjT+wRBmN4HTRbwDGGefklhFVtGU1CPMCaCMALkFkNYnbWiwGrh/MBNrBZYgbEF7x5BGByx9wDkK29kI/+C1XxFrTXyUBmqQ6u11lAwhvwSgnBIcLl/jSSVh4esJikKrPTxZbXASk+2mwUIwm78QnybfBWCql+fVvMVtZZfHIRqbbXWCsWrqV8EYUzaEcciSUWE3Wcoq0mKAit9fFktsNKT7WYBgrAbvxDfJl+FoOrXp9V8Ra3lFwehWluttULxQhDGJJt4LJJUYgf8x/BWkxQFVvr4slpgpSfbzQIEYTd+Ib5NvgpB1a9Pq/mKWssvDkK1tlprheKFIIxJNvFYJKnEDkAQ5uGAHlZwqEzW7hlr4xCE+bkPQZjeJwjC9D5osoBDZfL0Swqr2DKagnqEMRGEESC3GMLqrBUFVgvnB25itcAKjC149wjC4Ii9ByBfeSMb+Res5itqrZGHylAdWq21hoIx5JcQhEOCy/1rJKk8PGQ1SVFgpY8vqwVWerLdLEAQduMX4tvkqxBU/fq0mq+otfziIFRrq7VWKF5N/SIIY9KOOBZJKiLsPkNZTVIUWOnjy2qB9ezLa91PV7zp/vj62vSQW1jwzs0muVm7b+xmbjmpaI0gbAEtchPyVWTgDcNZzVfUWuljSxZYrbVi0kUQxqQdcSySVETYCMI8YHtYwTOEHrAiNr17xVvu//rmKjceUvAvYCQF/98Tp7oDd5+MIIwYL22HQhC2JRWuHYIwHNsuPfMMYRd6tr6LILTlz3VXgyDMw7FWZ60osNLHl8UC628Xvu5+/bu308MdwoK9d9jIfWXeZgjCIdiF/gr5KjThwf1bzFe6amqtwb6P0cJqrRWDXTkGgjAm7YhjkaQiwmaFMA/YHlawQugBK2JTCveIsHsMZbFwJ66Iq1AEqLVCkfXrF0Hox6upNYKwO8MseyBJ5eEWq0mKAit9fFG4p/dB3QImGvLziSwiX6X3i8V8xQph+rgqLbBaa8UkjCCMSTviWAjCiLBZIcwDtocVFO4esCI2pXCPCJsVwvSwW1pAvmoJKkEzaq0E0BuGRBB29wOCsDvDLHsgSeXhFqtJisI9fXxZnHEnroirEASIqxBU/fq0mK9YIfSLgZCtrdZaIZnV+0YQxqQdcSwEYUTYrBDmAdvDCmbcPWBFbErhHhE2K4TpYbe0gHzVElSCZtRaCaCzQhgEOoIwCNb0nZKk0vtAFlidtaJwTx9fFmfciSviKgQB4ioEVb8+LeYrVgj9YiBka6u1VkhmrBDGpJtwLARhQviVoa0mKQqs9PFlscAiroirEASIqxBU/fq0mK8QhH4xELK11VorJDMEYUy6CcdCECaEjyDMA34fK9iClaeLKNzT+8Vi4U5cEVehCFBrhSLr1y+C0I9XU2u2jHZnmGUPJKk83GI1SVFgpY8vCvf0PqhbwERDfj6RReSr9H6xmK9YIUwfV6UFVmutmIQRhDFpRxwLQRgRdp+hrCYpCqz08WWxwCKuiKsQBIirEFT9+rSYrxCEfjEQsrXVWisks3rfCMKYtCOOhSCMCBtBmAdsDytYyfGAFbEphXtE2D2Gsli4E1fEVSgC1FqhyPr1iyD049XUGkHYnWGWPZCk8nCL1SRFgZU+vijc0/ugbgETDfn5RBaRr9L7xWK+YoUwfVyVFlittWISRhDGpB1xLARhRNisEOYB28MKCncPWBGbUrhHhM0KYXrYLS0gX7UElaAZtVYC6A1DIgi7+wFB2J1hlj2QpPJwi9UkReGePr4szrgTV8RVCALEVQiqfn1azFesEPrFQMjWVmutkMzqfSMIY9KOOBaCMCJsVgjzgO1hBTPuHrAiNqVwjwibFcL0sFtaQL5qCSpBM2qtBNBZIQwCHUEYBGv6TklS6X0gC6zOWlG4p48vizPuxBVxFYIAcRWCql+fFvMVK4R+MRCytdVaKyQzVghj0k04FoIwIfzK0FaTFAVW+viyWGARV8RVCALEVQiqfn1azFcIQr8YCNnaaq0VkhmCMCbdhGMhCBPCRxDmAb+PFWzBytNFFO7p/WKxcCeuiKtQBKi1QpH16xdB6MerqTVbRrszzLIHklQebrGapCiw0scXhXt6H9QtYKIhP5/IIvJVer9YzFesEKaPq9ICq7VWTMIIwpi0I46FIIwIu89QVpMUBVb6+LJYYBFXxFUIAsRVCKp+fVrMVwhCvxgI2dpqrRWSWb1vBGFM2hHHQhBGhI0gzAO2hxWs5HjAitiUwj0i7B5DWSzciSviKhQBaq1QZP36RRD68WpqjSDszjDLHkhSebjFapKiwEofXxTu6X1Qt4CJhvx8IovIV+n9YjFfsUKYPq5KC6zWWjEJIwhj0o44FoIwImxWCPOA7WEFhbsHrIhNKdwjwmaFMD3slhaQr1qCStCMWisB9IYhEYTd/YAg7M4wyx5IUnm4xWqSonBPH18WZ9yJK+IqBAHiKgRVvz4t5itWCP1iIGRrq7VWSGb1vhGEMWlHHAtBGBE2K4R5wPawghl3D1gRm1K4R4TNCmF62C0tIF+1BJWgGbVWAuisEAaBjiAMgjV9pySp9D6QBVZnrSjc08eXxRl34oq4CkGAuApB1a9Pi/mKFUK/GAjZ2mqtFZIZK4Qx6SYcC0GYEH5laKtJigIrfXxZLLCIK+IqBAHiKgRVvz4t5isEoV8MhGxttdYKyQxBGJNuwrEQhAnhIwjzgN/HCrZg5ekiCvf0frFYuBNXxFUoAtRaocj69Ysg9OPV1Joto90ZZtkDSSoPt1hNUhRY6eOLwj29D+oWMNGQn09kEfkqvV8s5itWCNPHVWmB1VorJmEEYUzaEcdCEEaE3Wcoq0mKAit9fFkssIgr4ioEAeIqBFW/Pi3mKwShXwyEbG211grJrN43gjAm7YhjIQgjwkYQ5gHbwwpWcjxgRWxK4R4Rdo+hLBbuxBVxFYoAtVYosn79Igj9eDW1RhB2Z5hlDySpPNxiNUlRYKWPLwr39D6oW8BEQ34+kUXkq/R+sZivWCFMH1elBVZrrZiEEYQxaUccC0EYETYrhHnA9rCCwt0DVsSmFO4RYbNCmB52SwvIVy1BJWhGrZUAesOQCMLufkAQdmeYZQ8kqTzcYjVJUbinjy+LM+7EFXEVggBxFYKqX58W8xUrhH4xELK11VorJLN63wjCmLQjjoUgjAibFcI8YHtYwYy7B6yITSncI8JmhTA97JYWkK9agkrQjForAXRWCINARxAGwZq+U5JUeh/IAquzVhTu6ePL4ow7cUVchSBAXIWg6tenxXzFCqFfDIRsbbXWCsmMFcKYdBOOhSBMCL8ytNUkRYGVPr4sFljEFXEVggBxFYKqX58W8xWC0C8GQra2WmuFZIYgjEk34VgIwoTwEYR5wO9jBVuw8nQRhXt6v1gs3Ikr4ioUAWqtUGT9+kUQ+vFqas2W0e4Ms+yBJJWHW6wmKQqs9PFF4Z7eB3ULmGjIzyeyiHyV3i8W8xUrhOnjqrTAaq0VkzCCMCbtiGMhCCPC7jOU1SRFgZU+viwWWMQVcRWCAHEVgqpfnxbzFYLQLwZCtrZaa4VkVu8bQRiTdsSxEIQRYSMI84DtYQUrOR6wIjalcI8Iu8dQFgt34oq4CkWAWisUWb9+EYR+vJpaIwi7M8yyB5JUHm6xmqQosNLHF4V7eh/ULWCiIT+fyCLyVXq/WMxXrBCmj6vSAqu1VkzCCMKYtCOOhSCMCJsVwjxge1hB4e4BK2JTCveIsFkhTA+7pQXkq5agEjSj1koAvWFIBGF3PyAIuzPMsgeSVB5usZqkKNzTx5fFGXfiirgKQYC4CkHVr0+L+YoVQr8YCNnaaq0Vklm9bwRhTNoRx0IQRoTNCmEesD2sYMbdA1bEphTuEWGzQpgedksLyFctQSVoRq2VADorhEGgIwiDYE3fKUkqvQ9kgdVZKwr39PFlccaduCKuQhAgrkJQ9evTYr5ihdAvBkK2tlprhWTGCmFMugnHQhAmhF8Z2mqSosBKH18WCyziirgKQYC4CkHVr0+L+QpB6BcDIVtbrbVCMkMQxqSbcCwEYUL4CMI84Pexgi1YebqIwj29XywW7sQVcRWKALVWKLJ+/SII/Xg1tWbLaHeGWfZAksrDLVaTFAVW+viicE/vg7oFTDTk5xNZRL5K7xeL+YoVwvRxVVpgtdaKSRhBGJN2xLEQhBFh9xnKapKiwEofXxYLLOKKuApBgLgKQdWvT4v5CkHoFwMhW1uttUIyq/eNIIxJO+JYCMKIsBGEecD2sIKVHA9YEZtSuEeE3WMoi4U7cUVchSJArRWKrF+/CEI/Xk2tEYTdGWbZA0kqD7dYTVIUWOnji8I9vQ/qFjDRkJ9PZBH5Kr1fLOYrVgjTx1VpgdVaKyZhBGFM2hHHQhBGhM0KYR6wPaygcPeAFbEphXtE2KwQpofd0gLyVUtQCZpRayWA3jAkgrC7H7IShKtWrXJLlixx9957r1uzZo2bNm2aO/TQQ92cOXPc5MmTW1/tM8884y666CK38cYbu/nz57vp06e3/q6VhiSpPDxpNUlRuKePL4sz7sQVcRWCAHEVgqpfnxbzFSuEfjEQsrXVWisks3rf2QhCCcCFCxe6J5980s2aNcvNnDnTPfzww27ZsmVu9uzZ7phjjnGTJk0ayOatt95yl19+ufvlL3/pttxySwThQGJ5Njht9hQ3b/YmbsWRB+ZpYEurrCYpCqyWARCwmcUCi7gKGDAtuyauWoKK2IwVwoiwPYdi8t0TWKDmVmutQLgau81GED766KPukksucUcffXSxKqiPxN0111zj9LfzzjvPzZgxYyCbBx54wF1//fXF6qA+rBAORJZlAwRhlm5ZZxSFe3r/ULin90HdAgr3/Hwii8hX6f1iMV+JKoIwfWzJAgRhdz9kIwhvvfVWd/vtt7tzzz23WB0sP1ohvPrqq928efPcXnvt1feKX3nlFXfhhRe6vffe27388svuiSeeQBB2j5EkPSAIk2BvPSgFVmtUwRpaLLCIq2Dh0rpj4qo1qmgNmWiIhtp7IAShN7IgX0AQdseajSC86qqr3GOPPbaBgJOou/jii90JJ5zg9t13355XvHbt2uL5wwcffNCdc845xf9GEK7pHiGJekAQJgLfclgK95agAjajcA8Id8iuKdyHBBf4a+SrwIBbdG8xX+myEYQtnB+hCYKwO+RsBOEVV1zRKOD0TOGCBQuKbaRz587tecVPPfVUseX0k5/8pDvggANcr/66IxuPHkhSefjJapKiwEofXxYLLOKKuApBgLgKQdWvT4v5CkHoFwMhW1uttUIyq/dtQhCWB9LomUNtLZ06dSqC8I433KI7WCGM+WNqGstqkqLASh1ZzlkssIgr4ioEAeIqBFW/Pi3mKwShXwyEbG211grJzKQgvOeee9yNN97oTjvtNLf77rsX1+i7QqjnD/WPlc91y6a665dtOraXc9x+q93x+61yr807fmyvQYZPW3jdWNvfy/hTLxvvV7ksPn2lW3PD1W7N9VePrX+mHHeSm/K5k8bW/ibDiav07iSu0vugbgH5Kj+flBZRa+XhG4u11hZbbOH0T6xPNiuEwz5D+NKUdEA5AAAgAElEQVRLL7lvfOMbbo899nDHHXfculdTDCMIH3nkkVjcg49z86Nbu5tXbB18nFADHLn7C+7I3V5w0/9+fqghovS78p8uiDJO7EH+7qb+BzzFtsd3vH8++iG36S1L3NRbvuf71Wzar5p7rFs995hs7BmFIcTVKCh264O46sYvxLfJVyGojqZPaq3RcOzai8Vaa88995yYglCnjN52223u7LPPdjvuuOO62Bh0yqi+9/3vf79vLH3oQx9yp5xyStd4G6vv8wxhHu6yuo2BLVjp48viFiziirgKQYC4CkHVr0+L+UoEqLX84iBUa6u1ViheTf1ms0L4+OOPF6eJHnXUUeu9h1AvmX/66afd+eefX7xovv559tln3TPPPLPBf//JT37inn/++aK/7bff3u2yyy4xuSYfiySV3AWFAVaTFAVW+viyWGARV8RVCALEVQiqfn1azFcIQr8YCNnaaq0Vklm972wEoQ6EkfjTts1Zs2a5HXbYwT300EPu/vvvL04XPeKII4rtoCtWrHCLFy8uXmB/0EEH9WTlu2U0JvQYYyEIY1AePIbVJEWBNdj3oVtYLLCIq9BRM7h/4mowo9gteJ1JbOLtx6PWas8qZEurtVZIZtkKQhm2evXq4v2BS5cudTo5dNq0acVq4Zw5c9zkyZML25cvX+4WLVrkDjvsMHf44YcjCHsQIEnF/Bn1HstqkqJwTx9fFO7pfVC3gMI9P5/IIvJVer9YzFeiSq2VPrZkgdVaKybdbFYIY170RBiLJJWHl60mKQqs9PFlscAiroirEASIqxBU/fq0mK8QhH4xELK11VorJLOsVwhjXrj1sRCEeXjYapKiwEofXxYLLOKKuApBgLgKQdWvT4v5CkHoFwMhW1uttUIyQxDGpJtwLARhQviVoa0mKQqs9PFlscAiroirEASIqxBU/fq0mK8QhH4xELK11VorJDMEYUy6CcdCECaEjyDMA34fK3jWK08XUbin94vFwp24Iq5CEaDWCkXWr18EoR+vptY8Q9idYZY9kKTycIvVJEWBlT6+KNzT+6BuARMN+flEFpGv0vvFYr5ihTB9XJUWWK21YhJGEMakHXEsBGFE2H2GspqkKLDSx5fFAou4Iq5CECCuQlD169NivkIQ+sVAyNZWa62QzOp9Iwhj0o44FoIwImwEYR6wPaxgJccDVsSmFO4RYfcYymLhTlwRV6EIUGuFIuvXL4LQj1dTawRhd4ZZ9kCSysMtVpMUBVb6+KJwT++DugVMNOTnE1lEvkrvF4v5ihXC9HFVWmC11opJGEEYk3bEsRCEEWGzQpgHbA8rKNw9YEVsSuEeETYrhOlht7SAfNUSVIJm1FoJoDcMiSDs7gcEYXeGWfZAksrDLVaTFIV7+viyOONOXBFXIQgQVyGo+vVpMV+xQugXAyFbW621QjKr940gjEk74lgIwoiwWSHMA7aHFcy4e8CK2JTCPSJsVgjTw25pAfmqJagEzai1EkBnhTAIdARhEKzpOyVJpfeBLLA6a0Xhnj6+LM64E1fEVQgCxFUIqn59WsxXrBD6xUDI1lZrrZDMWCGMSTfhWAjChPArQ1tNUhRY6ePLYoFFXBFXIQgQVyGo+vVpMV8hCP1iIGRrq7VWSGYIwph0E46FIEwIH0GYB/w+VrAFK08XUbin94vFwp24Iq5CEaDWCkXWr18EoR+vptZsGe3OMMseSFJ5uMVqkqLASh9fFO7pfVC3gImG/Hwii8hX6f1iMV+xQpg+rkoLrNZaMQkjCGPSjjgWgjAi7D5DWU1SFFjp48tigUVcEVchCBBXIaj69WkxXyEI/WIgZGurtVZIZvW+EYQxaUccC0EYETaCMA/YHlawkuMBK2JTCveIsHsMZbFwJ66Iq1AEqLVCkfXrF0Hox6upNYKwO8MseyBJ5eEWq0mKAit9fFG4p/dB3QImGvLziSwiX6X3i8V8xQph+rgqLbBaa8UkjCCMSTviWAjCiLBZIcwDtocVFO4esCI2pXCPCJsVwvSwW1pAvmoJKkEzaq0E0BuGRBB29wOCsDvDLHsgSeXhFqtJisI9fXxZnHEnroirEASIqxBU/fq0mK9YIfSLgZCtrdZaIZnV+0YQxqQdcSwEYUTYrBDmAdvDCmbcPWBFbErhHhE2K4TpYbe0gHzVElSCZtRaCaCzQhgEOoIwCNb0nZKk0vtAFlidtaJwTx9fFmfciSviKgQB4ioEVb8+LeYrVgj9YiBka6u1VkhmrBDGpJtwLARhQviVoa0mKQqs9PFlscAiroirEASIqxBU/fq0mK8QhH4xELK11VorJDMEYUy6CcdCECaEjyDMA34fK9iClaeLKNzT+8Vi4U5cEVehCFBrhSLr1y+C0I9XU2u2jHZnmGUPJKk83GI1SVFgpY8vCvf0PqhbwERDfj6RReSr9H6xmK9YIUwfV6UFVmutmIQRhDFpRxwLQRgRdp+hrCYpCqz08WWxwCKuiKsQBIirEFT9+rSYrxCEfjEQsrXVWisks3rfCMKYtCOOhSCMCBtBmAdsDytYyfGAFbEphXtE2D2Gsli4E1fEVSgC1FqhyPr1iyD049XUGkHYnWGWPZCk8nCL1SRFgZU+vijc0/ugbgETDfn5RBaRr9L7xWK+YoUwfVyVFlittWISRhDGpB1xLARhRNisEOYB28MKCncPWBGbUrhHhM0KYXrYLS0gX7UElaAZtVYC6A1DIgi7+wFB2J1hlj2QpPJwi9UkReGePr4szrgTV8RVCALEVQiqfn1azFesEPrFQMjWVmutkMzqfSMIY9KOOBaCMCJsVgjzgO1hBTPuHrAiNqVwjwibFcL0sFtaQL5qCSpBM2qtBNBZIQwCHUEYBGv6TklS6X0gC6zOWlG4p48vizPuxBVxFYIAcRWCql+fFvMVK4R+MRCytdVaKyQzVghj0k04FoIwIfzK0FaTFAVW+viyWGARV8RVCALEVQiqfn1azFcIQr8YCNnaaq0VkhmCMCbdhGMhCBPCRxDmAb+PFWzBytNFFO7p/WKxcCeuiKtQBKi1QpH16xdB6MerqTVbRrszzLIHklQebrGapCiw0scXhXt6H9QtYKIhP5/IIvJVer9YzFesEKaPq9ICq7VWTMIIwpi0I46FIIwIu89QVpMUBVb6+LJYYBFXxFUIAsRVCKp+fVrMVwhCvxgI2dpqrRWSWb1vBGFM2hHHQhBGhI0gzAO2hxWs5HjAitiUwj0i7B5DWSzciSviKhQBaq1QZP36RRD68WpqjSDszjDLHkhSebjFapKiwEofXxTu6X1Qt4CJhvx8IovIV+n9YjFfsUKYPq5KC6zWWjEJIwhj0o44FoIwImxWCPOA7WEFhbsHrIhNKdwjwmaFMD3slhaQr1qCStCMWisB9IYhEYTd/YAg7M4wyx5IUnm4xWqSonBPH18WZ9yJK+IqBAHiKgRVvz4t5itWCP1iIGRrq7VWSGb1vhGEMWlHHAtBGBE2K4R5wPawghl3D1gRm1K4R4TNCmF62C0tIF+1BJWgGbVWAuisEAaBjiAMgjV9pySp9D6QBVZnrSjc08eXxRl34oq4CkGAuApB1a9Pi/mKFUK/GAjZ2mqtFZIZK4Qx6SYcC0GYEH5laKtJigIrfXxZLLCIK+IqBAHiKgRVvz4t5isEoV8MhGxttdYKyQxBGJNuwrEQhAnhIwjzgN/HCrZg5ekiCvf0frFYuBNXxFUoAtRaocj69Ysg9OPV1Joto90ZZtkDSSoPt1hNUhRY6eOLwj29D+oWMNGQn09kEfkqvV8s5itWCNPHVWmB1VorJmEEYUzaEcdCEEaE3Wcoq0mKAit9fFkssIgr4ioEAeIqBFW/Pi3mKwShXwyEbG211grJrN43gjAm7YhjIQgjwkYQ5gHbwwpWcjxgRWxK4R4Rdo+hLBbuxBVxFYoAtVYosn79Igj9eDW1RhB2Z5hlDySpPNxiNUlRYKWPLwr39D6oW8BEQ34+kUXkq/R+sZivWCFMH1elBVZrrZiEEYQxaUccC0EYETYrhHnA9rCCwt0DVsSmFO4RYbNCmB52SwvIVy1BJWhGrZUAesOQCMLufkAQdmeYZQ8kqTzcYjVJUbinjy+LM+7EFXEVggBxFYKqX58W8xUrhH4xELK11VorJLN63wjCmLQjjoUgjAibFcI8YHtYwYy7B6yITSncI8JmhTA97JYWkK9agkrQjForAXRWCINARxAGwZq+U5JUeh/IAquzVhTu6ePL4ow7cUVchSBAXIWg6tenxXzFCqFfDIRsbbXWCsmMFcKYdBOOhSBMCL8ytNUkRYGVPr4sFljEFXEVggBxFYKqX58W8xWC0C8GQra2WmuFZIYgjEk34VgIwoTwEYR5wO9jBVuw8nQRhXt6v1gs3Ikr4ioUAWqtUGT9+kUQ+vFqas2W0e4Ms+yBJJWHW6wmKQqs9PFF4Z7eB3ULmGjIzyeyiHyV3i8W8xUrhOnjqrTAaq0VkzCCMCbtiGMhCCPC7jOU1SRFgZU+viwWWMQVcRWCAHEVgqpfnxbzFYLQLwZCtrZaa4VkVu8bQRiTdsSxEIQRYSMI84DtYQUrOR6wIjalcI8Iu8dQFgt34oq4CkWAWisUWb9+EYR+vJpaIwi7M8yyB5JUHm6xmqQosNLHF4V7eh/ULWCiIT+fyCLyVXq/WMxXrBCmj6vSAqu1VkzCCMKYtCOOhSCMCJsVwjxge1hB4e4BK2JTCveIsFkhTA+7pQXkq5agEjSj1koAvWFIBGF3PyAIuzPMsgeSVB5usZqkKNzTx5fFGXfiirgKQYC4CkHVr0+L+YoVQr8YCNnaaq0Vklm9bwRhTNoRx0IQRoTNCmEesD2sYMbdA1bEphTuEWGzQpgedksLyFctQSVoRq2VADorhEGgIwiDYE3fKUkqvQ9kgdVZKwr39PFlccaduCKuQhAgrkJQ9evTYr5ihdAvBkK2tlprhWTGCmFMugnHQhAmhF8Z2mqSosBKH18WCyziirgKQYC4CkHVr0+L+QpB6BcDIVtbrbVCMkMQxqSbcCwEYUL4CMI84Pexgi1YebqIwj29XywW7sQVcRWKALVWKLJ+/SII/Xg1tWbLaHeGWfZAksrDLVaTFAVW+viicE/vg7oFTDTk5xNZRL5K7xeL+YoVwvRxVVpgtdaKSRhBGJN2xLEQhBFh9xnKapKiwEofXxYLLOKKuApBgLgKQdWvT4v5CkHoFwMhW1uttUIyq/edlSBctWqVW7Jkibv33nvdmjVr3LRp09yhhx7q5syZ4yZPntyTy9q1a93y5cvdjTfe6H7/+987/f9tttnGfeYzn3F77LGHmzRpUkymWYyFIMzCDRwqk4cbNrCClZw8HUPhnt4vFgt34oq4CkWAWisUWb9+EYR+vJpaZyMIJQAXLlzonnzySTdr1iw3c+ZM9/DDD7tly5a52bNnu2OOOaansFOba665xu28887uIx/5SHGdd9xxh3vhhRfcySef7Pbdd9/upMasB5JUHg6zmqQosNLHF4V7eh/ULWCiIT+fyCLyVXq/WMxXrBCmj6vSAqu1VkzC2QjCRx991F1yySXu6KOPLlYF9XnrrbcKoae/nXfeeW7GjBkbsHn11Vfd17/+dffOd77TnXHGGW7KlClFm+eff95deOGFbtttt3Wnn376uv8eE27KsRCEKen/ZWyrSYoCK318WSywiCviKgQB4ioEVb8+LeYrBKFfDIRsbbXWCsms3nc2gvDWW291t99+uzv33HOL1cHyo9W/q6++2s2bN8/ttddeG7DRiuKCBQsKETl37tx1f9f2UwlMfc4880w3derUmFyTj4UgTO6CwgCrSYoCK318WSywiCviKgQB4ioEVb8+LeYrBKFfDIRsbbXWCsksW0F41VVXuccee8zNnz/fTZ8+fZ2dTzzxhLv44ovdCSec4LX187XXXnMXXXRR8Syhto1OtOcIEYQxf0a9x7KapCiw0seXxQKLuCKuQhAgrkJQ9evTYr5CEPrFQMjWVmutkMyyFYRXXHGFk/irC8JeK4CDIN1zzz3u29/+tjv11FMbVxYHfX/c/44gzMODVpMUBVb6+LJYYBFXxFUIAsRVCKp+fVrMVwhCvxgI2dpqrRWS2YQQhBKWl156qdtnn33c5z//+b4nlJZAXnnlFad/rHyuWzbVXb9s07G9nOP2W+2O32+Ve23e8WN7DTJ82sLrxtr+XsafetlfVvHH8QIXn77Srbnharfm+qvH0fzC5inHneSmfO6ksbW/yXDiKr07iav0PqhbQL7KzyelRdRaefjGYq21xRZbOP0T65PNM4SjWiF88cUXi62i2naq5w4322yzViwlBh955JFWbceh0c2Pbu1uXrH1OJjaaOORu7/gjtztBTf97+eP7TXI8JX/dMFY29/L+L+7acPnecfpQv/56IfcprcscVNv+d44mb2eravmHutWzz1mbO1vMpy4Su9O4iq9D+oWkK/y80lpEbVWHr6xWGvtueeeE1MQjuIZwlIM6p2FOkhmq622yiNSE1jBltEE0BuGtLqNgS1Y6ePL4hYs4oq4CkGAuApB1a9Pi/lKBKi1/OIgVGurtVYoXk39ZrNCqFNGb7vtNnf22We7HXfccZ2tg04ZLRu+/vrrxXsMV65cWfQxkcUgSSrmT6j/WFaTFAVW+hizWGARV8RVCALEVQiqfn1azFfUWn4xELK11VorJLN639kIwscff7w4TfSoo45a7z2El19+uXv66afd+eef77bccstGNqtXry7eV6hTSvXOQb2gfqJ/mLXKIwKsJikKrPTxZbHAIq6IqxAEiKsQVP36tJivEIR+MRCytdVaKySzbAWhXkIv8afn+GbNmuV22GEH99BDD7n777+/eL/gEUccUbw6YsWKFW7x4sXFC+wPOuig4uX11157rbvvvvvcIYccUnyv/tluu+3We7dhTMCpxkIQpiK//rhWkxQFVvr4slhgEVfEVQgCxFUIqn59WsxXCEK/GAjZ2mqtFZJZtoJQhmmlb8mSJW7p0qVuzZo1btq0acVq4Zw5c9adFLp8+XK3aNEid9hhh7nDDz+82CJ6wQUXuJdffrknN606Vl9aHxNwqrEQhKnIIwjzIN/fih/9w+buxUUL3IuLF4yDuY02WiywKNzThyNxld4HdQvIV/n5pLSIWisP3yAIu/shmy2j3S+FHqoESFJ5xIPVJEXhnj6+KNzT+4DCPT8fNFlEvkrvJ4v5ihXC9HFVWmC11opJGEEYk3bEsRCEEWH3GcpqkqLASh9fFgss4oq4CkGAuApB1a9Pi/kKQegXAyFbW621QjKr940gjEk74lgIwoiwEYR5wPawgi1YHrAiNqVwjwi7x1AWC3fiirgKRYBaKxRZv34RhH68mlojCLszzLIHklQebrGapCiw0scXhXt6H9QtYKIhP5/IIvJVer9YzFesEKaPq9ICq7VWTMIIwpi0I46FIIwImxXCPGB7WEHh7gErYlMK94iwWSFMD7ulBeSrlqASNKPWSgC9YUgEYXc/IAi7M8yyB5JUHm6xmqQo3NPHl8UZd+KKuApBgLgKQdWvT4v5ihVCvxgI2dpqrRWSWb1vBGFM2hHHQhBGhM0KYR6wPaxgxt0DVsSmFO4RYbNCmB52SwvIVy1BJWhGrZUAOiuEQaAjCINgTd8pSSq9D2SB1VkrCvf08WVxxp24Iq5CECCuQlD169NivmKF0C8GQra2WmuFZMYKYUy6CcdCECaEXxnaapKiwEofXxYLLOKKuApBgLgKQdWvT4v5CkHoFwMhW1uttUIyQxDGpJtwLARhQvgIwjzg97GCLVh5uojCPb1fLBbuxBVxFYoAtVYosn79Igj9eDW1Zstod4ZZ9kCSysMtVpMUBVb6+KJwT++DugVMNOTnE1lEvkrvF4v5ihXC9HFVWmC11opJGEEYk3bEsRCEEWH3GcpqkqLASh9fFgss4oq4CkGAuApB1a9Pi/kKQegXAyFbW621QjKr940gjEk74lgIwoiwEYR5wPawgpUcD1gRm1K4R4TdYyiLhTtxRVyFIkCtFYqsX78IQj9eTa0RhN0ZZtkDSSoPt1hNUhRY6eOLwj29D+oWMNGQn09kEfkqvV8s5itWCNPHVWmB1VorJmEEYUzaEcdCEEaEzQphHrA9rKBw94AVsSmFe0TYrBCmh93SAvJVS1AJmlFrJYDeMCSCsLsfEITdGWbZA0kqD7dYTVIU7unjy+KMO3FFXIUgQFyFoOrXp8V8xQqhXwyEbG211grJrN43gjAm7YhjIQgjwmaFMA/YHlYw4+4BK2JTCveIsFkhTA+7pQXkq5agEjSj1koAnRXCINARhEGwpu+UJJXeB7LA6qwVhXv6+LI4405cEVchCBBXIaj69WkxX7FC6BcDIVtbrbVCMmOFMCbdhGMhCBPCrwxtNUlRYKWPL4sFFnFFXIUgQFyFoOrXp8V8hSD0i4GQra3WWiGZIQhj0k04FoIwIXwEYR7w+1jBFqw8XUThnt4vFgt34oq4CkWAWisUWb9+EYR+vJpas2W0O8MseyBJ5eEWq0mKAit9fFG4p/dB3QImGvLziSwiX6X3i8V8xQph+rgqLbBaa8UkjCCMSTviWAjCiLD7DGU1SVFgpY8viwUWcUVchSBAXIWg6tenxXyFIPSLgZCtrdZaIZnV+0YQxqQdcSwEYUTYCMI8YHtYwUqOB6yITSncI8LuMZTFwp24Iq5CEaDWCkXWr18EoR+vptYIwu4Ms+yBJJWHW6wmKQqs9PFF4Z7eB3ULmGjIzyeyiHyV3i8W8xUrhOnjqrTAaq0VkzCCMCbtiGMhCCPCZoUwD9geVlC4e8CK2JTCPSJsVgjTw25pAfmqJagEzai1EkBvGBJB2N0PCMLuDLPsgSSVh1usJikK9/TxZXHGnbgirkIQIK5CUPXr02K+YoXQLwZCtrZaa4VkVu8bQRiTdsSxEIQRYbNCmAdsDyuYcfeAFbEphXtE2KwQpofd0gLyVUtQCZpRayWAzgphEOgIwiBY03dKkkrvA1lgddaKwj19fFmccSeuiKsQBIirEFT9+rSYr1gh9IuBkK2t1lohmbFCGJNuwrEQhAnhV4a2mqQosNLHl8UCi7girkIQIK5CUPXr02K+QhD6xUDI1lZrrZDMEIQx6SYcC0GYED6CMA/4faxgC1aeLqJwT+8Xi4U7cUVchSJArRWKrF+/CEI/Xk2t2TLanWGWPZCk8nCL1SRFgZU+vijc0/ugbgETDfn5RBaRr9L7xWK+YoUwfVyVFlittWISRhDGpB1xLARhRNh9hrKapCiw0seXxQKLuCKuQhAgrkJQ9evTYr5CEPrFQMjWVmutkMzqfSMIY9KOOBaCMCJsBGEesD2sYCXHA1bEphTuEWH3GMpi4U5cEVehCFBrhSLr1y+C0I9XU2sEYXeGWfZAksrDLVaTFAVW+viicE/vg7oFTDTk5xNZRL5K7xeL+YoVwvRxVVpgtdaKSRhBGJN2xLEQhBFhs0KYB2wPKyjcPWBFbErhHhE2K4TpYbe0gHzVElSCZtRaCaA3DIkg7O4HBGF3hln2QJLKwy1WkxSFe/r4sjjjTlwRVyEIEFchqPr1aTFfsULoFwMhW1uttUIyq/eNIIxJO+JYCMKIsFkhzAO2hxXMuHvAitiUwj0ibFYI08NuaQH5qiWoBM2otRJAZ4UwCHQEYRCs6TslSaX3gSywOmtF4Z4+vizOuBNXxFUIAsRVCKp+fVrMV6wQ+sVAyNZWa62QzFghjEk34VgIwoTwK0NbTVIUWOnjy2KBRVwRVyEIEFchqPr1aTFfIQj9YiBka6u1VkhmCMKYdBOOhSBMCB9BmAf8PlawBStPF1G4p/eLxcKduCKuQhGg1gpF1q9fBKEfr6bWbBntzjDLHkhSebjFapKiwEofXxTu6X1Qt4CJhvx8IovIV+n9YjFfsUKYPq5KC6zWWjEJIwhj0o44FoIwIuw+Q1lNUhRY6ePLYoFFXBFXIQgQVyGo+vVpMV8hCP1iIGRrq7VWSGb1vhGEMWlHHAtBGBE2gjAP2B5WsJLjAStiUwr3iLB7DGWxcCeuiKtQBKi1QpH16xdB6MerqTWCsDvDLHsgSeXhFqtJigIrfXxRuKf3Qd0CJhry84ksIl+l94vFfMUKYfq4Ki2wWmvFJIwgjEk74lgIwoiwWSHMA7aHFRTuHrAiNqVwjwibFcL0sFtaQL5qCSpBM2qtBNAbhkQQdvcDgrA7wyx7IEnl4RarSYrCPX18WZxxJ66IqxAEiKsQVP36tJivWCH0i4GQra3WWiGZ1ftGEMakHXEsBGFE2KwQ5gHbwwpm3D1gRWz6/7d35sF2FGUf7pgQIQQCQpQ1sgUFFVkEl4AsKgiIEVQkgAIKJJKyyl1cy7IsS0tL/cOgIQIuERFDRAirKLIICES2QEABWUVA9h1Zvnqm7PtNDnPunbnnznLmPFNFAUlPT8/T7+l+f/2+3aPjXiFsI4T1w87ZAsernKBqKKavVQN0I4SlQFcQloK1/kodpOrvA1rQ1lUrHff67auNK+7alXZVBgHtqgyqxeps43hlhLCYDZRZuq2+VpnMjBBWSbfGZykIa4SfenRbBykdrPrtq40OlnalXZVBQLsqg2qxOts4XikIi9lAmaXb6muVyUxBWCXdGp+lIKwRvoKwGfCHaYUpWM3sIh33+vuljY67dqVdlUVAX6ssssXqVRAW45VV2pTR3hk2sgYHqWZ0S1sHKR2s+u1Lx73+PuhsgQsNzesTWuR4VX+/tHG8MkJYv13FFrTV16qSsIKwStoVPktBWCHsYR7V1kFKB6t++2qjg6VdaVdlENCuyqBarM42jlcKwmI2UGbptvpaZTLrrFtBWCXtCp+lIKwQtoKwGbALtMJITgFYFRbVca8QdpdHtdFx1660q7II6GuVRbZYvQrCYryySisIe2fYyBocpJrRLW0dpHSw6rcvHbmBT6UAACAASURBVPf6+6CzBS40NK9PaJHjVf390sbxyghh/XYVW9BWX6tKwgrCKmlX+CwFYYWwjRA2A3aBVui4F4BVYVEd9wphGyGsH3bOFjhe5QRVQzF9rRqgZzxSQdh7PygIe2fYyBocpJrRLW0dpHTc67evNq64a1faVRkEtKsyqBars43jlRHCYjZQZum2+lplMuusW0FYJe0Kn6UgrBC2EcJmwC7QClfcC8CqsKiOe4WwjRDWDztnCxyvcoKqoZi+Vg3QjRCWAl1BWArW+it1kKq/D2hBW1etdNzrt682rrhrV9pVGQS0qzKoFquzjeOVEcJiNlBm6bb6WmUyM0JYJd0an6UgrBF+6tFtHaR0sOq3rzY6WNqVdlUGAe2qDKrF6mzjeKUgLGYDZZZuq69VJjMFYZV0a3yWgrBG+ArCZsAfphWmYDWzi3Tc6++XNjru2pV2VRYBfa2yyBarV0FYjFdWaVNGe2fYyBocpJrRLW0dpHSw6rcvHff6+6CzBS40NK9PaJHjVf390sbxyghh/XYVW9BWX6tKwgrCKmlX+CwFYYWwh3lUWwcpHaz67auNDpZ2pV2VQUC7KoNqsTrbOF4pCIvZQJml2+prlcmss24FYZW0K3yWgrBC2ArCZsAu0AojOQVgVVhUx71C2F0e1UbHXbvSrsoioK9VFtli9SoIi/HKKq0g7J1hI2twkGpGt7R1kNLBqt++dNzr74POFrjQ0Lw+oUWOV/X3SxvHKyOE9dtVbEFbfa0qCSsIq6Rd4bMUhBXCNkLYDNgFWqHjXgBWhUV13CuEbYSwftg5W+B4lRNUDcX0tWqAnvFIBWHv/aAg7J1hI2twkGpGt7R1kNJxr9++2rjirl1pV2UQ0K7KoFqszjaOV0YIi9lAmaXb6muVyayz7tYIwnvuuScsXrw43HnnneHFF18MU6dODTNnzgzTp0+vkmdjnqUgbEZXtHWQ0sGq377a6GBpV9pVGQS0qzKoFquzjeOVgrCYDZRZuq2+VpnMWikIEYMLFiwIkyZNCjNmzAgTJkwIl1xySbj//vvDoYceGjbbbLMqmTbiWQrCRnRDaOsgpYNVv3210cHSrrSrMghoV2VQLVZnG8crBWExGyizdFt9rTKZtVIQLlmyJFx55ZXhyCOPDOutt17yjg899FA49thjw7rrrhsOOuigMH78+Cq51v4sBWHtXZA0oK2DlA5W/fbVRgdLu9KuyiCgXZVBtVidbRyvFITFbKDM0m31tcpk1jpB+Oyzz4bjjz8+EXxEA1daaaXkHUkbXbhwYbj33nvDnDlzwuTJk6vkWvuzFIS1d4GCsBldkNkKD2loZufouNffL2103LUr7aosAvpaZZEtVq+CsBivrNJ9v4fw0UcfDcccc0zYcMMNk0hg+jr33HOTyOHcuXPDlClTeqfVRzU4SDWjs9o6SOlg1W9fOu7190FnC1xoaF6f0CLHq/r7pY3jlRHC+u0qtqCtvlaVhPteED7yyCNh3rx54dWvfvVLBOF5550XLrzwwnD44YeHadOmVcm19mcpCGvvAiOEzegCI4QN7ofOpum4199ZbXTctSvtqiwC+lplkS1Wr4KwGK9WRggVhNlG4CDV+49jLGpo6yClgzUW1tFbHTruvfEr424jhGVQ7b1Ox6veGfZaQxvHKyOEvVrF2N3fVl9r7AiNXJMRwv8xWrp0aZg9e/bIxCxRCYFx418eXnz+mUqe5UMk0I8EJo4L4dkX+7HltrnJBLSrJvdO/7ZNu2pm3+lrNbNfaNX8+fPDdtttV1kD+14QjtUeQgQh/3hJQAISkIAEJCABCUhAAhKoiwBiUEFYgH48ZZRbPvrRj4aJEycmdw/6KaMFEFpUAhKQgAQkIAEJSEACEhhQAn0fIaTfzjzzzHD55Zev8B1CPkpPuHWTTTYJs2bNCuPGjRvQLva1JSABCUhAAhKQgAQkIAEJZBNohSCM4m/ChAlhp512SqKEF110USCd9LDDDktOIPWSgAQkIAEJSEACEpCABCQggRUJtEIQ8kp8gH7RokXhzjvvTNJFp06dGmbOnBmmT59un0tAAhKQgAQkIAEJSEACEpBABoHWCEJ7VwISkIAEJCABCUhAAhKQgASKEVAQFuNlaQlIQAISkIAEJCABCUhAAq0hoCBsTVf6IhKQgAQkIAEJSEACEpCABIoRUBAW42VpCUhAAhKQgAQkIAEJSEACrSGgIGxNV/b/iyxfvjz8/ve/Dw8++GDYcsstw8EHHxw4OXa4iwOEzj333HDzzTeHgw46KKyxxhr9D8I3qJzAf//73/C73/0uPPnkk+GAAw4IK6+8cuVt8IESkEB3Ahwc95vf/Ca88Y1vDDvvvPOYorrjjjvCT3/60/D2t789vPOd7xzTuoer7JFHHgnz5s1LTkJn/vIansCvfvWrcPvtt4e5c+eGKVOmhFtuuSUZt9/97neH17/+9V1vlnMITz/9dDjppJMSH2mfffYJ48ePz2Vu3Hf88ccnZfnWt3NjLmx9WUhB2JfdVm2jq5gs77nnnrBgwYIwadKkMGPGjLDuuuuGjTbaaMQXRRAyIdx0001h9uzZ4RWveMVL7sHZ//nPfx5uu+22cOihh4bNNttshTKIyZ/97GfJibSI0LwD5YiNs0AjCOSx32gjzzzzTDLprbLKKo1ou43ojUB0BPn3/vvvH7bbbrvMChlHfv3rX4err746ERw6571x77wbpxLB9bKXvewlTiVOPQ7nnnvuGXbcccehW59//vnwy1/+MvznP/8Jc+bMCY899lhSxw477BD22GOPMW1gnjFiTB/4v8qqEiosdJ1yyimBRdcXXnghTJs2LXzoQx8Ka6211rCvFdv38MMPZ5Zjjq5SJHQKwhtvvDGxkfe///1h2223HUhB+Pjjj4ezzz47XHfddeGpp54KK620UnjDG96Q/EbWXHPNISZPPPFE8vtBSDO+US7PpSDMQ6kdZRSE7ejHUt+iisny4osvDmeddVYyuWy66aZj/j58juS4444LG2ywQTjkkEOGBkMGO8Qiq89HHHFEIkS92kWgCvttF7H2vE3aoWUhiO/SZjlCDzzwQPjJT34SKK8gLKf/oyBB3K299tpDDznzzDPDn//85yQr5MMf/vDQghyOLn1C2fSfl9G6usaIKgQhwhohxaIpkVUEwfnnn58svjLnDbf4FdvHPW9729tegn7y5Mlhk002qWwRtVMQ5rWFKjjnbctYlrvvvvuSxRQWS7baaqukL/75z3+GZcuWJdlVLIAj/nu5FIS90OuvexWE/dVftbS2isnyvPPOCxdeeGE4/PDDex7AsiARAfjjH/8YeM5+++2XrDJzXX755WHx4sVh9913D7vttlstfH1ouQSqsN9y38DaR0sgOoI4TC9/+cvDkUceGdZbb72XVMfYc8YZZ4Rx48Ylq+tGCEdLvPt9V1xxRTLWsiD32te+NikYnU0W5EhF+/jHPz6U9h9/t7vuumvgnzKvusaIKoRKfAbRvFmzZiU2TiScvhhpvq2ifUX6VUH4/7RiVstdd92VLHSRdhyv+++/PxGKq622Ws8RXAVhEQvt77IKwv7uv0pa3zlZdhsguk0eDz30UDjttNOSFUrSVTbccMPwgQ98ILzqVa9KVuTZQ5FOScExiBMV5f/2t7+Fc845JynLqib7PFjpjKmdeScJ0ikYJEmfYWUUkXjssccGVjnTaYKkXpCGwqo0zmG8yhatlXTmAD4kj7PnpNdOw4jjy/rrr5+snLMQtNdee63wsowLpKtzMd5MnTp1BUHI+MX4w7iAE0a0hPTGbbbZJnGuo+0wnrzmNa9JFrbWWWedIUeMdHicb7IUuGjL+973vmQcjBepyuyFXrp0aTI+Mc7ttNNOyViXjmimx1IiP6T8sZhFVJO2NPnCcYUzWwJoM9e///3vMH/+/PC6170uXH/99UkaYxSLCMhTTz11KGuk2+84zZeUVPpg3333DauvvvoQjqw+wA5iNkpW3fQn6axkrtx9991JXem5i/9Pz3lbbLFFUpY/Y055z3veM2QjlKW+q666KixZsiQQ/YxRt0suuSTZHpFehBjpneJcRFog97Pg0U3cdQpC2sL9LIYSrR0ubbSIIMxjw3FuhQ3/DXe2aTDP8tvit3PRRRcN/QZI8cZWWMzh6pzrs+bqIpyb/HsZqW2MZ2Q9EbntHNO4F5bYY1yAyZrj8th4t7lxpHFxpPb7980joCBsXp80rkW9CEIOiMEJQLzhCJDGwIDPhIgoQxSS287g9de//jVZwcRhWnXVVZP9JkT1SG9hfwDpEDgVl156aXjTm96UTPo4QXkFIWDjfsG3vOUtCefLLrvsJfsKFYSNM8GeGqQg7AlfX98cHVocS6JQ/MNe47RYwOk/4YQTEpF3zTXXDO2x4cXj+IXjhEBjsYoFKpwxxioc2egwYWc4roxTpKYj5v71r38ldfM87udi/Hv00UeHVvVj2jr3v/Wtb03Gv1tvvTURhwg9Fs8YP3H6EU/PPvtssiAW28KYxiER6f13Tew0hC5zAUIopoAi+kgZ5f9PP/30RKAhFrhIMf373/8+FDXM+h1zwAh8mUeYE2BzwQUXhIkTJyb9TIQk7k9HpKX7gL2JH/nIRxIBmlU3UbTf/va3SX9uvfXWST9TNwKduYvDOaJ98Xf0Mf3HvPWXv/wl6eO0SKO+k08+OWkrTjw8oi2k05TzvBOC7g9/+ENiF9gaCxDYRJa4Y+GA92C/HaKTvfSk6BJ1fcc73jHsQkJeQZjXhuPcih9AKjC2jl/AvzkL4Morr0wY8k5xrod/3OaRRxDm5dzE30iRNuEX8c/HPvaxFaKDsY5o04wLiOosYZfHxrPuyzMuFnkXyzaDgIKwGf3Q6FaMVhDGiYgJiAk0TlakM+DYsKLKZnCurOhbfC6TOCe/If5wzHAgmDiY8JkIiwjCeAgNq6P895vf/OYhYRk7QUHYaHMs3DgFYWFkrbkhOrQ4leyxWbhw4ZCQ4yUZAxAeCDz22+A4x0MX+HsWn3DuOXkWJ5ULR5/xi0giQobIBpkH7OdJp27FvVsIElJV4wEP8X6cYEQlApM2IPziwRgxxf1Pf/pTEkFhfx0RtF/84hfJPQgULhbTyHJgHxhZDgihpl7x4B5+j0cddVQi1jjIh+wQ2k7KLoKd/+aCKeKLfuHf3eYh6k1neMRFP06exBnOcpzpK/Ynbr755knfdtaNsOREU/owferwDTfckGSPsO1g++23HxKECDPmuHioWTwoh3kL4UU/8TyEECKRBU+u2A6EMGItHW0e7p2iIHzXu941oqjjOdGBZ68sCwkzZ85MbG2kqHJeQcjiRR4bjnMrCzRxoSP+po455phEGGLvca5nkYC6YcvvbyRBmJdzU38jRdrFiaHYeuee3FhHZ991CjsWLvLYeJYgzDMuejhfkd5sRlkFYTP6odGtGK0gZKL/8Y9/nEy6UfjxojhQnOrJv+MJZVmCkD/DGYvCL0JipZODYA488MBkhb6IIKQO0n9iihgTDZNQ+lIQNtocCzdOQVgYWWtuSDtFOPH87ons4HzjsMTDZIjQENHDKSUtcLg9hJ0OUhQv/Dt94iIRKERAeuErgmWRjPGPfT8nnnji0EmaRLHi1Xl/TBEju4FUwbynBDapMzk8jNRYohosEMKHCB1RQaKFpObi4HLxd6T4xvTSzt9x/H/+Ph0djYfRcEAY/RjFyt577z0UwetkkmeM4J7Oct0EE3MfWyFYcEQUEvUjva/zsxad9+d9pyLbFxDMLICybQObixG3PCcpD3fKKL8jPv+AzaZPgx3OhrvNrem0bRZZ0qdjpvtqJEGYl3OTfhOjbctIfs9IgrDb5yPy+nud7XbbxWh7sjn3KQib0xeNbUneAaLb5MZAkXWlj6zOmuAY8Ejh6nbFPX7pgZE2cLRyfGZ6PyL1sOLLqhgTExcr7emVSv5MQdhYUxxVw/I4e05mo0Lb+Js6xyTGGURJPFyGVPUoUIjuZH0Tjggf0SsEGQ51vOL41U0Q9mp30SZjlIwVfdpPxIv/RrgSaUHMxj1WTe+Q6LAj4hBscWEPUch+QqKdbAXgneM+7rinsJNnHKe7vXNMw2RvG9Er5hIidHxeCG5EXWMUI6uv2E9KSh1RWsQ5/x8v2o/Q6yYI458jaCnXbU7pvD/vOxURhDEtkJRaFj/ZlxlTkWM6LXNger98fM/hThklGs1iL3Nqt+/Uddpw/ExE5/58nkd6MFEvonwsFvBdQdJH0+JwJEGYl3PTfyd52tdrhBDfKI+Nd5sbRxoX/V5hnl5sVhkFYbP6o5Gt6VUQMgFnfTQ2fWR1N0H4j3/8I1khzlrN3HjjjZPV/vQkgSNBGgWTFBcTPsfNc0hDFHukKcVT63Cu4l6gCF9B2EgzHHWjenXMR/1gb6ydQKfDzZ4+RAeOOul27D/jItWTPV2dgpDUP0QL4ov9VjiqpBPijDG2pNMbqScdIezV7uK3+xB7MW2SZ5BySvoojj4H1eCYk9YYhVPt0IdpQIzecdIrKbe8Q9zTGR1P9tiRThoPPYmfqOgmCIkOpg/oiY9HSMRv2RIlI20SUcj4jjPL3IEwQSR11k15DuQgQ4X9fqSH0g/YD/NHjPSVJQhHeqe8gjDyZn8jNo4gjqdtI1RJwyRCzR69rM895UkZHW4xrdOGhxOE9BsLLsz52AUCkfthwf5efm8Kwv//cfW6hxB7zmPjWf2bZ1xUEDZ5JM5um4Kw//qstBazcs7BLjgX6TTK0QrCmPKEo0LK6HD7FbImOE5jY69gt6PiI4iRUidiuXgoA6KRfRysjrEXiCseQBBFo6eMlmZmlVfcq2NeeYN94JgR6HRo474+TshD4HHIB/upiBhlOb8IPyKD6c8h5E0ZjWmDRGPiQSnxxUiRY/zBKWNfY/z4+nDpdtzz3HPPDR24RV3xO2SIm6bvIaS98WPzjMWMwwiV+CkE/p4xH0HAAl7cGxj3RXb+juM+PdJnEWhZF3Ug9LmoM85B0aElSpi1hxDRTfow33BLty9vymhnhDBGRjs/odFpc3neiXfJKwjjya5xH37sg0WLFiXiGHujHzoPWoos8wjC2Kd5bLjbYitCMJ6uG1Oh+TP29HI6ed49hHk5j9kAU2NF0VY4lGc0p4yysJXHxrMEYZ5xUUFYo3GM8tEKwlGCa+Nt7LXAQSJlJ57CGScfTjSLx0MzyeLEMNmkHaW4+k5EkL0bDOgIK8rhrMRDGaiTPTSsAseDZrImOBwDVvBx1mgTaVJcOEbcz/Hi/FkeQRgPo2HFNx0RZCWSFFJWIRlUcRiy9iHEwyeuvfbaEb/d1Ebb6Od3UhD2c+/11vYsh5aDQRgzEAjxNEqESVZZyjHWsFcK0cXFvkP2InLPcBHCOP5RPu1wkxJHWjsRLMZJxqA8B3JQBoc6vUAWnXGc6XR0sjdq5d5NZIM0Xa54OEt8Yowg8f+kC6aFdOfvOB4gwtgMk3hyLP9PPezPRFywXx1xnu6DeOIp0Uf6oJvQI/IYDzmhTRwAhEhhMaFIymjcIxejyjHjpXPOzPNO2G1eQdgZIYxii/dnTyMRZqJv3b7zmEcQwqXooTKdKaPxXADakhb37CvlYJl4WutIEcK8nMu18GpqL/odwk5hRyo1GREj2XiWIMwzLioIq7GDsXyKgnAsafZ5XTGCxup5/MxDPP6clVLSSuJEFsUj6ZiUZXWQk6cYPNIfdo5HaJOqwiolkzZ1MrFyTDaTatwb0/lhepwdVjIpy3eq+IdVLUQdK+UcTEDaUR5BGE+eQ6wywce9IzwDcctqGw4VKUZxUuGddtlll0S40gbeJZ4SBw+v/iAQnb1uqcs45pxW220fTH+8pa3MIpDl0MbfNwtVOJ9RdGSVjeMcaYwIFE5IZizAoR5pDyHtieNf+rMTfDeOMTaeSJr3yH6cd5x4HC3GUoQB0RMEJe+RFSVoolXEyEYU4/z24hUPIuPfcQEy/l3Wwk78xAD7P4mUUCfptHBBbLKYiIgmzTN+7oH5hvtYcPzgBz+YlOmsO0aSWTxgPmOeW758eSI0iewW3UPIO2R9DoGsHObd9JyZ553yCkKeyx5IBDhbLOIptvHTKfw941/6hNS0zeQVhHltuFuEMOt+bIDPfNC3tA/fYyRBWIRzE38bRdsUMwSwIU5R5sAgMhqWLVuW+CqkmkdfpVPYsTgAz5FsPEsQ5hkXFYRFe7P+8grC+vugUS0gVYbPOsSPMDMIk/KEs5H+gTNhMljzPSMGDI5qZ5WRD+/GU/zii3GUOCecMVDFjykjBDnQJUb9uk1wlEcA8r0mJicGMSZP0oTiZvORBGH8ID0r9UwsHGaQvqKjhWMSRS9tJlqK04h4JBrJHgsm1m4fAG5UR9qYIQLR2et2uBH2TUqzgrB9RtPNoWW8YexiUQlHmSurbNZHrvmcAU4UdkXkkHFxONvp/Cg6K/KIlfQ4lOej3rQxPZayKMa4izhEDPXLMe9R9NH2zqhmjHgipDtPl+4W6UdgMmfFj8ez3YFIE+N1OkU0lqFPyUxB1PHbp0xW3fQJhwmxbQERSL8xb7FIiZONYGW+zDqIqDNllL7LsqVuc+ZI71REEPJc0kOZu5gDeV8io7vttlsyh7JHFmZE7Tqd+LyCkPfLY8PdBGHW/XGux/eI0d88grAI5zaMeESBzz777MRnw9fJ8pF4zyxhl8fGKdM5vuUZF2NGRRsYD8o7KAgHpad9TwlIQAISkIAEJCCBgSPgSdoD1+WFX1hBWBiZN0hAAhKQgAQkIAEJSKA/CMQTXzlIiGhwv2QU9AfddrRSQdiOfvQtJCABCUhAAhKQgAQksAIBDsYipZRzHuIBeiKSQCcBBaE2IQEJSEACEpCABCQggRYS4DMRnO/AoTOcsh73ZLbwVX2lHggoCHuA560SkIAEJCABCUhAAhKQgAT6mYCCsJ97z7ZLQAISkIAEJCABCUhAAhLogYCCsAd43ioBCUhAAhKQgAQkIAEJSKCfCSgI+7n3bLsEJCABCUhAAhKQgAQkIIEeCCgIe4DnrRKQgAQkIAEJSEACEpCABPqZgIKwn3vPtktAAhKQgAQkIAEJSEACEuiBgIKwB3jeKgEJSEACEpCABCQgAQlIoJ8JKAj7ufdsuwQkIAEJSEACEpCABCQggR4IKAh7gOetEpCABCQgAQlIQAISkIAE+pmAgrCfe8+2S0ACEpCABCQgAQlIQAIS6IGAgrAHeN4qAQlIQAISkIAEJCABCUignwkoCPu592y7BCQgAQlIQAISkIAEJCCBHggoCHuA560SkIAEJCABCUhAAhKQgAT6mYCCsJ97z7ZLQAISkIAEJCABCUhAAhLogYCCsAd43ioBCUhAAhKQgAQkIAEJSKCfCSgI+7n3bLsEJCABCUhAAhKQgAQkIIEeCCgIe4DnrRKQgAQkIAEJSEACEpCABPqZgIKwn3vPtktAAhKQgAQkIAEJSEACEuiBgIKwB3jeKgEJSEACEpCABCQgAQlIoJ8JKAj7ufdsuwQkIAEJSEACEpCABCQggR4IKAh7gOetEpCABCQgAQlIQAISkIAE+pmAgrCfe8+2S0ACEpCABCQgAQlIQAIS6IGAgrAHeN4qAQlIQAISkIAEJCABCUignwkoCPu592y7BCQgAQlIQAISkIAEJCCBHggoCHuA560SkIAEJCABCUhAAhKQgAT6mYCCsJ97z7ZLQAISkIAEJCABCUhAAhLogYCCsAd43ioBCUhAAhKQgAQkIAEJSKCfCSgI+7n3bLsEJCABCfQVgSuuuCIcffTR4dvf/nbYfvvtc7d9tPflfoAFJSABCUhgYAkoCAe2631xCUhAAoNJ4Ic//GE4/fTTw5577hk+9alPhfHjx2eCQIR96UtfChtssEH4/ve/H9Zcc82egY1W2I32vp4bbAUSkIAEJNB6AgrC1nexLygBCUhAAmkCURCutdZa4Xvf+16YNm3aSwA9//zz4Qc/+EE466yzkr9XEGpDEpCABCTQVgIKwrb2rO8lAQlIQAKZBBCECL0XXnghfPrTn04ihZ3XHXfcET772c+Gxx57LKyzzjoKQm1JAhKQgARaS0BB2Nqu9cUkIAEJSCCLAILwtttuCxMmTEj++hvf+EaYNGnSCkVPOumksHjx4mSf3w033LCCIHzmmWfCySefnKSdPvDAA4FI44EHHhj22muvMHHixKF6KLdw4cJwyimnBCKO22yzTdhhhx3CvHnzXrKH8K677go/+tGPwlVXXZWksO66667hiCOOCGussUZSnymj2rIEJCABCZRFQEFYFlnrlYAEJCCBRhJAEN53331hl112Cfz3t771rbD11lsPtfWJJ54IX/nKV8L6668fNtpoo3DGGWcMCcKnn346KX/11VeH/fffP2y66abhuuuuC6eeemrYe++9w+zZsxOh+dxzz4X58+eH0047Lbz3ve8N22677VA5hGL6UJmbb7452as4ffr0sMceewSeceKJJ4ZVV101edaUKVMUhI20JBslAQlIoB0EFITt6EffQgISkIAEchJABC5btiwRfQizLbfcMnziE58I48aNS2pA7H3ta19LIoe33nprEgmMewgvvvjiRKR9+ctfDjNmzEjKv/jii4kgXLBgwZC4vP7668PnPve5cPDBB4dZs2YN1X3++eeHb37zm0OCEPHHc0hf5ZkxUklU8otf/GKYO3du2H333RWEOfvWYhKQgAQkUJyAgrA4M++QgAQkIIE+JoAgvOaaaxKRd8455yT7Cb/73e+GV77ylUlqJ4fJ3H333YlwO+GEE8LSpUuTsquvvnpyCM3tt98evvOd74TVVlttiMK9994bPvOZz4Sdd945SfVctGhREuWjXqKI8epM/bzlllsS4ThnzpxE+MWLvYtf+MIXwuabbx4++clPKgj72N5sugQkIIGmE1AQNr2HbJ8EJCABCYwpgbQgluoe3gAABKdJREFUfPDBBxNBhojjcJl4mMx+++0XDjjggCSlNIrHVVZZJYnmcRHNW3nllYfaFSN9/BmRPfYJxvvSn6voFITx/7u94D777KMgHNPetzIJSEACEugkoCDUJiQgAQlIYKAIpEVe3Kf3+OOPJ2LvggsuSKKC8XMUeQXhU089Fb7+9a8n+/5GIwgPOeSQZA9h57X22msnf+6hMgNlor6sBCQggUoJKAgrxe3DJCABCUigbgJpkUf0jn2BpHZ+9atfDZwuymcm4gfr02WLpoxSF8KSg2ni1Snsli9fHj7/+c+Ho446KvPzF93uq5uhz5eABCQggfYQUBC2py99EwlIQAISyEGgUxA+/PDD4eijjw5PPvlk4L+JFMZTR7PEY55DZW666aZE6BH523fffYcOlWG/IiIxnjLKXkFOGGXvIvXGz0xwUM21116b7D+cPHmyEcIc/WoRCUhAAhIYHQEF4ei4eZcEJCABCfQpgU6Rx2sQzeOU0K222io5TIbUT67Osr1+dmLJkiWB9FLEH9845LrssssSEbrxxhsH9i6yD/HSSy9N0lc5WGbHHXdUEPaprdlsCUhAAv1AQEHYD71kGyUgAQlIYMwIZAnCeNon3xbkMJl4ZZXt5cP0fLyeOtlnGAUhz7rxxhvDcccdl0QFuRCmhx12WNhiiy2S6KJ7CMes+61IAhKQgAQ6CCgINQkJSEACEpCABCQgAQlIQAIDSkBBOKAd72tLQAISkIAEJCABCUhAAhJQEGoDEpCABCQgAQlIQAISkIAEBpSAgnBAO97XloAEJCABCUhAAhKQgAQkoCDUBiQgAQlIQAISkIAEJCABCQwoAQXhgHa8ry0BCUhAAhKQgAQkIAEJSEBBqA1IQAISkIAEJCABCUhAAhIYUAIKwgHteF9bAhKQgAQkIAEJSEACEpCAglAbkIAEJCABCUhAAhKQgAQkMKAEFIQD2vG+tgQkIAEJSEACEpCABCQgAQWhNiABCUhAAhKQgAQkIAEJSGBACSgIB7TjfW0JSEACEpCABCQgAQlIQAIKQm1AAhKQgAQkIAEJSEACEpDAgBJQEA5ox/vaEpCABCQgAQlIQAISkIAEFITagAQkIAEJSEACEpCABCQggQEloCAc0I73tSUgAQlIQAISkIAEJCABCSgItQEJSEACEpCABCQgAQlIQAIDSkBBOKAd72tLQAISkIAEJCABCUhAAhJQEGoDEpCABCQgAQlIQAISkIAEBpSAgnBAO97XloAEJCABCUhAAhKQgAQkoCDUBiQgAQlIQAISkIAEJCABCQwoAQXhgHa8ry0BCUhAAhKQgAQkIAEJSEBBqA1IQAISkIAEJCABCUhAAhIYUAIKwgHteF9bAhKQgAQkIAEJSEACEpCAglAbkIAEJCABCUhAAhKQgAQkMKAEFIQD2vG+tgQkIAEJSEACEpCABCQgAQWhNiABCUhAAhKQgAQkIAEJSGBACSgIB7TjfW0JSEACEpCABCQgAQlIQAIKQm1AAhKQgAQkIAEJSEACEpDAgBJQEA5ox/vaEpCABCQgAQlIQAISkIAEFITagAQkIAEJSEACEpCABCQggQEl8H+GLaR198x23QAAAABJRU5ErkJggg=="/>
+          <p:cNvSpPr>
+            <a:spLocks noChangeAspect="1" noChangeArrowheads="1"/>
+          </p:cNvSpPr>
+          <p:nvPr/>
+        </p:nvSpPr>
+        <p:spPr bwMode="auto">
+          <a:xfrm>
+            <a:off x="155575" y="-144463"/>
+            <a:ext cx="304800" cy="304801"/>
+          </a:xfrm>
+          <a:prstGeom prst="rect">
+            <a:avLst/>
+          </a:prstGeom>
+          <a:noFill/>
+          <a:extLst>
+            <a:ext uri="{909E8E84-426E-40DD-AFC4-6F175D3DCCD1}">
+              <a14:hiddenFill xmlns:a14="http://schemas.microsoft.com/office/drawing/2010/main">
+                <a:solidFill>
+                  <a:srgbClr val="FFFFFF"/>
+                </a:solidFill>
+              </a14:hiddenFill>
+            </a:ext>
+          </a:extLst>
+        </p:spPr>
+        <p:txBody>
+          <a:bodyPr vert="horz" wrap="square" lIns="91440" tIns="45720" rIns="91440" bIns="45720" numCol="1" anchor="t" anchorCtr="0" compatLnSpc="1">
+            <a:prstTxWarp prst="textNoShape">
+              <a:avLst/>
+            </a:prstTxWarp>
+          </a:bodyPr>
+          <a:lstStyle/>
+          <a:p>
+            <a:endParaRPr lang="en-GB" dirty="0"/>
+          </a:p>
+        </p:txBody>
+      </p:sp>
+      <p:sp>
+        <p:nvSpPr>
+          <p:cNvPr id="5" name="AutoShape 4" descr="data:image/png;base64,iVBORw0KGgoAAAANSUhEUgAAA4QAAAIsCAYAAACqdmcMAAAgAElEQVR4Xuy9e/BdVZXvO0MIhCAGCUh4irwEFEWlkQAhAgEUfIECIg0B5Nnpun+cOtW3q+v2Pefcc+tUn66uc6tOiYqERxJoQBBQMYpggzwUMUhoUIEEEFAegkAEISFAbn2XveLKytp7r7nXno89fp9dRaH85p5zrM8Ye6zxnXOuuSatXbt2reMDAQhAAAIQgAAEIAABCEAAAhOOwCQE4YTzORcMAQhAAAIQgAAEIAABCECgIIAgJBAgAAEIQAACEIAABCAAAQhMUAIIwgnqeC4bAhCAAAQgAAEIQAACEIAAgpAYgAAEIAABCEAAAhCAAAQgMEEJIAgnqOO5bAhAAAIQgAAEIAABCEAAAghCYgACEIAABCAAAQhAAAIQgMAEJYAgnKCO57IhAAEIQAACEIAABCAAAQggCIkBCEAAAhCAAAQgAAEIQAACE5QAgnCCOp7LhgAEIAABCEAAAhCAAAQggCAkBiAAAQhAAAIQgAAEIAABCExQAgjCCep4LhsCEIAABCAAAQhAAAIQgACCkBiAAAQgAAEIQAACEIAABCAwQQkgCCeo47lsCEAAAhCAAAQgAAEIQAACCEJiAAIQgAAEIAABCEAAAhCAwAQlgCCcoI7nsiEAAQhAAAIQgAAEIAABCCAIiQEIQAACEIAABCAAAQhAAAITlACCcII6nsuGAAQgAAEIQAACEIAABCCAICQGIAABCEAAAhCAAAQgAAEITFACCMIJ6nguGwIQgAAEIAABCEAAAhCAAIKQGIAABCAAAQhAAAIQgAAEIDBBCSAIJ6jjuWwIQAACEIAABCAAAQhAAAIIQmIAAhCAAAQgAAEIQAACEIDABCWAIJygjueyIQABCEAAAhCAAAQgAAEIIAiJAQhAAAIQgAAEIAABCEAAAhOUAIJwgjqey4YABCAAAQhAAAIQgAAEIIAgJAYgAAEIQAACEIAABCAAAQhMUAIIwgnqeC4bAhCAAAQgAAEIQAACEIAAgpAYgAAEIAABCEAAAhCAAAQgMEEJmBCEDzzwgFu8eHHhwlNPPdXtu+++ptz55ptvusmTJ7tJkyb1vK6VK1e6W2+91YnFK6+8UrTbfPPN3Xvf+173V3/1V27PPfcs+hjXz9tvv+3Wrl071tcwruyxe+IQuOKKK9z999/vpk6d6s466yy38847T5yLn4BX+swzz7jvfe977vHHH3dr1qxxG2+8sfvkJz/pZs+ePXY0dA+84IIL3Msvv+x22WUXd+aZZxZxXP20uZeuWrXK/fCHPyx+B7qX6r671157uVNOOcVtsskm67rT/ejRRx91P/jBD9zTTz/t1PeUKVOKGkTt+UxsArfccksRRyHq0ieffNItWLDAKVaPOuooN3fu3IkNm6sfCYEsBKES67PPPuvuuOMO9/DDD68TNEqu2267rTvooIPchz70oSLZNn2sCsK33nrLXX/99e7nP/+5e/e73+2+/OUvuy233HIDBEoOl112mXv11Vcb+UgYnnvuuW7mzJkjCZrYnfz2t791l1xyiXvttdfcJz7xCffxj388tgmMB4EJQaCLICy/6wOKYsaH1mjbLlu2zF1zzTWFEKx+xnVStZ8gbHsvffHFF4t7ze9///v1mKj+kCAsP6pZNAGrgl+TleWHiZTRxug494YgHGfvTUzbkwtCFfm6Kf3qV78qVoB6fbbaait38sknu/e85z0bNLEqCF9//XV30UUXOQkizVKedtpp7v3vf/96168ZzAsvvLC4gamNBPQHP/hB9653vcv97ne/K2Z+NXMpQfiOd7xjLKP83nvvdVdffXVh+6677lrM/FZnasfyojAaAhkSQBBm6JQAJr300kvuG9/4hvvDH/7gNtpoI7fffvu5973vfcVI2lXSNPEYwIyRdtlPELa5l0o0qhb5xS9+Udi1ww47FJPRWjXV/VSrjuWnukKjiepZs2YV7bULZ/fdd3fTpk0b6bXR2fgRQBCOn88musVJBeEf//jHYqvnE088UfhBgkU3pp122qn4/1oOv+eee4rtGBKLSrJnnHHGBqLQqiCszkJq69a8efOKbaDVj1YPdRPTR9t8jj322OIGX/202SaT6odQvbHWZ2FLm8pZWxUxn/3sZ90BBxyQylzGhYBpAqMQhCqQDzvsMDdjxoyBrLbbbrux3bkw8OIyblC9b8yZM8cdc8wxfR9JyPhS1pnWTxC2uZe+8MIL7utf/7pTXSJxpy3T9fttOdiNN97obr/99oLZ5z//+Ql9T2qzVXcc4mfUNiIIR02U/kITSCYINRt37bXXOq3+6KNVrRNOOMFtuumm612zEvnPfvYz953vfKdY6WpK1FYFYRvnX3XVVcWM5rhuVWkjCNtwoA0EINCdwCgE4bjmou70xqeHsliVr/QoQtPOm/G5mj9b2lWYVO9FeiZL25l7fcrfyfTp0938+fPHckV1VP7tyn1UduTWD4IwN49gzyACyQThQw895BYtWlSIPG0D1OrXZptt1mivROG3vvWtYrVQM3Innnii++hHP7qu7UQWhOWNSVt8dGPSDWqcPgjCcfIWtlongCC07uE/X18XP+dKqKswqdYR/Z5t1c4lPWf4m9/8phCC43jfHaUPu3IfpS059YUgzMkb2NKGQBJBqNVB3ZAefPDB4lmw008/vdh33++jZ+Euvvhi98Ybb7h99tmnOMmrPDUTQXj/2N6YEIRtfqa0gUAcAl2EQpfvxrk6RikJWPRVV2GCIBzu99GV+3Cj5v8tBGH+PsLC9QkkEYQ6FvprX/ua0zNh2gJ69tlnD3wIWydoan+/Dk/RiZvnnXfeukNS2gjC8iRTnQy2fPly96c//akgoVXJ3XbbzR155JFOz7P0+uj7etZRP/KnnnrK6SF1rVa+853vLA560TMz/VbnNKt45513uqVLlxbHYutkMj1rozF1aqZEbv3Zv+pMbnUmsiqietlbnhTXVnCJx49//OPiqG3Zp+tty0YCX4cC6fs6xlyn1omNbNZzgYcffvh6x39XbyC97K/O0LY9YllMZcdtt9227hhwHQigZ5kOOeQQ95GPfKTxpNqqPbL3S1/60jpfl8exy1c6bEHPaPaLk0EJRjEvTr/85S+LZ1XEWX1ry5Y4KRb7vV5E17hixYriGhWPYq242Xrrrd3HPvYxd+CBB/Y8jVe2rV69utiCrdV2PTNTxmG/8dvy7/c7rK5k/83f/E0xu64T+nSohQ5s0H/Tb0mfrr9V3+vUeFdeeaXTqYuaZNJvR7/Hpk/12atPfepT7tBDDx3k8nV/9/2dlF+s81ec1ONcv9W9997bHX300QXPXh/Fy09+8pPiH/3O9dHvVK+m0W9EOzGGfe1ELJExbC4tmQzzG6jyFENt09ep2NXf0KBcXvejnoVesmRJ8aog9anXPeg+MmgsPdemA2AG+boeA23uG71Wxnq91miPPfZwRxxxRHGYWdOnujVVz+TpOnXNOvBMj4fo3r/jjju2/g0pf950003u17/+dXEPVn7ffvvti3uo+vnqV7/a87UTTbtpqqt9vYwoX2GhuqF8vdWg+25XHw4TK3Uf6b6g37YOvNHhOE2ntNf9o9pKdYryXDU/6PvVPtpw63UmQBO7um902ODNN99cvNZDfta1qFbU76OslXTvUs7+t3/7t/V+h23v08PGdGl/0/hbbLFF8doz2SmGbV47MYzf2tyTq/VQWZeVMbH//vsX+b7+WpbWP0QamiSQRBDqR64tF7o5qEj/4he/OBCuijYlCW0xVVDrplgKqEGCUAVAWej0OslUfelmqB9yvSBXIffd737X/fSnP+15Eqp+WNrK+oEPfGCDa9EpodoeWybYpotVkjvppJM22DbbdBNrc2P3EYQSJzqYRnybPmIjLnquov4uQ70uRDfJ559/vqcPdViQVoHLd5qFEIRiKzsk1nt9ttlmm6LYr79+o2qP/KfiRhMH1ePEyz5VgMjPOvzI56MY0s23V7/qS3GnrdA6pKDpnZG6McpP8levOO51jepfcXj55Zc7HdLT9NH4uolr/OqzvG1uPuqvjSDUpIne0SVBWl5DdbKj62912OuUwFL8yE8q1MWgKQ+ojdrqgKtzzjmnKEbbfIb5nZT9VvnrABDFq0RbUwz0OnhLfek3snDhwqIYb/roJGft2JCtwzwHGEMQdsmlw8ZGldWg35Da6hEITSqVExxNftTvXJMimhApP3UxNihmVOB/4QtfKHJRv0mkpvF7xWzdBsWYBILetVd/PUXZR7/7Q1Vw6Jo1GaV7uD6+MaYdRd/85jeLw+aaPprU0n1I97Gm9xCmEITD+rD6mx8UK/KR8qnOWejlIwk9PZaj+0P1U/WPJjt1UE6ve3n10Z5QglD3B50noVqrjJOqvYpzTd5L5Opeplqy6dPvPt01pjWe7sU6+Vz3gqaP8rCY6zeuT9OrXLr4bdA9eZB9skn3XZ1c7zMh0+ZeR5vxJZBEELbdmtEWa79CVAWexKBW5vTRLJMSiv5dzthrtUWrNUoi+oHUXyqrGSjNSuoHLDEhcaRZKN14lEA1SyXxoCSgB/TLU1I1noowvTpCSVY3cAlgJTO1VTLTLFhZoGvWpi4GBj0jOOjvg1YItcp06aWXFtdSHp8tG3WzVrLT9ekalIg1I63VifJTvbby6HKtmEisa8VRSV2HBimxKznq1ReaQat+BtmntoOSn169oZe0ahZMdurGpRNX5WMVXBJhjzzySOE/rRZqVlrFb/mpCkJdh9rpxnTwwQcX/tbqtOLnscceK/7W61r6xWs1hjS2YlCrgfpoFfJHP/rRuleHfPrTny5m76qf+iFMujb5QrGm+BFr/Q4Uh7rp6xqrR8erjeKwesy84lDXqfHFSMWLPvU4HMS/tLONIJR/yuJVq5q6DsWaClH9u+tvddjrrO5AED/Far2gFzvtUlC8aIu7Tjzu9W7Uqu+6/k6q/DVRoFhQXMp/YqhVKvm/9N+ee+5ZFH9V21TASQyWBZRiQ/EtQSv7NMmg57rLSRDfYl3XG1oQds2lw8ZG6UvxVZ7RvUJ5QisB8oFyikS2cnkptpuei2/yo1Z2JWSUM+W3D3/4w8VwTbYqt8ovEkbKJ8rZ+v96DU/1lQht7pttfaWVZAmN8v6mVSIJUN0rq3aUhbpWC6vitBQc5e9e+VOxp8lBTTopT/daXaxehyb69MiIrrnM8Zq40fUr/iU0q+8ObCsIq2O0rUvaPkPYxYc+saL6Q0JZ91nVFbovaGJTdlbrE8WZYqV6VkPdP+KhuNb3NTkkO5RbSu5N96ZRbBmtv8O0zE/Kb7oO5aby/ia7dA0at5oHlR+0cl/ep/W71KRdfcdE15iu15RirjygmBMn1Rr//u//vp44bxKEXfzW755ctW9QPdRUK7TJH7SxSSC5IPzMZz6zQfHri7pfIaqbuN7TJ4GirZ1//dd/vcHqi2ZxtGKpxKNEqBfQlis0+oGrkNaNvtdR1EpCWrlpWl0ot5j1Op5aMzkaW8KsadVhkOAb9Pd+gqv6bqZeKwsqfvTSe82MSzxoq255nLxmjlUs9Lo23fx1w1Gh1HQYUF3s9dpi0i/5aYzrr7/e3X333cUYWsVUUVLdfqs2ElyyQ/+7Hgf1FcumE2/lW80IltsKVXDXJw56xW1VbPSKIYkNxZmKCM3YSdBVb9wS1rrpy37NGGtloLqKqP8uBvKHbNUWKh0lr0/1md1eM6damdP1lc/1amJDkx5tBLmPIFRbCWLdIMWi+un6W+16neVR8r22jSrPaFZarH3yVtffSTX+FeNaJdTkTNX/1TwicSFBW10Jr8ZPk1jRNd13333Fyc8qLHMUhF1yadfY0MqLBLWKPf2G9PuTeKuKn/qkTf11Dk1+1MRQfVJB/SjOJNJ7/V6rE3k+kxPl762NINQEm3KS8pdyvsREfYWpKnqazgOoPkele4x2wShvtlnRLG2t+q6X8JR/NJlUvkMwtSDs6sO2saKJZtU3uk83TXbW7331be51/2i3Vv2+Vq2PtEVYu32qMTtqQagaTHFS3aVSvw7FhiauNYFetaX6G1SsqN6TwC0/o4jp6nkWTcw1lkSpdoWVu67qgrCr3/rVRNXXpzTVvNW6TLb6PvrgW5/TfnwIJBGEo37Ytp8g1A9Sz1wpUfR651V1xq/+fGL9+TKJxfqnKhrrN6L6Hv1y22S1j+pzSfXEMUjwDfp7P0FY3SZXFRD166u201aocrukCngl2H4v462Or2fclMCrn64rhNVVm6YioFpUlEWWCpeq4Kn6uNfqkPrRLKWKQsVS0/M+vX72KlZUSOpApPoLjqvfKX1ZL+j1fa3iKo7rorz6/Wo7xZme2VFhr/d46iXUitP6hEf1+9V21WPXR7lC2O8Zva6/1a7XWb3R17eNVp8z1MqhJkY0e93m0/V3UuXfr/ivCk/tdFAxoI/iQpM6egaq31ZXXaN+I8qnXQRhGybDnM7YJZeOMjZUiOoVSU3bujXxqFVETSDWf6tt/ViNw35j6Vk87W7p4qt+3y3713WqQO+1TV55SfGl/FbPL9V7/bCFZ3WiqF/8a4XoggsuKFaOUgvCrj5sGyttfFSd+O1Vn/QTBtX8ocm86vPe+t4oBWG/16BU/dsvj1UfSapvgW7DS9fUL6Y18aAV6UHPm+v5QcW/PvW6ro0d/fzW757c5n5dFY0+z3q2ye20GV8C5gVhG9f02wJSXd1RMtQsqURj209ZpKm9Vq40I9x0eEyv/gYJvkF/7ye4ysQ2qKBQwtdsl7ZmattSfTtjPxaDBN+gv6vvfgmuKqZVpOlwjF6fqrCtCrq2N7Q2ibZtXDS16zVrXy2IVJSdfPLJPWfYdWDNXXfdVWx31CqmtuhWhUJ9xrRqh34Heq+limcdUHLccccVf2573W22jA6KtUH8+v1Wu15nte/6xIBm4DUTr5ndfqJ6kP29/t7vd9DmN6J+e/GvFlJNM/xVm9qsHA3KVW0YDCMIu+TSrrFRrh5rNUL3gHK7d9O1apue2muFoirM2/qxLCRVcPbbiVAtfAflvrqdg/xc3xnT7+C36kRUXTCMYvJXuzL+9V//tbiEfivzg/L4oHvlKLeMdvVhm1hRvtLkg9rWJ7Lr/i7jtz6Z1dY//dgN4t4mHwyKR/VRzc/9Jn+r7KpnVIwipn2Y92Lr00cvv/W7J1frBU0MK19JQPOBwCACSQRhNfH63siaLmjQoTL6TnlKqPaPa/auPOGx3l9ToVJ9/ktiTslIiUbFlWaB+wm86nMvGksHrKio16yMnp0YdMrToJvYoL/3urFUZ/2GKc6q3NSXDrnQc3ZaMdTMVtOnaSaqzY2vX/IrE2abFyz3mhVre0NrK4z6/eiee+65QrBpxbA8bbbevi6aqiuT/d6P1WvctsK/jVjpN/6oBOGwv9Wu16nrL4v5+uxv6QM9S1V/D+qgJFv+fdjfSZvfSD9BWP1+2xduDyPcq0WdJi36HbhTPRisal+/fNwll3aJDe0IKA8TavMi8l4rFG386DOWj199BWE1V2rLnSaS+m3zrOZh7Uwod8K0FRz9fkPVlWHt7NCzcE2fQXl80L1yVIJwFD5sEys+PurFsK1/xlUQVmsOH16Kr6aYrsbYoN9FL7Y+dvTyW79apP6Mo7ad61Ri1ayqXVWD+mzZbnt/o934E0guCIcpcOvYBwlCzQzp+SgdVT3o0ySOyudr9HxW/SROzRhra1a/o7clPlWQqKisngyoH6X2oOtZk16vRBh0Exv09143lrazbYN46VkW2dDvBNWyjxCCsLz+Ntv4qsm8ulIyqJAo7e8iCCUGdIPRc369Tggtx6kX44Pie5CPBsXIoO+3ve5RCMIuv9Wu1ykO1a2F1W2jpaDot2W3H8cuv5M2xWE/QegzodBmpr7XdQ773baCUOMOm0u7xEY1V7Z5TVL1eqrb5Nv4sc3pjW0n2/rF4yBfVW3VrhBt92wj2uqrmm0FR7++24r5QXl8UAyMShCOwodtYqXf76Yfz+r2xbb+sSAIRxHT1dW3QVste7Edhd8G3ZMlCrWdXIsZ9ZNntVqoRYlBr0obVBfwd3sEkgjC6gxq03Nlvpj7FaLVwwA0Ky3hpR+ChFi5stf21DAdvKFth9qmWL4DrrRVfemkKR3k0XTyoESATkHT3nMdFlC+66/8vrbaaFa9Pvs56CY26O8hBWH1AW0lGR10oQNZ9Axck4gKKQjbzNxXCwYdrKGtFHqecFAh0VUQ1g++0WmCn/jEJ4pDP6rPIfUq0iaKIOz6Wx30W2iTV6qz++W2Uc2wlgdLDdqy2zRG199Jm+JwnAWhmOvZu6aJkvorhnSdw+TSLrFRvT9Un83tFU+9tqy18eMoxESbOPcRhINWlTVe9bTK6jbZtoIDQeiKXUPlGQVtYmUUwqKtf6wJwmFjelwEYfl7Ul7ViaeqWWV79VUeqlO1IKOTfn0eY2qTX2gzngSSCMLqi+n77QWvIh32xfTV2XE9v6dEUF8ubysI6y7WbHX5YtRy5bDtiqeKIB2lrdMvq69EqB+TPKiQGfT3kFtGqzO3vY4+H3RjG/R3MW+7ZbS6Vanp55hqy2j9GUAd0NB0IEWvIs1nhafputvOsLcpcENuGe36W+16neX1lydy6iap2XSddqeTgLVdtN9L63vx6/o7afMb6ScIfbYWDhIK/W5zXb7b5fbZJpd2iY3qJEGb7fVdtoxWt/LruTBt1ayeNtyLU3kUf1uOg3zle+gEW0anr0M/Ch+2+c1X7yvazaD6ps1Hk7flpPVEEoSjiOlRbBkdhd8GrRA2xYEm0nQqsBYl9NiK4nTQgVFt4ok2dggkEYTVY6TrJz72Qls9tUsvcVdhVhbV/VZQ2jx/0E8Q6nk4nZ4mEamVr6ZCvvrKgOqWourMd68bdv0I4PozlYME36C/97uxtC2SVAhrpkn/VnGsLY1tZ80H3dgG/X2QIBz2UJmqsAm9QliNz+oprfVY71Wk+RwqI79oJbu6stL2QA3FoiY2NItYjde2gqLrltGuv9Wu11n6o3pyrQotFVDaftPvBNpeeWsUv5M2v5F+grB6qEw9d7aNwTa3vEEio00fvdp0zaVdY2PYQ2Wqhzi19WOZl9tsgx+W6SBfDXsAh05RPv/889e9A7Wt4Oh3HdVDZfqdOTAojw+6V45qy6iupasP28RKdZJ80O+6F9+2/rGwQjiKmK4eCDNo+3gvtqPwWy9BWL2HN+2uKOOg+iqRYWNn2NzD9/IlkEQQCkf1xMemFylXkdW33NUPdegqCCV2dCy/tnbVZ4DL08L6nS5XPa69+v22hZi2n+qlu0o29RWYQTexQX/vd2Op+qDfyk9VjJenvLUtdLX6qVc1aDYqxJbRtkeSV98L1e+1E21PL2u7Elwv1HsJQtknTlolqz9DWD3Fr9fLdjVOdaKleupc9bm4fsfYV4VQdSt324fgywNZZEuv16f0O6ykjSDs91vtep1lztHvWQXdPffcU5zWqt++2NRfRdEmrY/id9KmOOwnCGO/dmKYA2kGseyaS7vGRnX1ul8ctH3tRL/nj6rvuxz0qgb95jVZ6bvla5AgrIqaQcfrt33tRNPLuQf5XX9vm+Nzeu1EVx+2+c1XX4XT7zUMJWPlgfrjLBNJEI4qpru+dmIUfusnCMtXB/WbUKoK27a79Nr8Vmkz3gSSCcJqga4b2oEHHlg8uF5PWPUXJje92LufIKweVd70Qm/9MPRSefWhT10QVgsBPT+kGcq6jdUVwuqPq1qIqUjSEeL148rrL2+vvxZgkOAb9Pd+N5Y2L6ZXGwkVvWhVCUYvvNZKSfXaer08We/i0ul82qagT1MRpBfe6/ksjdPr1K5+2yPavphe2yR0KJBWv/q9mD6EIKzGUNNLwcXy5ptvdnplhK6nqaAe9GJ68dVMul5er2usvhS7zUu5qy/0rb9gujqzWo2Bauqrvih7WEHY9bfa9Tqr11OdLNF/H/QKgF63gVH8TtoUh/0EYRkbOlhLjMbxxfRdc2nX2Gj7Yvqbbrpp3e+434vp+wnCel5uelm4fKr7joo/vQ9T73cddGJ1NUbbCMI2L/HWYxPK8fr9D3ox/bCCUL7TPVovnR+XF9N39WHb33x1slbnD4ixcnR9Qv3BBx90N9xwQ/HIjCb7ygmEUQhCxcBXv/rV4j7f5hnbplzZJh7bHoTXj90oYrra/7Avpu/qt341UZvX81RXCId5Ln68ZQ/W9yKQTBDKICUQPZujw1ZKMXbwwQcX79RRwtLfNUuv2V0VypoFO+OMMzY4eKWfIHzppZeK1T/dPHUzUdL88Ic/XNw89QyfbjLVk0PrgrBaKMtGHQSiQ2ne+973FlsoVThqZUSzk+r/05/+9Hrv6asWyhKSWqHR4TPafiqbfvrTnxZiVH3puiW49O648jNI8A36+6AbS90+2SYbxVrPwkioyA+6Nh0ac/jhh6+zTQKkLDJ1bTpQRi8O1rXo4BwJIf3v8tNUBFW3T8gnH//4x4uXt4uPVo71GbRfvnocvexUwasHpTV5IMZKkLJHMdSUwAdtNSrtH2RHrx9Z/aAI+Vk3ZR3/rPfa6XUd1VNamwRhPQ51bfLFTjvtVMSvYlD+EG8Jdr03TLFcfuRDCW/x0G9LNwH5Wm0k3OVn/Vuf/fffvygwq9ujq4WDvqPfqX4LGlu/AfGtPrA+zAph199qmVO6XGfJqxqX+m+Dtgf1u8V0/Z0M+g2XY7c9XKuaa/V70BZjTTho0qf8vQ6zytemqOtyK+6aS7v+BnS/0E4Oxbx+Q5rA0m9IDPXb0YSOCj19mkR3Wz/q+9VrLcfShOZ2221XbN/XfUP3LglVja9nuPW7b/tp66vqK5d0TzjooIOK3KFJQP3utZVagqCXUGsrOAbZXS3kyxxf3qe0g0E8yolH9ZX6xfRdfdg2VnRP0zkEyt9ljaSYVGzqHqq4vOOOO4rftv4uZsrto3yGsD7ppfF33HHH4mokxN8AACAASURBVPESnebddMhe3d9t4nEUglDjdo3p6iS0+tPvQtese4RYtLkfdvVbv1qkOolfr4eU63U/0uvXlMf0O9YhUHvttdegnyB/nwAEkgpC8dXNRC+dVcLq99HNTkWmitD6Z9ApjBImeuF2/ZURZT9atdMPR1tf9AC/imkltPKjH5iEj37ovT66aetmeeyxx27wnKFm57Ryo4TW66NTRrU6WB1XbQcJvkF/b3NjUTGvGdhefJQ0tEVSx49XtyZJpFRnxOvXprZ6Ubz4S3RVT/astq0m6PK/9zpxrddWTQkqzVSraOv16RVDoQWh7NG2p8suu2y9oqVqp0Sibij33XffBi+0rsah/FSK26brVB+KIxWJ9Y9WY7WiUC2cqm36rdRXbzJN4+qmr3cdKdb1GUYQ6ntdf6vqo8t1Vq+tfG5M/00TFTpBeJhP199Jm9+w7BqUB6urOU3XoRyk+FE/OQpC2dwll44iNgbFlsZQntPW8PpKTVs/lr5Zvnx5kZf7vdKn131jUJy2KcDVhwpXTaj94Ac/2OD4+nIM5XlNkmr1qf6M/agEYZvcoAlExbhybQ6CUDYP60OfWFF+ufXWWwuhU52Uq+d27YzRDqfqIUVt/TOozlDOuPLKK9cb32crYpt4HJUg7BrT4iphpd+mTvBs+kgk6tk8TfY23Q/137r4bdDktHKGdnaVk7y97tk67fyQQw7hvYSDEuYE+XtyQSjOmpXWErYSmgr68sXmSlwqUDT7oh9X04EubQohtdHqg8SL3kWo/nUT02yrtvVoZUuzu9///vcLtzc9uN7LRs3CaRZMN0SJ1V4v/CxndcvVIPUnoaXCXastWrXUjFr9MygRD/p72xuL7BMDvWC+fCWGVir33nvvda/paPpNKLlqJVEFg1ZydUMqxYFOPdP1aRW43HJ63nnnFVucqh8lRo2tVS6JUn1fq1THHXdc0WxQ8iv7Uj9K0JoRLY9YFmP5RWJdIrNptjKGIJSNuqHpmVQxfuWVV4pYER/Ft7ZM63nLRYsWFUVYr3d/KW40caGZ+fLVJ+U1alVUsdzrd1LeyLR9VivvmllXf/qdaVJE79LUy8R7xbBmPzWzqH/KGCnjX9/VSr9EedMNsM0Nv/Rj199q1+ss7VAxd+mllxa5Qi/E1q6AYT9dfidtf8ODBKFsr/tQ/00rvvptaMVZfajQyVUQyt5hc2npOxVzw/4GesWW8op2nyjP6F7V9ExfWz9WY6zJ1vK+oUKu1/trB8Wpz+9RfWlngUSH7p/KXfro/qBJIN1Dt91228Yh2wqOQfb2yg1l7lO+/MAHPlBMeGniNhdB2CteBvlwmFhp8pFyu3aRSKwrPuu5va1/BtUZ5aM9qqF0Py1fhq5XaWkr8aBPm3gclSAsbRk2psvv695ZnjJf3kvLmkn3w3IHnHJuv+3Sw/itTU2keki/BdVWWmGXHfK/Jqo0OaDfrXZj8YFASSALQYg7IAABCORGYMmSJYXw1qq9dg20Of4/t2vAHghAAAIQgAAEIDCIAIJwECH+DgEITDgC2np24YUXFs94+pwoO+FAccEQgAAEIAABCIw9AQTh2LuQC4AABEZJoPrAv1YFzznnnGIrLR8IQAACEIAABCBgkQCC0KJXuSYIQMCLgJ6v0DOceoZVB/uUJ27q2U49y9rruUqvQWgMAQhAAAIQgAAEMiSAIMzQKZgEAQjEJVA9WKgcWQdT6EhuvR6EDwQgAAEIQAACELBKAEFo1bNcFwQg0JqATk7Uabg6KVfbRHV6o54d9HnZd+vBaAgBCEAAAhCAAAQyIoAgzMgZmAIBCEAAAhCAAAQgAAEIQCAmAQRhTNqMBQEIQAACEIAABCAAAQhAICMCCMKMnIEpEIAABCAAAQhAAAIQgAAEYhJAEMakzVgQgAAEIAABCEAAAhCAAAQyIoAgzMgZmAIBCEAAAhCAAAQgAAEIQCAmAQRhTNqMBQEIQAACEIAABCAAAQhAICMCCMKMnIEpEIAABCAAAQhAAAIQgAAEYhJAEMakzVgQgAAEIAABCEAAAhCAAAQyIoAgzMgZmAIBCEAAAhCAAAQgAAEIQCAmAQRhTNqMBQEIQAACEIAABCAAAQhAICMCCMKMnIEpEIAABCAAAQhAAAIQgAAEYhJAEMakzVgQgAAEIAABCEAAAhCAAAQyIoAgzMgZmAIBCEAAAhCAAAQgAAEIQCAmAQRhTNqMBQEIQAACEIAABCAAAQhAICMCCMKMnIEpEIAABCAAAQhAAAIQgAAEYhJAEMakzVgQgAAEIAABCEAAAhCAAAQyIoAgzMgZmAIBCEAAAhCAAAQgAAEIQCAmAQRhTNqMBQEIQAACEIAABCAAAQhAICMCCMKMnIEpEICADQIL73jDPbdy7dAX89H3TnZHvH/job/PF9MSePGyb7g1zz9XGDGpjyn1CCnbTvurWe4dH5+b9iIYHQIQgAAEJgwBBOGEcTUXCgEIxCBwyY/fcFfctabzUP/7tKnu/TtO7twPHcQl8IeLvuJe+ublnQfd6SuXuk3ft3fnfugAAhCAAAQgMIgAgnAQIf4OAQhAwIPAf79+tbvt1296fKO56T8et6n7+N7DrxK+9dZb7oorrnCPPfaYO+ecc9z222/f2SY6GEzgmf/6f7o/3fXjwQ0HtNjuv/5Pt/nBc7z6efLJJ92CBQvcqlWrGr/3oQ99yJ1yyilefdIYAhCAAATsE0AQ2vcxVwgBCEQkkIsgfPbZZ92FF17o/vSnP7mjjjrKzZ3LFsQYYZCDINxjjz3cBz7wgQ0u913vepfbZZddYmBgDAhAAAIQGCMCCMIxchamQgAC+RPIRRDefvvt7rbbbnPbbLONW7NmjTv77LPdZpttlj/AMbcwB0F46KGHMgEw5nGE+RCAAARiEkAQxqTNWBCAgHkCOQjC119/3V100UVuyy23dB/5yEfclVde6U499VS31157bcD/mWeecdddd5176qmnir/tsMMO7nOf+5zbaaed1rWVoJTAvOOOO9xrr73mpk2b5j72sY8VomPKlCnFFsVLLrmkaH/mmWe6qVOnFv975cqV7oILLnDvec97iq2K5f/fcccdnVarfvrTn7r3v//9xd/Uxw9/+EP3i1/8Yt0YEjZz5sxxkyf/5VnKfrZom6zskI3nnXeee8c73lHYoe9cdtll7uWXX3bnnnuue+c73xksDsdZEDbFwjHHHON222231rFQNnzuuefcd77zHff44487+UUTE5/5zGecVi8nTfrz8Tm33HJLEVdHH320+8lPfuJeeeUVd9ZZZ7mdd97ZvfTSS8X3H374Yff2228X8fiFL3zBbbvttsF8R8cQgAAEJioBBOFE9TzXDQEIBCGQgyBUEX7ppZe6E044oSjmJQ4l9D7/+c+vK8Z18U888UTRTgJp9uzZBQ+Jvj/+8Y/ujDPOKIScivlrr73W3X///W7WrFlOYu63v/1tIeb0TJqKdAkuH0Go/jfffHO36667Fv/st99+buHChU7bXCUAJWQfeuihYkxtdz388MML29rYctddd7nvf//7bt68eesE8AsvvOC+/vWvu7333rtgEPIzroJQYlBxIhFdjQWxO+200wqWbfhLvGty4eKLLy4mBtTXJpts4pYuXVr89xNPPLHwdykIb7755kLwK65mzpxZ+F+CUbbovx988MFu4403LuLy1VdfLVa6t9tuu5AupG8IQAACE44AgnDCuZwLhgAEQhLIQRB+61vfKg6TKVfDlixZ4u67775i1WzGjBnrxJUOnZEQ0KEzWrHTR2JNzx5KQJ588snuN7/5TVHcf/zjH19vG6JWdrTCoxWdd7/73V6CUIW+CvutttqqGPORRx5xsvmzn/2s22effYr/JpEpsarVTrXVqqSE7iBbJB6+8Y1vuP3339996lOfKvq69957i/5LYRPS/+MqCG+99Vanf7785S8XEwH6/P73vy+E9J577um++MUvtuKvuFFcPf3004XfyniTHyX6tQpYxqXiR4LwyCOPdEcccUQhBCU6r7nmmiLuqt9//vnni7iMIepDxgd9QwACEMiRAIIwR69gEwQgMLYEUgvCUtBp5a1cDdPpkxJS2rL30Y9+tGDbb9VMxbgEmfrQapsElYp4reCUH23LXLFiRbG9TytBPiuE5RbSQU6WsNAq5vz589306dPdjTfeONAWrTxqe6jsK5+b1JbZ3/3ud8G3i+p6chCETaeM6jCZ6nbeOvtSNB977LHFSvBGG220gXva8H/zzTd7rsb+/Oc/L7Ynl6u35ZbRcpuoBtS23q997WuFCK2u5pbbfvXvftcxKKb4OwQgAAEIbEgAQUhUQAACEBghgdSCUIX9t7/97WLL53vf+97iysrVNq3AnH766cVzf+UrCgYdQFIXZU2ofJ8hbBKEembspptucr/+9a+LVcHyo+2jpSBsY4u+d+eddxZCVsJBz5xplUuCqL5ldoRuX9dVDoKw6ZRRbQWVwP/Vr37lFi9evAFfiXqtomqbrlZZ1YcmD7RiWz7D2YZ/v7gq/6ZtwIcccsi6ZwirgnDQqzMGCdsQPqVPCEAAAtYJIAite5jrgwAEohJIKQjLdw8++OCDjdesbZflOwlzEoRardQ2T4mST3ziE8V2VX2uv/76YuuhryAsVz91oI5EkASQDq4pt6OGDIgcBGE/ka8VOG29LT96vk+rcZokWLt2rXvxxRcLUfjAAw8U24klyHUgUbkVtLpi28SxX1zpu1qpbiMIe706oxS21YOGQvqTviEAAQhMBAIIwongZa4RAhCIRiClIJR4krBSga9nraofrbrpFM8DDjjA6eRICQOdAKqDYcpn7cr2aquTHSUg9YzXPffcUzx/uPXWW6/rUuJT7zjUqyzK0z31xzanjNZXCMvn16orReqrviIl+wfZImEjeyQCtX1W21wlREKfLlqCyV0QNv0QJAS1xVYf+bw8BfTRRx8tnvuTkNYzhG346yTZXgf4tNkyWop5HWITY0U3WmJgIAhAAAIZE0AQZuwcTIMABMaPQEpBWD3oRc/2VT9VkaRn67QtUKLpD3/4w3piSSJvwYIFxSEzWlXT4TQ63EUrd1p5Kj8SZnqmTFtTtY3v8ssvL04fPf/884tVJX1KgarVnuprJ+qCsHyWrHqgiUSpnkuUwChXCJcvXz7QlnKbrLbO6nRUfbT1MZa4GEdB2Ou1HBKJOu1TEwHyXxv+ijufQ2UUs9WJANmiuFQsaXJBp4+WHz3busUWW6w7qGb8sgMWQwACEMiTAIIwT79gFQQgMKYEUgnC8t2DEnq9Dt0oV2i0BVCrPk2vndD74PQ8X7/XTuiAFr124oMf/GDx2glt35MA++Y3v+l233334t2HWulRGz1fuO+++/YVhOXpoVqd0msGVq9eXbymQKuY1WcIm1570GSLQkdCVytVelVBeb0xQmocBaG4aIuoDt/RM5cHHXRQcajMsmXLChGo15dIVLfl7/PaiboglC1lXCqW9doKvRZFExN6R6VeS6H3XzYdehPDv4wBAQhAwCIBBKFFr3JNEIBAMgKpBKFO/NTpmvXXQ1RBNG3Hq7+MXC8AP/7449d711vTy+BVqGvFUFs09ZFY+PGPf+xuu+22QgTqVNDDDjuseN2FRF2/FUJ9X8LjhhtucHq9gISh+lY/d99993qvQmhji/rTNkitWurdhrG2i2rccRWEsl1bRPWKEols8dMrI/S8n7YVl9tI2/L3eTF9fauwbKl/X7ZICOodhojBZOmNgSEAAaMEEIRGHctlQQACaQikEoRprjbfUcsV0+233z7adtHUgjBfb2AZBCAAAQjkTABBmLN3sA0CEBg7AgjCPFymFVM9i3bSSSdFOV20vOqUK4R5kMcKCEAAAhAYNwIIwnHzGPZCAAJZE7jxvjfd//f91Z1tvGL+NDdz+qTO/Uy0DrRF9OGHH3Z33HGH22abbYqXoOt1FrE+K799rXv+K//Sebhdrvyu23jrbTr3QwcQgAAEIACBQQQQhIMI8XcIQAACngSWPv6W+8Mraz2/9Zfm++60kdv+XRsN/f2J/EU9x6iX0utZSL0qQc+exf689vO73Zsv/WHoYTf74IfdlJnbD/19vggBCEAAAhDwIYAg9KFFWwhAAAIQgAAEIAABCEAAAoYIIAgNOZNLgQAEIAABCEAAAhCAAAQg4EMAQehDi7YQgAAEIAABCEAAAhCAAAQMEUAQGnImlwIBCEAAAhCAAAQgAAEIQMCHAILQhxZtIQABCEAAAhCAAAQgAAEIGCKAIDTkTC4FAhCAAAQgAAEIQAACEICADwEEoQ8t2kIAAhCAAAQgAAEIQAACEDBEAEFoyJlcCgQgAAEIQAACEIAABCAAAR8CCEIfWrSFAAQgAAEIQAACEIAABCBgiACC0JAzuRQIQAACEIAABCAAAQhAAAI+BBCEPrRoCwEIQAACEIAABCAAAQhAwBABBKEhZ3IpEIAABCAAAQhAAAIQgAAEfAggCH1o0RYCEIAABCAAAQhAAAIQgIAhAghCQ87kUiAAAQhAAAIQgAAEIAABCPgQQBD60KItBCAAAQhAAAIQgAAEIAABQwQQhIacyaVAAAIQgAAEIAABCEAAAhDwIYAg9KFFWwhAAAIQgAAEIAABCEAAAoYIIAgNOZNLgQAEIAABCEAAAhCAAAQg4EMAQehDi7YQgAAEIAABCEAAAhCAAAQMEUAQGnImlwIBCEAAAhCAAAQgAAEIQMCHAILQhxZtIQABCEAAAhCAAAQgAAEIGCKAIDTkTC4FAhCAAAQgAAEIQAACEICADwEEoQ8t2kIAAhCAAAQgAAEIQAACEDBEAEFoyJlcCgQgAAEIQAACEIAABCAAAR8CCEIfWrSFAAQgAAEIQAACEIAABCBgiACC0JAzuRQIQAACEIAABCAAAQhAAAI+BBCEPrRom4bA22+7tW++6dzat9OM7zvqpI3cpI03dm6jjXy/SXsIQAACEIAABCAAAQhEJYAgjIqbwXwJ/Olnd7ln/vE/O7d2re9X07afNMlt99//xW3+sYPT2sHoEIAABCAAAQhAAAIQ6EMAQUh4ZE3gt//Hl92qX/8yaxt7GTd17/e7Hf/3xWNpO0ZDAAIQgAAEIAABCEwMAgjCieHnsb3KFUceOLa2y/Ddb757rO3HeAhAAAIQgAAEIAAB2wQQhLb9O/ZXhyAcexdyARCAAAQgAAEIQAACGRNAEGbsHExzDkFIFEAAAhCAAAQgAAEIQCAcAQRhOLb0PAICCMIRQKQLCEAAAhCAAAQgAAEI9CCAICQ0siaAIMzaPRgHAQhAAAIQgAAEIDDmBBCEY+5A6+YjCK17OO316bUmL11xyVidZKvTa991ypm80iRt6DA6BCAAAQhAwAwBBKEZV9q8EAShTb/mcFVrnn3aPXHa58fvHZeCN2mSe8+ib7kpM7fPASU2QAACEIAABCAwxgQQhGPsvIlgOoJwIng5zTWuvOGb7vkL/leawUcw6jbz/5Ob/rkTR9ATXUAAAhCAAAQgMJEJIAgnsvfH4NoRhGPgpDE18cVFC9yLixeMqfXObXXqWW6r084aW/sxHAIQgAAEIACBPAhkJQhXrVrllixZ4u699163Zs0aN23aNHfooYe6OXPmuMmTJ/cl9txzz7lrr73WPfXUU0W7HXbYwR1zzDFut912y4M0VgxFAEE4FDa+1IIAgrAFJJpAAAIQgAAEIGCeQDaCUAJw4cKF7sknn3SzZs1yM2fOdA8//LBbtmyZmz17diHuJk2a1OiQZ555xl100UVuk002Kdrq33fccYf74x//6M444wz3nve8x7wjrV4ggtCqZ9NfF4IwvQ+wAAIQgAAEIACB9ASyEYSPPvqou+SSS9zRRx9drArq89Zbb7lrrrnG6W/nnXeemzFjRiOxG2+80S1dutSdc845bvvt/3zIwvPPP+8uvPBCt+uuu7qTTz65p5hM7wIs6EcAQUh8hCKAIAxFln4hAAEIQAACEBgnAtkIwltvvdXdfvvt7txzzy1WB8uPVgivvvpqN2/ePLfXXns1sr3iiivcCy+84M4+++xim6k+2n4qganPmWee6aZOnTpOfhmZrT955C23/Lm3RtZf6I722HayO2jPv2wPRhCGJj5x+0cQTlzfc+UQgAAEIAABCPyFQDaC8KqrrnKPPfaYmz9/vps+ffo6C5944gl38cUXuxNOOMHtu+++jb771re+5R566KHiu1tuuWXR5rXXXiu2kaqvU089deAziBaD4r9dt9rd/tCbY3dph+61sfsvx29a2I0gHDv3jY3BCMKxcRWGQgACEIAABCAQkEA2glCrfBJ/dUGoZwoXLFhQbCOdO3duIwodJCPR+L73vc8df/zxbqONNnI333yzu+uuuwox2GtlMSDX5F1rZfAfr12V3I5hDfjvX5harBQiCIclyPcGEUAQDiLE3yFgh8BXfviG+8G/v+lef2PtWFzUZptMcp/44Mbub4/aZCzsxUgIQGC8CZgQhHLBgw8+6LTK+MYbbxQe2XjjjQtx+NGPfnRCPj+46I41buEdf2Yxjp/TZk9x82ZvgiAcR+eNic0IwjFxFGZCoCMBicHrl67p2Euarx+3/xREYRr0jAqBCUXAhCDUKuJll11WbA896KCDihVCPXv429/+1n3pS19ye+yxx4Ryqi5WYlCicFw/CMJx9dz42I0gHB9fYSkEuhD41L+8NjYrg/Xr1Erhjf/5z2cj8IEABCAQikA2gnDYZwj1uopLL73Uvf766+6ss85ym2++ecFKJ5TqNRavvvpqcdjMZptt1pfhK6+84h555JFQnKP3e/OjW7ubV2wdfdxRDXjk7i+4I3d7wU3/+/mj6jJJPyv/6YIk4zLoYAKb3rLETb3le4MbZtpi1dxj3eq5x2RqHWZBIB8Cf3dT84F0+VjY35J/PvqhcTEVOyEAgRER2HPPPd0WW2wxot4Gd5ONINQpo7fddlsh3nbcccd1lg86ZXTlypXuggsuKN41eMopp6x3xbfccktxcqmE4s477zxQEEoUWvlct2yqu37Znw9mGcfPcfutdsfvt8q9Nu/4cTR/nc3TFl431vZbNn7NDVe7NddfPbaXOOW4k9yUz500tvZjOARiETj1sr8cVBdrzFGOs/j0laPsjr4gAIExICAxOCEF4eOPP14cDHPUUUet9x7Cyy+/3D399NPu/PPPX3eCaNWP5WmiWgHUS+inTJlS/FkrhIO+OwbxMLSJbBkdGt1Iv7j7zXePtD86Gx0BtoyOjiU9QSBnAkf8jz/lbN5A2370D3/e+cQHAhCAQCgC2awQlgJO2zZnzZrldthhh+JVEvfff39xuugRRxxRHA6zYsUKt3jx4uIF9npeUJ8777zTffe733W77LKL23///dc9Q7h8+fL1vhsKYo79Igjz8AqCMA8/NFmBIMzXN1gGgVESQBCOkiZ9QQACFglkIwgFd/Xq1W7JkiVu6dKlTs8G6iXzet3EnDlz1r1HUCJv0aJF7rDDDnOHH3544ZO1a9cWwlFbRPWCev3/GTNmFGJwv/32KwTiRPsgCPPwOIIwDz8gCPP1A5ZBIDQBBGFowvQPAQiMO4GsBOG4w8zJfgRhHt5AEObhBwRhvn7AMgiEJoAgDE2Y/iEAgXEngCAcdw/2sB9BmIdjLQvCcX/RM1tG8/iNYAUEQhNAEIYmTP8QgMC4E0AQjrsHEYRZe9CqILTwomcEYdY/HYyDwMgIIAhHhpKOIAABowQQhEYdywphHo61KggtvOgZQZjHbwQrIBCaAIIwNGH6hwAExp0AgnDcPcgKYdYetCoILRRYCMKsfzoYB4GREbCQrwTjTz+7y710xSVu1a9/OTI2oTuauvf73btOOdNt/rGDQw9F/xCAQAcCCMIO8HL+KiuEeXgHQZiHH+pW6L1eCMI8fYNVEBg1AQuCcM2zT7snTvu8jlUfNZ7w/U2a5N6z6Ftuysztw4/FCBCAwFAEEIRDYcv/SwjCPHyEIMzDDwjCPP2AVRCIQcCCIFx5wzfd8xf8rxi4goyxzfz/5KZ/7sQgfdMpBCDQnQCCsDvDLHtAEObhFgRhHn5AEObpB6yCQAwCFgQhOxpiRApjQGDiEkAQGvU9gjAPxyII8/ADgjBPP2AVBGIQQBDGoNx/jK1OPcttddpZ6Q3BAghAoJEAgtBoYCAI83AsgjAPPyAI8/QDVkEgBgEEYQzKCML0lLEAAsMTQBAOzy7rbyII83APgjAPPyAI8/QDVkEgBgEEYQzKCML0lLEAAsMTQBAOzy7rbyII83APgjAPPyAI8/QDVkEgBgEEYQzKCML0lLEAAsMTQBAOzy7rbyII83APgjAPPyAI8/QDVkEgBgEEYQzKCML0lLEAAsMTQBAOzy7rbyII83APgjAPPyAI8/QDVkEgBgEEYQzKCML0lLtZoNeavHLTje7t11/r1lGkb2+02TS3xdGfcnqlCZ/uBBCE3Rlm2QOCMA+3IAjz8AOCME8/YBUEYhBAEMagjCBMT3l4CyQG9a7Lcfzo/ZaIwu6eQxB2Z5hlDwjCPNyCIMzDDwjCPP2AVRCIQQBBGIMygjA95eEteOwzh4/NymD9KrVSuOt3/m34i+ebBQEEodFAQBDm4VgEYR5+QBDm6QesgkAMAgjCGJQRhOkpD2/BiiMPHP7LGXzTaq0VEy2CMCbtiGMhCCPC7jOU1SRFgZU+vnjRc3ofYMF4ECBfpfcT+Sq9D/pZgCDM2z8xrEMQxqCcYAwEYQLoDUMiCPPwAyuEefoBqyAQgwCCMAZlVgjTUx7eAgTh8OysfBNBaMWTtetAEObhWARhHn5AEObpB6yCQAwCCMIYlBGE6SkPbwGCcHh2Vr6JILTiSQRhlp5EEGbpFvejf9jcvbhogXtx8YI8DWxhFVuwWkCiCQSccwjC9GFAvkrvg34WIAjz9k8M6xCEMSgnGIMVwgTQG4ZEWYyl9gAAIABJREFUEObhB1YI8/QDVkEgBgEEYQzKrBCmpzy8BQjC4dlZ+SaC0IonWSHM0pMIwizdwgphnm7BKggEIYAgDILVq1NWCL1wRW+MIIyOPLsBEYTZuWQ0BrFCOBqOXXtBEHYlGOb7bBkNw5VeIZAjAQRheq8gCNP7oJ8FCMK8/RPDOgRhDMoJxkAQJoDeMCSCMA8/1K1AEObpF6yCQAgCCMIQVP36RBD68YrdGkEYm3h+4yEI8/PJSCxCEI4EY+dOEISdEQbpAEEYBCudQiBLAgjC9G5BEKb3ASuEefsgtXUIwtQeCDQ+gjAQWM9uEYSewCI1RxBGAs0wEMiAAIIwvRMQhOl9gCDM2weprUMQpvZAoPERhIHAenaLIPQEFqk5gjASaIaBQAYEEITpnYAgTO8DBGHePkhtHYIwtQcCjY8gDATWs1sEoSewSM0RhJFAMwwEMiCAIEzvBARheh8gCPP2QWrrEISpPRBofARhILCe3SIIPYFFao4gjASaYSCQAQEEYXonIAjT+wBBmLcPUluHIEztgUDjIwgDgfXsFkHoCSxScwRhJNAMA4EMCCAI0zsBQZjeBwjCvH2Q2joEYWoPBBofQRgIrGe3CEJPYJGaIwgjgWYYCGRAAEGY3gkIwvQ+QBDm7YPU1iEIU3sg0PgIwkBgPbtFEHoCi9QcQRgJNMNAIAMCCML0TkAQpvcBgjBvH6S2DkGY2gOBxkcQBgLr2S2C0BNYpOYIwkigGQYCGRBAEKZ3AoIwvQ8QhHn7ILV1CMLUHgg0PoIwEFjPbhGEnsAiNUcQRgLNMBDIgACCML0TEITpfYAgzNsHqa1DEKb2QKDxEYSBwHp2iyD0BBapOYIwEmiGgUAGBBCE6Z2AIEzvAwRh3j5IbR2CMLUHAo2PIAwE1rNbBKEnsEjNEYSRQDMMBDIggCBM7wQEYXofIAjz9kFq6xCEqT0QaHwEYSCwnt0iCD2BRWqOIIwEmmEgkAEBBGF6J1gWhHeveMtdftcb7te/ezs96JYW7L3DRu6vD97EHbj75OIbK448sOU382xmtdaKSRtBGJN2xLEQhBFh9xnKapKiwEofX5YLrPR0scASAfJVem9azVfPvrzW/fVXX3Nr0yP2tmCSc+7yv5nmZm45CUHoTc/eFxCE9nxaXBGCMA/HIgjz8EPdClYI8/QLVkEgBAEEYQiqfn1aFYTXL13jvvLDN/xgZNT6b4/axB23/xQEYUY+SWUKgjAV+cDjIggDA27ZPYKwJajIzRCEkYEzHAQSEkAQJoT/H0NbFYTUWuljSxZYrbVi0kUQxqQdcSySVETYfYaymqQosNLHl9UCKz1ZLLBGgHyV3qNW8xW1VvrYQhCOxgcIwtFwzK4XklQeLkEQ5uGHuhWsEObpF6yCQAgCCMIQVP36RBD68YrV+rTZU9y82ZuwZTQW8IzHQRBm7JwupiEIu9Ab3XcRhKNjOcqeEISjpElfEMibAIIwvX8QhOl90GQBgjBPv6SwCkGYgnqEMRGEESC3GAJB2AJSgiYIwgTQGRICiQggCBOBrwyLIEzvAwRhnj7IxSoEYS6eGLEdCMIRAx2yOwThkOACfw1BGBgw3UMgIwIIwvTOQBCm9wGCME8f5GIVgjAXT4zYDgThiIEO2R2CcEhwgb+GIAwMmO4hkBEBBGF6ZyAI0/sAQZinD3KxCkGYiydGbAeCcMRAh+wOQTgkuMBfQxAGBkz37k8/ud2tXvHI2JDYdPc93eYHHTo29voYiiD0oRWmLYIwDNeuvfIMYVeCdr6PILTjy/WuBEGYh2MRhHn4oW4FgjBPv1ix6tn/5x/cq3f829hdzjtmH+5m/t//Y+zsHmQwgnAQofB/RxCGZzzMCAjCYajZ/A6C0KZfHYIwD8ciCPPwA4IwTz9YtEorg8/8l78b20vb7r/9s7mVQgRh+nBEEKb3QZMFCMI8/ZLCKgRhCuoRxkQQRoDcYggEYQtICZqwQpgA+gQZ8sVFC9yLixeM7dVaLNwRhOnD0WJciSq1VvrYkgVWa62YdBGEMWlHHIskFRF2n6GsJikKrPTxZbXASk+2mwUIwm78QnybfBWCql+fVvMVtZZfHIRqbbXWCsWrqV8EYUzaEcciSUWEjSDMA7aHFawQesCiqRcBBKEXriiNEYRRMPcdBEGY3gdNFrBlNE+/pLAKQZiCeoQxEYQRILcYwuqsFQVWC+cHbmK1wAqMLXj3CMLgiL0HIF95Ixv5F6zmK2qtkYfKUB1arbWGgjHklxCEQ4LL/WskqTw8ZDVJUWCljy+rBVZ6st0sQBB24xfi2+SrEFT9+rSar6i1/OIgVGurtVYoXk39Ighj0o44FkkqIuw+Q1lNUhRY6ePLaoGVnmw3CxCE3fiF+Db5KgRVvz6t5itqLb84CNXaaq0ViheCMCbZxGORpBI74D+Gt5qkKLDSx5fVAis92W4WIAi78QvxbfJVCKp+fVrNV9RafnEQqrXVWisULwRhTLKJxyJJJXYAgjAPB/SwgkNlsnbPWBuHIMzPfQjC9D5BEKb3QZMFHCqTp19SWMWW0RTUI4yJIIwAucUQVmetKLBaOD9wE6sFVmBswbtHEAZH7D0A+cob2ci/YDVfUWuNPFSG6tBqrTUUjCG/hCAcElzuXyNJ5eEhq0mKAit9fFktsNKT7WYBgrAbvxDfJl+FoOrXp9V8Ra3lFwehWluttULxauoXQRiTdsSxSFIRYfcZymqSosBKH19WC6z0ZLtZgCDsxi/Et8lXIaj69Wk1X1Fr+cVBqNZWa61QvBCEMckmHoskldgB/zG81SRFgZU+vqwWWOnJdrMAQdiNX4hvk69CUPXr02q+otbyi4NQra3WWqF4IQhjkk08FkkqsQMQhHk4oIcVHCqTtXvG2jgEYX7uQxCm9wmCML0PmizgUJk8/ZLCKraMpqAeYUwEYQTILYawOmtFgdXC+YGbWC2wAmML3j2CMDhi7wHIV97IRv4Fq/mKWmvkoTJUh1ZrraFgDPklBOGQ4HL/GkkqDw9ZTVIUWOnjy2qBlZ5sNwsQhN34hfg2+SoEVb8+reYrai2/OAjV2mqtFYpXU78Iwpi0I45FkooIu89QVpMUBVb6+LJaYKUn280CBGE3fiG+Tb4KQdWvT6v5ilrLLw5CtbZaa4Xilb0gXLVqlVuyZIm799573Zo1a9y0adPcoYce6ubMmeMmT548kIu+c/fdd7uf/exn7oUXXnBz584t/pmIH5JUHl63mqQosNLHl9UCKz3ZbhYgCLvxC/Ft8lUIqn59Ws1X1Fp+cRCqtdVaKxSvrAWhxNzChQvdk08+6WbNmuVmzpzpHn74Ybds2TI3e/Zsd8wxx7hJkyb1ZPPyyy8X33/uuefc+973PrfPPvu4nXbaqehnIn5IUnl43WqSosBKH19WC6z0ZLtZgCDsxi/Et8lXIaj69Wk1X1Fr+cVBqNZWa61QvLIWhI8++qi75JJL3NFHH12sCurz1ltvuWuuucbpb+edd56bMWNGIxu1u/zyy92zzz7rzjzzTLfNNtvEZJjlWCSpPNxiNUlRYKWPL6sFVnqy3SxAEHbjF+Lb5KsQVP36tJqvqLX84iBUa6u1ViheWQvCW2+91d1+++3u3HPPXW9VTyuEV199tZs3b57ba6+9Gtk8/vjjbtGiRe7kk092e+65Z0x+2Y5FksrDNVaTFAVW+viyWmClJ9vNAgRhN34hvk2+CkHVr0+r+Ypayy8OQrW2WmuF4pW1ILzqqqvcY4895ubPn++mT5++ztYnnnjCXXzxxe6EE05w++67byObG2+80f3qV79yBxxwgLvrrrvcypUr3Tve8Y7i+cEDDzzQbbTRRjGZZjEWSSoLNzirSYoCK318WS2w0pPtZgGCsBu/EN8mX4Wg6ten1XxFreUXB6FaW621QvHKWhBeccUVTuKvLgj1TOGCBQuKbaRNB8Rou+jixYsLQTh16tTi+cN3v/vd7he/+IVbsWKF+/SnP+0OOeSQmEyzGIsklYUbEIR5uGEDK3gxfaaOMWAWgjA/JyII0/sEQZjeB00W8GL6PP2SwqpsXjsxrCDUyaR69rB8fnCXXXYpOL7++uvFf9e/9fyhVgwn0gdBmIe3rc5aUWCljy+rBVZ6st0sQBB24xfi2+SrEFT9+rSar6i1/OIgVGurtVYoXiZXCEtBqIvTgTJaJSw/ei5R/5x11llu55137sv1lVdecY888khM9kHHuvnRrd3NK7YOOkbIzo/c/QV35G4vuOl/Pz/kMMH7XvlPFwQfI8UAf3dT8/O8KWwZZsx/Pvoht+ktS9zUW743zNez+M6quce61XOPycIWjPgLAeIqv2ggX6X3idV8Ra2VPrZkgcVaS2eibLHFFtEAZ7NCOOwzhP0E4QMPPFAcSCOhuOuuuw4UhBKFVj7XLZvqrl+26dheznH7rXbH77fKvTbv+LG9Bhk+beF1Y21/L+NPvewvz/mO4wUuPn2lW3PD1W7N9VePo/mFzVOOO8lN+dxJY2u/VcOJq/w8S75K7xOr+YpaK31sWa21JAYnpCDUSt5tt93mzj77bLfjjjuui7BBp4yuXbvWXXnllcXzh+eff77bcsst1333zjvvdD/84Q9brRDmEdKjs4JtDKNj2aUnq9sY2ILVJSpG812rW7BGQyddL2wZTce+18jkq/Q+sZqvqLXSx5YssFprxaSbzQqhXh2h00SPOuqo9d5DqPcLPv300xuIvSqke++9t3hf4ac+9al1B8iUK4dvvvlmITI322yzmFyTj0WSSu6CwgCrSYoCK318WS2w0pPtZgGCsBu/EN8mX4Wg6ten1XxFreUXB6FaW621QvFq6jcbQVi+XF7P8emk0B122ME99NBD7v777y9OFz3iiCPcpEmTipNDdaqoXmB/0EEHFde0Zs2a4sX0+pu+u9122xWnjEpknnjiiW6//faLyTSLsUhSWbgBQZiHGzawglNGM3WMAbMQhPk5EUGY3icIwvQ+aLKAU0bz9EsKq7IRhLr41atXuyVLlrilS5cWIm/atGnFauGcOXPc5MmTCz7Lly8vXkJ/2GGHucMPP3wds+p3tSo4Y8YMd+yxx7p99tmnEJIT7YMgzMPjVmetKLDSx5fVAis92W4WIAi78QvxbfJVCKp+fVrNV9RafnEQqrXVWisUr6Z+sxKEMS/c+lgkqTw8bDVJUWCljy+rBVZ6st0sQBB24xfi2+SrEFT9+rSar6i1/OIgVGurtVYoXgjCmGQTj0WSSuyA/xjeapKiwEofX1YLrPRku1mAIOzGL8S3yVchqPr1aTVfUWv5xUGo1lZrrVC8EIQxySYeiySV2AEIwjwc0MMKniHM2j1jbRyCMD/3IQjT+wRBmN4HTRbwDGGefklhFVtGU1CPMCaCMALkFkNYnbWiwGrh/MBNrBZYgbEF7x5BGByx9wDkK29kI/+C1XxFrTXyUBmqQ6u11lAwhvwSgnBIcLl/jSSVh4esJikKrPTxZbXASk+2mwUIwm78QnybfBWCql+fVvMVtZZfHIRqbbXWCsWrqV8EYUzaEcciSUWE3Wcoq0mKAit9fFktsNKT7WYBgrAbvxDfJl+FoOrXp9V8Ra3lFwehWluttULxQhDGJJt4LJJUYgf8x/BWkxQFVvr4slpgpSfbzQIEYTd+Ib5NvgpB1a9Pq/mKWssvDkK1tlprheKFIIxJNvFYJKnEDkAQ5uGAHlZwqEzW7hlr4xCE+bkPQZjeJwjC9D5osoBDZfL0Swqr2DKagnqEMRGEESC3GMLqrBUFVgvnB25itcAKjC149wjC4Ii9ByBfeSMb+Res5itqrZGHylAdWq21hoIx5JcQhEOCy/1rJKk8PGQ1SVFgpY8vqwVWerLdLEAQduMX4tvkqxBU/fq0mq+otfziIFRrq7VWKF5N/SIIY9KOOBZJKiLsPkNZTVIUWOnjy2qB9ezLa91PV7zp/vj62vSQW1jwzs0muVm7b+xmbjmpaI0gbAEtchPyVWTgDcNZzVfUWuljSxZYrbVi0kUQxqQdcSySVETYCMI8YHtYwTOEHrAiNr17xVvu//rmKjceUvAvYCQF/98Tp7oDd5+MIIwYL22HQhC2JRWuHYIwHNsuPfMMYRd6tr6LILTlz3VXgyDMw7FWZ60osNLHl8UC628Xvu5+/bu308MdwoK9d9jIfWXeZgjCIdiF/gr5KjThwf1bzFe6amqtwb6P0cJqrRWDXTkGgjAm7YhjkaQiwmaFMA/YHlawQugBK2JTCveIsHsMZbFwJ66Iq1AEqLVCkfXrF0Hox6upNYKwO8MseyBJ5eEWq0mKAit9fFG4p/dB3QImGvLziSwiX6X3i8V8xQph+rgqLbBaa8UkjCCMSTviWAjCiLBZIcwDtocVFO4esCI2pXCPCJsVwvSwW1pAvmoJKkEzaq0E0BuGRBB29wOCsDvDLHsgSeXhFqtJisI9fXxZnHEnroirEASIqxBU/fq0mK9YIfSLgZCtrdZaIZnV+0YQxqQdcSwEYUTYrBDmAdvDCmbcPWBFbErhHhE2K4TpYbe0gHzVElSCZtRaCaCzQhgEOoIwCNb0nZKk0vtAFlidtaJwTx9fFmfciSviKgQB4ioEVb8+LeYrVgj9YiBka6u1VkhmrBDGpJtwLARhQviVoa0mKQqs9PFlscAiroirEASIqxBU/fq0mK8QhH4xELK11VorJDMEYUy6CcdCECaEjyDMA34fK9iClaeLKNzT+8Vi4U5cEVehCFBrhSLr1y+C0I9XU2u2jHZnmGUPJKk83GI1SVFgpY8vCvf0PqhbwERDfj6RReSr9H6xmK9YIUwfV6UFVmutmIQRhDFpRxwLQRgRdp+hrCYpCqz08WWxwCKuiKsQBIirEFT9+rSYrxCEfjEQsrXVWisks3rfCMKYtCOOhSCMCBtBmAdsDytYyfGAFbEphXtE2D2Gsli4E1fEVSgC1FqhyPr1iyD049XUGkHYnWGWPZCk8nCL1SRFgZU+vijc0/ugbgETDfn5RBaRr9L7xWK+YoUwfVyVFlittWISRhDGpB1xLARhRNisEOYB28MKCncPWBGbUrhHhM0KYXrYLS0gX7UElaAZtVYC6A1DIgi7+wFB2J1hlj2QpPJwi9UkReGePr4szrgTV8RVCALEVQiqfn1azFesEPrFQMjWVmutkMzqfSMIY9KOOBaCMCJsVgjzgO1hBTPuHrAiNqVwjwibFcL0sFtaQL5qCSpBM2qtBNBZIQwCHUEYBGv6TklS6X0gC6zOWlG4p48vizPuxBVxFYIAcRWCql+fFvMVK4R+MRCytdVaKyQzVghj0k04FoIwIfzK0FaTFAVW+viyWGARV8RVCALEVQiqfn1azFcIQr8YCNnaaq0VkhmCMCbdhGMhCBPCRxDmAb+PFWzBytNFFO7p/WKxcCeuiKtQBKi1QpH16xdB6MerqTVbRrszzLIHklQebrGapCiw0scXhXt6H9QtYKIhP5/IIvJVer9YzFesEKaPq9ICq7VWTMIIwpi0I46FIIwIu89QVpMUBVb6+LJYYBFXxFUIAsRVCKp+fVrMVwhCvxgI2dpqrRWSWb1vBGFM2hHHQhBGhI0gzAO2hxWs5HjAitiUwj0i7B5DWSzciSviKhQBaq1QZP36RRD68WpqjSDszjDLHkhSebjFapKiwEofXxTu6X1Qt4CJhvx8IovIV+n9YjFfsUKYPq5KC6zWWjEJIwhj0o44FoIwImxWCPOA7WEFhbsHrIhNKdwjwmaFMD3slhaQr1qCStCMWisB9IYhEYTd/YAg7M4wyx5IUnm4xWqSonBPH18WZ9yJK+IqBAHiKgRVvz4t5itWCP1iIGRrq7VWSGb1vhGEMWlHHAtBGBE2K4R5wPawghl3D1gRm1K4R4TNCmF62C0tIF+1BJWgGbVWAuisEAaBjiAMgjV9pySp9D6QBVZnrSjc08eXxRl34oq4CkGAuApB1a9Pi/mKFUK/GAjZ2mqtFZIZK4Qx6SYcC0GYEH5laKtJigIrfXxZLLCIK+IqBAHiKgRVvz4t5isEoV8MhGxttdYKyQxBGJNuwrEQhAnhIwjzgN/HCrZg5ekiCvf0frFYuBNXxFUoAtRaocj69Ysg9OPV1Joto90ZZtkDSSoPt1hNUhRY6eOLwj29D+oWMNGQn09kEfkqvV8s5itWCNPHVWmB1VorJmEEYUzaEcdCEEaE3Wcoq0mKAit9fFkssIgr4ioEAeIqBFW/Pi3mKwShXwyEbG211grJrN43gjAm7YhjIQgjwkYQ5gHbwwpWcjxgRWxK4R4Rdo+hLBbuxBVxFYoAtVYosn79Igj9eDW1RhB2Z5hlDySpPNxiNUlRYKWPLwr39D6oW8BEQ34+kUXkq/R+sZivWCFMH1elBVZrrZiEEYQxaUccC0EYETYrhHnA9rCCwt0DVsSmFO4RYbNCmB52SwvIVy1BJWhGrZUAesOQCMLufkAQdmeYZQ8kqTzcYjVJUbinjy+LM+7EFXEVggBxFYKqX58W8xUrhH4xELK11VorJLN63wjCmLQjjoUgjAibFcI8YHtYwYy7B6yITSncI8JmhTA97JYWkK9agkrQjForAXRWCINARxAGwZq+U5JUeh/IAquzVhTu6ePL4ow7cUVchSBAXIWg6tenxXzFCqFfDIRsbbXWCsmMFcKYdBOOhSBMCL8ytNUkRYGVPr4sFljEFXEVggBxFYKqX58W8xWC0C8GQra2WmuFZIYgjEk34VgIwoTwEYR5wO9jBVuw8nQRhXt6v1gs3Ikr4ioUAWqtUGT9+kUQ+vFqas2W0e4Ms+yBJJWHW6wmKQqs9PFF4Z7eB3ULmGjIzyeyiHyV3i8W8xUrhOnjqrTAaq0VkzCCMCbtiGMhCCPC7jOU1SRFgZU+viwWWMQVcRWCAHEVgqpfnxbzFYLQLwZCtrZaa4VkVu8bQRiTdsSxEIQRYSMI84DtYQUrOR6wIjalcI8Iu8dQFgt34oq4CkWAWisUWb9+EYR+vJpaIwi7M8yyB5JUHm6xmqQosNLHF4V7eh/ULWCiIT+fyCLyVXq/WMxXrBCmj6vSAqu1VkzCCMKYtCOOhSCMCJsVwjxge1hB4e4BK2JTCveIsFkhTA+7pQXkq5agEjSj1koAvWFIBGF3PyAIuzPMsgeSVB5usZqkKNzTx5fFGXfiirgKQYC4CkHVr0+L+YoVQr8YCNnaaq0Vklm9bwRhTNoRx0IQRoTNCmEesD2sYMbdA1bEphTuEWGzQpgedksLyFctQSVoRq2VADorhEGgIwiDYE3fKUkqvQ9kgdVZKwr39PFlccaduCKuQhAgrkJQ9evTYr5ihdAvBkK2tlprhWTGCmFMugnHQhAmhF8Z2mqSosBKH18WCyziirgKQYC4CkHVr0+L+QpB6BcDIVtbrbVCMkMQxqSbcCwEYUL4CMI84Pexgi1YebqIwj29XywW7sQVcRWKALVWKLJ+/SII/Xg1tWbLaHeGWfZAksrDLVaTFAVW+viicE/vg7oFTDTk5xNZRL5K7xeL+YoVwvRxVVpgtdaKSRhBGJN2xLEQhBFh9xnKapKiwEofXxYLLOKKuApBgLgKQdWvT4v5CkHoFwMhW1uttUIyq/eNIIxJO+JYCMKIsBGEecD2sIKVHA9YEZtSuEeE3WMoi4U7cUVchSJArRWKrF+/CEI/Xk2tEYTdGWbZA0kqD7dYTVIUWOnji8I9vQ/qFjDRkJ9PZBH5Kr1fLOYrVgjTx1VpgdVaKyZhBGFM2hHHQhBGhM0KYR6wPaygcPeAFbEphXtE2KwQpofd0gLyVUtQCZpRayWA3jAkgrC7H7IShKtWrXJLlixx9957r1uzZo2bNm2aO/TQQ92cOXPc5MmTW1/tM8884y666CK38cYbu/nz57vp06e3/q6VhiSpPDxpNUlRuKePL4sz7sQVcRWCAHEVgqpfnxbzFSuEfjEQsrXVWisks3rf2QhCCcCFCxe6J5980s2aNcvNnDnTPfzww27ZsmVu9uzZ7phjjnGTJk0ayOatt95yl19+ufvlL3/pttxySwThQGJ5Njht9hQ3b/YmbsWRB+ZpYEurrCYpCqyWARCwmcUCi7gKGDAtuyauWoKK2IwVwoiwPYdi8t0TWKDmVmutQLgau81GED766KPukksucUcffXSxKqiPxN0111zj9LfzzjvPzZgxYyCbBx54wF1//fXF6qA+rBAORJZlAwRhlm5ZZxSFe3r/ULin90HdAgr3/Hwii8hX6f1iMV+JKoIwfWzJAgRhdz9kIwhvvfVWd/vtt7tzzz23WB0sP1ohvPrqq928efPcXnvt1feKX3nlFXfhhRe6vffe27388svuiSeeQBB2j5EkPSAIk2BvPSgFVmtUwRpaLLCIq2Dh0rpj4qo1qmgNmWiIhtp7IAShN7IgX0AQdseajSC86qqr3GOPPbaBgJOou/jii90JJ5zg9t13355XvHbt2uL5wwcffNCdc845xf9GEK7pHiGJekAQJgLfclgK95agAjajcA8Id8iuKdyHBBf4a+SrwIBbdG8xX+myEYQtnB+hCYKwO+RsBOEVV1zRKOD0TOGCBQuKbaRz587tecVPPfVUseX0k5/8pDvggANcr/66IxuPHkhSefjJapKiwEofXxYLLOKKuApBgLgKQdWvT4v5CkHoFwMhW1uttUIyq/dtQhCWB9LomUNtLZ06dSqC8I433KI7WCGM+WNqGstqkqLASh1ZzlkssIgr4ioEAeIqBFW/Pi3mKwShXwyEbG211grJzKQgvOeee9yNN97oTjvtNLf77rsX1+i7QqjnD/WPlc91y6a665dtOraXc9x+q93x+61yr807fmyvQYZPW3jdWNvfy/hTLxvvV7ksPn2lW3PD1W7N9VePrX+mHHeSm/K5k8bW/ibDiav07iSu0vugbgH5Kj+flBZRa+XhG4u11hZbbOH0T6xPNiuEwz5D+NKUdEA5AAAgAElEQVRLL7lvfOMbbo899nDHHXfculdTDCMIH3nkkVjcg49z86Nbu5tXbB18nFADHLn7C+7I3V5w0/9+fqghovS78p8uiDJO7EH+7qb+BzzFtsd3vH8++iG36S1L3NRbvuf71Wzar5p7rFs995hs7BmFIcTVKCh264O46sYvxLfJVyGojqZPaq3RcOzai8Vaa88995yYglCnjN52223u7LPPdjvuuOO62Bh0yqi+9/3vf79vLH3oQx9yp5xyStd4G6vv8wxhHu6yuo2BLVjp48viFiziirgKQYC4CkHVr0+L+UoEqLX84iBUa6u1ViheTf1ms0L4+OOPF6eJHnXUUeu9h1AvmX/66afd+eefX7xovv559tln3TPPPLPBf//JT37inn/++aK/7bff3u2yyy4xuSYfiySV3AWFAVaTFAVW+viyWGARV8RVCALEVQiqfn1azFcIQr8YCNnaaq0Vklm972wEoQ6EkfjTts1Zs2a5HXbYwT300EPu/vvvL04XPeKII4rtoCtWrHCLFy8uXmB/0EEH9WTlu2U0JvQYYyEIY1AePIbVJEWBNdj3oVtYLLCIq9BRM7h/4mowo9gteJ1JbOLtx6PWas8qZEurtVZIZtkKQhm2evXq4v2BS5cudTo5dNq0acVq4Zw5c9zkyZML25cvX+4WLVrkDjvsMHf44YcjCHsQIEnF/Bn1HstqkqJwTx9fFO7pfVC3gMI9P5/IIvJVer9YzFeiSq2VPrZkgdVaKybdbFYIY170RBiLJJWHl60mKQqs9PFlscAiroirEASIqxBU/fq0mK8QhH4xELK11VorJLOsVwhjXrj1sRCEeXjYapKiwEofXxYLLOKKuApBgLgKQdWvT4v5CkHoFwMhW1uttUIyQxDGpJtwLARhQviVoa0mKQqs9PFlscAiroirEASIqxBU/fq0mK8QhH4xELK11VorJDMEYUy6CcdCECaEjyDMA34fK3jWK08XUbin94vFwp24Iq5CEaDWCkXWr18EoR+vptY8Q9idYZY9kKTycIvVJEWBlT6+KNzT+6BuARMN+flEFpGv0vvFYr5ihTB9XJUWWK21YhJGEMakHXEsBGFE2H2GspqkKLDSx5fFAou4Iq5CECCuQlD169NivkIQ+sVAyNZWa62QzOp9Iwhj0o44FoIwImwEYR6wPaxgJccDVsSmFO4RYfcYymLhTlwRV6EIUGuFIuvXL4LQj1dTawRhd4ZZ9kCSysMtVpMUBVb6+KJwT++DugVMNOTnE1lEvkrvF4v5ihXC9HFVWmC11opJGEEYk3bEsRCEEWGzQpgHbA8rKNw9YEVsSuEeETYrhOlht7SAfNUSVIJm1FoJoDcMiSDs7gcEYXeGWfZAksrDLVaTFIV7+viyOONOXBFXIQgQVyGo+vVpMV+xQugXAyFbW621QjKr940gjEk74lgIwoiwWSHMA7aHFcy4e8CK2JTCPSJsVgjTw25pAfmqJagEzai1EkBnhTAIdARhEKzpOyVJpfeBLLA6a0Xhnj6+LM64E1fEVQgCxFUIqn59WsxXrBD6xUDI1lZrrZDMWCGMSTfhWAjChPArQ1tNUhRY6ePLYoFFXBFXIQgQVyGo+vVpMV8hCP1iIGRrq7VWSGYIwph0E46FIEwIH0GYB/w+VrAFK08XUbin94vFwp24Iq5CEaDWCkXWr18EoR+vptZsGe3OMMseSFJ5uMVqkqLASh9fFO7pfVC3gImG/Hwii8hX6f1iMV+xQpg+rkoLrNZaMQkjCGPSjjgWgjAi7D5DWU1SFFjp48tigUVcEVchCBBXIaj69WkxXyEI/WIgZGurtVZIZvW+EYQxaUccC0EYETaCMA/YHlawkuMBK2JTCveIsHsMZbFwJ66Iq1AEqLVCkfXrF0Hox6upNYKwO8MseyBJ5eEWq0mKAit9fFG4p/dB3QImGvLziSwiX6X3i8V8xQph+rgqLbBaa8UkjCCMSTviWAjCiLBZIcwDtocVFO4esCI2pXCPCJsVwvSwW1pAvmoJKkEzaq0E0BuGRBB29wOCsDvDLHsgSeXhFqtJisI9fXxZnHEnroirEASIqxBU/fq0mK9YIfSLgZCtrdZaIZnV+0YQxqQdcSwEYUTYrBDmAdvDCmbcPWBFbErhHhE2K4TpYbe0gHzVElSCZtRaCaCzQhgEOoIwCNb0nZKk0vtAFlidtaJwTx9fFmfciSviKgQB4ioEVb8+LeYrVgj9YiBka6u1VkhmrBDGpJtwLARhQviVoa0mKQqs9PFlscAiroirEASIqxBU/fq0mK8QhH4xELK11VorJDMEYUy6CcdCECaEjyDMA34fK9iClaeLKNzT+8Vi4U5cEVehCFBrhSLr1y+C0I9XU2u2jHZnmGUPJKk83GI1SVFgpY8vCvf0PqhbwERDfj6RReSr9H6xmK9YIUwfV6UFVmutmIQRhDFpRxwLQRgRdp+hrCYpCqz08WWxwCKuiKsQBIirEFT9+rSYrxCEfjEQsrXVWisks3rfCMKYtCOOhSCMCBtBmAdsDytYyfGAFbEphXtE2D2Gsli4E1fEVSgC1FqhyPr1iyD049XUGkHYnWGWPZCk8nCL1SRFgZU+vijc0/ugbgETDfn5RBaRr9L7xWK+YoUwfVyVFlittWISRhDGpB1xLARhRNisEOYB28MKCncPWBGbUrhHhM0KYXrYLS0gX7UElaAZtVYC6A1DIgi7+wFB2J1hlj2QpPJwi9UkReGePr4szrgTV8RVCALEVQiqfn1azFesEPrFQMjWVmutkMzqfSMIY9KOOBaCMCJsVgjzgO1hBTPuHrAiNqVwjwibFcL0sFtaQL5qCSpBM2qtBNBZIQwCHUEYBGv6TklS6X0gC6zOWlG4p48vizPuxBVxFYIAcRWCql+fFvMVK4R+MRCytdVaKyQzVghj0k04FoIwIfzK0FaTFAVW+viyWGARV8RVCALEVQiqfn1azFcIQr8YCNnaaq0VkhmCMCbdhGMhCBPCRxDmAb+PFWzBytNFFO7p/WKxcCeuiKtQBKi1QpH16xdB6MerqTVbRrszzLIHklQebrGapCiw0scXhXt6H9QtYKIhP5/IIvJVer9YzFesEKaPq9ICq7VWTMIIwpi0I46FIIwIu89QVpMUBVb6+LJYYBFXxFUIAsRVCKp+fVrMVwhCvxgI2dpqrRWSWb1vBGFM2hHHQhBGhI0gzAO2hxWs5HjAitiUwj0i7B5DWSzciSviKhQBaq1QZP36RRD68WpqjSDszjDLHkhSebjFapKiwEofXxTu6X1Qt4CJhvx8IovIV+n9YjFfsUKYPq5KC6zWWjEJIwhj0o44FoIwImxWCPOA7WEFhbsHrIhNKdwjwmaFMD3slhaQr1qCStCMWisB9IYhEYTd/YAg7M4wyx5IUnm4xWqSonBPH18WZ9yJK+IqBAHiKgRVvz4t5itWCP1iIGRrq7VWSGb1vhGEMWlHHAtBGBE2K4R5wPawghl3D1gRm1K4R4TNCmF62C0tIF+1BJWgGbVWAuisEAaBjiAMgjV9pySp9D6QBVZnrSjc08eXxRl34oq4CkGAuApB1a9Pi/mKFUK/GAjZ2mqtFZIZK4Qx6SYcC0GYEH5laKtJigIrfXxZLLCIK+IqBAHiKgRVvz4t5isEoV8MhGxttdYKyQxBGJNuwrEQhAnhIwjzgN/HCrZg5ekiCvf0frFYuBNXxFUoAtRaocj69Ysg9OPV1Joto90ZZtkDSSoPt1hNUhRY6eOLwj29D+oWMNGQn09kEfkqvV8s5itWCNPHVWmB1VorJmEEYUzaEcdCEEaE3Wcoq0mKAit9fFkssIgr4ioEAeIqBFW/Pi3mKwShXwyEbG211grJrN43gjAm7YhjIQgjwkYQ5gHbwwpWcjxgRWxK4R4Rdo+hLBbuxBVxFYoAtVYosn79Igj9eDW1RhB2Z5hlDySpPNxiNUlRYKWPLwr39D6oW8BEQ34+kUXkq/R+sZivWCFMH1elBVZrrZiEEYQxaUccC0EYETYrhHnA9rCCwt0DVsSmFO4RYbNCmB52SwvIVy1BJWhGrZUAesOQCMLufkAQdmeYZQ8kqTzcYjVJUbinjy+LM+7EFXEVggBxFYKqX58W8xUrhH4xELK11VorJLN63wjCmLQjjoUgjAibFcI8YHtYwYy7B6yITSncI8JmhTA97JYWkK9agkrQjForAXRWCINARxAGwZq+U5JUeh/IAquzVhTu6ePL4ow7cUVchSBAXIWg6tenxXzFCqFfDIRsbbXWCsmMFcKYdBOOhSBMCL8ytNUkRYGVPr4sFljEFXEVggBxFYKqX58W8xWC0C8GQra2WmuFZIYgjEk34VgIwoTwEYR5wO9jBVuw8nQRhXt6v1gs3Ikr4ioUAWqtUGT9+kUQ+vFqas2W0e4Ms+yBJJWHW6wmKQqs9PFF4Z7eB3ULmGjIzyeyiHyV3i8W8xUrhOnjqrTAaq0VkzCCMCbtiGMhCCPC7jOU1SRFgZU+viwWWMQVcRWCAHEVgqpfnxbzFYLQLwZCtrZaa4VkVu8bQRiTdsSxEIQRYSMI84DtYQUrOR6wIjalcI8Iu8dQFgt34oq4CkWAWisUWb9+EYR+vJpaIwi7M8yyB5JUHm6xmqQosNLHF4V7eh/ULWCiIT+fyCLyVXq/WMxXrBCmj6vSAqu1VkzCCMKYtCOOhSCMCJsVwjxge1hB4e4BK2JTCveIsFkhTA+7pQXkq5agEjSj1koAvWFIBGF3PyAIuzPMsgeSVB5usZqkKNzTx5fFGXfiirgKQYC4CkHVr0+L+YoVQr8YCNnaaq0Vklm9bwRhTNoRx0IQRoTNCmEesD2sYMbdA1bEphTuEWGzQpgedksLyFctQSVoRq2VADorhEGgIwiDYE3fKUkqvQ9kgdVZKwr39PFlccaduCKuQhAgrkJQ9evTYr5ihdAvBkK2tlprhWTGCmFMugnHQhAmhF8Z2mqSosBKH18WCyziirgKQYC4CkHVr0+L+QpB6BcDIVtbrbVCMkMQxqSbcCwEYUL4CMI84Pexgi1YebqIwj29XywW7sQVcRWKALVWKLJ+/SII/Xg1tWbLaHeGWfZAksrDLVaTFAVW+viicE/vg7oFTDTk5xNZRL5K7xeL+YoVwvRxVVpgtdaKSRhBGJN2xLEQhBFh9xnKapKiwEofXxYLLOKKuApBgLgKQdWvT4v5CkHoFwMhW1uttUIyq/edlSBctWqVW7Jkibv33nvdmjVr3LRp09yhhx7q5syZ4yZPntyTy9q1a93y5cvdjTfe6H7/+987/f9tttnGfeYzn3F77LGHmzRpUkymWYyFIMzCDRwqk4cbNrCClZw8HUPhnt4vFgt34oq4CkWAWisUWb9+EYR+vJpaZyMIJQAXLlzonnzySTdr1iw3c+ZM9/DDD7tly5a52bNnu2OOOaansFOba665xu28887uIx/5SHGdd9xxh3vhhRfcySef7Pbdd9/upMasB5JUHg6zmqQosNLHF4V7eh/ULWCiIT+fyCLyVXq/WMxXrBCmj6vSAqu1VkzC2QjCRx991F1yySXu6KOPLlYF9XnrrbcKoae/nXfeeW7GjBkbsHn11Vfd17/+dffOd77TnXHGGW7KlClFm+eff95deOGFbtttt3Wnn376uv8eE27KsRCEKen/ZWyrSYoCK318WSywiCviKgQB4ioEVb8+LeYrBKFfDIRsbbXWCsms3nc2gvDWW291t99+uzv33HOL1cHyo9W/q6++2s2bN8/ttddeG7DRiuKCBQsKETl37tx1f9f2UwlMfc4880w3derUmFyTj4UgTO6CwgCrSYoCK318WSywiCviKgQB4ioEVb8+LeYrBKFfDIRsbbXWCsksW0F41VVXuccee8zNnz/fTZ8+fZ2dTzzxhLv44ovdCSec4LX187XXXnMXXXRR8Syhto1OtOcIEYQxf0a9x7KapCiw0seXxQKLuCKuQhAgrkJQ9evTYr5CEPrFQMjWVmutkMyyFYRXXHGFk/irC8JeK4CDIN1zzz3u29/+tjv11FMbVxYHfX/c/44gzMODVpMUBVb6+LJYYBFXxFUIAsRVCKp+fVrMVwhCvxgI2dpqrRWS2YQQhBKWl156qdtnn33c5z//+b4nlJZAXnnlFad/rHyuWzbVXb9s07G9nOP2W+2O32+Ve23e8WN7DTJ82sLrxtr+XsafetlfVvHH8QIXn77Srbnharfm+qvH0fzC5inHneSmfO6ksbW/yXDiKr07iav0PqhbQL7KzyelRdRaefjGYq21xRZbOP0T65PNM4SjWiF88cUXi62i2naq5w4322yzViwlBh955JFWbceh0c2Pbu1uXrH1OJjaaOORu7/gjtztBTf97+eP7TXI8JX/dMFY29/L+L+7acPnecfpQv/56IfcprcscVNv+d44mb2eravmHutWzz1mbO1vMpy4Su9O4iq9D+oWkK/y80lpEbVWHr6xWGvtueeeE1MQjuIZwlIM6p2FOkhmq622yiNSE1jBltEE0BuGtLqNgS1Y6ePL4hYs4oq4CkGAuApB1a9Pi/lKBKi1/OIgVGurtVYoXk39ZrNCqFNGb7vtNnf22We7HXfccZ2tg04ZLRu+/vrrxXsMV65cWfQxkcUgSSrmT6j/WFaTFAVW+hizWGARV8RVCALEVQiqfn1azFfUWn4xELK11VorJLN639kIwscff7w4TfSoo45a7z2El19+uXv66afd+eef77bccstGNqtXry7eV6hTSvXOQb2gfqJ/mLXKIwKsJikKrPTxZbHAIq6IqxAEiKsQVP36tJivEIR+MRCytdVaKySzbAWhXkIv8afn+GbNmuV22GEH99BDD7n777+/eL/gEUccUbw6YsWKFW7x4sXFC+wPOuig4uX11157rbvvvvvcIYccUnyv/tluu+3We7dhTMCpxkIQpiK//rhWkxQFVvr4slhgEVfEVQgCxFUIqn59WsxXCEK/GAjZ2mqtFZJZtoJQhmmlb8mSJW7p0qVuzZo1btq0acVq4Zw5c9adFLp8+XK3aNEid9hhh7nDDz+82CJ6wQUXuJdffrknN606Vl9aHxNwqrEQhKnIIwjzIN/fih/9w+buxUUL3IuLF4yDuY02WiywKNzThyNxld4HdQvIV/n5pLSIWisP3yAIu/shmy2j3S+FHqoESFJ5xIPVJEXhnj6+KNzT+4DCPT8fNFlEvkrvJ4v5ihXC9HFVWmC11opJGEEYk3bEsRCEEWH3GcpqkqLASh9fFgss4oq4CkGAuApB1a9Pi/kKQegXAyFbW621QjKr940gjEk74lgIwoiwEYR5wPawgi1YHrAiNqVwjwi7x1AWC3fiirgKRYBaKxRZv34RhH68mlojCLszzLIHklQebrGapCiw0scXhXt6H9QtYKIhP5/IIvJVer9YzFesEKaPq9ICq7VWTMIIwpi0I46FIIwImxXCPGB7WEHh7gErYlMK94iwWSFMD7ulBeSrlqASNKPWSgC9YUgEYXc/IAi7M8yyB5JUHm6xmqQo3NPHl8UZd+KKuApBgLgKQdWvT4v5ihVCvxgI2dpqrRWSWb1vBGFM2hHHQhBGhM0KYR6wPaxgxt0DVsSmFO4RYbNCmB52SwvIVy1BJWhGrZUAOiuEQaAjCINgTd8pSSq9D2SB1VkrCvf08WVxxp24Iq5CECCuQlD169NivmKF0C8GQra2WmuFZMYKYUy6CcdCECaEXxnaapKiwEofXxYLLOKKuApBgLgKQdWvT4v5CkHoFwMhW1uttUIyQxDGpJtwLARhQvgIwjzg97GCLVh5uojCPb1fLBbuxBVxFYoAtVYosn79Igj9eDW1Zstod4ZZ9kCSysMtVpMUBVb6+KJwT++DugVMNOTnE1lEvkrvF4v5ihXC9HFVWmC11opJGEEYk3bEsRCEEWH3GcpqkqLASh9fFgss4oq4CkGAuApB1a9Pi/kKQegXAyFbW621QjKr940gjEk74lgIwoiwEYR5wPawgpUcD1gRm1K4R4TdYyiLhTtxRVyFIkCtFYqsX78IQj9eTa0RhN0ZZtkDSSoPt1hNUhRY6eOLwj29D+oWMNGQn09kEfkqvV8s5itWCNPHVWmB1VorJmEEYUzaEcdCEEaEzQphHrA9rKBw94AVsSmFe0TYrBCmh93SAvJVS1AJmlFrJYDeMCSCsLsfEITdGWbZA0kqD7dYTVIU7unjy+KMO3FFXIUgQFyFoOrXp8V8xQqhXwyEbG211grJrN43gjAm7YhjIQgjwmaFMA/YHlYw4+4BK2JTCveIsFkhTA+7pQXkq5agEjSj1koAnRXCINARhEGwpu+UJJXeB7LA6qwVhXv6+LI4405cEVchCBBXIaj69WkxX7FC6BcDIVtbrbVCMmOFMCbdhGMhCBPCrwxtNUlRYKWPL4sFFnFFXIUgQFyFoOrXp8V8hSD0i4GQra3WWiGZIQhj0k04FoIwIXwEYR7w+1jBFqw8XUThnt4vFgt34oq4CkWAWisUWb9+EYR+vJpas2W0O8MseyBJ5eEWq0mKAit9fFG4p/dB3QImGvLziSwiX6X3i8V8xQph+rgqLbBaa8UkjCCMSTviWAjCiLD7DGU1SVFgpY8viwUWcUVchSBAXIWg6tenxXyFIPSLgZCtrdZaIZnV+0YQxqQdcSwEYUTYCMI8YHtYwUqOB6yITSncI8LuMZTFwp24Iq5CEaDWCkXWr18EoR+vptYIwu4Ms+yBJJWHW6wmKQqs9PFF4Z7eB3ULmGjIzyeyiHyV3i8W8xUrhOnjqrTAaq0VkzCCMCbtiGMhCCPCZoUwD9geVlC4e8CK2JTCPSJsVgjTw25pAfmqJagEzai1EkBvGBJB2N0PCMLuDLPsgSSVh1usJikK9/TxZXHGnbgirkIQIK5CUPXr02K+YoXQLwZCtrZaa4VkVu8bQRiTdsSxEIQRYbNCmAdsDyuYcfeAFbEphXtE2KwQpofd0gLyVUtQCZpRayWAzgphEOgIwiBY03dKkkrvA1lgddaKwj19fFmccSeuiKsQBIirEFT9+rSYr1gh9IuBkK2t1lohmbFCGJNuwrEQhAnhV4a2mqQosNLHl8UCi7girkIQIK5CUPXr02K+QhD6xUDI1lZrrZDMEIQx6SYcC0GYED6CMA/4faxgC1aeLqJwT+8Xi4U7cUVchSJArRWKrF+/CEI/Xk2t2TLanWGWPZCk8nCL1SRFgZU+vijc0/ugbgETDfn5RBaRr9L7xWK+YoUwfVyVFlittWISRhDGpB1xLARhRNh9hrKapCiw0seXxQKLuCKuQhAgrkJQ9evTYr5CEPrFQMjWVmutkMzqfSMIY9KOOBaCMCJsBGEesD2sYCXHA1bEphTuEWH3GMpi4U5cEVehCFBrhSLr1y+C0I9XU2sEYXeGWfZAksrDLVaTFAVW+viicE/vg7oFTDTk5xNZRL5K7xeL+YoVwvRxVVpgtdaKSRhBGJN2xLEQhBFhs0KYB2wPKyjcPWBFbErhHhE2K4TpYbe0gHzVElSCZtRaCaA3DIkg7O4HBGF3hln2QJLKwy1WkxSFe/r4sjjjTlwRVyEIEFchqPr1aTFfsULoFwMhW1uttUIyq/eNIIxJO+JYCMKIsFkhzAO2hxXMuHvAitiUwj0ibFYI08NuaQH5qiWoBM2otRJAZ4UwCHQEYRCs6TslSaX3gSywOmtF4Z4+vizOuBNXxFUIAsRVCKp+fVrMV6wQ+sVAyNZWa62QzFghjEk34VgIwoTwK0NbTVIUWOnjy2KBRVwRVyEIEFchqPr1aTFfIQj9YiBka6u1VkhmCMKYdBOOhSBMCB9BmAf8PlawBStPF1G4p/eLxcKduCKuQhGg1gpF1q9fBKEfr6bWbBntzjDLHkhSebjFapKiwEofXxTu6X1Qt4CJhvx8IovIV+n9YjFfsUKYPq5KC6zWWjEJIwhj0o44FoIwIuw+Q1lNUhRY6ePLYoFFXBFXIQgQVyGo+vVpMV8hCP1iIGRrq7VWSGb1vhGEMWlHHAtBGBE2gjAP2B5WsJLjAStiUwr3iLB7DGWxcCeuiKtQBKi1QpH16xdB6MerqTWCsDvDLHsgSeXhFqtJigIrfXxRuKf3Qd0CJhry84ksIl+l94vFfMUKYfq4Ki2wWmvFJIwgjEk74lgIwoiwWSHMA7aHFRTuHrAiNqVwjwibFcL0sFtaQL5qCSpBM2qtBNAbhkQQdvcDgrA7wyx7IEnl4RarSYrCPX18WZxxJ66IqxAEiKsQVP36tJivWCH0i4GQra3WWiGZ1ftGEMakHXEsBGFE2KwQ5gHbwwpm3D1gRWz6/7d35sF2FGUf7pgQIQQCQpQ1sgUFFVkEl4AsKgiIEVQkgAIKJJKyyl1cy7IsS0tL/cOgIQIuERFDRAirKLIICES2QEABWUVA9h1Zvnqm7PtNDnPunbnnznLmPFNFAUlPT8/T7+l+f/2+3aPjXiFsI4T1w87ZAsernKBqKKavVQN0I4SlQFcQloK1/kodpOrvA1rQ1lUrHff67auNK+7alXZVBgHtqgyqxeps43hlhLCYDZRZuq2+VpnMjBBWSbfGZykIa4SfenRbBykdrPrtq40OlnalXZVBQLsqg2qxOts4XikIi9lAmaXb6muVyUxBWCXdGp+lIKwRvoKwGfCHaYUpWM3sIh33+vuljY67dqVdlUVAX6ssssXqVRAW45VV2pTR3hk2sgYHqWZ0S1sHKR2s+u1Lx73+PuhsgQsNzesTWuR4VX+/tHG8MkJYv13FFrTV16qSsIKwStoVPktBWCHsYR7V1kFKB6t++2qjg6VdaVdlENCuyqBarM42jlcKwmI2UGbptvpaZTLrrFtBWCXtCp+lIKwQtoKwGbALtMJITgFYFRbVca8QdpdHtdFx1660q7II6GuVRbZYvQrCYryySisIe2fYyBocpJrRLW0dpHSw6rcvHbmBT6UAACAASURBVPf6+6CzBS40NK9PaJHjVf390sbxyghh/XYVW9BWX6tKwgrCKmlX+CwFYYWwjRA2A3aBVui4F4BVYVEd9wphGyGsH3bOFjhe5QRVQzF9rRqgZzxSQdh7PygIe2fYyBocpJrRLW0dpHTc67evNq64a1faVRkEtKsyqBars43jlRHCYjZQZum2+lplMuusW0FYJe0Kn6UgrBC2EcJmwC7QClfcC8CqsKiOe4WwjRDWDztnCxyvcoKqoZi+Vg3QjRCWAl1BWArW+it1kKq/D2hBW1etdNzrt682rrhrV9pVGQS0qzKoFquzjeOVEcJiNlBm6bb6WmUyM0JYJd0an6UgrBF+6tFtHaR0sOq3rzY6WNqVdlUGAe2qDKrF6mzjeKUgLGYDZZZuq69VJjMFYZV0a3yWgrBG+ArCZsAfphWmYDWzi3Tc6++XNjru2pV2VRYBfa2yyBarV0FYjFdWaVNGe2fYyBocpJrRLW0dpHSw6rcvHff6+6CzBS40NK9PaJHjVf390sbxyghh/XYVW9BWX6tKwgrCKmlX+CwFYYWwh3lUWwcpHaz67auNDpZ2pV2VQUC7KoNqsTrbOF4pCIvZQJml2+prlcmss24FYZW0K3yWgrBC2ArCZsAu0AojOQVgVVhUx71C2F0e1UbHXbvSrsoioK9VFtli9SoIi/HKKq0g7J1hI2twkGpGt7R1kNLBqt++dNzr74POFrjQ0Lw+oUWOV/X3SxvHKyOE9dtVbEFbfa0qCSsIq6Rd4bMUhBXCNkLYDNgFWqHjXgBWhUV13CuEbYSwftg5W+B4lRNUDcX0tWqAnvFIBWHv/aAg7J1hI2twkGpGt7R1kNJxr9++2rjirl1pV2UQ0K7KoFqszjaOV0YIi9lAmaXb6muVyayz7tYIwnvuuScsXrw43HnnneHFF18MU6dODTNnzgzTp0+vkmdjnqUgbEZXtHWQ0sGq377a6GBpV9pVGQS0qzKoFquzjeOVgrCYDZRZuq2+VpnMWikIEYMLFiwIkyZNCjNmzAgTJkwIl1xySbj//vvDoYceGjbbbLMqmTbiWQrCRnRDaOsgpYNVv3210cHSrrSrMghoV2VQLVZnG8crBWExGyizdFt9rTKZtVIQLlmyJFx55ZXhyCOPDOutt17yjg899FA49thjw7rrrhsOOuigMH78+Cq51v4sBWHtXZA0oK2DlA5W/fbVRgdLu9KuyiCgXZVBtVidbRyvFITFbKDM0m31tcpk1jpB+Oyzz4bjjz8+EXxEA1daaaXkHUkbXbhwYbj33nvDnDlzwuTJk6vkWvuzFIS1d4GCsBldkNkKD2loZufouNffL2103LUr7aosAvpaZZEtVq+CsBivrNJ9v4fw0UcfDcccc0zYcMMNk0hg+jr33HOTyOHcuXPDlClTeqfVRzU4SDWjs9o6SOlg1W9fOu7190FnC1xoaF6f0CLHq/r7pY3jlRHC+u0qtqCtvlaVhPteED7yyCNh3rx54dWvfvVLBOF5550XLrzwwnD44YeHadOmVcm19mcpCGvvAiOEzegCI4QN7ofOpum4199ZbXTctSvtqiwC+lplkS1Wr4KwGK9WRggVhNlG4CDV+49jLGpo6yClgzUW1tFbHTruvfEr424jhGVQ7b1Ox6veGfZaQxvHKyOEvVrF2N3fVl9r7AiNXJMRwv8xWrp0aZg9e/bIxCxRCYFx418eXnz+mUqe5UMk0I8EJo4L4dkX+7HltrnJBLSrJvdO/7ZNu2pm3+lrNbNfaNX8+fPDdtttV1kD+14QjtUeQgQh/3hJQAISkIAEJCABCUhAAhKoiwBiUEFYgH48ZZRbPvrRj4aJEycmdw/6KaMFEFpUAhKQgAQkIAEJSEACEhhQAn0fIaTfzjzzzHD55Zev8B1CPkpPuHWTTTYJs2bNCuPGjRvQLva1JSABCUhAAhKQgAQkIAEJZBNohSCM4m/ChAlhp512SqKEF110USCd9LDDDktOIPWSgAQkIAEJSEACEpCABCQggRUJtEIQ8kp8gH7RokXhzjvvTNJFp06dGmbOnBmmT59un0tAAhKQgAQkIAEJSEACEpBABoHWCEJ7VwISkIAEJCABCUhAAhKQgASKEVAQFuNlaQlIQAISkIAEJCABCUhAAq0hoCBsTVf6IhKQgAQkIAEJSEACEpCABIoRUBAW42VpCUhAAhKQgAQkIAEJSEACrSGgIGxNV/b/iyxfvjz8/ve/Dw8++GDYcsstw8EHHxw4OXa4iwOEzj333HDzzTeHgw46KKyxxhr9D8I3qJzAf//73/C73/0uPPnkk+GAAw4IK6+8cuVt8IESkEB3Ahwc95vf/Ca88Y1vDDvvvPOYorrjjjvCT3/60/D2t789vPOd7xzTuoer7JFHHgnz5s1LTkJn/vIansCvfvWrcPvtt4e5c+eGKVOmhFtuuSUZt9/97neH17/+9V1vlnMITz/9dDjppJMSH2mfffYJ48ePz2Vu3Hf88ccnZfnWt3NjLmx9WUhB2JfdVm2jq5gs77nnnrBgwYIwadKkMGPGjLDuuuuGjTbaaMQXRRAyIdx0001h9uzZ4RWveMVL7sHZ//nPfx5uu+22cOihh4bNNttshTKIyZ/97GfJibSI0LwD5YiNs0AjCOSx32gjzzzzTDLprbLKKo1ou43ojUB0BPn3/vvvH7bbbrvMChlHfv3rX4err746ERw6571x77wbpxLB9bKXvewlTiVOPQ7nnnvuGXbcccehW59//vnwy1/+MvznP/8Jc+bMCY899lhSxw477BD22GOPMW1gnjFiTB/4v8qqEiosdJ1yyimBRdcXXnghTJs2LXzoQx8Ka6211rCvFdv38MMPZ5Zjjq5SJHQKwhtvvDGxkfe///1h2223HUhB+Pjjj4ezzz47XHfddeGpp54KK620UnjDG96Q/EbWXHPNISZPPPFE8vtBSDO+US7PpSDMQ6kdZRSE7ejHUt+iisny4osvDmeddVYyuWy66aZj/j58juS4444LG2ywQTjkkEOGBkMGO8Qiq89HHHFEIkS92kWgCvttF7H2vE3aoWUhiO/SZjlCDzzwQPjJT34SKK8gLKf/oyBB3K299tpDDznzzDPDn//85yQr5MMf/vDQghyOLn1C2fSfl9G6usaIKgQhwhohxaIpkVUEwfnnn58svjLnDbf4FdvHPW9729tegn7y5Mlhk002qWwRtVMQ5rWFKjjnbctYlrvvvvuSxRQWS7baaqukL/75z3+GZcuWJdlVLIAj/nu5FIS90OuvexWE/dVftbS2isnyvPPOCxdeeGE4/PDDex7AsiARAfjjH/8YeM5+++2XrDJzXX755WHx4sVh9913D7vttlstfH1ouQSqsN9y38DaR0sgOoI4TC9/+cvDkUceGdZbb72XVMfYc8YZZ4Rx48Ylq+tGCEdLvPt9V1xxRTLWsiD32te+NikYnU0W5EhF+/jHPz6U9h9/t7vuumvgnzKvusaIKoRKfAbRvFmzZiU2TiScvhhpvq2ifUX6VUH4/7RiVstdd92VLHSRdhyv+++/PxGKq622Ws8RXAVhEQvt77IKwv7uv0pa3zlZdhsguk0eDz30UDjttNOSFUrSVTbccMPwgQ98ILzqVa9KVuTZQ5FOScExiBMV5f/2t7+Fc845JynLqib7PFjpjKmdeScJ0ikYJEmfYWUUkXjssccGVjnTaYKkXpCGwqo0zmG8yhatlXTmAD4kj7PnpNdOw4jjy/rrr5+snLMQtNdee63wsowLpKtzMd5MnTp1BUHI+MX4w7iAE0a0hPTGbbbZJnGuo+0wnrzmNa9JFrbWWWedIUeMdHicb7IUuGjL+973vmQcjBepyuyFXrp0aTI+Mc7ttNNOyViXjmimx1IiP6T8sZhFVJO2NPnCcYUzWwJoM9e///3vMH/+/PC6170uXH/99UkaYxSLCMhTTz11KGuk2+84zZeUVPpg3333DauvvvoQjqw+wA5iNkpW3fQn6axkrtx9991JXem5i/9Pz3lbbLFFUpY/Y055z3veM2QjlKW+q666KixZsiQQ/YxRt0suuSTZHpFehBjpneJcRFog97Pg0U3cdQpC2sL9LIYSrR0ubbSIIMxjw3FuhQ3/DXe2aTDP8tvit3PRRRcN/QZI8cZWWMzh6pzrs+bqIpyb/HsZqW2MZ2Q9EbntHNO4F5bYY1yAyZrj8th4t7lxpHFxpPb7980joCBsXp80rkW9CEIOiMEJQLzhCJDGwIDPhIgoQxSS287g9de//jVZwcRhWnXVVZP9JkT1SG9hfwDpEDgVl156aXjTm96UTPo4QXkFIWDjfsG3vOUtCefLLrvsJfsKFYSNM8GeGqQg7AlfX98cHVocS6JQ/MNe47RYwOk/4YQTEpF3zTXXDO2x4cXj+IXjhEBjsYoFKpwxxioc2egwYWc4roxTpKYj5v71r38ldfM87udi/Hv00UeHVvVj2jr3v/Wtb03Gv1tvvTURhwg9Fs8YP3H6EU/PPvtssiAW28KYxiER6f13Tew0hC5zAUIopoAi+kgZ5f9PP/30RKAhFrhIMf373/8+FDXM+h1zwAh8mUeYE2BzwQUXhIkTJyb9TIQk7k9HpKX7gL2JH/nIRxIBmlU3UbTf/va3SX9uvfXWST9TNwKduYvDOaJ98Xf0Mf3HvPWXv/wl6eO0SKO+k08+OWkrTjw8oi2k05TzvBOC7g9/+ENiF9gaCxDYRJa4Y+GA92C/HaKTvfSk6BJ1fcc73jHsQkJeQZjXhuPcih9AKjC2jl/AvzkL4Morr0wY8k5xrod/3OaRRxDm5dzE30iRNuEX8c/HPvaxFaKDsY5o04wLiOosYZfHxrPuyzMuFnkXyzaDgIKwGf3Q6FaMVhDGiYgJiAk0TlakM+DYsKLKZnCurOhbfC6TOCe/If5wzHAgmDiY8JkIiwjCeAgNq6P895vf/OYhYRk7QUHYaHMs3DgFYWFkrbkhOrQ4leyxWbhw4ZCQ4yUZAxAeCDz22+A4x0MX+HsWn3DuOXkWJ5ULR5/xi0giQobIBpkH7OdJp27FvVsIElJV4wEP8X6cYEQlApM2IPziwRgxxf1Pf/pTEkFhfx0RtF/84hfJPQgULhbTyHJgHxhZDgihpl7x4B5+j0cddVQi1jjIh+wQ2k7KLoKd/+aCKeKLfuHf3eYh6k1neMRFP06exBnOcpzpK/Ynbr755knfdtaNsOREU/owferwDTfckGSPsO1g++23HxKECDPmuHioWTwoh3kL4UU/8TyEECKRBU+u2A6EMGItHW0e7p2iIHzXu941oqjjOdGBZ68sCwkzZ85MbG2kqHJeQcjiRR4bjnMrCzRxoSP+po455phEGGLvca5nkYC6YcvvbyRBmJdzU38jRdrFiaHYeuee3FhHZ991CjsWLvLYeJYgzDMuejhfkd5sRlkFYTP6odGtGK0gZKL/8Y9/nEy6UfjxojhQnOrJv+MJZVmCkD/DGYvCL0JipZODYA488MBkhb6IIKQO0n9iihgTDZNQ+lIQNtocCzdOQVgYWWtuSDtFOPH87ons4HzjsMTDZIjQENHDKSUtcLg9hJ0OUhQv/Dt94iIRKERAeuErgmWRjPGPfT8nnnji0EmaRLHi1Xl/TBEju4FUwbynBDapMzk8jNRYohosEMKHCB1RQaKFpObi4HLxd6T4xvTSzt9x/H/+Ph0djYfRcEAY/RjFyt577z0UwetkkmeM4J7Oct0EE3MfWyFYcEQUEvUjva/zsxad9+d9pyLbFxDMLICybQObixG3PCcpD3fKKL8jPv+AzaZPgx3OhrvNrem0bRZZ0qdjpvtqJEGYl3OTfhOjbctIfs9IgrDb5yPy+nud7XbbxWh7sjn3KQib0xeNbUneAaLb5MZAkXWlj6zOmuAY8Ejh6nbFPX7pgZE2cLRyfGZ6PyL1sOLLqhgTExcr7emVSv5MQdhYUxxVw/I4e05mo0Lb+Js6xyTGGURJPFyGVPUoUIjuZH0Tjggf0SsEGQ51vOL41U0Q9mp30SZjlIwVfdpPxIv/RrgSaUHMxj1WTe+Q6LAj4hBscWEPUch+QqKdbAXgneM+7rinsJNnHKe7vXNMw2RvG9Er5hIidHxeCG5EXWMUI6uv2E9KSh1RWsQ5/x8v2o/Q6yYI458jaCnXbU7pvD/vOxURhDEtkJRaFj/ZlxlTkWM6LXNger98fM/hThklGs1iL3Nqt+/Uddpw/ExE5/58nkd6MFEvonwsFvBdQdJH0+JwJEGYl3PTfyd52tdrhBDfKI+Nd5sbRxoX/V5hnl5sVhkFYbP6o5Gt6VUQMgFnfTQ2fWR1N0H4j3/8I1khzlrN3HjjjZPV/vQkgSNBGgWTFBcTPsfNc0hDFHukKcVT63Cu4l6gCF9B2EgzHHWjenXMR/1gb6ydQKfDzZ4+RAeOOul27D/jItWTPV2dgpDUP0QL4ov9VjiqpBPijDG2pNMbqScdIezV7uK3+xB7MW2SZ5BySvoojj4H1eCYk9YYhVPt0IdpQIzecdIrKbe8Q9zTGR1P9tiRThoPPYmfqOgmCIkOpg/oiY9HSMRv2RIlI20SUcj4jjPL3IEwQSR11k15DuQgQ4X9fqSH0g/YD/NHjPSVJQhHeqe8gjDyZn8jNo4gjqdtI1RJwyRCzR69rM895UkZHW4xrdOGhxOE9BsLLsz52AUCkfthwf5efm8Kwv//cfW6hxB7zmPjWf2bZ1xUEDZ5JM5um4Kw//qstBazcs7BLjgX6TTK0QrCmPKEo0LK6HD7FbImOE5jY69gt6PiI4iRUidiuXgoA6KRfRysjrEXiCseQBBFo6eMlmZmlVfcq2NeeYN94JgR6HRo474+TshD4HHIB/upiBhlOb8IPyKD6c8h5E0ZjWmDRGPiQSnxxUiRY/zBKWNfY/z4+nDpdtzz3HPPDR24RV3xO2SIm6bvIaS98WPzjMWMwwiV+CkE/p4xH0HAAl7cGxj3RXb+juM+PdJnEWhZF3Ug9LmoM85B0aElSpi1hxDRTfow33BLty9vymhnhDBGRjs/odFpc3neiXfJKwjjya5xH37sg0WLFiXiGHujHzoPWoos8wjC2Kd5bLjbYitCMJ6uG1Oh+TP29HI6ed49hHk5j9kAU2NF0VY4lGc0p4yysJXHxrMEYZ5xUUFYo3GM8tEKwlGCa+Nt7LXAQSJlJ57CGScfTjSLx0MzyeLEMNmkHaW4+k5EkL0bDOgIK8rhrMRDGaiTPTSsAseDZrImOBwDVvBx1mgTaVJcOEbcz/Hi/FkeQRgPo2HFNx0RZCWSFFJWIRlUcRiy9iHEwyeuvfbaEb/d1Ebb6Od3UhD2c+/11vYsh5aDQRgzEAjxNEqESVZZyjHWsFcK0cXFvkP2InLPcBHCOP5RPu1wkxJHWjsRLMZJxqA8B3JQBoc6vUAWnXGc6XR0sjdq5d5NZIM0Xa54OEt8Yowg8f+kC6aFdOfvOB4gwtgMk3hyLP9PPezPRFywXx1xnu6DeOIp0Uf6oJvQI/IYDzmhTRwAhEhhMaFIymjcIxejyjHjpXPOzPNO2G1eQdgZIYxii/dnTyMRZqJv3b7zmEcQwqXooTKdKaPxXADakhb37CvlYJl4WutIEcK8nMu18GpqL/odwk5hRyo1GREj2XiWIMwzLioIq7GDsXyKgnAsafZ5XTGCxup5/MxDPP6clVLSSuJEFsUj6ZiUZXWQk6cYPNIfdo5HaJOqwiolkzZ1MrFyTDaTatwb0/lhepwdVjIpy3eq+IdVLUQdK+UcTEDaUR5BGE+eQ6wywce9IzwDcctqGw4VKUZxUuGddtlll0S40gbeJZ4SBw+v/iAQnb1uqcs45pxW220fTH+8pa3MIpDl0MbfNwtVOJ9RdGSVjeMcaYwIFE5IZizAoR5pDyHtieNf+rMTfDeOMTaeSJr3yH6cd5x4HC3GUoQB0RMEJe+RFSVoolXEyEYU4/z24hUPIuPfcQEy/l3Wwk78xAD7P4mUUCfptHBBbLKYiIgmzTN+7oH5hvtYcPzgBz+YlOmsO0aSWTxgPmOeW758eSI0iewW3UPIO2R9DoGsHObd9JyZ553yCkKeyx5IBDhbLOIptvHTKfw941/6hNS0zeQVhHltuFuEMOt+bIDPfNC3tA/fYyRBWIRzE38bRdsUMwSwIU5R5sAgMhqWLVuW+CqkmkdfpVPYsTgAz5FsPEsQ5hkXFYRFe7P+8grC+vugUS0gVYbPOsSPMDMIk/KEs5H+gTNhMljzPSMGDI5qZ5WRD+/GU/zii3GUOCecMVDFjykjBDnQJUb9uk1wlEcA8r0mJicGMSZP0oTiZvORBGH8ID0r9UwsHGaQvqKjhWMSRS9tJlqK04h4JBrJHgsm1m4fAG5UR9qYIQLR2et2uBH2TUqzgrB9RtPNoWW8YexiUQlHmSurbNZHrvmcAU4UdkXkkHFxONvp/Cg6K/KIlfQ4lOej3rQxPZayKMa4izhEDPXLMe9R9NH2zqhmjHgipDtPl+4W6UdgMmfFj8ez3YFIE+N1OkU0lqFPyUxB1PHbp0xW3fQJhwmxbQERSL8xb7FIiZONYGW+zDqIqDNllL7LsqVuc+ZI71REEPJc0kOZu5gDeV8io7vttlsyh7JHFmZE7Tqd+LyCkPfLY8PdBGHW/XGux/eI0d88grAI5zaMeESBzz777MRnw9fJ8pF4zyxhl8fGKdM5vuUZF2NGRRsYD8o7KAgHpad9TwlIQAISkIAEJCCBgSPgSdoD1+WFX1hBWBiZN0hAAhKQgAQkIAEJSKA/CMQTXzlIiGhwv2QU9AfddrRSQdiOfvQtJCABCUhAAhKQgAQksAIBDsYipZRzHuIBeiKSQCcBBaE2IQEJSEACEpCABCQggRYS4DMRnO/AoTOcsh73ZLbwVX2lHggoCHuA560SkIAEJCABCUhAAhKQgAT6mYCCsJ97z7ZLQAISkIAEJCABCUhAAhLogYCCsAd43ioBCUhAAhKQgAQkIAEJSKCfCSgI+7n3bLsEJCABCUhAAhKQgAQkIIEeCCgIe4DnrRKQgAQkIAEJSEACEpCABPqZgIKwn3vPtktAAhKQgAQkIAEJSEACEuiBgIKwB3jeKgEJSEACEpCABCQgAQlIoJ8JKAj7ufdsuwQkIAEJSEACEpCABCQggR4IKAh7gOetEpCABCQgAQlIQAISkIAE+pmAgrCfe8+2S0ACEpCABCQgAQlIQAIS6IGAgrAHeN4qAQlIQAISkIAEJCABCUignwkoCPu592y7BCQgAQlIQAISkIAEJCCBHggoCHuA560SkIAEJCABCUhAAhKQgAT6mYCCsJ97z7ZLQAISkIAEJCABCUhAAhLogYCCsAd43ioBCUhAAhKQgAQkIAEJSKCfCSgI+7n3bLsEJCABCUhAAhKQgAQkIIEeCCgIe4DnrRKQgAQkIAEJSEACEpCABPqZgIKwn3vPtktAAhKQgAQkIAEJSEACEuiBgIKwB3jeKgEJSEACEpCABCQgAQlIoJ8JKAj7ufdsuwQkIAEJSEACEpCABCQggR4IKAh7gOetEpCABCQgAQlIQAISkIAE+pmAgrCfe8+2S0ACEpCABCQgAQlIQAIS6IGAgrAHeN4qAQlIQAISkIAEJCABCUignwkoCPu592y7BCQgAQlIQAISkIAEJCCBHggoCHuA560SkIAEJCABCUhAAhKQgAT6mYCCsJ97z7ZLQAISkIAEJCABCUhAAhLogYCCsAd43ioBCUhAAhKQgAQkIAEJSKCfCSgI+7n3bLsEJCABCfQVgSuuuCIcffTR4dvf/nbYfvvtc7d9tPflfoAFJSABCUhgYAkoCAe2631xCUhAAoNJ4Ic//GE4/fTTw5577hk+9alPhfHjx2eCQIR96UtfChtssEH4/ve/H9Zcc82egY1W2I32vp4bbAUSkIAEJNB6AgrC1nexLygBCUhAAmkCURCutdZa4Xvf+16YNm3aSwA9//zz4Qc/+EE466yzkr9XEGpDEpCABCTQVgIKwrb2rO8lAQlIQAKZBBCECL0XXnghfPrTn04ihZ3XHXfcET772c+Gxx57LKyzzjoKQm1JAhKQgARaS0BB2Nqu9cUkIAEJSCCLAILwtttuCxMmTEj++hvf+EaYNGnSCkVPOumksHjx4mSf3w033LCCIHzmmWfCySefnKSdPvDAA4FI44EHHhj22muvMHHixKF6KLdw4cJwyimnBCKO22yzTdhhhx3CvHnzXrKH8K677go/+tGPwlVXXZWksO66667hiCOOCGussUZSnymj2rIEJCABCZRFQEFYFlnrlYAEJCCBRhJAEN53331hl112Cfz3t771rbD11lsPtfWJJ54IX/nKV8L6668fNtpoo3DGGWcMCcKnn346KX/11VeH/fffP2y66abhuuuuC6eeemrYe++9w+zZsxOh+dxzz4X58+eH0047Lbz3ve8N22677VA5hGL6UJmbb7452as4ffr0sMceewSeceKJJ4ZVV101edaUKVMUhI20JBslAQlIoB0EFITt6EffQgISkIAEchJABC5btiwRfQizLbfcMnziE58I48aNS2pA7H3ta19LIoe33nprEgmMewgvvvjiRKR9+ctfDjNmzEjKv/jii4kgXLBgwZC4vP7668PnPve5cPDBB4dZs2YN1X3++eeHb37zm0OCEPHHc0hf5ZkxUklU8otf/GKYO3du2H333RWEOfvWYhKQgAQkUJyAgrA4M++QgAQkIIE+JoAgvOaaaxKRd8455yT7Cb/73e+GV77ylUlqJ4fJ3H333YlwO+GEE8LSpUuTsquvvnpyCM3tt98evvOd74TVVlttiMK9994bPvOZz4Sdd945SfVctGhREuWjXqKI8epM/bzlllsS4ThnzpxE+MWLvYtf+MIXwuabbx4++clPKgj72N5sugQkIIGmE1AQNr2HbJ8EJCABCYwpgbQgluoe3gAABKdJREFUfPDBBxNBhojjcJl4mMx+++0XDjjggCSlNIrHVVZZJYnmcRHNW3nllYfaFSN9/BmRPfYJxvvSn6voFITx/7u94D777KMgHNPetzIJSEACEugkoCDUJiQgAQlIYKAIpEVe3Kf3+OOPJ2LvggsuSKKC8XMUeQXhU089Fb7+9a8n+/5GIwgPOeSQZA9h57X22msnf+6hMgNlor6sBCQggUoJKAgrxe3DJCABCUigbgJpkUf0jn2BpHZ+9atfDZwuymcm4gfr02WLpoxSF8KSg2ni1Snsli9fHj7/+c+Ho446KvPzF93uq5uhz5eABCQggfYQUBC2py99EwlIQAISyEGgUxA+/PDD4eijjw5PPvlk4L+JFMZTR7PEY55DZW666aZE6BH523fffYcOlWG/IiIxnjLKXkFOGGXvIvXGz0xwUM21116b7D+cPHmyEcIc/WoRCUhAAhIYHQEF4ei4eZcEJCABCfQpgU6Rx2sQzeOU0K222io5TIbUT67Osr1+dmLJkiWB9FLEH9845LrssssSEbrxxhsH9i6yD/HSSy9N0lc5WGbHHXdUEPaprdlsCUhAAv1AQEHYD71kGyUgAQlIYMwIZAnCeNon3xbkMJl4ZZXt5cP0fLyeOtlnGAUhz7rxxhvDcccdl0QFuRCmhx12WNhiiy2S6KJ7CMes+61IAhKQgAQ6CCgINQkJSEACEpCABCQgAQlIQAIDSkBBOKAd72tLQAISkIAEJCABCUhAAhJQEGoDEpCABCQgAQlIQAISkIAEBpSAgnBAO97XloAEJCABCUhAAhKQgAQkoCDUBiQgAQlIQAISkIAEJCABCQwoAQXhgHa8ry0BCUhAAhKQgAQkIAEJSEBBqA1IQAISkIAEJCABCUhAAhIYUAIKwgHteF9bAhKQgAQkIAEJSEACEpCAglAbkIAEJCABCUhAAhKQgAQkMKAEFIQD2vG+tgQkIAEJSEACEpCABCQgAQWhNiABCUhAAhKQgAQkIAEJSGBACSgIB7TjfW0JSEACEpCABCQgAQlIQAIKQm1AAhKQgAQkIAEJSEACEpDAgBJQEA5ox/vaEpCABCQgAQlIQAISkIAEFITagAQkIAEJSEACEpCABCQggQEloCAc0I73tSUgAQlIQAISkIAEJCABCSgItQEJSEACEpCABCQgAQlIQAIDSkBBOKAd72tLQAISkIAEJCABCUhAAhJQEGoDEpCABCQgAQlIQAISkIAEBpSAgnBAO97XloAEJCABCUhAAhKQgAQkoCDUBiQgAQlIQAISkIAEJCABCQwoAQXhgHa8ry0BCUhAAhKQgAQkIAEJSEBBqA1IQAISkIAEJCABCUhAAhIYUAIKwgHteF9bAhKQgAQkIAEJSEACEpCAglAbkIAEJCABCUhAAhKQgAQkMKAEFIQD2vG+tgQkIAEJSEACEpCABCQgAQWhNiABCUhAAhKQgAQkIAEJSGBACSgIB7TjfW0JSEACEpCABCQgAQlIQAIKQm1AAhKQgAQkIAEJSEACEpDAgBJQEA5ox/vaEpCABCQgAQlIQAISkIAEFITagAQkIAEJSEACEpCABCQggQEl8H+GLaR198x23QAAAABJRU5ErkJggg=="/>
+          <p:cNvSpPr>
+            <a:spLocks noChangeAspect="1" noChangeArrowheads="1"/>
+          </p:cNvSpPr>
+          <p:nvPr/>
+        </p:nvSpPr>
+        <p:spPr bwMode="auto">
+          <a:xfrm>
+            <a:off x="307975" y="7937"/>
+            <a:ext cx="304800" cy="304801"/>
+          </a:xfrm>
+          <a:prstGeom prst="rect">
+            <a:avLst/>
+          </a:prstGeom>
+          <a:noFill/>
+          <a:extLst>
+            <a:ext uri="{909E8E84-426E-40DD-AFC4-6F175D3DCCD1}">
+              <a14:hiddenFill xmlns:a14="http://schemas.microsoft.com/office/drawing/2010/main">
+                <a:solidFill>
+                  <a:srgbClr val="FFFFFF"/>
+                </a:solidFill>
+              </a14:hiddenFill>
+            </a:ext>
+          </a:extLst>
+        </p:spPr>
+        <p:txBody>
+          <a:bodyPr vert="horz" wrap="square" lIns="91440" tIns="45720" rIns="91440" bIns="45720" numCol="1" anchor="t" anchorCtr="0" compatLnSpc="1">
+            <a:prstTxWarp prst="textNoShape">
+              <a:avLst/>
+            </a:prstTxWarp>
+          </a:bodyPr>
+          <a:lstStyle/>
+          <a:p>
+            <a:endParaRPr lang="en-GB" dirty="0"/>
+          </a:p>
+        </p:txBody>
+      </p:sp>
+      <p:sp>
+        <p:nvSpPr>
+          <p:cNvPr id="6" name="AutoShape 6" descr="data:image/png;base64,iVBORw0KGgoAAAANSUhEUgAAA4QAAAIsCAYAAACqdmcMAAAgAElEQVR4Xuy9e/BdVZXvO0MIhCAGCUh4irwEFEWlkQAhAgEUfIECIg0B5Nnpun+cOtW3q+v2Pefcc+tUn66uc6tOiYqERxJoQBBQMYpggzwUMUhoUIEEEFAegkAEISFAbn2XveLKytp7r7nXno89fp9dRaH85p5zrM8Ye6zxnXOuuSatXbt2reMDAQhAAAIQgAAEIAABCEAAAhOOwCQE4YTzORcMAQhAAAIQgAAEIAABCECgIIAgJBAgAAEIQAACEIAABCAAAQhMUAIIwgnqeC4bAhCAAAQgAAEIQAACEIAAgpAYgAAEIAABCEAAAhCAAAQgMEEJIAgnqOO5bAhAAAIQgAAEIAABCEAAAghCYgACEIAABCAAAQhAAAIQgMAEJYAgnKCO57IhAAEIQAACEIAABCAAAQggCIkBCEAAAhCAAAQgAAEIQAACE5QAgnCCOp7LhgAEIAABCEAAAhCAAAQggCAkBiAAAQhAAAIQgAAEIAABCExQAgjCCep4LhsCEIAABCAAAQhAAAIQgACCkBiAAAQgAAEIQAACEIAABCAwQQkgCCeo47lsCEAAAhCAAAQgAAEIQAACCEJiAAIQgAAEIAABCEAAAhCAwAQlgCCcoI7nsiEAAQhAAAIQgAAEIAABCCAIiQEIQAACEIAABCAAAQhAAAITlACCcII6nsuGAAQgAAEIQAACEIAABCCAICQGIAABCEAAAhCAAAQgAAEITFACCMIJ6nguGwIQgAAEIAABCEAAAhCAAIKQGIAABCAAAQhAAAIQgAAEIDBBCSAIJ6jjuWwIQAACEIAABCAAAQhAAAIIQmIAAhCAAAQgAAEIQAACEIDABCWAIJygjueyIQABCEAAAhCAAAQgAAEIIAiJAQhAAAIQgAAEIAABCEAAAhOUAIJwgjqey4YABCAAAQhAAAIQgAAEIIAgJAYgAAEIQAACEIAABCAAAQhMUAIIwgnqeC4bAhCAAAQgAAEIQAACEIAAgpAYgAAEIAABCEAAAhCAAAQgMEEJmBCEDzzwgFu8eHHhwlNPPdXtu+++ptz55ptvusmTJ7tJkyb1vK6VK1e6W2+91YnFK6+8UrTbfPPN3Xvf+173V3/1V27PPfcs+hjXz9tvv+3Wrl071tcwruyxe+IQuOKKK9z999/vpk6d6s466yy38847T5yLn4BX+swzz7jvfe977vHHH3dr1qxxG2+8sfvkJz/pZs+ePXY0dA+84IIL3Msvv+x22WUXd+aZZxZxXP20uZeuWrXK/fCHPyx+B7qX6r671157uVNOOcVtsskm67rT/ejRRx91P/jBD9zTTz/t1PeUKVOKGkTt+UxsArfccksRRyHq0ieffNItWLDAKVaPOuooN3fu3IkNm6sfCYEsBKES67PPPuvuuOMO9/DDD68TNEqu2267rTvooIPchz70oSLZNn2sCsK33nrLXX/99e7nP/+5e/e73+2+/OUvuy233HIDBEoOl112mXv11Vcb+UgYnnvuuW7mzJkjCZrYnfz2t791l1xyiXvttdfcJz7xCffxj388tgmMB4EJQaCLICy/6wOKYsaH1mjbLlu2zF1zzTWFEKx+xnVStZ8gbHsvffHFF4t7ze9///v1mKj+kCAsP6pZNAGrgl+TleWHiZTRxug494YgHGfvTUzbkwtCFfm6Kf3qV78qVoB6fbbaait38sknu/e85z0bNLEqCF9//XV30UUXOQkizVKedtpp7v3vf/96168ZzAsvvLC4gamNBPQHP/hB9653vcv97ne/K2Z+NXMpQfiOd7xjLKP83nvvdVdffXVh+6677lrM/FZnasfyojAaAhkSQBBm6JQAJr300kvuG9/4hvvDH/7gNtpoI7fffvu5973vfcVI2lXSNPEYwIyRdtlPELa5l0o0qhb5xS9+Udi1ww47FJPRWjXV/VSrjuWnukKjiepZs2YV7bULZ/fdd3fTpk0b6bXR2fgRQBCOn88musVJBeEf//jHYqvnE088UfhBgkU3pp122qn4/1oOv+eee4rtGBKLSrJnnHHGBqLQqiCszkJq69a8efOKbaDVj1YPdRPTR9t8jj322OIGX/202SaT6odQvbHWZ2FLm8pZWxUxn/3sZ90BBxyQylzGhYBpAqMQhCqQDzvsMDdjxoyBrLbbbrux3bkw8OIyblC9b8yZM8cdc8wxfR9JyPhS1pnWTxC2uZe+8MIL7utf/7pTXSJxpy3T9fttOdiNN97obr/99oLZ5z//+Ql9T2qzVXcc4mfUNiIIR02U/kITSCYINRt37bXXOq3+6KNVrRNOOMFtuumm612zEvnPfvYz953vfKdY6WpK1FYFYRvnX3XVVcWM5rhuVWkjCNtwoA0EINCdwCgE4bjmou70xqeHsliVr/QoQtPOm/G5mj9b2lWYVO9FeiZL25l7fcrfyfTp0938+fPHckV1VP7tyn1UduTWD4IwN49gzyACyQThQw895BYtWlSIPG0D1OrXZptt1mivROG3vvWtYrVQM3Innnii++hHP7qu7UQWhOWNSVt8dGPSDWqcPgjCcfIWtlongCC07uE/X18XP+dKqKswqdYR/Z5t1c4lPWf4m9/8phCC43jfHaUPu3IfpS059YUgzMkb2NKGQBJBqNVB3ZAefPDB4lmw008/vdh33++jZ+Euvvhi98Ybb7h99tmnOMmrPDUTQXj/2N6YEIRtfqa0gUAcAl2EQpfvxrk6RikJWPRVV2GCIBzu99GV+3Cj5v8tBGH+PsLC9QkkEYQ6FvprX/ua0zNh2gJ69tlnD3wIWydoan+/Dk/RiZvnnXfeukNS2gjC8iRTnQy2fPly96c//akgoVXJ3XbbzR155JFOz7P0+uj7etZRP/KnnnrK6SF1rVa+853vLA560TMz/VbnNKt45513uqVLlxbHYutkMj1rozF1aqZEbv3Zv+pMbnUmsiqietlbnhTXVnCJx49//OPiqG3Zp+tty0YCX4cC6fs6xlyn1omNbNZzgYcffvh6x39XbyC97K/O0LY9YllMZcdtt9227hhwHQigZ5kOOeQQ95GPfKTxpNqqPbL3S1/60jpfl8exy1c6bEHPaPaLk0EJRjEvTr/85S+LZ1XEWX1ry5Y4KRb7vV5E17hixYriGhWPYq242Xrrrd3HPvYxd+CBB/Y8jVe2rV69utiCrdV2PTNTxmG/8dvy7/c7rK5k/83f/E0xu64T+nSohQ5s0H/Tb0mfrr9V3+vUeFdeeaXTqYuaZNJvR7/Hpk/12atPfepT7tBDDx3k8nV/9/2dlF+s81ec1ONcv9W9997bHX300QXPXh/Fy09+8pPiH/3O9dHvVK+m0W9EOzGGfe1ELJExbC4tmQzzG6jyFENt09ep2NXf0KBcXvejnoVesmRJ8aog9anXPeg+MmgsPdemA2AG+boeA23uG71Wxnq91miPPfZwRxxxRHGYWdOnujVVz+TpOnXNOvBMj4fo3r/jjju2/g0pf950003u17/+dXEPVn7ffvvti3uo+vnqV7/a87UTTbtpqqt9vYwoX2GhuqF8vdWg+25XHw4TK3Uf6b6g37YOvNHhOE2ntNf9o9pKdYryXDU/6PvVPtpw63UmQBO7um902ODNN99cvNZDfta1qFbU76OslXTvUs7+t3/7t/V+h23v08PGdGl/0/hbbLFF8doz2SmGbV47MYzf2tyTq/VQWZeVMbH//vsX+b7+WpbWP0QamiSQRBDqR64tF7o5qEj/4he/OBCuijYlCW0xVVDrplgKqEGCUAVAWej0OslUfelmqB9yvSBXIffd737X/fSnP+15Eqp+WNrK+oEPfGCDa9EpodoeWybYpotVkjvppJM22DbbdBNrc2P3EYQSJzqYRnybPmIjLnquov4uQ70uRDfJ559/vqcPdViQVoHLd5qFEIRiKzsk1nt9ttlmm6LYr79+o2qP/KfiRhMH1ePEyz5VgMjPOvzI56MY0s23V7/qS3GnrdA6pKDpnZG6McpP8levOO51jepfcXj55Zc7HdLT9NH4uolr/OqzvG1uPuqvjSDUpIne0SVBWl5DdbKj62912OuUwFL8yE8q1MWgKQ+ojdrqgKtzzjmnKEbbfIb5nZT9VvnrABDFq0RbUwz0OnhLfek3snDhwqIYb/roJGft2JCtwzwHGEMQdsmlw8ZGldWg35Da6hEITSqVExxNftTvXJMimhApP3UxNihmVOB/4QtfKHJRv0mkpvF7xWzdBsWYBILetVd/PUXZR7/7Q1Vw6Jo1GaV7uD6+MaYdRd/85jeLw+aaPprU0n1I97Gm9xCmEITD+rD6mx8UK/KR8qnOWejlIwk9PZaj+0P1U/WPJjt1UE6ve3n10Z5QglD3B50noVqrjJOqvYpzTd5L5Opeplqy6dPvPt01pjWe7sU6+Vz3gqaP8rCY6zeuT9OrXLr4bdA9eZB9skn3XZ1c7zMh0+ZeR5vxJZBEELbdmtEWa79CVAWexKBW5vTRLJMSiv5dzthrtUWrNUoi+oHUXyqrGSjNSuoHLDEhcaRZKN14lEA1SyXxoCSgB/TLU1I1noowvTpCSVY3cAlgJTO1VTLTLFhZoGvWpi4GBj0jOOjvg1YItcp06aWXFtdSHp8tG3WzVrLT9ekalIg1I63VifJTvbby6HKtmEisa8VRSV2HBimxKznq1ReaQat+BtmntoOSn169oZe0ahZMdurGpRNX5WMVXBJhjzzySOE/rRZqVlrFb/mpCkJdh9rpxnTwwQcX/tbqtOLnscceK/7W61r6xWs1hjS2YlCrgfpoFfJHP/rRuleHfPrTny5m76qf+iFMujb5QrGm+BFr/Q4Uh7rp6xqrR8erjeKwesy84lDXqfHFSMWLPvU4HMS/tLONIJR/yuJVq5q6DsWaClH9u+tvddjrrO5AED/Far2gFzvtUlC8aIu7Tjzu9W7Uqu+6/k6q/DVRoFhQXMp/YqhVKvm/9N+ee+5ZFH9V21TASQyWBZRiQ/EtQSv7NMmg57rLSRDfYl3XG1oQds2lw8ZG6UvxVZ7RvUJ5QisB8oFyikS2cnkptpuei2/yo1Z2JWSUM+W3D3/4w8VwTbYqt8ovEkbKJ8rZ+v96DU/1lQht7pttfaWVZAmN8v6mVSIJUN0rq3aUhbpWC6vitBQc5e9e+VOxp8lBTTopT/daXaxehyb69MiIrrnM8Zq40fUr/iU0q+8ObCsIq2O0rUvaPkPYxYc+saL6Q0JZ91nVFbovaGJTdlbrE8WZYqV6VkPdP+KhuNb3NTkkO5RbSu5N96ZRbBmtv8O0zE/Kb7oO5aby/ia7dA0at5oHlR+0cl/ep/W71KRdfcdE15iu15RirjygmBMn1Rr//u//vp44bxKEXfzW755ctW9QPdRUK7TJH7SxSSC5IPzMZz6zQfHri7pfIaqbuN7TJ4GirZ1//dd/vcHqi2ZxtGKpxKNEqBfQlis0+oGrkNaNvtdR1EpCWrlpWl0ot5j1Op5aMzkaW8KsadVhkOAb9Pd+gqv6bqZeKwsqfvTSe82MSzxoq255nLxmjlUs9Lo23fx1w1Gh1HQYUF3s9dpi0i/5aYzrr7/e3X333cUYWsVUUVLdfqs2ElyyQ/+7Hgf1FcumE2/lW80IltsKVXDXJw56xW1VbPSKIYkNxZmKCM3YSdBVb9wS1rrpy37NGGtloLqKqP8uBvKHbNUWKh0lr0/1md1eM6damdP1lc/1amJDkx5tBLmPIFRbCWLdIMWi+un6W+16neVR8r22jSrPaFZarH3yVtffSTX+FeNaJdTkTNX/1TwicSFBW10Jr8ZPk1jRNd13333Fyc8qLHMUhF1yadfY0MqLBLWKPf2G9PuTeKuKn/qkTf11Dk1+1MRQfVJB/SjOJNJ7/V6rE3k+kxPl762NINQEm3KS8pdyvsREfYWpKnqazgOoPkele4x2wShvtlnRLG2t+q6X8JR/NJlUvkMwtSDs6sO2saKJZtU3uk83TXbW7331be51/2i3Vv2+Vq2PtEVYu32qMTtqQagaTHFS3aVSvw7FhiauNYFetaX6G1SsqN6TwC0/o4jp6nkWTcw1lkSpdoWVu67qgrCr3/rVRNXXpzTVvNW6TLb6PvrgW5/TfnwIJBGEo37Ytp8g1A9Sz1wpUfR651V1xq/+fGL9+TKJxfqnKhrrN6L6Hv1y22S1j+pzSfXEMUjwDfp7P0FY3SZXFRD166u201aocrukCngl2H4v462Or2fclMCrn64rhNVVm6YioFpUlEWWCpeq4Kn6uNfqkPrRLKWKQsVS0/M+vX72KlZUSOpApPoLjqvfKX1ZL+j1fa3iKo7rorz6/Wo7xZme2VFhr/d46iXUitP6hEf1+9V21WPXR7lC2O8Zva6/1a7XWb3R17eNVp8z1MqhJkY0e93m0/V3UuXfr/ivCk/tdFAxoI/iQpM6egaq31ZXXaN+I8qnXQRhGybDnM7YJZeOMjZUiOoVSU3bujXxqFVETSDWf6tt/ViNw35j6Vk87W7p4qt+3y3713WqQO+1TV55SfGl/FbPL9V7/bCFZ3WiqF/8a4XoggsuKFaOUgvCrj5sGyttfFSd+O1Vn/QTBtX8ocm86vPe+t4oBWG/16BU/dsvj1UfSapvgW7DS9fUL6Y18aAV6UHPm+v5QcW/PvW6ro0d/fzW757c5n5dFY0+z3q2ye20GV8C5gVhG9f02wJSXd1RMtQsqURj209ZpKm9Vq40I9x0eEyv/gYJvkF/7ye4ysQ2qKBQwtdsl7ZmattSfTtjPxaDBN+gv6vvfgmuKqZVpOlwjF6fqrCtCrq2N7Q2ibZtXDS16zVrXy2IVJSdfPLJPWfYdWDNXXfdVWx31CqmtuhWhUJ9xrRqh34Heq+limcdUHLccccVf2573W22jA6KtUH8+v1Wu15nte/6xIBm4DUTr5ndfqJ6kP29/t7vd9DmN6J+e/GvFlJNM/xVm9qsHA3KVW0YDCMIu+TSrrFRrh5rNUL3gHK7d9O1apue2muFoirM2/qxLCRVcPbbiVAtfAflvrqdg/xc3xnT7+C36kRUXTCMYvJXuzL+9V//tbiEfivzg/L4oHvlKLeMdvVhm1hRvtLkg9rWJ7Lr/i7jtz6Z1dY//dgN4t4mHwyKR/VRzc/9Jn+r7KpnVIwipn2Y92Lr00cvv/W7J1frBU0MK19JQPOBwCACSQRhNfH63siaLmjQoTL6TnlKqPaPa/auPOGx3l9ToVJ9/ktiTslIiUbFlWaB+wm86nMvGksHrKio16yMnp0YdMrToJvYoL/3urFUZ/2GKc6q3NSXDrnQc3ZaMdTMVtOnaSaqzY2vX/IrE2abFyz3mhVre0NrK4z6/eiee+65QrBpxbA8bbbevi6aqiuT/d6P1WvctsK/jVjpN/6oBOGwv9Wu16nrL4v5+uxv6QM9S1V/D+qgJFv+fdjfSZvfSD9BWP1+2xduDyPcq0WdJi36HbhTPRisal+/fNwll3aJDe0IKA8TavMi8l4rFG386DOWj199BWE1V2rLnSaS+m3zrOZh7Uwod8K0FRz9fkPVlWHt7NCzcE2fQXl80L1yVIJwFD5sEys+PurFsK1/xlUQVmsOH16Kr6aYrsbYoN9FL7Y+dvTyW79apP6Mo7ad61Ri1ayqXVWD+mzZbnt/o934E0guCIcpcOvYBwlCzQzp+SgdVT3o0ySOyudr9HxW/SROzRhra1a/o7clPlWQqKisngyoH6X2oOtZk16vRBh0Exv09143lrazbYN46VkW2dDvBNWyjxCCsLz+Ntv4qsm8ulIyqJAo7e8iCCUGdIPRc369Tggtx6kX44Pie5CPBsXIoO+3ve5RCMIuv9Wu1ykO1a2F1W2jpaDot2W3H8cuv5M2xWE/QegzodBmpr7XdQ773baCUOMOm0u7xEY1V7Z5TVL1eqrb5Nv4sc3pjW0n2/rF4yBfVW3VrhBt92wj2uqrmm0FR7++24r5QXl8UAyMShCOwodtYqXf76Yfz+r2xbb+sSAIRxHT1dW3QVste7Edhd8G3ZMlCrWdXIsZ9ZNntVqoRYlBr0obVBfwd3sEkgjC6gxq03Nlvpj7FaLVwwA0Ky3hpR+ChFi5stf21DAdvKFth9qmWL4DrrRVfemkKR3k0XTyoESATkHT3nMdFlC+66/8vrbaaFa9Pvs56CY26O8hBWH1AW0lGR10oQNZ9Axck4gKKQjbzNxXCwYdrKGtFHqecFAh0VUQ1g++0WmCn/jEJ4pDP6rPIfUq0iaKIOz6Wx30W2iTV6qz++W2Uc2wlgdLDdqy2zRG199Jm+JwnAWhmOvZu6aJkvorhnSdw+TSLrFRvT9Un83tFU+9tqy18eMoxESbOPcRhINWlTVe9bTK6jbZtoIDQeiKXUPlGQVtYmUUwqKtf6wJwmFjelwEYfl7Ul7ViaeqWWV79VUeqlO1IKOTfn0eY2qTX2gzngSSCMLqi+n77QWvIh32xfTV2XE9v6dEUF8ubysI6y7WbHX5YtRy5bDtiqeKIB2lrdMvq69EqB+TPKiQGfT3kFtGqzO3vY4+H3RjG/R3MW+7ZbS6Vanp55hqy2j9GUAd0NB0IEWvIs1nhafputvOsLcpcENuGe36W+16neX1lydy6iap2XSddqeTgLVdtN9L63vx6/o7afMb6ScIfbYWDhIK/W5zXb7b5fbZJpd2iY3qJEGb7fVdtoxWt/LruTBt1ayeNtyLU3kUf1uOg3zle+gEW0anr0M/Ch+2+c1X7yvazaD6ps1Hk7flpPVEEoSjiOlRbBkdhd8GrRA2xYEm0nQqsBYl9NiK4nTQgVFt4ok2dggkEYTVY6TrJz72Qls9tUsvcVdhVhbV/VZQ2jx/0E8Q6nk4nZ4mEamVr6ZCvvrKgOqWourMd68bdv0I4PozlYME36C/97uxtC2SVAhrpkn/VnGsLY1tZ80H3dgG/X2QIBz2UJmqsAm9QliNz+oprfVY71Wk+RwqI79oJbu6stL2QA3FoiY2NItYjde2gqLrltGuv9Wu11n6o3pyrQotFVDaftPvBNpeeWsUv5M2v5F+grB6qEw9d7aNwTa3vEEio00fvdp0zaVdY2PYQ2Wqhzi19WOZl9tsgx+W6SBfDXsAh05RPv/889e9A7Wt4Oh3HdVDZfqdOTAojw+6V45qy6iupasP28RKdZJ80O+6F9+2/rGwQjiKmK4eCDNo+3gvtqPwWy9BWL2HN+2uKOOg+iqRYWNn2NzD9/IlkEQQCkf1xMemFylXkdW33NUPdegqCCV2dCy/tnbVZ4DL08L6nS5XPa69+v22hZi2n+qlu0o29RWYQTexQX/vd2Op+qDfyk9VjJenvLUtdLX6qVc1aDYqxJbRtkeSV98L1e+1E21PL2u7Elwv1HsJQtknTlolqz9DWD3Fr9fLdjVOdaKleupc9bm4fsfYV4VQdSt324fgywNZZEuv16f0O6ykjSDs91vtep1lztHvWQXdPffcU5zWqt++2NRfRdEmrY/id9KmOOwnCGO/dmKYA2kGseyaS7vGRnX1ul8ctH3tRL/nj6rvuxz0qgb95jVZ6bvla5AgrIqaQcfrt33tRNPLuQf5XX9vm+Nzeu1EVx+2+c1XX4XT7zUMJWPlgfrjLBNJEI4qpru+dmIUfusnCMtXB/WbUKoK27a79Nr8Vmkz3gSSCcJqga4b2oEHHlg8uF5PWPUXJje92LufIKweVd70Qm/9MPRSefWhT10QVgsBPT+kGcq6jdUVwuqPq1qIqUjSEeL148rrL2+vvxZgkOAb9Pd+N5Y2L6ZXGwkVvWhVCUYvvNZKSfXaer08We/i0ul82qagT1MRpBfe6/ksjdPr1K5+2yPavphe2yR0KJBWv/q9mD6EIKzGUNNLwcXy5ptvdnplhK6nqaAe9GJ68dVMul5er2usvhS7zUu5qy/0rb9gujqzWo2Bauqrvih7WEHY9bfa9Tqr11OdLNF/H/QKgF63gVH8TtoUh/0EYRkbOlhLjMbxxfRdc2nX2Gj7Yvqbbrpp3e+434vp+wnCel5uelm4fKr7joo/vQ9T73cddGJ1NUbbCMI2L/HWYxPK8fr9D3ox/bCCUL7TPVovnR+XF9N39WHb33x1slbnD4ixcnR9Qv3BBx90N9xwQ/HIjCb7ygmEUQhCxcBXv/rV4j7f5hnbplzZJh7bHoTXj90oYrra/7Avpu/qt341UZvX81RXCId5Ln68ZQ/W9yKQTBDKICUQPZujw1ZKMXbwwQcX79RRwtLfNUuv2V0VypoFO+OMMzY4eKWfIHzppZeK1T/dPHUzUdL88Ic/XNw89QyfbjLVk0PrgrBaKMtGHQSiQ2ne+973FlsoVThqZUSzk+r/05/+9Hrv6asWyhKSWqHR4TPafiqbfvrTnxZiVH3puiW49O648jNI8A36+6AbS90+2SYbxVrPwkioyA+6Nh0ac/jhh6+zTQKkLDJ1bTpQRi8O1rXo4BwJIf3v8tNUBFW3T8gnH//4x4uXt4uPVo71GbRfvnocvexUwasHpTV5IMZKkLJHMdSUwAdtNSrtH2RHrx9Z/aAI+Vk3ZR3/rPfa6XUd1VNamwRhPQ51bfLFTjvtVMSvYlD+EG8Jdr03TLFcfuRDCW/x0G9LNwH5Wm0k3OVn/Vuf/fffvygwq9ujq4WDvqPfqX4LGlu/AfGtPrA+zAph199qmVO6XGfJqxqX+m+Dtgf1u8V0/Z0M+g2XY7c9XKuaa/V70BZjTTho0qf8vQ6zytemqOtyK+6aS7v+BnS/0E4Oxbx+Q5rA0m9IDPXb0YSOCj19mkR3Wz/q+9VrLcfShOZ2221XbN/XfUP3LglVja9nuPW7b/tp66vqK5d0TzjooIOK3KFJQP3utZVagqCXUGsrOAbZXS3kyxxf3qe0g0E8yolH9ZX6xfRdfdg2VnRP0zkEyt9ljaSYVGzqHqq4vOOOO4rftv4uZsrto3yGsD7ppfF33HHH4mokxN8AACAASURBVPESnebddMhe3d9t4nEUglDjdo3p6iS0+tPvQtese4RYtLkfdvVbv1qkOolfr4eU63U/0uvXlMf0O9YhUHvttdegnyB/nwAEkgpC8dXNRC+dVcLq99HNTkWmitD6Z9ApjBImeuF2/ZURZT9atdMPR1tf9AC/imkltPKjH5iEj37ovT66aetmeeyxx27wnKFm57Ryo4TW66NTRrU6WB1XbQcJvkF/b3NjUTGvGdhefJQ0tEVSx49XtyZJpFRnxOvXprZ6Ubz4S3RVT/astq0m6PK/9zpxrddWTQkqzVSraOv16RVDoQWh7NG2p8suu2y9oqVqp0Sibij33XffBi+0rsah/FSK26brVB+KIxWJ9Y9WY7WiUC2cqm36rdRXbzJN4+qmr3cdKdb1GUYQ6ntdf6vqo8t1Vq+tfG5M/00TFTpBeJhP199Jm9+w7BqUB6urOU3XoRyk+FE/OQpC2dwll44iNgbFlsZQntPW8PpKTVs/lr5Zvnx5kZf7vdKn131jUJy2KcDVhwpXTaj94Ac/2OD4+nIM5XlNkmr1qf6M/agEYZvcoAlExbhybQ6CUDYP60OfWFF+ufXWWwuhU52Uq+d27YzRDqfqIUVt/TOozlDOuPLKK9cb32crYpt4HJUg7BrT4iphpd+mTvBs+kgk6tk8TfY23Q/137r4bdDktHKGdnaVk7y97tk67fyQQw7hvYSDEuYE+XtyQSjOmpXWErYSmgr68sXmSlwqUDT7oh9X04EubQohtdHqg8SL3kWo/nUT02yrtvVoZUuzu9///vcLtzc9uN7LRs3CaRZMN0SJ1V4v/CxndcvVIPUnoaXCXastWrXUjFr9MygRD/p72xuL7BMDvWC+fCWGVir33nvvda/paPpNKLlqJVEFg1ZydUMqxYFOPdP1aRW43HJ63nnnFVucqh8lRo2tVS6JUn1fq1THHXdc0WxQ8iv7Uj9K0JoRLY9YFmP5RWJdIrNptjKGIJSNuqHpmVQxfuWVV4pYER/Ft7ZM63nLRYsWFUVYr3d/KW40caGZ+fLVJ+U1alVUsdzrd1LeyLR9VivvmllXf/qdaVJE79LUy8R7xbBmPzWzqH/KGCnjX9/VSr9EedMNsM0Nv/Rj199q1+ss7VAxd+mllxa5Qi/E1q6AYT9dfidtf8ODBKFsr/tQ/00rvvptaMVZfajQyVUQyt5hc2npOxVzw/4GesWW8op2nyjP6F7V9ExfWz9WY6zJ1vK+oUKu1/trB8Wpz+9RfWlngUSH7p/KXfro/qBJIN1Dt91228Yh2wqOQfb2yg1l7lO+/MAHPlBMeGniNhdB2CteBvlwmFhp8pFyu3aRSKwrPuu5va1/BtUZ5aM9qqF0Py1fhq5XaWkr8aBPm3gclSAsbRk2psvv695ZnjJf3kvLmkn3w3IHnHJuv+3Sw/itTU2keki/BdVWWmGXHfK/Jqo0OaDfrXZj8YFASSALQYg7IAABCORGYMmSJYXw1qq9dg20Of4/t2vAHghAAAIQgAAEIDCIAIJwECH+DgEITDgC2np24YUXFs94+pwoO+FAccEQgAAEIAABCIw9AQTh2LuQC4AABEZJoPrAv1YFzznnnGIrLR8IQAACEIAABCBgkQCC0KJXuSYIQMCLgJ6v0DOceoZVB/uUJ27q2U49y9rruUqvQWgMAQhAAAIQgAAEMiSAIMzQKZgEAQjEJVA9WKgcWQdT6EhuvR6EDwQgAAEIQAACELBKAEFo1bNcFwQg0JqATk7Uabg6KVfbRHV6o54d9HnZd+vBaAgBCEAAAhCAAAQyIoAgzMgZmAIBCEAAAhCAAAQgAAEIQCAmAQRhTNqMBQEIQAACEIAABCAAAQhAICMCCMKMnIEpEIAABCAAAQhAAAIQgAAEYhJAEMakzVgQgAAEIAABCEAAAhCAAAQyIoAgzMgZmAIBCEAAAhCAAAQgAAEIQCAmAQRhTNqMBQEIQAACEIAABCAAAQhAICMCCMKMnIEpEIAABCAAAQhAAAIQgAAEYhJAEMakzVgQgAAEIAABCEAAAhCAAAQyIoAgzMgZmAIBCEAAAhCAAAQgAAEIQCAmAQRhTNqMBQEIQAACEIAABCAAAQhAICMCCMKMnIEpEIAABCAAAQhAAAIQgAAEYhJAEMakzVgQgAAEIAABCEAAAhCAAAQyIoAgzMgZmAIBCEAAAhCAAAQgAAEIQCAmAQRhTNqMBQEIQAACEIAABCAAAQhAICMCCMKMnIEpEIAABCAAAQhAAAIQgAAEYhJAEMakzVgQgAAEIAABCEAAAhCAAAQyIoAgzMgZmAIBCEAAAhCAAAQgAAEIQCAmAQRhTNqMBQEIQAACEIAABCAAAQhAICMCCMKMnIEpEICADQIL73jDPbdy7dAX89H3TnZHvH/job/PF9MSePGyb7g1zz9XGDGpjyn1CCnbTvurWe4dH5+b9iIYHQIQgAAEJgwBBOGEcTUXCgEIxCBwyY/fcFfctabzUP/7tKnu/TtO7twPHcQl8IeLvuJe+ublnQfd6SuXuk3ft3fnfugAAhCAAAQgMIgAgnAQIf4OAQhAwIPAf79+tbvt1296fKO56T8et6n7+N7DrxK+9dZb7oorrnCPPfaYO+ecc9z222/f2SY6GEzgmf/6f7o/3fXjwQ0HtNjuv/5Pt/nBc7z6efLJJ92CBQvcqlWrGr/3oQ99yJ1yyilefdIYAhCAAATsE0AQ2vcxVwgBCEQkkIsgfPbZZ92FF17o/vSnP7mjjjrKzZ3LFsQYYZCDINxjjz3cBz7wgQ0u913vepfbZZddYmBgDAhAAAIQGCMCCMIxchamQgAC+RPIRRDefvvt7rbbbnPbbLONW7NmjTv77LPdZpttlj/AMbcwB0F46KGHMgEw5nGE+RCAAARiEkAQxqTNWBCAgHkCOQjC119/3V100UVuyy23dB/5yEfclVde6U499VS31157bcD/mWeecdddd5176qmnir/tsMMO7nOf+5zbaaed1rWVoJTAvOOOO9xrr73mpk2b5j72sY8VomPKlCnFFsVLLrmkaH/mmWe6qVOnFv975cqV7oILLnDvec97iq2K5f/fcccdnVarfvrTn7r3v//9xd/Uxw9/+EP3i1/8Yt0YEjZz5sxxkyf/5VnKfrZom6zskI3nnXeee8c73lHYoe9cdtll7uWXX3bnnnuue+c73xksDsdZEDbFwjHHHON222231rFQNnzuuefcd77zHff44487+UUTE5/5zGecVi8nTfrz8Tm33HJLEVdHH320+8lPfuJeeeUVd9ZZZ7mdd97ZvfTSS8X3H374Yff2228X8fiFL3zBbbvttsF8R8cQgAAEJioBBOFE9TzXDQEIBCGQgyBUEX7ppZe6E044oSjmJQ4l9D7/+c+vK8Z18U888UTRTgJp9uzZBQ+Jvj/+8Y/ujDPOKIScivlrr73W3X///W7WrFlOYu63v/1tIeb0TJqKdAkuH0Go/jfffHO36667Fv/st99+buHChU7bXCUAJWQfeuihYkxtdz388MML29rYctddd7nvf//7bt68eesE8AsvvOC+/vWvu7333rtgEPIzroJQYlBxIhFdjQWxO+200wqWbfhLvGty4eKLLy4mBtTXJpts4pYuXVr89xNPPLHwdykIb7755kLwK65mzpxZ+F+CUbbovx988MFu4403LuLy1VdfLVa6t9tuu5AupG8IQAACE44AgnDCuZwLhgAEQhLIQRB+61vfKg6TKVfDlixZ4u67775i1WzGjBnrxJUOnZEQ0KEzWrHTR2JNzx5KQJ588snuN7/5TVHcf/zjH19vG6JWdrTCoxWdd7/73V6CUIW+CvutttqqGPORRx5xsvmzn/2s22effYr/JpEpsarVTrXVqqSE7iBbJB6+8Y1vuP3339996lOfKvq69957i/5LYRPS/+MqCG+99Vanf7785S8XEwH6/P73vy+E9J577um++MUvtuKvuFFcPf3004XfyniTHyX6tQpYxqXiR4LwyCOPdEcccUQhBCU6r7nmmiLuqt9//vnni7iMIepDxgd9QwACEMiRAIIwR69gEwQgMLYEUgvCUtBp5a1cDdPpkxJS2rL30Y9+tGDbb9VMxbgEmfrQapsElYp4reCUH23LXLFiRbG9TytBPiuE5RbSQU6WsNAq5vz589306dPdjTfeONAWrTxqe6jsK5+b1JbZ3/3ud8G3i+p6chCETaeM6jCZ6nbeOvtSNB977LHFSvBGG220gXva8H/zzTd7rsb+/Oc/L7Ynl6u35ZbRcpuoBtS23q997WuFCK2u5pbbfvXvftcxKKb4OwQgAAEIbEgAQUhUQAACEBghgdSCUIX9t7/97WLL53vf+97iysrVNq3AnH766cVzf+UrCgYdQFIXZU2ofJ8hbBKEembspptucr/+9a+LVcHyo+2jpSBsY4u+d+eddxZCVsJBz5xplUuCqL5ldoRuX9dVDoKw6ZRRbQWVwP/Vr37lFi9evAFfiXqtomqbrlZZ1YcmD7RiWz7D2YZ/v7gq/6ZtwIcccsi6ZwirgnDQqzMGCdsQPqVPCEAAAtYJIAite5jrgwAEohJIKQjLdw8++OCDjdesbZflOwlzEoRardQ2T4mST3ziE8V2VX2uv/76YuuhryAsVz91oI5EkASQDq4pt6OGDIgcBGE/ka8VOG29LT96vk+rcZokWLt2rXvxxRcLUfjAAw8U24klyHUgUbkVtLpi28SxX1zpu1qpbiMIe706oxS21YOGQvqTviEAAQhMBAIIwongZa4RAhCIRiClIJR4krBSga9nraofrbrpFM8DDjjA6eRICQOdAKqDYcpn7cr2aquTHSUg9YzXPffcUzx/uPXWW6/rUuJT7zjUqyzK0z31xzanjNZXCMvn16orReqrviIl+wfZImEjeyQCtX1W21wlREKfLlqCyV0QNv0QJAS1xVYf+bw8BfTRRx8tnvuTkNYzhG346yTZXgf4tNkyWop5HWITY0U3WmJgIAhAAAIZE0AQZuwcTIMABMaPQEpBWD3oRc/2VT9VkaRn67QtUKLpD3/4w3piSSJvwYIFxSEzWlXT4TQ63EUrd1p5Kj8SZnqmTFtTtY3v8ssvL04fPf/884tVJX1KgarVnuprJ+qCsHyWrHqgiUSpnkuUwChXCJcvXz7QlnKbrLbO6nRUfbT1MZa4GEdB2Ou1HBKJOu1TEwHyXxv+ijufQ2UUs9WJANmiuFQsaXJBp4+WHz3busUWW6w7qGb8sgMWQwACEMiTAIIwT79gFQQgMKYEUgnC8t2DEnq9Dt0oV2i0BVCrPk2vndD74PQ8X7/XTuiAFr124oMf/GDx2glt35MA++Y3v+l233334t2HWulRGz1fuO+++/YVhOXpoVqd0msGVq9eXbymQKuY1WcIm1570GSLQkdCVytVelVBeb0xQmocBaG4aIuoDt/RM5cHHXRQcajMsmXLChGo15dIVLfl7/PaiboglC1lXCqW9doKvRZFExN6R6VeS6H3XzYdehPDv4wBAQhAwCIBBKFFr3JNEIBAMgKpBKFO/NTpmvXXQ1RBNG3Hq7+MXC8AP/7449d711vTy+BVqGvFUFs09ZFY+PGPf+xuu+22QgTqVNDDDjuseN2FRF2/FUJ9X8LjhhtucHq9gISh+lY/d99993qvQmhji/rTNkitWurdhrG2i2rccRWEsl1bRPWKEols8dMrI/S8n7YVl9tI2/L3eTF9fauwbKl/X7ZICOodhojBZOmNgSEAAaMEEIRGHctlQQACaQikEoRprjbfUcsV0+233z7adtHUgjBfb2AZBCAAAQjkTABBmLN3sA0CEBg7AgjCPFymFVM9i3bSSSdFOV20vOqUK4R5kMcKCEAAAhAYNwIIwnHzGPZCAAJZE7jxvjfd//f91Z1tvGL+NDdz+qTO/Uy0DrRF9OGHH3Z33HGH22abbYqXoOt1FrE+K799rXv+K//Sebhdrvyu23jrbTr3QwcQgAAEIACBQQQQhIMI8XcIQAACngSWPv6W+8Mraz2/9Zfm++60kdv+XRsN/f2J/EU9x6iX0utZSL0qQc+exf689vO73Zsv/WHoYTf74IfdlJnbD/19vggBCEAAAhDwIYAg9KFFWwhAAAIQgAAEIAABCEAAAoYIIAgNOZNLgQAEIAABCEAAAhCAAAQg4EMAQehDi7YQgAAEIAABCEAAAhCAAAQMEUAQGnImlwIBCEAAAhCAAAQgAAEIQMCHAILQhxZtIQABCEAAAhCAAAQgAAEIGCKAIDTkTC4FAhCAAAQgAAEIQAACEICADwEEoQ8t2kIAAhCAAAQgAAEIQAACEDBEAEFoyJlcCgQgAAEIQAACEIAABCAAAR8CCEIfWrSFAAQgAAEIQAACEIAABCBgiACC0JAzuRQIQAACEIAABCAAAQhAAAI+BBCEPrRoCwEIQAACEIAABCAAAQhAwBABBKEhZ3IpEIAABCAAAQhAAAIQgAAEfAggCH1o0RYCEIAABCAAAQhAAAIQgIAhAghCQ87kUiAAAQhAAAIQgAAEIAABCPgQQBD60KItBCAAAQhAAAIQgAAEIAABQwQQhIacyaVAAAIQgAAEIAABCEAAAhDwIYAg9KFFWwhAAAIQgAAEIAABCEAAAoYIIAgNOZNLgQAEIAABCEAAAhCAAAQg4EMAQehDi7YQgAAEIAABCEAAAhCAAAQMEUAQGnImlwIBCEAAAhCAAAQgAAEIQMCHAILQhxZtIQABCEAAAhCAAAQgAAEIGCKAIDTkTC4FAhCAAAQgAAEIQAACEICADwEEoQ8t2kIAAhCAAAQgAAEIQAACEDBEAEFoyJlcCgQgAAEIQAACEIAABCAAAR8CCEIfWrSFAAQgAAEIQAACEIAABCBgiACC0JAzuRQIQAACEIAABCAAAQhAAAI+BBCEPrRom4bA22+7tW++6dzat9OM7zvqpI3cpI03dm6jjXy/SXsIQAACEIAABCAAAQhEJYAgjIqbwXwJ/Olnd7ln/vE/O7d2re9X07afNMlt99//xW3+sYPT2sHoEIAABCAAAQhAAAIQ6EMAQUh4ZE3gt//Hl92qX/8yaxt7GTd17/e7Hf/3xWNpO0ZDAAIQgAAEIAABCEwMAgjCieHnsb3KFUceOLa2y/Ddb757rO3HeAhAAAIQgAAEIAAB2wQQhLb9O/ZXhyAcexdyARCAAAQgAAEIQAACGRNAEGbsHExzDkFIFEAAAhCAAAQgAAEIQCAcAQRhOLb0PAICCMIRQKQLCEAAAhCAAAQgAAEI9CCAICQ0siaAIMzaPRgHAQhAAAIQgAAEIDDmBBCEY+5A6+YjCK17OO316bUmL11xyVidZKvTa991ypm80iRt6DA6BCAAAQhAwAwBBKEZV9q8EAShTb/mcFVrnn3aPXHa58fvHZeCN2mSe8+ib7kpM7fPASU2QAACEIAABCAwxgQQhGPsvIlgOoJwIng5zTWuvOGb7vkL/leawUcw6jbz/5Ob/rkTR9ATXUAAAhCAAAQgMJEJIAgnsvfH4NoRhGPgpDE18cVFC9yLixeMqfXObXXqWW6r084aW/sxHAIQgAAEIACBPAhkJQhXrVrllixZ4u699163Zs0aN23aNHfooYe6OXPmuMmTJ/cl9txzz7lrr73WPfXUU0W7HXbYwR1zzDFut912y4M0VgxFAEE4FDa+1IIAgrAFJJpAAAIQgAAEIGCeQDaCUAJw4cKF7sknn3SzZs1yM2fOdA8//LBbtmyZmz17diHuJk2a1OiQZ555xl100UVuk002Kdrq33fccYf74x//6M444wz3nve8x7wjrV4ggtCqZ9NfF4IwvQ+wAAIQgAAEIACB9ASyEYSPPvqou+SSS9zRRx9drArq89Zbb7lrrrnG6W/nnXeemzFjRiOxG2+80S1dutSdc845bvvt/3zIwvPPP+8uvPBCt+uuu7qTTz65p5hM7wIs6EcAQUh8hCKAIAxFln4hAAEIQAACEBgnAtkIwltvvdXdfvvt7txzzy1WB8uPVgivvvpqN2/ePLfXXns1sr3iiivcCy+84M4+++xim6k+2n4qganPmWee6aZOnTpOfhmZrT955C23/Lm3RtZf6I722HayO2jPv2wPRhCGJj5x+0cQTlzfc+UQgAAEIAABCPyFQDaC8KqrrnKPPfaYmz9/vps+ffo6C5944gl38cUXuxNOOMHtu+++jb771re+5R566KHiu1tuuWXR5rXXXiu2kaqvU089deAziBaD4r9dt9rd/tCbY3dph+61sfsvx29a2I0gHDv3jY3BCMKxcRWGQgACEIAABCAQkEA2glCrfBJ/dUGoZwoXLFhQbCOdO3duIwodJCPR+L73vc8df/zxbqONNnI333yzu+uuuwox2GtlMSDX5F1rZfAfr12V3I5hDfjvX5harBQiCIclyPcGEUAQDiLE3yFgh8BXfviG+8G/v+lef2PtWFzUZptMcp/44Mbub4/aZCzsxUgIQGC8CZgQhHLBgw8+6LTK+MYbbxQe2XjjjQtx+NGPfnRCPj+46I41buEdf2Yxjp/TZk9x82ZvgiAcR+eNic0IwjFxFGZCoCMBicHrl67p2Euarx+3/xREYRr0jAqBCUXAhCDUKuJll11WbA896KCDihVCPXv429/+1n3pS19ye+yxx4Ryqi5WYlCicFw/CMJx9dz42I0gHB9fYSkEuhD41L+8NjYrg/Xr1Erhjf/5z2cj8IEABCAQikA2gnDYZwj1uopLL73Uvf766+6ss85ym2++ecFKJ5TqNRavvvpqcdjMZptt1pfhK6+84h555JFQnKP3e/OjW7ubV2wdfdxRDXjk7i+4I3d7wU3/+/mj6jJJPyv/6YIk4zLoYAKb3rLETb3le4MbZtpi1dxj3eq5x2RqHWZBIB8Cf3dT84F0+VjY35J/PvqhcTEVOyEAgRER2HPPPd0WW2wxot4Gd5ONINQpo7fddlsh3nbcccd1lg86ZXTlypXuggsuKN41eMopp6x3xbfccktxcqmE4s477zxQEEoUWvlct2yqu37Znw9mGcfPcfutdsfvt8q9Nu/4cTR/nc3TFl431vZbNn7NDVe7NddfPbaXOOW4k9yUz500tvZjOARiETj1sr8cVBdrzFGOs/j0laPsjr4gAIExICAxOCEF4eOPP14cDHPUUUet9x7Cyy+/3D399NPu/PPPX3eCaNWP5WmiWgHUS+inTJlS/FkrhIO+OwbxMLSJbBkdGt1Iv7j7zXePtD86Gx0BtoyOjiU9QSBnAkf8jz/lbN5A2370D3/e+cQHAhCAQCgC2awQlgJO2zZnzZrldthhh+JVEvfff39xuugRRxxRHA6zYsUKt3jx4uIF9npeUJ8777zTffe733W77LKL23///dc9Q7h8+fL1vhsKYo79Igjz8AqCMA8/NFmBIMzXN1gGgVESQBCOkiZ9QQACFglkIwgFd/Xq1W7JkiVu6dKlTs8G6iXzet3EnDlz1r1HUCJv0aJF7rDDDnOHH3544ZO1a9cWwlFbRPWCev3/GTNmFGJwv/32KwTiRPsgCPPwOIIwDz8gCPP1A5ZBIDQBBGFowvQPAQiMO4GsBOG4w8zJfgRhHt5AEObhBwRhvn7AMgiEJoAgDE2Y/iEAgXEngCAcdw/2sB9BmIdjLQvCcX/RM1tG8/iNYAUEQhNAEIYmTP8QgMC4E0AQjrsHEYRZe9CqILTwomcEYdY/HYyDwMgIIAhHhpKOIAABowQQhEYdywphHo61KggtvOgZQZjHbwQrIBCaAIIwNGH6hwAExp0AgnDcPcgKYdYetCoILRRYCMKsfzoYB4GREbCQrwTjTz+7y710xSVu1a9/OTI2oTuauvf73btOOdNt/rGDQw9F/xCAQAcCCMIO8HL+KiuEeXgHQZiHH+pW6L1eCMI8fYNVEBg1AQuCcM2zT7snTvu8jlUfNZ7w/U2a5N6z6Ftuysztw4/FCBCAwFAEEIRDYcv/SwjCPHyEIMzDDwjCPP2AVRCIQcCCIFx5wzfd8xf8rxi4goyxzfz/5KZ/7sQgfdMpBCDQnQCCsDvDLHtAEObhFgRhHn5AEObpB6yCQAwCFgQhOxpiRApjQGDiEkAQGvU9gjAPxyII8/ADgjBPP2AVBGIQQBDGoNx/jK1OPcttddpZ6Q3BAghAoJEAgtBoYCAI83AsgjAPPyAI8/QDVkEgBgEEYQzKCML0lLEAAsMTQBAOzy7rbyII83APgjAPPyAI8/QDVkEgBgEEYQzKCML0lLEAAsMTQBAOzy7rbyII83APgjAPPyAI8/QDVkEgBgEEYQzKCML0lLEAAsMTQBAOzy7rbyII83APgjAPPyAI8/QDVkEgBgEEYQzKCML0lLEAAsMTQBAOzy7rbyII83APgjAPPyAI8/QDVkEgBgEEYQzKCML0lLtZoNeavHLTje7t11/r1lGkb2+02TS3xdGfcnqlCZ/uBBCE3Rlm2QOCMA+3IAjz8AOCME8/YBUEYhBAEMagjCBMT3l4CyQG9a7Lcfzo/ZaIwu6eQxB2Z5hlDwjCPNyCIMzDDwjCPP2AVRCIQQBBGIMygjA95eEteOwzh4/NymD9KrVSuOt3/m34i+ebBQEEodFAQBDm4VgEYR5+QBDm6QesgkAMAgjCGJQRhOkpD2/BiiMPHP7LGXzTaq0VEy2CMCbtiGMhCCPC7jOU1SRFgZU+vnjRc3ofYMF4ECBfpfcT+Sq9D/pZgCDM2z8xrEMQxqCcYAwEYQLoDUMiCPPwAyuEefoBqyAQgwCCMAZlVgjTUx7eAgTh8OysfBNBaMWTtetAEObhWARhHn5AEObpB6yCQAwCCMIYlBGE6SkPbwGCcHh2Vr6JILTiSQRhlp5EEGbpFvejf9jcvbhogXtx8YI8DWxhFVuwWkCiCQSccwjC9GFAvkrvg34WIAjz9k8M6xCEMSgnGIMVwgTQG4ZEWYyl9gAAIABJREFUEObhB1YI8/QDVkEgBgEEYQzKrBCmpzy8BQjC4dlZ+SaC0IonWSHM0pMIwizdwgphnm7BKggEIYAgDILVq1NWCL1wRW+MIIyOPLsBEYTZuWQ0BrFCOBqOXXtBEHYlGOb7bBkNw5VeIZAjAQRheq8gCNP7oJ8FCMK8/RPDOgRhDMoJxkAQJoDeMCSCMA8/1K1AEObpF6yCQAgCCMIQVP36RBD68YrdGkEYm3h+4yEI8/PJSCxCEI4EY+dOEISdEQbpAEEYBCudQiBLAgjC9G5BEKb3ASuEefsgtXUIwtQeCDQ+gjAQWM9uEYSewCI1RxBGAs0wEMiAAIIwvRMQhOl9gCDM2weprUMQpvZAoPERhIHAenaLIPQEFqk5gjASaIaBQAYEEITpnYAgTO8DBGHePkhtHYIwtQcCjY8gDATWs1sEoSewSM0RhJFAMwwEMiCAIEzvBARheh8gCPP2QWrrEISpPRBofARhILCe3SIIPYFFao4gjASaYSCQAQEEYXonIAjT+wBBmLcPUluHIEztgUDjIwgDgfXsFkHoCSxScwRhJNAMA4EMCCAI0zsBQZjeBwjCvH2Q2joEYWoPBBofQRgIrGe3CEJPYJGaIwgjgWYYCGRAAEGY3gkIwvQ+QBDm7YPU1iEIU3sg0PgIwkBgPbtFEHoCi9QcQRgJNMNAIAMCCML0TkAQpvcBgjBvH6S2DkGY2gOBxkcQBgLr2S2C0BNYpOYIwkigGQYCGRBAEKZ3AoIwvQ8QhHn7ILV1CMLUHgg0PoIwEFjPbhGEnsAiNUcQRgLNMBDIgACCML0TEITpfYAgzNsHqa1DEKb2QKDxEYSBwHp2iyD0BBapOYIwEmiGgUAGBBCE6Z2AIEzvAwRh3j5IbR2CMLUHAo2PIAwE1rNbBKEnsEjNEYSRQDMMBDIggCBM7wQEYXofIAjz9kFq6xCEqT0QaHwEYSCwnt0iCD2BRWqOIIwEmmEgkAEBBGF6J1gWhHeveMtdftcb7te/ezs96JYW7L3DRu6vD97EHbj75OIbK448sOU382xmtdaKSRtBGJN2xLEQhBFh9xnKapKiwEofX5YLrPR0scASAfJVem9azVfPvrzW/fVXX3Nr0yP2tmCSc+7yv5nmZm45CUHoTc/eFxCE9nxaXBGCMA/HIgjz8EPdClYI8/QLVkEgBAEEYQiqfn1aFYTXL13jvvLDN/xgZNT6b4/axB23/xQEYUY+SWUKgjAV+cDjIggDA27ZPYKwJajIzRCEkYEzHAQSEkAQJoT/H0NbFYTUWuljSxZYrbVi0kUQxqQdcSySVETYfYaymqQosNLHl9UCKz1ZLLBGgHyV3qNW8xW1VvrYQhCOxgcIwtFwzK4XklQeLkEQ5uGHuhWsEObpF6yCQAgCCMIQVP36RBD68YrV+rTZU9y82ZuwZTQW8IzHQRBm7JwupiEIu9Ab3XcRhKNjOcqeEISjpElfEMibAIIwvX8QhOl90GQBgjBPv6SwCkGYgnqEMRGEESC3GAJB2AJSgiYIwgTQGRICiQggCBOBrwyLIEzvAwRhnj7IxSoEYS6eGLEdCMIRAx2yOwThkOACfw1BGBgw3UMgIwIIwvTOQBCm9wGCME8f5GIVgjAXT4zYDgThiIEO2R2CcEhwgb+GIAwMmO4hkBEBBGF6ZyAI0/sAQZinD3KxCkGYiydGbAeCcMRAh+wOQTgkuMBfQxAGBkz37k8/ud2tXvHI2JDYdPc93eYHHTo29voYiiD0oRWmLYIwDNeuvfIMYVeCdr6PILTjy/WuBEGYh2MRhHn4oW4FgjBPv1ix6tn/5x/cq3f829hdzjtmH+5m/t//Y+zsHmQwgnAQofB/RxCGZzzMCAjCYajZ/A6C0KZfHYIwD8ciCPPwA4IwTz9YtEorg8/8l78b20vb7r/9s7mVQgRh+nBEEKb3QZMFCMI8/ZLCKgRhCuoRxkQQRoDcYggEYQtICZqwQpgA+gQZ8sVFC9yLixeM7dVaLNwRhOnD0WJciSq1VvrYkgVWa62YdBGEMWlHHIskFRF2n6GsJikKrPTxZbXASk+2mwUIwm78QnybfBWCql+fVvMVtZZfHIRqbbXWCsWrqV8EYUzaEcciSUWEjSDMA7aHFawQesCiqRcBBKEXriiNEYRRMPcdBEGY3gdNFrBlNE+/pLAKQZiCeoQxEYQRILcYwuqsFQVWC+cHbmK1wAqMLXj3CMLgiL0HIF95Ixv5F6zmK2qtkYfKUB1arbWGgjHklxCEQ4LL/WskqTw8ZDVJUWCljy+rBVZ6st0sQBB24xfi2+SrEFT9+rSar6i1/OIgVGurtVYoXk39Ighj0o44FkkqIuw+Q1lNUhRY6ePLaoGVnmw3CxCE3fiF+Db5KgRVvz6t5itqLb84CNXaaq0ViheCMCbZxGORpBI74D+Gt5qkKLDSx5fVAis92W4WIAi78QvxbfJVCKp+fVrNV9RafnEQqrXVWisULwRhTLKJxyJJJXYAgjAPB/SwgkNlsnbPWBuHIMzPfQjC9D5BEKb3QZMFHCqTp19SWMWW0RTUI4yJIIwAucUQVmetKLBaOD9wE6sFVmBswbtHEAZH7D0A+cob2ci/YDVfUWuNPFSG6tBqrTUUjCG/hCAcElzuXyNJ5eEhq0mKAit9fFktsNKT7WYBgrAbvxDfJl+FoOrXp9V8Ra3lFwehWluttULxauoXQRiTdsSxSFIRYfcZymqSosBKH19WC6z0ZLtZgCDsxi/Et8lXIaj69Wk1X1Fr+cVBqNZWa61QvBCEMckmHoskldgB/zG81SRFgZU+vqwWWOnJdrMAQdiNX4hvk69CUPXr02q+otbyi4NQra3WWqF4IQhjkk08FkkqsQMQhHk4oIcVHCqTtXvG2jgEYX7uQxCm9wmCML0PmizgUJk8/ZLCKraMpqAeYUwEYQTILYawOmtFgdXC+YGbWC2wAmML3j2CMDhi7wHIV97IRv4Fq/mKWmvkoTJUh1ZrraFgDPklBOGQ4HL/GkkqDw9ZTVIUWOnjy2qBlZ5sNwsQhN34hfg2+SoEVb8+reYrai2/OAjV2mqtFYpXU78Iwpi0I45FkooIu89QVpMUBVb6+LJaYKUn280CBGE3fiG+Tb4KQdWvT6v5ilrLLw5CtbZaa4Xilb0gXLVqlVuyZIm799573Zo1a9y0adPcoYce6ubMmeMmT548kIu+c/fdd7uf/exn7oUXXnBz584t/pmIH5JUHl63mqQosNLHl9UCKz3ZbhYgCLvxC/Ft8lUIqn59Ws1X1Fp+cRCqtdVaKxSvrAWhxNzChQvdk08+6WbNmuVmzpzpHn74Ybds2TI3e/Zsd8wxx7hJkyb1ZPPyyy8X33/uuefc+973PrfPPvu4nXbaqehnIn5IUnl43WqSosBKH19WC6z0ZLtZgCDsxi/Et8lXIaj69Wk1X1Fr+cVBqNZWa61QvLIWhI8++qi75JJL3NFHH12sCurz1ltvuWuuucbpb+edd56bMWNGIxu1u/zyy92zzz7rzjzzTLfNNtvEZJjlWCSpPNxiNUlRYKWPL6sFVnqy3SxAEHbjF+Lb5KsQVP36tJqvqLX84iBUa6u1ViheWQvCW2+91d1+++3u3HPPXW9VTyuEV199tZs3b57ba6+9Gtk8/vjjbtGiRe7kk092e+65Z0x+2Y5FksrDNVaTFAVW+viyWmClJ9vNAgRhN34hvk2+CkHVr0+r+Ypayy8OQrW2WmuF4pW1ILzqqqvcY4895ubPn++mT5++ztYnnnjCXXzxxe6EE05w++67byObG2+80f3qV79yBxxwgLvrrrvcypUr3Tve8Y7i+cEDDzzQbbTRRjGZZjEWSSoLNzirSYoCK318WS2w0pPtZgGCsBu/EN8mX4Wg6ten1XxFreUXB6FaW621QvHKWhBeccUVTuKvLgj1TOGCBQuKbaRNB8Rou+jixYsLQTh16tTi+cN3v/vd7he/+IVbsWKF+/SnP+0OOeSQmEyzGIsklYUbEIR5uGEDK3gxfaaOMWAWgjA/JyII0/sEQZjeB00W8GL6PP2SwqpsXjsxrCDUyaR69rB8fnCXXXYpOL7++uvFf9e/9fyhVgwn0gdBmIe3rc5aUWCljy+rBVZ6st0sQBB24xfi2+SrEFT9+rSar6i1/OIgVGurtVYoXiZXCEtBqIvTgTJaJSw/ei5R/5x11llu55137sv1lVdecY888khM9kHHuvnRrd3NK7YOOkbIzo/c/QV35G4vuOl/Pz/kMMH7XvlPFwQfI8UAf3dT8/O8KWwZZsx/Pvoht+ktS9zUW743zNez+M6quce61XOPycIWjPgLAeIqv2ggX6X3idV8Ra2VPrZkgcVaS2eibLHFFtEAZ7NCOOwzhP0E4QMPPFAcSCOhuOuuuw4UhBKFVj7XLZvqrl+26dheznH7rXbH77fKvTbv+LG9Bhk+beF1Y21/L+NPvewvz/mO4wUuPn2lW3PD1W7N9VePo/mFzVOOO8lN+dxJY2u/VcOJq/w8S75K7xOr+YpaK31sWa21JAYnpCDUSt5tt93mzj77bLfjjjuui7BBp4yuXbvWXXnllcXzh+eff77bcsst1333zjvvdD/84Q9brRDmEdKjs4JtDKNj2aUnq9sY2ILVJSpG812rW7BGQyddL2wZTce+18jkq/Q+sZqvqLXSx5YssFprxaSbzQqhXh2h00SPOuqo9d5DqPcLPv300xuIvSqke++9t3hf4ac+9al1B8iUK4dvvvlmITI322yzmFyTj0WSSu6CwgCrSYoCK318WS2w0pPtZgGCsBu/EN8mX4Wg6ten1XxFreUXB6FaW621QvFq6jcbQVi+XF7P8emk0B122ME99NBD7v777y9OFz3iiCPcpEmTipNDdaqoXmB/0EEHFde0Zs2a4sX0+pu+u9122xWnjEpknnjiiW6//faLyTSLsUhSWbgBQZiHGzawglNGM3WMAbMQhPk5EUGY3icIwvQ+aLKAU0bz9EsKq7IRhLr41atXuyVLlrilS5cWIm/atGnFauGcOXPc5MmTCz7Lly8vXkJ/2GGHucMPP3wds+p3tSo4Y8YMd+yxx7p99tmnEJIT7YMgzMPjVmetKLDSx5fVAis92W4WIAi78QvxbfJVCKp+fVrNV9RafnEQqrXVWisUr6Z+sxKEMS/c+lgkqTw8bDVJUWCljy+rBVZ6st0sQBB24xfi2+SrEFT9+rSar6i1/OIgVGurtVYoXgjCmGQTj0WSSuyA/xjeapKiwEofX1YLrPRku1mAIOzGL8S3yVchqPr1aTVfUWv5xUGo1lZrrVC8EIQxySYeiySV2AEIwjwc0MMKniHM2j1jbRyCMD/3IQjT+wRBmN4HTRbwDGGefklhFVtGU1CPMCaCMALkFkNYnbWiwGrh/MBNrBZYgbEF7x5BGByx9wDkK29kI/+C1XxFrTXyUBmqQ6u11lAwhvwSgnBIcLl/jSSVh4esJikKrPTxZbXASk+2mwUIwm78QnybfBWCql+fVvMVtZZfHIRqbbXWCsWrqV8EYUzaEcciSUWE3Wcoq0mKAit9fFktsNKT7WYBgrAbvxDfJl+FoOrXp9V8Ra3lFwehWluttULxQhDGJJt4LJJUYgf8x/BWkxQFVvr4slpgpSfbzQIEYTd+Ib5NvgpB1a9Pq/mKWssvDkK1tlprheKFIIxJNvFYJKnEDkAQ5uGAHlZwqEzW7hlr4xCE+bkPQZjeJwjC9D5osoBDZfL0Swqr2DKagnqEMRGEESC3GMLqrBUFVgvnB25itcAKjC149wjC4Ii9ByBfeSMb+Res5itqrZGHylAdWq21hoIx5JcQhEOCy/1rJKk8PGQ1SVFgpY8vqwVWerLdLEAQduMX4tvkqxBU/fq0mq+otfziIFRrq7VWKF5N/SIIY9KOOBZJKiLsPkNZTVIUWOnjy2qB9ezLa91PV7zp/vj62vSQW1jwzs0muVm7b+xmbjmpaI0gbAEtchPyVWTgDcNZzVfUWuljSxZYrbVi0kUQxqQdcSySVETYCMI8YHtYwTOEHrAiNr17xVvu//rmKjceUvAvYCQF/98Tp7oDd5+MIIwYL22HQhC2JRWuHYIwHNsuPfMMYRd6tr6LILTlz3VXgyDMw7FWZ60osNLHl8UC628Xvu5+/bu308MdwoK9d9jIfWXeZgjCIdiF/gr5KjThwf1bzFe6amqtwb6P0cJqrRWDXTkGgjAm7YhjkaQiwmaFMA/YHlawQugBK2JTCveIsHsMZbFwJ66Iq1AEqLVCkfXrF0Hox6upNYKwO8MseyBJ5eEWq0mKAit9fFG4p/dB3QImGvLziSwiX6X3i8V8xQph+rgqLbBaa8UkjCCMSTviWAjCiLBZIcwDtocVFO4esCI2pXCPCJsVwvSwW1pAvmoJKkEzaq0E0BuGRBB29wOCsDvDLHsgSeXhFqtJisI9fXxZnHEnroirEASIqxBU/fq0mK9YIfSLgZCtrdZaIZnV+0YQxqQdcSwEYUTYrBDmAdvDCmbcPWBFbErhHhE2K4TpYbe0gHzVElSCZtRaCaCzQhgEOoIwCNb0nZKk0vtAFlidtaJwTx9fFmfciSviKgQB4ioEVb8+LeYrVgj9YiBka6u1VkhmrBDGpJtwLARhQviVoa0mKQqs9PFlscAiroirEASIqxBU/fq0mK8QhH4xELK11VorJDMEYUy6CcdCECaEjyDMA34fK9iClaeLKNzT+8Vi4U5cEVehCFBrhSLr1y+C0I9XU2u2jHZnmGUPJKk83GI1SVFgpY8vCvf0PqhbwERDfj6RReSr9H6xmK9YIUwfV6UFVmutmIQRhDFpRxwLQRgRdp+hrCYpCqz08WWxwCKuiKsQBIirEFT9+rSYrxCEfjEQsrXVWisks3rfCMKYtCOOhSCMCBtBmAdsDytYyfGAFbEphXtE2D2Gsli4E1fEVSgC1FqhyPr1iyD049XUGkHYnWGWPZCk8nCL1SRFgZU+vijc0/ugbgETDfn5RBaRr9L7xWK+YoUwfVyVFlittWISRhDGpB1xLARhRNisEOYB28MKCncPWBGbUrhHhM0KYXrYLS0gX7UElaAZtVYC6A1DIgi7+wFB2J1hlj2QpPJwi9UkReGePr4szrgTV8RVCALEVQiqfn1azFesEPrFQMjWVmutkMzqfSMIY9KOOBaCMCJsVgjzgO1hBTPuHrAiNqVwjwibFcL0sFtaQL5qCSpBM2qtBNBZIQwCHUEYBGv6TklS6X0gC6zOWlG4p48vizPuxBVxFYIAcRWCql+fFvMVK4R+MRCytdVaKyQzVghj0k04FoIwIfzK0FaTFAVW+viyWGARV8RVCALEVQiqfn1azFcIQr8YCNnaaq0VkhmCMCbdhGMhCBPCRxDmAb+PFWzBytNFFO7p/WKxcCeuiKtQBKi1QpH16xdB6MerqTVbRrszzLIHklQebrGapCiw0scXhXt6H9QtYKIhP5/IIvJVer9YzFesEKaPq9ICq7VWTMIIwpi0I46FIIwIu89QVpMUBVb6+LJYYBFXxFUIAsRVCKp+fVrMVwhCvxgI2dpqrRWSWb1vBGFM2hHHQhBGhI0gzAO2hxWs5HjAitiUwj0i7B5DWSzciSviKhQBaq1QZP36RRD68WpqjSDszjDLHkhSebjFapKiwEofXxTu6X1Qt4CJhvx8IovIV+n9YjFfsUKYPq5KC6zWWjEJIwhj0o44FoIwImxWCPOA7WEFhbsHrIhNKdwjwmaFMD3slhaQr1qCStCMWisB9IYhEYTd/YAg7M4wyx5IUnm4xWqSonBPH18WZ9yJK+IqBAHiKgRVvz4t5itWCP1iIGRrq7VWSGb1vhGEMWlHHAtBGBE2K4R5wPawghl3D1gRm1K4R4TNCmF62C0tIF+1BJWgGbVWAuisEAaBjiAMgjV9pySp9D6QBVZnrSjc08eXxRl34oq4CkGAuApB1a9Pi/mKFUK/GAjZ2mqtFZIZK4Qx6SYcC0GYEH5laKtJigIrfXxZLLCIK+IqBAHiKgRVvz4t5isEoV8MhGxttdYKyQxBGJNuwrEQhAnhIwjzgN/HCrZg5ekiCvf0frFYuBNXxFUoAtRaocj69Ysg9OPV1Joto90ZZtkDSSoPt1hNUhRY6eOLwj29D+oWMNGQn09kEfkqvV8s5itWCNPHVWmB1VorJmEEYUzaEcdCEEaE3Wcoq0mKAit9fFkssIgr4ioEAeIqBFW/Pi3mKwShXwyEbG211grJrN43gjAm7YhjIQgjwkYQ5gHbwwpWcjxgRWxK4R4Rdo+hLBbuxBVxFYoAtVYosn79Igj9eDW1RhB2Z5hlDySpPNxiNUlRYKWPLwr39D6oW8BEQ34+kUXkq/R+sZivWCFMH1elBVZrrZiEEYQxaUccC0EYETYrhHnA9rCCwt0DVsSmFO4RYbNCmB52SwvIVy1BJWhGrZUAesOQCMLufkAQdmeYZQ8kqTzcYjVJUbinjy+LM+7EFXEVggBxFYKqX58W8xUrhH4xELK11VorJLN63wjCmLQjjoUgjAibFcI8YHtYwYy7B6yITSncI8JmhTA97JYWkK9agkrQjForAXRWCINARxAGwZq+U5JUeh/IAquzVhTu6ePL4ow7cUVchSBAXIWg6tenxXzFCqFfDIRsbbXWCsmMFcKYdBOOhSBMCL8ytNUkRYGVPr4sFljEFXEVggBxFYKqX58W8xWC0C8GQra2WmuFZIYgjEk34VgIwoTwEYR5wO9jBVuw8nQRhXt6v1gs3Ikr4ioUAWqtUGT9+kUQ+vFqas2W0e4Ms+yBJJWHW6wmKQqs9PFF4Z7eB3ULmGjIzyeyiHyV3i8W8xUrhOnjqrTAaq0VkzCCMCbtiGMhCCPC7jOU1SRFgZU+viwWWMQVcRWCAHEVgqpfnxbzFYLQLwZCtrZaa4VkVu8bQRiTdsSxEIQRYSMI84DtYQUrOR6wIjalcI8Iu8dQFgt34oq4CkWAWisUWb9+EYR+vJpaIwi7M8yyB5JUHm6xmqQosNLHF4V7eh/ULWCiIT+fyCLyVXq/WMxXrBCmj6vSAqu1VkzCCMKYtCOOhSCMCJsVwjxge1hB4e4BK2JTCveIsFkhTA+7pQXkq5agEjSj1koAvWFIBGF3PyAIuzPMsgeSVB5usZqkKNzTx5fFGXfiirgKQYC4CkHVr0+L+YoVQr8YCNnaaq0Vklm9bwRhTNoRx0IQRoTNCmEesD2sYMbdA1bEphTuEWGzQpgedksLyFctQSVoRq2VADorhEGgIwiDYE3fKUkqvQ9kgdVZKwr39PFlccaduCKuQhAgrkJQ9evTYr5ihdAvBkK2tlprhWTGCmFMugnHQhAmhF8Z2mqSosBKH18WCyziirgKQYC4CkHVr0+L+QpB6BcDIVtbrbVCMkMQxqSbcCwEYUL4CMI84Pexgi1YebqIwj29XywW7sQVcRWKALVWKLJ+/SII/Xg1tWbLaHeGWfZAksrDLVaTFAVW+viicE/vg7oFTDTk5xNZRL5K7xeL+YoVwvRxVVpgtdaKSRhBGJN2xLEQhBFh9xnKapKiwEofXxYLLOKKuApBgLgKQdWvT4v5CkHoFwMhW1uttUIyq/eNIIxJO+JYCMKIsBGEecD2sIKVHA9YEZtSuEeE3WMoi4U7cUVchSJArRWKrF+/CEI/Xk2tEYTdGWbZA0kqD7dYTVIUWOnji8I9vQ/qFjDRkJ9PZBH5Kr1fLOYrVgjTx1VpgdVaKyZhBGFM2hHHQhBGhM0KYR6wPaygcPeAFbEphXtE2KwQpofd0gLyVUtQCZpRayWA3jAkgrC7H7IShKtWrXJLlixx9957r1uzZo2bNm2aO/TQQ92cOXPc5MmTW1/tM8884y666CK38cYbu/nz57vp06e3/q6VhiSpPDxpNUlRuKePL4sz7sQVcRWCAHEVgqpfnxbzFSuEfjEQsrXVWisks3rf2QhCCcCFCxe6J5980s2aNcvNnDnTPfzww27ZsmVu9uzZ7phjjnGTJk0ayOatt95yl19+ufvlL3/pttxySwThQGJ5Njht9hQ3b/YmbsWRB+ZpYEurrCYpCqyWARCwmcUCi7gKGDAtuyauWoKK2IwVwoiwPYdi8t0TWKDmVmutQLgau81GED766KPukksucUcffXSxKqiPxN0111zj9LfzzjvPzZgxYyCbBx54wF1//fXF6qA+rBAORJZlAwRhlm5ZZxSFe3r/ULin90HdAgr3/Hwii8hX6f1iMV+JKoIwfWzJAgRhdz9kIwhvvfVWd/vtt7tzzz23WB0sP1ohvPrqq928efPcXnvt1feKX3nlFXfhhRe6vffe27388svuiSeeQBB2j5EkPSAIk2BvPSgFVmtUwRpaLLCIq2Dh0rpj4qo1qmgNmWiIhtp7IAShN7IgX0AQdseajSC86qqr3GOPPbaBgJOou/jii90JJ5zg9t13355XvHbt2uL5wwcffNCdc845xf9GEK7pHiGJekAQJgLfclgK95agAjajcA8Id8iuKdyHBBf4a+SrwIBbdG8xX+myEYQtnB+hCYKwO+RsBOEVV1zRKOD0TOGCBQuKbaRz587tecVPPfVUseX0k5/8pDvggANcr/66IxuPHkhSefjJapKiwEofXxYLLOKKuApBgLgKQdWvT4v5CkHoFwMhW1uttUIyq/dtQhCWB9LomUNtLZ06dSqC8I433KI7WCGM+WNqGstqkqLASh1ZzlkssIgr4ioEAeIqBFW/Pi3mKwShXwyEbG211grJzKQgvOeee9yNN97oTjvtNLf77rsX1+i7QqjnD/WPlc91y6a665dtOraXc9x+q93x+61yr807fmyvQYZPW3jdWNvfy/hTLxvvV7ksPn2lW3PD1W7N9VePrX+mHHeSm/K5k8bW/ibDiav07iSu0vugbgH5Kj+flBZRa+XhG4u11hZbbOH0T6xPNiuEwz5D+NKUdEA5AAAgAElEQVRLL7lvfOMbbo899nDHHXfculdTDCMIH3nkkVjcg49z86Nbu5tXbB18nFADHLn7C+7I3V5w0/9+fqghovS78p8uiDJO7EH+7qb+BzzFtsd3vH8++iG36S1L3NRbvuf71Wzar5p7rFs995hs7BmFIcTVKCh264O46sYvxLfJVyGojqZPaq3RcOzai8Vaa88995yYglCnjN52223u7LPPdjvuuOO62Bh0yqi+9/3vf79vLH3oQx9yp5xyStd4G6vv8wxhHu6yuo2BLVjp48viFiziirgKQYC4CkHVr0+L+UoEqLX84iBUa6u1ViheTf1ms0L4+OOPF6eJHnXUUeu9h1AvmX/66afd+eefX7xovv559tln3TPPPLPBf//JT37inn/++aK/7bff3u2yyy4xuSYfiySV3AWFAVaTFAVW+viyWGARV8RVCALEVQiqfn1azFcIQr8YCNnaaq0Vklm972wEoQ6EkfjTts1Zs2a5HXbYwT300EPu/vvvL04XPeKII4rtoCtWrHCLFy8uXmB/0EEH9WTlu2U0JvQYYyEIY1AePIbVJEWBNdj3oVtYLLCIq9BRM7h/4mowo9gteJ1JbOLtx6PWas8qZEurtVZIZtkKQhm2evXq4v2BS5cudTo5dNq0acVq4Zw5c9zkyZML25cvX+4WLVrkDjvsMHf44YcjCHsQIEnF/Bn1HstqkqJwTx9fFO7pfVC3gMI9P5/IIvJVer9YzFeiSq2VPrZkgdVaKybdbFYIY170RBiLJJWHl60mKQqs9PFlscAiroirEASIqxBU/fq0mK8QhH4xELK11VorJLOsVwhjXrj1sRCEeXjYapKiwEofXxYLLOKKuApBgLgKQdWvT4v5CkHoFwMhW1uttUIyQxDGpJtwLARhQviVoa0mKQqs9PFlscAiroirEASIqxBU/fq0mK8QhH4xELK11VorJDMEYUy6CcdCECaEjyDMA34fK3jWK08XUbin94vFwp24Iq5CEaDWCkXWr18EoR+vptY8Q9idYZY9kKTycIvVJEWBlT6+KNzT+6BuARMN+flEFpGv0vvFYr5ihTB9XJUWWK21YhJGEMakHXEsBGFE2H2GspqkKLDSx5fFAou4Iq5CECCuQlD169NivkIQ+sVAyNZWa62QzOp9Iwhj0o44FoIwImwEYR6wPaxgJccDVsSmFO4RYfcYymLhTlwRV6EIUGuFIuvXL4LQj1dTawRhd4ZZ9kCSysMtVpMUBVb6+KJwT++DugVMNOTnE1lEvkrvF4v5ihXC9HFVWmC11opJGEEYk3bEsRCEEWGzQpgHbA8rKNw9YEVsSuEeETYrhOlht7SAfNUSVIJm1FoJoDcMiSDs7gcEYXeGWfZAksrDLVaTFIV7+viyOONOXBFXIQgQVyGo+vVpMV+xQugXAyFbW621QjKr940gjEk74lgIwoiwWSHMA7aHFcy4e8CK2JTCPSJsVgjTw25pAfmqJagEzai1EkBnhTAIdARhEKzpOyVJpfeBLLA6a0Xhnj6+LM64E1fEVQgCxFUIqn59WsxXrBD6xUDI1lZrrZDMWCGMSTfhWAjChPArQ1tNUhRY6ePLYoFFXBFXIQgQVyGo+vVpMV8hCP1iIGRrq7VWSGYIwph0E46FIEwIH0GYB/w+VrAFK08XUbin94vFwp24Iq5CEaDWCkXWr18EoR+vptZsGe3OMMseSFJ5uMVqkqLASh9fFO7pfVC3gImG/Hwii8hX6f1iMV+xQpg+rkoLrNZaMQkjCGPSjjgWgjAi7D5DWU1SFFjp48tigUVcEVchCBBXIaj69WkxXyEI/WIgZGurtVZIZvW+EYQxaUccC0EYETaCMA/YHlawkuMBK2JTCveIsHsMZbFwJ66Iq1AEqLVCkfXrF0Hox6upNYKwO8MseyBJ5eEWq0mKAit9fFG4p/dB3QImGvLziSwiX6X3i8V8xQph+rgqLbBaa8UkjCCMSTviWAjCiLBZIcwDtocVFO4esCI2pXCPCJsVwvSwW1pAvmoJKkEzaq0E0BuGRBB29wOCsDvDLHsgSeXhFqtJisI9fXxZnHEnroirEASIqxBU/fq0mK9YIfSLgZCtrdZaIZnV+0YQxqQdcSwEYUTYrBDmAdvDCmbcPWBFbErhHhE2K4TpYbe0gHzVElSCZtRaCaCzQhgEOoIwCNb0nZKk0vtAFlidtaJwTx9fFmfciSviKgQB4ioEVb8+LeYrVgj9YiBka6u1VkhmrBDGpJtwLARhQviVoa0mKQqs9PFlscAiroirEASIqxBU/fq0mK8QhH4xELK11VorJDMEYUy6CcdCECaEjyDMA34fK9iClaeLKNzT+8Vi4U5cEVehCFBrhSLr1y+C0I9XU2u2jHZnmGUPJKk83GI1SVFgpY8vCvf0PqhbwERDfj6RReSr9H6xmK9YIUwfV6UFVmutmIQRhDFpRxwLQRgRdp+hrCYpCqz08WWxwCKuiKsQBIirEFT9+rSYrxCEfjEQsrXVWisks3rfCMKYtCOOhSCMCBtBmAdsDytYyfGAFbEphXtE2D2Gsli4E1fEVSgC1FqhyPr1iyD049XUGkHYnWGWPZCk8nCL1SRFgZU+vijc0/ugbgETDfn5RBaRr9L7xWK+YoUwfVyVFlittWISRhDGpB1xLARhRNisEOYB28MKCncPWBGbUrhHhM0KYXrYLS0gX7UElaAZtVYC6A1DIgi7+wFB2J1hlj2QpPJwi9UkReGePr4szrgTV8RVCALEVQiqfn1azFesEPrFQMjWVmutkMzqfSMIY9KOOBaCMCJsVgjzgO1hBTPuHrAiNqVwjwibFcL0sFtaQL5qCSpBM2qtBNBZIQwCHUEYBGv6TklS6X0gC6zOWlG4p48vizPuxBVxFYIAcRWCql+fFvMVK4R+MRCytdVaKyQzVghj0k04FoIwIfzK0FaTFAVW+viyWGARV8RVCALEVQiqfn1azFcIQr8YCNnaaq0VkhmCMCbdhGMhCBPCRxDmAb+PFWzBytNFFO7p/WKxcCeuiKtQBKi1QpH16xdB6MerqTVbRrszzLIHklQebrGapCiw0scXhXt6H9QtYKIhP5/IIvJVer9YzFesEKaPq9ICq7VWTMIIwpi0I46FIIwIu89QVpMUBVb6+LJYYBFXxFUIAsRVCKp+fVrMVwhCvxgI2dpqrRWSWb1vBGFM2hHHQhBGhI0gzAO2hxWs5HjAitiUwj0i7B5DWSzciSviKhQBaq1QZP36RRD68WpqjSDszjDLHkhSebjFapKiwEofXxTu6X1Qt4CJhvx8IovIV+n9YjFfsUKYPq5KC6zWWjEJIwhj0o44FoIwImxWCPOA7WEFhbsHrIhNKdwjwmaFMD3slhaQr1qCStCMWisB9IYhEYTd/YAg7M4wyx5IUnm4xWqSonBPH18WZ9yJK+IqBAHiKgRVvz4t5itWCP1iIGRrq7VWSGb1vhGEMWlHHAtBGBE2K4R5wPawghl3D1gRm1K4R4TNCmF62C0tIF+1BJWgGbVWAuisEAaBjiAMgjV9pySp9D6QBVZnrSjc08eXxRl34oq4CkGAuApB1a9Pi/mKFUK/GAjZ2mqtFZIZK4Qx6SYcC0GYEH5laKtJigIrfXxZLLCIK+IqBAHiKgRVvz4t5isEoV8MhGxttdYKyQxBGJNuwrEQhAnhIwjzgN/HCrZg5ekiCvf0frFYuBNXxFUoAtRaocj69Ysg9OPV1Joto90ZZtkDSSoPt1hNUhRY6eOLwj29D+oWMNGQn09kEfkqvV8s5itWCNPHVWmB1VorJmEEYUzaEcdCEEaE3Wcoq0mKAit9fFkssIgr4ioEAeIqBFW/Pi3mKwShXwyEbG211grJrN43gjAm7YhjIQgjwkYQ5gHbwwpWcjxgRWxK4R4Rdo+hLBbuxBVxFYoAtVYosn79Igj9eDW1RhB2Z5hlDySpPNxiNUlRYKWPLwr39D6oW8BEQ34+kUXkq/R+sZivWCFMH1elBVZrrZiEEYQxaUccC0EYETYrhHnA9rCCwt0DVsSmFO4RYbNCmB52SwvIVy1BJWhGrZUAesOQCMLufkAQdmeYZQ8kqTzcYjVJUbinjy+LM+7EFXEVggBxFYKqX58W8xUrhH4xELK11VorJLN63wjCmLQjjoUgjAibFcI8YHtYwYy7B6yITSncI8JmhTA97JYWkK9agkrQjForAXRWCINARxAGwZq+U5JUeh/IAquzVhTu6ePL4ow7cUVchSBAXIWg6tenxXzFCqFfDIRsbbXWCsmMFcKYdBOOhSBMCL8ytNUkRYGVPr4sFljEFXEVggBxFYKqX58W8xWC0C8GQra2WmuFZIYgjEk34VgIwoTwEYR5wO9jBVuw8nQRhXt6v1gs3Ikr4ioUAWqtUGT9+kUQ+vFqas2W0e4Ms+yBJJWHW6wmKQqs9PFF4Z7eB3ULmGjIzyeyiHyV3i8W8xUrhOnjqrTAaq0VkzCCMCbtiGMhCCPC7jOU1SRFgZU+viwWWMQVcRWCAHEVgqpfnxbzFYLQLwZCtrZaa4VkVu8bQRiTdsSxEIQRYSMI84DtYQUrOR6wIjalcI8Iu8dQFgt34oq4CkWAWisUWb9+EYR+vJpaIwi7M8yyB5JUHm6xmqQosNLHF4V7eh/ULWCiIT+fyCLyVXq/WMxXrBCmj6vSAqu1VkzCCMKYtCOOhSCMCJsVwjxge1hB4e4BK2JTCveIsFkhTA+7pQXkq5agEjSj1koAvWFIBGF3PyAIuzPMsgeSVB5usZqkKNzTx5fFGXfiirgKQYC4CkHVr0+L+YoVQr8YCNnaaq0Vklm9bwRhTNoRx0IQRoTNCmEesD2sYMbdA1bEphTuEWGzQpgedksLyFctQSVoRq2VADorhEGgIwiDYE3fKUkqvQ9kgdVZKwr39PFlccaduCKuQhAgrkJQ9evTYr5ihdAvBkK2tlprhWTGCmFMugnHQhAmhF8Z2mqSosBKH18WCyziirgKQYC4CkHVr0+L+QpB6BcDIVtbrbVCMkMQxqSbcCwEYUL4CMI84Pexgi1YebqIwj29XywW7sQVcRWKALVWKLJ+/SII/Xg1tWbLaHeGWfZAksrDLVaTFAVW+viicE/vg7oFTDTk5xNZRL5K7xeL+YoVwvRxVVpgtdaKSRhBGJN2xLEQhBFh9xnKapKiwEofXxYLLOKKuApBgLgKQdWvT4v5CkHoFwMhW1uttUIyq/edlSBctWqVW7Jkibv33nvdmjVr3LRp09yhhx7q5syZ4yZPntyTy9q1a93y5cvdjTfe6H7/+987/f9tttnGfeYzn3F77LGHmzRpUkymWYyFIMzCDRwqk4cbNrCClZw8HUPhnt4vFgt34oq4CkWAWisUWb9+EYR+vJpaZyMIJQAXLlzonnzySTdr1iw3c+ZM9/DDD7tly5a52bNnu2OOOaansFOba665xu28887uIx/5SHGdd9xxh3vhhRfcySef7Pbdd9/upMasB5JUHg6zmqQosNLHF4V7eh/ULWCiIT+fyCLyVXq/WMxXrBCmj6vSAqu1VkzC2QjCRx991F1yySXu6KOPLlYF9XnrrbcKoae/nXfeeW7GjBkbsHn11Vfd17/+dffOd77TnXHGGW7KlClFm+eff95deOGFbtttt3Wnn376uv8eE27KsRCEKen/ZWyrSYoCK318WSywiCviKgQB4ioEVb8+LeYrBKFfDIRsbbXWCsms3nc2gvDWW291t99+uzv33HOL1cHyo9W/q6++2s2bN8/ttddeG7DRiuKCBQsKETl37tx1f9f2UwlMfc4880w3derUmFyTj4UgTO6CwgCrSYoCK318WSywiCviKgQB4ioEVb8+LeYrBKFfDIRsbbXWCsksW0F41VVXuccee8zNnz/fTZ8+fZ2dTzzxhLv44ovdCSec4LX187XXXnMXXXRR8Syhto1OtOcIEYQxf0a9x7KapCiw0seXxQKLuCKuQhAgrkJQ9evTYr5CEPrFQMjWVmutkMyyFYRXXHGFk/irC8JeK4CDIN1zzz3u29/+tjv11FMbVxYHfX/c/44gzMODVpMUBVb6+LJYYBFXxFUIAsRVCKp+fVrMVwhCvxgI2dpqrRWS2YQQhBKWl156qdtnn33c5z//+b4nlJZAXnnlFad/rHyuWzbVXb9s07G9nOP2W+2O32+Ve23e8WN7DTJ82sLrxtr+XsafetlfVvHH8QIXn77Srbnharfm+qvH0fzC5inHneSmfO6ksbW/yXDiKr07iav0PqhbQL7KzyelRdRaefjGYq21xRZbOP0T65PNM4SjWiF88cUXi62i2naq5w4322yzViwlBh955JFWbceh0c2Pbu1uXrH1OJjaaOORu7/gjtztBTf97+eP7TXI8JX/dMFY29/L+L+7acPnecfpQv/56IfcprcscVNv+d44mb2eravmHutWzz1mbO1vMpy4Su9O4iq9D+oWkK/y80lpEbVWHr6xWGvtueeeE1MQjuIZwlIM6p2FOkhmq622yiNSE1jBltEE0BuGtLqNgS1Y6ePL4hYs4oq4CkGAuApB1a9Pi/lKBKi1/OIgVGurtVYoXk39ZrNCqFNGb7vtNnf22We7HXfccZ2tg04ZLRu+/vrrxXsMV65cWfQxkcUgSSrmT6j/WFaTFAVW+hizWGARV8RVCALEVQiqfn1azFfUWn4xELK11VorJLN639kIwscff7w4TfSoo45a7z2El19+uXv66afd+eef77bccstGNqtXry7eV6hTSvXOQb2gfqJ/mLXKIwKsJikKrPTxZbHAIq6IqxAEiKsQVP36tJivEIR+MRCytdVaKySzbAWhXkIv8afn+GbNmuV22GEH99BDD7n777+/eL/gEUccUbw6YsWKFW7x4sXFC+wPOuig4uX11157rbvvvvvcIYccUnyv/tluu+3We7dhTMCpxkIQpiK//rhWkxQFVvr4slhgEVfEVQgCxFUIqn59WsxXCEK/GAjZ2mqtFZJZtoJQhmmlb8mSJW7p0qVuzZo1btq0acVq4Zw5c9adFLp8+XK3aNEid9hhh7nDDz+82CJ6wQUXuJdffrknN606Vl9aHxNwqrEQhKnIIwjzIN/fih/9w+buxUUL3IuLF4yDuY02WiywKNzThyNxld4HdQvIV/n5pLSIWisP3yAIu/shmy2j3S+FHqoESFJ5xIPVJEXhnj6+KNzT+4DCPT8fNFlEvkrvJ4v5ihXC9HFVWmC11opJGEEYk3bEsRCEEWH3GcpqkqLASh9fFgss4oq4CkGAuApB1a9Pi/kKQegXAyFbW621QjKr940gjEk74lgIwoiwEYR5wPawgi1YHrAiNqVwjwi7x1AWC3fiirgKRYBaKxRZv34RhH68mlojCLszzLIHklQebrGapCiw0scXhXt6H9QtYKIhP5/IIvJVer9YzFesEKaPq9ICq7VWTMIIwpi0I46FIIwImxXCPGB7WEHh7gErYlMK94iwWSFMD7ulBeSrlqASNKPWSgC9YUgEYXc/IAi7M8yyB5JUHm6xmqQo3NPHl8UZd+KKuApBgLgKQdWvT4v5ihVCvxgI2dpqrRWSWb1vBGFM2hHHQhBGhM0KYR6wPaxgxt0DVsSmFO4RYbNCmB52SwvIVy1BJWhGrZUAOiuEQaAjCINgTd8pSSq9D2SB1VkrCvf08WVxxp24Iq5CECCuQlD169NivmKF0C8GQra2WmuFZMYKYUy6CcdCECaEXxnaapKiwEofXxYLLOKKuApBgLgKQdWvT4v5CkHoFwMhW1uttUIyQxDGpJtwLARhQvgIwjzg97GCLVh5uojCPb1fLBbuxBVxFYoAtVYosn79Igj9eDW1Zstod4ZZ9kCSysMtVpMUBVb6+KJwT++DugVMNOTnE1lEvkrvF4v5ihXC9HFVWmC11opJGEEYk3bEsRCEEWH3GcpqkqLASh9fFgss4oq4CkGAuApB1a9Pi/kKQegXAyFbW621QjKr940gjEk74lgIwoiwEYR5wPawgpUcD1gRm1K4R4TdYyiLhTtxRVyFIkCtFYqsX78IQj9eTa0RhN0ZZtkDSSoPt1hNUhRY6eOLwj29D+oWMNGQn09kEfkqvV8s5itWCNPHVWmB1VorJmEEYUzaEcdCEEaEzQphHrA9rKBw94AVsSmFe0TYrBCmh93SAvJVS1AJmlFrJYDeMCSCsLsfEITdGWbZA0kqD7dYTVIU7unjy+KMO3FFXIUgQFyFoOrXp8V8xQqhXwyEbG211grJrN43gjAm7YhjIQgjwmaFMA/YHlYw4+4BK2JTCveIsFkhTA+7pQXkq5agEjSj1koAnRXCINARhEGwpu+UJJXeB7LA6qwVhXv6+LI4405cEVchCBBXIaj69WkxX7FC6BcDIVtbrbVCMmOFMCbdhGMhCBPCrwxtNUlRYKWPL4sFFnFFXIUgQFyFoOrXp8V8hSD0i4GQra3WWiGZIQhj0k04FoIwIXwEYR7w+1jBFqw8XUThnt4vFgt34oq4CkWAWisUWb9+EYR+vJpas2W0O8MseyBJ5eEWq0mKAit9fFG4p/dB3QImGvLziSwiX6X3i8V8xQph+rgqLbBaa8UkjCCMSTviWAjCiLD7DGU1SVFgpY8viwUWcUVchSBAXIWg6tenxXyFIPSLgZCtrdZaIZnV+0YQxqQdcSwEYUTYCMI8YHtYwUqOB6yITSncI8LuMZTFwp24Iq5CEaDWCkXWr18EoR+vptYIwu4Ms+yBJJWHW6wmKQqs9PFF4Z7eB3ULmGjIzyeyiHyV3i8W8xUrhOnjqrTAaq0VkzCCMCbtiGMhCCPCZoUwD9geVlC4e8CK2JTCPSJsVgjTw25pAfmqJagEzai1EkBvGBJB2N0PCMLuDLPsgSSVh1usJikK9/TxZXHGnbgirkIQIK5CUPXr02K+YoXQLwZCtrZaa4VkVu8bQRiTdsSxEIQRYbNCmAdsDyuYcfeAFbEphXtE2KwQpofd0gLyVUtQCZpRayWAzgphEOgIwiBY03dKkkrvA1lgddaKwj19fFmccSeuiKsQBIirEFT9+rSYr1gh9IuBkK2t1lohmbFCGJNuwrEQhAnhV4a2mqQosNLHl8UCi7girkIQIK5CUPXr02K+QhD6xUDI1lZrrZDMEIQx6SYcC0GYED6CMA/4faxgC1aeLqJwT+8Xi4U7cUVchSJArRWKrF+/CEI/Xk2t2TLanWGWPZCk8nCL1SRFgZU+vijc0/ugbgETDfn5RBaRr9L7xWK+YoUwfVyVFlittWISRhDGpB1xLARhRNh9hrKapCiw0seXxQKLuCKuQhAgrkJQ9evTYr5CEPrFQMjWVmutkMzqfSMIY9KOOBaCMCJsBGEesD2sYCXHA1bEphTuEWH3GMpi4U5cEVehCFBrhSLr1y+C0I9XU2sEYXeGWfZAksrDLVaTFAVW+viicE/vg7oFTDTk5xNZRL5K7xeL+YoVwvRxVVpgtdaKSRhBGJN2xLEQhBFhs0KYB2wPKyjcPWBFbErhHhE2K4TpYbe0gHzVElSCZtRaCaA3DIkg7O4HBGF3hln2QJLKwy1WkxSFe/r4sjjjTlwRVyEIEFchqPr1aTFfsULoFwMhW1uttUIyq/eNIIxJO+JYCMKIsFkhzAO2hxXMuHvAitiUwj0ibFYI08NuaQH5qiWoBM2otRJAZ4UwCHQEYRCs6TslSaX3gSywOmtF4Z4+vizOuBNXxFUIAsRVCKp+fVrMV6wQ+sVAyNZWa62QzFghjEk34VgIwoTwK0NbTVIUWOnjy2KBRVwRVyEIEFchqPr1aTFfIQj9YiBka6u1VkhmCMKYdBOOhSBMCB9BmAf8PlawBStPF1G4p/eLxcKduCKuQhGg1gpF1q9fBKEfr6bWbBntzjDLHkhSebjFapKiwEofXxTu6X1Qt4CJhvx8IovIV+n9YjFfsUKYPq5KC6zWWjEJIwhj0o44FoIwIuw+Q1lNUhRY6ePLYoFFXBFXIQgQVyGo+vVpMV8hCP1iIGRrq7VWSGb1vhGEMWlHHAtBGBE2gjAP2B5WsJLjAStiUwr3iLB7DGWxcCeuiKtQBKi1QpH16xdB6MerqTWCsDvDLHsgSeXhFqtJigIrfXxRuKf3Qd0CJhry84ksIl+l94vFfMUKYfq4Ki2wWmvFJIwgjEk74lgIwoiwWSHMA7aHFRTuHrAiNqVwjwibFcL0sFtaQL5qCSpBM2qtBNAbhkQQdvcDgrA7wyx7IEnl4RarSYrCPX18WZxxJ66IqxAEiKsQVP36tJivWCH0i4GQra3WWiGZ1ftGEMakHXEsBGFE2KwQ5gHbwwpm3D1gRWz6/7d35sF2FGUf7pgQIQQCQpQ1sgUFFVkEl4AsKgiIEVQkgAIKJJKyyl1cy7IsS0tL/cOgIQIuERFDRAirKLIICES2QEABWUVA9h1Zvnqm7PtNDnPunbnnznLmPFNFAUlPT8/T7+l+f/2+3aPjXiFsI4T1w87ZAsernKBqKKavVQN0I4SlQFcQloK1/kodpOrvA1rQ1lUrHff67auNK+7alXZVBgHtqgyqxeps43hlhLCYDZRZuq2+VpnMjBBWSbfGZykIa4SfenRbBykdrPrtq40OlnalXZVBQLsqg2qxOts4XikIi9lAmaXb6muVyUxBWCXdGp+lIKwRvoKwGfCHaYUpWM3sIh33+vuljY67dqVdlUVAX6ssssXqVRAW45VV2pTR3hk2sgYHqWZ0S1sHKR2s+u1Lx73+PuhsgQsNzesTWuR4VX+/tHG8MkJYv13FFrTV16qSsIKwStoVPktBWCHsYR7V1kFKB6t++2qjg6VdaVdlENCuyqBarM42jlcKwmI2UGbptvpaZTLrrFtBWCXtCp+lIKwQtoKwGbALtMJITgFYFRbVca8QdpdHtdFx1660q7II6GuVRbZYvQrCYryySisIe2fYyBocpJrRLW0dpHSw6rcvHbmBT6UAACAASURBVPf6+6CzBS40NK9PaJHjVf390sbxyghh/XYVW9BWX6tKwgrCKmlX+CwFYYWwjRA2A3aBVui4F4BVYVEd9wphGyGsH3bOFjhe5QRVQzF9rRqgZzxSQdh7PygIe2fYyBocpJrRLW0dpHTc67evNq64a1faVRkEtKsyqBars43jlRHCYjZQZum2+lplMuusW0FYJe0Kn6UgrBC2EcJmwC7QClfcC8CqsKiOe4WwjRDWDztnCxyvcoKqoZi+Vg3QjRCWAl1BWArW+it1kKq/D2hBW1etdNzrt682rrhrV9pVGQS0qzKoFquzjeOVEcJiNlBm6bb6WmUyM0JYJd0an6UgrBF+6tFtHaR0sOq3rzY6WNqVdlUGAe2qDKrF6mzjeKUgLGYDZZZuq69VJjMFYZV0a3yWgrBG+ArCZsAfphWmYDWzi3Tc6++XNjru2pV2VRYBfa2yyBarV0FYjFdWaVNGe2fYyBocpJrRLW0dpHSw6rcvHff6+6CzBS40NK9PaJHjVf390sbxyghh/XYVW9BWX6tKwgrCKmlX+CwFYYWwh3lUWwcpHaz67auNDpZ2pV2VQUC7KoNqsTrbOF4pCIvZQJml2+prlcmss24FYZW0K3yWgrBC2ArCZsAu0AojOQVgVVhUx71C2F0e1UbHXbvSrsoioK9VFtli9SoIi/HKKq0g7J1hI2twkGpGt7R1kNLBqt++dNzr74POFrjQ0Lw+oUWOV/X3SxvHKyOE9dtVbEFbfa0qCSsIq6Rd4bMUhBXCNkLYDNgFWqHjXgBWhUV13CuEbYSwftg5W+B4lRNUDcX0tWqAnvFIBWHv/aAg7J1hI2twkGpGt7R1kNJxr9++2rjirl1pV2UQ0K7KoFqszjaOV0YIi9lAmaXb6muVyayz7tYIwnvuuScsXrw43HnnneHFF18MU6dODTNnzgzTp0+vkmdjnqUgbEZXtHWQ0sGq377a6GBpV9pVGQS0qzKoFquzjeOVgrCYDZRZuq2+VpnMWikIEYMLFiwIkyZNCjNmzAgTJkwIl1xySbj//vvDoYceGjbbbLMqmTbiWQrCRnRDaOsgpYNVv3210cHSrrSrMghoV2VQLVZnG8crBWExGyizdFt9rTKZtVIQLlmyJFx55ZXhyCOPDOutt17yjg899FA49thjw7rrrhsOOuigMH78+Cq51v4sBWHtXZA0oK2DlA5W/fbVRgdLu9KuyiCgXZVBtVidbRyvFITFbKDM0m31tcpk1jpB+Oyzz4bjjz8+EXxEA1daaaXkHUkbXbhwYbj33nvDnDlzwuTJk6vkWvuzFIS1d4GCsBldkNkKD2loZufouNffL2103LUr7aosAvpaZZEtVq+CsBivrNJ9v4fw0UcfDcccc0zYcMMNk0hg+jr33HOTyOHcuXPDlClTeqfVRzU4SDWjs9o6SOlg1W9fOu7190FnC1xoaF6f0CLHq/r7pY3jlRHC+u0qtqCtvlaVhPteED7yyCNh3rx54dWvfvVLBOF5550XLrzwwnD44YeHadOmVcm19mcpCGvvAiOEzegCI4QN7ofOpum4199ZbXTctSvtqiwC+lplkS1Wr4KwGK9WRggVhNlG4CDV+49jLGpo6yClgzUW1tFbHTruvfEr424jhGVQ7b1Ox6veGfZaQxvHKyOEvVrF2N3fVl9r7AiNXJMRwv8xWrp0aZg9e/bIxCxRCYFx418eXnz+mUqe5UMk0I8EJo4L4dkX+7HltrnJBLSrJvdO/7ZNu2pm3+lrNbNfaNX8+fPDdtttV1kD+14QjtUeQgQh/3hJQAISkIAEJCABCUhAAhKoiwBiUEFYgH48ZZRbPvrRj4aJEycmdw/6KaMFEFpUAhKQgAQkIAEJSEACEhhQAn0fIaTfzjzzzHD55Zev8B1CPkpPuHWTTTYJs2bNCuPGjRvQLva1JSABCUhAAhKQgAQkIAEJZBNohSCM4m/ChAlhp512SqKEF110USCd9LDDDktOIPWSgAQkIAEJSEACEpCABCQggRUJtEIQ8kp8gH7RokXhzjvvTNJFp06dGmbOnBmmT59un0tAAhKQgAQkIAEJSEACEpBABoHWCEJ7VwISkIAEJCABCUhAAhKQgASKEVAQFuNlaQlIQAISkIAEJCABCUhAAq0hoCBsTVf6IhKQgAQkIAEJSEACEpCABIoRUBAW42VpCUhAAhKQgAQkIAEJSEACrSGgIGxNV/b/iyxfvjz8/ve/Dw8++GDYcsstw8EHHxw4OXa4iwOEzj333HDzzTeHgw46KKyxxhr9D8I3qJzAf//73/C73/0uPPnkk+GAAw4IK6+8cuVt8IESkEB3Ahwc95vf/Ca88Y1vDDvvvPOYorrjjjvCT3/60/D2t789vPOd7xzTuoer7JFHHgnz5s1LTkJn/vIansCvfvWrcPvtt4e5c+eGKVOmhFtuuSUZt9/97neH17/+9V1vlnMITz/9dDjppJMSH2mfffYJ48ePz2Vu3Hf88ccnZfnWt3NjLmx9WUhB2JfdVm2jq5gs77nnnrBgwYIwadKkMGPGjLDuuuuGjTbaaMQXRRAyIdx0001h9uzZ4RWveMVL7sHZ//nPfx5uu+22cOihh4bNNttshTKIyZ/97GfJibSI0LwD5YiNs0AjCOSx32gjzzzzTDLprbLKKo1ou43ojUB0BPn3/vvvH7bbbrvMChlHfv3rX4err746ERw6571x77wbpxLB9bKXvewlTiVOPQ7nnnvuGXbcccehW59//vnwy1/+MvznP/8Jc+bMCY899lhSxw477BD22GOPMW1gnjFiTB/4v8qqEiosdJ1yyimBRdcXXnghTJs2LXzoQx8Ka6211rCvFdv38MMPZ5Zjjq5SJHQKwhtvvDGxkfe///1h2223HUhB+Pjjj4ezzz47XHfddeGpp54KK620UnjDG96Q/EbWXHPNISZPPPFE8vtBSDO+US7PpSDMQ6kdZRSE7ejHUt+iisny4osvDmeddVYyuWy66aZj/j58juS4444LG2ywQTjkkEOGBkMGO8Qiq89HHHFEIkS92kWgCvttF7H2vE3aoWUhiO/SZjlCDzzwQPjJT34SKK8gLKf/oyBB3K299tpDDznzzDPDn//85yQr5MMf/vDQghyOLn1C2fSfl9G6usaIKgQhwhohxaIpkVUEwfnnn58svjLnDbf4FdvHPW9729tegn7y5Mlhk002qWwRtVMQ5rWFKjjnbctYlrvvvvuSxRQWS7baaqukL/75z3+GZcuWJdlVLIAj/nu5FIS90OuvexWE/dVftbS2isnyvPPOCxdeeGE4/PDDex7AsiARAfjjH/8YeM5+++2XrDJzXX755WHx4sVh9913D7vttlstfH1ouQSqsN9y38DaR0sgOoI4TC9/+cvDkUceGdZbb72XVMfYc8YZZ4Rx48Ylq+tGCEdLvPt9V1xxRTLWsiD32te+NikYnU0W5EhF+/jHPz6U9h9/t7vuumvgnzKvusaIKoRKfAbRvFmzZiU2TiScvhhpvq2ifUX6VUH4/7RiVstdd92VLHSRdhyv+++/PxGKq622Ws8RXAVhEQvt77IKwv7uv0pa3zlZdhsguk0eDz30UDjttNOSFUrSVTbccMPwgQ98ILzqVa9KVuTZQ5FOScExiBMV5f/2t7+Fc845JynLqib7PFjpjKmdeScJ0ikYJEmfYWUUkXjssccGVjnTaYKkXpCGwqo0zmG8yhatlXTmAD4kj7PnpNdOw4jjy/rrr5+snLMQtNdee63wsowLpKtzMd5MnTp1BUHI+MX4w7iAE0a0hPTGbbbZJnGuo+0wnrzmNa9JFrbWWWedIUeMdHicb7IUuGjL+973vmQcjBepyuyFXrp0aTI+Mc7ttNNOyViXjmimx1IiP6T8sZhFVJO2NPnCcYUzWwJoM9e///3vMH/+/PC6170uXH/99UkaYxSLCMhTTz11KGuk2+84zZeUVPpg3333DauvvvoQjqw+wA5iNkpW3fQn6axkrtx9991JXem5i/9Pz3lbbLFFUpY/Y055z3veM2QjlKW+q666KixZsiQQ/YxRt0suuSTZHpFehBjpneJcRFog97Pg0U3cdQpC2sL9LIYSrR0ubbSIIMxjw3FuhQ3/DXe2aTDP8tvit3PRRRcN/QZI8cZWWMzh6pzrs+bqIpyb/HsZqW2MZ2Q9EbntHNO4F5bYY1yAyZrj8th4t7lxpHFxpPb7980joCBsXp80rkW9CEIOiMEJQLzhCJDGwIDPhIgoQxSS287g9de//jVZwcRhWnXVVZP9JkT1SG9hfwDpEDgVl156aXjTm96UTPo4QXkFIWDjfsG3vOUtCefLLrvsJfsKFYSNM8GeGqQg7AlfX98cHVocS6JQ/MNe47RYwOk/4YQTEpF3zTXXDO2x4cXj+IXjhEBjsYoFKpwxxioc2egwYWc4roxTpKYj5v71r38ldfM87udi/Hv00UeHVvVj2jr3v/Wtb03Gv1tvvTURhwg9Fs8YP3H6EU/PPvtssiAW28KYxiER6f13Tew0hC5zAUIopoAi+kgZ5f9PP/30RKAhFrhIMf373/8+FDXM+h1zwAh8mUeYE2BzwQUXhIkTJyb9TIQk7k9HpKX7gL2JH/nIRxIBmlU3UbTf/va3SX9uvfXWST9TNwKduYvDOaJ98Xf0Mf3HvPWXv/wl6eO0SKO+k08+OWkrTjw8oi2k05TzvBOC7g9/+ENiF9gaCxDYRJa4Y+GA92C/HaKTvfSk6BJ1fcc73jHsQkJeQZjXhuPcih9AKjC2jl/AvzkL4Morr0wY8k5xrod/3OaRRxDm5dzE30iRNuEX8c/HPvaxFaKDsY5o04wLiOosYZfHxrPuyzMuFnkXyzaDgIKwGf3Q6FaMVhDGiYgJiAk0TlakM+DYsKLKZnCurOhbfC6TOCe/If5wzHAgmDiY8JkIiwjCeAgNq6P895vf/OYhYRk7QUHYaHMs3DgFYWFkrbkhOrQ4leyxWbhw4ZCQ4yUZAxAeCDz22+A4x0MX+HsWn3DuOXkWJ5ULR5/xi0giQobIBpkH7OdJp27FvVsIElJV4wEP8X6cYEQlApM2IPziwRgxxf1Pf/pTEkFhfx0RtF/84hfJPQgULhbTyHJgHxhZDgihpl7x4B5+j0cddVQi1jjIh+wQ2k7KLoKd/+aCKeKLfuHf3eYh6k1neMRFP06exBnOcpzpK/Ynbr755knfdtaNsOREU/owferwDTfckGSPsO1g++23HxKECDPmuHioWTwoh3kL4UU/8TyEECKRBU+u2A6EMGItHW0e7p2iIHzXu941oqjjOdGBZ68sCwkzZ85MbG2kqHJeQcjiRR4bjnMrCzRxoSP+po455phEGGLvca5nkYC6YcvvbyRBmJdzU38jRdrFiaHYeuee3FhHZ991CjsWLvLYeJYgzDMuejhfkd5sRlkFYTP6odGtGK0gZKL/8Y9/nEy6UfjxojhQnOrJv+MJZVmCkD/DGYvCL0JipZODYA488MBkhb6IIKQO0n9iihgTDZNQ+lIQNtocCzdOQVgYWWtuSDtFOPH87ons4HzjsMTDZIjQENHDKSUtcLg9hJ0OUhQv/Dt94iIRKERAeuErgmWRjPGPfT8nnnji0EmaRLHi1Xl/TBEju4FUwbynBDapMzk8jNRYohosEMKHCB1RQaKFpObi4HLxd6T4xvTSzt9x/H/+Ph0djYfRcEAY/RjFyt577z0UwetkkmeM4J7Oct0EE3MfWyFYcEQUEvUjva/zsxad9+d9pyLbFxDMLICybQObixG3PCcpD3fKKL8jPv+AzaZPgx3OhrvNrem0bRZZ0qdjpvtqJEGYl3OTfhOjbctIfs9IgrDb5yPy+nud7XbbxWh7sjn3KQib0xeNbUneAaLb5MZAkXWlj6zOmuAY8Ejh6nbFPX7pgZE2cLRyfGZ6PyL1sOLLqhgTExcr7emVSv5MQdhYUxxVw/I4e05mo0Lb+Js6xyTGGURJPFyGVPUoUIjuZH0Tjggf0SsEGQ51vOL41U0Q9mp30SZjlIwVfdpPxIv/RrgSaUHMxj1WTe+Q6LAj4hBscWEPUch+QqKdbAXgneM+7rinsJNnHKe7vXNMw2RvG9Er5hIidHxeCG5EXWMUI6uv2E9KSh1RWsQ5/x8v2o/Q6yYI458jaCnXbU7pvD/vOxURhDEtkJRaFj/ZlxlTkWM6LXNger98fM/hThklGs1iL3Nqt+/Uddpw/ExE5/58nkd6MFEvonwsFvBdQdJH0+JwJEGYl3PTfyd52tdrhBDfKI+Nd5sbRxoX/V5hnl5sVhkFYbP6o5Gt6VUQMgFnfTQ2fWR1N0H4j3/8I1khzlrN3HjjjZPV/vQkgSNBGgWTFBcTPsfNc0hDFHukKcVT63Cu4l6gCF9B2EgzHHWjenXMR/1gb6ydQKfDzZ4+RAeOOul27D/jItWTPV2dgpDUP0QL4ov9VjiqpBPijDG2pNMbqScdIezV7uK3+xB7MW2SZ5BySvoojj4H1eCYk9YYhVPt0IdpQIzecdIrKbe8Q9zTGR1P9tiRThoPPYmfqOgmCIkOpg/oiY9HSMRv2RIlI20SUcj4jjPL3IEwQSR11k15DuQgQ4X9fqSH0g/YD/NHjPSVJQhHeqe8gjDyZn8jNo4gjqdtI1RJwyRCzR69rM895UkZHW4xrdOGhxOE9BsLLsz52AUCkfthwf5efm8Kwv//cfW6hxB7zmPjWf2bZ1xUEDZ5JM5um4Kw//qstBazcs7BLjgX6TTK0QrCmPKEo0LK6HD7FbImOE5jY69gt6PiI4iRUidiuXgoA6KRfRysjrEXiCseQBBFo6eMlmZmlVfcq2NeeYN94JgR6HRo474+TshD4HHIB/upiBhlOb8IPyKD6c8h5E0ZjWmDRGPiQSnxxUiRY/zBKWNfY/z4+nDpdtzz3HPPDR24RV3xO2SIm6bvIaS98WPzjMWMwwiV+CkE/p4xH0HAAl7cGxj3RXb+juM+PdJnEWhZF3Ug9LmoM85B0aElSpi1hxDRTfow33BLty9vymhnhDBGRjs/odFpc3neiXfJKwjjya5xH37sg0WLFiXiGHujHzoPWoos8wjC2Kd5bLjbYitCMJ6uG1Oh+TP29HI6ed49hHk5j9kAU2NF0VY4lGc0p4yysJXHxrMEYZ5xUUFYo3GM8tEKwlGCa+Nt7LXAQSJlJ57CGScfTjSLx0MzyeLEMNmkHaW4+k5EkL0bDOgIK8rhrMRDGaiTPTSsAseDZrImOBwDVvBx1mgTaVJcOEbcz/Hi/FkeQRgPo2HFNx0RZCWSFFJWIRlUcRiy9iHEwyeuvfbaEb/d1Ebb6Od3UhD2c+/11vYsh5aDQRgzEAjxNEqESVZZyjHWsFcK0cXFvkP2InLPcBHCOP5RPu1wkxJHWjsRLMZJxqA8B3JQBoc6vUAWnXGc6XR0sjdq5d5NZIM0Xa54OEt8Yowg8f+kC6aFdOfvOB4gwtgMk3hyLP9PPezPRFywXx1xnu6DeOIp0Uf6oJvQI/IYDzmhTRwAhEhhMaFIymjcIxejyjHjpXPOzPNO2G1eQdgZIYxii/dnTyMRZqJv3b7zmEcQwqXooTKdKaPxXADakhb37CvlYJl4WutIEcK8nMu18GpqL/odwk5hRyo1GREj2XiWIMwzLioIq7GDsXyKgnAsafZ5XTGCxup5/MxDPP6clVLSSuJEFsUj6ZiUZXWQk6cYPNIfdo5HaJOqwiolkzZ1MrFyTDaTatwb0/lhepwdVjIpy3eq+IdVLUQdK+UcTEDaUR5BGE+eQ6wywce9IzwDcctqGw4VKUZxUuGddtlll0S40gbeJZ4SBw+v/iAQnb1uqcs45pxW220fTH+8pa3MIpDl0MbfNwtVOJ9RdGSVjeMcaYwIFE5IZizAoR5pDyHtieNf+rMTfDeOMTaeSJr3yH6cd5x4HC3GUoQB0RMEJe+RFSVoolXEyEYU4/z24hUPIuPfcQEy/l3Wwk78xAD7P4mUUCfptHBBbLKYiIgmzTN+7oH5hvtYcPzgBz+YlOmsO0aSWTxgPmOeW758eSI0iewW3UPIO2R9DoGsHObd9JyZ553yCkKeyx5IBDhbLOIptvHTKfw941/6hNS0zeQVhHltuFuEMOt+bIDPfNC3tA/fYyRBWIRzE38bRdsUMwSwIU5R5sAgMhqWLVuW+CqkmkdfpVPYsTgAz5FsPEsQ5hkXFYRFe7P+8grC+vugUS0gVYbPOsSPMDMIk/KEs5H+gTNhMljzPSMGDI5qZ5WRD+/GU/zii3GUOCecMVDFjykjBDnQJUb9uk1wlEcA8r0mJicGMSZP0oTiZvORBGH8ID0r9UwsHGaQvqKjhWMSRS9tJlqK04h4JBrJHgsm1m4fAG5UR9qYIQLR2et2uBH2TUqzgrB9RtPNoWW8YexiUQlHmSurbNZHrvmcAU4UdkXkkHFxONvp/Cg6K/KIlfQ4lOej3rQxPZayKMa4izhEDPXLMe9R9NH2zqhmjHgipDtPl+4W6UdgMmfFj8ez3YFIE+N1OkU0lqFPyUxB1PHbp0xW3fQJhwmxbQERSL8xb7FIiZONYGW+zDqIqDNllL7LsqVuc+ZI71REEPJc0kOZu5gDeV8io7vttlsyh7JHFmZE7Tqd+LyCkPfLY8PdBGHW/XGux/eI0d88grAI5zaMeESBzz777MRnw9fJ8pF4zyxhl8fGKdM5vuUZF2NGRRsYD8o7KAgHpad9TwlIQAISkIAEJCCBgSPgSdoD1+WFX1hBWBiZN0hAAhKQgAQkIAEJSKA/CMQTXzlIiGhwv2QU9AfddrRSQdiOfvQtJCABCUhAAhKQgAQksAIBDsYipZRzHuIBeiKSQCcBBaE2IQEJSEACEpCABCQggRYS4DMRnO/AoTOcsh73ZLbwVX2lHggoCHuA560SkIAEJCABCUhAAhKQgAT6mYCCsJ97z7ZLQAISkIAEJCABCUhAAhLogYCCsAd43ioBCUhAAhKQgAQkIAEJSKCfCSgI+7n3bLsEJCABCUhAAhKQgAQkIIEeCCgIe4DnrRKQgAQkIAEJSEACEpCABPqZgIKwn3vPtktAAhKQgAQkIAEJSEACEuiBgIKwB3jeKgEJSEACEpCABCQgAQlIoJ8JKAj7ufdsuwQkIAEJSEACEpCABCQggR4IKAh7gOetEpCABCQgAQlIQAISkIAE+pmAgrCfe8+2S0ACEpCABCQgAQlIQAIS6IGAgrAHeN4qAQlIQAISkIAEJCABCUignwkoCPu592y7BCQgAQlIQAISkIAEJCCBHggoCHuA560SkIAEJCABCUhAAhKQgAT6mYCCsJ97z7ZLQAISkIAEJCABCUhAAhLogYCCsAd43ioBCUhAAhKQgAQkIAEJSKCfCSgI+7n3bLsEJCABCUhAAhKQgAQkIIEeCCgIe4DnrRKQgAQkIAEJSEACEpCABPqZgIKwn3vPtktAAhKQgAQkIAEJSEACEuiBgIKwB3jeKgEJSEACEpCABCQgAQlIoJ8JKAj7ufdsuwQkIAEJSEACEpCABCQggR4IKAh7gOetEpCABCQgAQlIQAISkIAE+pmAgrCfe8+2S0ACEpCABCQgAQlIQAIS6IGAgrAHeN4qAQlIQAISkIAEJCABCUignwkoCPu592y7BCQgAQlIQAISkIAEJCCBHggoCHuA560SkIAEJCABCUhAAhKQgAT6mYCCsJ97z7ZLQAISkIAEJCABCUhAAhLogYCCsAd43ioBCUhAAhKQgAQkIAEJSKCfCSgI+7n3bLsEJCABCfQVgSuuuCIcffTR4dvf/nbYfvvtc7d9tPflfoAFJSABCUhgYAkoCAe2631xCUhAAoNJ4Ic//GE4/fTTw5577hk+9alPhfHjx2eCQIR96UtfChtssEH4/ve/H9Zcc82egY1W2I32vp4bbAUSkIAEJNB6AgrC1nexLygBCUhAAmkCURCutdZa4Xvf+16YNm3aSwA9//zz4Qc/+EE466yzkr9XEGpDEpCABCTQVgIKwrb2rO8lAQlIQAKZBBCECL0XXnghfPrTn04ihZ3XHXfcET772c+Gxx57LKyzzjoKQm1JAhKQgARaS0BB2Nqu9cUkIAEJSCCLAILwtttuCxMmTEj++hvf+EaYNGnSCkVPOumksHjx4mSf3w033LCCIHzmmWfCySefnKSdPvDAA4FI44EHHhj22muvMHHixKF6KLdw4cJwyimnBCKO22yzTdhhhx3CvHnzXrKH8K677go/+tGPwlVXXZWksO66667hiCOOCGussUZSnymj2rIEJCABCZRFQEFYFlnrlYAEJCCBRhJAEN53331hl112Cfz3t771rbD11lsPtfWJJ54IX/nKV8L6668fNtpoo3DGGWcMCcKnn346KX/11VeH/fffP2y66abhuuuuC6eeemrYe++9w+zZsxOh+dxzz4X58+eH0047Lbz3ve8N22677VA5hGL6UJmbb7452as4ffr0sMceewSeceKJJ4ZVV101edaUKVMUhI20JBslAQlIoB0EFITt6EffQgISkIAEchJABC5btiwRfQizLbfcMnziE58I48aNS2pA7H3ta19LIoe33nprEgmMewgvvvjiRKR9+ctfDjNmzEjKv/jii4kgXLBgwZC4vP7668PnPve5cPDBB4dZs2YN1X3++eeHb37zm0OCEPHHc0hf5ZkxUklU8otf/GKYO3du2H333RWEOfvWYhKQgAQkUJyAgrA4M++QgAQkIIE+JoAgvOaaaxKRd8455yT7Cb/73e+GV77ylUlqJ4fJ3H333YlwO+GEE8LSpUuTsquvvnpyCM3tt98evvOd74TVVlttiMK9994bPvOZz4Sdd945SfVctGhREuWjXqKI8epM/bzlllsS4ThnzpxE+MWLvYtf+MIXwuabbx4++clPKgj72N5sugQkIIGmE1AQNr2HbJ8EJCABCYwpgbQgluoe3gAABKdJREFUfPDBBxNBhojjcJl4mMx+++0XDjjggCSlNIrHVVZZJYnmcRHNW3nllYfaFSN9/BmRPfYJxvvSn6voFITx/7u94D777KMgHNPetzIJSEACEugkoCDUJiQgAQlIYKAIpEVe3Kf3+OOPJ2LvggsuSKKC8XMUeQXhU089Fb7+9a8n+/5GIwgPOeSQZA9h57X22msnf+6hMgNlor6sBCQggUoJKAgrxe3DJCABCUigbgJpkUf0jn2BpHZ+9atfDZwuymcm4gfr02WLpoxSF8KSg2ni1Snsli9fHj7/+c+Ho446KvPzF93uq5uhz5eABCQggfYQUBC2py99EwlIQAISyEGgUxA+/PDD4eijjw5PPvlk4L+JFMZTR7PEY55DZW666aZE6BH523fffYcOlWG/IiIxnjLKXkFOGGXvIvXGz0xwUM21116b7D+cPHmyEcIc/WoRCUhAAhIYHQEF4ei4eZcEJCABCfQpgU6Rx2sQzeOU0K222io5TIbUT67Osr1+dmLJkiWB9FLEH9845LrssssSEbrxxhsH9i6yD/HSSy9N0lc5WGbHHXdUEPaprdlsCUhAAv1AQEHYD71kGyUgAQlIYMwIZAnCeNon3xbkMJl4ZZXt5cP0fLyeOtlnGAUhz7rxxhvDcccdl0QFuRCmhx12WNhiiy2S6KJ7CMes+61IAhKQgAQ6CCgINQkJSEACEpCABCQgAQlIQAIDSkBBOKAd72tLQAISkIAEJCABCUhAAhJQEGoDEpCABCQgAQlIQAISkIAEBpSAgnBAO97XloAEJCABCUhAAhKQgAQkoCDUBiQgAQlIQAISkIAEJCABCQwoAQXhgHa8ry0BCUhAAhKQgAQkIAEJSEBBqA1IQAISkIAEJCABCUhAAhIYUAIKwgHteF9bAhKQgAQkIAEJSEACEpCAglAbkIAEJCABCUhAAhKQgAQkMKAEFIQD2vG+tgQkIAEJSEACEpCABCQgAQWhNiABCUhAAhKQgAQkIAEJSGBACSgIB7TjfW0JSEACEpCABCQgAQlIQAIKQm1AAhKQgAQkIAEJSEACEpDAgBJQEA5ox/vaEpCABCQgAQlIQAISkIAEFITagAQkIAEJSEACEpCABCQggQEloCAc0I73tSUgAQlIQAISkIAEJCABCSgItQEJSEACEpCABCQgAQlIQAIDSkBBOKAd72tLQAISkIAEJCABCUhAAhJQEGoDEpCABCQgAQlIQAISkIAEBpSAgnBAO97XloAEJCABCUhAAhKQgAQkoCDUBiQgAQlIQAISkIAEJCABCQwoAQXhgHa8ry0BCUhAAhKQgAQkIAEJSEBBqA1IQAISkIAEJCABCUhAAhIYUAIKwgHteF9bAhKQgAQkIAEJSEACEpCAglAbkIAEJCABCUhAAhKQgAQkMKAEFIQD2vG+tgQkIAEJSEACEpCABCQgAQWhNiABCUhAAhKQgAQkIAEJSGBACSgIB7TjfW0JSEACEpCABCQgAQlIQAIKQm1AAhKQgAQkIAEJSEACEpDAgBJQEA5ox/vaEpCABCQgAQlIQAISkIAEFITagAQkIAEJSEACEpCABCQggQEl8H+GLaR198x23QAAAABJRU5ErkJggg=="/>
+          <p:cNvSpPr>
+            <a:spLocks noChangeAspect="1" noChangeArrowheads="1"/>
+          </p:cNvSpPr>
+          <p:nvPr/>
+        </p:nvSpPr>
+        <p:spPr bwMode="auto">
+          <a:xfrm>
+            <a:off x="460375" y="160337"/>
+            <a:ext cx="304800" cy="304801"/>
+          </a:xfrm>
+          <a:prstGeom prst="rect">
+            <a:avLst/>
+          </a:prstGeom>
+          <a:noFill/>
+          <a:extLst>
+            <a:ext uri="{909E8E84-426E-40DD-AFC4-6F175D3DCCD1}">
+              <a14:hiddenFill xmlns:a14="http://schemas.microsoft.com/office/drawing/2010/main">
+                <a:solidFill>
+                  <a:srgbClr val="FFFFFF"/>
+                </a:solidFill>
+              </a14:hiddenFill>
+            </a:ext>
+          </a:extLst>
+        </p:spPr>
+        <p:txBody>
+          <a:bodyPr vert="horz" wrap="square" lIns="91440" tIns="45720" rIns="91440" bIns="45720" numCol="1" anchor="t" anchorCtr="0" compatLnSpc="1">
+            <a:prstTxWarp prst="textNoShape">
+              <a:avLst/>
+            </a:prstTxWarp>
+          </a:bodyPr>
+          <a:lstStyle/>
+          <a:p>
+            <a:endParaRPr lang="en-GB" dirty="0"/>
+          </a:p>
+        </p:txBody>
+      </p:sp>
+      <p:sp>
+        <p:nvSpPr>
+          <p:cNvPr id="7" name="AutoShape 8" descr="data:image/png;base64,iVBORw0KGgoAAAANSUhEUgAAA4QAAAIsCAYAAACqdmcMAAAgAElEQVR4Xuy9e/BdVZXvO0MIhCAGCUh4irwEFEWlkQAhAgEUfIECIg0B5Nnpun+cOtW3q+v2Pefcc+tUn66uc6tOiYqERxJoQBBQMYpggzwUMUhoUIEEEFAegkAEISFAbn2XveLKytp7r7nXno89fp9dRaH85p5zrM8Ye6zxnXOuuSatXbt2reMDAQhAAAIQgAAEIAABCEAAAhOOwCQE4YTzORcMAQhAAAIQgAAEIAABCECgIIAgJBAgAAEIQAACEIAABCAAAQhMUAIIwgnqeC4bAhCAAAQgAAEIQAACEIAAgpAYgAAEIAABCEAAAhCAAAQgMEEJIAgnqOO5bAhAAAIQgAAEIAABCEAAAghCYgACEIAABCAAAQhAAAIQgMAEJYAgnKCO57IhAAEIQAACEIAABCAAAQggCIkBCEAAAhCAAAQgAAEIQAACE5QAgnCCOp7LhgAEIAABCEAAAhCAAAQggCAkBiAAAQhAAAIQgAAEIAABCExQAgjCCep4LhsCEIAABCAAAQhAAAIQgACCkBiAAAQgAAEIQAACEIAABCAwQQkgCCeo47lsCEAAAhCAAAQgAAEIQAACCEJiAAIQgAAEIAABCEAAAhCAwAQlgCCcoI7nsiEAAQhAAAIQgAAEIAABCCAIiQEIQAACEIAABCAAAQhAAAITlACCcII6nsuGAAQgAAEIQAACEIAABCCAICQGIAABCEAAAhCAAAQgAAEITFACCMIJ6nguGwIQgAAEIAABCEAAAhCAAIKQGIAABCAAAQhAAAIQgAAEIDBBCSAIJ6jjuWwIQAACEIAABCAAAQhAAAIIQmIAAhCAAAQgAAEIQAACEIDABCWAIJygjueyIQABCEAAAhCAAAQgAAEIIAiJAQhAAAIQgAAEIAABCEAAAhOUAIJwgjqey4YABCAAAQhAAAIQgAAEIIAgJAYgAAEIQAACEIAABCAAAQhMUAIIwgnqeC4bAhCAAAQgAAEIQAACEIAAgpAYgAAEIAABCEAAAhCAAAQgMEEJmBCEDzzwgFu8eHHhwlNPPdXtu+++ptz55ptvusmTJ7tJkyb1vK6VK1e6W2+91YnFK6+8UrTbfPPN3Xvf+173V3/1V27PPfcs+hjXz9tvv+3Wrl071tcwruyxe+IQuOKKK9z999/vpk6d6s466yy38847T5yLn4BX+swzz7jvfe977vHHH3dr1qxxG2+8sfvkJz/pZs+ePXY0dA+84IIL3Msvv+x22WUXd+aZZxZxXP20uZeuWrXK/fCHPyx+B7qX6r671157uVNOOcVtsskm67rT/ejRRx91P/jBD9zTTz/t1PeUKVOKGkTt+UxsArfccksRRyHq0ieffNItWLDAKVaPOuooN3fu3IkNm6sfCYEsBKES67PPPuvuuOMO9/DDD68TNEqu2267rTvooIPchz70oSLZNn2sCsK33nrLXX/99e7nP/+5e/e73+2+/OUvuy233HIDBEoOl112mXv11Vcb+UgYnnvuuW7mzJkjCZrYnfz2t791l1xyiXvttdfcJz7xCffxj388tgmMB4EJQaCLICy/6wOKYsaH1mjbLlu2zF1zzTWFEKx+xnVStZ8gbHsvffHFF4t7ze9///v1mKj+kCAsP6pZNAGrgl+TleWHiZTRxug494YgHGfvTUzbkwtCFfm6Kf3qV78qVoB6fbbaait38sknu/e85z0bNLEqCF9//XV30UUXOQkizVKedtpp7v3vf/96168ZzAsvvLC4gamNBPQHP/hB9653vcv97ne/K2Z+NXMpQfiOd7xjLKP83nvvdVdffXVh+6677lrM/FZnasfyojAaAhkSQBBm6JQAJr300kvuG9/4hvvDH/7gNtpoI7fffvu5973vfcVI2lXSNPEYwIyRdtlPELa5l0o0qhb5xS9+Udi1ww47FJPRWjXV/VSrjuWnukKjiepZs2YV7bULZ/fdd3fTpk0b6bXR2fgRQBCOn88musVJBeEf//jHYqvnE088UfhBgkU3pp122qn4/1oOv+eee4rtGBKLSrJnnHHGBqLQqiCszkJq69a8efOKbaDVj1YPdRPTR9t8jj322OIGX/202SaT6odQvbHWZ2FLm8pZWxUxn/3sZ90BBxyQylzGhYBpAqMQhCqQDzvsMDdjxoyBrLbbbrux3bkw8OIyblC9b8yZM8cdc8wxfR9JyPhS1pnWTxC2uZe+8MIL7utf/7pTXSJxpy3T9fttOdiNN97obr/99oLZ5z//+Ql9T2qzVXcc4mfUNiIIR02U/kITSCYINRt37bXXOq3+6KNVrRNOOMFtuumm612zEvnPfvYz953vfKdY6WpK1FYFYRvnX3XVVcWM5rhuVWkjCNtwoA0EINCdwCgE4bjmou70xqeHsliVr/QoQtPOm/G5mj9b2lWYVO9FeiZL25l7fcrfyfTp0938+fPHckV1VP7tyn1UduTWD4IwN49gzyACyQThQw895BYtWlSIPG0D1OrXZptt1mivROG3vvWtYrVQM3Innnii++hHP7qu7UQWhOWNSVt8dGPSDWqcPgjCcfIWtlongCC07uE/X18XP+dKqKswqdYR/Z5t1c4lPWf4m9/8phCC43jfHaUPu3IfpS059YUgzMkb2NKGQBJBqNVB3ZAefPDB4lmw008/vdh33++jZ+Euvvhi98Ybb7h99tmnOMmrPDUTQXj/2N6YEIRtfqa0gUAcAl2EQpfvxrk6RikJWPRVV2GCIBzu99GV+3Cj5v8tBGH+PsLC9QkkEYQ6FvprX/ua0zNh2gJ69tlnD3wIWydoan+/Dk/RiZvnnXfeukNS2gjC8iRTnQy2fPly96c//akgoVXJ3XbbzR155JFOz7P0+uj7etZRP/KnnnrK6SF1rVa+853vLA560TMz/VbnNKt45513uqVLlxbHYutkMj1rozF1aqZEbv3Zv+pMbnUmsiqietlbnhTXVnCJx49//OPiqG3Zp+tty0YCX4cC6fs6xlyn1omNbNZzgYcffvh6x39XbyC97K/O0LY9YllMZcdtt9227hhwHQigZ5kOOeQQ95GPfKTxpNqqPbL3S1/60jpfl8exy1c6bEHPaPaLk0EJRjEvTr/85S+LZ1XEWX1ry5Y4KRb7vV5E17hixYriGhWPYq242Xrrrd3HPvYxd+CBB/Y8jVe2rV69utiCrdV2PTNTxmG/8dvy7/c7rK5k/83f/E0xu64T+nSohQ5s0H/Tb0mfrr9V3+vUeFdeeaXTqYuaZNJvR7/Hpk/12atPfepT7tBDDx3k8nV/9/2dlF+s81ec1ONcv9W9997bHX300QXPXh/Fy09+8pPiH/3O9dHvVK+m0W9EOzGGfe1ELJExbC4tmQzzG6jyFENt09ep2NXf0KBcXvejnoVesmRJ8aog9anXPeg+MmgsPdemA2AG+boeA23uG71Wxnq91miPPfZwRxxxRHGYWdOnujVVz+TpOnXNOvBMj4fo3r/jjju2/g0pf950003u17/+dXEPVn7ffvvti3uo+vnqV7/a87UTTbtpqqt9vYwoX2GhuqF8vdWg+25XHw4TK3Uf6b6g37YOvNHhOE2ntNf9o9pKdYryXDU/6PvVPtpw63UmQBO7um902ODNN99cvNZDfta1qFbU76OslXTvUs7+t3/7t/V+h23v08PGdGl/0/hbbLFF8doz2SmGbV47MYzf2tyTq/VQWZeVMbH//vsX+b7+WpbWP0QamiSQRBDqR64tF7o5qEj/4he/OBCuijYlCW0xVVDrplgKqEGCUAVAWej0OslUfelmqB9yvSBXIffd737X/fSnP+15Eqp+WNrK+oEPfGCDa9EpodoeWybYpotVkjvppJM22DbbdBNrc2P3EYQSJzqYRnybPmIjLnquov4uQ70uRDfJ559/vqcPdViQVoHLd5qFEIRiKzsk1nt9ttlmm6LYr79+o2qP/KfiRhMH1ePEyz5VgMjPOvzI56MY0s23V7/qS3GnrdA6pKDpnZG6McpP8levOO51jepfcXj55Zc7HdLT9NH4uolr/OqzvG1uPuqvjSDUpIne0SVBWl5DdbKj62912OuUwFL8yE8q1MWgKQ+ojdrqgKtzzjmnKEbbfIb5nZT9VvnrABDFq0RbUwz0OnhLfek3snDhwqIYb/roJGft2JCtwzwHGEMQdsmlw8ZGldWg35Da6hEITSqVExxNftTvXJMimhApP3UxNihmVOB/4QtfKHJRv0mkpvF7xWzdBsWYBILetVd/PUXZR7/7Q1Vw6Jo1GaV7uD6+MaYdRd/85jeLw+aaPprU0n1I97Gm9xCmEITD+rD6mx8UK/KR8qnOWejlIwk9PZaj+0P1U/WPJjt1UE6ve3n10Z5QglD3B50noVqrjJOqvYpzTd5L5Opeplqy6dPvPt01pjWe7sU6+Vz3gqaP8rCY6zeuT9OrXLr4bdA9eZB9skn3XZ1c7zMh0+ZeR5vxJZBEELbdmtEWa79CVAWexKBW5vTRLJMSiv5dzthrtUWrNUoi+oHUXyqrGSjNSuoHLDEhcaRZKN14lEA1SyXxoCSgB/TLU1I1noowvTpCSVY3cAlgJTO1VTLTLFhZoGvWpi4GBj0jOOjvg1YItcp06aWXFtdSHp8tG3WzVrLT9ekalIg1I63VifJTvbby6HKtmEisa8VRSV2HBimxKznq1ReaQat+BtmntoOSn169oZe0ahZMdurGpRNX5WMVXBJhjzzySOE/rRZqVlrFb/mpCkJdh9rpxnTwwQcX/tbqtOLnscceK/7W61r6xWs1hjS2YlCrgfpoFfJHP/rRuleHfPrTny5m76qf+iFMujb5QrGm+BFr/Q4Uh7rp6xqrR8erjeKwesy84lDXqfHFSMWLPvU4HMS/tLONIJR/yuJVq5q6DsWaClH9u+tvddjrrO5AED/Far2gFzvtUlC8aIu7Tjzu9W7Uqu+6/k6q/DVRoFhQXMp/YqhVKvm/9N+ee+5ZFH9V21TASQyWBZRiQ/EtQSv7NMmg57rLSRDfYl3XG1oQds2lw8ZG6UvxVZ7RvUJ5QisB8oFyikS2cnkptpuei2/yo1Z2JWSUM+W3D3/4w8VwTbYqt8ovEkbKJ8rZ+v96DU/1lQht7pttfaWVZAmN8v6mVSIJUN0rq3aUhbpWC6vitBQc5e9e+VOxp8lBTTopT/daXaxehyb69MiIrrnM8Zq40fUr/iU0q+8ObCsIq2O0rUvaPkPYxYc+saL6Q0JZ91nVFbovaGJTdlbrE8WZYqV6VkPdP+KhuNb3NTkkO5RbSu5N96ZRbBmtv8O0zE/Kb7oO5aby/ia7dA0at5oHlR+0cl/ep/W71KRdfcdE15iu15RirjygmBMn1Rr//u//vp44bxKEXfzW755ctW9QPdRUK7TJH7SxSSC5IPzMZz6zQfHri7pfIaqbuN7TJ4GirZ1//dd/vcHqi2ZxtGKpxKNEqBfQlis0+oGrkNaNvtdR1EpCWrlpWl0ot5j1Op5aMzkaW8KsadVhkOAb9Pd+gqv6bqZeKwsqfvTSe82MSzxoq255nLxmjlUs9Lo23fx1w1Gh1HQYUF3s9dpi0i/5aYzrr7/e3X333cUYWsVUUVLdfqs2ElyyQ/+7Hgf1FcumE2/lW80IltsKVXDXJw56xW1VbPSKIYkNxZmKCM3YSdBVb9wS1rrpy37NGGtloLqKqP8uBvKHbNUWKh0lr0/1md1eM6damdP1lc/1amJDkx5tBLmPIFRbCWLdIMWi+un6W+16neVR8r22jSrPaFZarH3yVtffSTX+FeNaJdTkTNX/1TwicSFBW10Jr8ZPk1jRNd13333Fyc8qLHMUhF1yadfY0MqLBLWKPf2G9PuTeKuKn/qkTf11Dk1+1MRQfVJB/SjOJNJ7/V6rE3k+kxPl762NINQEm3KS8pdyvsREfYWpKnqazgOoPkele4x2wShvtlnRLG2t+q6X8JR/NJlUvkMwtSDs6sO2saKJZtU3uk83TXbW7331be51/2i3Vv2+Vq2PtEVYu32qMTtqQagaTHFS3aVSvw7FhiauNYFetaX6G1SsqN6TwC0/o4jp6nkWTcw1lkSpdoWVu67qgrCr3/rVRNXXpzTVvNW6TLb6PvrgW5/TfnwIJBGEo37Ytp8g1A9Sz1wpUfR651V1xq/+fGL9+TKJxfqnKhrrN6L6Hv1y22S1j+pzSfXEMUjwDfp7P0FY3SZXFRD166u201aocrukCngl2H4v462Or2fclMCrn64rhNVVm6YioFpUlEWWCpeq4Kn6uNfqkPrRLKWKQsVS0/M+vX72KlZUSOpApPoLjqvfKX1ZL+j1fa3iKo7rorz6/Wo7xZme2VFhr/d46iXUitP6hEf1+9V21WPXR7lC2O8Zva6/1a7XWb3R17eNVp8z1MqhJkY0e93m0/V3UuXfr/ivCk/tdFAxoI/iQpM6egaq31ZXXaN+I8qnXQRhGybDnM7YJZeOMjZUiOoVSU3bujXxqFVETSDWf6tt/ViNw35j6Vk87W7p4qt+3y3713WqQO+1TV55SfGl/FbPL9V7/bCFZ3WiqF/8a4XoggsuKFaOUgvCrj5sGyttfFSd+O1Vn/QTBtX8ocm86vPe+t4oBWG/16BU/dsvj1UfSapvgW7DS9fUL6Y18aAV6UHPm+v5QcW/PvW6ro0d/fzW757c5n5dFY0+z3q2ye20GV8C5gVhG9f02wJSXd1RMtQsqURj209ZpKm9Vq40I9x0eEyv/gYJvkF/7ye4ysQ2qKBQwtdsl7ZmattSfTtjPxaDBN+gv6vvfgmuKqZVpOlwjF6fqrCtCrq2N7Q2ibZtXDS16zVrXy2IVJSdfPLJPWfYdWDNXXfdVWx31CqmtuhWhUJ9xrRqh34Heq+limcdUHLccccVf2573W22jA6KtUH8+v1Wu15nte/6xIBm4DUTr5ndfqJ6kP29/t7vd9DmN6J+e/GvFlJNM/xVm9qsHA3KVW0YDCMIu+TSrrFRrh5rNUL3gHK7d9O1apue2muFoirM2/qxLCRVcPbbiVAtfAflvrqdg/xc3xnT7+C36kRUXTCMYvJXuzL+9V//tbiEfivzg/L4oHvlKLeMdvVhm1hRvtLkg9rWJ7Lr/i7jtz6Z1dY//dgN4t4mHwyKR/VRzc/9Jn+r7KpnVIwipn2Y92Lr00cvv/W7J1frBU0MK19JQPOBwCACSQRhNfH63siaLmjQoTL6TnlKqPaPa/auPOGx3l9ToVJ9/ktiTslIiUbFlWaB+wm86nMvGksHrKio16yMnp0YdMrToJvYoL/3urFUZ/2GKc6q3NSXDrnQc3ZaMdTMVtOnaSaqzY2vX/IrE2abFyz3mhVre0NrK4z6/eiee+65QrBpxbA8bbbevi6aqiuT/d6P1WvctsK/jVjpN/6oBOGwv9Wu16nrL4v5+uxv6QM9S1V/D+qgJFv+fdjfSZvfSD9BWP1+2xduDyPcq0WdJi36HbhTPRisal+/fNwll3aJDe0IKA8TavMi8l4rFG386DOWj199BWE1V2rLnSaS+m3zrOZh7Uwod8K0FRz9fkPVlWHt7NCzcE2fQXl80L1yVIJwFD5sEys+PurFsK1/xlUQVmsOH16Kr6aYrsbYoN9FL7Y+dvTyW79apP6Mo7ad61Ri1ayqXVWD+mzZbnt/o934E0guCIcpcOvYBwlCzQzp+SgdVT3o0ySOyudr9HxW/SROzRhra1a/o7clPlWQqKisngyoH6X2oOtZk16vRBh0Exv09143lrazbYN46VkW2dDvBNWyjxCCsLz+Ntv4qsm8ulIyqJAo7e8iCCUGdIPRc369Tggtx6kX44Pie5CPBsXIoO+3ve5RCMIuv9Wu1ykO1a2F1W2jpaDot2W3H8cuv5M2xWE/QegzodBmpr7XdQ773baCUOMOm0u7xEY1V7Z5TVL1eqrb5Nv4sc3pjW0n2/rF4yBfVW3VrhBt92wj2uqrmm0FR7++24r5QXl8UAyMShCOwodtYqXf76Yfz+r2xbb+sSAIRxHT1dW3QVste7Edhd8G3ZMlCrWdXIsZ9ZNntVqoRYlBr0obVBfwd3sEkgjC6gxq03Nlvpj7FaLVwwA0Ky3hpR+ChFi5stf21DAdvKFth9qmWL4DrrRVfemkKR3k0XTyoESATkHT3nMdFlC+66/8vrbaaFa9Pvs56CY26O8hBWH1AW0lGR10oQNZ9Axck4gKKQjbzNxXCwYdrKGtFHqecFAh0VUQ1g++0WmCn/jEJ4pDP6rPIfUq0iaKIOz6Wx30W2iTV6qz++W2Uc2wlgdLDdqy2zRG199Jm+JwnAWhmOvZu6aJkvorhnSdw+TSLrFRvT9Un83tFU+9tqy18eMoxESbOPcRhINWlTVe9bTK6jbZtoIDQeiKXUPlGQVtYmUUwqKtf6wJwmFjelwEYfl7Ul7ViaeqWWV79VUeqlO1IKOTfn0eY2qTX2gzngSSCMLqi+n77QWvIh32xfTV2XE9v6dEUF8ubysI6y7WbHX5YtRy5bDtiqeKIB2lrdMvq69EqB+TPKiQGfT3kFtGqzO3vY4+H3RjG/R3MW+7ZbS6Vanp55hqy2j9GUAd0NB0IEWvIs1nhafputvOsLcpcENuGe36W+16neX1lydy6iap2XSddqeTgLVdtN9L63vx6/o7afMb6ScIfbYWDhIK/W5zXb7b5fbZJpd2iY3qJEGb7fVdtoxWt/LruTBt1ayeNtyLU3kUf1uOg3zle+gEW0anr0M/Ch+2+c1X7yvazaD6ps1Hk7flpPVEEoSjiOlRbBkdhd8GrRA2xYEm0nQqsBYl9NiK4nTQgVFt4ok2dggkEYTVY6TrJz72Qls9tUsvcVdhVhbV/VZQ2jx/0E8Q6nk4nZ4mEamVr6ZCvvrKgOqWourMd68bdv0I4PozlYME36C/97uxtC2SVAhrpkn/VnGsLY1tZ80H3dgG/X2QIBz2UJmqsAm9QliNz+oprfVY71Wk+RwqI79oJbu6stL2QA3FoiY2NItYjde2gqLrltGuv9Wu11n6o3pyrQotFVDaftPvBNpeeWsUv5M2v5F+grB6qEw9d7aNwTa3vEEio00fvdp0zaVdY2PYQ2Wqhzi19WOZl9tsgx+W6SBfDXsAh05RPv/889e9A7Wt4Oh3HdVDZfqdOTAojw+6V45qy6iupasP28RKdZJ80O+6F9+2/rGwQjiKmK4eCDNo+3gvtqPwWy9BWL2HN+2uKOOg+iqRYWNn2NzD9/IlkEQQCkf1xMemFylXkdW33NUPdegqCCV2dCy/tnbVZ4DL08L6nS5XPa69+v22hZi2n+qlu0o29RWYQTexQX/vd2Op+qDfyk9VjJenvLUtdLX6qVc1aDYqxJbRtkeSV98L1e+1E21PL2u7Elwv1HsJQtknTlolqz9DWD3Fr9fLdjVOdaKleupc9bm4fsfYV4VQdSt324fgywNZZEuv16f0O6ykjSDs91vtep1lztHvWQXdPffcU5zWqt++2NRfRdEmrY/id9KmOOwnCGO/dmKYA2kGseyaS7vGRnX1ul8ctH3tRL/nj6rvuxz0qgb95jVZ6bvla5AgrIqaQcfrt33tRNPLuQf5XX9vm+Nzeu1EVx+2+c1XX4XT7zUMJWPlgfrjLBNJEI4qpru+dmIUfusnCMtXB/WbUKoK27a79Nr8Vmkz3gSSCcJqga4b2oEHHlg8uF5PWPUXJje92LufIKweVd70Qm/9MPRSefWhT10QVgsBPT+kGcq6jdUVwuqPq1qIqUjSEeL148rrL2+vvxZgkOAb9Pd+N5Y2L6ZXGwkVvWhVCUYvvNZKSfXaer08We/i0ul82qagT1MRpBfe6/ksjdPr1K5+2yPavphe2yR0KJBWv/q9mD6EIKzGUNNLwcXy5ptvdnplhK6nqaAe9GJ68dVMul5er2usvhS7zUu5qy/0rb9gujqzWo2Bauqrvih7WEHY9bfa9Tqr11OdLNF/H/QKgF63gVH8TtoUh/0EYRkbOlhLjMbxxfRdc2nX2Gj7Yvqbbrpp3e+434vp+wnCel5uelm4fKr7joo/vQ9T73cddGJ1NUbbCMI2L/HWYxPK8fr9D3ox/bCCUL7TPVovnR+XF9N39WHb33x1slbnD4ixcnR9Qv3BBx90N9xwQ/HIjCb7ygmEUQhCxcBXv/rV4j7f5hnbplzZJh7bHoTXj90oYrra/7Avpu/qt341UZvX81RXCId5Ln68ZQ/W9yKQTBDKICUQPZujw1ZKMXbwwQcX79RRwtLfNUuv2V0VypoFO+OMMzY4eKWfIHzppZeK1T/dPHUzUdL88Ic/XNw89QyfbjLVk0PrgrBaKMtGHQSiQ2ne+973FlsoVThqZUSzk+r/05/+9Hrv6asWyhKSWqHR4TPafiqbfvrTnxZiVH3puiW49O648jNI8A36+6AbS90+2SYbxVrPwkioyA+6Nh0ac/jhh6+zTQKkLDJ1bTpQRi8O1rXo4BwJIf3v8tNUBFW3T8gnH//4x4uXt4uPVo71GbRfvnocvexUwasHpTV5IMZKkLJHMdSUwAdtNSrtH2RHrx9Z/aAI+Vk3ZR3/rPfa6XUd1VNamwRhPQ51bfLFTjvtVMSvYlD+EG8Jdr03TLFcfuRDCW/x0G9LNwH5Wm0k3OVn/Vuf/fffvygwq9ujq4WDvqPfqX4LGlu/AfGtPrA+zAph199qmVO6XGfJqxqX+m+Dtgf1u8V0/Z0M+g2XY7c9XKuaa/V70BZjTTho0qf8vQ6zytemqOtyK+6aS7v+BnS/0E4Oxbx+Q5rA0m9IDPXb0YSOCj19mkR3Wz/q+9VrLcfShOZ2221XbN/XfUP3LglVja9nuPW7b/tp66vqK5d0TzjooIOK3KFJQP3utZVagqCXUGsrOAbZXS3kyxxf3qe0g0E8yolH9ZX6xfRdfdg2VnRP0zkEyt9ljaSYVGzqHqq4vOOOO4rftv4uZsrto3yGsD7ppfF33HHH4mokxN8AACAASURBVPESnebddMhe3d9t4nEUglDjdo3p6iS0+tPvQtese4RYtLkfdvVbv1qkOolfr4eU63U/0uvXlMf0O9YhUHvttdegnyB/nwAEkgpC8dXNRC+dVcLq99HNTkWmitD6Z9ApjBImeuF2/ZURZT9atdMPR1tf9AC/imkltPKjH5iEj37ovT66aetmeeyxx27wnKFm57Ryo4TW66NTRrU6WB1XbQcJvkF/b3NjUTGvGdhefJQ0tEVSx49XtyZJpFRnxOvXprZ6Ubz4S3RVT/astq0m6PK/9zpxrddWTQkqzVSraOv16RVDoQWh7NG2p8suu2y9oqVqp0Sibij33XffBi+0rsah/FSK26brVB+KIxWJ9Y9WY7WiUC2cqm36rdRXbzJN4+qmr3cdKdb1GUYQ6ntdf6vqo8t1Vq+tfG5M/00TFTpBeJhP199Jm9+w7BqUB6urOU3XoRyk+FE/OQpC2dwll44iNgbFlsZQntPW8PpKTVs/lr5Zvnx5kZf7vdKn131jUJy2KcDVhwpXTaj94Ac/2OD4+nIM5XlNkmr1qf6M/agEYZvcoAlExbhybQ6CUDYP60OfWFF+ufXWWwuhU52Uq+d27YzRDqfqIUVt/TOozlDOuPLKK9cb32crYpt4HJUg7BrT4iphpd+mTvBs+kgk6tk8TfY23Q/137r4bdDktHKGdnaVk7y97tk67fyQQw7hvYSDEuYE+XtyQSjOmpXWErYSmgr68sXmSlwqUDT7oh9X04EubQohtdHqg8SL3kWo/nUT02yrtvVoZUuzu9///vcLtzc9uN7LRs3CaRZMN0SJ1V4v/CxndcvVIPUnoaXCXastWrXUjFr9MygRD/p72xuL7BMDvWC+fCWGVir33nvvda/paPpNKLlqJVEFg1ZydUMqxYFOPdP1aRW43HJ63nnnFVucqh8lRo2tVS6JUn1fq1THHXdc0WxQ8iv7Uj9K0JoRLY9YFmP5RWJdIrNptjKGIJSNuqHpmVQxfuWVV4pYER/Ft7ZM63nLRYsWFUVYr3d/KW40caGZ+fLVJ+U1alVUsdzrd1LeyLR9VivvmllXf/qdaVJE79LUy8R7xbBmPzWzqH/KGCnjX9/VSr9EedMNsM0Nv/Rj199q1+ss7VAxd+mllxa5Qi/E1q6AYT9dfidtf8ODBKFsr/tQ/00rvvptaMVZfajQyVUQyt5hc2npOxVzw/4GesWW8op2nyjP6F7V9ExfWz9WY6zJ1vK+oUKu1/trB8Wpz+9RfWlngUSH7p/KXfro/qBJIN1Dt91228Yh2wqOQfb2yg1l7lO+/MAHPlBMeGniNhdB2CteBvlwmFhp8pFyu3aRSKwrPuu5va1/BtUZ5aM9qqF0Py1fhq5XaWkr8aBPm3gclSAsbRk2psvv695ZnjJf3kvLmkn3w3IHnHJuv+3Sw/itTU2keki/BdVWWmGXHfK/Jqo0OaDfrXZj8YFASSALQYg7IAABCORGYMmSJYXw1qq9dg20Of4/t2vAHghAAAIQgAAEIDCIAIJwECH+DgEITDgC2np24YUXFs94+pwoO+FAccEQgAAEIAABCIw9AQTh2LuQC4AABEZJoPrAv1YFzznnnGIrLR8IQAACEIAABCBgkQCC0KJXuSYIQMCLgJ6v0DOceoZVB/uUJ27q2U49y9rruUqvQWgMAQhAAAIQgAAEMiSAIMzQKZgEAQjEJVA9WKgcWQdT6EhuvR6EDwQgAAEIQAACELBKAEFo1bNcFwQg0JqATk7Uabg6KVfbRHV6o54d9HnZd+vBaAgBCEAAAhCAAAQyIoAgzMgZmAIBCEAAAhCAAAQgAAEIQCAmAQRhTNqMBQEIQAACEIAABCAAAQhAICMCCMKMnIEpEIAABCAAAQhAAAIQgAAEYhJAEMakzVgQgAAEIAABCEAAAhCAAAQyIoAgzMgZmAIBCEAAAhCAAAQgAAEIQCAmAQRhTNqMBQEIQAACEIAABCAAAQhAICMCCMKMnIEpEIAABCAAAQhAAAIQgAAEYhJAEMakzVgQgAAEIAABCEAAAhCAAAQyIoAgzMgZmAIBCEAAAhCAAAQgAAEIQCAmAQRhTNqMBQEIQAACEIAABCAAAQhAICMCCMKMnIEpEIAABCAAAQhAAAIQgAAEYhJAEMakzVgQgAAEIAABCEAAAhCAAAQyIoAgzMgZmAIBCEAAAhCAAAQgAAEIQCAmAQRhTNqMBQEIQAACEIAABCAAAQhAICMCCMKMnIEpEIAABCAAAQhAAAIQgAAEYhJAEMakzVgQgAAEIAABCEAAAhCAAAQyIoAgzMgZmAIBCEAAAhCAAAQgAAEIQCAmAQRhTNqMBQEIQAACEIAABCAAAQhAICMCCMKMnIEpEICADQIL73jDPbdy7dAX89H3TnZHvH/job/PF9MSePGyb7g1zz9XGDGpjyn1CCnbTvurWe4dH5+b9iIYHQIQgAAEJgwBBOGEcTUXCgEIxCBwyY/fcFfctabzUP/7tKnu/TtO7twPHcQl8IeLvuJe+ublnQfd6SuXuk3ft3fnfugAAhCAAAQgMIgAgnAQIf4OAQhAwIPAf79+tbvt1296fKO56T8et6n7+N7DrxK+9dZb7oorrnCPPfaYO+ecc9z222/f2SY6GEzgmf/6f7o/3fXjwQ0HtNjuv/5Pt/nBc7z6efLJJ92CBQvcqlWrGr/3oQ99yJ1yyilefdIYAhCAAATsE0AQ2vcxVwgBCEQkkIsgfPbZZ92FF17o/vSnP7mjjjrKzZ3LFsQYYZCDINxjjz3cBz7wgQ0u913vepfbZZddYmBgDAhAAAIQGCMCCMIxchamQgAC+RPIRRDefvvt7rbbbnPbbLONW7NmjTv77LPdZpttlj/AMbcwB0F46KGHMgEw5nGE+RCAAARiEkAQxqTNWBCAgHkCOQjC119/3V100UVuyy23dB/5yEfclVde6U499VS31157bcD/mWeecdddd5176qmnir/tsMMO7nOf+5zbaaed1rWVoJTAvOOOO9xrr73mpk2b5j72sY8VomPKlCnFFsVLLrmkaH/mmWe6qVOnFv975cqV7oILLnDvec97iq2K5f/fcccdnVarfvrTn7r3v//9xd/Uxw9/+EP3i1/8Yt0YEjZz5sxxkyf/5VnKfrZom6zskI3nnXeee8c73lHYoe9cdtll7uWXX3bnnnuue+c73xksDsdZEDbFwjHHHON222231rFQNnzuuefcd77zHff44487+UUTE5/5zGecVi8nTfrz8Tm33HJLEVdHH320+8lPfuJeeeUVd9ZZZ7mdd97ZvfTSS8X3H374Yff2228X8fiFL3zBbbvttsF8R8cQgAAEJioBBOFE9TzXDQEIBCGQgyBUEX7ppZe6E044oSjmJQ4l9D7/+c+vK8Z18U888UTRTgJp9uzZBQ+Jvj/+8Y/ujDPOKIScivlrr73W3X///W7WrFlOYu63v/1tIeb0TJqKdAkuH0Go/jfffHO36667Fv/st99+buHChU7bXCUAJWQfeuihYkxtdz388MML29rYctddd7nvf//7bt68eesE8AsvvOC+/vWvu7333rtgEPIzroJQYlBxIhFdjQWxO+200wqWbfhLvGty4eKLLy4mBtTXJpts4pYuXVr89xNPPLHwdykIb7755kLwK65mzpxZ+F+CUbbovx988MFu4403LuLy1VdfLVa6t9tuu5AupG8IQAACE44AgnDCuZwLhgAEQhLIQRB+61vfKg6TKVfDlixZ4u67775i1WzGjBnrxJUOnZEQ0KEzWrHTR2JNzx5KQJ588snuN7/5TVHcf/zjH19vG6JWdrTCoxWdd7/73V6CUIW+CvutttqqGPORRx5xsvmzn/2s22effYr/JpEpsarVTrXVqqSE7iBbJB6+8Y1vuP3339996lOfKvq69957i/5LYRPS/+MqCG+99Vanf7785S8XEwH6/P73vy+E9J577um++MUvtuKvuFFcPf3004XfyniTHyX6tQpYxqXiR4LwyCOPdEcccUQhBCU6r7nmmiLuqt9//vnni7iMIepDxgd9QwACEMiRAIIwR69gEwQgMLYEUgvCUtBp5a1cDdPpkxJS2rL30Y9+tGDbb9VMxbgEmfrQapsElYp4reCUH23LXLFiRbG9TytBPiuE5RbSQU6WsNAq5vz589306dPdjTfeONAWrTxqe6jsK5+b1JbZ3/3ud8G3i+p6chCETaeM6jCZ6nbeOvtSNB977LHFSvBGG220gXva8H/zzTd7rsb+/Oc/L7Ynl6u35ZbRcpuoBtS23q997WuFCK2u5pbbfvXvftcxKKb4OwQgAAEIbEgAQUhUQAACEBghgdSCUIX9t7/97WLL53vf+97iysrVNq3AnH766cVzf+UrCgYdQFIXZU2ofJ8hbBKEembspptucr/+9a+LVcHyo+2jpSBsY4u+d+eddxZCVsJBz5xplUuCqL5ldoRuX9dVDoKw6ZRRbQWVwP/Vr37lFi9evAFfiXqtomqbrlZZ1YcmD7RiWz7D2YZ/v7gq/6ZtwIcccsi6ZwirgnDQqzMGCdsQPqVPCEAAAtYJIAite5jrgwAEohJIKQjLdw8++OCDjdesbZflOwlzEoRardQ2T4mST3ziE8V2VX2uv/76YuuhryAsVz91oI5EkASQDq4pt6OGDIgcBGE/ka8VOG29LT96vk+rcZokWLt2rXvxxRcLUfjAAw8U24klyHUgUbkVtLpi28SxX1zpu1qpbiMIe706oxS21YOGQvqTviEAAQhMBAIIwongZa4RAhCIRiClIJR4krBSga9nraofrbrpFM8DDjjA6eRICQOdAKqDYcpn7cr2aquTHSUg9YzXPffcUzx/uPXWW6/rUuJT7zjUqyzK0z31xzanjNZXCMvn16orReqrviIl+wfZImEjeyQCtX1W21wlREKfLlqCyV0QNv0QJAS1xVYf+bw8BfTRRx8tnvuTkNYzhG346yTZXgf4tNkyWop5HWITY0U3WmJgIAhAAAIZE0AQZuwcTIMABMaPQEpBWD3oRc/2VT9VkaRn67QtUKLpD3/4w3piSSJvwYIFxSEzWlXT4TQ63EUrd1p5Kj8SZnqmTFtTtY3v8ssvL04fPf/884tVJX1KgarVnuprJ+qCsHyWrHqgiUSpnkuUwChXCJcvXz7QlnKbrLbO6nRUfbT1MZa4GEdB2Ou1HBKJOu1TEwHyXxv+ijufQ2UUs9WJANmiuFQsaXJBp4+WHz3busUWW6w7qGb8sgMWQwACEMiTAIIwT79gFQQgMKYEUgnC8t2DEnq9Dt0oV2i0BVCrPk2vndD74PQ8X7/XTuiAFr124oMf/GDx2glt35MA++Y3v+l233334t2HWulRGz1fuO+++/YVhOXpoVqd0msGVq9eXbymQKuY1WcIm1570GSLQkdCVytVelVBeb0xQmocBaG4aIuoDt/RM5cHHXRQcajMsmXLChGo15dIVLfl7/PaiboglC1lXCqW9doKvRZFExN6R6VeS6H3XzYdehPDv4wBAQhAwCIBBKFFr3JNEIBAMgKpBKFO/NTpmvXXQ1RBNG3Hq7+MXC8AP/7449d711vTy+BVqGvFUFs09ZFY+PGPf+xuu+22QgTqVNDDDjuseN2FRF2/FUJ9X8LjhhtucHq9gISh+lY/d99993qvQmhji/rTNkitWurdhrG2i2rccRWEsl1bRPWKEols8dMrI/S8n7YVl9tI2/L3eTF9fauwbKl/X7ZICOodhojBZOmNgSEAAaMEEIRGHctlQQACaQikEoRprjbfUcsV0+233z7adtHUgjBfb2AZBCAAAQjkTABBmLN3sA0CEBg7AgjCPFymFVM9i3bSSSdFOV20vOqUK4R5kMcKCEAAAhAYNwIIwnHzGPZCAAJZE7jxvjfd//f91Z1tvGL+NDdz+qTO/Uy0DrRF9OGHH3Z33HGH22abbYqXoOt1FrE+K799rXv+K//Sebhdrvyu23jrbTr3QwcQgAAEIACBQQQQhIMI8XcIQAACngSWPv6W+8Mraz2/9Zfm++60kdv+XRsN/f2J/EU9x6iX0utZSL0qQc+exf689vO73Zsv/WHoYTf74IfdlJnbD/19vggBCEAAAhDwIYAg9KFFWwhAAAIQgAAEIAABCEAAAoYIIAgNOZNLgQAEIAABCEAAAhCAAAQg4EMAQehDi7YQgAAEIAABCEAAAhCAAAQMEUAQGnImlwIBCEAAAhCAAAQgAAEIQMCHAILQhxZtIQABCEAAAhCAAAQgAAEIGCKAIDTkTC4FAhCAAAQgAAEIQAACEICADwEEoQ8t2kIAAhCAAAQgAAEIQAACEDBEAEFoyJlcCgQgAAEIQAACEIAABCAAAR8CCEIfWrSFAAQgAAEIQAACEIAABCBgiACC0JAzuRQIQAACEIAABCAAAQhAAAI+BBCEPrRoCwEIQAACEIAABCAAAQhAwBABBKEhZ3IpEIAABCAAAQhAAAIQgAAEfAggCH1o0RYCEIAABCAAAQhAAAIQgIAhAghCQ87kUiAAAQhAAAIQgAAEIAABCPgQQBD60KItBCAAAQhAAAIQgAAEIAABQwQQhIacyaVAAAIQgAAEIAABCEAAAhDwIYAg9KFFWwhAAAIQgAAEIAABCEAAAoYIIAgNOZNLgQAEIAABCEAAAhCAAAQg4EMAQehDi7YQgAAEIAABCEAAAhCAAAQMEUAQGnImlwIBCEAAAhCAAAQgAAEIQMCHAILQhxZtIQABCEAAAhCAAAQgAAEIGCKAIDTkTC4FAhCAAAQgAAEIQAACEICADwEEoQ8t2kIAAhCAAAQgAAEIQAACEDBEAEFoyJlcCgQgAAEIQAACEIAABCAAAR8CCEIfWrSFAAQgAAEIQAACEIAABCBgiACC0JAzuRQIQAACEIAABCAAAQhAAAI+BBCEPrRom4bA22+7tW++6dzat9OM7zvqpI3cpI03dm6jjXy/SXsIQAACEIAABCAAAQhEJYAgjIqbwXwJ/Olnd7ln/vE/O7d2re9X07afNMlt99//xW3+sYPT2sHoEIAABCAAAQhAAAIQ6EMAQUh4ZE3gt//Hl92qX/8yaxt7GTd17/e7Hf/3xWNpO0ZDAAIQgAAEIAABCEwMAgjCieHnsb3KFUceOLa2y/Ddb757rO3HeAhAAAIQgAAEIAAB2wQQhLb9O/ZXhyAcexdyARCAAAQgAAEIQAACGRNAEGbsHExzDkFIFEAAAhCAAAQgAAEIQCAcAQRhOLb0PAICCMIRQKQLCEAAAhCAAAQgAAEI9CCAICQ0siaAIMzaPRgHAQhAAAIQgAAEIDDmBBCEY+5A6+YjCK17OO316bUmL11xyVidZKvTa991ypm80iRt6DA6BCAAAQhAwAwBBKEZV9q8EAShTb/mcFVrnn3aPXHa58fvHZeCN2mSe8+ib7kpM7fPASU2QAACEIAABCAwxgQQhGPsvIlgOoJwIng5zTWuvOGb7vkL/leawUcw6jbz/5Ob/rkTR9ATXUAAAhCAAAQgMJEJIAgnsvfH4NoRhGPgpDE18cVFC9yLixeMqfXObXXqWW6r084aW/sxHAIQgAAEIACBPAhkJQhXrVrllixZ4u699163Zs0aN23aNHfooYe6OXPmuMmTJ/cl9txzz7lrr73WPfXUU0W7HXbYwR1zzDFut912y4M0VgxFAEE4FDa+1IIAgrAFJJpAAAIQgAAEIGCeQDaCUAJw4cKF7sknn3SzZs1yM2fOdA8//LBbtmyZmz17diHuJk2a1OiQZ555xl100UVuk002Kdrq33fccYf74x//6M444wz3nve8x7wjrV4ggtCqZ9NfF4IwvQ+wAAIQgAAEIACB9ASyEYSPPvqou+SSS9zRRx9drArq89Zbb7lrrrnG6W/nnXeemzFjRiOxG2+80S1dutSdc845bvvt/3zIwvPPP+8uvPBCt+uuu7qTTz65p5hM7wIs6EcAQUh8hCKAIAxFln4hAAEIQAACEBgnAtkIwltvvdXdfvvt7txzzy1WB8uPVgivvvpqN2/ePLfXXns1sr3iiivcCy+84M4+++xim6k+2n4qganPmWee6aZOnTpOfhmZrT955C23/Lm3RtZf6I722HayO2jPv2wPRhCGJj5x+0cQTlzfc+UQgAAEIAABCPyFQDaC8KqrrnKPPfaYmz9/vps+ffo6C5944gl38cUXuxNOOMHtu+++jb771re+5R566KHiu1tuuWXR5rXXXiu2kaqvU089deAziBaD4r9dt9rd/tCbY3dph+61sfsvx29a2I0gHDv3jY3BCMKxcRWGQgACEIAABCAQkEA2glCrfBJ/dUGoZwoXLFhQbCOdO3duIwodJCPR+L73vc8df/zxbqONNnI333yzu+uuuwox2GtlMSDX5F1rZfAfr12V3I5hDfjvX5harBQiCIclyPcGEUAQDiLE3yFgh8BXfviG+8G/v+lef2PtWFzUZptMcp/44Mbub4/aZCzsxUgIQGC8CZgQhHLBgw8+6LTK+MYbbxQe2XjjjQtx+NGPfnRCPj+46I41buEdf2Yxjp/TZk9x82ZvgiAcR+eNic0IwjFxFGZCoCMBicHrl67p2Euarx+3/xREYRr0jAqBCUXAhCDUKuJll11WbA896KCDihVCPXv429/+1n3pS19ye+yxx4Ryqi5WYlCicFw/CMJx9dz42I0gHB9fYSkEuhD41L+8NjYrg/Xr1Erhjf/5z2cj8IEABCAQikA2gnDYZwj1uopLL73Uvf766+6ss85ym2++ecFKJ5TqNRavvvpqcdjMZptt1pfhK6+84h555JFQnKP3e/OjW7ubV2wdfdxRDXjk7i+4I3d7wU3/+/mj6jJJPyv/6YIk4zLoYAKb3rLETb3le4MbZtpi1dxj3eq5x2RqHWZBIB8Cf3dT84F0+VjY35J/PvqhcTEVOyEAgRER2HPPPd0WW2wxot4Gd5ONINQpo7fddlsh3nbcccd1lg86ZXTlypXuggsuKN41eMopp6x3xbfccktxcqmE4s477zxQEEoUWvlct2yqu37Znw9mGcfPcfutdsfvt8q9Nu/4cTR/nc3TFl431vZbNn7NDVe7NddfPbaXOOW4k9yUz500tvZjOARiETj1sr8cVBdrzFGOs/j0laPsjr4gAIExICAxOCEF4eOPP14cDHPUUUet9x7Cyy+/3D399NPu/PPPX3eCaNWP5WmiWgHUS+inTJlS/FkrhIO+OwbxMLSJbBkdGt1Iv7j7zXePtD86Gx0BtoyOjiU9QSBnAkf8jz/lbN5A2370D3/e+cQHAhCAQCgC2awQlgJO2zZnzZrldthhh+JVEvfff39xuugRRxxRHA6zYsUKt3jx4uIF9npeUJ8777zTffe733W77LKL23///dc9Q7h8+fL1vhsKYo79Igjz8AqCMA8/NFmBIMzXN1gGgVESQBCOkiZ9QQACFglkIwgFd/Xq1W7JkiVu6dKlTs8G6iXzet3EnDlz1r1HUCJv0aJF7rDDDnOHH3544ZO1a9cWwlFbRPWCev3/GTNmFGJwv/32KwTiRPsgCPPwOIIwDz8gCPP1A5ZBIDQBBGFowvQPAQiMO4GsBOG4w8zJfgRhHt5AEObhBwRhvn7AMgiEJoAgDE2Y/iEAgXEngCAcdw/2sB9BmIdjLQvCcX/RM1tG8/iNYAUEQhNAEIYmTP8QgMC4E0AQjrsHEYRZe9CqILTwomcEYdY/HYyDwMgIIAhHhpKOIAABowQQhEYdywphHo61KggtvOgZQZjHbwQrIBCaAIIwNGH6hwAExp0AgnDcPcgKYdYetCoILRRYCMKsfzoYB4GREbCQrwTjTz+7y710xSVu1a9/OTI2oTuauvf73btOOdNt/rGDQw9F/xCAQAcCCMIO8HL+KiuEeXgHQZiHH+pW6L1eCMI8fYNVEBg1AQuCcM2zT7snTvu8jlUfNZ7w/U2a5N6z6Ftuysztw4/FCBCAwFAEEIRDYcv/SwjCPHyEIMzDDwjCPP2AVRCIQcCCIFx5wzfd8xf8rxi4goyxzfz/5KZ/7sQgfdMpBCDQnQCCsDvDLHtAEObhFgRhHn5AEObpB6yCQAwCFgQhOxpiRApjQGDiEkAQGvU9gjAPxyII8/ADgjBPP2AVBGIQQBDGoNx/jK1OPcttddpZ6Q3BAghAoJEAgtBoYCAI83AsgjAPPyAI8/QDVkEgBgEEYQzKCML0lLEAAsMTQBAOzy7rbyII83APgjAPPyAI8/QDVkEgBgEEYQzKCML0lLEAAsMTQBAOzy7rbyII83APgjAPPyAI8/QDVkEgBgEEYQzKCML0lLEAAsMTQBAOzy7rbyII83APgjAPPyAI8/QDVkEgBgEEYQzKCML0lLEAAsMTQBAOzy7rbyII83APgjAPPyAI8/QDVkEgBgEEYQzKCML0lLtZoNeavHLTje7t11/r1lGkb2+02TS3xdGfcnqlCZ/uBBCE3Rlm2QOCMA+3IAjz8AOCME8/YBUEYhBAEMagjCBMT3l4CyQG9a7Lcfzo/ZaIwu6eQxB2Z5hlDwjCPNyCIMzDDwjCPP2AVRCIQQBBGIMygjA95eEteOwzh4/NymD9KrVSuOt3/m34i+ebBQEEodFAQBDm4VgEYR5+QBDm6QesgkAMAgjCGJQRhOkpD2/BiiMPHP7LGXzTaq0VEy2CMCbtiGMhCCPC7jOU1SRFgZU+vnjRc3ofYMF4ECBfpfcT+Sq9D/pZgCDM2z8xrEMQxqCcYAwEYQLoDUMiCPPwAyuEefoBqyAQgwCCMAZlVgjTUx7eAgTh8OysfBNBaMWTtetAEObhWARhHn5AEObpB6yCQAwCCMIYlBGE6SkPbwGCcHh2Vr6JILTiSQRhlp5EEGbpFvejf9jcvbhogXtx8YI8DWxhFVuwWkCiCQSccwjC9GFAvkrvg34WIAjz9k8M6xCEMSgnGIMVwgTQG4ZEWYyl9gAAIABJREFUEObhB1YI8/QDVkEgBgEEYQzKrBCmpzy8BQjC4dlZ+SaC0IonWSHM0pMIwizdwgphnm7BKggEIYAgDILVq1NWCL1wRW+MIIyOPLsBEYTZuWQ0BrFCOBqOXXtBEHYlGOb7bBkNw5VeIZAjAQRheq8gCNP7oJ8FCMK8/RPDOgRhDMoJxkAQJoDeMCSCMA8/1K1AEObpF6yCQAgCCMIQVP36RBD68YrdGkEYm3h+4yEI8/PJSCxCEI4EY+dOEISdEQbpAEEYBCudQiBLAgjC9G5BEKb3ASuEefsgtXUIwtQeCDQ+gjAQWM9uEYSewCI1RxBGAs0wEMiAAIIwvRMQhOl9gCDM2weprUMQpvZAoPERhIHAenaLIPQEFqk5gjASaIaBQAYEEITpnYAgTO8DBGHePkhtHYIwtQcCjY8gDATWs1sEoSewSM0RhJFAMwwEMiCAIEzvBARheh8gCPP2QWrrEISpPRBofARhILCe3SIIPYFFao4gjASaYSCQAQEEYXonIAjT+wBBmLcPUluHIEztgUDjIwgDgfXsFkHoCSxScwRhJNAMA4EMCCAI0zsBQZjeBwjCvH2Q2joEYWoPBBofQRgIrGe3CEJPYJGaIwgjgWYYCGRAAEGY3gkIwvQ+QBDm7YPU1iEIU3sg0PgIwkBgPbtFEHoCi9QcQRgJNMNAIAMCCML0TkAQpvcBgjBvH6S2DkGY2gOBxkcQBgLr2S2C0BNYpOYIwkigGQYCGRBAEKZ3AoIwvQ8QhHn7ILV1CMLUHgg0PoIwEFjPbhGEnsAiNUcQRgLNMBDIgACCML0TEITpfYAgzNsHqa1DEKb2QKDxEYSBwHp2iyD0BBapOYIwEmiGgUAGBBCE6Z2AIEzvAwRh3j5IbR2CMLUHAo2PIAwE1rNbBKEnsEjNEYSRQDMMBDIggCBM7wQEYXofIAjz9kFq6xCEqT0QaHwEYSCwnt0iCD2BRWqOIIwEmmEgkAEBBGF6J1gWhHeveMtdftcb7te/ezs96JYW7L3DRu6vD97EHbj75OIbK448sOU382xmtdaKSRtBGJN2xLEQhBFh9xnKapKiwEofX5YLrPR0scASAfJVem9azVfPvrzW/fVXX3Nr0yP2tmCSc+7yv5nmZm45CUHoTc/eFxCE9nxaXBGCMA/HIgjz8EPdClYI8/QLVkEgBAEEYQiqfn1aFYTXL13jvvLDN/xgZNT6b4/axB23/xQEYUY+SWUKgjAV+cDjIggDA27ZPYKwJajIzRCEkYEzHAQSEkAQJoT/H0NbFYTUWuljSxZYrbVi0kUQxqQdcSySVETYfYaymqQosNLHl9UCKz1ZLLBGgHyV3qNW8xW1VvrYQhCOxgcIwtFwzK4XklQeLkEQ5uGHuhWsEObpF6yCQAgCCMIQVP36RBD68YrV+rTZU9y82ZuwZTQW8IzHQRBm7JwupiEIu9Ab3XcRhKNjOcqeEISjpElfEMibAIIwvX8QhOl90GQBgjBPv6SwCkGYgnqEMRGEESC3GAJB2AJSgiYIwgTQGRICiQggCBOBrwyLIEzvAwRhnj7IxSoEYS6eGLEdCMIRAx2yOwThkOACfw1BGBgw3UMgIwIIwvTOQBCm9wGCME8f5GIVgjAXT4zYDgThiIEO2R2CcEhwgb+GIAwMmO4hkBEBBGF6ZyAI0/sAQZinD3KxCkGYiydGbAeCcMRAh+wOQTgkuMBfQxAGBkz37k8/ud2tXvHI2JDYdPc93eYHHTo29voYiiD0oRWmLYIwDNeuvfIMYVeCdr6PILTjy/WuBEGYh2MRhHn4oW4FgjBPv1ix6tn/5x/cq3f829hdzjtmH+5m/t//Y+zsHmQwgnAQofB/RxCGZzzMCAjCYajZ/A6C0KZfHYIwD8ciCPPwA4IwTz9YtEorg8/8l78b20vb7r/9s7mVQgRh+nBEEKb3QZMFCMI8/ZLCKgRhCuoRxkQQRoDcYggEYQtICZqwQpgA+gQZ8sVFC9yLixeM7dVaLNwRhOnD0WJciSq1VvrYkgVWa62YdBGEMWlHHIskFRF2n6GsJikKrPTxZbXASk+2mwUIwm78QnybfBWCql+fVvMVtZZfHIRqbbXWCsWrqV8EYUzaEcciSUWEjSDMA7aHFawQesCiqRcBBKEXriiNEYRRMPcdBEGY3gdNFrBlNE+/pLAKQZiCeoQxEYQRILcYwuqsFQVWC+cHbmK1wAqMLXj3CMLgiL0HIF95Ixv5F6zmK2qtkYfKUB1arbWGgjHklxCEQ4LL/WskqTw8ZDVJUWCljy+rBVZ6st0sQBB24xfi2+SrEFT9+rSar6i1/OIgVGurtVYoXk39Ighj0o44FkkqIuw+Q1lNUhRY6ePLaoGVnmw3CxCE3fiF+Db5KgRVvz6t5itqLb84CNXaaq0ViheCMCbZxGORpBI74D+Gt5qkKLDSx5fVAis92W4WIAi78QvxbfJVCKp+fVrNV9RafnEQqrXVWisULwRhTLKJxyJJJXYAgjAPB/SwgkNlsnbPWBuHIMzPfQjC9D5BEKb3QZMFHCqTp19SWMWW0RTUI4yJIIwAucUQVmetKLBaOD9wE6sFVmBswbtHEAZH7D0A+cob2ci/YDVfUWuNPFSG6tBqrTUUjCG/hCAcElzuXyNJ5eEhq0mKAit9fFktsNKT7WYBgrAbvxDfJl+FoOrXp9V8Ra3lFwehWluttULxauoXQRiTdsSxSFIRYfcZymqSosBKH19WC6z0ZLtZgCDsxi/Et8lXIaj69Wk1X1Fr+cVBqNZWa61QvBCEMckmHoskldgB/zG81SRFgZU+vqwWWOnJdrMAQdiNX4hvk69CUPXr02q+otbyi4NQra3WWqF4IQhjkk08FkkqsQMQhHk4oIcVHCqTtXvG2jgEYX7uQxCm9wmCML0PmizgUJk8/ZLCKraMpqAeYUwEYQTILYawOmtFgdXC+YGbWC2wAmML3j2CMDhi7wHIV97IRv4Fq/mKWmvkoTJUh1ZrraFgDPklBOGQ4HL/GkkqDw9ZTVIUWOnjy2qBlZ5sNwsQhN34hfg2+SoEVb8+reYrai2/OAjV2mqtFYpXU78Iwpi0I45FkooIu89QVpMUBVb6+LJaYKUn280CBGE3fiG+Tb4KQdWvT6v5ilrLLw5CtbZaa4Xilb0gXLVqlVuyZIm799573Zo1a9y0adPcoYce6ubMmeMmT548kIu+c/fdd7uf/exn7oUXXnBz584t/pmIH5JUHl63mqQosNLHl9UCKz3ZbhYgCLvxC/Ft8lUIqn59Ws1X1Fp+cRCqtdVaKxSvrAWhxNzChQvdk08+6WbNmuVmzpzpHn74Ybds2TI3e/Zsd8wxx7hJkyb1ZPPyyy8X33/uuefc+973PrfPPvu4nXbaqehnIn5IUnl43WqSosBKH19WC6z0ZLtZgCDsxi/Et8lXIaj69Wk1X1Fr+cVBqNZWa61QvLIWhI8++qi75JJL3NFHH12sCurz1ltvuWuuucbpb+edd56bMWNGIxu1u/zyy92zzz7rzjzzTLfNNtvEZJjlWCSpPNxiNUlRYKWPL6sFVnqy3SxAEHbjF+Lb5KsQVP36tJqvqLX84iBUa6u1ViheWQvCW2+91d1+++3u3HPPXW9VTyuEV199tZs3b57ba6+9Gtk8/vjjbtGiRe7kk092e+65Z0x+2Y5FksrDNVaTFAVW+viyWmClJ9vNAgRhN34hvk2+CkHVr0+r+Ypayy8OQrW2WmuF4pW1ILzqqqvcY4895ubPn++mT5++ztYnnnjCXXzxxe6EE05w++67byObG2+80f3qV79yBxxwgLvrrrvcypUr3Tve8Y7i+cEDDzzQbbTRRjGZZjEWSSoLNzirSYoCK318WS2w0pPtZgGCsBu/EN8mX4Wg6ten1XxFreUXB6FaW621QvHKWhBeccUVTuKvLgj1TOGCBQuKbaRNB8Rou+jixYsLQTh16tTi+cN3v/vd7he/+IVbsWKF+/SnP+0OOeSQmEyzGIsklYUbEIR5uGEDK3gxfaaOMWAWgjA/JyII0/sEQZjeB00W8GL6PP2SwqpsXjsxrCDUyaR69rB8fnCXXXYpOL7++uvFf9e/9fyhVgwn0gdBmIe3rc5aUWCljy+rBVZ6st0sQBB24xfi2+SrEFT9+rSar6i1/OIgVGurtVYoXiZXCEtBqIvTgTJaJSw/ei5R/5x11llu55137sv1lVdecY888khM9kHHuvnRrd3NK7YOOkbIzo/c/QV35G4vuOl/Pz/kMMH7XvlPFwQfI8UAf3dT8/O8KWwZZsx/Pvoht+ktS9zUW743zNez+M6quce61XOPycIWjPgLAeIqv2ggX6X3idV8Ra2VPrZkgcVaS2eibLHFFtEAZ7NCOOwzhP0E4QMPPFAcSCOhuOuuuw4UhBKFVj7XLZvqrl+26dheznH7rXbH77fKvTbv+LG9Bhk+beF1Y21/L+NPvewvz/mO4wUuPn2lW3PD1W7N9VePo/mFzVOOO8lN+dxJY2u/VcOJq/w8S75K7xOr+YpaK31sWa21JAYnpCDUSt5tt93mzj77bLfjjjuui7BBp4yuXbvWXXnllcXzh+eff77bcsst1333zjvvdD/84Q9brRDmEdKjs4JtDKNj2aUnq9sY2ILVJSpG812rW7BGQyddL2wZTce+18jkq/Q+sZqvqLXSx5YssFprxaSbzQqhXh2h00SPOuqo9d5DqPcLPv300xuIvSqke++9t3hf4ac+9al1B8iUK4dvvvlmITI322yzmFyTj0WSSu6CwgCrSYoCK318WS2w0pPtZgGCsBu/EN8mX4Wg6ten1XxFreUXB6FaW621QvFq6jcbQVi+XF7P8emk0B122ME99NBD7v777y9OFz3iiCPcpEmTipNDdaqoXmB/0EEHFde0Zs2a4sX0+pu+u9122xWnjEpknnjiiW6//faLyTSLsUhSWbgBQZiHGzawglNGM3WMAbMQhPk5EUGY3icIwvQ+aLKAU0bz9EsKq7IRhLr41atXuyVLlrilS5cWIm/atGnFauGcOXPc5MmTCz7Lly8vXkJ/2GGHucMPP3wds+p3tSo4Y8YMd+yxx7p99tmnEJIT7YMgzMPjVmetKLDSx5fVAis92W4WIAi78QvxbfJVCKp+fVrNV9RafnEQqrXVWisUr6Z+sxKEMS/c+lgkqTw8bDVJUWCljy+rBVZ6st0sQBB24xfi2+SrEFT9+rSar6i1/OIgVGurtVYoXgjCmGQTj0WSSuyA/xjeapKiwEofX1YLrPRku1mAIOzGL8S3yVchqPr1aTVfUWv5xUGo1lZrrVC8EIQxySYeiySV2AEIwjwc0MMKniHM2j1jbRyCMD/3IQjT+wRBmN4HTRbwDGGefklhFVtGU1CPMCaCMALkFkNYnbWiwGrh/MBNrBZYgbEF7x5BGByx9wDkK29kI/+C1XxFrTXyUBmqQ6u11lAwhvwSgnBIcLl/jSSVh4esJikKrPTxZbXASk+2mwUIwm78QnybfBWCql+fVvMVtZZfHIRqbbXWCsWrqV8EYUzaEcciSUWE3Wcoq0mKAit9fFktsNKT7WYBgrAbvxDfJl+FoOrXp9V8Ra3lFwehWluttULxQhDGJJt4LJJUYgf8x/BWkxQFVvr4slpgpSfbzQIEYTd+Ib5NvgpB1a9Pq/mKWssvDkK1tlprheKFIIxJNvFYJKnEDkAQ5uGAHlZwqEzW7hlr4xCE+bkPQZjeJwjC9D5osoBDZfL0Swqr2DKagnqEMRGEESC3GMLqrBUFVgvnB25itcAKjC149wjC4Ii9ByBfeSMb+Res5itqrZGHylAdWq21hoIx5JcQhEOCy/1rJKk8PGQ1SVFgpY8vqwVWerLdLEAQduMX4tvkqxBU/fq0mq+otfziIFRrq7VWKF5N/SIIY9KOOBZJKiLsPkNZTVIUWOnjy2qB9ezLa91PV7zp/vj62vSQW1jwzs0muVm7b+xmbjmpaI0gbAEtchPyVWTgDcNZzVfUWuljSxZYrbVi0kUQxqQdcSySVETYCMI8YHtYwTOEHrAiNr17xVvu//rmKjceUvAvYCQF/98Tp7oDd5+MIIwYL22HQhC2JRWuHYIwHNsuPfMMYRd6tr6LILTlz3VXgyDMw7FWZ60osNLHl8UC628Xvu5+/bu308MdwoK9d9jIfWXeZgjCIdiF/gr5KjThwf1bzFe6amqtwb6P0cJqrRWDXTkGgjAm7YhjkaQiwmaFMA/YHlawQugBK2JTCveIsHsMZbFwJ66Iq1AEqLVCkfXrF0Hox6upNYKwO8MseyBJ5eEWq0mKAit9fFG4p/dB3QImGvLziSwiX6X3i8V8xQph+rgqLbBaa8UkjCCMSTviWAjCiLBZIcwDtocVFO4esCI2pXCPCJsVwvSwW1pAvmoJKkEzaq0E0BuGRBB29wOCsDvDLHsgSeXhFqtJisI9fXxZnHEnroirEASIqxBU/fq0mK9YIfSLgZCtrdZaIZnV+0YQxqQdcSwEYUTYrBDmAdvDCmbcPWBFbErhHhE2K4TpYbe0gHzVElSCZtRaCaCzQhgEOoIwCNb0nZKk0vtAFlidtaJwTx9fFmfciSviKgQB4ioEVb8+LeYrVgj9YiBka6u1VkhmrBDGpJtwLARhQviVoa0mKQqs9PFlscAiroirEASIqxBU/fq0mK8QhH4xELK11VorJDMEYUy6CcdCECaEjyDMA34fK9iClaeLKNzT+8Vi4U5cEVehCFBrhSLr1y+C0I9XU2u2jHZnmGUPJKk83GI1SVFgpY8vCvf0PqhbwERDfj6RReSr9H6xmK9YIUwfV6UFVmutmIQRhDFpRxwLQRgRdp+hrCYpCqz08WWxwCKuiKsQBIirEFT9+rSYrxCEfjEQsrXVWisks3rfCMKYtCOOhSCMCBtBmAdsDytYyfGAFbEphXtE2D2Gsli4E1fEVSgC1FqhyPr1iyD049XUGkHYnWGWPZCk8nCL1SRFgZU+vijc0/ugbgETDfn5RBaRr9L7xWK+YoUwfVyVFlittWISRhDGpB1xLARhRNisEOYB28MKCncPWBGbUrhHhM0KYXrYLS0gX7UElaAZtVYC6A1DIgi7+wFB2J1hlj2QpPJwi9UkReGePr4szrgTV8RVCALEVQiqfn1azFesEPrFQMjWVmutkMzqfSMIY9KOOBaCMCJsVgjzgO1hBTPuHrAiNqVwjwibFcL0sFtaQL5qCSpBM2qtBNBZIQwCHUEYBGv6TklS6X0gC6zOWlG4p48vizPuxBVxFYIAcRWCql+fFvMVK4R+MRCytdVaKyQzVghj0k04FoIwIfzK0FaTFAVW+viyWGARV8RVCALEVQiqfn1azFcIQr8YCNnaaq0VkhmCMCbdhGMhCBPCRxDmAb+PFWzBytNFFO7p/WKxcCeuiKtQBKi1QpH16xdB6MerqTVbRrszzLIHklQebrGapCiw0scXhXt6H9QtYKIhP5/IIvJVer9YzFesEKaPq9ICq7VWTMIIwpi0I46FIIwIu89QVpMUBVb6+LJYYBFXxFUIAsRVCKp+fVrMVwhCvxgI2dpqrRWSWb1vBGFM2hHHQhBGhI0gzAO2hxWs5HjAitiUwj0i7B5DWSzciSviKhQBaq1QZP36RRD68WpqjSDszjDLHkhSebjFapKiwEofXxTu6X1Qt4CJhvx8IovIV+n9YjFfsUKYPq5KC6zWWjEJIwhj0o44FoIwImxWCPOA7WEFhbsHrIhNKdwjwmaFMD3slhaQr1qCStCMWisB9IYhEYTd/YAg7M4wyx5IUnm4xWqSonBPH18WZ9yJK+IqBAHiKgRVvz4t5itWCP1iIGRrq7VWSGb1vhGEMWlHHAtBGBE2K4R5wPawghl3D1gRm1K4R4TNCmF62C0tIF+1BJWgGbVWAuisEAaBjiAMgjV9pySp9D6QBVZnrSjc08eXxRl34oq4CkGAuApB1a9Pi/mKFUK/GAjZ2mqtFZIZK4Qx6SYcC0GYEH5laKtJigIrfXxZLLCIK+IqBAHiKgRVvz4t5isEoV8MhGxttdYKyQxBGJNuwrEQhAnhIwjzgN/HCrZg5ekiCvf0frFYuBNXxFUoAtRaocj69Ysg9OPV1Joto90ZZtkDSSoPt1hNUhRY6eOLwj29D+oWMNGQn09kEfkqvV8s5itWCNPHVWmB1VorJmEEYUzaEcdCEEaE3Wcoq0mKAit9fFkssIgr4ioEAeIqBFW/Pi3mKwShXwyEbG211grJrN43gjAm7YhjIQgjwkYQ5gHbwwpWcjxgRWxK4R4Rdo+hLBbuxBVxFYoAtVYosn79Igj9eDW1RhB2Z5hlDySpPNxiNUlRYKWPLwr39D6oW8BEQ34+kUXkq/R+sZivWCFMH1elBVZrrZiEEYQxaUccC0EYETYrhHnA9rCCwt0DVsSmFO4RYbNCmB52SwvIVy1BJWhGrZUAesOQCMLufkAQdmeYZQ8kqTzcYjVJUbinjy+LM+7EFXEVggBxFYKqX58W8xUrhH4xELK11VorJLN63wjCmLQjjoUgjAibFcI8YHtYwYy7B6yITSncI8JmhTA97JYWkK9agkrQjForAXRWCINARxAGwZq+U5JUeh/IAquzVhTu6ePL4ow7cUVchSBAXIWg6tenxXzFCqFfDIRsbbXWCsmMFcKYdBOOhSBMCL8ytNUkRYGVPr4sFljEFXEVggBxFYKqX58W8xWC0C8GQra2WmuFZIYgjEk34VgIwoTwEYR5wO9jBVuw8nQRhXt6v1gs3Ikr4ioUAWqtUGT9+kUQ+vFqas2W0e4Ms+yBJJWHW6wmKQqs9PFF4Z7eB3ULmGjIzyeyiHyV3i8W8xUrhOnjqrTAaq0VkzCCMCbtiGMhCCPC7jOU1SRFgZU+viwWWMQVcRWCAHEVgqpfnxbzFYLQLwZCtrZaa4VkVu8bQRiTdsSxEIQRYSMI84DtYQUrOR6wIjalcI8Iu8dQFgt34oq4CkWAWisUWb9+EYR+vJpaIwi7M8yyB5JUHm6xmqQosNLHF4V7eh/ULWCiIT+fyCLyVXq/WMxXrBCmj6vSAqu1VkzCCMKYtCOOhSCMCJsVwjxge1hB4e4BK2JTCveIsFkhTA+7pQXkq5agEjSj1koAvWFIBGF3PyAIuzPMsgeSVB5usZqkKNzTx5fFGXfiirgKQYC4CkHVr0+L+YoVQr8YCNnaaq0Vklm9bwRhTNoRx0IQRoTNCmEesD2sYMbdA1bEphTuEWGzQpgedksLyFctQSVoRq2VADorhEGgIwiDYE3fKUkqvQ9kgdVZKwr39PFlccaduCKuQhAgrkJQ9evTYr5ihdAvBkK2tlprhWTGCmFMugnHQhAmhF8Z2mqSosBKH18WCyziirgKQYC4CkHVr0+L+QpB6BcDIVtbrbVCMkMQxqSbcCwEYUL4CMI84Pexgi1YebqIwj29XywW7sQVcRWKALVWKLJ+/SII/Xg1tWbLaHeGWfZAksrDLVaTFAVW+viicE/vg7oFTDTk5xNZRL5K7xeL+YoVwvRxVVpgtdaKSRhBGJN2xLEQhBFh9xnKapKiwEofXxYLLOKKuApBgLgKQdWvT4v5CkHoFwMhW1uttUIyq/eNIIxJO+JYCMKIsBGEecD2sIKVHA9YEZtSuEeE3WMoi4U7cUVchSJArRWKrF+/CEI/Xk2tEYTdGWbZA0kqD7dYTVIUWOnji8I9vQ/qFjDRkJ9PZBH5Kr1fLOYrVgjTx1VpgdVaKyZhBGFM2hHHQhBGhM0KYR6wPaygcPeAFbEphXtE2KwQpofd0gLyVUtQCZpRayWA3jAkgrC7H7IShKtWrXJLlixx9957r1uzZo2bNm2aO/TQQ92cOXPc5MmTW1/tM8884y666CK38cYbu/nz57vp06e3/q6VhiSpPDxpNUlRuKePL4sz7sQVcRWCAHEVgqpfnxbzFSuEfjEQsrXVWisks3rf2QhCCcCFCxe6J5980s2aNcvNnDnTPfzww27ZsmVu9uzZ7phjjnGTJk0ayOatt95yl19+ufvlL3/pttxySwThQGJ5Njht9hQ3b/YmbsWRB+ZpYEurrCYpCqyWARCwmcUCi7gKGDAtuyauWoKK2IwVwoiwPYdi8t0TWKDmVmutQLgau81GED766KPukksucUcffXSxKqiPxN0111zj9LfzzjvPzZgxYyCbBx54wF1//fXF6qA+rBAORJZlAwRhlm5ZZxSFe3r/ULin90HdAgr3/Hwii8hX6f1iMV+JKoIwfWzJAgRhdz9kIwhvvfVWd/vtt7tzzz23WB0sP1ohvPrqq928efPcXnvt1feKX3nlFXfhhRe6vffe27388svuiSeeQBB2j5EkPSAIk2BvPSgFVmtUwRpaLLCIq2Dh0rpj4qo1qmgNmWiIhtp7IAShN7IgX0AQdseajSC86qqr3GOPPbaBgJOou/jii90JJ5zg9t13355XvHbt2uL5wwcffNCdc845xf9GEK7pHiGJekAQJgLfclgK95agAjajcA8Id8iuKdyHBBf4a+SrwIBbdG8xX+myEYQtnB+hCYKwO+RsBOEVV1zRKOD0TOGCBQuKbaRz587tecVPPfVUseX0k5/8pDvggANcr/66IxuPHkhSefjJapKiwEofXxYLLOKKuApBgLgKQdWvT4v5CkHoFwMhW1uttUIyq/dtQhCWB9LomUNtLZ06dSqC8I433KI7WCGM+WNqGstqkqLASh1ZzlkssIgr4ioEAeIqBFW/Pi3mKwShXwyEbG211grJzKQgvOeee9yNN97oTjvtNLf77rsX1+i7QqjnD/WPlc91y6a665dtOraXc9x+q93x+61yr807fmyvQYZPW3jdWNvfy/hTLxvvV7ksPn2lW3PD1W7N9VePrX+mHHeSm/K5k8bW/ibDiav07iSu0vugbgH5Kj+flBZRa+XhG4u11hZbbOH0T6xPNiuEwz5D+NKUdEA5AAAgAElEQVRLL7lvfOMbbo899nDHHXfculdTDCMIH3nkkVjcg49z86Nbu5tXbB18nFADHLn7C+7I3V5w0/9+fqghovS78p8uiDJO7EH+7qb+BzzFtsd3vH8++iG36S1L3NRbvuf71Wzar5p7rFs995hs7BmFIcTVKCh264O46sYvxLfJVyGojqZPaq3RcOzai8Vaa88995yYglCnjN52223u7LPPdjvuuOO62Bh0yqi+9/3vf79vLH3oQx9yp5xyStd4G6vv8wxhHu6yuo2BLVjp48viFiziirgKQYC4CkHVr0+L+UoEqLX84iBUa6u1ViheTf1ms0L4+OOPF6eJHnXUUeu9h1AvmX/66afd+eefX7xovv559tln3TPPPLPBf//JT37inn/++aK/7bff3u2yyy4xuSYfiySV3AWFAVaTFAVW+viyWGARV8RVCALEVQiqfn1azFcIQr8YCNnaaq0Vklm972wEoQ6EkfjTts1Zs2a5HXbYwT300EPu/vvvL04XPeKII4rtoCtWrHCLFy8uXmB/0EEH9WTlu2U0JvQYYyEIY1AePIbVJEWBNdj3oVtYLLCIq9BRM7h/4mowo9gteJ1JbOLtx6PWas8qZEurtVZIZtkKQhm2evXq4v2BS5cudTo5dNq0acVq4Zw5c9zkyZML25cvX+4WLVrkDjvsMHf44YcjCHsQIEnF/Bn1HstqkqJwTx9fFO7pfVC3gMI9P5/IIvJVer9YzFeiSq2VPrZkgdVaKybdbFYIY170RBiLJJWHl60mKQqs9PFlscAiroirEASIqxBU/fq0mK8QhH4xELK11VorJLOsVwhjXrj1sRCEeXjYapKiwEofXxYLLOKKuApBgLgKQdWvT4v5CkHoFwMhW1uttUIyQxDGpJtwLARhQviVoa0mKQqs9PFlscAiroirEASIqxBU/fq0mK8QhH4xELK11VorJDMEYUy6CcdCECaEjyDMA34fK3jWK08XUbin94vFwp24Iq5CEaDWCkXWr18EoR+vptY8Q9idYZY9kKTycIvVJEWBlT6+KNzT+6BuARMN+flEFpGv0vvFYr5ihTB9XJUWWK21YhJGEMakHXEsBGFE2H2GspqkKLDSx5fFAou4Iq5CECCuQlD169NivkIQ+sVAyNZWa62QzOp9Iwhj0o44FoIwImwEYR6wPaxgJccDVsSmFO4RYfcYymLhTlwRV6EIUGuFIuvXL4LQj1dTawRhd4ZZ9kCSysMtVpMUBVb6+KJwT++DugVMNOTnE1lEvkrvF4v5ihXC9HFVWmC11opJGEEYk3bEsRCEEWGzQpgHbA8rKNw9YEVsSuEeETYrhOlht7SAfNUSVIJm1FoJoDcMiSDs7gcEYXeGWfZAksrDLVaTFIV7+viyOONOXBFXIQgQVyGo+vVpMV+xQugXAyFbW621QjKr940gjEk74lgIwoiwWSHMA7aHFcy4e8CK2JTCPSJsVgjTw25pAfmqJagEzai1EkBnhTAIdARhEKzpOyVJpfeBLLA6a0Xhnj6+LM64E1fEVQgCxFUIqn59WsxXrBD6xUDI1lZrrZDMWCGMSTfhWAjChPArQ1tNUhRY6ePLYoFFXBFXIQgQVyGo+vVpMV8hCP1iIGRrq7VWSGYIwph0E46FIEwIH0GYB/w+VrAFK08XUbin94vFwp24Iq5CEaDWCkXWr18EoR+vptZsGe3OMMseSFJ5uMVqkqLASh9fFO7pfVC3gImG/Hwii8hX6f1iMV+xQpg+rkoLrNZaMQkjCGPSjjgWgjAi7D5DWU1SFFjp48tigUVcEVchCBBXIaj69WkxXyEI/WIgZGurtVZIZvW+EYQxaUccC0EYETaCMA/YHlawkuMBK2JTCveIsHsMZbFwJ66Iq1AEqLVCkfXrF0Hox6upNYKwO8MseyBJ5eEWq0mKAit9fFG4p/dB3QImGvLziSwiX6X3i8V8xQph+rgqLbBaa8UkjCCMSTviWAjCiLBZIcwDtocVFO4esCI2pXCPCJsVwvSwW1pAvmoJKkEzaq0E0BuGRBB29wOCsDvDLHsgSeXhFqtJisI9fXxZnHEnroirEASIqxBU/fq0mK9YIfSLgZCtrdZaIZnV+0YQxqQdcSwEYUTYrBDmAdvDCmbcPWBFbErhHhE2K4TpYbe0gHzVElSCZtRaCaCzQhgEOoIwCNb0nZKk0vtAFlidtaJwTx9fFmfciSviKgQB4ioEVb8+LeYrVgj9YiBka6u1VkhmrBDGpJtwLARhQviVoa0mKQqs9PFlscAiroirEASIqxBU/fq0mK8QhH4xELK11VorJDMEYUy6CcdCECaEjyDMA34fK9iClaeLKNzT+8Vi4U5cEVehCFBrhSLr1y+C0I9XU2u2jHZnmGUPJKk83GI1SVFgpY8vCvf0PqhbwERDfj6RReSr9H6xmK9YIUwfV6UFVmutmIQRhDFpRxwLQRgRdp+hrCYpCqz08WWxwCKuiKsQBIirEFT9+rSYrxCEfjEQsrXVWisks3rfCMKYtCOOhSCMCBtBmAdsDytYyfGAFbEphXtE2D2Gsli4E1fEVSgC1FqhyPr1iyD049XUGkHYnWGWPZCk8nCL1SRFgZU+vijc0/ugbgETDfn5RBaRr9L7xWK+YoUwfVyVFlittWISRhDGpB1xLARhRNisEOYB28MKCncPWBGbUrhHhM0KYXrYLS0gX7UElaAZtVYC6A1DIgi7+wFB2J1hlj2QpPJwi9UkReGePr4szrgTV8RVCALEVQiqfn1azFesEPrFQMjWVmutkMzqfSMIY9KOOBaCMCJsVgjzgO1hBTPuHrAiNqVwjwibFcL0sFtaQL5qCSpBM2qtBNBZIQwCHUEYBGv6TklS6X0gC6zOWlG4p48vizPuxBVxFYIAcRWCql+fFvMVK4R+MRCytdVaKyQzVghj0k04FoIwIfzK0FaTFAVW+viyWGARV8RVCALEVQiqfn1azFcIQr8YCNnaaq0VkhmCMCbdhGMhCBPCRxDmAb+PFWzBytNFFO7p/WKxcCeuiKtQBKi1QpH16xdB6MerqTVbRrszzLIHklQebrGapCiw0scXhXt6H9QtYKIhP5/IIvJVer9YzFesEKaPq9ICq7VWTMIIwpi0I46FIIwIu89QVpMUBVb6+LJYYBFXxFUIAsRVCKp+fVrMVwhCvxgI2dpqrRWSWb1vBGFM2hHHQhBGhI0gzAO2hxWs5HjAitiUwj0i7B5DWSzciSviKhQBaq1QZP36RRD68WpqjSDszjDLHkhSebjFapKiwEofXxTu6X1Qt4CJhvx8IovIV+n9YjFfsUKYPq5KC6zWWjEJIwhj0o44FoIwImxWCPOA7WEFhbsHrIhNKdwjwmaFMD3slhaQr1qCStCMWisB9IYhEYTd/YAg7M4wyx5IUnm4xWqSonBPH18WZ9yJK+IqBAHiKgRVvz4t5itWCP1iIGRrq7VWSGb1vhGEMWlHHAtBGBE2K4R5wPawghl3D1gRm1K4R4TNCmF62C0tIF+1BJWgGbVWAuisEAaBjiAMgjV9pySp9D6QBVZnrSjc08eXxRl34oq4CkGAuApB1a9Pi/mKFUK/GAjZ2mqtFZIZK4Qx6SYcC0GYEH5laKtJigIrfXxZLLCIK+IqBAHiKgRVvz4t5isEoV8MhGxttdYKyQxBGJNuwrEQhAnhIwjzgN/HCrZg5ekiCvf0frFYuBNXxFUoAtRaocj69Ysg9OPV1Joto90ZZtkDSSoPt1hNUhRY6eOLwj29D+oWMNGQn09kEfkqvV8s5itWCNPHVWmB1VorJmEEYUzaEcdCEEaE3Wcoq0mKAit9fFkssIgr4ioEAeIqBFW/Pi3mKwShXwyEbG211grJrN43gjAm7YhjIQgjwkYQ5gHbwwpWcjxgRWxK4R4Rdo+hLBbuxBVxFYoAtVYosn79Igj9eDW1RhB2Z5hlDySpPNxiNUlRYKWPLwr39D6oW8BEQ34+kUXkq/R+sZivWCFMH1elBVZrrZiEEYQxaUccC0EYETYrhHnA9rCCwt0DVsSmFO4RYbNCmB52SwvIVy1BJWhGrZUAesOQCMLufkAQdmeYZQ8kqTzcYjVJUbinjy+LM+7EFXEVggBxFYKqX58W8xUrhH4xELK11VorJLN63wjCmLQjjoUgjAibFcI8YHtYwYy7B6yITSncI8JmhTA97JYWkK9agkrQjForAXRWCINARxAGwZq+U5JUeh/IAquzVhTu6ePL4ow7cUVchSBAXIWg6tenxXzFCqFfDIRsbbXWCsmMFcKYdBOOhSBMCL8ytNUkRYGVPr4sFljEFXEVggBxFYKqX58W8xWC0C8GQra2WmuFZIYgjEk34VgIwoTwEYR5wO9jBVuw8nQRhXt6v1gs3Ikr4ioUAWqtUGT9+kUQ+vFqas2W0e4Ms+yBJJWHW6wmKQqs9PFF4Z7eB3ULmGjIzyeyiHyV3i8W8xUrhOnjqrTAaq0VkzCCMCbtiGMhCCPC7jOU1SRFgZU+viwWWMQVcRWCAHEVgqpfnxbzFYLQLwZCtrZaa4VkVu8bQRiTdsSxEIQRYSMI84DtYQUrOR6wIjalcI8Iu8dQFgt34oq4CkWAWisUWb9+EYR+vJpaIwi7M8yyB5JUHm6xmqQosNLHF4V7eh/ULWCiIT+fyCLyVXq/WMxXrBCmj6vSAqu1VkzCCMKYtCOOhSCMCJsVwjxge1hB4e4BK2JTCveIsFkhTA+7pQXkq5agEjSj1koAvWFIBGF3PyAIuzPMsgeSVB5usZqkKNzTx5fFGXfiirgKQYC4CkHVr0+L+YoVQr8YCNnaaq0Vklm9bwRhTNoRx0IQRoTNCmEesD2sYMbdA1bEphTuEWGzQpgedksLyFctQSVoRq2VADorhEGgIwiDYE3fKUkqvQ9kgdVZKwr39PFlccaduCKuQhAgrkJQ9evTYr5ihdAvBkK2tlprhWTGCmFMugnHQhAmhF8Z2mqSosBKH18WCyziirgKQYC4CkHVr0+L+QpB6BcDIVtbrbVCMkMQxqSbcCwEYUL4CMI84Pexgi1YebqIwj29XywW7sQVcRWKALVWKLJ+/SII/Xg1tWbLaHeGWfZAksrDLVaTFAVW+viicE/vg7oFTDTk5xNZRL5K7xeL+YoVwvRxVVpgtdaKSRhBGJN2xLEQhBFh9xnKapKiwEofXxYLLOKKuApBgLgKQdWvT4v5CkHoFwMhW1uttUIyq/edlSBctWqVW7Jkibv33nvdmjVr3LRp09yhhx7q5syZ4yZPntyTy9q1a93y5cvdjTfe6H7/+987/f9tttnGfeYzn3F77LGHmzRpUkymWYyFIMzCDRwqk4cbNrCClZw8HUPhnt4vFgt34oq4CkWAWisUWb9+EYR+vJpaZyMIJQAXLlzonnzySTdr1iw3c+ZM9/DDD7tly5a52bNnu2OOOaansFOba665xu28887uIx/5SHGdd9xxh3vhhRfcySef7Pbdd9/upMasB5JUHg6zmqQosNLHF4V7eh/ULWCiIT+fyCLyVXq/WMxXrBCmj6vSAqu1VkzC2QjCRx991F1yySXu6KOPLlYF9XnrrbcKoae/nXfeeW7GjBkbsHn11Vfd17/+dffOd77TnXHGGW7KlClFm+eff95deOGFbtttt3Wnn376uv8eE27KsRCEKen/ZWyrSYoCK318WSywiCviKgQB4ioEVb8+LeYrBKFfDIRsbbXWCsms3nc2gvDWW291t99+uzv33HOL1cHyo9W/q6++2s2bN8/ttddeG7DRiuKCBQsKETl37tx1f9f2UwlMfc4880w3derUmFyTj4UgTO6CwgCrSYoCK318WSywiCviKgQB4ioEVb8+LeYrBKFfDIRsbbXWCsksW0F41VVXuccee8zNnz/fTZ8+fZ2dTzzxhLv44ovdCSec4LX187XXXnMXXXRR8Syhto1OtOcIEYQxf0a9x7KapCiw0seXxQKLuCKuQhAgrkJQ9evTYr5CEPrFQMjWVmutkMyyFYRXXHGFk/irC8JeK4CDIN1zzz3u29/+tjv11FMbVxYHfX/c/44gzMODVpMUBVb6+LJYYBFXxFUIAsRVCKp+fVrMVwhCvxgI2dpqrRWS2YQQhBKWl156qdtnn33c5z//+b4nlJZAXnnlFad/rHyuWzbVXb9s07G9nOP2W+2O32+Ve23e8WN7DTJ82sLrxtr+XsafetlfVvHH8QIXn77Srbnharfm+qvH0fzC5inHneSmfO6ksbW/yXDiKr07iav0PqhbQL7KzyelRdRaefjGYq21xRZbOP0T65PNM4SjWiF88cUXi62i2naq5w4322yzViwlBh955JFWbceh0c2Pbu1uXrH1OJjaaOORu7/gjtztBTf97+eP7TXI8JX/dMFY29/L+L+7acPnecfpQv/56IfcprcscVNv+d44mb2eravmHutWzz1mbO1vMpy4Su9O4iq9D+oWkK/y80lpEbVWHr6xWGvtueeeE1MQjuIZwlIM6p2FOkhmq622yiNSE1jBltEE0BuGtLqNgS1Y6ePL4hYs4oq4CkGAuApB1a9Pi/lKBKi1/OIgVGurtVYoXk39ZrNCqFNGb7vtNnf22We7HXfccZ2tg04ZLRu+/vrrxXsMV65cWfQxkcUgSSrmT6j/WFaTFAVW+hizWGARV8RVCALEVQiqfn1azFfUWn4xELK11VorJLN639kIwscff7w4TfSoo45a7z2El19+uXv66afd+eef77bccstGNqtXry7eV6hTSvXOQb2gfqJ/mLXKIwKsJikKrPTxZbHAIq6IqxAEiKsQVP36tJivEIR+MRCytdVaKySzbAWhXkIv8afn+GbNmuV22GEH99BDD7n777+/eL/gEUccUbw6YsWKFW7x4sXFC+wPOuig4uX11157rbvvvvvcIYccUnyv/tluu+3We7dhTMCpxkIQpiK//rhWkxQFVvr4slhgEVfEVQgCxFUIqn59WsxXCEK/GAjZ2mqtFZJZtoJQhmmlb8mSJW7p0qVuzZo1btq0acVq4Zw5c9adFLp8+XK3aNEid9hhh7nDDz+82CJ6wQUXuJdffrknN606Vl9aHxNwqrEQhKnIIwjzIN/fih/9w+buxUUL3IuLF4yDuY02WiywKNzThyNxld4HdQvIV/n5pLSIWisP3yAIu/shmy2j3S+FHqoESFJ5xIPVJEXhnj6+KNzT+4DCPT8fNFlEvkrvJ4v5ihXC9HFVWmC11opJGEEYk3bEsRCEEWH3GcpqkqLASh9fFgss4oq4CkGAuApB1a9Pi/kKQegXAyFbW621QjKr940gjEk74lgIwoiwEYR5wPawgi1YHrAiNqVwjwi7x1AWC3fiirgKRYBaKxRZv34RhH68mlojCLszzLIHklQebrGapCiw0scXhXt6H9QtYKIhP5/IIvJVer9YzFesEKaPq9ICq7VWTMIIwpi0I46FIIwImxXCPGB7WEHh7gErYlMK94iwWSFMD7ulBeSrlqASNKPWSgC9YUgEYXc/IAi7M8yyB5JUHm6xmqQo3NPHl8UZd+KKuApBgLgKQdWvT4v5ihVCvxgI2dpqrRWSWb1vBGFM2hHHQhBGhM0KYR6wPaxgxt0DVsSmFO4RYbNCmB52SwvIVy1BJWhGrZUAOiuEQaAjCINgTd8pSSq9D2SB1VkrCvf08WVxxp24Iq5CECCuQlD169NivmKF0C8GQra2WmuFZMYKYUy6CcdCECaEXxnaapKiwEofXxYLLOKKuApBgLgKQdWvT4v5CkHoFwMhW1uttUIyQxDGpJtwLARhQvgIwjzg97GCLVh5uojCPb1fLBbuxBVxFYoAtVYosn79Igj9eDW1Zstod4ZZ9kCSysMtVpMUBVb6+KJwT++DugVMNOTnE1lEvkrvF4v5ihXC9HFVWmC11opJGEEYk3bEsRCEEWH3GcpqkqLASh9fFgss4oq4CkGAuApB1a9Pi/kKQegXAyFbW621QjKr940gjEk74lgIwoiwEYR5wPawgpUcD1gRm1K4R4TdYyiLhTtxRVyFIkCtFYqsX78IQj9eTa0RhN0ZZtkDSSoPt1hNUhRY6eOLwj29D+oWMNGQn09kEfkqvV8s5itWCNPHVWmB1VorJmEEYUzaEcdCEEaEzQphHrA9rKBw94AVsSmFe0TYrBCmh93SAvJVS1AJmlFrJYDeMCSCsLsfEITdGWbZA0kqD7dYTVIU7unjy+KMO3FFXIUgQFyFoOrXp8V8xQqhXwyEbG211grJrN43gjAm7YhjIQgjwmaFMA/YHlYw4+4BK2JTCveIsFkhTA+7pQXkq5agEjSj1koAnRXCINARhEGwpu+UJJXeB7LA6qwVhXv6+LI4405cEVchCBBXIaj69WkxX7FC6BcDIVtbrbVCMmOFMCbdhGMhCBPCrwxtNUlRYKWPL4sFFnFFXIUgQFyFoOrXp8V8hSD0i4GQra3WWiGZIQhj0k04FoIwIXwEYR7w+1jBFqw8XUThnt4vFgt34oq4CkWAWisUWb9+EYR+vJpas2W0O8MseyBJ5eEWq0mKAit9fFG4p/dB3QImGvLziSwiX6X3i8V8xQph+rgqLbBaa8UkjCCMSTviWAjCiLD7DGU1SVFgpY8viwUWcUVchSBAXIWg6tenxXyFIPSLgZCtrdZaIZnV+0YQxqQdcSwEYUTYCMI8YHtYwUqOB6yITSncI8LuMZTFwp24Iq5CEaDWCkXWr18EoR+vptYIwu4Ms+yBJJWHW6wmKQqs9PFF4Z7eB3ULmGjIzyeyiHyV3i8W8xUrhOnjqrTAaq0VkzCCMCbtiGMhCCPCZoUwD9geVlC4e8CK2JTCPSJsVgjTw25pAfmqJagEzai1EkBvGBJB2N0PCMLuDLPsgSSVh1usJikK9/TxZXHGnbgirkIQIK5CUPXr02K+YoXQLwZCtrZaa4VkVu8bQRiTdsSxEIQRYbNCmAdsDyuYcfeAFbEphXtE2KwQpofd0gLyVUtQCZpRayWAzgphEOgIwiBY03dKkkrvA1lgddaKwj19fFmccSeuiKsQBIirEFT9+rSYr1gh9IuBkK2t1lohmbFCGJNuwrEQhAnhV4a2mqQosNLHl8UCi7girkIQIK5CUPXr02K+QhD6xUDI1lZrrZDMEIQx6SYcC0GYED6CMA/4faxgC1aeLqJwT+8Xi4U7cUVchSJArRWKrF+/CEI/Xk2t2TLanWGWPZCk8nCL1SRFgZU+vijc0/ugbgETDfn5RBaRr9L7xWK+YoUwfVyVFlittWISRhDGpB1xLARhRNh9hrKapCiw0seXxQKLuCKuQhAgrkJQ9evTYr5CEPrFQMjWVmutkMzqfSMIY9KOOBaCMCJsBGEesD2sYCXHA1bEphTuEWH3GMpi4U5cEVehCFBrhSLr1y+C0I9XU2sEYXeGWfZAksrDLVaTFAVW+viicE/vg7oFTDTk5xNZRL5K7xeL+YoVwvRxVVpgtdaKSRhBGJN2xLEQhBFhs0KYB2wPKyjcPWBFbErhHhE2K4TpYbe0gHzVElSCZtRaCaA3DIkg7O4HBGF3hln2QJLKwy1WkxSFe/r4sjjjTlwRVyEIEFchqPr1aTFfsULoFwMhW1uttUIyq/eNIIxJO+JYCMKIsFkhzAO2hxXMuHvAitiUwj0ibFYI08NuaQH5qiWoBM2otRJAZ4UwCHQEYRCs6TslSaX3gSywOmtF4Z4+vizOuBNXxFUIAsRVCKp+fVrMV6wQ+sVAyNZWa62QzFghjEk34VgIwoTwK0NbTVIUWOnjy2KBRVwRVyEIEFchqPr1aTFfIQj9YiBka6u1VkhmCMKYdBOOhSBMCB9BmAf8PlawBStPF1G4p/eLxcKduCKuQhGg1gpF1q9fBKEfr6bWbBntzjDLHkhSebjFapKiwEofXxTu6X1Qt4CJhvx8IovIV+n9YjFfsUKYPq5KC6zWWjEJIwhj0o44FoIwIuw+Q1lNUhRY6ePLYoFFXBFXIQgQVyGo+vVpMV8hCP1iIGRrq7VWSGb1vhGEMWlHHAtBGBE2gjAP2B5WsJLjAStiUwr3iLB7DGWxcCeuiKtQBKi1QpH16xdB6MerqTWCsDvDLHsgSeXhFqtJigIrfXxRuKf3Qd0CJhry84ksIl+l94vFfMUKYfq4Ki2wWmvFJIwgjEk74lgIwoiwWSHMA7aHFRTuHrAiNqVwjwibFcL0sFtaQL5qCSpBM2qtBNAbhkQQdvcDgrA7wyx7IEnl4RarSYrCPX18WZxxJ66IqxAEiKsQVP36tJivWCH0i4GQra3WWiGZ1ftGEMakHXEsBGFE2KwQ5gHbwwpm3D1gRWz6/7d35sF2FGUf7pgQIQQCQpQ1sgUFFVkEl4AsKgiIEVQkgAIKJJKyyl1cy7IsS0tL/cOgIQIuERFDRAirKLIICES2QEABWUVA9h1Zvnqm7PtNDnPunbnnznLmPFNFAUlPT8/T7+l+f/2+3aPjXiFsI4T1w87ZAsernKBqKKavVQN0I4SlQFcQloK1/kodpOrvA1rQ1lUrHff67auNK+7alXZVBgHtqgyqxeps43hlhLCYDZRZuq2+VpnMjBBWSbfGZykIa4SfenRbBykdrPrtq40OlnalXZVBQLsqg2qxOts4XikIi9lAmaXb6muVyUxBWCXdGp+lIKwRvoKwGfCHaYUpWM3sIh33+vuljY67dqVdlUVAX6ssssXqVRAW45VV2pTR3hk2sgYHqWZ0S1sHKR2s+u1Lx73+PuhsgQsNzesTWuR4VX+/tHG8MkJYv13FFrTV16qSsIKwStoVPktBWCHsYR7V1kFKB6t++2qjg6VdaVdlENCuyqBarM42jlcKwmI2UGbptvpaZTLrrFtBWCXtCp+lIKwQtoKwGbALtMJITgFYFRbVca8QdpdHtdFx1660q7II6GuVRbZYvQrCYryySisIe2fYyBocpJrRLW0dpHSw6rcvHbmBT6UAACAASURBVPf6+6CzBS40NK9PaJHjVf390sbxyghh/XYVW9BWX6tKwgrCKmlX+CwFYYWwjRA2A3aBVui4F4BVYVEd9wphGyGsH3bOFjhe5QRVQzF9rRqgZzxSQdh7PygIe2fYyBocpJrRLW0dpHTc67evNq64a1faVRkEtKsyqBars43jlRHCYjZQZum2+lplMuusW0FYJe0Kn6UgrBC2EcJmwC7QClfcC8CqsKiOe4WwjRDWDztnCxyvcoKqoZi+Vg3QjRCWAl1BWArW+it1kKq/D2hBW1etdNzrt682rrhrV9pVGQS0qzKoFquzjeOVEcJiNlBm6bb6WmUyM0JYJd0an6UgrBF+6tFtHaR0sOq3rzY6WNqVdlUGAe2qDKrF6mzjeKUgLGYDZZZuq69VJjMFYZV0a3yWgrBG+ArCZsAfphWmYDWzi3Tc6++XNjru2pV2VRYBfa2yyBarV0FYjFdWaVNGe2fYyBocpJrRLW0dpHSw6rcvHff6+6CzBS40NK9PaJHjVf390sbxyghh/XYVW9BWX6tKwgrCKmlX+CwFYYWwh3lUWwcpHaz67auNDpZ2pV2VQUC7KoNqsTrbOF4pCIvZQJml2+prlcmss24FYZW0K3yWgrBC2ArCZsAu0AojOQVgVVhUx71C2F0e1UbHXbvSrsoioK9VFtli9SoIi/HKKq0g7J1hI2twkGpGt7R1kNLBqt++dNzr74POFrjQ0Lw+oUWOV/X3SxvHKyOE9dtVbEFbfa0qCSsIq6Rd4bMUhBXCNkLYDNgFWqHjXgBWhUV13CuEbYSwftg5W+B4lRNUDcX0tWqAnvFIBWHv/aAg7J1hI2twkGpGt7R1kNJxr9++2rjirl1pV2UQ0K7KoFqszjaOV0YIi9lAmaXb6muVyayz7tYIwnvuuScsXrw43HnnneHFF18MU6dODTNnzgzTp0+vkmdjnqUgbEZXtHWQ0sGq377a6GBpV9pVGQS0qzKoFquzjeOVgrCYDZRZuq2+VpnMWikIEYMLFiwIkyZNCjNmzAgTJkwIl1xySbj//vvDoYceGjbbbLMqmTbiWQrCRnRDaOsgpYNVv3210cHSrrSrMghoV2VQLVZnG8crBWExGyizdFt9rTKZtVIQLlmyJFx55ZXhyCOPDOutt17yjg899FA49thjw7rrrhsOOuigMH78+Cq51v4sBWHtXZA0oK2DlA5W/fbVRgdLu9KuyiCgXZVBtVidbRyvFITFbKDM0m31tcpk1jpB+Oyzz4bjjz8+EXxEA1daaaXkHUkbXbhwYbj33nvDnDlzwuTJk6vkWvuzFIS1d4GCsBldkNkKD2loZufouNffL2103LUr7aosAvpaZZEtVq+CsBivrNJ9v4fw0UcfDcccc0zYcMMNk0hg+jr33HOTyOHcuXPDlClTeqfVRzU4SDWjs9o6SOlg1W9fOu7190FnC1xoaF6f0CLHq/r7pY3jlRHC+u0qtqCtvlaVhPteED7yyCNh3rx54dWvfvVLBOF5550XLrzwwnD44YeHadOmVcm19mcpCGvvAiOEzegCI4QN7ofOpum4199ZbXTctSvtqiwC+lplkS1Wr4KwGK9WRggVhNlG4CDV+49jLGpo6yClgzUW1tFbHTruvfEr424jhGVQ7b1Ox6veGfZaQxvHKyOEvVrF2N3fVl9r7AiNXJMRwv8xWrp0aZg9e/bIxCxRCYFx418eXnz+mUqe5UMk0I8EJo4L4dkX+7HltrnJBLSrJvdO/7ZNu2pm3+lrNbNfaNX8+fPDdtttV1kD+14QjtUeQgQh/3hJQAISkIAEJCABCUhAAhKoiwBiUEFYgH48ZZRbPvrRj4aJEycmdw/6KaMFEFpUAhKQgAQkIAEJSEACEhhQAn0fIaTfzjzzzHD55Zev8B1CPkpPuHWTTTYJs2bNCuPGjRvQLva1JSABCUhAAhKQgAQkIAEJZBNohSCM4m/ChAlhp512SqKEF110USCd9LDDDktOIPWSgAQkIAEJSEACEpCABCQggRUJtEIQ8kp8gH7RokXhzjvvTNJFp06dGmbOnBmmT59un0tAAhKQgAQkIAEJSEACEpBABoHWCEJ7VwISkIAEJCABCUhAAhKQgASKEVAQFuNlaQlIQAISkIAEJCABCUhAAq0hoCBsTVf6IhKQgAQkIAEJSEACEpCABIoRUBAW42VpCUhAAhKQgAQkIAEJSEACrSGgIGxNV/b/iyxfvjz8/ve/Dw8++GDYcsstw8EHHxw4OXa4iwOEzj333HDzzTeHgw46KKyxxhr9D8I3qJzAf//73/C73/0uPPnkk+GAAw4IK6+8cuVt8IESkEB3Ahwc95vf/Ca88Y1vDDvvvPOYorrjjjvCT3/60/D2t789vPOd7xzTuoer7JFHHgnz5s1LTkJn/vIansCvfvWrcPvtt4e5c+eGKVOmhFtuuSUZt9/97neH17/+9V1vlnMITz/9dDjppJMSH2mfffYJ48ePz2Vu3Hf88ccnZfnWt3NjLmx9WUhB2JfdVm2jq5gs77nnnrBgwYIwadKkMGPGjLDuuuuGjTbaaMQXRRAyIdx0001h9uzZ4RWveMVL7sHZ//nPfx5uu+22cOihh4bNNttshTKIyZ/97GfJibSI0LwD5YiNs0AjCOSx32gjzzzzTDLprbLKKo1ou43ojUB0BPn3/vvvH7bbbrvMChlHfv3rX4err746ERw6571x77wbpxLB9bKXvewlTiVOPQ7nnnvuGXbcccehW59//vnwy1/+MvznP/8Jc+bMCY899lhSxw477BD22GOPMW1gnjFiTB/4v8qqEiosdJ1yyimBRdcXXnghTJs2LXzoQx8Ka6211rCvFdv38MMPZ5Zjjq5SJHQKwhtvvDGxkfe///1h2223HUhB+Pjjj4ezzz47XHfddeGpp54KK620UnjDG96Q/EbWXHPNISZPPPFE8vtBSDO+US7PpSDMQ6kdZRSE7ejHUt+iisny4osvDmeddVYyuWy66aZj/j58juS4444LG2ywQTjkkEOGBkMGO8Qiq89HHHFEIkS92kWgCvttF7H2vE3aoWUhiO/SZjlCDzzwQPjJT34SKK8gLKf/oyBB3K299tpDDznzzDPDn//85yQr5MMf/vDQghyOLn1C2fSfl9G6usaIKgQhwhohxaIpkVUEwfnnn58svjLnDbf4FdvHPW9729tegn7y5Mlhk002qWwRtVMQ5rWFKjjnbctYlrvvvvuSxRQWS7baaqukL/75z3+GZcuWJdlVLIAj/nu5FIS90OuvexWE/dVftbS2isnyvPPOCxdeeGE4/PDDex7AsiARAfjjH/8YeM5+++2XrDJzXX755WHx4sVh9913D7vttlstfH1ouQSqsN9y38DaR0sgOoI4TC9/+cvDkUceGdZbb72XVMfYc8YZZ4Rx48Ylq+tGCEdLvPt9V1xxRTLWsiD32te+NikYnU0W5EhF+/jHPz6U9h9/t7vuumvgnzKvusaIKoRKfAbRvFmzZiU2TiScvhhpvq2ifUX6VUH4/7RiVstdd92VLHSRdhyv+++/PxGKq622Ws8RXAVhEQvt77IKwv7uv0pa3zlZdhsguk0eDz30UDjttNOSFUrSVTbccMPwgQ98ILzqVa9KVuTZQ5FOScExiBMV5f/2t7+Fc845JynLqib7PFjpjKmdeScJ0ikYJEmfYWUUkXjssccGVjnTaYKkXpCGwqo0zmG8yhatlXTmAD4kj7PnpNdOw4jjy/rrr5+snLMQtNdee63wsowLpKtzMd5MnTp1BUHI+MX4w7iAE0a0hPTGbbbZJnGuo+0wnrzmNa9JFrbWWWedIUeMdHicb7IUuGjL+973vmQcjBepyuyFXrp0aTI+Mc7ttNNOyViXjmimx1IiP6T8sZhFVJO2NPnCcYUzWwJoM9e///3vMH/+/PC6170uXH/99UkaYxSLCMhTTz11KGuk2+84zZeUVPpg3333DauvvvoQjqw+wA5iNkpW3fQn6axkrtx9991JXem5i/9Pz3lbbLFFUpY/Y055z3veM2QjlKW+q666KixZsiQQ/YxRt0suuSTZHpFehBjpneJcRFog97Pg0U3cdQpC2sL9LIYSrR0ubbSIIMxjw3FuhQ3/DXe2aTDP8tvit3PRRRcN/QZI8cZWWMzh6pzrs+bqIpyb/HsZqW2MZ2Q9EbntHNO4F5bYY1yAyZrj8th4t7lxpHFxpPb7980joCBsXp80rkW9CEIOiMEJQLzhCJDGwIDPhIgoQxSS287g9de//jVZwcRhWnXVVZP9JkT1SG9hfwDpEDgVl156aXjTm96UTPo4QXkFIWDjfsG3vOUtCefLLrvsJfsKFYSNM8GeGqQg7AlfX98cHVocS6JQ/MNe47RYwOk/4YQTEpF3zTXXDO2x4cXj+IXjhEBjsYoFKpwxxioc2egwYWc4roxTpKYj5v71r38ldfM87udi/Hv00UeHVvVj2jr3v/Wtb03Gv1tvvTURhwg9Fs8YP3H6EU/PPvtssiAW28KYxiER6f13Tew0hC5zAUIopoAi+kgZ5f9PP/30RKAhFrhIMf373/8+FDXM+h1zwAh8mUeYE2BzwQUXhIkTJyb9TIQk7k9HpKX7gL2JH/nIRxIBmlU3UbTf/va3SX9uvfXWST9TNwKduYvDOaJ98Xf0Mf3HvPWXv/wl6eO0SKO+k08+OWkrTjw8oi2k05TzvBOC7g9/+ENiF9gaCxDYRJa4Y+GA92C/HaKTvfSk6BJ1fcc73jHsQkJeQZjXhuPcih9AKjC2jl/AvzkL4Morr0wY8k5xrod/3OaRRxDm5dzE30iRNuEX8c/HPvaxFaKDsY5o04wLiOosYZfHxrPuyzMuFnkXyzaDgIKwGf3Q6FaMVhDGiYgJiAk0TlakM+DYsKLKZnCurOhbfC6TOCe/If5wzHAgmDiY8JkIiwjCeAgNq6P895vf/OYhYRk7QUHYaHMs3DgFYWFkrbkhOrQ4leyxWbhw4ZCQ4yUZAxAeCDz22+A4x0MX+HsWn3DuOXkWJ5ULR5/xi0giQobIBpkH7OdJp27FvVsIElJV4wEP8X6cYEQlApM2IPziwRgxxf1Pf/pTEkFhfx0RtF/84hfJPQgULhbTyHJgHxhZDgihpl7x4B5+j0cddVQi1jjIh+wQ2k7KLoKd/+aCKeKLfuHf3eYh6k1neMRFP06exBnOcpzpK/Ynbr755knfdtaNsOREU/owferwDTfckGSPsO1g++23HxKECDPmuHioWTwoh3kL4UU/8TyEECKRBU+u2A6EMGItHW0e7p2iIHzXu941oqjjOdGBZ68sCwkzZ85MbG2kqHJeQcjiRR4bjnMrCzRxoSP+po455phEGGLvca5nkYC6YcvvbyRBmJdzU38jRdrFiaHYeuee3FhHZ991CjsWLvLYeJYgzDMuejhfkd5sRlkFYTP6odGtGK0gZKL/8Y9/nEy6UfjxojhQnOrJv+MJZVmCkD/DGYvCL0JipZODYA488MBkhb6IIKQO0n9iihgTDZNQ+lIQNtocCzdOQVgYWWtuSDtFOPH87ons4HzjsMTDZIjQENHDKSUtcLg9hJ0OUhQv/Dt94iIRKERAeuErgmWRjPGPfT8nnnji0EmaRLHi1Xl/TBEju4FUwbynBDapMzk8jNRYohosEMKHCB1RQaKFpObi4HLxd6T4xvTSzt9x/H/+Ph0djYfRcEAY/RjFyt577z0UwetkkmeM4J7Oct0EE3MfWyFYcEQUEvUjva/zsxad9+d9pyLbFxDMLICybQObixG3PCcpD3fKKL8jPv+AzaZPgx3OhrvNrem0bRZZ0qdjpvtqJEGYl3OTfhOjbctIfs9IgrDb5yPy+nud7XbbxWh7sjn3KQib0xeNbUneAaLb5MZAkXWlj6zOmuAY8Ejh6nbFPX7pgZE2cLRyfGZ6PyL1sOLLqhgTExcr7emVSv5MQdhYUxxVw/I4e05mo0Lb+Js6xyTGGURJPFyGVPUoUIjuZH0Tjggf0SsEGQ51vOL41U0Q9mp30SZjlIwVfdpPxIv/RrgSaUHMxj1WTe+Q6LAj4hBscWEPUch+QqKdbAXgneM+7rinsJNnHKe7vXNMw2RvG9Er5hIidHxeCG5EXWMUI6uv2E9KSh1RWsQ5/x8v2o/Q6yYI458jaCnXbU7pvD/vOxURhDEtkJRaFj/ZlxlTkWM6LXNger98fM/hThklGs1iL3Nqt+/Uddpw/ExE5/58nkd6MFEvonwsFvBdQdJH0+JwJEGYl3PTfyd52tdrhBDfKI+Nd5sbRxoX/V5hnl5sVhkFYbP6o5Gt6VUQMgFnfTQ2fWR1N0H4j3/8I1khzlrN3HjjjZPV/vQkgSNBGgWTFBcTPsfNc0hDFHukKcVT63Cu4l6gCF9B2EgzHHWjenXMR/1gb6ydQKfDzZ4+RAeOOul27D/jItWTPV2dgpDUP0QL4ov9VjiqpBPijDG2pNMbqScdIezV7uK3+xB7MW2SZ5BySvoojj4H1eCYk9YYhVPt0IdpQIzecdIrKbe8Q9zTGR1P9tiRThoPPYmfqOgmCIkOpg/oiY9HSMRv2RIlI20SUcj4jjPL3IEwQSR11k15DuQgQ4X9fqSH0g/YD/NHjPSVJQhHeqe8gjDyZn8jNo4gjqdtI1RJwyRCzR69rM895UkZHW4xrdOGhxOE9BsLLsz52AUCkfthwf5efm8Kwv//cfW6hxB7zmPjWf2bZ1xUEDZ5JM5um4Kw//qstBazcs7BLjgX6TTK0QrCmPKEo0LK6HD7FbImOE5jY69gt6PiI4iRUidiuXgoA6KRfRysjrEXiCseQBBFo6eMlmZmlVfcq2NeeYN94JgR6HRo474+TshD4HHIB/upiBhlOb8IPyKD6c8h5E0ZjWmDRGPiQSnxxUiRY/zBKWNfY/z4+nDpdtzz3HPPDR24RV3xO2SIm6bvIaS98WPzjMWMwwiV+CkE/p4xH0HAAl7cGxj3RXb+juM+PdJnEWhZF3Ug9LmoM85B0aElSpi1hxDRTfow33BLty9vymhnhDBGRjs/odFpc3neiXfJKwjjya5xH37sg0WLFiXiGHujHzoPWoos8wjC2Kd5bLjbYitCMJ6uG1Oh+TP29HI6ed49hHk5j9kAU2NF0VY4lGc0p4yysJXHxrMEYZ5xUUFYo3GM8tEKwlGCa+Nt7LXAQSJlJ57CGScfTjSLx0MzyeLEMNmkHaW4+k5EkL0bDOgIK8rhrMRDGaiTPTSsAseDZrImOBwDVvBx1mgTaVJcOEbcz/Hi/FkeQRgPo2HFNx0RZCWSFFJWIRlUcRiy9iHEwyeuvfbaEb/d1Ebb6Od3UhD2c+/11vYsh5aDQRgzEAjxNEqESVZZyjHWsFcK0cXFvkP2InLPcBHCOP5RPu1wkxJHWjsRLMZJxqA8B3JQBoc6vUAWnXGc6XR0sjdq5d5NZIM0Xa54OEt8Yowg8f+kC6aFdOfvOB4gwtgMk3hyLP9PPezPRFywXx1xnu6DeOIp0Uf6oJvQI/IYDzmhTRwAhEhhMaFIymjcIxejyjHjpXPOzPNO2G1eQdgZIYxii/dnTyMRZqJv3b7zmEcQwqXooTKdKaPxXADakhb37CvlYJl4WutIEcK8nMu18GpqL/odwk5hRyo1GREj2XiWIMwzLioIq7GDsXyKgnAsafZ5XTGCxup5/MxDPP6clVLSSuJEFsUj6ZiUZXWQk6cYPNIfdo5HaJOqwiolkzZ1MrFyTDaTatwb0/lhepwdVjIpy3eq+IdVLUQdK+UcTEDaUR5BGE+eQ6wywce9IzwDcctqGw4VKUZxUuGddtlll0S40gbeJZ4SBw+v/iAQnb1uqcs45pxW220fTH+8pa3MIpDl0MbfNwtVOJ9RdGSVjeMcaYwIFE5IZizAoR5pDyHtieNf+rMTfDeOMTaeSJr3yH6cd5x4HC3GUoQB0RMEJe+RFSVoolXEyEYU4/z24hUPIuPfcQEy/l3Wwk78xAD7P4mUUCfptHBBbLKYiIgmzTN+7oH5hvtYcPzgBz+YlOmsO0aSWTxgPmOeW758eSI0iewW3UPIO2R9DoGsHObd9JyZ553yCkKeyx5IBDhbLOIptvHTKfw941/6hNS0zeQVhHltuFuEMOt+bIDPfNC3tA/fYyRBWIRzE38bRdsUMwSwIU5R5sAgMhqWLVuW+CqkmkdfpVPYsTgAz5FsPEsQ5hkXFYRFe7P+8grC+vugUS0gVYbPOsSPMDMIk/KEs5H+gTNhMljzPSMGDI5qZ5WRD+/GU/zii3GUOCecMVDFjykjBDnQJUb9uk1wlEcA8r0mJicGMSZP0oTiZvORBGH8ID0r9UwsHGaQvqKjhWMSRS9tJlqK04h4JBrJHgsm1m4fAG5UR9qYIQLR2et2uBH2TUqzgrB9RtPNoWW8YexiUQlHmSurbNZHrvmcAU4UdkXkkHFxONvp/Cg6K/KIlfQ4lOej3rQxPZayKMa4izhEDPXLMe9R9NH2zqhmjHgipDtPl+4W6UdgMmfFj8ez3YFIE+N1OkU0lqFPyUxB1PHbp0xW3fQJhwmxbQERSL8xb7FIiZONYGW+zDqIqDNllL7LsqVuc+ZI71REEPJc0kOZu5gDeV8io7vttlsyh7JHFmZE7Tqd+LyCkPfLY8PdBGHW/XGux/eI0d88grAI5zaMeESBzz777MRnw9fJ8pF4zyxhl8fGKdM5vuUZF2NGRRsYD8o7KAgHpad9TwlIQAISkIAEJCCBgSPgSdoD1+WFX1hBWBiZN0hAAhKQgAQkIAEJSKA/CMQTXzlIiGhwv2QU9AfddrRSQdiOfvQtJCABCUhAAhKQgAQksAIBDsYipZRzHuIBeiKSQCcBBaE2IQEJSEACEpCABCQggRYS4DMRnO/AoTOcsh73ZLbwVX2lHggoCHuA560SkIAEJCABCUhAAhKQgAT6mYCCsJ97z7ZLQAISkIAEJCABCUhAAhLogYCCsAd43ioBCUhAAhKQgAQkIAEJSKCfCSgI+7n3bLsEJCABCUhAAhKQgAQkIIEeCCgIe4DnrRKQgAQkIAEJSEACEpCABPqZgIKwn3vPtktAAhKQgAQkIAEJSEACEuiBgIKwB3jeKgEJSEACEpCABCQgAQlIoJ8JKAj7ufdsuwQkIAEJSEACEpCABCQggR4IKAh7gOetEpCABCQgAQlIQAISkIAE+pmAgrCfe8+2S0ACEpCABCQgAQlIQAIS6IGAgrAHeN4qAQlIQAISkIAEJCABCUignwkoCPu592y7BCQgAQlIQAISkIAEJCCBHggoCHuA560SkIAEJCABCUhAAhKQgAT6mYCCsJ97z7ZLQAISkIAEJCABCUhAAhLogYCCsAd43ioBCUhAAhKQgAQkIAEJSKCfCSgI+7n3bLsEJCABCUhAAhKQgAQkIIEeCCgIe4DnrRKQgAQkIAEJSEACEpCABPqZgIKwn3vPtktAAhKQgAQkIAEJSEACEuiBgIKwB3jeKgEJSEACEpCABCQgAQlIoJ8JKAj7ufdsuwQkIAEJSEACEpCABCQggR4IKAh7gOetEpCABCQgAQlIQAISkIAE+pmAgrCfe8+2S0ACEpCABCQgAQlIQAIS6IGAgrAHeN4qAQlIQAISkIAEJCABCUignwkoCPu592y7BCQgAQlIQAISkIAEJCCBHggoCHuA560SkIAEJCABCUhAAhKQgAT6mYCCsJ97z7ZLQAISkIAEJCABCUhAAhLogYCCsAd43ioBCUhAAhKQgAQkIAEJSKCfCSgI+7n3bLsEJCABCfQVgSuuuCIcffTR4dvf/nbYfvvtc7d9tPflfoAFJSABCUhgYAkoCAe2631xCUhAAoNJ4Ic//GE4/fTTw5577hk+9alPhfHjx2eCQIR96UtfChtssEH4/ve/H9Zcc82egY1W2I32vp4bbAUSkIAEJNB6AgrC1nexLygBCUhAAmkCURCutdZa4Xvf+16YNm3aSwA9//zz4Qc/+EE466yzkr9XEGpDEpCABCTQVgIKwrb2rO8lAQlIQAKZBBCECL0XXnghfPrTn04ihZ3XHXfcET772c+Gxx57LKyzzjoKQm1JAhKQgARaS0BB2Nqu9cUkIAEJSCCLAILwtttuCxMmTEj++hvf+EaYNGnSCkVPOumksHjx4mSf3w033LCCIHzmmWfCySefnKSdPvDAA4FI44EHHhj22muvMHHixKF6KLdw4cJwyimnBCKO22yzTdhhhx3CvHnzXrKH8K677go/+tGPwlVXXZWksO66667hiCOOCGussUZSnymj2rIEJCABCZRFQEFYFlnrlYAEJCCBRhJAEN53331hl112Cfz3t771rbD11lsPtfWJJ54IX/nKV8L6668fNtpoo3DGGWcMCcKnn346KX/11VeH/fffP2y66abhuuuuC6eeemrYe++9w+zZsxOh+dxzz4X58+eH0047Lbz3ve8N22677VA5hGL6UJmbb7452as4ffr0sMceewSeceKJJ4ZVV101edaUKVMUhI20JBslAQlIoB0EFITt6EffQgISkIAEchJABC5btiwRfQizLbfcMnziE58I48aNS2pA7H3ta19LIoe33nprEgmMewgvvvjiRKR9+ctfDjNmzEjKv/jii4kgXLBgwZC4vP7668PnPve5cPDBB4dZs2YN1X3++eeHb37zm0OCEPHHc0hf5ZkxUklU8otf/GKYO3du2H333RWEOfvWYhKQgAQkUJyAgrA4M++QgAQkIIE+JoAgvOaaaxKRd8455yT7Cb/73e+GV77ylUlqJ4fJ3H333YlwO+GEE8LSpUuTsquvvnpyCM3tt98evvOd74TVVlttiMK9994bPvOZz4Sdd945SfVctGhREuWjXqKI8epM/bzlllsS4ThnzpxE+MWLvYtf+MIXwuabbx4++clPKgj72N5sugQkIIGmE1AQNr2HbJ8EJCABCYwpgbQgluoe3gAABKdJREFUfPDBBxNBhojjcJl4mMx+++0XDjjggCSlNIrHVVZZJYnmcRHNW3nllYfaFSN9/BmRPfYJxvvSn6voFITx/7u94D777KMgHNPetzIJSEACEugkoCDUJiQgAQlIYKAIpEVe3Kf3+OOPJ2LvggsuSKKC8XMUeQXhU089Fb7+9a8n+/5GIwgPOeSQZA9h57X22msnf+6hMgNlor6sBCQggUoJKAgrxe3DJCABCUigbgJpkUf0jn2BpHZ+9atfDZwuymcm4gfr02WLpoxSF8KSg2ni1Snsli9fHj7/+c+Ho446KvPzF93uq5uhz5eABCQggfYQUBC2py99EwlIQAISyEGgUxA+/PDD4eijjw5PPvlk4L+JFMZTR7PEY55DZW666aZE6BH523fffYcOlWG/IiIxnjLKXkFOGGXvIvXGz0xwUM21116b7D+cPHmyEcIc/WoRCUhAAhIYHQEF4ei4eZcEJCABCfQpgU6Rx2sQzeOU0K222io5TIbUT67Osr1+dmLJkiWB9FLEH9845LrssssSEbrxxhsH9i6yD/HSSy9N0lc5WGbHHXdUEPaprdlsCUhAAv1AQEHYD71kGyUgAQlIYMwIZAnCeNon3xbkMJl4ZZXt5cP0fLyeOtlnGAUhz7rxxhvDcccdl0QFuRCmhx12WNhiiy2S6KJ7CMes+61IAhKQgAQ6CCgINQkJSEACEpCABCQgAQlIQAIDSkBBOKAd72tLQAISkIAEJCABCUhAAhJQEGoDEpCABCQgAQlIQAISkIAEBpSAgnBAO97XloAEJCABCUhAAhKQgAQkoCDUBiQgAQlIQAISkIAEJCABCQwoAQXhgHa8ry0BCUhAAhKQgAQkIAEJSEBBqA1IQAISkIAEJCABCUhAAhIYUAIKwgHteF9bAhKQgAQkIAEJSEACEpCAglAbkIAEJCABCUhAAhKQgAQkMKAEFIQD2vG+tgQkIAEJSEACEpCABCQgAQWhNiABCUhAAhKQgAQkIAEJSGBACSgIB7TjfW0JSEACEpCABCQgAQlIQAIKQm1AAhKQgAQkIAEJSEACEpDAgBJQEA5ox/vaEpCABCQgAQlIQAISkIAEFITagAQkIAEJSEACEpCABCQggQEloCAc0I73tSUgAQlIQAISkIAEJCABCSgItQEJSEACEpCABCQgAQlIQAIDSkBBOKAd72tLQAISkIAEJCABCUhAAhJQEGoDEpCABCQgAQlIQAISkIAEBpSAgnBAO97XloAEJCABCUhAAhKQgAQkoCDUBiQgAQlIQAISkIAEJCABCQwoAQXhgHa8ry0BCUhAAhKQgAQkIAEJSEBBqA1IQAISkIAEJCABCUhAAhIYUAIKwgHteF9bAhKQgAQkIAEJSEACEpCAglAbkIAEJCABCUhAAhKQgAQkMKAEFIQD2vG+tgQkIAEJSEACEpCABCQgAQWhNiABCUhAAhKQgAQkIAEJSGBACSgIB7TjfW0JSEACEpCABCQgAQlIQAIKQm1AAhKQgAQkIAEJSEACEpDAgBJQEA5ox/vaEpCABCQgAQlIQAISkIAEFITagAQkIAEJSEACEpCABCQggQEl8H+GLaR198x23QAAAABJRU5ErkJggg=="/>
+          <p:cNvSpPr>
+            <a:spLocks noChangeAspect="1" noChangeArrowheads="1"/>
+          </p:cNvSpPr>
+          <p:nvPr/>
+        </p:nvSpPr>
+        <p:spPr bwMode="auto">
+          <a:xfrm>
+            <a:off x="612775" y="312737"/>
+            <a:ext cx="304800" cy="304801"/>
+          </a:xfrm>
+          <a:prstGeom prst="rect">
+            <a:avLst/>
+          </a:prstGeom>
+          <a:noFill/>
+          <a:extLst>
+            <a:ext uri="{909E8E84-426E-40DD-AFC4-6F175D3DCCD1}">
+              <a14:hiddenFill xmlns:a14="http://schemas.microsoft.com/office/drawing/2010/main">
+                <a:solidFill>
+                  <a:srgbClr val="FFFFFF"/>
+                </a:solidFill>
+              </a14:hiddenFill>
+            </a:ext>
+          </a:extLst>
+        </p:spPr>
+        <p:txBody>
+          <a:bodyPr vert="horz" wrap="square" lIns="91440" tIns="45720" rIns="91440" bIns="45720" numCol="1" anchor="t" anchorCtr="0" compatLnSpc="1">
+            <a:prstTxWarp prst="textNoShape">
+              <a:avLst/>
+            </a:prstTxWarp>
+          </a:bodyPr>
+          <a:lstStyle/>
+          <a:p>
+            <a:endParaRPr lang="en-GB" dirty="0"/>
+          </a:p>
+        </p:txBody>
+      </p:sp>
+      <p:pic>
+        <p:nvPicPr>
+          <p:cNvPr id="8" name="Picture 7"/>
+          <p:cNvPicPr>
+            <a:picLocks noChangeAspect="1"/>
+          </p:cNvPicPr>
+          <p:nvPr/>
+        </p:nvPicPr>
+        <p:blipFill>
+          <a:blip r:embed="rId2">
+            <a:extLst>
+              <a:ext uri="{28A0092B-C50C-407E-A947-70E740481C1C}">
+                <a14:useLocalDpi xmlns:a14="http://schemas.microsoft.com/office/drawing/2010/main" val="0"/>
+              </a:ext>
+            </a:extLst>
+          </a:blip>
+          <a:stretch>
+            <a:fillRect/>
+          </a:stretch>
+        </p:blipFill>
+        <p:spPr>
+          <a:xfrm>
+            <a:off x="5725901" y="4247853"/>
+            <a:ext cx="29843920" cy="18453490"/>
+          </a:xfrm>
+          <a:prstGeom prst="rect">
+            <a:avLst/>
+          </a:prstGeom>
+        </p:spPr>
+      </p:pic>
+    </p:spTree>
+    <p:extLst>
+      <p:ext uri="{BB962C8B-B14F-4D97-AF65-F5344CB8AC3E}">
+        <p14:creationId xmlns:p14="http://schemas.microsoft.com/office/powerpoint/2010/main" val="2686761189"/>
+      </p:ext>
+    </p:extLst>
+  </p:cSld>
+  <p:clrMapOvr>
+    <a:masterClrMapping/>
+  </p:clrMapOvr>
+  <p:timing>
+    <p:tnLst>
+      <p:par>
+        <p:cTn id="1" dur="indefinite" restart="never" nodeType="tmRoot"/>
+      </p:par>
+    </p:tnLst>
+  </p:timing>
+</p:sld>
+</file>
+
+<file path=ppt/slides/slide11.xml><?xml version="1.0" encoding="utf-8"?>
 <p:sld xmlns:a="http://schemas.openxmlformats.org/drawingml/2006/main" xmlns:r="http://schemas.openxmlformats.org/officeDocument/2006/relationships" xmlns:p="http://schemas.openxmlformats.org/presentationml/2006/main">
   <p:cSld>
     <p:spTree>
@@ -5425,7 +5801,7 @@
               <a:buNone/>
               <a:tabLst/>
             </a:pPr>
-            <a:endParaRPr kumimoji="0" lang="en-GB" sz="4600" b="0" i="0" u="none" strike="noStrike" cap="none" normalizeH="0" baseline="0" smtClean="0">
+            <a:endParaRPr kumimoji="0" lang="en-GB" sz="4600" b="0" i="0" u="none" strike="noStrike" cap="none" normalizeH="0" baseline="0" dirty="0" smtClean="0">
               <a:ln>
                 <a:noFill/>
               </a:ln>
@@ -5485,7 +5861,7 @@
               <a:buNone/>
               <a:tabLst/>
             </a:pPr>
-            <a:endParaRPr kumimoji="0" lang="en-GB" sz="4600" b="0" i="0" u="none" strike="noStrike" cap="none" normalizeH="0" baseline="0" smtClean="0">
+            <a:endParaRPr kumimoji="0" lang="en-GB" sz="4600" b="0" i="0" u="none" strike="noStrike" cap="none" normalizeH="0" baseline="0" dirty="0" smtClean="0">
               <a:ln>
                 <a:noFill/>
               </a:ln>
@@ -5545,7 +5921,7 @@
               <a:buNone/>
               <a:tabLst/>
             </a:pPr>
-            <a:endParaRPr kumimoji="0" lang="en-GB" sz="4600" b="0" i="0" u="none" strike="noStrike" cap="none" normalizeH="0" baseline="0" smtClean="0">
+            <a:endParaRPr kumimoji="0" lang="en-GB" sz="4600" b="0" i="0" u="none" strike="noStrike" cap="none" normalizeH="0" baseline="0" dirty="0" smtClean="0">
               <a:ln>
                 <a:noFill/>
               </a:ln>
@@ -6014,7 +6390,11 @@
           <a:p>
             <a:r>
               <a:rPr lang="sv-SE" sz="14400" dirty="0" smtClean="0"/>
-              <a:t>Project Goal</a:t>
+              <a:t>Project </a:t>
+            </a:r>
+            <a:r>
+              <a:rPr lang="sv-SE" sz="14400" dirty="0" smtClean="0"/>
+              <a:t>Goals</a:t>
             </a:r>
             <a:endParaRPr lang="en-GB" sz="14400" dirty="0"/>
           </a:p>
@@ -6030,20 +6410,38 @@
             <p:ph idx="1"/>
           </p:nvPr>
         </p:nvSpPr>
-        <p:spPr/>
+        <p:spPr>
+          <a:xfrm>
+            <a:off x="7140575" y="4247853"/>
+            <a:ext cx="27779663" cy="17640300"/>
+          </a:xfrm>
+        </p:spPr>
         <p:txBody>
           <a:bodyPr/>
           <a:lstStyle/>
           <a:p>
             <a:r>
-              <a:rPr lang="sv-SE" dirty="0" smtClean="0"/>
-              <a:t>Classify images of cancer cells using Local Binary Patterns</a:t>
+              <a:rPr lang="sv-SE" sz="8800" dirty="0" smtClean="0"/>
+              <a:t>Evaluate ability of methods to classify cell </a:t>
             </a:r>
-          </a:p>
-          <a:p>
             <a:r>
-              <a:rPr lang="sv-SE" dirty="0" smtClean="0"/>
-              <a:t>Compare three LBP inspired CNN models</a:t>
+              <a:rPr lang="sv-SE" sz="8800" dirty="0" smtClean="0"/>
+              <a:t>images </a:t>
+            </a:r>
+            <a:r>
+              <a:rPr lang="sv-SE" sz="8800" dirty="0" smtClean="0"/>
+              <a:t>as healthy or cancerous</a:t>
+            </a:r>
+            <a:endParaRPr lang="sv-SE" sz="8800" dirty="0" smtClean="0"/>
+          </a:p>
+          <a:p>
+            <a:r>
+              <a:rPr lang="sv-SE" sz="8800" dirty="0" smtClean="0"/>
+              <a:t>Implement and compare </a:t>
+            </a:r>
+            <a:r>
+              <a:rPr lang="sv-SE" sz="8800" dirty="0" smtClean="0"/>
+              <a:t>three LBP inspired CNN models</a:t>
             </a:r>
           </a:p>
           <a:p>
@@ -6051,11 +6449,11 @@
               <a:buNone/>
             </a:pPr>
             <a:r>
-              <a:rPr lang="sv-SE" dirty="0"/>
+              <a:rPr lang="sv-SE" sz="8800" dirty="0"/>
               <a:t> </a:t>
             </a:r>
             <a:r>
-              <a:rPr lang="sv-SE" dirty="0" smtClean="0"/>
+              <a:rPr lang="sv-SE" sz="8800" dirty="0" smtClean="0"/>
               <a:t>	- Juefei-Xu et al. [1] </a:t>
             </a:r>
           </a:p>
@@ -6064,11 +6462,11 @@
               <a:buNone/>
             </a:pPr>
             <a:r>
-              <a:rPr lang="sv-SE" dirty="0"/>
+              <a:rPr lang="sv-SE" sz="8800" dirty="0"/>
               <a:t>	</a:t>
             </a:r>
             <a:r>
-              <a:rPr lang="sv-SE" dirty="0" smtClean="0"/>
+              <a:rPr lang="sv-SE" sz="8800" dirty="0" smtClean="0"/>
               <a:t>- Li et al. [2]</a:t>
             </a:r>
           </a:p>
@@ -6077,21 +6475,21 @@
               <a:buNone/>
             </a:pPr>
             <a:r>
-              <a:rPr lang="sv-SE" dirty="0"/>
+              <a:rPr lang="sv-SE" sz="8800" dirty="0"/>
               <a:t>	- Marcos et al. </a:t>
             </a:r>
             <a:r>
-              <a:rPr lang="sv-SE" dirty="0" smtClean="0"/>
+              <a:rPr lang="sv-SE" sz="8800" dirty="0" smtClean="0"/>
               <a:t>[3]</a:t>
             </a:r>
-            <a:endParaRPr lang="sv-SE" dirty="0"/>
+            <a:endParaRPr lang="sv-SE" sz="8800" dirty="0"/>
           </a:p>
           <a:p>
             <a:r>
-              <a:rPr lang="sv-SE" dirty="0" smtClean="0"/>
-              <a:t>LBP’s: What are they?</a:t>
+              <a:rPr lang="sv-SE" sz="8800" dirty="0" smtClean="0"/>
+              <a:t>Compare against results from state-of-the-art CNNs: VGG and ResNet</a:t>
             </a:r>
-            <a:endParaRPr lang="en-GB" dirty="0"/>
+            <a:endParaRPr lang="en-GB" sz="8800" dirty="0"/>
           </a:p>
         </p:txBody>
       </p:sp>
@@ -6126,36 +6524,8 @@
               <a:t>	Felix </a:t>
             </a:r>
             <a:r>
-              <a:rPr lang="en-GB" dirty="0" err="1"/>
-              <a:t>Juefei</a:t>
-            </a:r>
-            <a:r>
               <a:rPr lang="en-GB" dirty="0"/>
-              <a:t>-Xu, Vishnu Naresh </a:t>
-            </a:r>
-            <a:r>
-              <a:rPr lang="en-GB" dirty="0" err="1"/>
-              <a:t>Boddeti</a:t>
-            </a:r>
-            <a:r>
-              <a:rPr lang="en-GB" dirty="0"/>
-              <a:t>, and </a:t>
-            </a:r>
-            <a:r>
-              <a:rPr lang="en-GB" dirty="0" err="1"/>
-              <a:t>Marios</a:t>
-            </a:r>
-            <a:r>
-              <a:rPr lang="en-GB" dirty="0"/>
-              <a:t> </a:t>
-            </a:r>
-            <a:r>
-              <a:rPr lang="en-GB" dirty="0" err="1"/>
-              <a:t>Savvides</a:t>
-            </a:r>
-            <a:r>
-              <a:rPr lang="en-GB" dirty="0"/>
-              <a:t>. </a:t>
+              <a:t>Juefei-Xu, Vishnu Naresh Boddeti, and Marios Savvides. </a:t>
             </a:r>
             <a:r>
               <a:rPr lang="en-GB" i="1" dirty="0" smtClean="0"/>
@@ -6183,11 +6553,11 @@
             </a:r>
             <a:r>
               <a:rPr lang="en-GB" dirty="0"/>
-              <a:t>(CVPR), 2017 IEEE Conference </a:t>
+              <a:t>(CVPR</a:t>
             </a:r>
             <a:r>
               <a:rPr lang="en-GB" dirty="0" smtClean="0"/>
-              <a:t>on , </a:t>
+              <a:t>), </a:t>
             </a:r>
             <a:r>
               <a:rPr lang="en-GB" dirty="0"/>
@@ -6213,43 +6583,11 @@
             </a:r>
             <a:r>
               <a:rPr lang="en-GB" dirty="0"/>
-              <a:t>Li, </a:t>
-            </a:r>
-            <a:r>
-              <a:rPr lang="en-GB" dirty="0" err="1"/>
-              <a:t>Xiaoyi</a:t>
-            </a:r>
-            <a:r>
-              <a:rPr lang="en-GB" dirty="0"/>
-              <a:t> Feng, </a:t>
-            </a:r>
-            <a:r>
-              <a:rPr lang="en-GB" dirty="0" err="1"/>
-              <a:t>Zhaoqiang</a:t>
-            </a:r>
-            <a:r>
-              <a:rPr lang="en-GB" dirty="0"/>
-              <a:t> Xia, </a:t>
-            </a:r>
-            <a:r>
-              <a:rPr lang="en-GB" dirty="0" err="1"/>
-              <a:t>Xiaoyue</a:t>
-            </a:r>
-            <a:r>
-              <a:rPr lang="en-GB" dirty="0"/>
-              <a:t> Jiang, and </a:t>
-            </a:r>
-            <a:r>
-              <a:rPr lang="en-GB" dirty="0" err="1" smtClean="0"/>
-              <a:t>Abdenour</a:t>
+              <a:t>Li, Xiaoyi Feng, Zhaoqiang Xia, Xiaoyue Jiang, and </a:t>
             </a:r>
             <a:r>
               <a:rPr lang="en-GB" dirty="0" smtClean="0"/>
-              <a:t> </a:t>
-            </a:r>
-            <a:r>
-              <a:rPr lang="en-GB" dirty="0" err="1" smtClean="0"/>
-              <a:t>Hadid</a:t>
+              <a:t>Abdenour Hadid</a:t>
             </a:r>
             <a:r>
               <a:rPr lang="en-GB" dirty="0"/>
@@ -6294,51 +6632,11 @@
             </a:r>
             <a:r>
               <a:rPr lang="en-GB" dirty="0"/>
-              <a:t>Diego Marcos, Michele </a:t>
-            </a:r>
-            <a:r>
-              <a:rPr lang="en-GB" dirty="0" err="1"/>
-              <a:t>Volpi</a:t>
-            </a:r>
-            <a:r>
-              <a:rPr lang="en-GB" dirty="0"/>
-              <a:t>, Nikos </a:t>
-            </a:r>
-            <a:r>
-              <a:rPr lang="en-GB" dirty="0" err="1"/>
-              <a:t>Komodakis</a:t>
-            </a:r>
-            <a:r>
-              <a:rPr lang="en-GB" dirty="0"/>
-              <a:t>, and </a:t>
-            </a:r>
-            <a:r>
-              <a:rPr lang="en-GB" dirty="0" err="1"/>
-              <a:t>Devis</a:t>
-            </a:r>
-            <a:r>
-              <a:rPr lang="en-GB" dirty="0"/>
-              <a:t> </a:t>
-            </a:r>
-            <a:r>
-              <a:rPr lang="en-GB" dirty="0" err="1"/>
-              <a:t>Tuia</a:t>
-            </a:r>
-            <a:r>
-              <a:rPr lang="en-GB" dirty="0"/>
-              <a:t>. </a:t>
+              <a:t>Diego Marcos, Michele Volpi, Nikos Komodakis, and Devis Tuia. </a:t>
             </a:r>
             <a:r>
               <a:rPr lang="en-GB" i="1" dirty="0"/>
-              <a:t>Rotation </a:t>
-            </a:r>
-            <a:r>
-              <a:rPr lang="en-GB" i="1" dirty="0" err="1"/>
-              <a:t>equivariant</a:t>
-            </a:r>
-            <a:r>
-              <a:rPr lang="en-GB" i="1" dirty="0"/>
-              <a:t> vector field networks</a:t>
+              <a:t>Rotation equivariant vector field networks</a:t>
             </a:r>
             <a:r>
               <a:rPr lang="en-GB" dirty="0"/>
@@ -6499,20 +6797,33 @@
             <p:ph idx="1"/>
           </p:nvPr>
         </p:nvSpPr>
-        <p:spPr/>
+        <p:spPr>
+          <a:xfrm>
+            <a:off x="7140575" y="4463877"/>
+            <a:ext cx="27779663" cy="17640300"/>
+          </a:xfrm>
+        </p:spPr>
         <p:txBody>
           <a:bodyPr/>
           <a:lstStyle/>
           <a:p>
             <a:r>
               <a:rPr lang="sv-SE" dirty="0" smtClean="0"/>
-              <a:t>Concieved by Ojala et al in 1996 and extended in 2002. [1]</a:t>
+              <a:t>Conceived </a:t>
             </a:r>
-          </a:p>
-          <a:p>
             <a:r>
               <a:rPr lang="sv-SE" dirty="0" smtClean="0"/>
-              <a:t>Rotational invariant thresholding filters</a:t>
+              <a:t>by Ojala et al in 1996 and extended in 2002. [1]</a:t>
+            </a:r>
+          </a:p>
+          <a:p>
+            <a:r>
+              <a:rPr lang="sv-SE" dirty="0" smtClean="0"/>
+              <a:t>Rotationally </a:t>
+            </a:r>
+            <a:r>
+              <a:rPr lang="sv-SE" dirty="0" smtClean="0"/>
+              <a:t>invariant thresholding filters</a:t>
             </a:r>
             <a:endParaRPr lang="en-GB" dirty="0"/>
           </a:p>
@@ -6553,12 +6864,8 @@
               <a:t>Multiresolution </a:t>
             </a:r>
             <a:r>
-              <a:rPr lang="en-GB" i="1" dirty="0" err="1" smtClean="0"/>
-              <a:t>gray</a:t>
-            </a:r>
-            <a:r>
               <a:rPr lang="en-GB" i="1" dirty="0" smtClean="0"/>
-              <a:t>-scale </a:t>
+              <a:t>gray-scale </a:t>
             </a:r>
             <a:r>
               <a:rPr lang="en-GB" i="1" dirty="0"/>
@@ -6640,49 +6947,7 @@
                     <a:bodyPr/>
                     <a:lstStyle/>
                     <a:p>
-                      <a:endParaRPr lang="en-GB"/>
-                    </a:p>
-                  </a:txBody>
-                  <a:tcPr/>
-                </a:tc>
-                <a:tc>
-                  <a:txBody>
-                    <a:bodyPr/>
-                    <a:lstStyle/>
-                    <a:p>
-                      <a:endParaRPr lang="en-GB"/>
-                    </a:p>
-                  </a:txBody>
-                  <a:tcPr/>
-                </a:tc>
-                <a:tc>
-                  <a:txBody>
-                    <a:bodyPr/>
-                    <a:lstStyle/>
-                    <a:p>
-                      <a:endParaRPr lang="en-GB"/>
-                    </a:p>
-                  </a:txBody>
-                  <a:tcPr/>
-                </a:tc>
-                <a:tc>
-                  <a:txBody>
-                    <a:bodyPr/>
-                    <a:lstStyle/>
-                    <a:p>
-                      <a:endParaRPr lang="en-GB"/>
-                    </a:p>
-                  </a:txBody>
-                  <a:tcPr/>
-                </a:tc>
-              </a:tr>
-              <a:tr h="1886609">
-                <a:tc>
-                  <a:txBody>
-                    <a:bodyPr/>
-                    <a:lstStyle/>
-                    <a:p>
-                      <a:endParaRPr lang="en-GB"/>
+                      <a:endParaRPr lang="en-GB" dirty="0"/>
                     </a:p>
                   </a:txBody>
                   <a:tcPr/>
@@ -6702,17 +6967,7 @@
                     <a:bodyPr/>
                     <a:lstStyle/>
                     <a:p>
-                      <a:endParaRPr lang="en-GB"/>
-                    </a:p>
-                  </a:txBody>
-                  <a:tcPr/>
-                </a:tc>
-                <a:tc>
-                  <a:txBody>
-                    <a:bodyPr/>
-                    <a:lstStyle/>
-                    <a:p>
-                      <a:endParaRPr lang="en-GB"/>
+                      <a:endParaRPr lang="en-GB" dirty="0"/>
                     </a:p>
                   </a:txBody>
                   <a:tcPr/>
@@ -6734,17 +6989,7 @@
                     <a:bodyPr/>
                     <a:lstStyle/>
                     <a:p>
-                      <a:endParaRPr lang="en-GB"/>
-                    </a:p>
-                  </a:txBody>
-                  <a:tcPr/>
-                </a:tc>
-                <a:tc>
-                  <a:txBody>
-                    <a:bodyPr/>
-                    <a:lstStyle/>
-                    <a:p>
-                      <a:endParaRPr lang="en-GB"/>
+                      <a:endParaRPr lang="en-GB" dirty="0"/>
                     </a:p>
                   </a:txBody>
                   <a:tcPr/>
@@ -6764,7 +7009,17 @@
                     <a:bodyPr/>
                     <a:lstStyle/>
                     <a:p>
-                      <a:endParaRPr lang="en-GB"/>
+                      <a:endParaRPr lang="en-GB" dirty="0"/>
+                    </a:p>
+                  </a:txBody>
+                  <a:tcPr/>
+                </a:tc>
+                <a:tc>
+                  <a:txBody>
+                    <a:bodyPr/>
+                    <a:lstStyle/>
+                    <a:p>
+                      <a:endParaRPr lang="en-GB" dirty="0"/>
                     </a:p>
                   </a:txBody>
                   <a:tcPr/>
@@ -6786,17 +7041,7 @@
                     <a:bodyPr/>
                     <a:lstStyle/>
                     <a:p>
-                      <a:endParaRPr lang="en-GB"/>
-                    </a:p>
-                  </a:txBody>
-                  <a:tcPr/>
-                </a:tc>
-                <a:tc>
-                  <a:txBody>
-                    <a:bodyPr/>
-                    <a:lstStyle/>
-                    <a:p>
-                      <a:endParaRPr lang="en-GB"/>
+                      <a:endParaRPr lang="en-GB" dirty="0"/>
                     </a:p>
                   </a:txBody>
                   <a:tcPr/>
@@ -6816,7 +7061,7 @@
                     <a:bodyPr/>
                     <a:lstStyle/>
                     <a:p>
-                      <a:endParaRPr lang="en-GB"/>
+                      <a:endParaRPr lang="en-GB" dirty="0"/>
                     </a:p>
                   </a:txBody>
                   <a:tcPr/>
@@ -6826,7 +7071,69 @@
                     <a:bodyPr/>
                     <a:lstStyle/>
                     <a:p>
-                      <a:endParaRPr lang="en-GB"/>
+                      <a:endParaRPr lang="en-GB" dirty="0"/>
+                    </a:p>
+                  </a:txBody>
+                  <a:tcPr/>
+                </a:tc>
+                <a:tc>
+                  <a:txBody>
+                    <a:bodyPr/>
+                    <a:lstStyle/>
+                    <a:p>
+                      <a:endParaRPr lang="en-GB" dirty="0"/>
+                    </a:p>
+                  </a:txBody>
+                  <a:tcPr/>
+                </a:tc>
+              </a:tr>
+              <a:tr h="1886609">
+                <a:tc>
+                  <a:txBody>
+                    <a:bodyPr/>
+                    <a:lstStyle/>
+                    <a:p>
+                      <a:endParaRPr lang="en-GB" dirty="0"/>
+                    </a:p>
+                  </a:txBody>
+                  <a:tcPr/>
+                </a:tc>
+                <a:tc>
+                  <a:txBody>
+                    <a:bodyPr/>
+                    <a:lstStyle/>
+                    <a:p>
+                      <a:endParaRPr lang="en-GB" dirty="0"/>
+                    </a:p>
+                  </a:txBody>
+                  <a:tcPr/>
+                </a:tc>
+                <a:tc>
+                  <a:txBody>
+                    <a:bodyPr/>
+                    <a:lstStyle/>
+                    <a:p>
+                      <a:endParaRPr lang="en-GB" dirty="0"/>
+                    </a:p>
+                  </a:txBody>
+                  <a:tcPr/>
+                </a:tc>
+                <a:tc>
+                  <a:txBody>
+                    <a:bodyPr/>
+                    <a:lstStyle/>
+                    <a:p>
+                      <a:endParaRPr lang="en-GB" dirty="0"/>
+                    </a:p>
+                  </a:txBody>
+                  <a:tcPr/>
+                </a:tc>
+                <a:tc>
+                  <a:txBody>
+                    <a:bodyPr/>
+                    <a:lstStyle/>
+                    <a:p>
+                      <a:endParaRPr lang="en-GB" dirty="0"/>
                     </a:p>
                   </a:txBody>
                   <a:tcPr/>
@@ -6896,8 +7203,8 @@
         </p:nvSpPr>
         <p:spPr bwMode="auto">
           <a:xfrm>
-            <a:off x="12581267" y="14833032"/>
-            <a:ext cx="738082" cy="684076"/>
+            <a:off x="12509259" y="14833031"/>
+            <a:ext cx="932311" cy="864093"/>
           </a:xfrm>
           <a:prstGeom prst="ellipse">
             <a:avLst/>
@@ -6937,7 +7244,7 @@
               <a:buNone/>
               <a:tabLst/>
             </a:pPr>
-            <a:endParaRPr kumimoji="0" lang="en-GB" sz="4600" b="0" i="0" u="none" strike="noStrike" cap="none" normalizeH="0" baseline="0" smtClean="0">
+            <a:endParaRPr kumimoji="0" lang="en-GB" sz="4600" b="0" i="0" u="none" strike="noStrike" cap="none" normalizeH="0" baseline="0" dirty="0" smtClean="0">
               <a:ln>
                 <a:noFill/>
               </a:ln>
@@ -6958,8 +7265,8 @@
         </p:nvSpPr>
         <p:spPr bwMode="auto">
           <a:xfrm>
-            <a:off x="12527261" y="11088616"/>
-            <a:ext cx="738082" cy="684076"/>
+            <a:off x="12455253" y="11088615"/>
+            <a:ext cx="932311" cy="864093"/>
           </a:xfrm>
           <a:prstGeom prst="ellipse">
             <a:avLst/>
@@ -6999,7 +7306,7 @@
               <a:buNone/>
               <a:tabLst/>
             </a:pPr>
-            <a:endParaRPr kumimoji="0" lang="en-GB" sz="4600" b="0" i="0" u="none" strike="noStrike" cap="none" normalizeH="0" baseline="0" smtClean="0">
+            <a:endParaRPr kumimoji="0" lang="en-GB" sz="4600" b="0" i="0" u="none" strike="noStrike" cap="none" normalizeH="0" baseline="0" dirty="0" smtClean="0">
               <a:ln>
                 <a:noFill/>
               </a:ln>
@@ -7020,8 +7327,8 @@
         </p:nvSpPr>
         <p:spPr bwMode="auto">
           <a:xfrm>
-            <a:off x="12535783" y="18685460"/>
-            <a:ext cx="738082" cy="684076"/>
+            <a:off x="12463775" y="18685459"/>
+            <a:ext cx="932311" cy="864093"/>
           </a:xfrm>
           <a:prstGeom prst="ellipse">
             <a:avLst/>
@@ -7061,7 +7368,7 @@
               <a:buNone/>
               <a:tabLst/>
             </a:pPr>
-            <a:endParaRPr kumimoji="0" lang="en-GB" sz="4600" b="0" i="0" u="none" strike="noStrike" cap="none" normalizeH="0" baseline="0" smtClean="0">
+            <a:endParaRPr kumimoji="0" lang="en-GB" sz="4600" b="0" i="0" u="none" strike="noStrike" cap="none" normalizeH="0" baseline="0" dirty="0" smtClean="0">
               <a:ln>
                 <a:noFill/>
               </a:ln>
@@ -7082,8 +7389,8 @@
         </p:nvSpPr>
         <p:spPr bwMode="auto">
           <a:xfrm>
-            <a:off x="16541707" y="14838247"/>
-            <a:ext cx="738082" cy="684076"/>
+            <a:off x="16469699" y="14838246"/>
+            <a:ext cx="932311" cy="864093"/>
           </a:xfrm>
           <a:prstGeom prst="ellipse">
             <a:avLst/>
@@ -7123,7 +7430,7 @@
               <a:buNone/>
               <a:tabLst/>
             </a:pPr>
-            <a:endParaRPr kumimoji="0" lang="en-GB" sz="4600" b="0" i="0" u="none" strike="noStrike" cap="none" normalizeH="0" baseline="0" smtClean="0">
+            <a:endParaRPr kumimoji="0" lang="en-GB" sz="4600" b="0" i="0" u="none" strike="noStrike" cap="none" normalizeH="0" baseline="0" dirty="0" smtClean="0">
               <a:ln w="57150">
                 <a:solidFill>
                   <a:schemeClr val="tx1"/>
@@ -7146,8 +7453,8 @@
         </p:nvSpPr>
         <p:spPr bwMode="auto">
           <a:xfrm>
-            <a:off x="8566821" y="14833032"/>
-            <a:ext cx="738082" cy="684076"/>
+            <a:off x="8494813" y="14833031"/>
+            <a:ext cx="932311" cy="864093"/>
           </a:xfrm>
           <a:prstGeom prst="ellipse">
             <a:avLst/>
@@ -7187,7 +7494,7 @@
               <a:buNone/>
               <a:tabLst/>
             </a:pPr>
-            <a:endParaRPr kumimoji="0" lang="en-GB" sz="4600" b="0" i="0" u="none" strike="noStrike" cap="none" normalizeH="0" baseline="0" smtClean="0">
+            <a:endParaRPr kumimoji="0" lang="en-GB" sz="4600" b="0" i="0" u="none" strike="noStrike" cap="none" normalizeH="0" baseline="0" dirty="0" smtClean="0">
               <a:ln>
                 <a:noFill/>
               </a:ln>
@@ -7208,8 +7515,8 @@
         </p:nvSpPr>
         <p:spPr bwMode="auto">
           <a:xfrm>
-            <a:off x="9718949" y="12168736"/>
-            <a:ext cx="738082" cy="684076"/>
+            <a:off x="9646941" y="12168735"/>
+            <a:ext cx="932311" cy="864093"/>
           </a:xfrm>
           <a:prstGeom prst="ellipse">
             <a:avLst/>
@@ -7249,7 +7556,7 @@
               <a:buNone/>
               <a:tabLst/>
             </a:pPr>
-            <a:endParaRPr kumimoji="0" lang="en-GB" sz="4600" b="0" i="0" u="none" strike="noStrike" cap="none" normalizeH="0" baseline="0" smtClean="0">
+            <a:endParaRPr kumimoji="0" lang="en-GB" sz="4600" b="0" i="0" u="none" strike="noStrike" cap="none" normalizeH="0" baseline="0" dirty="0" smtClean="0">
               <a:ln>
                 <a:noFill/>
               </a:ln>
@@ -7270,8 +7577,8 @@
         </p:nvSpPr>
         <p:spPr bwMode="auto">
           <a:xfrm>
-            <a:off x="15389579" y="12240744"/>
-            <a:ext cx="738082" cy="684076"/>
+            <a:off x="15317571" y="12240743"/>
+            <a:ext cx="932311" cy="864093"/>
           </a:xfrm>
           <a:prstGeom prst="ellipse">
             <a:avLst/>
@@ -7311,7 +7618,7 @@
               <a:buNone/>
               <a:tabLst/>
             </a:pPr>
-            <a:endParaRPr kumimoji="0" lang="en-GB" sz="4600" b="0" i="0" u="none" strike="noStrike" cap="none" normalizeH="0" baseline="0" smtClean="0">
+            <a:endParaRPr kumimoji="0" lang="en-GB" sz="4600" b="0" i="0" u="none" strike="noStrike" cap="none" normalizeH="0" baseline="0" dirty="0" smtClean="0">
               <a:ln>
                 <a:noFill/>
               </a:ln>
@@ -7332,8 +7639,8 @@
         </p:nvSpPr>
         <p:spPr bwMode="auto">
           <a:xfrm>
-            <a:off x="9628939" y="17497328"/>
-            <a:ext cx="738082" cy="684076"/>
+            <a:off x="9556931" y="17497327"/>
+            <a:ext cx="932311" cy="864093"/>
           </a:xfrm>
           <a:prstGeom prst="ellipse">
             <a:avLst/>
@@ -7373,7 +7680,7 @@
               <a:buNone/>
               <a:tabLst/>
             </a:pPr>
-            <a:endParaRPr kumimoji="0" lang="en-GB" sz="4600" b="0" i="0" u="none" strike="noStrike" cap="none" normalizeH="0" baseline="0" smtClean="0">
+            <a:endParaRPr kumimoji="0" lang="en-GB" sz="4600" b="0" i="0" u="none" strike="noStrike" cap="none" normalizeH="0" baseline="0" dirty="0" smtClean="0">
               <a:ln>
                 <a:noFill/>
               </a:ln>
@@ -7394,8 +7701,8 @@
         </p:nvSpPr>
         <p:spPr bwMode="auto">
           <a:xfrm>
-            <a:off x="15479589" y="17497328"/>
-            <a:ext cx="738082" cy="684076"/>
+            <a:off x="15407581" y="17497327"/>
+            <a:ext cx="932311" cy="864093"/>
           </a:xfrm>
           <a:prstGeom prst="ellipse">
             <a:avLst/>
@@ -7435,7 +7742,7 @@
               <a:buNone/>
               <a:tabLst/>
             </a:pPr>
-            <a:endParaRPr kumimoji="0" lang="en-GB" sz="4600" b="0" i="0" u="none" strike="noStrike" cap="none" normalizeH="0" baseline="0" smtClean="0">
+            <a:endParaRPr kumimoji="0" lang="en-GB" sz="4600" b="0" i="0" u="none" strike="noStrike" cap="none" normalizeH="0" baseline="0" dirty="0" smtClean="0">
               <a:ln>
                 <a:noFill/>
               </a:ln>
@@ -7875,7 +8182,7 @@
                 <a:avLst/>
               </a:prstGeom>
               <a:blipFill rotWithShape="1">
-                <a:blip r:embed="rId2"/>
+                <a:blip r:embed="rId3"/>
                 <a:stretch>
                   <a:fillRect l="-3247" t="-1928"/>
                 </a:stretch>
@@ -7978,13 +8285,8 @@
           <a:p>
             <a:r>
               <a:rPr lang="sv-SE" dirty="0" smtClean="0"/>
-              <a:t>10274 80x80 </a:t>
+              <a:t>10274 80x80 images (75% healthy)</a:t>
             </a:r>
-            <a:r>
-              <a:rPr lang="sv-SE" dirty="0" smtClean="0"/>
-              <a:t>images (75% healthy)</a:t>
-            </a:r>
-            <a:endParaRPr lang="sv-SE" dirty="0" smtClean="0"/>
           </a:p>
           <a:p>
             <a:r>
@@ -9638,7 +9940,7 @@
               <a:buNone/>
               <a:tabLst/>
             </a:pPr>
-            <a:endParaRPr kumimoji="0" lang="en-GB" sz="4600" b="0" i="0" u="none" strike="noStrike" cap="none" normalizeH="0" baseline="0" smtClean="0">
+            <a:endParaRPr kumimoji="0" lang="en-GB" sz="4600" b="0" i="0" u="none" strike="noStrike" cap="none" normalizeH="0" baseline="0" dirty="0" smtClean="0">
               <a:ln>
                 <a:noFill/>
               </a:ln>
@@ -9796,7 +10098,7 @@
               <a:buNone/>
               <a:tabLst/>
             </a:pPr>
-            <a:endParaRPr kumimoji="0" lang="en-GB" sz="4600" b="0" i="0" u="none" strike="noStrike" cap="none" normalizeH="0" baseline="0" smtClean="0">
+            <a:endParaRPr kumimoji="0" lang="en-GB" sz="4600" b="0" i="0" u="none" strike="noStrike" cap="none" normalizeH="0" baseline="0" dirty="0" smtClean="0">
               <a:ln>
                 <a:noFill/>
               </a:ln>
@@ -12430,7 +12732,7 @@
               <a:buNone/>
               <a:tabLst/>
             </a:pPr>
-            <a:endParaRPr kumimoji="0" lang="en-GB" sz="4600" b="0" i="0" u="none" strike="noStrike" cap="none" normalizeH="0" baseline="0" smtClean="0">
+            <a:endParaRPr kumimoji="0" lang="en-GB" sz="4600" b="0" i="0" u="none" strike="noStrike" cap="none" normalizeH="0" baseline="0" dirty="0" smtClean="0">
               <a:ln>
                 <a:noFill/>
               </a:ln>
@@ -12526,7 +12828,7 @@
               <a:buNone/>
               <a:tabLst/>
             </a:pPr>
-            <a:endParaRPr kumimoji="0" lang="en-GB" sz="4600" b="0" i="0" u="none" strike="noStrike" cap="none" normalizeH="0" baseline="0" smtClean="0">
+            <a:endParaRPr kumimoji="0" lang="en-GB" sz="4600" b="0" i="0" u="none" strike="noStrike" cap="none" normalizeH="0" baseline="0" dirty="0" smtClean="0">
               <a:ln>
                 <a:noFill/>
               </a:ln>
@@ -12592,7 +12894,7 @@
               <a:buNone/>
               <a:tabLst/>
             </a:pPr>
-            <a:endParaRPr kumimoji="0" lang="en-GB" sz="4600" b="0" i="0" u="none" strike="noStrike" cap="none" normalizeH="0" baseline="0" smtClean="0">
+            <a:endParaRPr kumimoji="0" lang="en-GB" sz="4600" b="0" i="0" u="none" strike="noStrike" cap="none" normalizeH="0" baseline="0" dirty="0" smtClean="0">
               <a:ln>
                 <a:noFill/>
               </a:ln>
@@ -12658,7 +12960,7 @@
               <a:buNone/>
               <a:tabLst/>
             </a:pPr>
-            <a:endParaRPr kumimoji="0" lang="en-GB" sz="4600" b="0" i="0" u="none" strike="noStrike" cap="none" normalizeH="0" baseline="0" smtClean="0">
+            <a:endParaRPr kumimoji="0" lang="en-GB" sz="4600" b="0" i="0" u="none" strike="noStrike" cap="none" normalizeH="0" baseline="0" dirty="0" smtClean="0">
               <a:ln>
                 <a:noFill/>
               </a:ln>
@@ -12724,7 +13026,7 @@
               <a:buNone/>
               <a:tabLst/>
             </a:pPr>
-            <a:endParaRPr kumimoji="0" lang="en-GB" sz="4600" b="0" i="0" u="none" strike="noStrike" cap="none" normalizeH="0" baseline="0" smtClean="0">
+            <a:endParaRPr kumimoji="0" lang="en-GB" sz="4600" b="0" i="0" u="none" strike="noStrike" cap="none" normalizeH="0" baseline="0" dirty="0" smtClean="0">
               <a:ln>
                 <a:noFill/>
               </a:ln>
@@ -12790,7 +13092,7 @@
               <a:buNone/>
               <a:tabLst/>
             </a:pPr>
-            <a:endParaRPr kumimoji="0" lang="en-GB" sz="4600" b="0" i="0" u="none" strike="noStrike" cap="none" normalizeH="0" baseline="0" smtClean="0">
+            <a:endParaRPr kumimoji="0" lang="en-GB" sz="4600" b="0" i="0" u="none" strike="noStrike" cap="none" normalizeH="0" baseline="0" dirty="0" smtClean="0">
               <a:ln>
                 <a:noFill/>
               </a:ln>
@@ -12856,7 +13158,7 @@
               <a:buNone/>
               <a:tabLst/>
             </a:pPr>
-            <a:endParaRPr kumimoji="0" lang="en-GB" sz="4600" b="0" i="0" u="none" strike="noStrike" cap="none" normalizeH="0" baseline="0" smtClean="0">
+            <a:endParaRPr kumimoji="0" lang="en-GB" sz="4600" b="0" i="0" u="none" strike="noStrike" cap="none" normalizeH="0" baseline="0" dirty="0" smtClean="0">
               <a:ln>
                 <a:noFill/>
               </a:ln>
@@ -12922,7 +13224,7 @@
               <a:buNone/>
               <a:tabLst/>
             </a:pPr>
-            <a:endParaRPr kumimoji="0" lang="en-GB" sz="4600" b="0" i="0" u="none" strike="noStrike" cap="none" normalizeH="0" baseline="0" smtClean="0">
+            <a:endParaRPr kumimoji="0" lang="en-GB" sz="4600" b="0" i="0" u="none" strike="noStrike" cap="none" normalizeH="0" baseline="0" dirty="0" smtClean="0">
               <a:ln>
                 <a:noFill/>
               </a:ln>
@@ -12988,7 +13290,7 @@
               <a:buNone/>
               <a:tabLst/>
             </a:pPr>
-            <a:endParaRPr kumimoji="0" lang="en-GB" sz="4600" b="0" i="0" u="none" strike="noStrike" cap="none" normalizeH="0" baseline="0" smtClean="0">
+            <a:endParaRPr kumimoji="0" lang="en-GB" sz="4600" b="0" i="0" u="none" strike="noStrike" cap="none" normalizeH="0" baseline="0" dirty="0" smtClean="0">
               <a:ln>
                 <a:noFill/>
               </a:ln>
@@ -13054,7 +13356,7 @@
               <a:buNone/>
               <a:tabLst/>
             </a:pPr>
-            <a:endParaRPr kumimoji="0" lang="en-GB" sz="4600" b="0" i="0" u="none" strike="noStrike" cap="none" normalizeH="0" baseline="0" smtClean="0">
+            <a:endParaRPr kumimoji="0" lang="en-GB" sz="4600" b="0" i="0" u="none" strike="noStrike" cap="none" normalizeH="0" baseline="0" dirty="0" smtClean="0">
               <a:ln>
                 <a:noFill/>
               </a:ln>
@@ -13165,7 +13467,7 @@
               <a:buNone/>
               <a:tabLst/>
             </a:pPr>
-            <a:endParaRPr kumimoji="0" lang="en-GB" sz="4600" b="0" i="0" u="none" strike="noStrike" cap="none" normalizeH="0" baseline="0" smtClean="0">
+            <a:endParaRPr kumimoji="0" lang="en-GB" sz="4600" b="0" i="0" u="none" strike="noStrike" cap="none" normalizeH="0" baseline="0" dirty="0" smtClean="0">
               <a:ln>
                 <a:noFill/>
               </a:ln>
@@ -13261,7 +13563,7 @@
               <a:buNone/>
               <a:tabLst/>
             </a:pPr>
-            <a:endParaRPr kumimoji="0" lang="en-GB" sz="4600" b="0" i="0" u="none" strike="noStrike" cap="none" normalizeH="0" baseline="0" smtClean="0">
+            <a:endParaRPr kumimoji="0" lang="en-GB" sz="4600" b="0" i="0" u="none" strike="noStrike" cap="none" normalizeH="0" baseline="0" dirty="0" smtClean="0">
               <a:ln>
                 <a:noFill/>
               </a:ln>
@@ -13492,7 +13794,7 @@
               <a:buNone/>
               <a:tabLst/>
             </a:pPr>
-            <a:endParaRPr kumimoji="0" lang="en-GB" sz="4600" b="0" i="0" u="none" strike="noStrike" cap="none" normalizeH="0" baseline="0" smtClean="0">
+            <a:endParaRPr kumimoji="0" lang="en-GB" sz="4600" b="0" i="0" u="none" strike="noStrike" cap="none" normalizeH="0" baseline="0" dirty="0" smtClean="0">
               <a:ln>
                 <a:noFill/>
               </a:ln>
@@ -13561,7 +13863,7 @@
               <a:buNone/>
               <a:tabLst/>
             </a:pPr>
-            <a:endParaRPr kumimoji="0" lang="en-GB" sz="4600" b="0" i="0" u="none" strike="noStrike" cap="none" normalizeH="0" baseline="0" smtClean="0">
+            <a:endParaRPr kumimoji="0" lang="en-GB" sz="4600" b="0" i="0" u="none" strike="noStrike" cap="none" normalizeH="0" baseline="0" dirty="0" smtClean="0">
               <a:ln>
                 <a:noFill/>
               </a:ln>
@@ -13627,7 +13929,7 @@
               <a:buNone/>
               <a:tabLst/>
             </a:pPr>
-            <a:endParaRPr kumimoji="0" lang="en-GB" sz="4600" b="0" i="0" u="none" strike="noStrike" cap="none" normalizeH="0" baseline="0" smtClean="0">
+            <a:endParaRPr kumimoji="0" lang="en-GB" sz="4600" b="0" i="0" u="none" strike="noStrike" cap="none" normalizeH="0" baseline="0" dirty="0" smtClean="0">
               <a:ln>
                 <a:noFill/>
               </a:ln>
@@ -13693,7 +13995,7 @@
               <a:buNone/>
               <a:tabLst/>
             </a:pPr>
-            <a:endParaRPr kumimoji="0" lang="en-GB" sz="4600" b="0" i="0" u="none" strike="noStrike" cap="none" normalizeH="0" baseline="0" smtClean="0">
+            <a:endParaRPr kumimoji="0" lang="en-GB" sz="4600" b="0" i="0" u="none" strike="noStrike" cap="none" normalizeH="0" baseline="0" dirty="0" smtClean="0">
               <a:ln>
                 <a:noFill/>
               </a:ln>
@@ -13759,7 +14061,7 @@
               <a:buNone/>
               <a:tabLst/>
             </a:pPr>
-            <a:endParaRPr kumimoji="0" lang="en-GB" sz="4600" b="0" i="0" u="none" strike="noStrike" cap="none" normalizeH="0" baseline="0" smtClean="0">
+            <a:endParaRPr kumimoji="0" lang="en-GB" sz="4600" b="0" i="0" u="none" strike="noStrike" cap="none" normalizeH="0" baseline="0" dirty="0" smtClean="0">
               <a:ln>
                 <a:noFill/>
               </a:ln>
@@ -13825,7 +14127,7 @@
               <a:buNone/>
               <a:tabLst/>
             </a:pPr>
-            <a:endParaRPr kumimoji="0" lang="en-GB" sz="4600" b="0" i="0" u="none" strike="noStrike" cap="none" normalizeH="0" baseline="0" smtClean="0">
+            <a:endParaRPr kumimoji="0" lang="en-GB" sz="4600" b="0" i="0" u="none" strike="noStrike" cap="none" normalizeH="0" baseline="0" dirty="0" smtClean="0">
               <a:ln>
                 <a:noFill/>
               </a:ln>
@@ -13891,7 +14193,7 @@
               <a:buNone/>
               <a:tabLst/>
             </a:pPr>
-            <a:endParaRPr kumimoji="0" lang="en-GB" sz="4600" b="0" i="0" u="none" strike="noStrike" cap="none" normalizeH="0" baseline="0" smtClean="0">
+            <a:endParaRPr kumimoji="0" lang="en-GB" sz="4600" b="0" i="0" u="none" strike="noStrike" cap="none" normalizeH="0" baseline="0" dirty="0" smtClean="0">
               <a:ln>
                 <a:noFill/>
               </a:ln>
@@ -13957,7 +14259,7 @@
               <a:buNone/>
               <a:tabLst/>
             </a:pPr>
-            <a:endParaRPr kumimoji="0" lang="en-GB" sz="4600" b="0" i="0" u="none" strike="noStrike" cap="none" normalizeH="0" baseline="0" smtClean="0">
+            <a:endParaRPr kumimoji="0" lang="en-GB" sz="4600" b="0" i="0" u="none" strike="noStrike" cap="none" normalizeH="0" baseline="0" dirty="0" smtClean="0">
               <a:ln>
                 <a:noFill/>
               </a:ln>
@@ -14023,7 +14325,7 @@
               <a:buNone/>
               <a:tabLst/>
             </a:pPr>
-            <a:endParaRPr kumimoji="0" lang="en-GB" sz="4600" b="0" i="0" u="none" strike="noStrike" cap="none" normalizeH="0" baseline="0" smtClean="0">
+            <a:endParaRPr kumimoji="0" lang="en-GB" sz="4600" b="0" i="0" u="none" strike="noStrike" cap="none" normalizeH="0" baseline="0" dirty="0" smtClean="0">
               <a:ln>
                 <a:noFill/>
               </a:ln>
@@ -14330,7 +14632,7 @@
               <a:buNone/>
               <a:tabLst/>
             </a:pPr>
-            <a:endParaRPr kumimoji="0" lang="en-GB" sz="4600" b="0" i="0" u="none" strike="noStrike" cap="none" normalizeH="0" baseline="0" smtClean="0">
+            <a:endParaRPr kumimoji="0" lang="en-GB" sz="4600" b="0" i="0" u="none" strike="noStrike" cap="none" normalizeH="0" baseline="0" dirty="0" smtClean="0">
               <a:ln>
                 <a:noFill/>
               </a:ln>
@@ -14396,7 +14698,7 @@
               <a:buNone/>
               <a:tabLst/>
             </a:pPr>
-            <a:endParaRPr kumimoji="0" lang="en-GB" sz="4600" b="0" i="0" u="none" strike="noStrike" cap="none" normalizeH="0" baseline="0" smtClean="0">
+            <a:endParaRPr kumimoji="0" lang="en-GB" sz="4600" b="0" i="0" u="none" strike="noStrike" cap="none" normalizeH="0" baseline="0" dirty="0" smtClean="0">
               <a:ln>
                 <a:noFill/>
               </a:ln>
@@ -14462,7 +14764,7 @@
               <a:buNone/>
               <a:tabLst/>
             </a:pPr>
-            <a:endParaRPr kumimoji="0" lang="en-GB" sz="4600" b="0" i="0" u="none" strike="noStrike" cap="none" normalizeH="0" baseline="0" smtClean="0">
+            <a:endParaRPr kumimoji="0" lang="en-GB" sz="4600" b="0" i="0" u="none" strike="noStrike" cap="none" normalizeH="0" baseline="0" dirty="0" smtClean="0">
               <a:ln>
                 <a:noFill/>
               </a:ln>
@@ -14556,7 +14858,7 @@
               <a:buNone/>
               <a:tabLst/>
             </a:pPr>
-            <a:endParaRPr kumimoji="0" lang="en-GB" sz="4600" b="0" i="0" u="none" strike="noStrike" cap="none" normalizeH="0" baseline="0" smtClean="0">
+            <a:endParaRPr kumimoji="0" lang="en-GB" sz="4600" b="0" i="0" u="none" strike="noStrike" cap="none" normalizeH="0" baseline="0" dirty="0" smtClean="0">
               <a:ln>
                 <a:noFill/>
               </a:ln>
@@ -14681,7 +14983,7 @@
               <a:buNone/>
               <a:tabLst/>
             </a:pPr>
-            <a:endParaRPr kumimoji="0" lang="en-GB" sz="4600" b="0" i="0" u="none" strike="noStrike" cap="none" normalizeH="0" baseline="0" smtClean="0">
+            <a:endParaRPr kumimoji="0" lang="en-GB" sz="4600" b="0" i="0" u="none" strike="noStrike" cap="none" normalizeH="0" baseline="0" dirty="0" smtClean="0">
               <a:ln>
                 <a:noFill/>
               </a:ln>
@@ -14784,7 +15086,7 @@
               <a:buNone/>
               <a:tabLst/>
             </a:pPr>
-            <a:endParaRPr kumimoji="0" lang="en-GB" sz="4600" b="0" i="0" u="none" strike="noStrike" cap="none" normalizeH="0" baseline="0" smtClean="0">
+            <a:endParaRPr kumimoji="0" lang="en-GB" sz="4600" b="0" i="0" u="none" strike="noStrike" cap="none" normalizeH="0" baseline="0" dirty="0" smtClean="0">
               <a:ln>
                 <a:noFill/>
               </a:ln>
@@ -14873,7 +15175,7 @@
               <a:buNone/>
               <a:tabLst/>
             </a:pPr>
-            <a:endParaRPr kumimoji="0" lang="en-GB" sz="4600" b="0" i="0" u="none" strike="noStrike" cap="none" normalizeH="0" baseline="0" smtClean="0">
+            <a:endParaRPr kumimoji="0" lang="en-GB" sz="4600" b="0" i="0" u="none" strike="noStrike" cap="none" normalizeH="0" baseline="0" dirty="0" smtClean="0">
               <a:ln>
                 <a:noFill/>
               </a:ln>
@@ -14939,7 +15241,7 @@
               <a:buNone/>
               <a:tabLst/>
             </a:pPr>
-            <a:endParaRPr kumimoji="0" lang="en-GB" sz="4600" b="0" i="0" u="none" strike="noStrike" cap="none" normalizeH="0" baseline="0" smtClean="0">
+            <a:endParaRPr kumimoji="0" lang="en-GB" sz="4600" b="0" i="0" u="none" strike="noStrike" cap="none" normalizeH="0" baseline="0" dirty="0" smtClean="0">
               <a:ln>
                 <a:noFill/>
               </a:ln>
@@ -15005,7 +15307,7 @@
               <a:buNone/>
               <a:tabLst/>
             </a:pPr>
-            <a:endParaRPr kumimoji="0" lang="en-GB" sz="4600" b="0" i="0" u="none" strike="noStrike" cap="none" normalizeH="0" baseline="0" smtClean="0">
+            <a:endParaRPr kumimoji="0" lang="en-GB" sz="4600" b="0" i="0" u="none" strike="noStrike" cap="none" normalizeH="0" baseline="0" dirty="0" smtClean="0">
               <a:ln>
                 <a:noFill/>
               </a:ln>
@@ -15071,7 +15373,7 @@
               <a:buNone/>
               <a:tabLst/>
             </a:pPr>
-            <a:endParaRPr kumimoji="0" lang="en-GB" sz="4600" b="0" i="0" u="none" strike="noStrike" cap="none" normalizeH="0" baseline="0" smtClean="0">
+            <a:endParaRPr kumimoji="0" lang="en-GB" sz="4600" b="0" i="0" u="none" strike="noStrike" cap="none" normalizeH="0" baseline="0" dirty="0" smtClean="0">
               <a:ln>
                 <a:noFill/>
               </a:ln>
@@ -15137,7 +15439,7 @@
               <a:buNone/>
               <a:tabLst/>
             </a:pPr>
-            <a:endParaRPr kumimoji="0" lang="en-GB" sz="4600" b="0" i="0" u="none" strike="noStrike" cap="none" normalizeH="0" baseline="0" smtClean="0">
+            <a:endParaRPr kumimoji="0" lang="en-GB" sz="4600" b="0" i="0" u="none" strike="noStrike" cap="none" normalizeH="0" baseline="0" dirty="0" smtClean="0">
               <a:ln>
                 <a:noFill/>
               </a:ln>
@@ -15203,7 +15505,7 @@
               <a:buNone/>
               <a:tabLst/>
             </a:pPr>
-            <a:endParaRPr kumimoji="0" lang="en-GB" sz="4600" b="0" i="0" u="none" strike="noStrike" cap="none" normalizeH="0" baseline="0" smtClean="0">
+            <a:endParaRPr kumimoji="0" lang="en-GB" sz="4600" b="0" i="0" u="none" strike="noStrike" cap="none" normalizeH="0" baseline="0" dirty="0" smtClean="0">
               <a:ln>
                 <a:noFill/>
               </a:ln>
@@ -15269,7 +15571,7 @@
               <a:buNone/>
               <a:tabLst/>
             </a:pPr>
-            <a:endParaRPr kumimoji="0" lang="en-GB" sz="4600" b="0" i="0" u="none" strike="noStrike" cap="none" normalizeH="0" baseline="0" smtClean="0">
+            <a:endParaRPr kumimoji="0" lang="en-GB" sz="4600" b="0" i="0" u="none" strike="noStrike" cap="none" normalizeH="0" baseline="0" dirty="0" smtClean="0">
               <a:ln>
                 <a:noFill/>
               </a:ln>
@@ -15335,7 +15637,7 @@
               <a:buNone/>
               <a:tabLst/>
             </a:pPr>
-            <a:endParaRPr kumimoji="0" lang="en-GB" sz="4600" b="0" i="0" u="none" strike="noStrike" cap="none" normalizeH="0" baseline="0" smtClean="0">
+            <a:endParaRPr kumimoji="0" lang="en-GB" sz="4600" b="0" i="0" u="none" strike="noStrike" cap="none" normalizeH="0" baseline="0" dirty="0" smtClean="0">
               <a:ln>
                 <a:noFill/>
               </a:ln>
@@ -15401,7 +15703,7 @@
               <a:buNone/>
               <a:tabLst/>
             </a:pPr>
-            <a:endParaRPr kumimoji="0" lang="en-GB" sz="4600" b="0" i="0" u="none" strike="noStrike" cap="none" normalizeH="0" baseline="0" smtClean="0">
+            <a:endParaRPr kumimoji="0" lang="en-GB" sz="4600" b="0" i="0" u="none" strike="noStrike" cap="none" normalizeH="0" baseline="0" dirty="0" smtClean="0">
               <a:ln>
                 <a:noFill/>
               </a:ln>
@@ -17063,7 +17365,7 @@
               <a:buNone/>
               <a:tabLst/>
             </a:pPr>
-            <a:endParaRPr kumimoji="0" lang="en-GB" sz="4600" b="0" i="0" u="none" strike="noStrike" cap="none" normalizeH="0" baseline="0" smtClean="0">
+            <a:endParaRPr kumimoji="0" lang="en-GB" sz="4600" b="0" i="0" u="none" strike="noStrike" cap="none" normalizeH="0" baseline="0" dirty="0" smtClean="0">
               <a:ln>
                 <a:noFill/>
               </a:ln>
@@ -17129,7 +17431,7 @@
               <a:buNone/>
               <a:tabLst/>
             </a:pPr>
-            <a:endParaRPr kumimoji="0" lang="en-GB" sz="4600" b="0" i="0" u="none" strike="noStrike" cap="none" normalizeH="0" baseline="0" smtClean="0">
+            <a:endParaRPr kumimoji="0" lang="en-GB" sz="4600" b="0" i="0" u="none" strike="noStrike" cap="none" normalizeH="0" baseline="0" dirty="0" smtClean="0">
               <a:ln>
                 <a:noFill/>
               </a:ln>
@@ -17195,7 +17497,7 @@
               <a:buNone/>
               <a:tabLst/>
             </a:pPr>
-            <a:endParaRPr kumimoji="0" lang="en-GB" sz="4600" b="0" i="0" u="none" strike="noStrike" cap="none" normalizeH="0" baseline="0" smtClean="0">
+            <a:endParaRPr kumimoji="0" lang="en-GB" sz="4600" b="0" i="0" u="none" strike="noStrike" cap="none" normalizeH="0" baseline="0" dirty="0" smtClean="0">
               <a:ln>
                 <a:noFill/>
               </a:ln>
@@ -17261,7 +17563,7 @@
               <a:buNone/>
               <a:tabLst/>
             </a:pPr>
-            <a:endParaRPr kumimoji="0" lang="en-GB" sz="4600" b="0" i="0" u="none" strike="noStrike" cap="none" normalizeH="0" baseline="0" smtClean="0">
+            <a:endParaRPr kumimoji="0" lang="en-GB" sz="4600" b="0" i="0" u="none" strike="noStrike" cap="none" normalizeH="0" baseline="0" dirty="0" smtClean="0">
               <a:ln>
                 <a:noFill/>
               </a:ln>
@@ -17327,7 +17629,7 @@
               <a:buNone/>
               <a:tabLst/>
             </a:pPr>
-            <a:endParaRPr kumimoji="0" lang="en-GB" sz="4600" b="0" i="0" u="none" strike="noStrike" cap="none" normalizeH="0" baseline="0" smtClean="0">
+            <a:endParaRPr kumimoji="0" lang="en-GB" sz="4600" b="0" i="0" u="none" strike="noStrike" cap="none" normalizeH="0" baseline="0" dirty="0" smtClean="0">
               <a:ln>
                 <a:noFill/>
               </a:ln>
@@ -17483,7 +17785,7 @@
               <a:buNone/>
               <a:tabLst/>
             </a:pPr>
-            <a:endParaRPr kumimoji="0" lang="en-GB" sz="4600" b="0" i="0" u="none" strike="noStrike" cap="none" normalizeH="0" baseline="0" smtClean="0">
+            <a:endParaRPr kumimoji="0" lang="en-GB" sz="4600" b="0" i="0" u="none" strike="noStrike" cap="none" normalizeH="0" baseline="0" dirty="0" smtClean="0">
               <a:ln>
                 <a:noFill/>
               </a:ln>
@@ -17549,7 +17851,7 @@
               <a:buNone/>
               <a:tabLst/>
             </a:pPr>
-            <a:endParaRPr kumimoji="0" lang="en-GB" sz="4600" b="0" i="0" u="none" strike="noStrike" cap="none" normalizeH="0" baseline="0" smtClean="0">
+            <a:endParaRPr kumimoji="0" lang="en-GB" sz="4600" b="0" i="0" u="none" strike="noStrike" cap="none" normalizeH="0" baseline="0" dirty="0" smtClean="0">
               <a:ln>
                 <a:noFill/>
               </a:ln>
@@ -17615,7 +17917,7 @@
               <a:buNone/>
               <a:tabLst/>
             </a:pPr>
-            <a:endParaRPr kumimoji="0" lang="en-GB" sz="4600" b="0" i="0" u="none" strike="noStrike" cap="none" normalizeH="0" baseline="0" smtClean="0">
+            <a:endParaRPr kumimoji="0" lang="en-GB" sz="4600" b="0" i="0" u="none" strike="noStrike" cap="none" normalizeH="0" baseline="0" dirty="0" smtClean="0">
               <a:ln>
                 <a:noFill/>
               </a:ln>
@@ -17768,7 +18070,7 @@
               <a:buNone/>
               <a:tabLst/>
             </a:pPr>
-            <a:endParaRPr kumimoji="0" lang="en-GB" sz="4600" b="0" i="0" u="none" strike="noStrike" cap="none" normalizeH="0" baseline="0" smtClean="0">
+            <a:endParaRPr kumimoji="0" lang="en-GB" sz="4600" b="0" i="0" u="none" strike="noStrike" cap="none" normalizeH="0" baseline="0" dirty="0" smtClean="0">
               <a:ln>
                 <a:noFill/>
               </a:ln>
@@ -17834,7 +18136,7 @@
               <a:buNone/>
               <a:tabLst/>
             </a:pPr>
-            <a:endParaRPr kumimoji="0" lang="en-GB" sz="4600" b="0" i="0" u="none" strike="noStrike" cap="none" normalizeH="0" baseline="0" smtClean="0">
+            <a:endParaRPr kumimoji="0" lang="en-GB" sz="4600" b="0" i="0" u="none" strike="noStrike" cap="none" normalizeH="0" baseline="0" dirty="0" smtClean="0">
               <a:ln>
                 <a:noFill/>
               </a:ln>
@@ -17900,7 +18202,7 @@
               <a:buNone/>
               <a:tabLst/>
             </a:pPr>
-            <a:endParaRPr kumimoji="0" lang="en-GB" sz="4600" b="0" i="0" u="none" strike="noStrike" cap="none" normalizeH="0" baseline="0" smtClean="0">
+            <a:endParaRPr kumimoji="0" lang="en-GB" sz="4600" b="0" i="0" u="none" strike="noStrike" cap="none" normalizeH="0" baseline="0" dirty="0" smtClean="0">
               <a:ln>
                 <a:noFill/>
               </a:ln>
@@ -17966,7 +18268,7 @@
               <a:buNone/>
               <a:tabLst/>
             </a:pPr>
-            <a:endParaRPr kumimoji="0" lang="en-GB" sz="4600" b="0" i="0" u="none" strike="noStrike" cap="none" normalizeH="0" baseline="0" smtClean="0">
+            <a:endParaRPr kumimoji="0" lang="en-GB" sz="4600" b="0" i="0" u="none" strike="noStrike" cap="none" normalizeH="0" baseline="0" dirty="0" smtClean="0">
               <a:ln>
                 <a:noFill/>
               </a:ln>
@@ -18032,7 +18334,7 @@
               <a:buNone/>
               <a:tabLst/>
             </a:pPr>
-            <a:endParaRPr kumimoji="0" lang="en-GB" sz="4600" b="0" i="0" u="none" strike="noStrike" cap="none" normalizeH="0" baseline="0" smtClean="0">
+            <a:endParaRPr kumimoji="0" lang="en-GB" sz="4600" b="0" i="0" u="none" strike="noStrike" cap="none" normalizeH="0" baseline="0" dirty="0" smtClean="0">
               <a:ln>
                 <a:noFill/>
               </a:ln>
@@ -18098,7 +18400,7 @@
               <a:buNone/>
               <a:tabLst/>
             </a:pPr>
-            <a:endParaRPr kumimoji="0" lang="en-GB" sz="4600" b="0" i="0" u="none" strike="noStrike" cap="none" normalizeH="0" baseline="0" smtClean="0">
+            <a:endParaRPr kumimoji="0" lang="en-GB" sz="4600" b="0" i="0" u="none" strike="noStrike" cap="none" normalizeH="0" baseline="0" dirty="0" smtClean="0">
               <a:ln>
                 <a:noFill/>
               </a:ln>
@@ -18254,7 +18556,7 @@
               <a:buNone/>
               <a:tabLst/>
             </a:pPr>
-            <a:endParaRPr kumimoji="0" lang="en-GB" sz="4600" b="0" i="0" u="none" strike="noStrike" cap="none" normalizeH="0" baseline="0" smtClean="0">
+            <a:endParaRPr kumimoji="0" lang="en-GB" sz="4600" b="0" i="0" u="none" strike="noStrike" cap="none" normalizeH="0" baseline="0" dirty="0" smtClean="0">
               <a:ln>
                 <a:noFill/>
               </a:ln>
@@ -18320,7 +18622,7 @@
               <a:buNone/>
               <a:tabLst/>
             </a:pPr>
-            <a:endParaRPr kumimoji="0" lang="en-GB" sz="4600" b="0" i="0" u="none" strike="noStrike" cap="none" normalizeH="0" baseline="0" smtClean="0">
+            <a:endParaRPr kumimoji="0" lang="en-GB" sz="4600" b="0" i="0" u="none" strike="noStrike" cap="none" normalizeH="0" baseline="0" dirty="0" smtClean="0">
               <a:ln>
                 <a:noFill/>
               </a:ln>
@@ -18386,7 +18688,7 @@
               <a:buNone/>
               <a:tabLst/>
             </a:pPr>
-            <a:endParaRPr kumimoji="0" lang="en-GB" sz="4600" b="0" i="0" u="none" strike="noStrike" cap="none" normalizeH="0" baseline="0" smtClean="0">
+            <a:endParaRPr kumimoji="0" lang="en-GB" sz="4600" b="0" i="0" u="none" strike="noStrike" cap="none" normalizeH="0" baseline="0" dirty="0" smtClean="0">
               <a:ln>
                 <a:noFill/>
               </a:ln>
@@ -18452,7 +18754,7 @@
               <a:buNone/>
               <a:tabLst/>
             </a:pPr>
-            <a:endParaRPr kumimoji="0" lang="en-GB" sz="4600" b="0" i="0" u="none" strike="noStrike" cap="none" normalizeH="0" baseline="0" smtClean="0">
+            <a:endParaRPr kumimoji="0" lang="en-GB" sz="4600" b="0" i="0" u="none" strike="noStrike" cap="none" normalizeH="0" baseline="0" dirty="0" smtClean="0">
               <a:ln>
                 <a:noFill/>
               </a:ln>
@@ -18518,7 +18820,7 @@
               <a:buNone/>
               <a:tabLst/>
             </a:pPr>
-            <a:endParaRPr kumimoji="0" lang="en-GB" sz="4600" b="0" i="0" u="none" strike="noStrike" cap="none" normalizeH="0" baseline="0" smtClean="0">
+            <a:endParaRPr kumimoji="0" lang="en-GB" sz="4600" b="0" i="0" u="none" strike="noStrike" cap="none" normalizeH="0" baseline="0" dirty="0" smtClean="0">
               <a:ln>
                 <a:noFill/>
               </a:ln>
@@ -18584,7 +18886,7 @@
               <a:buNone/>
               <a:tabLst/>
             </a:pPr>
-            <a:endParaRPr kumimoji="0" lang="en-GB" sz="4600" b="0" i="0" u="none" strike="noStrike" cap="none" normalizeH="0" baseline="0" smtClean="0">
+            <a:endParaRPr kumimoji="0" lang="en-GB" sz="4600" b="0" i="0" u="none" strike="noStrike" cap="none" normalizeH="0" baseline="0" dirty="0" smtClean="0">
               <a:ln>
                 <a:noFill/>
               </a:ln>
@@ -18650,7 +18952,7 @@
               <a:buNone/>
               <a:tabLst/>
             </a:pPr>
-            <a:endParaRPr kumimoji="0" lang="en-GB" sz="4600" b="0" i="0" u="none" strike="noStrike" cap="none" normalizeH="0" baseline="0" smtClean="0">
+            <a:endParaRPr kumimoji="0" lang="en-GB" sz="4600" b="0" i="0" u="none" strike="noStrike" cap="none" normalizeH="0" baseline="0" dirty="0" smtClean="0">
               <a:ln>
                 <a:noFill/>
               </a:ln>
@@ -18716,7 +19018,7 @@
               <a:buNone/>
               <a:tabLst/>
             </a:pPr>
-            <a:endParaRPr kumimoji="0" lang="en-GB" sz="4600" b="0" i="0" u="none" strike="noStrike" cap="none" normalizeH="0" baseline="0" smtClean="0">
+            <a:endParaRPr kumimoji="0" lang="en-GB" sz="4600" b="0" i="0" u="none" strike="noStrike" cap="none" normalizeH="0" baseline="0" dirty="0" smtClean="0">
               <a:ln>
                 <a:noFill/>
               </a:ln>
@@ -18872,7 +19174,7 @@
               <a:buNone/>
               <a:tabLst/>
             </a:pPr>
-            <a:endParaRPr kumimoji="0" lang="en-GB" sz="4600" b="0" i="0" u="none" strike="noStrike" cap="none" normalizeH="0" baseline="0" smtClean="0">
+            <a:endParaRPr kumimoji="0" lang="en-GB" sz="4600" b="0" i="0" u="none" strike="noStrike" cap="none" normalizeH="0" baseline="0" dirty="0" smtClean="0">
               <a:ln>
                 <a:noFill/>
               </a:ln>
@@ -18938,7 +19240,7 @@
               <a:buNone/>
               <a:tabLst/>
             </a:pPr>
-            <a:endParaRPr kumimoji="0" lang="en-GB" sz="4600" b="0" i="0" u="none" strike="noStrike" cap="none" normalizeH="0" baseline="0" smtClean="0">
+            <a:endParaRPr kumimoji="0" lang="en-GB" sz="4600" b="0" i="0" u="none" strike="noStrike" cap="none" normalizeH="0" baseline="0" dirty="0" smtClean="0">
               <a:ln>
                 <a:noFill/>
               </a:ln>
@@ -19004,7 +19306,7 @@
               <a:buNone/>
               <a:tabLst/>
             </a:pPr>
-            <a:endParaRPr kumimoji="0" lang="en-GB" sz="4600" b="0" i="0" u="none" strike="noStrike" cap="none" normalizeH="0" baseline="0" smtClean="0">
+            <a:endParaRPr kumimoji="0" lang="en-GB" sz="4600" b="0" i="0" u="none" strike="noStrike" cap="none" normalizeH="0" baseline="0" dirty="0" smtClean="0">
               <a:ln>
                 <a:noFill/>
               </a:ln>
@@ -19147,7 +19449,7 @@
               <a:buNone/>
               <a:tabLst/>
             </a:pPr>
-            <a:endParaRPr kumimoji="0" lang="en-GB" sz="4600" b="0" i="0" u="none" strike="noStrike" cap="none" normalizeH="0" baseline="0" smtClean="0">
+            <a:endParaRPr kumimoji="0" lang="en-GB" sz="4600" b="0" i="0" u="none" strike="noStrike" cap="none" normalizeH="0" baseline="0" dirty="0" smtClean="0">
               <a:ln>
                 <a:noFill/>
               </a:ln>
@@ -20103,7 +20405,7 @@
               <a:buNone/>
               <a:tabLst/>
             </a:pPr>
-            <a:endParaRPr kumimoji="0" lang="en-GB" sz="4600" b="0" i="0" u="none" strike="noStrike" cap="none" normalizeH="0" baseline="0" smtClean="0">
+            <a:endParaRPr kumimoji="0" lang="en-GB" sz="4600" b="0" i="0" u="none" strike="noStrike" cap="none" normalizeH="0" baseline="0" dirty="0" smtClean="0">
               <a:ln>
                 <a:noFill/>
               </a:ln>
@@ -20169,7 +20471,7 @@
               <a:buNone/>
               <a:tabLst/>
             </a:pPr>
-            <a:endParaRPr kumimoji="0" lang="en-GB" sz="4600" b="0" i="0" u="none" strike="noStrike" cap="none" normalizeH="0" baseline="0" smtClean="0">
+            <a:endParaRPr kumimoji="0" lang="en-GB" sz="4600" b="0" i="0" u="none" strike="noStrike" cap="none" normalizeH="0" baseline="0" dirty="0" smtClean="0">
               <a:ln>
                 <a:noFill/>
               </a:ln>
@@ -20235,7 +20537,7 @@
               <a:buNone/>
               <a:tabLst/>
             </a:pPr>
-            <a:endParaRPr kumimoji="0" lang="en-GB" sz="4600" b="0" i="0" u="none" strike="noStrike" cap="none" normalizeH="0" baseline="0" smtClean="0">
+            <a:endParaRPr kumimoji="0" lang="en-GB" sz="4600" b="0" i="0" u="none" strike="noStrike" cap="none" normalizeH="0" baseline="0" dirty="0" smtClean="0">
               <a:ln>
                 <a:noFill/>
               </a:ln>
@@ -20301,7 +20603,7 @@
               <a:buNone/>
               <a:tabLst/>
             </a:pPr>
-            <a:endParaRPr kumimoji="0" lang="en-GB" sz="4600" b="0" i="0" u="none" strike="noStrike" cap="none" normalizeH="0" baseline="0" smtClean="0">
+            <a:endParaRPr kumimoji="0" lang="en-GB" sz="4600" b="0" i="0" u="none" strike="noStrike" cap="none" normalizeH="0" baseline="0" dirty="0" smtClean="0">
               <a:ln>
                 <a:noFill/>
               </a:ln>
@@ -20367,7 +20669,7 @@
               <a:buNone/>
               <a:tabLst/>
             </a:pPr>
-            <a:endParaRPr kumimoji="0" lang="en-GB" sz="4600" b="0" i="0" u="none" strike="noStrike" cap="none" normalizeH="0" baseline="0" smtClean="0">
+            <a:endParaRPr kumimoji="0" lang="en-GB" sz="4600" b="0" i="0" u="none" strike="noStrike" cap="none" normalizeH="0" baseline="0" dirty="0" smtClean="0">
               <a:ln>
                 <a:noFill/>
               </a:ln>
@@ -20433,7 +20735,7 @@
               <a:buNone/>
               <a:tabLst/>
             </a:pPr>
-            <a:endParaRPr kumimoji="0" lang="en-GB" sz="4600" b="0" i="0" u="none" strike="noStrike" cap="none" normalizeH="0" baseline="0" smtClean="0">
+            <a:endParaRPr kumimoji="0" lang="en-GB" sz="4600" b="0" i="0" u="none" strike="noStrike" cap="none" normalizeH="0" baseline="0" dirty="0" smtClean="0">
               <a:ln>
                 <a:noFill/>
               </a:ln>
@@ -20499,7 +20801,7 @@
               <a:buNone/>
               <a:tabLst/>
             </a:pPr>
-            <a:endParaRPr kumimoji="0" lang="en-GB" sz="4600" b="0" i="0" u="none" strike="noStrike" cap="none" normalizeH="0" baseline="0" smtClean="0">
+            <a:endParaRPr kumimoji="0" lang="en-GB" sz="4600" b="0" i="0" u="none" strike="noStrike" cap="none" normalizeH="0" baseline="0" dirty="0" smtClean="0">
               <a:ln>
                 <a:noFill/>
               </a:ln>
@@ -20565,7 +20867,7 @@
               <a:buNone/>
               <a:tabLst/>
             </a:pPr>
-            <a:endParaRPr kumimoji="0" lang="en-GB" sz="4600" b="0" i="0" u="none" strike="noStrike" cap="none" normalizeH="0" baseline="0" smtClean="0">
+            <a:endParaRPr kumimoji="0" lang="en-GB" sz="4600" b="0" i="0" u="none" strike="noStrike" cap="none" normalizeH="0" baseline="0" dirty="0" smtClean="0">
               <a:ln>
                 <a:noFill/>
               </a:ln>
@@ -20631,7 +20933,7 @@
               <a:buNone/>
               <a:tabLst/>
             </a:pPr>
-            <a:endParaRPr kumimoji="0" lang="en-GB" sz="4600" b="0" i="0" u="none" strike="noStrike" cap="none" normalizeH="0" baseline="0" smtClean="0">
+            <a:endParaRPr kumimoji="0" lang="en-GB" sz="4600" b="0" i="0" u="none" strike="noStrike" cap="none" normalizeH="0" baseline="0" dirty="0" smtClean="0">
               <a:ln>
                 <a:noFill/>
               </a:ln>
@@ -20697,7 +20999,7 @@
               <a:buNone/>
               <a:tabLst/>
             </a:pPr>
-            <a:endParaRPr kumimoji="0" lang="en-GB" sz="4600" b="0" i="0" u="none" strike="noStrike" cap="none" normalizeH="0" baseline="0" smtClean="0">
+            <a:endParaRPr kumimoji="0" lang="en-GB" sz="4600" b="0" i="0" u="none" strike="noStrike" cap="none" normalizeH="0" baseline="0" dirty="0" smtClean="0">
               <a:ln>
                 <a:noFill/>
               </a:ln>
@@ -20853,7 +21155,7 @@
               <a:buNone/>
               <a:tabLst/>
             </a:pPr>
-            <a:endParaRPr kumimoji="0" lang="en-GB" sz="4600" b="0" i="0" u="none" strike="noStrike" cap="none" normalizeH="0" baseline="0" smtClean="0">
+            <a:endParaRPr kumimoji="0" lang="en-GB" sz="4600" b="0" i="0" u="none" strike="noStrike" cap="none" normalizeH="0" baseline="0" dirty="0" smtClean="0">
               <a:ln>
                 <a:noFill/>
               </a:ln>
@@ -20919,7 +21221,7 @@
               <a:buNone/>
               <a:tabLst/>
             </a:pPr>
-            <a:endParaRPr kumimoji="0" lang="en-GB" sz="4600" b="0" i="0" u="none" strike="noStrike" cap="none" normalizeH="0" baseline="0" smtClean="0">
+            <a:endParaRPr kumimoji="0" lang="en-GB" sz="4600" b="0" i="0" u="none" strike="noStrike" cap="none" normalizeH="0" baseline="0" dirty="0" smtClean="0">
               <a:ln>
                 <a:noFill/>
               </a:ln>
@@ -20985,7 +21287,7 @@
               <a:buNone/>
               <a:tabLst/>
             </a:pPr>
-            <a:endParaRPr kumimoji="0" lang="en-GB" sz="4600" b="0" i="0" u="none" strike="noStrike" cap="none" normalizeH="0" baseline="0" smtClean="0">
+            <a:endParaRPr kumimoji="0" lang="en-GB" sz="4600" b="0" i="0" u="none" strike="noStrike" cap="none" normalizeH="0" baseline="0" dirty="0" smtClean="0">
               <a:ln>
                 <a:noFill/>
               </a:ln>
@@ -21051,7 +21353,7 @@
               <a:buNone/>
               <a:tabLst/>
             </a:pPr>
-            <a:endParaRPr kumimoji="0" lang="en-GB" sz="4600" b="0" i="0" u="none" strike="noStrike" cap="none" normalizeH="0" baseline="0" smtClean="0">
+            <a:endParaRPr kumimoji="0" lang="en-GB" sz="4600" b="0" i="0" u="none" strike="noStrike" cap="none" normalizeH="0" baseline="0" dirty="0" smtClean="0">
               <a:ln>
                 <a:noFill/>
               </a:ln>
@@ -21117,7 +21419,7 @@
               <a:buNone/>
               <a:tabLst/>
             </a:pPr>
-            <a:endParaRPr kumimoji="0" lang="en-GB" sz="4600" b="0" i="0" u="none" strike="noStrike" cap="none" normalizeH="0" baseline="0" smtClean="0">
+            <a:endParaRPr kumimoji="0" lang="en-GB" sz="4600" b="0" i="0" u="none" strike="noStrike" cap="none" normalizeH="0" baseline="0" dirty="0" smtClean="0">
               <a:ln>
                 <a:noFill/>
               </a:ln>
@@ -21183,7 +21485,7 @@
               <a:buNone/>
               <a:tabLst/>
             </a:pPr>
-            <a:endParaRPr kumimoji="0" lang="en-GB" sz="4600" b="0" i="0" u="none" strike="noStrike" cap="none" normalizeH="0" baseline="0" smtClean="0">
+            <a:endParaRPr kumimoji="0" lang="en-GB" sz="4600" b="0" i="0" u="none" strike="noStrike" cap="none" normalizeH="0" baseline="0" dirty="0" smtClean="0">
               <a:ln>
                 <a:noFill/>
               </a:ln>
@@ -21249,7 +21551,7 @@
               <a:buNone/>
               <a:tabLst/>
             </a:pPr>
-            <a:endParaRPr kumimoji="0" lang="en-GB" sz="4600" b="0" i="0" u="none" strike="noStrike" cap="none" normalizeH="0" baseline="0" smtClean="0">
+            <a:endParaRPr kumimoji="0" lang="en-GB" sz="4600" b="0" i="0" u="none" strike="noStrike" cap="none" normalizeH="0" baseline="0" dirty="0" smtClean="0">
               <a:ln>
                 <a:noFill/>
               </a:ln>
@@ -21315,7 +21617,7 @@
               <a:buNone/>
               <a:tabLst/>
             </a:pPr>
-            <a:endParaRPr kumimoji="0" lang="en-GB" sz="4600" b="0" i="0" u="none" strike="noStrike" cap="none" normalizeH="0" baseline="0" smtClean="0">
+            <a:endParaRPr kumimoji="0" lang="en-GB" sz="4600" b="0" i="0" u="none" strike="noStrike" cap="none" normalizeH="0" baseline="0" dirty="0" smtClean="0">
               <a:ln>
                 <a:noFill/>
               </a:ln>
@@ -21381,7 +21683,7 @@
               <a:buNone/>
               <a:tabLst/>
             </a:pPr>
-            <a:endParaRPr kumimoji="0" lang="en-GB" sz="4600" b="0" i="0" u="none" strike="noStrike" cap="none" normalizeH="0" baseline="0" smtClean="0">
+            <a:endParaRPr kumimoji="0" lang="en-GB" sz="4600" b="0" i="0" u="none" strike="noStrike" cap="none" normalizeH="0" baseline="0" dirty="0" smtClean="0">
               <a:ln>
                 <a:noFill/>
               </a:ln>
@@ -21447,7 +21749,7 @@
               <a:buNone/>
               <a:tabLst/>
             </a:pPr>
-            <a:endParaRPr kumimoji="0" lang="en-GB" sz="4600" b="0" i="0" u="none" strike="noStrike" cap="none" normalizeH="0" baseline="0" smtClean="0">
+            <a:endParaRPr kumimoji="0" lang="en-GB" sz="4600" b="0" i="0" u="none" strike="noStrike" cap="none" normalizeH="0" baseline="0" dirty="0" smtClean="0">
               <a:ln>
                 <a:noFill/>
               </a:ln>
@@ -21530,67 +21832,290 @@
             <p:ph idx="1"/>
           </p:nvPr>
         </p:nvSpPr>
-        <p:spPr/>
+        <p:spPr>
+          <a:xfrm>
+            <a:off x="6044563" y="16489213"/>
+            <a:ext cx="28875676" cy="5912000"/>
+          </a:xfrm>
+        </p:spPr>
         <p:txBody>
           <a:bodyPr/>
           <a:lstStyle/>
           <a:p>
             <a:r>
-              <a:rPr lang="sv-SE" dirty="0" smtClean="0"/>
-              <a:t>Not based on LBPs</a:t>
+              <a:rPr lang="sv-SE" sz="8800" dirty="0" smtClean="0"/>
+              <a:t>The result contains the magnitude and direction of the maximum activation of any filter in the group</a:t>
             </a:r>
           </a:p>
           <a:p>
             <a:r>
-              <a:rPr lang="sv-SE" dirty="0" smtClean="0"/>
-              <a:t>Rotationally invariant groups of filters</a:t>
+              <a:rPr lang="sv-SE" sz="8800" dirty="0" smtClean="0"/>
+              <a:t>This is passed on to the next layer</a:t>
             </a:r>
           </a:p>
           <a:p>
             <a:r>
-              <a:rPr lang="sv-SE" dirty="0" smtClean="0"/>
-              <a:t>Each group consists of R filters</a:t>
+              <a:rPr lang="sv-SE" sz="8800" dirty="0" smtClean="0"/>
+              <a:t>4 RotEqNet layers are used in our model</a:t>
             </a:r>
           </a:p>
+        </p:txBody>
+      </p:sp>
+      <p:pic>
+        <p:nvPicPr>
+          <p:cNvPr id="4" name="Picture 3"/>
+          <p:cNvPicPr>
+            <a:picLocks noChangeAspect="1"/>
+          </p:cNvPicPr>
+          <p:nvPr/>
+        </p:nvPicPr>
+        <p:blipFill>
+          <a:blip r:embed="rId2">
+            <a:extLst>
+              <a:ext uri="{28A0092B-C50C-407E-A947-70E740481C1C}">
+                <a14:useLocalDpi xmlns:a14="http://schemas.microsoft.com/office/drawing/2010/main" val="0"/>
+              </a:ext>
+            </a:extLst>
+          </a:blip>
+          <a:stretch>
+            <a:fillRect/>
+          </a:stretch>
+        </p:blipFill>
+        <p:spPr>
+          <a:xfrm>
+            <a:off x="7228264" y="4535885"/>
+            <a:ext cx="10843613" cy="10801200"/>
+          </a:xfrm>
+          <a:prstGeom prst="rect">
+            <a:avLst/>
+          </a:prstGeom>
+        </p:spPr>
+      </p:pic>
+      <p:sp>
+        <p:nvSpPr>
+          <p:cNvPr id="5" name="Content Placeholder 2"/>
+          <p:cNvSpPr txBox="1">
+            <a:spLocks/>
+          </p:cNvSpPr>
+          <p:nvPr/>
+        </p:nvSpPr>
+        <p:spPr bwMode="auto">
+          <a:xfrm>
+            <a:off x="18359908" y="4337171"/>
+            <a:ext cx="15985777" cy="11287946"/>
+          </a:xfrm>
+          <a:prstGeom prst="rect">
+            <a:avLst/>
+          </a:prstGeom>
+          <a:noFill/>
+          <a:ln>
+            <a:noFill/>
+          </a:ln>
+          <a:effectLst/>
+          <a:extLst>
+            <a:ext uri="{909E8E84-426E-40DD-AFC4-6F175D3DCCD1}">
+              <a14:hiddenFill xmlns:a14="http://schemas.microsoft.com/office/drawing/2010/main">
+                <a:solidFill>
+                  <a:schemeClr val="accent1"/>
+                </a:solidFill>
+              </a14:hiddenFill>
+            </a:ext>
+            <a:ext uri="{91240B29-F687-4F45-9708-019B960494DF}">
+              <a14:hiddenLine xmlns:a14="http://schemas.microsoft.com/office/drawing/2010/main" w="9525">
+                <a:solidFill>
+                  <a:schemeClr val="tx1"/>
+                </a:solidFill>
+                <a:miter lim="800000"/>
+                <a:headEnd/>
+                <a:tailEnd/>
+              </a14:hiddenLine>
+            </a:ext>
+            <a:ext uri="{AF507438-7753-43E0-B8FC-AC1667EBCBE1}">
+              <a14:hiddenEffects xmlns:a14="http://schemas.microsoft.com/office/drawing/2010/main">
+                <a:effectLst>
+                  <a:outerShdw dist="35921" dir="2700000" algn="ctr" rotWithShape="0">
+                    <a:schemeClr val="bg2"/>
+                  </a:outerShdw>
+                </a:effectLst>
+              </a14:hiddenEffects>
+            </a:ext>
+          </a:extLst>
+        </p:spPr>
+        <p:txBody>
+          <a:bodyPr vert="horz" wrap="square" lIns="349592" tIns="174796" rIns="349592" bIns="174796" numCol="1" anchor="t" anchorCtr="0" compatLnSpc="1">
+            <a:prstTxWarp prst="textNoShape">
+              <a:avLst/>
+            </a:prstTxWarp>
+          </a:bodyPr>
+          <a:lstStyle>
+            <a:lvl1pPr marL="1311275" indent="-1311275" algn="l" defTabSz="3495675" rtl="0" fontAlgn="base">
+              <a:spcBef>
+                <a:spcPct val="20000"/>
+              </a:spcBef>
+              <a:spcAft>
+                <a:spcPct val="0"/>
+              </a:spcAft>
+              <a:buChar char="•"/>
+              <a:defRPr sz="10200">
+                <a:solidFill>
+                  <a:schemeClr val="tx1"/>
+                </a:solidFill>
+                <a:latin typeface="+mn-lt"/>
+                <a:ea typeface="+mn-ea"/>
+                <a:cs typeface="+mn-cs"/>
+              </a:defRPr>
+            </a:lvl1pPr>
+            <a:lvl2pPr marL="2838450" indent="-1089025" algn="l" defTabSz="3495675" rtl="0" fontAlgn="base">
+              <a:spcBef>
+                <a:spcPct val="20000"/>
+              </a:spcBef>
+              <a:spcAft>
+                <a:spcPct val="0"/>
+              </a:spcAft>
+              <a:buChar char="–"/>
+              <a:defRPr sz="9000">
+                <a:solidFill>
+                  <a:schemeClr val="tx1"/>
+                </a:solidFill>
+                <a:latin typeface="+mn-lt"/>
+              </a:defRPr>
+            </a:lvl2pPr>
+            <a:lvl3pPr marL="4368800" indent="-873125" algn="l" defTabSz="3495675" rtl="0" fontAlgn="base">
+              <a:spcBef>
+                <a:spcPct val="20000"/>
+              </a:spcBef>
+              <a:spcAft>
+                <a:spcPct val="0"/>
+              </a:spcAft>
+              <a:buChar char="•"/>
+              <a:defRPr sz="7500">
+                <a:solidFill>
+                  <a:schemeClr val="tx1"/>
+                </a:solidFill>
+                <a:latin typeface="+mn-lt"/>
+              </a:defRPr>
+            </a:lvl3pPr>
+            <a:lvl4pPr marL="6119813" indent="-876300" algn="l" defTabSz="3495675" rtl="0" fontAlgn="base">
+              <a:spcBef>
+                <a:spcPct val="20000"/>
+              </a:spcBef>
+              <a:spcAft>
+                <a:spcPct val="0"/>
+              </a:spcAft>
+              <a:buChar char="–"/>
+              <a:defRPr sz="6400">
+                <a:solidFill>
+                  <a:schemeClr val="tx1"/>
+                </a:solidFill>
+                <a:latin typeface="+mn-lt"/>
+              </a:defRPr>
+            </a:lvl4pPr>
+            <a:lvl5pPr marL="7867650" indent="-874713" algn="l" defTabSz="3495675" rtl="0" fontAlgn="base">
+              <a:spcBef>
+                <a:spcPct val="20000"/>
+              </a:spcBef>
+              <a:spcAft>
+                <a:spcPct val="0"/>
+              </a:spcAft>
+              <a:buChar char="»"/>
+              <a:defRPr sz="6400">
+                <a:solidFill>
+                  <a:schemeClr val="tx1"/>
+                </a:solidFill>
+                <a:latin typeface="+mn-lt"/>
+              </a:defRPr>
+            </a:lvl5pPr>
+            <a:lvl6pPr marL="8324850" indent="-874713" algn="l" defTabSz="3495675" rtl="0" fontAlgn="base">
+              <a:spcBef>
+                <a:spcPct val="20000"/>
+              </a:spcBef>
+              <a:spcAft>
+                <a:spcPct val="0"/>
+              </a:spcAft>
+              <a:buChar char="»"/>
+              <a:defRPr sz="6400">
+                <a:solidFill>
+                  <a:schemeClr val="tx1"/>
+                </a:solidFill>
+                <a:latin typeface="+mn-lt"/>
+              </a:defRPr>
+            </a:lvl6pPr>
+            <a:lvl7pPr marL="8782050" indent="-874713" algn="l" defTabSz="3495675" rtl="0" fontAlgn="base">
+              <a:spcBef>
+                <a:spcPct val="20000"/>
+              </a:spcBef>
+              <a:spcAft>
+                <a:spcPct val="0"/>
+              </a:spcAft>
+              <a:buChar char="»"/>
+              <a:defRPr sz="6400">
+                <a:solidFill>
+                  <a:schemeClr val="tx1"/>
+                </a:solidFill>
+                <a:latin typeface="+mn-lt"/>
+              </a:defRPr>
+            </a:lvl7pPr>
+            <a:lvl8pPr marL="9239250" indent="-874713" algn="l" defTabSz="3495675" rtl="0" fontAlgn="base">
+              <a:spcBef>
+                <a:spcPct val="20000"/>
+              </a:spcBef>
+              <a:spcAft>
+                <a:spcPct val="0"/>
+              </a:spcAft>
+              <a:buChar char="»"/>
+              <a:defRPr sz="6400">
+                <a:solidFill>
+                  <a:schemeClr val="tx1"/>
+                </a:solidFill>
+                <a:latin typeface="+mn-lt"/>
+              </a:defRPr>
+            </a:lvl8pPr>
+            <a:lvl9pPr marL="9696450" indent="-874713" algn="l" defTabSz="3495675" rtl="0" fontAlgn="base">
+              <a:spcBef>
+                <a:spcPct val="20000"/>
+              </a:spcBef>
+              <a:spcAft>
+                <a:spcPct val="0"/>
+              </a:spcAft>
+              <a:buChar char="»"/>
+              <a:defRPr sz="6400">
+                <a:solidFill>
+                  <a:schemeClr val="tx1"/>
+                </a:solidFill>
+                <a:latin typeface="+mn-lt"/>
+              </a:defRPr>
+            </a:lvl9pPr>
+          </a:lstStyle>
           <a:p>
             <a:r>
-              <a:rPr lang="sv-SE" dirty="0" smtClean="0"/>
+              <a:rPr lang="sv-SE" sz="8800" kern="0" dirty="0" smtClean="0"/>
+              <a:t>Developed rotationally invariant filters with vector field outputs</a:t>
+            </a:r>
+          </a:p>
+          <a:p>
+            <a:r>
+              <a:rPr lang="sv-SE" sz="8800" kern="0" dirty="0" smtClean="0"/>
+              <a:t>Filters are organised in groups consisting of R filters</a:t>
+            </a:r>
+          </a:p>
+          <a:p>
+            <a:r>
+              <a:rPr lang="sv-SE" sz="8800" kern="0" dirty="0" smtClean="0"/>
               <a:t>Only the first is trainable</a:t>
             </a:r>
           </a:p>
           <a:p>
             <a:r>
-              <a:rPr lang="sv-SE" dirty="0" smtClean="0"/>
+              <a:rPr lang="sv-SE" sz="8800" kern="0" dirty="0" smtClean="0"/>
               <a:t>The rest are rotations</a:t>
             </a:r>
-          </a:p>
-          <a:p>
-            <a:r>
-              <a:rPr lang="sv-SE" dirty="0" smtClean="0"/>
-              <a:t>Input is passed to each filter in parallel</a:t>
-            </a:r>
-          </a:p>
-          <a:p>
-            <a:r>
-              <a:rPr lang="sv-SE" dirty="0" smtClean="0"/>
-              <a:t>The output of the group is combined into a vector field</a:t>
-            </a:r>
-          </a:p>
-          <a:p>
-            <a:endParaRPr lang="sv-SE" dirty="0" smtClean="0"/>
-          </a:p>
-          <a:p>
-            <a:endParaRPr lang="sv-SE" dirty="0" smtClean="0"/>
-          </a:p>
-          <a:p>
-            <a:endParaRPr lang="en-GB" dirty="0"/>
           </a:p>
         </p:txBody>
       </p:sp>
     </p:spTree>
     <p:extLst>
       <p:ext uri="{BB962C8B-B14F-4D97-AF65-F5344CB8AC3E}">
-        <p14:creationId xmlns:p14="http://schemas.microsoft.com/office/powerpoint/2010/main" val="1695188074"/>
+        <p14:creationId xmlns:p14="http://schemas.microsoft.com/office/powerpoint/2010/main" val="806055703"/>
       </p:ext>
     </p:extLst>
   </p:cSld>

--- a/presentation.pptx
+++ b/presentation.pptx
@@ -5,10 +5,10 @@
     <p:sldMasterId id="2147483648" r:id="rId1"/>
   </p:sldMasterIdLst>
   <p:notesMasterIdLst>
-    <p:notesMasterId r:id="rId13"/>
+    <p:notesMasterId r:id="rId12"/>
   </p:notesMasterIdLst>
   <p:handoutMasterIdLst>
-    <p:handoutMasterId r:id="rId14"/>
+    <p:handoutMasterId r:id="rId13"/>
   </p:handoutMasterIdLst>
   <p:sldIdLst>
     <p:sldId id="256" r:id="rId2"/>
@@ -21,7 +21,6 @@
     <p:sldId id="267" r:id="rId9"/>
     <p:sldId id="268" r:id="rId10"/>
     <p:sldId id="269" r:id="rId11"/>
-    <p:sldId id="266" r:id="rId12"/>
   </p:sldIdLst>
   <p:sldSz cx="35999738" cy="25201563"/>
   <p:notesSz cx="46342300" cy="46342300"/>
@@ -4831,15 +4830,7 @@
           <a:p>
             <a:r>
               <a:rPr lang="sv-SE" sz="8000" b="1" dirty="0" smtClean="0"/>
-              <a:t>Hugo Harlin and </a:t>
-            </a:r>
-            <a:r>
-              <a:rPr lang="sv-SE" sz="8000" b="1" dirty="0" smtClean="0"/>
-              <a:t>Jo </a:t>
-            </a:r>
-            <a:r>
-              <a:rPr lang="sv-SE" sz="8000" b="1" dirty="0" smtClean="0"/>
-              <a:t>Gay</a:t>
+              <a:t>Hugo Harlin and Jo Gay</a:t>
             </a:r>
           </a:p>
           <a:p>
@@ -5127,1219 +5118,6 @@
     <p:extLst>
       <p:ext uri="{BB962C8B-B14F-4D97-AF65-F5344CB8AC3E}">
         <p14:creationId xmlns:p14="http://schemas.microsoft.com/office/powerpoint/2010/main" val="2686761189"/>
-      </p:ext>
-    </p:extLst>
-  </p:cSld>
-  <p:clrMapOvr>
-    <a:masterClrMapping/>
-  </p:clrMapOvr>
-  <p:timing>
-    <p:tnLst>
-      <p:par>
-        <p:cTn id="1" dur="indefinite" restart="never" nodeType="tmRoot"/>
-      </p:par>
-    </p:tnLst>
-  </p:timing>
-</p:sld>
-</file>
-
-<file path=ppt/slides/slide11.xml><?xml version="1.0" encoding="utf-8"?>
-<p:sld xmlns:a="http://schemas.openxmlformats.org/drawingml/2006/main" xmlns:r="http://schemas.openxmlformats.org/officeDocument/2006/relationships" xmlns:p="http://schemas.openxmlformats.org/presentationml/2006/main">
-  <p:cSld>
-    <p:spTree>
-      <p:nvGrpSpPr>
-        <p:cNvPr id="1" name=""/>
-        <p:cNvGrpSpPr/>
-        <p:nvPr/>
-      </p:nvGrpSpPr>
-      <p:grpSpPr>
-        <a:xfrm>
-          <a:off x="0" y="0"/>
-          <a:ext cx="0" cy="0"/>
-          <a:chOff x="0" y="0"/>
-          <a:chExt cx="0" cy="0"/>
-        </a:xfrm>
-      </p:grpSpPr>
-      <p:sp>
-        <p:nvSpPr>
-          <p:cNvPr id="2" name="Title 1"/>
-          <p:cNvSpPr>
-            <a:spLocks noGrp="1"/>
-          </p:cNvSpPr>
-          <p:nvPr>
-            <p:ph type="title"/>
-          </p:nvPr>
-        </p:nvSpPr>
-        <p:spPr/>
-        <p:txBody>
-          <a:bodyPr/>
-          <a:lstStyle/>
-          <a:p>
-            <a:r>
-              <a:rPr lang="sv-SE" dirty="0" smtClean="0"/>
-              <a:t>Convolutional Module</a:t>
-            </a:r>
-            <a:endParaRPr lang="en-GB" dirty="0"/>
-          </a:p>
-        </p:txBody>
-      </p:sp>
-      <p:sp>
-        <p:nvSpPr>
-          <p:cNvPr id="3" name="Content Placeholder 2"/>
-          <p:cNvSpPr>
-            <a:spLocks noGrp="1"/>
-          </p:cNvSpPr>
-          <p:nvPr>
-            <p:ph idx="1"/>
-          </p:nvPr>
-        </p:nvSpPr>
-        <p:spPr/>
-        <p:txBody>
-          <a:bodyPr/>
-          <a:lstStyle/>
-          <a:p>
-            <a:endParaRPr lang="en-GB" dirty="0"/>
-          </a:p>
-        </p:txBody>
-      </p:sp>
-      <p:graphicFrame>
-        <p:nvGraphicFramePr>
-          <p:cNvPr id="4" name="Table 3"/>
-          <p:cNvGraphicFramePr>
-            <a:graphicFrameLocks noGrp="1"/>
-          </p:cNvGraphicFramePr>
-          <p:nvPr>
-            <p:extLst>
-              <p:ext uri="{D42A27DB-BD31-4B8C-83A1-F6EECF244321}">
-                <p14:modId xmlns:p14="http://schemas.microsoft.com/office/powerpoint/2010/main" val="2820335644"/>
-              </p:ext>
-            </p:extLst>
-          </p:nvPr>
-        </p:nvGraphicFramePr>
-        <p:xfrm>
-          <a:off x="9898967" y="8544491"/>
-          <a:ext cx="5472609" cy="4176465"/>
-        </p:xfrm>
-        <a:graphic>
-          <a:graphicData uri="http://schemas.openxmlformats.org/drawingml/2006/table">
-            <a:tbl>
-              <a:tblPr firstRow="1" bandRow="1">
-                <a:tableStyleId>{5940675A-B579-460E-94D1-54222C63F5DA}</a:tableStyleId>
-              </a:tblPr>
-              <a:tblGrid>
-                <a:gridCol w="1824203"/>
-                <a:gridCol w="1824203"/>
-                <a:gridCol w="1824203"/>
-              </a:tblGrid>
-              <a:tr h="1379383">
-                <a:tc>
-                  <a:txBody>
-                    <a:bodyPr/>
-                    <a:lstStyle/>
-                    <a:p>
-                      <a:pPr algn="ctr"/>
-                      <a:r>
-                        <a:rPr lang="sv-SE" sz="7000" b="1" dirty="0" smtClean="0"/>
-                        <a:t>1</a:t>
-                      </a:r>
-                      <a:endParaRPr lang="en-GB" sz="7000" b="1" dirty="0"/>
-                    </a:p>
-                  </a:txBody>
-                  <a:tcPr/>
-                </a:tc>
-                <a:tc>
-                  <a:txBody>
-                    <a:bodyPr/>
-                    <a:lstStyle/>
-                    <a:p>
-                      <a:pPr algn="ctr"/>
-                      <a:r>
-                        <a:rPr lang="sv-SE" sz="7000" b="1" dirty="0" smtClean="0"/>
-                        <a:t>0</a:t>
-                      </a:r>
-                      <a:endParaRPr lang="en-GB" sz="7000" b="1" dirty="0"/>
-                    </a:p>
-                  </a:txBody>
-                  <a:tcPr/>
-                </a:tc>
-                <a:tc>
-                  <a:txBody>
-                    <a:bodyPr/>
-                    <a:lstStyle/>
-                    <a:p>
-                      <a:pPr algn="ctr"/>
-                      <a:r>
-                        <a:rPr lang="sv-SE" sz="7000" b="1" dirty="0" smtClean="0"/>
-                        <a:t>0</a:t>
-                      </a:r>
-                      <a:endParaRPr lang="en-GB" sz="7000" b="1" dirty="0"/>
-                    </a:p>
-                  </a:txBody>
-                  <a:tcPr/>
-                </a:tc>
-              </a:tr>
-              <a:tr h="1398541">
-                <a:tc>
-                  <a:txBody>
-                    <a:bodyPr/>
-                    <a:lstStyle/>
-                    <a:p>
-                      <a:pPr algn="ctr"/>
-                      <a:r>
-                        <a:rPr lang="sv-SE" sz="7000" b="1" dirty="0" smtClean="0"/>
-                        <a:t>0</a:t>
-                      </a:r>
-                      <a:endParaRPr lang="en-GB" sz="7000" b="1" dirty="0"/>
-                    </a:p>
-                  </a:txBody>
-                  <a:tcPr/>
-                </a:tc>
-                <a:tc>
-                  <a:txBody>
-                    <a:bodyPr/>
-                    <a:lstStyle/>
-                    <a:p>
-                      <a:pPr algn="ctr"/>
-                      <a:r>
-                        <a:rPr lang="sv-SE" sz="7000" b="1" dirty="0" smtClean="0"/>
-                        <a:t>-1</a:t>
-                      </a:r>
-                      <a:endParaRPr lang="en-GB" sz="7000" b="1" dirty="0"/>
-                    </a:p>
-                  </a:txBody>
-                  <a:tcPr/>
-                </a:tc>
-                <a:tc>
-                  <a:txBody>
-                    <a:bodyPr/>
-                    <a:lstStyle/>
-                    <a:p>
-                      <a:pPr algn="ctr"/>
-                      <a:r>
-                        <a:rPr lang="sv-SE" sz="7000" b="1" dirty="0" smtClean="0"/>
-                        <a:t>0</a:t>
-                      </a:r>
-                      <a:endParaRPr lang="en-GB" sz="7000" b="1" dirty="0"/>
-                    </a:p>
-                  </a:txBody>
-                  <a:tcPr/>
-                </a:tc>
-              </a:tr>
-              <a:tr h="1398541">
-                <a:tc>
-                  <a:txBody>
-                    <a:bodyPr/>
-                    <a:lstStyle/>
-                    <a:p>
-                      <a:pPr algn="ctr"/>
-                      <a:r>
-                        <a:rPr lang="sv-SE" sz="7000" b="1" dirty="0" smtClean="0"/>
-                        <a:t>0</a:t>
-                      </a:r>
-                      <a:endParaRPr lang="en-GB" sz="7000" b="1" dirty="0"/>
-                    </a:p>
-                  </a:txBody>
-                  <a:tcPr/>
-                </a:tc>
-                <a:tc>
-                  <a:txBody>
-                    <a:bodyPr/>
-                    <a:lstStyle/>
-                    <a:p>
-                      <a:pPr algn="ctr"/>
-                      <a:r>
-                        <a:rPr lang="sv-SE" sz="7000" b="1" dirty="0" smtClean="0"/>
-                        <a:t>0</a:t>
-                      </a:r>
-                      <a:endParaRPr lang="en-GB" sz="7000" b="1" dirty="0"/>
-                    </a:p>
-                  </a:txBody>
-                  <a:tcPr/>
-                </a:tc>
-                <a:tc>
-                  <a:txBody>
-                    <a:bodyPr/>
-                    <a:lstStyle/>
-                    <a:p>
-                      <a:pPr algn="ctr"/>
-                      <a:r>
-                        <a:rPr lang="sv-SE" sz="7000" b="1" dirty="0" smtClean="0"/>
-                        <a:t>0</a:t>
-                      </a:r>
-                      <a:endParaRPr lang="en-GB" sz="7000" b="1" dirty="0"/>
-                    </a:p>
-                  </a:txBody>
-                  <a:tcPr/>
-                </a:tc>
-              </a:tr>
-            </a:tbl>
-          </a:graphicData>
-        </a:graphic>
-      </p:graphicFrame>
-      <p:graphicFrame>
-        <p:nvGraphicFramePr>
-          <p:cNvPr id="5" name="Table 4"/>
-          <p:cNvGraphicFramePr>
-            <a:graphicFrameLocks noGrp="1"/>
-          </p:cNvGraphicFramePr>
-          <p:nvPr>
-            <p:extLst>
-              <p:ext uri="{D42A27DB-BD31-4B8C-83A1-F6EECF244321}">
-                <p14:modId xmlns:p14="http://schemas.microsoft.com/office/powerpoint/2010/main" val="1662296560"/>
-              </p:ext>
-            </p:extLst>
-          </p:nvPr>
-        </p:nvGraphicFramePr>
-        <p:xfrm>
-          <a:off x="16091655" y="8544491"/>
-          <a:ext cx="5472609" cy="4176465"/>
-        </p:xfrm>
-        <a:graphic>
-          <a:graphicData uri="http://schemas.openxmlformats.org/drawingml/2006/table">
-            <a:tbl>
-              <a:tblPr firstRow="1" bandRow="1">
-                <a:tableStyleId>{5940675A-B579-460E-94D1-54222C63F5DA}</a:tableStyleId>
-              </a:tblPr>
-              <a:tblGrid>
-                <a:gridCol w="1824203"/>
-                <a:gridCol w="1824203"/>
-                <a:gridCol w="1824203"/>
-              </a:tblGrid>
-              <a:tr h="1379383">
-                <a:tc>
-                  <a:txBody>
-                    <a:bodyPr/>
-                    <a:lstStyle/>
-                    <a:p>
-                      <a:pPr algn="ctr"/>
-                      <a:r>
-                        <a:rPr lang="sv-SE" sz="7000" b="1" dirty="0" smtClean="0"/>
-                        <a:t>0</a:t>
-                      </a:r>
-                      <a:endParaRPr lang="en-GB" sz="7000" b="1" dirty="0"/>
-                    </a:p>
-                  </a:txBody>
-                  <a:tcPr/>
-                </a:tc>
-                <a:tc>
-                  <a:txBody>
-                    <a:bodyPr/>
-                    <a:lstStyle/>
-                    <a:p>
-                      <a:pPr algn="ctr"/>
-                      <a:r>
-                        <a:rPr lang="sv-SE" sz="7000" b="1" dirty="0" smtClean="0"/>
-                        <a:t>1</a:t>
-                      </a:r>
-                      <a:endParaRPr lang="en-GB" sz="7000" b="1" dirty="0"/>
-                    </a:p>
-                  </a:txBody>
-                  <a:tcPr/>
-                </a:tc>
-                <a:tc>
-                  <a:txBody>
-                    <a:bodyPr/>
-                    <a:lstStyle/>
-                    <a:p>
-                      <a:pPr algn="ctr"/>
-                      <a:r>
-                        <a:rPr lang="sv-SE" sz="7000" b="1" dirty="0" smtClean="0"/>
-                        <a:t>0</a:t>
-                      </a:r>
-                      <a:endParaRPr lang="en-GB" sz="7000" b="1" dirty="0"/>
-                    </a:p>
-                  </a:txBody>
-                  <a:tcPr/>
-                </a:tc>
-              </a:tr>
-              <a:tr h="1398541">
-                <a:tc>
-                  <a:txBody>
-                    <a:bodyPr/>
-                    <a:lstStyle/>
-                    <a:p>
-                      <a:pPr algn="ctr"/>
-                      <a:r>
-                        <a:rPr lang="sv-SE" sz="7000" b="1" dirty="0" smtClean="0"/>
-                        <a:t>0</a:t>
-                      </a:r>
-                      <a:endParaRPr lang="en-GB" sz="7000" b="1" dirty="0"/>
-                    </a:p>
-                  </a:txBody>
-                  <a:tcPr/>
-                </a:tc>
-                <a:tc>
-                  <a:txBody>
-                    <a:bodyPr/>
-                    <a:lstStyle/>
-                    <a:p>
-                      <a:pPr algn="ctr"/>
-                      <a:r>
-                        <a:rPr lang="sv-SE" sz="7000" b="1" dirty="0" smtClean="0"/>
-                        <a:t>-1</a:t>
-                      </a:r>
-                      <a:endParaRPr lang="en-GB" sz="7000" b="1" dirty="0"/>
-                    </a:p>
-                  </a:txBody>
-                  <a:tcPr/>
-                </a:tc>
-                <a:tc>
-                  <a:txBody>
-                    <a:bodyPr/>
-                    <a:lstStyle/>
-                    <a:p>
-                      <a:pPr algn="ctr"/>
-                      <a:r>
-                        <a:rPr lang="sv-SE" sz="7000" b="1" dirty="0" smtClean="0"/>
-                        <a:t>0</a:t>
-                      </a:r>
-                      <a:endParaRPr lang="en-GB" sz="7000" b="1" dirty="0"/>
-                    </a:p>
-                  </a:txBody>
-                  <a:tcPr/>
-                </a:tc>
-              </a:tr>
-              <a:tr h="1398541">
-                <a:tc>
-                  <a:txBody>
-                    <a:bodyPr/>
-                    <a:lstStyle/>
-                    <a:p>
-                      <a:pPr algn="ctr"/>
-                      <a:r>
-                        <a:rPr lang="sv-SE" sz="7000" b="1" dirty="0" smtClean="0"/>
-                        <a:t>0</a:t>
-                      </a:r>
-                      <a:endParaRPr lang="en-GB" sz="7000" b="1" dirty="0"/>
-                    </a:p>
-                  </a:txBody>
-                  <a:tcPr/>
-                </a:tc>
-                <a:tc>
-                  <a:txBody>
-                    <a:bodyPr/>
-                    <a:lstStyle/>
-                    <a:p>
-                      <a:pPr algn="ctr"/>
-                      <a:r>
-                        <a:rPr lang="sv-SE" sz="7000" b="1" dirty="0" smtClean="0"/>
-                        <a:t>0</a:t>
-                      </a:r>
-                      <a:endParaRPr lang="en-GB" sz="7000" b="1" dirty="0"/>
-                    </a:p>
-                  </a:txBody>
-                  <a:tcPr/>
-                </a:tc>
-                <a:tc>
-                  <a:txBody>
-                    <a:bodyPr/>
-                    <a:lstStyle/>
-                    <a:p>
-                      <a:pPr algn="ctr"/>
-                      <a:r>
-                        <a:rPr lang="sv-SE" sz="7000" b="1" dirty="0" smtClean="0"/>
-                        <a:t>0</a:t>
-                      </a:r>
-                      <a:endParaRPr lang="en-GB" sz="7000" b="1" dirty="0"/>
-                    </a:p>
-                  </a:txBody>
-                  <a:tcPr/>
-                </a:tc>
-              </a:tr>
-            </a:tbl>
-          </a:graphicData>
-        </a:graphic>
-      </p:graphicFrame>
-      <p:sp>
-        <p:nvSpPr>
-          <p:cNvPr id="6" name="TextBox 5"/>
-          <p:cNvSpPr txBox="1"/>
-          <p:nvPr/>
-        </p:nvSpPr>
-        <p:spPr>
-          <a:xfrm>
-            <a:off x="22356351" y="9457075"/>
-            <a:ext cx="2124236" cy="1631216"/>
-          </a:xfrm>
-          <a:prstGeom prst="rect">
-            <a:avLst/>
-          </a:prstGeom>
-          <a:noFill/>
-        </p:spPr>
-        <p:txBody>
-          <a:bodyPr wrap="square" rtlCol="0">
-            <a:spAutoFit/>
-          </a:bodyPr>
-          <a:lstStyle/>
-          <a:p>
-            <a:r>
-              <a:rPr lang="sv-SE" sz="10000" b="1" dirty="0" smtClean="0"/>
-              <a:t>. . .</a:t>
-            </a:r>
-            <a:endParaRPr lang="en-GB" sz="10000" b="1" dirty="0"/>
-          </a:p>
-        </p:txBody>
-      </p:sp>
-      <p:graphicFrame>
-        <p:nvGraphicFramePr>
-          <p:cNvPr id="7" name="Table 6"/>
-          <p:cNvGraphicFramePr>
-            <a:graphicFrameLocks noGrp="1"/>
-          </p:cNvGraphicFramePr>
-          <p:nvPr>
-            <p:extLst>
-              <p:ext uri="{D42A27DB-BD31-4B8C-83A1-F6EECF244321}">
-                <p14:modId xmlns:p14="http://schemas.microsoft.com/office/powerpoint/2010/main" val="705198025"/>
-              </p:ext>
-            </p:extLst>
-          </p:nvPr>
-        </p:nvGraphicFramePr>
-        <p:xfrm>
-          <a:off x="25380687" y="8616499"/>
-          <a:ext cx="5472609" cy="4176465"/>
-        </p:xfrm>
-        <a:graphic>
-          <a:graphicData uri="http://schemas.openxmlformats.org/drawingml/2006/table">
-            <a:tbl>
-              <a:tblPr firstRow="1" bandRow="1">
-                <a:tableStyleId>{5940675A-B579-460E-94D1-54222C63F5DA}</a:tableStyleId>
-              </a:tblPr>
-              <a:tblGrid>
-                <a:gridCol w="1824203"/>
-                <a:gridCol w="1824203"/>
-                <a:gridCol w="1824203"/>
-              </a:tblGrid>
-              <a:tr h="1379383">
-                <a:tc>
-                  <a:txBody>
-                    <a:bodyPr/>
-                    <a:lstStyle/>
-                    <a:p>
-                      <a:pPr algn="ctr"/>
-                      <a:r>
-                        <a:rPr lang="sv-SE" sz="7000" b="1" dirty="0" smtClean="0"/>
-                        <a:t>0</a:t>
-                      </a:r>
-                      <a:endParaRPr lang="en-GB" sz="7000" b="1" dirty="0"/>
-                    </a:p>
-                  </a:txBody>
-                  <a:tcPr/>
-                </a:tc>
-                <a:tc>
-                  <a:txBody>
-                    <a:bodyPr/>
-                    <a:lstStyle/>
-                    <a:p>
-                      <a:pPr algn="ctr"/>
-                      <a:r>
-                        <a:rPr lang="sv-SE" sz="7000" b="1" dirty="0" smtClean="0"/>
-                        <a:t>0</a:t>
-                      </a:r>
-                      <a:endParaRPr lang="en-GB" sz="7000" b="1" dirty="0"/>
-                    </a:p>
-                  </a:txBody>
-                  <a:tcPr/>
-                </a:tc>
-                <a:tc>
-                  <a:txBody>
-                    <a:bodyPr/>
-                    <a:lstStyle/>
-                    <a:p>
-                      <a:pPr algn="ctr"/>
-                      <a:r>
-                        <a:rPr lang="sv-SE" sz="7000" b="1" dirty="0" smtClean="0"/>
-                        <a:t>0</a:t>
-                      </a:r>
-                      <a:endParaRPr lang="en-GB" sz="7000" b="1" dirty="0"/>
-                    </a:p>
-                  </a:txBody>
-                  <a:tcPr/>
-                </a:tc>
-              </a:tr>
-              <a:tr h="1398541">
-                <a:tc>
-                  <a:txBody>
-                    <a:bodyPr/>
-                    <a:lstStyle/>
-                    <a:p>
-                      <a:pPr algn="ctr"/>
-                      <a:r>
-                        <a:rPr lang="sv-SE" sz="7000" b="1" dirty="0" smtClean="0"/>
-                        <a:t>1</a:t>
-                      </a:r>
-                      <a:endParaRPr lang="en-GB" sz="7000" b="1" dirty="0"/>
-                    </a:p>
-                  </a:txBody>
-                  <a:tcPr/>
-                </a:tc>
-                <a:tc>
-                  <a:txBody>
-                    <a:bodyPr/>
-                    <a:lstStyle/>
-                    <a:p>
-                      <a:pPr algn="ctr"/>
-                      <a:r>
-                        <a:rPr lang="sv-SE" sz="7000" b="1" dirty="0" smtClean="0"/>
-                        <a:t>-1</a:t>
-                      </a:r>
-                      <a:endParaRPr lang="en-GB" sz="7000" b="1" dirty="0"/>
-                    </a:p>
-                  </a:txBody>
-                  <a:tcPr/>
-                </a:tc>
-                <a:tc>
-                  <a:txBody>
-                    <a:bodyPr/>
-                    <a:lstStyle/>
-                    <a:p>
-                      <a:pPr algn="ctr"/>
-                      <a:r>
-                        <a:rPr lang="sv-SE" sz="7000" b="1" dirty="0" smtClean="0"/>
-                        <a:t>0</a:t>
-                      </a:r>
-                      <a:endParaRPr lang="en-GB" sz="7000" b="1" dirty="0"/>
-                    </a:p>
-                  </a:txBody>
-                  <a:tcPr/>
-                </a:tc>
-              </a:tr>
-              <a:tr h="1398541">
-                <a:tc>
-                  <a:txBody>
-                    <a:bodyPr/>
-                    <a:lstStyle/>
-                    <a:p>
-                      <a:pPr algn="ctr"/>
-                      <a:r>
-                        <a:rPr lang="sv-SE" sz="7000" b="1" dirty="0" smtClean="0"/>
-                        <a:t>0</a:t>
-                      </a:r>
-                      <a:endParaRPr lang="en-GB" sz="7000" b="1" dirty="0"/>
-                    </a:p>
-                  </a:txBody>
-                  <a:tcPr/>
-                </a:tc>
-                <a:tc>
-                  <a:txBody>
-                    <a:bodyPr/>
-                    <a:lstStyle/>
-                    <a:p>
-                      <a:pPr algn="ctr"/>
-                      <a:r>
-                        <a:rPr lang="sv-SE" sz="7000" b="1" dirty="0" smtClean="0"/>
-                        <a:t>0</a:t>
-                      </a:r>
-                      <a:endParaRPr lang="en-GB" sz="7000" b="1" dirty="0"/>
-                    </a:p>
-                  </a:txBody>
-                  <a:tcPr/>
-                </a:tc>
-                <a:tc>
-                  <a:txBody>
-                    <a:bodyPr/>
-                    <a:lstStyle/>
-                    <a:p>
-                      <a:pPr algn="ctr"/>
-                      <a:r>
-                        <a:rPr lang="sv-SE" sz="7000" b="1" dirty="0" smtClean="0"/>
-                        <a:t>0</a:t>
-                      </a:r>
-                      <a:endParaRPr lang="en-GB" sz="7000" b="1" dirty="0"/>
-                    </a:p>
-                  </a:txBody>
-                  <a:tcPr/>
-                </a:tc>
-              </a:tr>
-            </a:tbl>
-          </a:graphicData>
-        </a:graphic>
-      </p:graphicFrame>
-      <p:sp>
-        <p:nvSpPr>
-          <p:cNvPr id="8" name="Down Arrow 7"/>
-          <p:cNvSpPr/>
-          <p:nvPr/>
-        </p:nvSpPr>
-        <p:spPr bwMode="auto">
-          <a:xfrm>
-            <a:off x="11843183" y="13369027"/>
-            <a:ext cx="1368152" cy="1944216"/>
-          </a:xfrm>
-          <a:prstGeom prst="downArrow">
-            <a:avLst/>
-          </a:prstGeom>
-          <a:solidFill>
-            <a:schemeClr val="tx1"/>
-          </a:solidFill>
-          <a:ln>
-            <a:noFill/>
-          </a:ln>
-          <a:effectLst/>
-          <a:extLst/>
-        </p:spPr>
-        <p:txBody>
-          <a:bodyPr vert="horz" wrap="square" lIns="457200" tIns="228600" rIns="457200" bIns="228600" numCol="1" rtlCol="0" anchor="t" anchorCtr="0" compatLnSpc="1">
-            <a:prstTxWarp prst="textNoShape">
-              <a:avLst/>
-            </a:prstTxWarp>
-          </a:bodyPr>
-          <a:lstStyle/>
-          <a:p>
-            <a:pPr marL="0" marR="0" indent="0" algn="l" defTabSz="914400" rtl="0" eaLnBrk="1" fontAlgn="base" latinLnBrk="0" hangingPunct="1">
-              <a:lnSpc>
-                <a:spcPct val="100000"/>
-              </a:lnSpc>
-              <a:spcBef>
-                <a:spcPct val="20000"/>
-              </a:spcBef>
-              <a:spcAft>
-                <a:spcPct val="0"/>
-              </a:spcAft>
-              <a:buClrTx/>
-              <a:buSzTx/>
-              <a:buFontTx/>
-              <a:buNone/>
-              <a:tabLst/>
-            </a:pPr>
-            <a:endParaRPr kumimoji="0" lang="en-GB" sz="4600" b="0" i="0" u="none" strike="noStrike" cap="none" normalizeH="0" baseline="0" dirty="0" smtClean="0">
-              <a:ln>
-                <a:noFill/>
-              </a:ln>
-              <a:solidFill>
-                <a:srgbClr val="000000"/>
-              </a:solidFill>
-              <a:effectLst/>
-              <a:latin typeface="Arial" charset="0"/>
-            </a:endParaRPr>
-          </a:p>
-        </p:txBody>
-      </p:sp>
-      <p:sp>
-        <p:nvSpPr>
-          <p:cNvPr id="9" name="Down Arrow 8"/>
-          <p:cNvSpPr/>
-          <p:nvPr/>
-        </p:nvSpPr>
-        <p:spPr bwMode="auto">
-          <a:xfrm>
-            <a:off x="18035871" y="13369027"/>
-            <a:ext cx="1368152" cy="1944216"/>
-          </a:xfrm>
-          <a:prstGeom prst="downArrow">
-            <a:avLst/>
-          </a:prstGeom>
-          <a:solidFill>
-            <a:schemeClr val="tx1"/>
-          </a:solidFill>
-          <a:ln>
-            <a:noFill/>
-          </a:ln>
-          <a:effectLst/>
-          <a:extLst/>
-        </p:spPr>
-        <p:txBody>
-          <a:bodyPr vert="horz" wrap="square" lIns="457200" tIns="228600" rIns="457200" bIns="228600" numCol="1" rtlCol="0" anchor="t" anchorCtr="0" compatLnSpc="1">
-            <a:prstTxWarp prst="textNoShape">
-              <a:avLst/>
-            </a:prstTxWarp>
-          </a:bodyPr>
-          <a:lstStyle/>
-          <a:p>
-            <a:pPr marL="0" marR="0" indent="0" algn="l" defTabSz="914400" rtl="0" eaLnBrk="1" fontAlgn="base" latinLnBrk="0" hangingPunct="1">
-              <a:lnSpc>
-                <a:spcPct val="100000"/>
-              </a:lnSpc>
-              <a:spcBef>
-                <a:spcPct val="20000"/>
-              </a:spcBef>
-              <a:spcAft>
-                <a:spcPct val="0"/>
-              </a:spcAft>
-              <a:buClrTx/>
-              <a:buSzTx/>
-              <a:buFontTx/>
-              <a:buNone/>
-              <a:tabLst/>
-            </a:pPr>
-            <a:endParaRPr kumimoji="0" lang="en-GB" sz="4600" b="0" i="0" u="none" strike="noStrike" cap="none" normalizeH="0" baseline="0" dirty="0" smtClean="0">
-              <a:ln>
-                <a:noFill/>
-              </a:ln>
-              <a:solidFill>
-                <a:srgbClr val="000000"/>
-              </a:solidFill>
-              <a:effectLst/>
-              <a:latin typeface="Arial" charset="0"/>
-            </a:endParaRPr>
-          </a:p>
-        </p:txBody>
-      </p:sp>
-      <p:sp>
-        <p:nvSpPr>
-          <p:cNvPr id="10" name="Down Arrow 9"/>
-          <p:cNvSpPr/>
-          <p:nvPr/>
-        </p:nvSpPr>
-        <p:spPr bwMode="auto">
-          <a:xfrm>
-            <a:off x="27468919" y="13369027"/>
-            <a:ext cx="1368152" cy="1944216"/>
-          </a:xfrm>
-          <a:prstGeom prst="downArrow">
-            <a:avLst/>
-          </a:prstGeom>
-          <a:solidFill>
-            <a:schemeClr val="tx1"/>
-          </a:solidFill>
-          <a:ln>
-            <a:noFill/>
-          </a:ln>
-          <a:effectLst/>
-          <a:extLst/>
-        </p:spPr>
-        <p:txBody>
-          <a:bodyPr vert="horz" wrap="square" lIns="457200" tIns="228600" rIns="457200" bIns="228600" numCol="1" rtlCol="0" anchor="t" anchorCtr="0" compatLnSpc="1">
-            <a:prstTxWarp prst="textNoShape">
-              <a:avLst/>
-            </a:prstTxWarp>
-          </a:bodyPr>
-          <a:lstStyle/>
-          <a:p>
-            <a:pPr marL="0" marR="0" indent="0" algn="l" defTabSz="914400" rtl="0" eaLnBrk="1" fontAlgn="base" latinLnBrk="0" hangingPunct="1">
-              <a:lnSpc>
-                <a:spcPct val="100000"/>
-              </a:lnSpc>
-              <a:spcBef>
-                <a:spcPct val="20000"/>
-              </a:spcBef>
-              <a:spcAft>
-                <a:spcPct val="0"/>
-              </a:spcAft>
-              <a:buClrTx/>
-              <a:buSzTx/>
-              <a:buFontTx/>
-              <a:buNone/>
-              <a:tabLst/>
-            </a:pPr>
-            <a:endParaRPr kumimoji="0" lang="en-GB" sz="4600" b="0" i="0" u="none" strike="noStrike" cap="none" normalizeH="0" baseline="0" dirty="0" smtClean="0">
-              <a:ln>
-                <a:noFill/>
-              </a:ln>
-              <a:solidFill>
-                <a:srgbClr val="000000"/>
-              </a:solidFill>
-              <a:effectLst/>
-              <a:latin typeface="Arial" charset="0"/>
-            </a:endParaRPr>
-          </a:p>
-        </p:txBody>
-      </p:sp>
-      <mc:AlternateContent xmlns:mc="http://schemas.openxmlformats.org/markup-compatibility/2006" xmlns:a14="http://schemas.microsoft.com/office/drawing/2010/main">
-        <mc:Choice Requires="a14">
-          <p:sp>
-            <p:nvSpPr>
-              <p:cNvPr id="11" name="TextBox 10"/>
-              <p:cNvSpPr txBox="1"/>
-              <p:nvPr/>
-            </p:nvSpPr>
-            <p:spPr>
-              <a:xfrm>
-                <a:off x="11358731" y="16297058"/>
-                <a:ext cx="2337055" cy="1785104"/>
-              </a:xfrm>
-              <a:prstGeom prst="rect">
-                <a:avLst/>
-              </a:prstGeom>
-              <a:noFill/>
-            </p:spPr>
-            <p:txBody>
-              <a:bodyPr wrap="square" rtlCol="0">
-                <a:spAutoFit/>
-              </a:bodyPr>
-              <a:lstStyle/>
-              <a:p>
-                <a:pPr/>
-                <a14:m>
-                  <m:oMathPara xmlns:m="http://schemas.openxmlformats.org/officeDocument/2006/math">
-                    <m:oMathParaPr>
-                      <m:jc m:val="centerGroup"/>
-                    </m:oMathParaPr>
-                    <m:oMath xmlns:m="http://schemas.openxmlformats.org/officeDocument/2006/math">
-                      <m:sSup>
-                        <m:sSupPr>
-                          <m:ctrlPr>
-                            <a:rPr lang="sv-SE" sz="11000" i="1" smtClean="0">
-                              <a:latin typeface="Cambria Math"/>
-                            </a:rPr>
-                          </m:ctrlPr>
-                        </m:sSupPr>
-                        <m:e>
-                          <m:r>
-                            <a:rPr lang="sv-SE" sz="11000" b="0" i="1" smtClean="0">
-                              <a:latin typeface="Cambria Math"/>
-                            </a:rPr>
-                            <m:t>2</m:t>
-                          </m:r>
-                        </m:e>
-                        <m:sup>
-                          <m:r>
-                            <a:rPr lang="sv-SE" sz="11000" b="0" i="1" smtClean="0">
-                              <a:latin typeface="Cambria Math"/>
-                            </a:rPr>
-                            <m:t>0</m:t>
-                          </m:r>
-                        </m:sup>
-                      </m:sSup>
-                    </m:oMath>
-                  </m:oMathPara>
-                </a14:m>
-                <a:endParaRPr lang="en-GB" sz="11000" dirty="0"/>
-              </a:p>
-            </p:txBody>
-          </p:sp>
-        </mc:Choice>
-        <mc:Fallback xmlns="">
-          <p:sp>
-            <p:nvSpPr>
-              <p:cNvPr id="11" name="TextBox 10"/>
-              <p:cNvSpPr txBox="1">
-                <a:spLocks noRot="1" noChangeAspect="1" noMove="1" noResize="1" noEditPoints="1" noAdjustHandles="1" noChangeArrowheads="1" noChangeShapeType="1" noTextEdit="1"/>
-              </p:cNvSpPr>
-              <p:nvPr/>
-            </p:nvSpPr>
-            <p:spPr>
-              <a:xfrm>
-                <a:off x="11358731" y="16297058"/>
-                <a:ext cx="2337055" cy="1785104"/>
-              </a:xfrm>
-              <a:prstGeom prst="rect">
-                <a:avLst/>
-              </a:prstGeom>
-              <a:blipFill rotWithShape="1">
-                <a:blip r:embed="rId2"/>
-                <a:stretch>
-                  <a:fillRect/>
-                </a:stretch>
-              </a:blipFill>
-            </p:spPr>
-            <p:txBody>
-              <a:bodyPr/>
-              <a:lstStyle/>
-              <a:p>
-                <a:r>
-                  <a:rPr lang="en-GB">
-                    <a:noFill/>
-                  </a:rPr>
-                  <a:t> </a:t>
-                </a:r>
-              </a:p>
-            </p:txBody>
-          </p:sp>
-        </mc:Fallback>
-      </mc:AlternateContent>
-      <mc:AlternateContent xmlns:mc="http://schemas.openxmlformats.org/markup-compatibility/2006" xmlns:a14="http://schemas.microsoft.com/office/drawing/2010/main">
-        <mc:Choice Requires="a14">
-          <p:sp>
-            <p:nvSpPr>
-              <p:cNvPr id="12" name="TextBox 11"/>
-              <p:cNvSpPr txBox="1"/>
-              <p:nvPr/>
-            </p:nvSpPr>
-            <p:spPr>
-              <a:xfrm>
-                <a:off x="17801844" y="16297059"/>
-                <a:ext cx="1836205" cy="1785104"/>
-              </a:xfrm>
-              <a:prstGeom prst="rect">
-                <a:avLst/>
-              </a:prstGeom>
-              <a:noFill/>
-            </p:spPr>
-            <p:txBody>
-              <a:bodyPr wrap="square" rtlCol="0">
-                <a:spAutoFit/>
-              </a:bodyPr>
-              <a:lstStyle/>
-              <a:p>
-                <a:pPr/>
-                <a14:m>
-                  <m:oMathPara xmlns:m="http://schemas.openxmlformats.org/officeDocument/2006/math">
-                    <m:oMathParaPr>
-                      <m:jc m:val="centerGroup"/>
-                    </m:oMathParaPr>
-                    <m:oMath xmlns:m="http://schemas.openxmlformats.org/officeDocument/2006/math">
-                      <m:sSup>
-                        <m:sSupPr>
-                          <m:ctrlPr>
-                            <a:rPr lang="sv-SE" sz="11000" i="1">
-                              <a:latin typeface="Cambria Math"/>
-                            </a:rPr>
-                          </m:ctrlPr>
-                        </m:sSupPr>
-                        <m:e>
-                          <m:r>
-                            <a:rPr lang="sv-SE" sz="11000" i="1">
-                              <a:latin typeface="Cambria Math"/>
-                            </a:rPr>
-                            <m:t>2</m:t>
-                          </m:r>
-                        </m:e>
-                        <m:sup>
-                          <m:r>
-                            <a:rPr lang="sv-SE" sz="11000" b="0" i="1" smtClean="0">
-                              <a:latin typeface="Cambria Math"/>
-                            </a:rPr>
-                            <m:t>1</m:t>
-                          </m:r>
-                        </m:sup>
-                      </m:sSup>
-                    </m:oMath>
-                  </m:oMathPara>
-                </a14:m>
-                <a:endParaRPr lang="en-GB" sz="11000" dirty="0"/>
-              </a:p>
-            </p:txBody>
-          </p:sp>
-        </mc:Choice>
-        <mc:Fallback xmlns="">
-          <p:sp>
-            <p:nvSpPr>
-              <p:cNvPr id="12" name="TextBox 11"/>
-              <p:cNvSpPr txBox="1">
-                <a:spLocks noRot="1" noChangeAspect="1" noMove="1" noResize="1" noEditPoints="1" noAdjustHandles="1" noChangeArrowheads="1" noChangeShapeType="1" noTextEdit="1"/>
-              </p:cNvSpPr>
-              <p:nvPr/>
-            </p:nvSpPr>
-            <p:spPr>
-              <a:xfrm>
-                <a:off x="17801844" y="16297059"/>
-                <a:ext cx="1836205" cy="1785104"/>
-              </a:xfrm>
-              <a:prstGeom prst="rect">
-                <a:avLst/>
-              </a:prstGeom>
-              <a:blipFill rotWithShape="1">
-                <a:blip r:embed="rId3"/>
-                <a:stretch>
-                  <a:fillRect/>
-                </a:stretch>
-              </a:blipFill>
-            </p:spPr>
-            <p:txBody>
-              <a:bodyPr/>
-              <a:lstStyle/>
-              <a:p>
-                <a:r>
-                  <a:rPr lang="en-GB">
-                    <a:noFill/>
-                  </a:rPr>
-                  <a:t> </a:t>
-                </a:r>
-              </a:p>
-            </p:txBody>
-          </p:sp>
-        </mc:Fallback>
-      </mc:AlternateContent>
-      <mc:AlternateContent xmlns:mc="http://schemas.openxmlformats.org/markup-compatibility/2006" xmlns:a14="http://schemas.microsoft.com/office/drawing/2010/main">
-        <mc:Choice Requires="a14">
-          <p:sp>
-            <p:nvSpPr>
-              <p:cNvPr id="13" name="TextBox 12"/>
-              <p:cNvSpPr txBox="1"/>
-              <p:nvPr/>
-            </p:nvSpPr>
-            <p:spPr>
-              <a:xfrm>
-                <a:off x="27216891" y="16297060"/>
-                <a:ext cx="1872208" cy="1785104"/>
-              </a:xfrm>
-              <a:prstGeom prst="rect">
-                <a:avLst/>
-              </a:prstGeom>
-              <a:noFill/>
-            </p:spPr>
-            <p:txBody>
-              <a:bodyPr wrap="square" rtlCol="0">
-                <a:spAutoFit/>
-              </a:bodyPr>
-              <a:lstStyle/>
-              <a:p>
-                <a:pPr/>
-                <a14:m>
-                  <m:oMathPara xmlns:m="http://schemas.openxmlformats.org/officeDocument/2006/math">
-                    <m:oMathParaPr>
-                      <m:jc m:val="centerGroup"/>
-                    </m:oMathParaPr>
-                    <m:oMath xmlns:m="http://schemas.openxmlformats.org/officeDocument/2006/math">
-                      <m:sSup>
-                        <m:sSupPr>
-                          <m:ctrlPr>
-                            <a:rPr lang="sv-SE" sz="11000" i="1">
-                              <a:latin typeface="Cambria Math"/>
-                            </a:rPr>
-                          </m:ctrlPr>
-                        </m:sSupPr>
-                        <m:e>
-                          <m:r>
-                            <a:rPr lang="sv-SE" sz="11000" i="1">
-                              <a:latin typeface="Cambria Math"/>
-                            </a:rPr>
-                            <m:t>2</m:t>
-                          </m:r>
-                        </m:e>
-                        <m:sup>
-                          <m:r>
-                            <a:rPr lang="sv-SE" sz="11000" b="0" i="1" smtClean="0">
-                              <a:latin typeface="Cambria Math"/>
-                            </a:rPr>
-                            <m:t>7</m:t>
-                          </m:r>
-                        </m:sup>
-                      </m:sSup>
-                    </m:oMath>
-                  </m:oMathPara>
-                </a14:m>
-                <a:endParaRPr lang="en-GB" sz="11000" dirty="0"/>
-              </a:p>
-            </p:txBody>
-          </p:sp>
-        </mc:Choice>
-        <mc:Fallback xmlns="">
-          <p:sp>
-            <p:nvSpPr>
-              <p:cNvPr id="13" name="TextBox 12"/>
-              <p:cNvSpPr txBox="1">
-                <a:spLocks noRot="1" noChangeAspect="1" noMove="1" noResize="1" noEditPoints="1" noAdjustHandles="1" noChangeArrowheads="1" noChangeShapeType="1" noTextEdit="1"/>
-              </p:cNvSpPr>
-              <p:nvPr/>
-            </p:nvSpPr>
-            <p:spPr>
-              <a:xfrm>
-                <a:off x="27216891" y="16297060"/>
-                <a:ext cx="1872208" cy="1785104"/>
-              </a:xfrm>
-              <a:prstGeom prst="rect">
-                <a:avLst/>
-              </a:prstGeom>
-              <a:blipFill rotWithShape="1">
-                <a:blip r:embed="rId4"/>
-                <a:stretch>
-                  <a:fillRect/>
-                </a:stretch>
-              </a:blipFill>
-            </p:spPr>
-            <p:txBody>
-              <a:bodyPr/>
-              <a:lstStyle/>
-              <a:p>
-                <a:r>
-                  <a:rPr lang="en-GB">
-                    <a:noFill/>
-                  </a:rPr>
-                  <a:t> </a:t>
-                </a:r>
-              </a:p>
-            </p:txBody>
-          </p:sp>
-        </mc:Fallback>
-      </mc:AlternateContent>
-      <p:sp>
-        <p:nvSpPr>
-          <p:cNvPr id="14" name="TextBox 13"/>
-          <p:cNvSpPr txBox="1"/>
-          <p:nvPr/>
-        </p:nvSpPr>
-        <p:spPr>
-          <a:xfrm>
-            <a:off x="9804276" y="7257357"/>
-            <a:ext cx="5472608" cy="923330"/>
-          </a:xfrm>
-          <a:prstGeom prst="rect">
-            <a:avLst/>
-          </a:prstGeom>
-          <a:noFill/>
-        </p:spPr>
-        <p:txBody>
-          <a:bodyPr wrap="square" rtlCol="0">
-            <a:spAutoFit/>
-          </a:bodyPr>
-          <a:lstStyle/>
-          <a:p>
-            <a:pPr algn="ctr"/>
-            <a:r>
-              <a:rPr lang="sv-SE" sz="5400" b="1" dirty="0" smtClean="0"/>
-              <a:t>Filter 1</a:t>
-            </a:r>
-            <a:endParaRPr lang="en-GB" sz="5400" b="1" dirty="0"/>
-          </a:p>
-        </p:txBody>
-      </p:sp>
-      <p:sp>
-        <p:nvSpPr>
-          <p:cNvPr id="15" name="TextBox 14"/>
-          <p:cNvSpPr txBox="1"/>
-          <p:nvPr/>
-        </p:nvSpPr>
-        <p:spPr>
-          <a:xfrm>
-            <a:off x="15983642" y="7257357"/>
-            <a:ext cx="5472608" cy="923330"/>
-          </a:xfrm>
-          <a:prstGeom prst="rect">
-            <a:avLst/>
-          </a:prstGeom>
-          <a:noFill/>
-        </p:spPr>
-        <p:txBody>
-          <a:bodyPr wrap="square" rtlCol="0">
-            <a:spAutoFit/>
-          </a:bodyPr>
-          <a:lstStyle/>
-          <a:p>
-            <a:pPr algn="ctr"/>
-            <a:r>
-              <a:rPr lang="sv-SE" sz="5400" b="1" dirty="0" smtClean="0"/>
-              <a:t>Filter 2</a:t>
-            </a:r>
-            <a:endParaRPr lang="en-GB" sz="5400" b="1" dirty="0"/>
-          </a:p>
-        </p:txBody>
-      </p:sp>
-      <p:sp>
-        <p:nvSpPr>
-          <p:cNvPr id="16" name="TextBox 15"/>
-          <p:cNvSpPr txBox="1"/>
-          <p:nvPr/>
-        </p:nvSpPr>
-        <p:spPr>
-          <a:xfrm>
-            <a:off x="25416691" y="7428114"/>
-            <a:ext cx="5472608" cy="923330"/>
-          </a:xfrm>
-          <a:prstGeom prst="rect">
-            <a:avLst/>
-          </a:prstGeom>
-          <a:noFill/>
-        </p:spPr>
-        <p:txBody>
-          <a:bodyPr wrap="square" rtlCol="0">
-            <a:spAutoFit/>
-          </a:bodyPr>
-          <a:lstStyle/>
-          <a:p>
-            <a:pPr algn="ctr"/>
-            <a:r>
-              <a:rPr lang="sv-SE" sz="5400" b="1" dirty="0" smtClean="0"/>
-              <a:t>Filter 8</a:t>
-            </a:r>
-            <a:endParaRPr lang="en-GB" sz="5400" b="1" dirty="0"/>
-          </a:p>
-        </p:txBody>
-      </p:sp>
-    </p:spTree>
-    <p:extLst>
-      <p:ext uri="{BB962C8B-B14F-4D97-AF65-F5344CB8AC3E}">
-        <p14:creationId xmlns:p14="http://schemas.microsoft.com/office/powerpoint/2010/main" val="2633648422"/>
       </p:ext>
     </p:extLst>
   </p:cSld>
@@ -6390,11 +5168,7 @@
           <a:p>
             <a:r>
               <a:rPr lang="sv-SE" sz="14400" dirty="0" smtClean="0"/>
-              <a:t>Project </a:t>
-            </a:r>
-            <a:r>
-              <a:rPr lang="sv-SE" sz="14400" dirty="0" smtClean="0"/>
-              <a:t>Goals</a:t>
+              <a:t>Project Goals</a:t>
             </a:r>
             <a:endParaRPr lang="en-GB" sz="14400" dirty="0"/>
           </a:p>
@@ -6422,26 +5196,13 @@
           <a:p>
             <a:r>
               <a:rPr lang="sv-SE" sz="8800" dirty="0" smtClean="0"/>
-              <a:t>Evaluate ability of methods to classify cell </a:t>
+              <a:t>Evaluate ability of methods to classify cell images as healthy or cancerous</a:t>
             </a:r>
+          </a:p>
+          <a:p>
             <a:r>
               <a:rPr lang="sv-SE" sz="8800" dirty="0" smtClean="0"/>
-              <a:t>images </a:t>
-            </a:r>
-            <a:r>
-              <a:rPr lang="sv-SE" sz="8800" dirty="0" smtClean="0"/>
-              <a:t>as healthy or cancerous</a:t>
-            </a:r>
-            <a:endParaRPr lang="sv-SE" sz="8800" dirty="0" smtClean="0"/>
-          </a:p>
-          <a:p>
-            <a:r>
-              <a:rPr lang="sv-SE" sz="8800" dirty="0" smtClean="0"/>
-              <a:t>Implement and compare </a:t>
-            </a:r>
-            <a:r>
-              <a:rPr lang="sv-SE" sz="8800" dirty="0" smtClean="0"/>
-              <a:t>three LBP inspired CNN models</a:t>
+              <a:t>Implement and compare three LBP inspired CNN models</a:t>
             </a:r>
           </a:p>
           <a:p>
@@ -6809,21 +5570,13 @@
           <a:p>
             <a:r>
               <a:rPr lang="sv-SE" dirty="0" smtClean="0"/>
-              <a:t>Conceived </a:t>
+              <a:t>Conceived by Ojala et al in 1996 and extended in 2002. [1]</a:t>
             </a:r>
+          </a:p>
+          <a:p>
             <a:r>
               <a:rPr lang="sv-SE" dirty="0" smtClean="0"/>
-              <a:t>by Ojala et al in 1996 and extended in 2002. [1]</a:t>
-            </a:r>
-          </a:p>
-          <a:p>
-            <a:r>
-              <a:rPr lang="sv-SE" dirty="0" smtClean="0"/>
-              <a:t>Rotationally </a:t>
-            </a:r>
-            <a:r>
-              <a:rPr lang="sv-SE" dirty="0" smtClean="0"/>
-              <a:t>invariant thresholding filters</a:t>
+              <a:t>Rotationally invariant thresholding filters</a:t>
             </a:r>
             <a:endParaRPr lang="en-GB" dirty="0"/>
           </a:p>
@@ -11678,13 +10431,13 @@
           <p:nvPr>
             <p:extLst>
               <p:ext uri="{D42A27DB-BD31-4B8C-83A1-F6EECF244321}">
-                <p14:modId xmlns:p14="http://schemas.microsoft.com/office/powerpoint/2010/main" val="1799731767"/>
+                <p14:modId xmlns:p14="http://schemas.microsoft.com/office/powerpoint/2010/main" val="2300860943"/>
               </p:ext>
             </p:extLst>
           </p:nvPr>
         </p:nvGraphicFramePr>
         <p:xfrm>
-          <a:off x="9502925" y="4470693"/>
+          <a:off x="8926861" y="4470693"/>
           <a:ext cx="3016800" cy="3017520"/>
         </p:xfrm>
         <a:graphic>
@@ -11852,13 +10605,13 @@
           <p:nvPr>
             <p:extLst>
               <p:ext uri="{D42A27DB-BD31-4B8C-83A1-F6EECF244321}">
-                <p14:modId xmlns:p14="http://schemas.microsoft.com/office/powerpoint/2010/main" val="4128377036"/>
+                <p14:modId xmlns:p14="http://schemas.microsoft.com/office/powerpoint/2010/main" val="2706768410"/>
               </p:ext>
             </p:extLst>
           </p:nvPr>
         </p:nvGraphicFramePr>
         <p:xfrm>
-          <a:off x="9646941" y="11167437"/>
+          <a:off x="9502925" y="11167437"/>
           <a:ext cx="3016800" cy="3017520"/>
         </p:xfrm>
         <a:graphic>
@@ -12026,13 +10779,13 @@
           <p:nvPr>
             <p:extLst>
               <p:ext uri="{D42A27DB-BD31-4B8C-83A1-F6EECF244321}">
-                <p14:modId xmlns:p14="http://schemas.microsoft.com/office/powerpoint/2010/main" val="2472183168"/>
+                <p14:modId xmlns:p14="http://schemas.microsoft.com/office/powerpoint/2010/main" val="468359395"/>
               </p:ext>
             </p:extLst>
           </p:nvPr>
         </p:nvGraphicFramePr>
         <p:xfrm>
-          <a:off x="9862965" y="18656269"/>
+          <a:off x="9646941" y="18656269"/>
           <a:ext cx="3016800" cy="3017520"/>
         </p:xfrm>
         <a:graphic>
@@ -14481,8 +13234,8 @@
         </p:nvSpPr>
         <p:spPr>
           <a:xfrm>
-            <a:off x="12599549" y="4535885"/>
-            <a:ext cx="5328312" cy="1938992"/>
+            <a:off x="11699169" y="3972394"/>
+            <a:ext cx="5904376" cy="2462213"/>
           </a:xfrm>
           <a:prstGeom prst="rect">
             <a:avLst/>
@@ -14497,10 +13250,21 @@
           <a:p>
             <a:pPr algn="ctr"/>
             <a:r>
-              <a:rPr lang="sv-SE" sz="6000" b="1" dirty="0" smtClean="0"/>
-              <a:t>Convolutional Layer</a:t>
+              <a:rPr lang="sv-SE" sz="7000" b="1" dirty="0" smtClean="0"/>
+              <a:t>Conv.</a:t>
             </a:r>
-            <a:endParaRPr lang="en-GB" sz="6000" b="1" dirty="0"/>
+          </a:p>
+          <a:p>
+            <a:pPr algn="ctr"/>
+            <a:r>
+              <a:rPr lang="sv-SE" sz="7000" b="1" dirty="0" smtClean="0"/>
+              <a:t> </a:t>
+            </a:r>
+            <a:r>
+              <a:rPr lang="sv-SE" sz="7000" b="1" dirty="0" smtClean="0"/>
+              <a:t>Layer</a:t>
+            </a:r>
+            <a:endParaRPr lang="en-GB" sz="7000" b="1" dirty="0"/>
           </a:p>
         </p:txBody>
       </p:sp>
@@ -14512,8 +13276,8 @@
         </p:nvSpPr>
         <p:spPr>
           <a:xfrm>
-            <a:off x="24904080" y="4969501"/>
-            <a:ext cx="3544158" cy="1015663"/>
+            <a:off x="24696613" y="5094526"/>
+            <a:ext cx="3951045" cy="1169551"/>
           </a:xfrm>
           <a:prstGeom prst="rect">
             <a:avLst/>
@@ -14527,10 +13291,10 @@
           <a:lstStyle/>
           <a:p>
             <a:r>
-              <a:rPr lang="sv-SE" sz="6000" b="1" dirty="0" smtClean="0"/>
+              <a:rPr lang="sv-SE" sz="7000" b="1" dirty="0" smtClean="0"/>
               <a:t>Sigmoid</a:t>
             </a:r>
-            <a:endParaRPr lang="en-GB" sz="6000" b="1" dirty="0"/>
+            <a:endParaRPr lang="en-GB" sz="7000" b="1" dirty="0"/>
           </a:p>
         </p:txBody>
       </p:sp>
@@ -14786,7 +13550,7 @@
         <p:spPr>
           <a:xfrm>
             <a:off x="31070246" y="12240741"/>
-            <a:ext cx="5326461" cy="1015663"/>
+            <a:ext cx="5326461" cy="1169551"/>
           </a:xfrm>
           <a:prstGeom prst="rect">
             <a:avLst/>
@@ -14801,9 +13565,13 @@
           <a:p>
             <a:r>
               <a:rPr lang="sv-SE" sz="6000" b="1" dirty="0" smtClean="0"/>
-              <a:t>Sum Layers</a:t>
+              <a:t>Sum </a:t>
             </a:r>
-            <a:endParaRPr lang="en-GB" sz="6000" b="1" dirty="0"/>
+            <a:r>
+              <a:rPr lang="sv-SE" sz="7000" b="1" dirty="0" smtClean="0"/>
+              <a:t>Layers</a:t>
+            </a:r>
+            <a:endParaRPr lang="en-GB" sz="7000" b="1" dirty="0"/>
           </a:p>
         </p:txBody>
       </p:sp>
@@ -14815,8 +13583,8 @@
         </p:nvSpPr>
         <p:spPr bwMode="auto">
           <a:xfrm>
-            <a:off x="30385245" y="4967933"/>
-            <a:ext cx="4392488" cy="1995027"/>
+            <a:off x="30025205" y="4391869"/>
+            <a:ext cx="4968272" cy="2571091"/>
           </a:xfrm>
           <a:prstGeom prst="ellipse">
             <a:avLst/>
@@ -14879,8 +13647,8 @@
         </p:nvSpPr>
         <p:spPr>
           <a:xfrm>
-            <a:off x="31105325" y="5086545"/>
-            <a:ext cx="3239294" cy="2357568"/>
+            <a:off x="30768330" y="4751909"/>
+            <a:ext cx="3721371" cy="2702278"/>
           </a:xfrm>
           <a:prstGeom prst="rect">
             <a:avLst/>
@@ -14894,21 +13662,21 @@
           <a:lstStyle/>
           <a:p>
             <a:r>
-              <a:rPr lang="sv-SE" b="1" dirty="0"/>
+              <a:rPr lang="sv-SE" sz="5300" b="1" dirty="0"/>
               <a:t>Values in </a:t>
             </a:r>
             <a:r>
-              <a:rPr lang="sv-SE" b="1" dirty="0" smtClean="0"/>
+              <a:rPr lang="sv-SE" sz="5300" b="1" dirty="0" smtClean="0"/>
               <a:t>range </a:t>
             </a:r>
             <a:r>
-              <a:rPr lang="sv-SE" b="1" dirty="0"/>
+              <a:rPr lang="sv-SE" sz="5300" b="1" dirty="0"/>
               <a:t>[0,1]</a:t>
             </a:r>
-            <a:endParaRPr lang="en-GB" b="1" dirty="0"/>
-          </a:p>
-          <a:p>
-            <a:endParaRPr lang="en-GB" dirty="0"/>
+            <a:endParaRPr lang="en-GB" sz="5300" b="1" dirty="0"/>
+          </a:p>
+          <a:p>
+            <a:endParaRPr lang="en-GB" sz="5300" dirty="0"/>
           </a:p>
         </p:txBody>
       </p:sp>
@@ -14930,7 +13698,7 @@
             </a:avLst>
           </a:prstGeom>
           <a:noFill/>
-          <a:ln w="88900" cap="flat" cmpd="sng" algn="ctr">
+          <a:ln w="127000" cap="flat" cmpd="sng" algn="ctr">
             <a:solidFill>
               <a:schemeClr val="tx1"/>
             </a:solidFill>
@@ -15988,7 +14756,7 @@
             <a:avLst/>
           </a:prstGeom>
           <a:noFill/>
-          <a:ln w="76200" cap="flat" cmpd="sng" algn="ctr">
+          <a:ln w="127000" cap="flat" cmpd="sng" algn="ctr">
             <a:solidFill>
               <a:schemeClr val="tx1"/>
             </a:solidFill>
@@ -16033,7 +14801,7 @@
             <a:avLst/>
           </a:prstGeom>
           <a:noFill/>
-          <a:ln w="76200" cap="flat" cmpd="sng" algn="ctr">
+          <a:ln w="127000" cap="flat" cmpd="sng" algn="ctr">
             <a:solidFill>
               <a:schemeClr val="tx1"/>
             </a:solidFill>
@@ -16078,7 +14846,7 @@
             <a:avLst/>
           </a:prstGeom>
           <a:noFill/>
-          <a:ln w="76200" cap="flat" cmpd="sng" algn="ctr">
+          <a:ln w="127000" cap="flat" cmpd="sng" algn="ctr">
             <a:solidFill>
               <a:schemeClr val="tx1"/>
             </a:solidFill>
@@ -16123,7 +14891,7 @@
             <a:avLst/>
           </a:prstGeom>
           <a:noFill/>
-          <a:ln w="76200" cap="flat" cmpd="sng" algn="ctr">
+          <a:ln w="127000" cap="flat" cmpd="sng" algn="ctr">
             <a:solidFill>
               <a:schemeClr val="tx1"/>
             </a:solidFill>
@@ -16168,7 +14936,7 @@
             <a:avLst/>
           </a:prstGeom>
           <a:noFill/>
-          <a:ln w="76200" cap="flat" cmpd="sng" algn="ctr">
+          <a:ln w="127000" cap="flat" cmpd="sng" algn="ctr">
             <a:solidFill>
               <a:schemeClr val="tx1"/>
             </a:solidFill>
@@ -16213,7 +14981,7 @@
             <a:avLst/>
           </a:prstGeom>
           <a:noFill/>
-          <a:ln w="76200" cap="flat" cmpd="sng" algn="ctr">
+          <a:ln w="127000" cap="flat" cmpd="sng" algn="ctr">
             <a:solidFill>
               <a:schemeClr val="tx1"/>
             </a:solidFill>
@@ -16251,8 +15019,8 @@
         </p:nvSpPr>
         <p:spPr>
           <a:xfrm>
-            <a:off x="10006981" y="5764289"/>
-            <a:ext cx="648072" cy="800219"/>
+            <a:off x="9832322" y="5764289"/>
+            <a:ext cx="822731" cy="1015663"/>
           </a:xfrm>
           <a:prstGeom prst="rect">
             <a:avLst/>
@@ -16266,10 +15034,10 @@
           <a:lstStyle/>
           <a:p>
             <a:r>
-              <a:rPr lang="sv-SE" b="1" dirty="0" smtClean="0"/>
+              <a:rPr lang="sv-SE" sz="6000" b="1" dirty="0" smtClean="0"/>
               <a:t>2</a:t>
             </a:r>
-            <a:endParaRPr lang="en-GB" b="1" dirty="0"/>
+            <a:endParaRPr lang="en-GB" sz="6000" b="1" dirty="0"/>
           </a:p>
         </p:txBody>
       </p:sp>
@@ -16281,8 +15049,8 @@
         </p:nvSpPr>
         <p:spPr>
           <a:xfrm>
-            <a:off x="10583045" y="9120903"/>
-            <a:ext cx="648072" cy="800219"/>
+            <a:off x="10408386" y="9120903"/>
+            <a:ext cx="822731" cy="1015663"/>
           </a:xfrm>
           <a:prstGeom prst="rect">
             <a:avLst/>
@@ -16296,10 +15064,10 @@
           <a:lstStyle/>
           <a:p>
             <a:r>
-              <a:rPr lang="sv-SE" b="1" dirty="0" smtClean="0"/>
+              <a:rPr lang="sv-SE" sz="6000" b="1" dirty="0" smtClean="0"/>
               <a:t>0</a:t>
             </a:r>
-            <a:endParaRPr lang="en-GB" b="1" dirty="0"/>
+            <a:endParaRPr lang="en-GB" sz="6000" b="1" dirty="0"/>
           </a:p>
         </p:txBody>
       </p:sp>
@@ -16311,8 +15079,8 @@
         </p:nvSpPr>
         <p:spPr>
           <a:xfrm>
-            <a:off x="14327461" y="9048895"/>
-            <a:ext cx="648072" cy="800219"/>
+            <a:off x="14152802" y="9048895"/>
+            <a:ext cx="822731" cy="1015663"/>
           </a:xfrm>
           <a:prstGeom prst="rect">
             <a:avLst/>
@@ -16326,10 +15094,10 @@
           <a:lstStyle/>
           <a:p>
             <a:r>
-              <a:rPr lang="sv-SE" b="1" dirty="0"/>
+              <a:rPr lang="sv-SE" sz="6000" b="1" dirty="0"/>
               <a:t>1</a:t>
             </a:r>
-            <a:endParaRPr lang="en-GB" b="1" dirty="0"/>
+            <a:endParaRPr lang="en-GB" sz="6000" b="1" dirty="0"/>
           </a:p>
         </p:txBody>
       </p:sp>
@@ -16348,7 +15116,7 @@
             <a:avLst/>
           </a:prstGeom>
           <a:noFill/>
-          <a:ln w="76200" cap="flat" cmpd="sng" algn="ctr">
+          <a:ln w="127000" cap="flat" cmpd="sng" algn="ctr">
             <a:solidFill>
               <a:schemeClr val="tx1"/>
             </a:solidFill>
@@ -16393,7 +15161,7 @@
             <a:avLst/>
           </a:prstGeom>
           <a:noFill/>
-          <a:ln w="76200" cap="flat" cmpd="sng" algn="ctr">
+          <a:ln w="127000" cap="flat" cmpd="sng" algn="ctr">
             <a:solidFill>
               <a:schemeClr val="tx1"/>
             </a:solidFill>
@@ -16438,7 +15206,7 @@
             <a:avLst/>
           </a:prstGeom>
           <a:noFill/>
-          <a:ln w="76200" cap="flat" cmpd="sng" algn="ctr">
+          <a:ln w="127000" cap="flat" cmpd="sng" algn="ctr">
             <a:solidFill>
               <a:schemeClr val="tx1"/>
             </a:solidFill>
@@ -16483,7 +15251,7 @@
             <a:avLst/>
           </a:prstGeom>
           <a:noFill/>
-          <a:ln w="76200" cap="flat" cmpd="sng" algn="ctr">
+          <a:ln w="127000" cap="flat" cmpd="sng" algn="ctr">
             <a:solidFill>
               <a:schemeClr val="tx1"/>
             </a:solidFill>
@@ -16528,7 +15296,7 @@
             <a:avLst/>
           </a:prstGeom>
           <a:noFill/>
-          <a:ln w="76200" cap="flat" cmpd="sng" algn="ctr">
+          <a:ln w="127000" cap="flat" cmpd="sng" algn="ctr">
             <a:solidFill>
               <a:schemeClr val="tx1"/>
             </a:solidFill>
@@ -16573,7 +15341,7 @@
             <a:avLst/>
           </a:prstGeom>
           <a:noFill/>
-          <a:ln w="76200" cap="flat" cmpd="sng" algn="ctr">
+          <a:ln w="127000" cap="flat" cmpd="sng" algn="ctr">
             <a:solidFill>
               <a:schemeClr val="tx1"/>
             </a:solidFill>
@@ -16611,8 +15379,8 @@
         </p:nvSpPr>
         <p:spPr>
           <a:xfrm>
-            <a:off x="10078989" y="11677570"/>
-            <a:ext cx="648072" cy="800219"/>
+            <a:off x="9904330" y="11677570"/>
+            <a:ext cx="822731" cy="1015663"/>
           </a:xfrm>
           <a:prstGeom prst="rect">
             <a:avLst/>
@@ -16626,10 +15394,10 @@
           <a:lstStyle/>
           <a:p>
             <a:r>
-              <a:rPr lang="sv-SE" b="1" dirty="0" smtClean="0"/>
+              <a:rPr lang="sv-SE" sz="6000" b="1" dirty="0" smtClean="0"/>
               <a:t>2</a:t>
             </a:r>
-            <a:endParaRPr lang="en-GB" b="1" dirty="0"/>
+            <a:endParaRPr lang="en-GB" sz="6000" b="1" dirty="0"/>
           </a:p>
         </p:txBody>
       </p:sp>
@@ -16641,8 +15409,8 @@
         </p:nvSpPr>
         <p:spPr>
           <a:xfrm>
-            <a:off x="10655053" y="14961682"/>
-            <a:ext cx="648072" cy="800219"/>
+            <a:off x="10480394" y="14961682"/>
+            <a:ext cx="822731" cy="1015663"/>
           </a:xfrm>
           <a:prstGeom prst="rect">
             <a:avLst/>
@@ -16656,10 +15424,10 @@
           <a:lstStyle/>
           <a:p>
             <a:r>
-              <a:rPr lang="sv-SE" b="1" dirty="0"/>
+              <a:rPr lang="sv-SE" sz="6000" b="1" dirty="0"/>
               <a:t>1</a:t>
             </a:r>
-            <a:endParaRPr lang="en-GB" b="1" dirty="0"/>
+            <a:endParaRPr lang="en-GB" sz="6000" b="1" dirty="0"/>
           </a:p>
         </p:txBody>
       </p:sp>
@@ -16671,8 +15439,8 @@
         </p:nvSpPr>
         <p:spPr>
           <a:xfrm>
-            <a:off x="14399469" y="14962176"/>
-            <a:ext cx="648072" cy="800219"/>
+            <a:off x="14224810" y="14962176"/>
+            <a:ext cx="822731" cy="1015663"/>
           </a:xfrm>
           <a:prstGeom prst="rect">
             <a:avLst/>
@@ -16686,10 +15454,10 @@
           <a:lstStyle/>
           <a:p>
             <a:r>
-              <a:rPr lang="sv-SE" b="1" dirty="0" smtClean="0"/>
+              <a:rPr lang="sv-SE" sz="6000" b="1" dirty="0" smtClean="0"/>
               <a:t>2</a:t>
             </a:r>
-            <a:endParaRPr lang="en-GB" b="1" dirty="0"/>
+            <a:endParaRPr lang="en-GB" sz="6000" b="1" dirty="0"/>
           </a:p>
         </p:txBody>
       </p:sp>
@@ -16701,8 +15469,8 @@
         </p:nvSpPr>
         <p:spPr>
           <a:xfrm>
-            <a:off x="12384098" y="14953551"/>
-            <a:ext cx="1080120" cy="800219"/>
+            <a:off x="12093000" y="14953551"/>
+            <a:ext cx="1371218" cy="1015663"/>
           </a:xfrm>
           <a:prstGeom prst="rect">
             <a:avLst/>
@@ -16716,10 +15484,10 @@
           <a:lstStyle/>
           <a:p>
             <a:r>
-              <a:rPr lang="sv-SE" b="1" dirty="0" smtClean="0"/>
+              <a:rPr lang="sv-SE" sz="6000" b="1" dirty="0" smtClean="0"/>
               <a:t>1.5</a:t>
             </a:r>
-            <a:endParaRPr lang="en-GB" b="1" dirty="0"/>
+            <a:endParaRPr lang="en-GB" sz="6000" b="1" dirty="0"/>
           </a:p>
         </p:txBody>
       </p:sp>
@@ -16731,8 +15499,8 @@
         </p:nvSpPr>
         <p:spPr>
           <a:xfrm>
-            <a:off x="12293235" y="9068978"/>
-            <a:ext cx="1297517" cy="800219"/>
+            <a:off x="11943547" y="9068978"/>
+            <a:ext cx="1647205" cy="1015663"/>
           </a:xfrm>
           <a:prstGeom prst="rect">
             <a:avLst/>
@@ -16746,10 +15514,10 @@
           <a:lstStyle/>
           <a:p>
             <a:r>
-              <a:rPr lang="sv-SE" b="1" dirty="0" smtClean="0"/>
+              <a:rPr lang="sv-SE" sz="6000" b="1" dirty="0" smtClean="0"/>
               <a:t>0.5</a:t>
             </a:r>
-            <a:endParaRPr lang="en-GB" b="1" dirty="0"/>
+            <a:endParaRPr lang="en-GB" sz="6000" b="1" dirty="0"/>
           </a:p>
         </p:txBody>
       </p:sp>
@@ -16768,7 +15536,7 @@
             <a:avLst/>
           </a:prstGeom>
           <a:noFill/>
-          <a:ln w="76200" cap="flat" cmpd="sng" algn="ctr">
+          <a:ln w="127000" cap="flat" cmpd="sng" algn="ctr">
             <a:solidFill>
               <a:schemeClr val="tx1"/>
             </a:solidFill>
@@ -16813,7 +15581,7 @@
             <a:avLst/>
           </a:prstGeom>
           <a:noFill/>
-          <a:ln w="76200" cap="flat" cmpd="sng" algn="ctr">
+          <a:ln w="127000" cap="flat" cmpd="sng" algn="ctr">
             <a:solidFill>
               <a:schemeClr val="tx1"/>
             </a:solidFill>
@@ -16858,7 +15626,7 @@
             <a:avLst/>
           </a:prstGeom>
           <a:noFill/>
-          <a:ln w="76200" cap="flat" cmpd="sng" algn="ctr">
+          <a:ln w="127000" cap="flat" cmpd="sng" algn="ctr">
             <a:solidFill>
               <a:schemeClr val="tx1"/>
             </a:solidFill>
@@ -16903,7 +15671,7 @@
             <a:avLst/>
           </a:prstGeom>
           <a:noFill/>
-          <a:ln w="76200" cap="flat" cmpd="sng" algn="ctr">
+          <a:ln w="127000" cap="flat" cmpd="sng" algn="ctr">
             <a:solidFill>
               <a:schemeClr val="tx1"/>
             </a:solidFill>
@@ -16948,7 +15716,7 @@
             <a:avLst/>
           </a:prstGeom>
           <a:noFill/>
-          <a:ln w="76200" cap="flat" cmpd="sng" algn="ctr">
+          <a:ln w="127000" cap="flat" cmpd="sng" algn="ctr">
             <a:solidFill>
               <a:schemeClr val="tx1"/>
             </a:solidFill>
@@ -16993,7 +15761,7 @@
             <a:avLst/>
           </a:prstGeom>
           <a:noFill/>
-          <a:ln w="76200" cap="flat" cmpd="sng" algn="ctr">
+          <a:ln w="127000" cap="flat" cmpd="sng" algn="ctr">
             <a:solidFill>
               <a:schemeClr val="tx1"/>
             </a:solidFill>
@@ -17031,8 +15799,8 @@
         </p:nvSpPr>
         <p:spPr>
           <a:xfrm>
-            <a:off x="10078989" y="18017956"/>
-            <a:ext cx="648072" cy="800219"/>
+            <a:off x="9904330" y="18017956"/>
+            <a:ext cx="822731" cy="1015663"/>
           </a:xfrm>
           <a:prstGeom prst="rect">
             <a:avLst/>
@@ -17046,10 +15814,10 @@
           <a:lstStyle/>
           <a:p>
             <a:r>
-              <a:rPr lang="sv-SE" b="1" dirty="0" smtClean="0"/>
+              <a:rPr lang="sv-SE" sz="6000" b="1" dirty="0" smtClean="0"/>
               <a:t>2</a:t>
             </a:r>
-            <a:endParaRPr lang="en-GB" b="1" dirty="0"/>
+            <a:endParaRPr lang="en-GB" sz="6000" b="1" dirty="0"/>
           </a:p>
         </p:txBody>
       </p:sp>
@@ -17061,8 +15829,8 @@
         </p:nvSpPr>
         <p:spPr>
           <a:xfrm>
-            <a:off x="10655053" y="21374570"/>
-            <a:ext cx="648072" cy="800219"/>
+            <a:off x="10480394" y="21374570"/>
+            <a:ext cx="822731" cy="1015663"/>
           </a:xfrm>
           <a:prstGeom prst="rect">
             <a:avLst/>
@@ -17076,10 +15844,10 @@
           <a:lstStyle/>
           <a:p>
             <a:r>
-              <a:rPr lang="sv-SE" b="1" dirty="0" smtClean="0"/>
+              <a:rPr lang="sv-SE" sz="6000" b="1" dirty="0" smtClean="0"/>
               <a:t>7</a:t>
             </a:r>
-            <a:endParaRPr lang="en-GB" b="1" dirty="0"/>
+            <a:endParaRPr lang="en-GB" sz="6000" b="1" dirty="0"/>
           </a:p>
         </p:txBody>
       </p:sp>
@@ -17091,8 +15859,8 @@
         </p:nvSpPr>
         <p:spPr>
           <a:xfrm>
-            <a:off x="14399469" y="21302562"/>
-            <a:ext cx="648072" cy="800219"/>
+            <a:off x="14224810" y="21302562"/>
+            <a:ext cx="822731" cy="1015663"/>
           </a:xfrm>
           <a:prstGeom prst="rect">
             <a:avLst/>
@@ -17106,10 +15874,10 @@
           <a:lstStyle/>
           <a:p>
             <a:r>
-              <a:rPr lang="sv-SE" b="1" dirty="0" smtClean="0"/>
+              <a:rPr lang="sv-SE" sz="6000" b="1" dirty="0" smtClean="0"/>
               <a:t>8</a:t>
             </a:r>
-            <a:endParaRPr lang="en-GB" b="1" dirty="0"/>
+            <a:endParaRPr lang="en-GB" sz="6000" b="1" dirty="0"/>
           </a:p>
         </p:txBody>
       </p:sp>
@@ -17121,8 +15889,8 @@
         </p:nvSpPr>
         <p:spPr>
           <a:xfrm>
-            <a:off x="12365243" y="21322645"/>
-            <a:ext cx="1297517" cy="800219"/>
+            <a:off x="12015555" y="21322645"/>
+            <a:ext cx="1647205" cy="1015663"/>
           </a:xfrm>
           <a:prstGeom prst="rect">
             <a:avLst/>
@@ -17136,14 +15904,14 @@
           <a:lstStyle/>
           <a:p>
             <a:r>
-              <a:rPr lang="sv-SE" b="1" dirty="0"/>
+              <a:rPr lang="sv-SE" sz="6000" b="1" dirty="0"/>
               <a:t>7</a:t>
             </a:r>
             <a:r>
-              <a:rPr lang="sv-SE" b="1" dirty="0" smtClean="0"/>
+              <a:rPr lang="sv-SE" sz="6000" b="1" dirty="0" smtClean="0"/>
               <a:t>.5</a:t>
             </a:r>
-            <a:endParaRPr lang="en-GB" b="1" dirty="0"/>
+            <a:endParaRPr lang="en-GB" sz="6000" b="1" dirty="0"/>
           </a:p>
         </p:txBody>
       </p:sp>
@@ -17290,8 +16058,8 @@
         </p:nvSpPr>
         <p:spPr>
           <a:xfrm>
-            <a:off x="19961634" y="5158908"/>
-            <a:ext cx="4050903" cy="1938992"/>
+            <a:off x="19872077" y="5039941"/>
+            <a:ext cx="4050903" cy="2246769"/>
           </a:xfrm>
           <a:prstGeom prst="rect">
             <a:avLst/>
@@ -17305,10 +16073,10 @@
           <a:lstStyle/>
           <a:p>
             <a:r>
-              <a:rPr lang="sv-SE" sz="6000" b="1" dirty="0" smtClean="0"/>
+              <a:rPr lang="sv-SE" sz="7000" b="1" dirty="0" smtClean="0"/>
               <a:t>Average Pooling</a:t>
             </a:r>
-            <a:endParaRPr lang="en-GB" sz="6000" b="1" dirty="0"/>
+            <a:endParaRPr lang="en-GB" sz="7000" b="1" dirty="0"/>
           </a:p>
         </p:txBody>
       </p:sp>
@@ -17938,8 +16706,8 @@
         </p:nvSpPr>
         <p:spPr>
           <a:xfrm>
-            <a:off x="23912026" y="8397976"/>
-            <a:ext cx="3949648" cy="800219"/>
+            <a:off x="23575389" y="7960895"/>
+            <a:ext cx="4433592" cy="1092607"/>
           </a:xfrm>
           <a:prstGeom prst="rect">
             <a:avLst/>
@@ -17953,10 +16721,10 @@
           <a:lstStyle/>
           <a:p>
             <a:r>
-              <a:rPr lang="sv-SE" b="1" dirty="0" smtClean="0"/>
+              <a:rPr lang="sv-SE" sz="6500" b="1" dirty="0" smtClean="0"/>
               <a:t>Size: [1x1]</a:t>
             </a:r>
-            <a:endParaRPr lang="en-GB" b="1" dirty="0"/>
+            <a:endParaRPr lang="en-GB" sz="6500" b="1" dirty="0"/>
           </a:p>
         </p:txBody>
       </p:sp>
@@ -18013,8 +16781,8 @@
         </p:nvSpPr>
         <p:spPr bwMode="auto">
           <a:xfrm>
-            <a:off x="23760509" y="8252113"/>
-            <a:ext cx="3526104" cy="1036020"/>
+            <a:off x="23328460" y="7776245"/>
+            <a:ext cx="4602813" cy="1495113"/>
           </a:xfrm>
           <a:prstGeom prst="rect">
             <a:avLst/>
@@ -19405,7 +18173,7 @@
         <p:spPr bwMode="auto">
           <a:xfrm>
             <a:off x="26928861" y="4535885"/>
-            <a:ext cx="5112569" cy="3143383"/>
+            <a:ext cx="6336824" cy="3143383"/>
           </a:xfrm>
           <a:prstGeom prst="ellipse">
             <a:avLst/>
@@ -19470,8 +18238,8 @@
         </p:nvSpPr>
         <p:spPr>
           <a:xfrm>
-            <a:off x="27256155" y="5522483"/>
-            <a:ext cx="5166439" cy="1015663"/>
+            <a:off x="27216893" y="5399981"/>
+            <a:ext cx="5518904" cy="1169551"/>
           </a:xfrm>
           <a:prstGeom prst="rect">
             <a:avLst/>
@@ -19485,10 +18253,14 @@
           <a:lstStyle/>
           <a:p>
             <a:r>
-              <a:rPr lang="sv-SE" sz="6000" b="1" dirty="0" smtClean="0"/>
-              <a:t>concatenate</a:t>
+              <a:rPr lang="sv-SE" sz="7000" b="1" dirty="0"/>
+              <a:t>C</a:t>
             </a:r>
-            <a:endParaRPr lang="en-GB" sz="6000" b="1" dirty="0"/>
+            <a:r>
+              <a:rPr lang="sv-SE" sz="7000" b="1" dirty="0" smtClean="0"/>
+              <a:t>oncatenate</a:t>
+            </a:r>
+            <a:endParaRPr lang="en-GB" sz="7000" b="1" dirty="0"/>
           </a:p>
         </p:txBody>
       </p:sp>

--- a/presentation.pptx
+++ b/presentation.pptx
@@ -5,10 +5,10 @@
     <p:sldMasterId id="2147483648" r:id="rId1"/>
   </p:sldMasterIdLst>
   <p:notesMasterIdLst>
-    <p:notesMasterId r:id="rId12"/>
+    <p:notesMasterId r:id="rId13"/>
   </p:notesMasterIdLst>
   <p:handoutMasterIdLst>
-    <p:handoutMasterId r:id="rId13"/>
+    <p:handoutMasterId r:id="rId14"/>
   </p:handoutMasterIdLst>
   <p:sldIdLst>
     <p:sldId id="256" r:id="rId2"/>
@@ -21,6 +21,7 @@
     <p:sldId id="267" r:id="rId9"/>
     <p:sldId id="268" r:id="rId10"/>
     <p:sldId id="269" r:id="rId11"/>
+    <p:sldId id="270" r:id="rId12"/>
   </p:sldIdLst>
   <p:sldSz cx="35999738" cy="25201563"/>
   <p:notesSz cx="46342300" cy="46342300"/>
@@ -1439,6 +1440,91 @@
     <p:extLst>
       <p:ext uri="{BB962C8B-B14F-4D97-AF65-F5344CB8AC3E}">
         <p14:creationId xmlns:p14="http://schemas.microsoft.com/office/powerpoint/2010/main" val="2477875580"/>
+      </p:ext>
+    </p:extLst>
+  </p:cSld>
+  <p:clrMapOvr>
+    <a:masterClrMapping/>
+  </p:clrMapOvr>
+</p:notes>
+</file>
+
+<file path=ppt/notesSlides/notesSlide5.xml><?xml version="1.0" encoding="utf-8"?>
+<p:notes xmlns:a="http://schemas.openxmlformats.org/drawingml/2006/main" xmlns:r="http://schemas.openxmlformats.org/officeDocument/2006/relationships" xmlns:p="http://schemas.openxmlformats.org/presentationml/2006/main">
+  <p:cSld>
+    <p:spTree>
+      <p:nvGrpSpPr>
+        <p:cNvPr id="1" name=""/>
+        <p:cNvGrpSpPr/>
+        <p:nvPr/>
+      </p:nvGrpSpPr>
+      <p:grpSpPr>
+        <a:xfrm>
+          <a:off x="0" y="0"/>
+          <a:ext cx="0" cy="0"/>
+          <a:chOff x="0" y="0"/>
+          <a:chExt cx="0" cy="0"/>
+        </a:xfrm>
+      </p:grpSpPr>
+      <p:sp>
+        <p:nvSpPr>
+          <p:cNvPr id="2" name="Slide Image Placeholder 1"/>
+          <p:cNvSpPr>
+            <a:spLocks noGrp="1" noRot="1" noChangeAspect="1"/>
+          </p:cNvSpPr>
+          <p:nvPr>
+            <p:ph type="sldImg"/>
+          </p:nvPr>
+        </p:nvSpPr>
+        <p:spPr/>
+      </p:sp>
+      <p:sp>
+        <p:nvSpPr>
+          <p:cNvPr id="3" name="Notes Placeholder 2"/>
+          <p:cNvSpPr>
+            <a:spLocks noGrp="1"/>
+          </p:cNvSpPr>
+          <p:nvPr>
+            <p:ph type="body" idx="1"/>
+          </p:nvPr>
+        </p:nvSpPr>
+        <p:spPr/>
+        <p:txBody>
+          <a:bodyPr/>
+          <a:lstStyle/>
+          <a:p>
+            <a:endParaRPr lang="en-GB" dirty="0"/>
+          </a:p>
+        </p:txBody>
+      </p:sp>
+      <p:sp>
+        <p:nvSpPr>
+          <p:cNvPr id="4" name="Slide Number Placeholder 3"/>
+          <p:cNvSpPr>
+            <a:spLocks noGrp="1"/>
+          </p:cNvSpPr>
+          <p:nvPr>
+            <p:ph type="sldNum" sz="quarter" idx="10"/>
+          </p:nvPr>
+        </p:nvSpPr>
+        <p:spPr/>
+        <p:txBody>
+          <a:bodyPr/>
+          <a:lstStyle/>
+          <a:p>
+            <a:fld id="{E36643B1-9D94-4426-9F70-001B837290C8}" type="slidenum">
+              <a:rPr lang="sv-SE" smtClean="0"/>
+              <a:pPr/>
+              <a:t>11</a:t>
+            </a:fld>
+            <a:endParaRPr lang="sv-SE"/>
+          </a:p>
+        </p:txBody>
+      </p:sp>
+    </p:spTree>
+    <p:extLst>
+      <p:ext uri="{BB962C8B-B14F-4D97-AF65-F5344CB8AC3E}">
+        <p14:creationId xmlns:p14="http://schemas.microsoft.com/office/powerpoint/2010/main" val="2877994907"/>
       </p:ext>
     </p:extLst>
   </p:cSld>
@@ -5118,6 +5204,115 @@
     <p:extLst>
       <p:ext uri="{BB962C8B-B14F-4D97-AF65-F5344CB8AC3E}">
         <p14:creationId xmlns:p14="http://schemas.microsoft.com/office/powerpoint/2010/main" val="2686761189"/>
+      </p:ext>
+    </p:extLst>
+  </p:cSld>
+  <p:clrMapOvr>
+    <a:masterClrMapping/>
+  </p:clrMapOvr>
+  <p:timing>
+    <p:tnLst>
+      <p:par>
+        <p:cTn id="1" dur="indefinite" restart="never" nodeType="tmRoot"/>
+      </p:par>
+    </p:tnLst>
+  </p:timing>
+</p:sld>
+</file>
+
+<file path=ppt/slides/slide11.xml><?xml version="1.0" encoding="utf-8"?>
+<p:sld xmlns:a="http://schemas.openxmlformats.org/drawingml/2006/main" xmlns:r="http://schemas.openxmlformats.org/officeDocument/2006/relationships" xmlns:p="http://schemas.openxmlformats.org/presentationml/2006/main">
+  <p:cSld>
+    <p:spTree>
+      <p:nvGrpSpPr>
+        <p:cNvPr id="1" name=""/>
+        <p:cNvGrpSpPr/>
+        <p:nvPr/>
+      </p:nvGrpSpPr>
+      <p:grpSpPr>
+        <a:xfrm>
+          <a:off x="0" y="0"/>
+          <a:ext cx="0" cy="0"/>
+          <a:chOff x="0" y="0"/>
+          <a:chExt cx="0" cy="0"/>
+        </a:xfrm>
+      </p:grpSpPr>
+      <p:sp>
+        <p:nvSpPr>
+          <p:cNvPr id="19458" name="Rectangle 2"/>
+          <p:cNvSpPr>
+            <a:spLocks noGrp="1" noChangeArrowheads="1"/>
+          </p:cNvSpPr>
+          <p:nvPr>
+            <p:ph type="title"/>
+          </p:nvPr>
+        </p:nvSpPr>
+        <p:spPr>
+          <a:xfrm>
+            <a:off x="6550597" y="7566596"/>
+            <a:ext cx="28443160" cy="2801937"/>
+          </a:xfrm>
+        </p:spPr>
+        <p:txBody>
+          <a:bodyPr/>
+          <a:lstStyle/>
+          <a:p>
+            <a:pPr algn="ctr"/>
+            <a:r>
+              <a:rPr lang="en-US" sz="14500" dirty="0" smtClean="0">
+                <a:solidFill>
+                  <a:schemeClr val="tx1"/>
+                </a:solidFill>
+              </a:rPr>
+              <a:t>Thanks for Listening!</a:t>
+            </a:r>
+            <a:endParaRPr lang="en-US" sz="14500" dirty="0">
+              <a:solidFill>
+                <a:schemeClr val="tx1"/>
+              </a:solidFill>
+            </a:endParaRPr>
+          </a:p>
+        </p:txBody>
+      </p:sp>
+      <p:sp>
+        <p:nvSpPr>
+          <p:cNvPr id="2" name="TextBox 1"/>
+          <p:cNvSpPr txBox="1"/>
+          <p:nvPr/>
+        </p:nvSpPr>
+        <p:spPr>
+          <a:xfrm>
+            <a:off x="7867076" y="12629812"/>
+            <a:ext cx="24174351" cy="3139321"/>
+          </a:xfrm>
+          <a:prstGeom prst="rect">
+            <a:avLst/>
+          </a:prstGeom>
+          <a:noFill/>
+        </p:spPr>
+        <p:txBody>
+          <a:bodyPr wrap="square" rtlCol="0">
+            <a:spAutoFit/>
+          </a:bodyPr>
+          <a:lstStyle/>
+          <a:p>
+            <a:pPr algn="ctr"/>
+            <a:r>
+              <a:rPr lang="sv-SE" sz="9000" b="1" dirty="0" smtClean="0"/>
+              <a:t>Questions?</a:t>
+            </a:r>
+            <a:endParaRPr lang="sv-SE" sz="9000" dirty="0"/>
+          </a:p>
+          <a:p>
+            <a:pPr algn="ctr"/>
+            <a:endParaRPr lang="en-GB" sz="9000" dirty="0"/>
+          </a:p>
+        </p:txBody>
+      </p:sp>
+    </p:spTree>
+    <p:extLst>
+      <p:ext uri="{BB962C8B-B14F-4D97-AF65-F5344CB8AC3E}">
+        <p14:creationId xmlns:p14="http://schemas.microsoft.com/office/powerpoint/2010/main" val="339466794"/>
       </p:ext>
     </p:extLst>
   </p:cSld>

--- a/presentation.pptx
+++ b/presentation.pptx
@@ -13,8 +13,8 @@
   <p:sldIdLst>
     <p:sldId id="256" r:id="rId2"/>
     <p:sldId id="259" r:id="rId3"/>
-    <p:sldId id="263" r:id="rId4"/>
-    <p:sldId id="262" r:id="rId5"/>
+    <p:sldId id="262" r:id="rId4"/>
+    <p:sldId id="263" r:id="rId5"/>
     <p:sldId id="260" r:id="rId6"/>
     <p:sldId id="261" r:id="rId7"/>
     <p:sldId id="264" r:id="rId8"/>
@@ -1314,7 +1314,23 @@
             </a:pPr>
             <a:r>
               <a:rPr lang="en-GB" dirty="0" smtClean="0"/>
-              <a:t>Expand on black/white board. Show binary string representation and rotational</a:t>
+              <a:t>Expand on black/white board. Show binary string </a:t>
+            </a:r>
+            <a:r>
+              <a:rPr lang="en-GB" dirty="0" smtClean="0"/>
+              <a:t>representation (</a:t>
+            </a:r>
+            <a:r>
+              <a:rPr lang="en-GB" dirty="0" err="1" smtClean="0"/>
+              <a:t>dec</a:t>
+            </a:r>
+            <a:r>
+              <a:rPr lang="en-GB" dirty="0" smtClean="0"/>
+              <a:t> 203, rot 151) </a:t>
+            </a:r>
+            <a:r>
+              <a:rPr lang="en-GB" dirty="0" smtClean="0"/>
+              <a:t>and rotational</a:t>
             </a:r>
             <a:r>
               <a:rPr lang="en-GB" baseline="0" dirty="0" smtClean="0"/>
@@ -1345,7 +1361,7 @@
             <a:fld id="{E36643B1-9D94-4426-9F70-001B837290C8}" type="slidenum">
               <a:rPr lang="sv-SE" smtClean="0"/>
               <a:pPr/>
-              <a:t>3</a:t>
+              <a:t>4</a:t>
             </a:fld>
             <a:endParaRPr lang="sv-SE"/>
           </a:p>
@@ -5617,93 +5633,510 @@
   <p:timing>
     <p:tnLst>
       <p:par>
-        <p:cTn id="1" dur="indefinite" restart="never" nodeType="tmRoot">
-          <p:childTnLst>
-            <p:seq concurrent="1" nextAc="seek">
-              <p:cTn id="2" dur="indefinite" nodeType="mainSeq">
-                <p:childTnLst>
-                  <p:par>
-                    <p:cTn id="3" fill="hold">
-                      <p:stCondLst>
-                        <p:cond delay="indefinite"/>
-                      </p:stCondLst>
-                      <p:childTnLst>
-                        <p:par>
-                          <p:cTn id="4" fill="hold">
-                            <p:stCondLst>
-                              <p:cond delay="0"/>
-                            </p:stCondLst>
-                            <p:childTnLst>
-                              <p:par>
-                                <p:cTn id="5" presetID="10" presetClass="entr" presetSubtype="0" fill="hold" grpId="0" nodeType="clickEffect">
-                                  <p:stCondLst>
-                                    <p:cond delay="0"/>
-                                  </p:stCondLst>
-                                  <p:childTnLst>
-                                    <p:set>
-                                      <p:cBhvr>
-                                        <p:cTn id="6" dur="1" fill="hold">
-                                          <p:stCondLst>
-                                            <p:cond delay="0"/>
-                                          </p:stCondLst>
-                                        </p:cTn>
-                                        <p:tgtEl>
-                                          <p:spTgt spid="4"/>
-                                        </p:tgtEl>
-                                        <p:attrNameLst>
-                                          <p:attrName>style.visibility</p:attrName>
-                                        </p:attrNameLst>
-                                      </p:cBhvr>
-                                      <p:to>
-                                        <p:strVal val="visible"/>
-                                      </p:to>
-                                    </p:set>
-                                    <p:animEffect transition="in" filter="fade">
-                                      <p:cBhvr>
-                                        <p:cTn id="7" dur="500"/>
-                                        <p:tgtEl>
-                                          <p:spTgt spid="4"/>
-                                        </p:tgtEl>
-                                      </p:cBhvr>
-                                    </p:animEffect>
-                                  </p:childTnLst>
-                                </p:cTn>
-                              </p:par>
-                            </p:childTnLst>
-                          </p:cTn>
-                        </p:par>
-                      </p:childTnLst>
-                    </p:cTn>
-                  </p:par>
-                </p:childTnLst>
-              </p:cTn>
-              <p:prevCondLst>
-                <p:cond evt="onPrev" delay="0">
-                  <p:tgtEl>
-                    <p:sldTgt/>
-                  </p:tgtEl>
-                </p:cond>
-              </p:prevCondLst>
-              <p:nextCondLst>
-                <p:cond evt="onNext" delay="0">
-                  <p:tgtEl>
-                    <p:sldTgt/>
-                  </p:tgtEl>
-                </p:cond>
-              </p:nextCondLst>
-            </p:seq>
-          </p:childTnLst>
-        </p:cTn>
+        <p:cTn id="1" dur="indefinite" restart="never" nodeType="tmRoot"/>
       </p:par>
     </p:tnLst>
-    <p:bldLst>
-      <p:bldP spid="4" grpId="0"/>
-    </p:bldLst>
   </p:timing>
 </p:sld>
 </file>
 
 <file path=ppt/slides/slide3.xml><?xml version="1.0" encoding="utf-8"?>
+<p:sld xmlns:a="http://schemas.openxmlformats.org/drawingml/2006/main" xmlns:r="http://schemas.openxmlformats.org/officeDocument/2006/relationships" xmlns:p="http://schemas.openxmlformats.org/presentationml/2006/main">
+  <p:cSld>
+    <p:spTree>
+      <p:nvGrpSpPr>
+        <p:cNvPr id="1" name=""/>
+        <p:cNvGrpSpPr/>
+        <p:nvPr/>
+      </p:nvGrpSpPr>
+      <p:grpSpPr>
+        <a:xfrm>
+          <a:off x="0" y="0"/>
+          <a:ext cx="0" cy="0"/>
+          <a:chOff x="0" y="0"/>
+          <a:chExt cx="0" cy="0"/>
+        </a:xfrm>
+      </p:grpSpPr>
+      <p:sp>
+        <p:nvSpPr>
+          <p:cNvPr id="2" name="Title 1"/>
+          <p:cNvSpPr>
+            <a:spLocks noGrp="1"/>
+          </p:cNvSpPr>
+          <p:nvPr>
+            <p:ph type="title"/>
+          </p:nvPr>
+        </p:nvSpPr>
+        <p:spPr/>
+        <p:txBody>
+          <a:bodyPr/>
+          <a:lstStyle/>
+          <a:p>
+            <a:r>
+              <a:rPr lang="sv-SE" sz="14400" dirty="0" smtClean="0"/>
+              <a:t>Data</a:t>
+            </a:r>
+            <a:endParaRPr lang="en-GB" sz="14400" dirty="0"/>
+          </a:p>
+        </p:txBody>
+      </p:sp>
+      <p:sp>
+        <p:nvSpPr>
+          <p:cNvPr id="3" name="Content Placeholder 2"/>
+          <p:cNvSpPr>
+            <a:spLocks noGrp="1"/>
+          </p:cNvSpPr>
+          <p:nvPr>
+            <p:ph idx="1"/>
+          </p:nvPr>
+        </p:nvSpPr>
+        <p:spPr>
+          <a:xfrm>
+            <a:off x="7126661" y="4031829"/>
+            <a:ext cx="27779663" cy="17280260"/>
+          </a:xfrm>
+        </p:spPr>
+        <p:txBody>
+          <a:bodyPr/>
+          <a:lstStyle/>
+          <a:p>
+            <a:r>
+              <a:rPr lang="sv-SE" dirty="0" smtClean="0"/>
+              <a:t>10274 80x80 images (75% healthy)</a:t>
+            </a:r>
+          </a:p>
+          <a:p>
+            <a:r>
+              <a:rPr lang="sv-SE" dirty="0" smtClean="0"/>
+              <a:t>Cells sampled from patients mouth</a:t>
+            </a:r>
+          </a:p>
+          <a:p>
+            <a:r>
+              <a:rPr lang="sv-SE" dirty="0" smtClean="0"/>
+              <a:t>Three healthy patients, three with cancer</a:t>
+            </a:r>
+          </a:p>
+          <a:p>
+            <a:r>
+              <a:rPr lang="sv-SE" dirty="0" smtClean="0"/>
+              <a:t>Ground truth on patient level, not cell level</a:t>
+            </a:r>
+            <a:endParaRPr lang="en-GB" dirty="0"/>
+          </a:p>
+        </p:txBody>
+      </p:sp>
+      <p:pic>
+        <p:nvPicPr>
+          <p:cNvPr id="2051" name="Picture 3" descr="C:\Users\Bulb\Documents\Teknisk Fysik\15hp project\code\data\glass_3_im_85.jpg"/>
+          <p:cNvPicPr>
+            <a:picLocks noChangeAspect="1" noChangeArrowheads="1"/>
+          </p:cNvPicPr>
+          <p:nvPr/>
+        </p:nvPicPr>
+        <p:blipFill>
+          <a:blip r:embed="rId2">
+            <a:extLst>
+              <a:ext uri="{28A0092B-C50C-407E-A947-70E740481C1C}">
+                <a14:useLocalDpi xmlns:a14="http://schemas.microsoft.com/office/drawing/2010/main" val="0"/>
+              </a:ext>
+            </a:extLst>
+          </a:blip>
+          <a:srcRect/>
+          <a:stretch>
+            <a:fillRect/>
+          </a:stretch>
+        </p:blipFill>
+        <p:spPr bwMode="auto">
+          <a:xfrm>
+            <a:off x="8198002" y="17597955"/>
+            <a:ext cx="4873771" cy="4908037"/>
+          </a:xfrm>
+          <a:prstGeom prst="rect">
+            <a:avLst/>
+          </a:prstGeom>
+          <a:noFill/>
+          <a:extLst>
+            <a:ext uri="{909E8E84-426E-40DD-AFC4-6F175D3DCCD1}">
+              <a14:hiddenFill xmlns:a14="http://schemas.microsoft.com/office/drawing/2010/main">
+                <a:solidFill>
+                  <a:srgbClr val="FFFFFF"/>
+                </a:solidFill>
+              </a14:hiddenFill>
+            </a:ext>
+          </a:extLst>
+        </p:spPr>
+      </p:pic>
+      <p:pic>
+        <p:nvPicPr>
+          <p:cNvPr id="2052" name="Picture 4" descr="C:\Users\Bulb\Documents\Teknisk Fysik\15hp project\code\data\glass_3_im_200.jpg"/>
+          <p:cNvPicPr>
+            <a:picLocks noChangeAspect="1" noChangeArrowheads="1"/>
+          </p:cNvPicPr>
+          <p:nvPr/>
+        </p:nvPicPr>
+        <p:blipFill>
+          <a:blip r:embed="rId3">
+            <a:extLst>
+              <a:ext uri="{28A0092B-C50C-407E-A947-70E740481C1C}">
+                <a14:useLocalDpi xmlns:a14="http://schemas.microsoft.com/office/drawing/2010/main" val="0"/>
+              </a:ext>
+            </a:extLst>
+          </a:blip>
+          <a:srcRect/>
+          <a:stretch>
+            <a:fillRect/>
+          </a:stretch>
+        </p:blipFill>
+        <p:spPr bwMode="auto">
+          <a:xfrm>
+            <a:off x="13647838" y="17576342"/>
+            <a:ext cx="4873771" cy="4905322"/>
+          </a:xfrm>
+          <a:prstGeom prst="rect">
+            <a:avLst/>
+          </a:prstGeom>
+          <a:noFill/>
+          <a:extLst>
+            <a:ext uri="{909E8E84-426E-40DD-AFC4-6F175D3DCCD1}">
+              <a14:hiddenFill xmlns:a14="http://schemas.microsoft.com/office/drawing/2010/main">
+                <a:solidFill>
+                  <a:srgbClr val="FFFFFF"/>
+                </a:solidFill>
+              </a14:hiddenFill>
+            </a:ext>
+          </a:extLst>
+        </p:spPr>
+      </p:pic>
+      <p:pic>
+        <p:nvPicPr>
+          <p:cNvPr id="2053" name="Picture 5" descr="C:\Users\Bulb\Documents\Teknisk Fysik\15hp project\code\data\glass_3_im_1000.jpg"/>
+          <p:cNvPicPr>
+            <a:picLocks noChangeAspect="1" noChangeArrowheads="1"/>
+          </p:cNvPicPr>
+          <p:nvPr/>
+        </p:nvPicPr>
+        <p:blipFill>
+          <a:blip r:embed="rId4">
+            <a:extLst>
+              <a:ext uri="{28A0092B-C50C-407E-A947-70E740481C1C}">
+                <a14:useLocalDpi xmlns:a14="http://schemas.microsoft.com/office/drawing/2010/main" val="0"/>
+              </a:ext>
+            </a:extLst>
+          </a:blip>
+          <a:srcRect/>
+          <a:stretch>
+            <a:fillRect/>
+          </a:stretch>
+        </p:blipFill>
+        <p:spPr bwMode="auto">
+          <a:xfrm>
+            <a:off x="8141429" y="12083349"/>
+            <a:ext cx="4905322" cy="5021884"/>
+          </a:xfrm>
+          <a:prstGeom prst="rect">
+            <a:avLst/>
+          </a:prstGeom>
+          <a:noFill/>
+          <a:extLst>
+            <a:ext uri="{909E8E84-426E-40DD-AFC4-6F175D3DCCD1}">
+              <a14:hiddenFill xmlns:a14="http://schemas.microsoft.com/office/drawing/2010/main">
+                <a:solidFill>
+                  <a:srgbClr val="FFFFFF"/>
+                </a:solidFill>
+              </a14:hiddenFill>
+            </a:ext>
+          </a:extLst>
+        </p:spPr>
+      </p:pic>
+      <p:sp>
+        <p:nvSpPr>
+          <p:cNvPr id="4" name="TextBox 3"/>
+          <p:cNvSpPr txBox="1"/>
+          <p:nvPr/>
+        </p:nvSpPr>
+        <p:spPr>
+          <a:xfrm>
+            <a:off x="8141429" y="23256138"/>
+            <a:ext cx="10411732" cy="1169551"/>
+          </a:xfrm>
+          <a:prstGeom prst="rect">
+            <a:avLst/>
+          </a:prstGeom>
+          <a:noFill/>
+        </p:spPr>
+        <p:txBody>
+          <a:bodyPr wrap="square" rtlCol="0">
+            <a:spAutoFit/>
+          </a:bodyPr>
+          <a:lstStyle/>
+          <a:p>
+            <a:pPr algn="ctr"/>
+            <a:r>
+              <a:rPr lang="sv-SE" sz="7000" b="1" dirty="0" smtClean="0"/>
+              <a:t>Healthy Cells</a:t>
+            </a:r>
+            <a:endParaRPr lang="en-GB" sz="7000" b="1" dirty="0"/>
+          </a:p>
+        </p:txBody>
+      </p:sp>
+      <p:pic>
+        <p:nvPicPr>
+          <p:cNvPr id="2057" name="Picture 9" descr="C:\Users\Bulb\Documents\Teknisk Fysik\15hp project\code\data\glass_12_im_50.jpg"/>
+          <p:cNvPicPr>
+            <a:picLocks noChangeAspect="1" noChangeArrowheads="1"/>
+          </p:cNvPicPr>
+          <p:nvPr/>
+        </p:nvPicPr>
+        <p:blipFill>
+          <a:blip r:embed="rId5">
+            <a:extLst>
+              <a:ext uri="{28A0092B-C50C-407E-A947-70E740481C1C}">
+                <a14:useLocalDpi xmlns:a14="http://schemas.microsoft.com/office/drawing/2010/main" val="0"/>
+              </a:ext>
+            </a:extLst>
+          </a:blip>
+          <a:srcRect/>
+          <a:stretch>
+            <a:fillRect/>
+          </a:stretch>
+        </p:blipFill>
+        <p:spPr bwMode="auto">
+          <a:xfrm>
+            <a:off x="21886708" y="12083349"/>
+            <a:ext cx="4905322" cy="4997556"/>
+          </a:xfrm>
+          <a:prstGeom prst="rect">
+            <a:avLst/>
+          </a:prstGeom>
+          <a:noFill/>
+          <a:extLst>
+            <a:ext uri="{909E8E84-426E-40DD-AFC4-6F175D3DCCD1}">
+              <a14:hiddenFill xmlns:a14="http://schemas.microsoft.com/office/drawing/2010/main">
+                <a:solidFill>
+                  <a:srgbClr val="FFFFFF"/>
+                </a:solidFill>
+              </a14:hiddenFill>
+            </a:ext>
+          </a:extLst>
+        </p:spPr>
+      </p:pic>
+      <p:pic>
+        <p:nvPicPr>
+          <p:cNvPr id="2058" name="Picture 10" descr="C:\Users\Bulb\Documents\Teknisk Fysik\15hp project\code\data\glass_12_im_100.jpg"/>
+          <p:cNvPicPr>
+            <a:picLocks noChangeAspect="1" noChangeArrowheads="1"/>
+          </p:cNvPicPr>
+          <p:nvPr/>
+        </p:nvPicPr>
+        <p:blipFill>
+          <a:blip r:embed="rId6">
+            <a:extLst>
+              <a:ext uri="{28A0092B-C50C-407E-A947-70E740481C1C}">
+                <a14:useLocalDpi xmlns:a14="http://schemas.microsoft.com/office/drawing/2010/main" val="0"/>
+              </a:ext>
+            </a:extLst>
+          </a:blip>
+          <a:srcRect/>
+          <a:stretch>
+            <a:fillRect/>
+          </a:stretch>
+        </p:blipFill>
+        <p:spPr bwMode="auto">
+          <a:xfrm>
+            <a:off x="27257350" y="17488785"/>
+            <a:ext cx="4968552" cy="4968552"/>
+          </a:xfrm>
+          <a:prstGeom prst="rect">
+            <a:avLst/>
+          </a:prstGeom>
+          <a:noFill/>
+          <a:extLst>
+            <a:ext uri="{909E8E84-426E-40DD-AFC4-6F175D3DCCD1}">
+              <a14:hiddenFill xmlns:a14="http://schemas.microsoft.com/office/drawing/2010/main">
+                <a:solidFill>
+                  <a:srgbClr val="FFFFFF"/>
+                </a:solidFill>
+              </a14:hiddenFill>
+            </a:ext>
+          </a:extLst>
+        </p:spPr>
+      </p:pic>
+      <p:pic>
+        <p:nvPicPr>
+          <p:cNvPr id="2059" name="Picture 11" descr="C:\Users\Bulb\Documents\Teknisk Fysik\15hp project\code\data\glass_12_im_200.jpg"/>
+          <p:cNvPicPr>
+            <a:picLocks noChangeAspect="1" noChangeArrowheads="1"/>
+          </p:cNvPicPr>
+          <p:nvPr/>
+        </p:nvPicPr>
+        <p:blipFill>
+          <a:blip r:embed="rId7">
+            <a:extLst>
+              <a:ext uri="{28A0092B-C50C-407E-A947-70E740481C1C}">
+                <a14:useLocalDpi xmlns:a14="http://schemas.microsoft.com/office/drawing/2010/main" val="0"/>
+              </a:ext>
+            </a:extLst>
+          </a:blip>
+          <a:srcRect/>
+          <a:stretch>
+            <a:fillRect/>
+          </a:stretch>
+        </p:blipFill>
+        <p:spPr bwMode="auto">
+          <a:xfrm>
+            <a:off x="21886708" y="17530401"/>
+            <a:ext cx="4896544" cy="4896544"/>
+          </a:xfrm>
+          <a:prstGeom prst="rect">
+            <a:avLst/>
+          </a:prstGeom>
+          <a:noFill/>
+          <a:extLst>
+            <a:ext uri="{909E8E84-426E-40DD-AFC4-6F175D3DCCD1}">
+              <a14:hiddenFill xmlns:a14="http://schemas.microsoft.com/office/drawing/2010/main">
+                <a:solidFill>
+                  <a:srgbClr val="FFFFFF"/>
+                </a:solidFill>
+              </a14:hiddenFill>
+            </a:ext>
+          </a:extLst>
+        </p:spPr>
+      </p:pic>
+      <p:pic>
+        <p:nvPicPr>
+          <p:cNvPr id="2061" name="Picture 13" descr="C:\Users\Bulb\Documents\Teknisk Fysik\15hp project\code\data\glass_4_im_1.jpg"/>
+          <p:cNvPicPr>
+            <a:picLocks noChangeAspect="1" noChangeArrowheads="1"/>
+          </p:cNvPicPr>
+          <p:nvPr/>
+        </p:nvPicPr>
+        <p:blipFill>
+          <a:blip r:embed="rId8">
+            <a:extLst>
+              <a:ext uri="{28A0092B-C50C-407E-A947-70E740481C1C}">
+                <a14:useLocalDpi xmlns:a14="http://schemas.microsoft.com/office/drawing/2010/main" val="0"/>
+              </a:ext>
+            </a:extLst>
+          </a:blip>
+          <a:srcRect/>
+          <a:stretch>
+            <a:fillRect/>
+          </a:stretch>
+        </p:blipFill>
+        <p:spPr bwMode="auto">
+          <a:xfrm>
+            <a:off x="13647838" y="12083349"/>
+            <a:ext cx="4905322" cy="5021885"/>
+          </a:xfrm>
+          <a:prstGeom prst="rect">
+            <a:avLst/>
+          </a:prstGeom>
+          <a:noFill/>
+          <a:extLst>
+            <a:ext uri="{909E8E84-426E-40DD-AFC4-6F175D3DCCD1}">
+              <a14:hiddenFill xmlns:a14="http://schemas.microsoft.com/office/drawing/2010/main">
+                <a:solidFill>
+                  <a:srgbClr val="FFFFFF"/>
+                </a:solidFill>
+              </a14:hiddenFill>
+            </a:ext>
+          </a:extLst>
+        </p:spPr>
+      </p:pic>
+      <p:sp>
+        <p:nvSpPr>
+          <p:cNvPr id="18" name="TextBox 17"/>
+          <p:cNvSpPr txBox="1"/>
+          <p:nvPr/>
+        </p:nvSpPr>
+        <p:spPr>
+          <a:xfrm>
+            <a:off x="21886708" y="23231810"/>
+            <a:ext cx="9979154" cy="1169551"/>
+          </a:xfrm>
+          <a:prstGeom prst="rect">
+            <a:avLst/>
+          </a:prstGeom>
+          <a:noFill/>
+        </p:spPr>
+        <p:txBody>
+          <a:bodyPr wrap="square" rtlCol="0">
+            <a:spAutoFit/>
+          </a:bodyPr>
+          <a:lstStyle/>
+          <a:p>
+            <a:pPr algn="ctr"/>
+            <a:r>
+              <a:rPr lang="sv-SE" sz="7000" b="1" dirty="0" smtClean="0"/>
+              <a:t>Cancer Cells</a:t>
+            </a:r>
+            <a:endParaRPr lang="en-GB" sz="7000" b="1" dirty="0"/>
+          </a:p>
+        </p:txBody>
+      </p:sp>
+      <p:pic>
+        <p:nvPicPr>
+          <p:cNvPr id="2063" name="Picture 15" descr="C:\Users\Bulb\Documents\Teknisk Fysik\15hp project\code\data\glass_37_im_1.jpg"/>
+          <p:cNvPicPr>
+            <a:picLocks noChangeAspect="1" noChangeArrowheads="1"/>
+          </p:cNvPicPr>
+          <p:nvPr/>
+        </p:nvPicPr>
+        <p:blipFill>
+          <a:blip r:embed="rId9">
+            <a:extLst>
+              <a:ext uri="{28A0092B-C50C-407E-A947-70E740481C1C}">
+                <a14:useLocalDpi xmlns:a14="http://schemas.microsoft.com/office/drawing/2010/main" val="0"/>
+              </a:ext>
+            </a:extLst>
+          </a:blip>
+          <a:srcRect/>
+          <a:stretch>
+            <a:fillRect/>
+          </a:stretch>
+        </p:blipFill>
+        <p:spPr bwMode="auto">
+          <a:xfrm>
+            <a:off x="27228344" y="12083349"/>
+            <a:ext cx="4997557" cy="4997557"/>
+          </a:xfrm>
+          <a:prstGeom prst="rect">
+            <a:avLst/>
+          </a:prstGeom>
+          <a:noFill/>
+          <a:extLst>
+            <a:ext uri="{909E8E84-426E-40DD-AFC4-6F175D3DCCD1}">
+              <a14:hiddenFill xmlns:a14="http://schemas.microsoft.com/office/drawing/2010/main">
+                <a:solidFill>
+                  <a:srgbClr val="FFFFFF"/>
+                </a:solidFill>
+              </a14:hiddenFill>
+            </a:ext>
+          </a:extLst>
+        </p:spPr>
+      </p:pic>
+    </p:spTree>
+    <p:extLst>
+      <p:ext uri="{BB962C8B-B14F-4D97-AF65-F5344CB8AC3E}">
+        <p14:creationId xmlns:p14="http://schemas.microsoft.com/office/powerpoint/2010/main" val="4109800522"/>
+      </p:ext>
+    </p:extLst>
+  </p:cSld>
+  <p:clrMapOvr>
+    <a:masterClrMapping/>
+  </p:clrMapOvr>
+  <p:timing>
+    <p:tnLst>
+      <p:par>
+        <p:cTn id="1" dur="indefinite" restart="never" nodeType="tmRoot"/>
+      </p:par>
+    </p:tnLst>
+  </p:timing>
+</p:sld>
+</file>
+
+<file path=ppt/slides/slide4.xml><?xml version="1.0" encoding="utf-8"?>
 <p:sld xmlns:a="http://schemas.openxmlformats.org/drawingml/2006/main" xmlns:r="http://schemas.openxmlformats.org/officeDocument/2006/relationships" xmlns:p="http://schemas.openxmlformats.org/presentationml/2006/main">
   <p:cSld>
     <p:spTree>
@@ -7171,772 +7604,6 @@
 </p:sld>
 </file>
 
-<file path=ppt/slides/slide4.xml><?xml version="1.0" encoding="utf-8"?>
-<p:sld xmlns:a="http://schemas.openxmlformats.org/drawingml/2006/main" xmlns:r="http://schemas.openxmlformats.org/officeDocument/2006/relationships" xmlns:p="http://schemas.openxmlformats.org/presentationml/2006/main">
-  <p:cSld>
-    <p:spTree>
-      <p:nvGrpSpPr>
-        <p:cNvPr id="1" name=""/>
-        <p:cNvGrpSpPr/>
-        <p:nvPr/>
-      </p:nvGrpSpPr>
-      <p:grpSpPr>
-        <a:xfrm>
-          <a:off x="0" y="0"/>
-          <a:ext cx="0" cy="0"/>
-          <a:chOff x="0" y="0"/>
-          <a:chExt cx="0" cy="0"/>
-        </a:xfrm>
-      </p:grpSpPr>
-      <p:sp>
-        <p:nvSpPr>
-          <p:cNvPr id="2" name="Title 1"/>
-          <p:cNvSpPr>
-            <a:spLocks noGrp="1"/>
-          </p:cNvSpPr>
-          <p:nvPr>
-            <p:ph type="title"/>
-          </p:nvPr>
-        </p:nvSpPr>
-        <p:spPr/>
-        <p:txBody>
-          <a:bodyPr/>
-          <a:lstStyle/>
-          <a:p>
-            <a:r>
-              <a:rPr lang="sv-SE" sz="14400" dirty="0" smtClean="0"/>
-              <a:t>Data</a:t>
-            </a:r>
-            <a:endParaRPr lang="en-GB" sz="14400" dirty="0"/>
-          </a:p>
-        </p:txBody>
-      </p:sp>
-      <p:sp>
-        <p:nvSpPr>
-          <p:cNvPr id="3" name="Content Placeholder 2"/>
-          <p:cNvSpPr>
-            <a:spLocks noGrp="1"/>
-          </p:cNvSpPr>
-          <p:nvPr>
-            <p:ph idx="1"/>
-          </p:nvPr>
-        </p:nvSpPr>
-        <p:spPr>
-          <a:xfrm>
-            <a:off x="7126661" y="4031829"/>
-            <a:ext cx="27779663" cy="17280260"/>
-          </a:xfrm>
-        </p:spPr>
-        <p:txBody>
-          <a:bodyPr/>
-          <a:lstStyle/>
-          <a:p>
-            <a:r>
-              <a:rPr lang="sv-SE" dirty="0" smtClean="0"/>
-              <a:t>10274 80x80 images (75% healthy)</a:t>
-            </a:r>
-          </a:p>
-          <a:p>
-            <a:r>
-              <a:rPr lang="sv-SE" dirty="0" smtClean="0"/>
-              <a:t>Cells sampled from patients mouth</a:t>
-            </a:r>
-          </a:p>
-          <a:p>
-            <a:r>
-              <a:rPr lang="sv-SE" dirty="0" smtClean="0"/>
-              <a:t>Three healthy patients, three with cancer</a:t>
-            </a:r>
-          </a:p>
-          <a:p>
-            <a:r>
-              <a:rPr lang="sv-SE" dirty="0" smtClean="0"/>
-              <a:t>Ground truth on patient level, not cell level</a:t>
-            </a:r>
-            <a:endParaRPr lang="en-GB" dirty="0"/>
-          </a:p>
-        </p:txBody>
-      </p:sp>
-      <p:pic>
-        <p:nvPicPr>
-          <p:cNvPr id="2051" name="Picture 3" descr="C:\Users\Bulb\Documents\Teknisk Fysik\15hp project\code\data\glass_3_im_85.jpg"/>
-          <p:cNvPicPr>
-            <a:picLocks noChangeAspect="1" noChangeArrowheads="1"/>
-          </p:cNvPicPr>
-          <p:nvPr/>
-        </p:nvPicPr>
-        <p:blipFill>
-          <a:blip r:embed="rId2">
-            <a:extLst>
-              <a:ext uri="{28A0092B-C50C-407E-A947-70E740481C1C}">
-                <a14:useLocalDpi xmlns:a14="http://schemas.microsoft.com/office/drawing/2010/main" val="0"/>
-              </a:ext>
-            </a:extLst>
-          </a:blip>
-          <a:srcRect/>
-          <a:stretch>
-            <a:fillRect/>
-          </a:stretch>
-        </p:blipFill>
-        <p:spPr bwMode="auto">
-          <a:xfrm>
-            <a:off x="8198002" y="17597955"/>
-            <a:ext cx="4873771" cy="4908037"/>
-          </a:xfrm>
-          <a:prstGeom prst="rect">
-            <a:avLst/>
-          </a:prstGeom>
-          <a:noFill/>
-          <a:extLst>
-            <a:ext uri="{909E8E84-426E-40DD-AFC4-6F175D3DCCD1}">
-              <a14:hiddenFill xmlns:a14="http://schemas.microsoft.com/office/drawing/2010/main">
-                <a:solidFill>
-                  <a:srgbClr val="FFFFFF"/>
-                </a:solidFill>
-              </a14:hiddenFill>
-            </a:ext>
-          </a:extLst>
-        </p:spPr>
-      </p:pic>
-      <p:pic>
-        <p:nvPicPr>
-          <p:cNvPr id="2052" name="Picture 4" descr="C:\Users\Bulb\Documents\Teknisk Fysik\15hp project\code\data\glass_3_im_200.jpg"/>
-          <p:cNvPicPr>
-            <a:picLocks noChangeAspect="1" noChangeArrowheads="1"/>
-          </p:cNvPicPr>
-          <p:nvPr/>
-        </p:nvPicPr>
-        <p:blipFill>
-          <a:blip r:embed="rId3">
-            <a:extLst>
-              <a:ext uri="{28A0092B-C50C-407E-A947-70E740481C1C}">
-                <a14:useLocalDpi xmlns:a14="http://schemas.microsoft.com/office/drawing/2010/main" val="0"/>
-              </a:ext>
-            </a:extLst>
-          </a:blip>
-          <a:srcRect/>
-          <a:stretch>
-            <a:fillRect/>
-          </a:stretch>
-        </p:blipFill>
-        <p:spPr bwMode="auto">
-          <a:xfrm>
-            <a:off x="13647838" y="17576342"/>
-            <a:ext cx="4873771" cy="4905322"/>
-          </a:xfrm>
-          <a:prstGeom prst="rect">
-            <a:avLst/>
-          </a:prstGeom>
-          <a:noFill/>
-          <a:extLst>
-            <a:ext uri="{909E8E84-426E-40DD-AFC4-6F175D3DCCD1}">
-              <a14:hiddenFill xmlns:a14="http://schemas.microsoft.com/office/drawing/2010/main">
-                <a:solidFill>
-                  <a:srgbClr val="FFFFFF"/>
-                </a:solidFill>
-              </a14:hiddenFill>
-            </a:ext>
-          </a:extLst>
-        </p:spPr>
-      </p:pic>
-      <p:pic>
-        <p:nvPicPr>
-          <p:cNvPr id="2053" name="Picture 5" descr="C:\Users\Bulb\Documents\Teknisk Fysik\15hp project\code\data\glass_3_im_1000.jpg"/>
-          <p:cNvPicPr>
-            <a:picLocks noChangeAspect="1" noChangeArrowheads="1"/>
-          </p:cNvPicPr>
-          <p:nvPr/>
-        </p:nvPicPr>
-        <p:blipFill>
-          <a:blip r:embed="rId4">
-            <a:extLst>
-              <a:ext uri="{28A0092B-C50C-407E-A947-70E740481C1C}">
-                <a14:useLocalDpi xmlns:a14="http://schemas.microsoft.com/office/drawing/2010/main" val="0"/>
-              </a:ext>
-            </a:extLst>
-          </a:blip>
-          <a:srcRect/>
-          <a:stretch>
-            <a:fillRect/>
-          </a:stretch>
-        </p:blipFill>
-        <p:spPr bwMode="auto">
-          <a:xfrm>
-            <a:off x="8141429" y="12083349"/>
-            <a:ext cx="4905322" cy="5021884"/>
-          </a:xfrm>
-          <a:prstGeom prst="rect">
-            <a:avLst/>
-          </a:prstGeom>
-          <a:noFill/>
-          <a:extLst>
-            <a:ext uri="{909E8E84-426E-40DD-AFC4-6F175D3DCCD1}">
-              <a14:hiddenFill xmlns:a14="http://schemas.microsoft.com/office/drawing/2010/main">
-                <a:solidFill>
-                  <a:srgbClr val="FFFFFF"/>
-                </a:solidFill>
-              </a14:hiddenFill>
-            </a:ext>
-          </a:extLst>
-        </p:spPr>
-      </p:pic>
-      <p:sp>
-        <p:nvSpPr>
-          <p:cNvPr id="4" name="TextBox 3"/>
-          <p:cNvSpPr txBox="1"/>
-          <p:nvPr/>
-        </p:nvSpPr>
-        <p:spPr>
-          <a:xfrm>
-            <a:off x="8141429" y="23256138"/>
-            <a:ext cx="10411732" cy="1169551"/>
-          </a:xfrm>
-          <a:prstGeom prst="rect">
-            <a:avLst/>
-          </a:prstGeom>
-          <a:noFill/>
-        </p:spPr>
-        <p:txBody>
-          <a:bodyPr wrap="square" rtlCol="0">
-            <a:spAutoFit/>
-          </a:bodyPr>
-          <a:lstStyle/>
-          <a:p>
-            <a:pPr algn="ctr"/>
-            <a:r>
-              <a:rPr lang="sv-SE" sz="7000" b="1" dirty="0" smtClean="0"/>
-              <a:t>Healthy Cells</a:t>
-            </a:r>
-            <a:endParaRPr lang="en-GB" sz="7000" b="1" dirty="0"/>
-          </a:p>
-        </p:txBody>
-      </p:sp>
-      <p:pic>
-        <p:nvPicPr>
-          <p:cNvPr id="2057" name="Picture 9" descr="C:\Users\Bulb\Documents\Teknisk Fysik\15hp project\code\data\glass_12_im_50.jpg"/>
-          <p:cNvPicPr>
-            <a:picLocks noChangeAspect="1" noChangeArrowheads="1"/>
-          </p:cNvPicPr>
-          <p:nvPr/>
-        </p:nvPicPr>
-        <p:blipFill>
-          <a:blip r:embed="rId5">
-            <a:extLst>
-              <a:ext uri="{28A0092B-C50C-407E-A947-70E740481C1C}">
-                <a14:useLocalDpi xmlns:a14="http://schemas.microsoft.com/office/drawing/2010/main" val="0"/>
-              </a:ext>
-            </a:extLst>
-          </a:blip>
-          <a:srcRect/>
-          <a:stretch>
-            <a:fillRect/>
-          </a:stretch>
-        </p:blipFill>
-        <p:spPr bwMode="auto">
-          <a:xfrm>
-            <a:off x="21886708" y="12083349"/>
-            <a:ext cx="4905322" cy="4997556"/>
-          </a:xfrm>
-          <a:prstGeom prst="rect">
-            <a:avLst/>
-          </a:prstGeom>
-          <a:noFill/>
-          <a:extLst>
-            <a:ext uri="{909E8E84-426E-40DD-AFC4-6F175D3DCCD1}">
-              <a14:hiddenFill xmlns:a14="http://schemas.microsoft.com/office/drawing/2010/main">
-                <a:solidFill>
-                  <a:srgbClr val="FFFFFF"/>
-                </a:solidFill>
-              </a14:hiddenFill>
-            </a:ext>
-          </a:extLst>
-        </p:spPr>
-      </p:pic>
-      <p:pic>
-        <p:nvPicPr>
-          <p:cNvPr id="2058" name="Picture 10" descr="C:\Users\Bulb\Documents\Teknisk Fysik\15hp project\code\data\glass_12_im_100.jpg"/>
-          <p:cNvPicPr>
-            <a:picLocks noChangeAspect="1" noChangeArrowheads="1"/>
-          </p:cNvPicPr>
-          <p:nvPr/>
-        </p:nvPicPr>
-        <p:blipFill>
-          <a:blip r:embed="rId6">
-            <a:extLst>
-              <a:ext uri="{28A0092B-C50C-407E-A947-70E740481C1C}">
-                <a14:useLocalDpi xmlns:a14="http://schemas.microsoft.com/office/drawing/2010/main" val="0"/>
-              </a:ext>
-            </a:extLst>
-          </a:blip>
-          <a:srcRect/>
-          <a:stretch>
-            <a:fillRect/>
-          </a:stretch>
-        </p:blipFill>
-        <p:spPr bwMode="auto">
-          <a:xfrm>
-            <a:off x="27257350" y="17488785"/>
-            <a:ext cx="4968552" cy="4968552"/>
-          </a:xfrm>
-          <a:prstGeom prst="rect">
-            <a:avLst/>
-          </a:prstGeom>
-          <a:noFill/>
-          <a:extLst>
-            <a:ext uri="{909E8E84-426E-40DD-AFC4-6F175D3DCCD1}">
-              <a14:hiddenFill xmlns:a14="http://schemas.microsoft.com/office/drawing/2010/main">
-                <a:solidFill>
-                  <a:srgbClr val="FFFFFF"/>
-                </a:solidFill>
-              </a14:hiddenFill>
-            </a:ext>
-          </a:extLst>
-        </p:spPr>
-      </p:pic>
-      <p:pic>
-        <p:nvPicPr>
-          <p:cNvPr id="2059" name="Picture 11" descr="C:\Users\Bulb\Documents\Teknisk Fysik\15hp project\code\data\glass_12_im_200.jpg"/>
-          <p:cNvPicPr>
-            <a:picLocks noChangeAspect="1" noChangeArrowheads="1"/>
-          </p:cNvPicPr>
-          <p:nvPr/>
-        </p:nvPicPr>
-        <p:blipFill>
-          <a:blip r:embed="rId7">
-            <a:extLst>
-              <a:ext uri="{28A0092B-C50C-407E-A947-70E740481C1C}">
-                <a14:useLocalDpi xmlns:a14="http://schemas.microsoft.com/office/drawing/2010/main" val="0"/>
-              </a:ext>
-            </a:extLst>
-          </a:blip>
-          <a:srcRect/>
-          <a:stretch>
-            <a:fillRect/>
-          </a:stretch>
-        </p:blipFill>
-        <p:spPr bwMode="auto">
-          <a:xfrm>
-            <a:off x="21886708" y="17530401"/>
-            <a:ext cx="4896544" cy="4896544"/>
-          </a:xfrm>
-          <a:prstGeom prst="rect">
-            <a:avLst/>
-          </a:prstGeom>
-          <a:noFill/>
-          <a:extLst>
-            <a:ext uri="{909E8E84-426E-40DD-AFC4-6F175D3DCCD1}">
-              <a14:hiddenFill xmlns:a14="http://schemas.microsoft.com/office/drawing/2010/main">
-                <a:solidFill>
-                  <a:srgbClr val="FFFFFF"/>
-                </a:solidFill>
-              </a14:hiddenFill>
-            </a:ext>
-          </a:extLst>
-        </p:spPr>
-      </p:pic>
-      <p:pic>
-        <p:nvPicPr>
-          <p:cNvPr id="2061" name="Picture 13" descr="C:\Users\Bulb\Documents\Teknisk Fysik\15hp project\code\data\glass_4_im_1.jpg"/>
-          <p:cNvPicPr>
-            <a:picLocks noChangeAspect="1" noChangeArrowheads="1"/>
-          </p:cNvPicPr>
-          <p:nvPr/>
-        </p:nvPicPr>
-        <p:blipFill>
-          <a:blip r:embed="rId8">
-            <a:extLst>
-              <a:ext uri="{28A0092B-C50C-407E-A947-70E740481C1C}">
-                <a14:useLocalDpi xmlns:a14="http://schemas.microsoft.com/office/drawing/2010/main" val="0"/>
-              </a:ext>
-            </a:extLst>
-          </a:blip>
-          <a:srcRect/>
-          <a:stretch>
-            <a:fillRect/>
-          </a:stretch>
-        </p:blipFill>
-        <p:spPr bwMode="auto">
-          <a:xfrm>
-            <a:off x="13647838" y="12083349"/>
-            <a:ext cx="4905322" cy="5021885"/>
-          </a:xfrm>
-          <a:prstGeom prst="rect">
-            <a:avLst/>
-          </a:prstGeom>
-          <a:noFill/>
-          <a:extLst>
-            <a:ext uri="{909E8E84-426E-40DD-AFC4-6F175D3DCCD1}">
-              <a14:hiddenFill xmlns:a14="http://schemas.microsoft.com/office/drawing/2010/main">
-                <a:solidFill>
-                  <a:srgbClr val="FFFFFF"/>
-                </a:solidFill>
-              </a14:hiddenFill>
-            </a:ext>
-          </a:extLst>
-        </p:spPr>
-      </p:pic>
-      <p:sp>
-        <p:nvSpPr>
-          <p:cNvPr id="18" name="TextBox 17"/>
-          <p:cNvSpPr txBox="1"/>
-          <p:nvPr/>
-        </p:nvSpPr>
-        <p:spPr>
-          <a:xfrm>
-            <a:off x="21886708" y="23231810"/>
-            <a:ext cx="9979154" cy="1169551"/>
-          </a:xfrm>
-          <a:prstGeom prst="rect">
-            <a:avLst/>
-          </a:prstGeom>
-          <a:noFill/>
-        </p:spPr>
-        <p:txBody>
-          <a:bodyPr wrap="square" rtlCol="0">
-            <a:spAutoFit/>
-          </a:bodyPr>
-          <a:lstStyle/>
-          <a:p>
-            <a:pPr algn="ctr"/>
-            <a:r>
-              <a:rPr lang="sv-SE" sz="7000" b="1" dirty="0" smtClean="0"/>
-              <a:t>Cancer Cells</a:t>
-            </a:r>
-            <a:endParaRPr lang="en-GB" sz="7000" b="1" dirty="0"/>
-          </a:p>
-        </p:txBody>
-      </p:sp>
-      <p:pic>
-        <p:nvPicPr>
-          <p:cNvPr id="2063" name="Picture 15" descr="C:\Users\Bulb\Documents\Teknisk Fysik\15hp project\code\data\glass_37_im_1.jpg"/>
-          <p:cNvPicPr>
-            <a:picLocks noChangeAspect="1" noChangeArrowheads="1"/>
-          </p:cNvPicPr>
-          <p:nvPr/>
-        </p:nvPicPr>
-        <p:blipFill>
-          <a:blip r:embed="rId9">
-            <a:extLst>
-              <a:ext uri="{28A0092B-C50C-407E-A947-70E740481C1C}">
-                <a14:useLocalDpi xmlns:a14="http://schemas.microsoft.com/office/drawing/2010/main" val="0"/>
-              </a:ext>
-            </a:extLst>
-          </a:blip>
-          <a:srcRect/>
-          <a:stretch>
-            <a:fillRect/>
-          </a:stretch>
-        </p:blipFill>
-        <p:spPr bwMode="auto">
-          <a:xfrm>
-            <a:off x="27228344" y="12083349"/>
-            <a:ext cx="4997557" cy="4997557"/>
-          </a:xfrm>
-          <a:prstGeom prst="rect">
-            <a:avLst/>
-          </a:prstGeom>
-          <a:noFill/>
-          <a:extLst>
-            <a:ext uri="{909E8E84-426E-40DD-AFC4-6F175D3DCCD1}">
-              <a14:hiddenFill xmlns:a14="http://schemas.microsoft.com/office/drawing/2010/main">
-                <a:solidFill>
-                  <a:srgbClr val="FFFFFF"/>
-                </a:solidFill>
-              </a14:hiddenFill>
-            </a:ext>
-          </a:extLst>
-        </p:spPr>
-      </p:pic>
-    </p:spTree>
-    <p:extLst>
-      <p:ext uri="{BB962C8B-B14F-4D97-AF65-F5344CB8AC3E}">
-        <p14:creationId xmlns:p14="http://schemas.microsoft.com/office/powerpoint/2010/main" val="4109800522"/>
-      </p:ext>
-    </p:extLst>
-  </p:cSld>
-  <p:clrMapOvr>
-    <a:masterClrMapping/>
-  </p:clrMapOvr>
-  <p:timing>
-    <p:tnLst>
-      <p:par>
-        <p:cTn id="1" dur="indefinite" restart="never" nodeType="tmRoot">
-          <p:childTnLst>
-            <p:seq concurrent="1" nextAc="seek">
-              <p:cTn id="2" dur="indefinite" nodeType="mainSeq">
-                <p:childTnLst>
-                  <p:par>
-                    <p:cTn id="3" fill="hold">
-                      <p:stCondLst>
-                        <p:cond delay="indefinite"/>
-                      </p:stCondLst>
-                      <p:childTnLst>
-                        <p:par>
-                          <p:cTn id="4" fill="hold">
-                            <p:stCondLst>
-                              <p:cond delay="0"/>
-                            </p:stCondLst>
-                            <p:childTnLst>
-                              <p:par>
-                                <p:cTn id="5" presetID="10" presetClass="entr" presetSubtype="0" fill="hold" grpId="0" nodeType="clickEffect">
-                                  <p:stCondLst>
-                                    <p:cond delay="0"/>
-                                  </p:stCondLst>
-                                  <p:childTnLst>
-                                    <p:set>
-                                      <p:cBhvr>
-                                        <p:cTn id="6" dur="1" fill="hold">
-                                          <p:stCondLst>
-                                            <p:cond delay="0"/>
-                                          </p:stCondLst>
-                                        </p:cTn>
-                                        <p:tgtEl>
-                                          <p:spTgt spid="3">
-                                            <p:txEl>
-                                              <p:pRg st="0" end="0"/>
-                                            </p:txEl>
-                                          </p:spTgt>
-                                        </p:tgtEl>
-                                        <p:attrNameLst>
-                                          <p:attrName>style.visibility</p:attrName>
-                                        </p:attrNameLst>
-                                      </p:cBhvr>
-                                      <p:to>
-                                        <p:strVal val="visible"/>
-                                      </p:to>
-                                    </p:set>
-                                    <p:animEffect transition="in" filter="fade">
-                                      <p:cBhvr>
-                                        <p:cTn id="7" dur="500"/>
-                                        <p:tgtEl>
-                                          <p:spTgt spid="3">
-                                            <p:txEl>
-                                              <p:pRg st="0" end="0"/>
-                                            </p:txEl>
-                                          </p:spTgt>
-                                        </p:tgtEl>
-                                      </p:cBhvr>
-                                    </p:animEffect>
-                                  </p:childTnLst>
-                                </p:cTn>
-                              </p:par>
-                            </p:childTnLst>
-                          </p:cTn>
-                        </p:par>
-                      </p:childTnLst>
-                    </p:cTn>
-                  </p:par>
-                  <p:par>
-                    <p:cTn id="8" fill="hold">
-                      <p:stCondLst>
-                        <p:cond delay="indefinite"/>
-                      </p:stCondLst>
-                      <p:childTnLst>
-                        <p:par>
-                          <p:cTn id="9" fill="hold">
-                            <p:stCondLst>
-                              <p:cond delay="0"/>
-                            </p:stCondLst>
-                            <p:childTnLst>
-                              <p:par>
-                                <p:cTn id="10" presetID="10" presetClass="entr" presetSubtype="0" fill="hold" grpId="0" nodeType="clickEffect">
-                                  <p:stCondLst>
-                                    <p:cond delay="0"/>
-                                  </p:stCondLst>
-                                  <p:childTnLst>
-                                    <p:set>
-                                      <p:cBhvr>
-                                        <p:cTn id="11" dur="1" fill="hold">
-                                          <p:stCondLst>
-                                            <p:cond delay="0"/>
-                                          </p:stCondLst>
-                                        </p:cTn>
-                                        <p:tgtEl>
-                                          <p:spTgt spid="3">
-                                            <p:txEl>
-                                              <p:pRg st="1" end="1"/>
-                                            </p:txEl>
-                                          </p:spTgt>
-                                        </p:tgtEl>
-                                        <p:attrNameLst>
-                                          <p:attrName>style.visibility</p:attrName>
-                                        </p:attrNameLst>
-                                      </p:cBhvr>
-                                      <p:to>
-                                        <p:strVal val="visible"/>
-                                      </p:to>
-                                    </p:set>
-                                    <p:animEffect transition="in" filter="fade">
-                                      <p:cBhvr>
-                                        <p:cTn id="12" dur="500"/>
-                                        <p:tgtEl>
-                                          <p:spTgt spid="3">
-                                            <p:txEl>
-                                              <p:pRg st="1" end="1"/>
-                                            </p:txEl>
-                                          </p:spTgt>
-                                        </p:tgtEl>
-                                      </p:cBhvr>
-                                    </p:animEffect>
-                                  </p:childTnLst>
-                                </p:cTn>
-                              </p:par>
-                            </p:childTnLst>
-                          </p:cTn>
-                        </p:par>
-                      </p:childTnLst>
-                    </p:cTn>
-                  </p:par>
-                  <p:par>
-                    <p:cTn id="13" fill="hold">
-                      <p:stCondLst>
-                        <p:cond delay="indefinite"/>
-                      </p:stCondLst>
-                      <p:childTnLst>
-                        <p:par>
-                          <p:cTn id="14" fill="hold">
-                            <p:stCondLst>
-                              <p:cond delay="0"/>
-                            </p:stCondLst>
-                            <p:childTnLst>
-                              <p:par>
-                                <p:cTn id="15" presetID="10" presetClass="entr" presetSubtype="0" fill="hold" grpId="0" nodeType="clickEffect">
-                                  <p:stCondLst>
-                                    <p:cond delay="0"/>
-                                  </p:stCondLst>
-                                  <p:childTnLst>
-                                    <p:set>
-                                      <p:cBhvr>
-                                        <p:cTn id="16" dur="1" fill="hold">
-                                          <p:stCondLst>
-                                            <p:cond delay="0"/>
-                                          </p:stCondLst>
-                                        </p:cTn>
-                                        <p:tgtEl>
-                                          <p:spTgt spid="3">
-                                            <p:txEl>
-                                              <p:pRg st="2" end="2"/>
-                                            </p:txEl>
-                                          </p:spTgt>
-                                        </p:tgtEl>
-                                        <p:attrNameLst>
-                                          <p:attrName>style.visibility</p:attrName>
-                                        </p:attrNameLst>
-                                      </p:cBhvr>
-                                      <p:to>
-                                        <p:strVal val="visible"/>
-                                      </p:to>
-                                    </p:set>
-                                    <p:animEffect transition="in" filter="fade">
-                                      <p:cBhvr>
-                                        <p:cTn id="17" dur="500"/>
-                                        <p:tgtEl>
-                                          <p:spTgt spid="3">
-                                            <p:txEl>
-                                              <p:pRg st="2" end="2"/>
-                                            </p:txEl>
-                                          </p:spTgt>
-                                        </p:tgtEl>
-                                      </p:cBhvr>
-                                    </p:animEffect>
-                                  </p:childTnLst>
-                                </p:cTn>
-                              </p:par>
-                            </p:childTnLst>
-                          </p:cTn>
-                        </p:par>
-                      </p:childTnLst>
-                    </p:cTn>
-                  </p:par>
-                  <p:par>
-                    <p:cTn id="18" fill="hold">
-                      <p:stCondLst>
-                        <p:cond delay="indefinite"/>
-                      </p:stCondLst>
-                      <p:childTnLst>
-                        <p:par>
-                          <p:cTn id="19" fill="hold">
-                            <p:stCondLst>
-                              <p:cond delay="0"/>
-                            </p:stCondLst>
-                            <p:childTnLst>
-                              <p:par>
-                                <p:cTn id="20" presetID="10" presetClass="entr" presetSubtype="0" fill="hold" grpId="0" nodeType="clickEffect">
-                                  <p:stCondLst>
-                                    <p:cond delay="0"/>
-                                  </p:stCondLst>
-                                  <p:childTnLst>
-                                    <p:set>
-                                      <p:cBhvr>
-                                        <p:cTn id="21" dur="1" fill="hold">
-                                          <p:stCondLst>
-                                            <p:cond delay="0"/>
-                                          </p:stCondLst>
-                                        </p:cTn>
-                                        <p:tgtEl>
-                                          <p:spTgt spid="3">
-                                            <p:txEl>
-                                              <p:pRg st="3" end="3"/>
-                                            </p:txEl>
-                                          </p:spTgt>
-                                        </p:tgtEl>
-                                        <p:attrNameLst>
-                                          <p:attrName>style.visibility</p:attrName>
-                                        </p:attrNameLst>
-                                      </p:cBhvr>
-                                      <p:to>
-                                        <p:strVal val="visible"/>
-                                      </p:to>
-                                    </p:set>
-                                    <p:animEffect transition="in" filter="fade">
-                                      <p:cBhvr>
-                                        <p:cTn id="22" dur="500"/>
-                                        <p:tgtEl>
-                                          <p:spTgt spid="3">
-                                            <p:txEl>
-                                              <p:pRg st="3" end="3"/>
-                                            </p:txEl>
-                                          </p:spTgt>
-                                        </p:tgtEl>
-                                      </p:cBhvr>
-                                    </p:animEffect>
-                                  </p:childTnLst>
-                                </p:cTn>
-                              </p:par>
-                            </p:childTnLst>
-                          </p:cTn>
-                        </p:par>
-                      </p:childTnLst>
-                    </p:cTn>
-                  </p:par>
-                </p:childTnLst>
-              </p:cTn>
-              <p:prevCondLst>
-                <p:cond evt="onPrev" delay="0">
-                  <p:tgtEl>
-                    <p:sldTgt/>
-                  </p:tgtEl>
-                </p:cond>
-              </p:prevCondLst>
-              <p:nextCondLst>
-                <p:cond evt="onNext" delay="0">
-                  <p:tgtEl>
-                    <p:sldTgt/>
-                  </p:tgtEl>
-                </p:cond>
-              </p:nextCondLst>
-            </p:seq>
-          </p:childTnLst>
-        </p:cTn>
-      </p:par>
-    </p:tnLst>
-    <p:bldLst>
-      <p:bldP spid="3" grpId="0" build="p"/>
-    </p:bldLst>
-  </p:timing>
-</p:sld>
-</file>
-
 <file path=ppt/slides/slide5.xml><?xml version="1.0" encoding="utf-8"?>
 <p:sld xmlns:a="http://schemas.openxmlformats.org/drawingml/2006/main" xmlns:r="http://schemas.openxmlformats.org/officeDocument/2006/relationships" xmlns:p="http://schemas.openxmlformats.org/presentationml/2006/main">
   <p:cSld>
@@ -7977,8 +7644,8 @@
           </a:p>
         </p:txBody>
       </p:sp>
-      <mc:AlternateContent xmlns:mc="http://schemas.openxmlformats.org/markup-compatibility/2006" xmlns:a14="http://schemas.microsoft.com/office/drawing/2010/main">
-        <mc:Choice Requires="a14">
+      <mc:AlternateContent xmlns:mc="http://schemas.openxmlformats.org/markup-compatibility/2006">
+        <mc:Choice xmlns:a14="http://schemas.microsoft.com/office/drawing/2010/main" Requires="a14">
           <p:sp>
             <p:nvSpPr>
               <p:cNvPr id="3" name="Content Placeholder 2"/>
@@ -8021,14 +7688,11 @@
                 <a:pPr lvl="1"/>
                 <a:r>
                   <a:rPr lang="sv-SE" sz="8000" dirty="0" smtClean="0"/>
-                  <a:t>Sigmoid activation to smooth noise</a:t>
+                  <a:t>Multiply </a:t>
                 </a:r>
-              </a:p>
-              <a:p>
-                <a:pPr lvl="1"/>
                 <a:r>
                   <a:rPr lang="sv-SE" sz="8000" dirty="0" smtClean="0"/>
-                  <a:t>Multiply each output by learnable constant </a:t>
+                  <a:t>each output by learnable constant </a:t>
                 </a:r>
                 <a14:m>
                   <m:oMath xmlns:m="http://schemas.openxmlformats.org/officeDocument/2006/math">
@@ -8075,7 +7739,7 @@
             </p:txBody>
           </p:sp>
         </mc:Choice>
-        <mc:Fallback xmlns="">
+        <mc:Fallback>
           <p:sp>
             <p:nvSpPr>
               <p:cNvPr id="3" name="Content Placeholder 2"/>
@@ -8122,13 +7786,13 @@
           <p:nvPr>
             <p:extLst>
               <p:ext uri="{D42A27DB-BD31-4B8C-83A1-F6EECF244321}">
-                <p14:modId xmlns:p14="http://schemas.microsoft.com/office/powerpoint/2010/main" val="708541717"/>
+                <p14:modId xmlns:p14="http://schemas.microsoft.com/office/powerpoint/2010/main" val="2488972079"/>
               </p:ext>
             </p:extLst>
           </p:nvPr>
         </p:nvGraphicFramePr>
         <p:xfrm>
-          <a:off x="6478590" y="14256966"/>
+          <a:off x="6478590" y="12744797"/>
           <a:ext cx="3672408" cy="3456384"/>
         </p:xfrm>
         <a:graphic>
@@ -8296,13 +7960,13 @@
           <p:nvPr>
             <p:extLst>
               <p:ext uri="{D42A27DB-BD31-4B8C-83A1-F6EECF244321}">
-                <p14:modId xmlns:p14="http://schemas.microsoft.com/office/powerpoint/2010/main" val="738636015"/>
+                <p14:modId xmlns:p14="http://schemas.microsoft.com/office/powerpoint/2010/main" val="4014302931"/>
               </p:ext>
             </p:extLst>
           </p:nvPr>
         </p:nvGraphicFramePr>
         <p:xfrm>
-          <a:off x="6478589" y="18217404"/>
+          <a:off x="6478589" y="16705235"/>
           <a:ext cx="3672408" cy="3528393"/>
         </p:xfrm>
         <a:graphic>
@@ -8470,13 +8134,13 @@
           <p:nvPr>
             <p:extLst>
               <p:ext uri="{D42A27DB-BD31-4B8C-83A1-F6EECF244321}">
-                <p14:modId xmlns:p14="http://schemas.microsoft.com/office/powerpoint/2010/main" val="814342614"/>
+                <p14:modId xmlns:p14="http://schemas.microsoft.com/office/powerpoint/2010/main" val="1169374382"/>
               </p:ext>
             </p:extLst>
           </p:nvPr>
         </p:nvGraphicFramePr>
         <p:xfrm>
-          <a:off x="10799069" y="15116958"/>
+          <a:off x="10799069" y="13604789"/>
           <a:ext cx="3672408" cy="3460487"/>
         </p:xfrm>
         <a:graphic>
@@ -8635,8 +8299,8 @@
           </a:graphicData>
         </a:graphic>
       </p:graphicFrame>
-      <mc:AlternateContent xmlns:mc="http://schemas.openxmlformats.org/markup-compatibility/2006" xmlns:a14="http://schemas.microsoft.com/office/drawing/2010/main">
-        <mc:Choice Requires="a14">
+      <mc:AlternateContent xmlns:mc="http://schemas.openxmlformats.org/markup-compatibility/2006">
+        <mc:Choice xmlns:a14="http://schemas.microsoft.com/office/drawing/2010/main" Requires="a14">
           <p:sp>
             <p:nvSpPr>
               <p:cNvPr id="4" name="TextBox 3"/>
@@ -8645,7 +8309,7 @@
             </p:nvSpPr>
             <p:spPr>
               <a:xfrm>
-                <a:off x="18215893" y="15843503"/>
+                <a:off x="18215893" y="14331334"/>
                 <a:ext cx="3024336" cy="3551678"/>
               </a:xfrm>
               <a:prstGeom prst="rect">
@@ -8788,7 +8452,7 @@
             </p:txBody>
           </p:sp>
         </mc:Choice>
-        <mc:Fallback xmlns="">
+        <mc:Fallback>
           <p:sp>
             <p:nvSpPr>
               <p:cNvPr id="4" name="TextBox 3"/>
@@ -8799,7 +8463,7 @@
             </p:nvSpPr>
             <p:spPr>
               <a:xfrm>
-                <a:off x="18215893" y="15843503"/>
+                <a:off x="18215893" y="14331334"/>
                 <a:ext cx="3024336" cy="3551678"/>
               </a:xfrm>
               <a:prstGeom prst="rect">
@@ -8835,7 +8499,7 @@
         </p:nvSpPr>
         <p:spPr bwMode="auto">
           <a:xfrm>
-            <a:off x="15551597" y="16913789"/>
+            <a:off x="15551597" y="15401620"/>
             <a:ext cx="1584176" cy="1303616"/>
           </a:xfrm>
           <a:prstGeom prst="rightArrow">
@@ -8901,8 +8565,8 @@
           </a:p>
         </p:txBody>
       </p:sp>
-      <mc:AlternateContent xmlns:mc="http://schemas.openxmlformats.org/markup-compatibility/2006" xmlns:a14="http://schemas.microsoft.com/office/drawing/2010/main">
-        <mc:Choice Requires="a14">
+      <mc:AlternateContent xmlns:mc="http://schemas.openxmlformats.org/markup-compatibility/2006">
+        <mc:Choice xmlns:a14="http://schemas.microsoft.com/office/drawing/2010/main" Requires="a14">
           <p:sp>
             <p:nvSpPr>
               <p:cNvPr id="6" name="TextBox 5"/>
@@ -8911,7 +8575,7 @@
             </p:nvSpPr>
             <p:spPr>
               <a:xfrm>
-                <a:off x="11807181" y="19475474"/>
+                <a:off x="11807181" y="17963305"/>
                 <a:ext cx="1135247" cy="1200329"/>
               </a:xfrm>
               <a:prstGeom prst="rect">
@@ -8946,7 +8610,7 @@
             </p:txBody>
           </p:sp>
         </mc:Choice>
-        <mc:Fallback xmlns="">
+        <mc:Fallback>
           <p:sp>
             <p:nvSpPr>
               <p:cNvPr id="6" name="TextBox 5"/>
@@ -8957,7 +8621,7 @@
             </p:nvSpPr>
             <p:spPr>
               <a:xfrm>
-                <a:off x="11807181" y="19475474"/>
+                <a:off x="11807181" y="17963305"/>
                 <a:ext cx="1135247" cy="1200329"/>
               </a:xfrm>
               <a:prstGeom prst="rect">
@@ -8993,7 +8657,7 @@
         </p:nvSpPr>
         <p:spPr bwMode="auto">
           <a:xfrm rot="21600000">
-            <a:off x="25056653" y="16985797"/>
+            <a:off x="25056653" y="15473628"/>
             <a:ext cx="1584176" cy="1303616"/>
           </a:xfrm>
           <a:prstGeom prst="rightArrow">
@@ -9068,13 +8732,13 @@
           <p:nvPr>
             <p:extLst>
               <p:ext uri="{D42A27DB-BD31-4B8C-83A1-F6EECF244321}">
-                <p14:modId xmlns:p14="http://schemas.microsoft.com/office/powerpoint/2010/main" val="2423670753"/>
+                <p14:modId xmlns:p14="http://schemas.microsoft.com/office/powerpoint/2010/main" val="961783206"/>
               </p:ext>
             </p:extLst>
           </p:nvPr>
         </p:nvGraphicFramePr>
         <p:xfrm>
-          <a:off x="28369021" y="15855841"/>
+          <a:off x="28369021" y="14343672"/>
           <a:ext cx="4896540" cy="3960440"/>
         </p:xfrm>
         <a:graphic>
@@ -10219,8 +9883,8 @@
           </a:graphicData>
         </a:graphic>
       </p:graphicFrame>
-      <mc:AlternateContent xmlns:mc="http://schemas.openxmlformats.org/markup-compatibility/2006" xmlns:a14="http://schemas.microsoft.com/office/drawing/2010/main">
-        <mc:Choice Requires="a14">
+      <mc:AlternateContent xmlns:mc="http://schemas.openxmlformats.org/markup-compatibility/2006">
+        <mc:Choice xmlns:a14="http://schemas.microsoft.com/office/drawing/2010/main" Requires="a14">
           <p:sp>
             <p:nvSpPr>
               <p:cNvPr id="7" name="TextBox 6"/>
@@ -10229,8 +9893,8 @@
             </p:nvSpPr>
             <p:spPr>
               <a:xfrm>
-                <a:off x="5653623" y="22129703"/>
-                <a:ext cx="9393918" cy="2123658"/>
+                <a:off x="6014299" y="21262476"/>
+                <a:ext cx="8672566" cy="3323987"/>
               </a:xfrm>
               <a:prstGeom prst="rect">
                 <a:avLst/>
@@ -10245,32 +9909,45 @@
               <a:p>
                 <a:pPr algn="ctr"/>
                 <a:r>
-                  <a:rPr lang="sv-SE" sz="4800" dirty="0" smtClean="0"/>
+                  <a:rPr lang="sv-SE" sz="5400" dirty="0" smtClean="0"/>
                   <a:t>Apply </a:t>
                 </a:r>
                 <a:r>
-                  <a:rPr lang="sv-SE" sz="6000" dirty="0"/>
+                  <a:rPr lang="sv-SE" sz="6600" dirty="0"/>
                   <a:t>𝑛</a:t>
                 </a:r>
                 <a:r>
-                  <a:rPr lang="sv-SE" sz="4800" dirty="0"/>
+                  <a:rPr lang="sv-SE" sz="5400" dirty="0"/>
                   <a:t> </a:t>
                 </a:r>
                 <a:r>
-                  <a:rPr lang="sv-SE" sz="4800" dirty="0" smtClean="0"/>
-                  <a:t>fixed convolutional filters </a:t>
+                  <a:rPr lang="sv-SE" sz="5400" dirty="0" smtClean="0"/>
+                  <a:t>fixed convolutional </a:t>
                 </a:r>
+                <a:endParaRPr lang="sv-SE" sz="5400" dirty="0" smtClean="0"/>
               </a:p>
               <a:p>
                 <a:pPr algn="ctr"/>
                 <a:r>
-                  <a:rPr lang="sv-SE" sz="4800" dirty="0" smtClean="0"/>
-                  <a:t>to image, giving outputs </a:t>
+                  <a:rPr lang="sv-SE" sz="5400" dirty="0" smtClean="0"/>
+                  <a:t>filters to </a:t>
+                </a:r>
+                <a:r>
+                  <a:rPr lang="sv-SE" sz="5400" dirty="0" smtClean="0"/>
+                  <a:t>image, giving </a:t>
+                </a:r>
+                <a:endParaRPr lang="sv-SE" sz="5400" dirty="0" smtClean="0"/>
+              </a:p>
+              <a:p>
+                <a:pPr algn="ctr"/>
+                <a:r>
+                  <a:rPr lang="sv-SE" sz="5400" dirty="0" smtClean="0"/>
+                  <a:t>outputs </a:t>
                 </a:r>
                 <a14:m>
                   <m:oMath xmlns:m="http://schemas.openxmlformats.org/officeDocument/2006/math">
                     <m:r>
-                      <a:rPr lang="en-GB" sz="6000" i="1">
+                      <a:rPr lang="en-GB" sz="6600" i="1">
                         <a:latin typeface="Cambria Math"/>
                         <a:ea typeface="Cambria Math"/>
                       </a:rPr>
@@ -10278,12 +9955,12 @@
                     </m:r>
                   </m:oMath>
                 </a14:m>
-                <a:endParaRPr lang="sv-SE" sz="4800" dirty="0"/>
+                <a:endParaRPr lang="sv-SE" sz="5400" dirty="0"/>
               </a:p>
             </p:txBody>
           </p:sp>
         </mc:Choice>
-        <mc:Fallback xmlns="">
+        <mc:Fallback>
           <p:sp>
             <p:nvSpPr>
               <p:cNvPr id="7" name="TextBox 6"/>
@@ -10294,8 +9971,8 @@
             </p:nvSpPr>
             <p:spPr>
               <a:xfrm>
-                <a:off x="5653623" y="22129703"/>
-                <a:ext cx="9393918" cy="2123658"/>
+                <a:off x="6014299" y="21262476"/>
+                <a:ext cx="8672566" cy="3323987"/>
               </a:xfrm>
               <a:prstGeom prst="rect">
                 <a:avLst/>
@@ -10303,7 +9980,7 @@
               <a:blipFill rotWithShape="1">
                 <a:blip r:embed="rId5"/>
                 <a:stretch>
-                  <a:fillRect l="-2466" t="-8309" r="-2466" b="-12321"/>
+                  <a:fillRect l="-3305" t="-6239" r="-3305" b="-9358"/>
                 </a:stretch>
               </a:blipFill>
             </p:spPr>
@@ -10330,8 +10007,8 @@
         </p:nvSpPr>
         <p:spPr>
           <a:xfrm>
-            <a:off x="16680438" y="22203276"/>
-            <a:ext cx="7584127" cy="2566857"/>
+            <a:off x="16301328" y="21336049"/>
+            <a:ext cx="8342348" cy="2806922"/>
           </a:xfrm>
           <a:prstGeom prst="rect">
             <a:avLst/>
@@ -10346,20 +10023,20 @@
           <a:p>
             <a:pPr algn="ctr"/>
             <a:r>
-              <a:rPr lang="sv-SE" sz="4800" dirty="0" smtClean="0"/>
+              <a:rPr lang="sv-SE" sz="5400" dirty="0" smtClean="0"/>
               <a:t>Calculate weighted sum of</a:t>
             </a:r>
           </a:p>
           <a:p>
             <a:pPr algn="ctr"/>
             <a:r>
-              <a:rPr lang="sv-SE" sz="4800" dirty="0" smtClean="0"/>
+              <a:rPr lang="sv-SE" sz="5400" dirty="0" smtClean="0"/>
               <a:t>outputs for each pixel</a:t>
             </a:r>
-            <a:endParaRPr lang="sv-SE" sz="4800" dirty="0"/>
-          </a:p>
-          <a:p>
-            <a:endParaRPr lang="en-GB" dirty="0"/>
+            <a:endParaRPr lang="sv-SE" sz="5400" dirty="0"/>
+          </a:p>
+          <a:p>
+            <a:endParaRPr lang="en-GB" sz="4800" dirty="0"/>
           </a:p>
         </p:txBody>
       </p:sp>
@@ -10371,8 +10048,8 @@
         </p:nvSpPr>
         <p:spPr>
           <a:xfrm>
-            <a:off x="27144885" y="21892944"/>
-            <a:ext cx="7451079" cy="3453253"/>
+            <a:off x="26796232" y="21025717"/>
+            <a:ext cx="8148386" cy="2917722"/>
           </a:xfrm>
           <a:prstGeom prst="rect">
             <a:avLst/>
@@ -10387,27 +10064,28 @@
           <a:p>
             <a:pPr algn="ctr"/>
             <a:r>
-              <a:rPr lang="sv-SE" sz="4800" dirty="0" smtClean="0"/>
+              <a:rPr lang="sv-SE" sz="5400" dirty="0" smtClean="0"/>
               <a:t>These form a feature map</a:t>
             </a:r>
           </a:p>
           <a:p>
             <a:pPr algn="ctr"/>
             <a:r>
-              <a:rPr lang="sv-SE" sz="4800" dirty="0" smtClean="0"/>
+              <a:rPr lang="sv-SE" sz="5400" dirty="0" smtClean="0"/>
               <a:t>which can be used in</a:t>
             </a:r>
           </a:p>
           <a:p>
             <a:pPr algn="ctr"/>
             <a:r>
-              <a:rPr lang="sv-SE" sz="4800" dirty="0" smtClean="0"/>
-              <a:t>further layers</a:t>
+              <a:rPr lang="sv-SE" sz="5400" dirty="0" smtClean="0"/>
+              <a:t>further </a:t>
             </a:r>
-            <a:endParaRPr lang="sv-SE" sz="4800" dirty="0"/>
-          </a:p>
-          <a:p>
-            <a:endParaRPr lang="en-GB" dirty="0"/>
+            <a:r>
+              <a:rPr lang="sv-SE" sz="5400" dirty="0" smtClean="0"/>
+              <a:t>layers</a:t>
+            </a:r>
+            <a:endParaRPr lang="sv-SE" sz="5400" dirty="0"/>
           </a:p>
         </p:txBody>
       </p:sp>
@@ -10424,9 +10102,237 @@
   <p:timing>
     <p:tnLst>
       <p:par>
-        <p:cTn id="1" dur="indefinite" restart="never" nodeType="tmRoot"/>
+        <p:cTn id="1" dur="indefinite" restart="never" nodeType="tmRoot">
+          <p:childTnLst>
+            <p:seq concurrent="1" nextAc="seek">
+              <p:cTn id="2" dur="indefinite" nodeType="mainSeq">
+                <p:childTnLst>
+                  <p:par>
+                    <p:cTn id="3" fill="hold">
+                      <p:stCondLst>
+                        <p:cond delay="indefinite"/>
+                      </p:stCondLst>
+                      <p:childTnLst>
+                        <p:par>
+                          <p:cTn id="4" fill="hold">
+                            <p:stCondLst>
+                              <p:cond delay="0"/>
+                            </p:stCondLst>
+                            <p:childTnLst>
+                              <p:par>
+                                <p:cTn id="5" presetID="1" presetClass="entr" presetSubtype="0" fill="hold" grpId="0" nodeType="clickEffect">
+                                  <p:stCondLst>
+                                    <p:cond delay="0"/>
+                                  </p:stCondLst>
+                                  <p:childTnLst>
+                                    <p:set>
+                                      <p:cBhvr>
+                                        <p:cTn id="6" dur="1" fill="hold">
+                                          <p:stCondLst>
+                                            <p:cond delay="0"/>
+                                          </p:stCondLst>
+                                        </p:cTn>
+                                        <p:tgtEl>
+                                          <p:spTgt spid="4"/>
+                                        </p:tgtEl>
+                                        <p:attrNameLst>
+                                          <p:attrName>style.visibility</p:attrName>
+                                        </p:attrNameLst>
+                                      </p:cBhvr>
+                                      <p:to>
+                                        <p:strVal val="visible"/>
+                                      </p:to>
+                                    </p:set>
+                                  </p:childTnLst>
+                                </p:cTn>
+                              </p:par>
+                              <p:par>
+                                <p:cTn id="7" presetID="1" presetClass="entr" presetSubtype="0" fill="hold" grpId="0" nodeType="withEffect">
+                                  <p:stCondLst>
+                                    <p:cond delay="0"/>
+                                  </p:stCondLst>
+                                  <p:childTnLst>
+                                    <p:set>
+                                      <p:cBhvr>
+                                        <p:cTn id="8" dur="1" fill="hold">
+                                          <p:stCondLst>
+                                            <p:cond delay="0"/>
+                                          </p:stCondLst>
+                                        </p:cTn>
+                                        <p:tgtEl>
+                                          <p:spTgt spid="5"/>
+                                        </p:tgtEl>
+                                        <p:attrNameLst>
+                                          <p:attrName>style.visibility</p:attrName>
+                                        </p:attrNameLst>
+                                      </p:cBhvr>
+                                      <p:to>
+                                        <p:strVal val="visible"/>
+                                      </p:to>
+                                    </p:set>
+                                  </p:childTnLst>
+                                </p:cTn>
+                              </p:par>
+                              <p:par>
+                                <p:cTn id="9" presetID="1" presetClass="entr" presetSubtype="0" fill="hold" grpId="0" nodeType="withEffect">
+                                  <p:stCondLst>
+                                    <p:cond delay="0"/>
+                                  </p:stCondLst>
+                                  <p:childTnLst>
+                                    <p:set>
+                                      <p:cBhvr>
+                                        <p:cTn id="10" dur="1" fill="hold">
+                                          <p:stCondLst>
+                                            <p:cond delay="0"/>
+                                          </p:stCondLst>
+                                        </p:cTn>
+                                        <p:tgtEl>
+                                          <p:spTgt spid="13"/>
+                                        </p:tgtEl>
+                                        <p:attrNameLst>
+                                          <p:attrName>style.visibility</p:attrName>
+                                        </p:attrNameLst>
+                                      </p:cBhvr>
+                                      <p:to>
+                                        <p:strVal val="visible"/>
+                                      </p:to>
+                                    </p:set>
+                                  </p:childTnLst>
+                                </p:cTn>
+                              </p:par>
+                            </p:childTnLst>
+                          </p:cTn>
+                        </p:par>
+                      </p:childTnLst>
+                    </p:cTn>
+                  </p:par>
+                  <p:par>
+                    <p:cTn id="11" fill="hold">
+                      <p:stCondLst>
+                        <p:cond delay="indefinite"/>
+                      </p:stCondLst>
+                      <p:childTnLst>
+                        <p:par>
+                          <p:cTn id="12" fill="hold">
+                            <p:stCondLst>
+                              <p:cond delay="0"/>
+                            </p:stCondLst>
+                            <p:childTnLst>
+                              <p:par>
+                                <p:cTn id="13" presetID="1" presetClass="entr" presetSubtype="0" fill="hold" grpId="0" nodeType="clickEffect">
+                                  <p:stCondLst>
+                                    <p:cond delay="0"/>
+                                  </p:stCondLst>
+                                  <p:childTnLst>
+                                    <p:set>
+                                      <p:cBhvr>
+                                        <p:cTn id="14" dur="1" fill="hold">
+                                          <p:stCondLst>
+                                            <p:cond delay="0"/>
+                                          </p:stCondLst>
+                                        </p:cTn>
+                                        <p:tgtEl>
+                                          <p:spTgt spid="10"/>
+                                        </p:tgtEl>
+                                        <p:attrNameLst>
+                                          <p:attrName>style.visibility</p:attrName>
+                                        </p:attrNameLst>
+                                      </p:cBhvr>
+                                      <p:to>
+                                        <p:strVal val="visible"/>
+                                      </p:to>
+                                    </p:set>
+                                  </p:childTnLst>
+                                </p:cTn>
+                              </p:par>
+                              <p:par>
+                                <p:cTn id="15" presetID="1" presetClass="entr" presetSubtype="0" fill="hold" nodeType="withEffect">
+                                  <p:stCondLst>
+                                    <p:cond delay="0"/>
+                                  </p:stCondLst>
+                                  <p:childTnLst>
+                                    <p:set>
+                                      <p:cBhvr>
+                                        <p:cTn id="16" dur="1" fill="hold">
+                                          <p:stCondLst>
+                                            <p:cond delay="0"/>
+                                          </p:stCondLst>
+                                        </p:cTn>
+                                        <p:tgtEl>
+                                          <p:spTgt spid="11"/>
+                                        </p:tgtEl>
+                                        <p:attrNameLst>
+                                          <p:attrName>style.visibility</p:attrName>
+                                        </p:attrNameLst>
+                                      </p:cBhvr>
+                                      <p:to>
+                                        <p:strVal val="visible"/>
+                                      </p:to>
+                                    </p:set>
+                                  </p:childTnLst>
+                                </p:cTn>
+                              </p:par>
+                              <p:par>
+                                <p:cTn id="17" presetID="1" presetClass="entr" presetSubtype="0" fill="hold" grpId="0" nodeType="withEffect">
+                                  <p:stCondLst>
+                                    <p:cond delay="0"/>
+                                  </p:stCondLst>
+                                  <p:childTnLst>
+                                    <p:set>
+                                      <p:cBhvr>
+                                        <p:cTn id="18" dur="1" fill="hold">
+                                          <p:stCondLst>
+                                            <p:cond delay="0"/>
+                                          </p:stCondLst>
+                                        </p:cTn>
+                                        <p:tgtEl>
+                                          <p:spTgt spid="14"/>
+                                        </p:tgtEl>
+                                        <p:attrNameLst>
+                                          <p:attrName>style.visibility</p:attrName>
+                                        </p:attrNameLst>
+                                      </p:cBhvr>
+                                      <p:to>
+                                        <p:strVal val="visible"/>
+                                      </p:to>
+                                    </p:set>
+                                  </p:childTnLst>
+                                </p:cTn>
+                              </p:par>
+                            </p:childTnLst>
+                          </p:cTn>
+                        </p:par>
+                      </p:childTnLst>
+                    </p:cTn>
+                  </p:par>
+                </p:childTnLst>
+              </p:cTn>
+              <p:prevCondLst>
+                <p:cond evt="onPrev" delay="0">
+                  <p:tgtEl>
+                    <p:sldTgt/>
+                  </p:tgtEl>
+                </p:cond>
+              </p:prevCondLst>
+              <p:nextCondLst>
+                <p:cond evt="onNext" delay="0">
+                  <p:tgtEl>
+                    <p:sldTgt/>
+                  </p:tgtEl>
+                </p:cond>
+              </p:nextCondLst>
+            </p:seq>
+          </p:childTnLst>
+        </p:cTn>
       </p:par>
     </p:tnLst>
+    <p:bldLst>
+      <p:bldP spid="4" grpId="0"/>
+      <p:bldP spid="5" grpId="0" animBg="1"/>
+      <p:bldP spid="10" grpId="0" animBg="1"/>
+      <p:bldP spid="13" grpId="0"/>
+      <p:bldP spid="14" grpId="0"/>
+    </p:bldLst>
   </p:timing>
 </p:sld>
 </file>
@@ -13453,11 +13359,7 @@
             <a:pPr algn="ctr"/>
             <a:r>
               <a:rPr lang="sv-SE" sz="7000" b="1" dirty="0" smtClean="0"/>
-              <a:t> </a:t>
-            </a:r>
-            <a:r>
-              <a:rPr lang="sv-SE" sz="7000" b="1" dirty="0" smtClean="0"/>
-              <a:t>Layer</a:t>
+              <a:t> Layer</a:t>
             </a:r>
             <a:endParaRPr lang="en-GB" sz="7000" b="1" dirty="0"/>
           </a:p>

--- a/presentation.pptx
+++ b/presentation.pptx
@@ -1314,11 +1314,7 @@
             </a:pPr>
             <a:r>
               <a:rPr lang="en-GB" dirty="0" smtClean="0"/>
-              <a:t>Expand on black/white board. Show binary string </a:t>
-            </a:r>
-            <a:r>
-              <a:rPr lang="en-GB" dirty="0" smtClean="0"/>
-              <a:t>representation (</a:t>
+              <a:t>Expand on black/white board. Show binary string representation (</a:t>
             </a:r>
             <a:r>
               <a:rPr lang="en-GB" dirty="0" err="1" smtClean="0"/>
@@ -1326,11 +1322,7 @@
             </a:r>
             <a:r>
               <a:rPr lang="en-GB" dirty="0" smtClean="0"/>
-              <a:t> 203, rot 151) </a:t>
-            </a:r>
-            <a:r>
-              <a:rPr lang="en-GB" dirty="0" smtClean="0"/>
-              <a:t>and rotational</a:t>
+              <a:t> 203, rot 151) and rotational</a:t>
             </a:r>
             <a:r>
               <a:rPr lang="en-GB" baseline="0" dirty="0" smtClean="0"/>
@@ -7638,145 +7630,62 @@
           <a:p>
             <a:r>
               <a:rPr lang="sv-SE" sz="14400" dirty="0" smtClean="0"/>
-              <a:t>Model 1: Juefei-Xu et al.</a:t>
+              <a:t>Model 1: Juefei-Xu et al</a:t>
+            </a:r>
+            <a:r>
+              <a:rPr lang="sv-SE" sz="14400" dirty="0" smtClean="0"/>
+              <a:t>.	</a:t>
             </a:r>
             <a:endParaRPr lang="en-GB" sz="14400" dirty="0"/>
           </a:p>
         </p:txBody>
       </p:sp>
-      <mc:AlternateContent xmlns:mc="http://schemas.openxmlformats.org/markup-compatibility/2006">
-        <mc:Choice xmlns:a14="http://schemas.microsoft.com/office/drawing/2010/main" Requires="a14">
-          <p:sp>
-            <p:nvSpPr>
-              <p:cNvPr id="3" name="Content Placeholder 2"/>
-              <p:cNvSpPr>
-                <a:spLocks noGrp="1"/>
-              </p:cNvSpPr>
-              <p:nvPr>
-                <p:ph idx="1"/>
-              </p:nvPr>
-            </p:nvSpPr>
-            <p:spPr>
-              <a:xfrm>
-                <a:off x="7270677" y="4751909"/>
-                <a:ext cx="27779663" cy="17640300"/>
-              </a:xfrm>
-            </p:spPr>
-            <p:txBody>
-              <a:bodyPr/>
-              <a:lstStyle/>
-              <a:p>
-                <a:r>
-                  <a:rPr lang="sv-SE" sz="9200" dirty="0" smtClean="0"/>
-                  <a:t>Idea: Fixed LBP-inspired convolutional layers</a:t>
-                </a:r>
-              </a:p>
-              <a:p>
-                <a:r>
-                  <a:rPr lang="sv-SE" sz="9200" dirty="0" smtClean="0"/>
-                  <a:t>LBCCN Module</a:t>
-                </a:r>
-              </a:p>
-              <a:p>
-                <a:pPr lvl="1"/>
-                <a:r>
-                  <a:rPr lang="sv-SE" sz="8000" dirty="0" smtClean="0"/>
-                  <a:t>3x3 filters with randomly arranged values of 1 and -1</a:t>
-                </a:r>
-              </a:p>
-              <a:p>
-                <a:pPr lvl="1"/>
-                <a:r>
-                  <a:rPr lang="sv-SE" sz="8000" dirty="0" smtClean="0"/>
-                  <a:t>Multiply </a:t>
-                </a:r>
-                <a:r>
-                  <a:rPr lang="sv-SE" sz="8000" dirty="0" smtClean="0"/>
-                  <a:t>each output by learnable constant </a:t>
-                </a:r>
-                <a14:m>
-                  <m:oMath xmlns:m="http://schemas.openxmlformats.org/officeDocument/2006/math">
-                    <m:r>
-                      <a:rPr lang="en-GB" sz="8000" i="1">
-                        <a:latin typeface="Cambria Math"/>
-                      </a:rPr>
-                      <m:t>𝑣</m:t>
-                    </m:r>
-                  </m:oMath>
-                </a14:m>
-                <a:endParaRPr lang="sv-SE" sz="8000" dirty="0" smtClean="0"/>
-              </a:p>
-              <a:p>
-                <a:pPr marL="0" indent="0">
-                  <a:buNone/>
-                </a:pPr>
-                <a:endParaRPr lang="sv-SE" sz="9200" dirty="0" smtClean="0"/>
-              </a:p>
-              <a:p>
-                <a:pPr marL="0" indent="0">
-                  <a:buNone/>
-                </a:pPr>
-                <a:endParaRPr lang="sv-SE" sz="9200" dirty="0"/>
-              </a:p>
-              <a:p>
-                <a:pPr marL="0" indent="0">
-                  <a:buNone/>
-                </a:pPr>
-                <a:endParaRPr lang="sv-SE" sz="9200" dirty="0" smtClean="0"/>
-              </a:p>
-              <a:p>
-                <a:pPr marL="0" indent="0">
-                  <a:buNone/>
-                </a:pPr>
-                <a:endParaRPr lang="sv-SE" sz="9200" dirty="0"/>
-              </a:p>
-              <a:p>
-                <a:pPr marL="0" indent="0">
-                  <a:buNone/>
-                </a:pPr>
-                <a:endParaRPr lang="sv-SE" sz="9200" dirty="0" smtClean="0"/>
-              </a:p>
-            </p:txBody>
-          </p:sp>
-        </mc:Choice>
-        <mc:Fallback>
-          <p:sp>
-            <p:nvSpPr>
-              <p:cNvPr id="3" name="Content Placeholder 2"/>
-              <p:cNvSpPr>
-                <a:spLocks noGrp="1" noRot="1" noChangeAspect="1" noMove="1" noResize="1" noEditPoints="1" noAdjustHandles="1" noChangeArrowheads="1" noChangeShapeType="1" noTextEdit="1"/>
-              </p:cNvSpPr>
-              <p:nvPr>
-                <p:ph idx="1"/>
-              </p:nvPr>
-            </p:nvSpPr>
-            <p:spPr>
-              <a:xfrm>
-                <a:off x="7270677" y="4751909"/>
-                <a:ext cx="27779663" cy="17640300"/>
-              </a:xfrm>
-              <a:blipFill rotWithShape="1">
-                <a:blip r:embed="rId2"/>
-                <a:stretch>
-                  <a:fillRect l="-1097" t="-1002"/>
-                </a:stretch>
-              </a:blipFill>
-            </p:spPr>
-            <p:txBody>
-              <a:bodyPr/>
-              <a:lstStyle/>
-              <a:p>
-                <a:r>
-                  <a:rPr lang="en-GB">
-                    <a:noFill/>
-                  </a:rPr>
-                  <a:t> </a:t>
-                </a:r>
-              </a:p>
-            </p:txBody>
-          </p:sp>
-        </mc:Fallback>
-      </mc:AlternateContent>
+      <p:sp>
+        <p:nvSpPr>
+          <p:cNvPr id="3" name="Content Placeholder 2"/>
+          <p:cNvSpPr>
+            <a:spLocks noGrp="1"/>
+          </p:cNvSpPr>
+          <p:nvPr>
+            <p:ph idx="1"/>
+          </p:nvPr>
+        </p:nvSpPr>
+        <p:spPr>
+          <a:xfrm>
+            <a:off x="7270677" y="4751909"/>
+            <a:ext cx="27779663" cy="5544616"/>
+          </a:xfrm>
+        </p:spPr>
+        <p:txBody>
+          <a:bodyPr/>
+          <a:lstStyle/>
+          <a:p>
+            <a:r>
+              <a:rPr lang="sv-SE" sz="9200" dirty="0" smtClean="0"/>
+              <a:t>Idea: Fixed LBP-inspired convolutional layers</a:t>
+            </a:r>
+          </a:p>
+          <a:p>
+            <a:r>
+              <a:rPr lang="sv-SE" sz="9200" dirty="0" smtClean="0"/>
+              <a:t>LBCNN Module</a:t>
+            </a:r>
+            <a:endParaRPr lang="sv-SE" sz="9200" dirty="0" smtClean="0"/>
+          </a:p>
+          <a:p>
+            <a:pPr marL="0" indent="0">
+              <a:buNone/>
+            </a:pPr>
+            <a:endParaRPr lang="sv-SE" sz="9200" dirty="0"/>
+          </a:p>
+          <a:p>
+            <a:pPr marL="0" indent="0">
+              <a:buNone/>
+            </a:pPr>
+            <a:endParaRPr lang="sv-SE" sz="9200" dirty="0" smtClean="0"/>
+          </a:p>
+        </p:txBody>
+      </p:sp>
       <p:graphicFrame>
         <p:nvGraphicFramePr>
           <p:cNvPr id="20" name="Table 19"/>
@@ -8299,8 +8208,8 @@
           </a:graphicData>
         </a:graphic>
       </p:graphicFrame>
-      <mc:AlternateContent xmlns:mc="http://schemas.openxmlformats.org/markup-compatibility/2006">
-        <mc:Choice xmlns:a14="http://schemas.microsoft.com/office/drawing/2010/main" Requires="a14">
+      <mc:AlternateContent xmlns:mc="http://schemas.openxmlformats.org/markup-compatibility/2006" xmlns:a14="http://schemas.microsoft.com/office/drawing/2010/main">
+        <mc:Choice Requires="a14">
           <p:sp>
             <p:nvSpPr>
               <p:cNvPr id="4" name="TextBox 3"/>
@@ -8452,7 +8361,7 @@
             </p:txBody>
           </p:sp>
         </mc:Choice>
-        <mc:Fallback>
+        <mc:Fallback xmlns="">
           <p:sp>
             <p:nvSpPr>
               <p:cNvPr id="4" name="TextBox 3"/>
@@ -8565,8 +8474,8 @@
           </a:p>
         </p:txBody>
       </p:sp>
-      <mc:AlternateContent xmlns:mc="http://schemas.openxmlformats.org/markup-compatibility/2006">
-        <mc:Choice xmlns:a14="http://schemas.microsoft.com/office/drawing/2010/main" Requires="a14">
+      <mc:AlternateContent xmlns:mc="http://schemas.openxmlformats.org/markup-compatibility/2006" xmlns:a14="http://schemas.microsoft.com/office/drawing/2010/main">
+        <mc:Choice Requires="a14">
           <p:sp>
             <p:nvSpPr>
               <p:cNvPr id="6" name="TextBox 5"/>
@@ -8610,7 +8519,7 @@
             </p:txBody>
           </p:sp>
         </mc:Choice>
-        <mc:Fallback>
+        <mc:Fallback xmlns="">
           <p:sp>
             <p:nvSpPr>
               <p:cNvPr id="6" name="TextBox 5"/>
@@ -9883,8 +9792,8 @@
           </a:graphicData>
         </a:graphic>
       </p:graphicFrame>
-      <mc:AlternateContent xmlns:mc="http://schemas.openxmlformats.org/markup-compatibility/2006">
-        <mc:Choice xmlns:a14="http://schemas.microsoft.com/office/drawing/2010/main" Requires="a14">
+      <mc:AlternateContent xmlns:mc="http://schemas.openxmlformats.org/markup-compatibility/2006" xmlns:a14="http://schemas.microsoft.com/office/drawing/2010/main">
+        <mc:Choice Requires="a14">
           <p:sp>
             <p:nvSpPr>
               <p:cNvPr id="7" name="TextBox 6"/>
@@ -9924,19 +9833,13 @@
                   <a:rPr lang="sv-SE" sz="5400" dirty="0" smtClean="0"/>
                   <a:t>fixed convolutional </a:t>
                 </a:r>
-                <a:endParaRPr lang="sv-SE" sz="5400" dirty="0" smtClean="0"/>
               </a:p>
               <a:p>
                 <a:pPr algn="ctr"/>
                 <a:r>
                   <a:rPr lang="sv-SE" sz="5400" dirty="0" smtClean="0"/>
-                  <a:t>filters to </a:t>
+                  <a:t>filters to image, giving </a:t>
                 </a:r>
-                <a:r>
-                  <a:rPr lang="sv-SE" sz="5400" dirty="0" smtClean="0"/>
-                  <a:t>image, giving </a:t>
-                </a:r>
-                <a:endParaRPr lang="sv-SE" sz="5400" dirty="0" smtClean="0"/>
               </a:p>
               <a:p>
                 <a:pPr algn="ctr"/>
@@ -9960,7 +9863,7 @@
             </p:txBody>
           </p:sp>
         </mc:Choice>
-        <mc:Fallback>
+        <mc:Fallback xmlns="">
           <p:sp>
             <p:nvSpPr>
               <p:cNvPr id="7" name="TextBox 6"/>
@@ -10079,13 +9982,721 @@
             <a:pPr algn="ctr"/>
             <a:r>
               <a:rPr lang="sv-SE" sz="5400" dirty="0" smtClean="0"/>
-              <a:t>further </a:t>
+              <a:t>further layers</a:t>
+            </a:r>
+            <a:endParaRPr lang="sv-SE" sz="5400" dirty="0"/>
+          </a:p>
+        </p:txBody>
+      </p:sp>
+      <mc:AlternateContent xmlns:mc="http://schemas.openxmlformats.org/markup-compatibility/2006">
+        <mc:Choice xmlns:a14="http://schemas.microsoft.com/office/drawing/2010/main" Requires="a14">
+          <p:sp>
+            <p:nvSpPr>
+              <p:cNvPr id="15" name="Content Placeholder 2"/>
+              <p:cNvSpPr txBox="1">
+                <a:spLocks/>
+              </p:cNvSpPr>
+              <p:nvPr/>
+            </p:nvSpPr>
+            <p:spPr bwMode="auto">
+              <a:xfrm>
+                <a:off x="7358110" y="9648453"/>
+                <a:ext cx="27779663" cy="1728192"/>
+              </a:xfrm>
+              <a:prstGeom prst="rect">
+                <a:avLst/>
+              </a:prstGeom>
+              <a:noFill/>
+              <a:ln>
+                <a:noFill/>
+              </a:ln>
+              <a:effectLst/>
+              <a:extLst>
+                <a:ext uri="{909E8E84-426E-40DD-AFC4-6F175D3DCCD1}">
+                  <a14:hiddenFill>
+                    <a:solidFill>
+                      <a:schemeClr val="accent1"/>
+                    </a:solidFill>
+                  </a14:hiddenFill>
+                </a:ext>
+                <a:ext uri="{91240B29-F687-4F45-9708-019B960494DF}">
+                  <a14:hiddenLine w="9525">
+                    <a:solidFill>
+                      <a:schemeClr val="tx1"/>
+                    </a:solidFill>
+                    <a:miter lim="800000"/>
+                    <a:headEnd/>
+                    <a:tailEnd/>
+                  </a14:hiddenLine>
+                </a:ext>
+                <a:ext uri="{AF507438-7753-43E0-B8FC-AC1667EBCBE1}">
+                  <a14:hiddenEffects>
+                    <a:effectLst>
+                      <a:outerShdw dist="35921" dir="2700000" algn="ctr" rotWithShape="0">
+                        <a:schemeClr val="bg2"/>
+                      </a:outerShdw>
+                    </a:effectLst>
+                  </a14:hiddenEffects>
+                </a:ext>
+              </a:extLst>
+            </p:spPr>
+            <p:txBody>
+              <a:bodyPr vert="horz" wrap="square" lIns="349592" tIns="174796" rIns="349592" bIns="174796" numCol="1" anchor="t" anchorCtr="0" compatLnSpc="1">
+                <a:prstTxWarp prst="textNoShape">
+                  <a:avLst/>
+                </a:prstTxWarp>
+              </a:bodyPr>
+              <a:lstStyle>
+                <a:lvl1pPr marL="1311275" indent="-1311275" algn="l" defTabSz="3495675" rtl="0" fontAlgn="base">
+                  <a:spcBef>
+                    <a:spcPct val="20000"/>
+                  </a:spcBef>
+                  <a:spcAft>
+                    <a:spcPct val="0"/>
+                  </a:spcAft>
+                  <a:buChar char="•"/>
+                  <a:defRPr sz="10200">
+                    <a:solidFill>
+                      <a:schemeClr val="tx1"/>
+                    </a:solidFill>
+                    <a:latin typeface="+mn-lt"/>
+                    <a:ea typeface="+mn-ea"/>
+                    <a:cs typeface="+mn-cs"/>
+                  </a:defRPr>
+                </a:lvl1pPr>
+                <a:lvl2pPr marL="2838450" indent="-1089025" algn="l" defTabSz="3495675" rtl="0" fontAlgn="base">
+                  <a:spcBef>
+                    <a:spcPct val="20000"/>
+                  </a:spcBef>
+                  <a:spcAft>
+                    <a:spcPct val="0"/>
+                  </a:spcAft>
+                  <a:buChar char="–"/>
+                  <a:defRPr sz="9000">
+                    <a:solidFill>
+                      <a:schemeClr val="tx1"/>
+                    </a:solidFill>
+                    <a:latin typeface="+mn-lt"/>
+                  </a:defRPr>
+                </a:lvl2pPr>
+                <a:lvl3pPr marL="4368800" indent="-873125" algn="l" defTabSz="3495675" rtl="0" fontAlgn="base">
+                  <a:spcBef>
+                    <a:spcPct val="20000"/>
+                  </a:spcBef>
+                  <a:spcAft>
+                    <a:spcPct val="0"/>
+                  </a:spcAft>
+                  <a:buChar char="•"/>
+                  <a:defRPr sz="7500">
+                    <a:solidFill>
+                      <a:schemeClr val="tx1"/>
+                    </a:solidFill>
+                    <a:latin typeface="+mn-lt"/>
+                  </a:defRPr>
+                </a:lvl3pPr>
+                <a:lvl4pPr marL="6119813" indent="-876300" algn="l" defTabSz="3495675" rtl="0" fontAlgn="base">
+                  <a:spcBef>
+                    <a:spcPct val="20000"/>
+                  </a:spcBef>
+                  <a:spcAft>
+                    <a:spcPct val="0"/>
+                  </a:spcAft>
+                  <a:buChar char="–"/>
+                  <a:defRPr sz="6400">
+                    <a:solidFill>
+                      <a:schemeClr val="tx1"/>
+                    </a:solidFill>
+                    <a:latin typeface="+mn-lt"/>
+                  </a:defRPr>
+                </a:lvl4pPr>
+                <a:lvl5pPr marL="7867650" indent="-874713" algn="l" defTabSz="3495675" rtl="0" fontAlgn="base">
+                  <a:spcBef>
+                    <a:spcPct val="20000"/>
+                  </a:spcBef>
+                  <a:spcAft>
+                    <a:spcPct val="0"/>
+                  </a:spcAft>
+                  <a:buChar char="»"/>
+                  <a:defRPr sz="6400">
+                    <a:solidFill>
+                      <a:schemeClr val="tx1"/>
+                    </a:solidFill>
+                    <a:latin typeface="+mn-lt"/>
+                  </a:defRPr>
+                </a:lvl5pPr>
+                <a:lvl6pPr marL="8324850" indent="-874713" algn="l" defTabSz="3495675" rtl="0" fontAlgn="base">
+                  <a:spcBef>
+                    <a:spcPct val="20000"/>
+                  </a:spcBef>
+                  <a:spcAft>
+                    <a:spcPct val="0"/>
+                  </a:spcAft>
+                  <a:buChar char="»"/>
+                  <a:defRPr sz="6400">
+                    <a:solidFill>
+                      <a:schemeClr val="tx1"/>
+                    </a:solidFill>
+                    <a:latin typeface="+mn-lt"/>
+                  </a:defRPr>
+                </a:lvl6pPr>
+                <a:lvl7pPr marL="8782050" indent="-874713" algn="l" defTabSz="3495675" rtl="0" fontAlgn="base">
+                  <a:spcBef>
+                    <a:spcPct val="20000"/>
+                  </a:spcBef>
+                  <a:spcAft>
+                    <a:spcPct val="0"/>
+                  </a:spcAft>
+                  <a:buChar char="»"/>
+                  <a:defRPr sz="6400">
+                    <a:solidFill>
+                      <a:schemeClr val="tx1"/>
+                    </a:solidFill>
+                    <a:latin typeface="+mn-lt"/>
+                  </a:defRPr>
+                </a:lvl7pPr>
+                <a:lvl8pPr marL="9239250" indent="-874713" algn="l" defTabSz="3495675" rtl="0" fontAlgn="base">
+                  <a:spcBef>
+                    <a:spcPct val="20000"/>
+                  </a:spcBef>
+                  <a:spcAft>
+                    <a:spcPct val="0"/>
+                  </a:spcAft>
+                  <a:buChar char="»"/>
+                  <a:defRPr sz="6400">
+                    <a:solidFill>
+                      <a:schemeClr val="tx1"/>
+                    </a:solidFill>
+                    <a:latin typeface="+mn-lt"/>
+                  </a:defRPr>
+                </a:lvl8pPr>
+                <a:lvl9pPr marL="9696450" indent="-874713" algn="l" defTabSz="3495675" rtl="0" fontAlgn="base">
+                  <a:spcBef>
+                    <a:spcPct val="20000"/>
+                  </a:spcBef>
+                  <a:spcAft>
+                    <a:spcPct val="0"/>
+                  </a:spcAft>
+                  <a:buChar char="»"/>
+                  <a:defRPr sz="6400">
+                    <a:solidFill>
+                      <a:schemeClr val="tx1"/>
+                    </a:solidFill>
+                    <a:latin typeface="+mn-lt"/>
+                  </a:defRPr>
+                </a:lvl9pPr>
+              </a:lstStyle>
+              <a:p>
+                <a:pPr lvl="1"/>
+                <a:r>
+                  <a:rPr lang="sv-SE" sz="8000" dirty="0"/>
+                  <a:t>Multiply </a:t>
+                </a:r>
+                <a:r>
+                  <a:rPr lang="sv-SE" sz="8000" dirty="0"/>
+                  <a:t>each output by learnable constant </a:t>
+                </a:r>
+                <a14:m>
+                  <m:oMath xmlns:m="http://schemas.openxmlformats.org/officeDocument/2006/math">
+                    <m:r>
+                      <a:rPr lang="en-GB" sz="8000"/>
+                      <m:t>𝑣</m:t>
+                    </m:r>
+                  </m:oMath>
+                </a14:m>
+                <a:endParaRPr lang="sv-SE" sz="8000" dirty="0"/>
+              </a:p>
+              <a:p>
+                <a:pPr marL="0" indent="0">
+                  <a:buFontTx/>
+                  <a:buNone/>
+                </a:pPr>
+                <a:endParaRPr lang="sv-SE" sz="9200" kern="0" dirty="0" smtClean="0"/>
+              </a:p>
+            </p:txBody>
+          </p:sp>
+        </mc:Choice>
+        <mc:Fallback>
+          <p:sp>
+            <p:nvSpPr>
+              <p:cNvPr id="15" name="Content Placeholder 2"/>
+              <p:cNvSpPr txBox="1">
+                <a:spLocks noRot="1" noChangeAspect="1" noMove="1" noResize="1" noEditPoints="1" noAdjustHandles="1" noChangeArrowheads="1" noChangeShapeType="1" noTextEdit="1"/>
+              </p:cNvSpPr>
+              <p:nvPr/>
+            </p:nvSpPr>
+            <p:spPr bwMode="auto">
+              <a:xfrm>
+                <a:off x="7358110" y="9648453"/>
+                <a:ext cx="27779663" cy="1728192"/>
+              </a:xfrm>
+              <a:prstGeom prst="rect">
+                <a:avLst/>
+              </a:prstGeom>
+              <a:blipFill rotWithShape="1">
+                <a:blip r:embed="rId6"/>
+                <a:stretch>
+                  <a:fillRect t="-7774" b="-16254"/>
+                </a:stretch>
+              </a:blipFill>
+              <a:ln>
+                <a:noFill/>
+              </a:ln>
+              <a:effectLst/>
+              <a:extLst>
+                <a:ext uri="{909E8E84-426E-40DD-AFC4-6F175D3DCCD1}">
+                  <a14:hiddenFill xmlns:a14="http://schemas.microsoft.com/office/drawing/2010/main">
+                    <a:solidFill>
+                      <a:schemeClr val="accent1"/>
+                    </a:solidFill>
+                  </a14:hiddenFill>
+                </a:ext>
+                <a:ext uri="{91240B29-F687-4F45-9708-019B960494DF}">
+                  <a14:hiddenLine xmlns:a14="http://schemas.microsoft.com/office/drawing/2010/main" w="9525">
+                    <a:solidFill>
+                      <a:schemeClr val="tx1"/>
+                    </a:solidFill>
+                    <a:miter lim="800000"/>
+                    <a:headEnd/>
+                    <a:tailEnd/>
+                  </a14:hiddenLine>
+                </a:ext>
+                <a:ext uri="{AF507438-7753-43E0-B8FC-AC1667EBCBE1}">
+                  <a14:hiddenEffects xmlns:a14="http://schemas.microsoft.com/office/drawing/2010/main">
+                    <a:effectLst>
+                      <a:outerShdw dist="35921" dir="2700000" algn="ctr" rotWithShape="0">
+                        <a:schemeClr val="bg2"/>
+                      </a:outerShdw>
+                    </a:effectLst>
+                  </a14:hiddenEffects>
+                </a:ext>
+              </a:extLst>
+            </p:spPr>
+            <p:txBody>
+              <a:bodyPr/>
+              <a:lstStyle/>
+              <a:p>
+                <a:r>
+                  <a:rPr lang="en-GB">
+                    <a:noFill/>
+                  </a:rPr>
+                  <a:t> </a:t>
+                </a:r>
+              </a:p>
+            </p:txBody>
+          </p:sp>
+        </mc:Fallback>
+      </mc:AlternateContent>
+      <p:sp>
+        <p:nvSpPr>
+          <p:cNvPr id="16" name="Content Placeholder 2"/>
+          <p:cNvSpPr txBox="1">
+            <a:spLocks/>
+          </p:cNvSpPr>
+          <p:nvPr/>
+        </p:nvSpPr>
+        <p:spPr bwMode="auto">
+          <a:xfrm>
+            <a:off x="7358110" y="8208293"/>
+            <a:ext cx="27779663" cy="1728192"/>
+          </a:xfrm>
+          <a:prstGeom prst="rect">
+            <a:avLst/>
+          </a:prstGeom>
+          <a:noFill/>
+          <a:ln>
+            <a:noFill/>
+          </a:ln>
+          <a:effectLst/>
+          <a:extLst>
+            <a:ext uri="{909E8E84-426E-40DD-AFC4-6F175D3DCCD1}">
+              <a14:hiddenFill xmlns:a14="http://schemas.microsoft.com/office/drawing/2010/main">
+                <a:solidFill>
+                  <a:schemeClr val="accent1"/>
+                </a:solidFill>
+              </a14:hiddenFill>
+            </a:ext>
+            <a:ext uri="{91240B29-F687-4F45-9708-019B960494DF}">
+              <a14:hiddenLine xmlns:a14="http://schemas.microsoft.com/office/drawing/2010/main" w="9525">
+                <a:solidFill>
+                  <a:schemeClr val="tx1"/>
+                </a:solidFill>
+                <a:miter lim="800000"/>
+                <a:headEnd/>
+                <a:tailEnd/>
+              </a14:hiddenLine>
+            </a:ext>
+            <a:ext uri="{AF507438-7753-43E0-B8FC-AC1667EBCBE1}">
+              <a14:hiddenEffects xmlns:a14="http://schemas.microsoft.com/office/drawing/2010/main">
+                <a:effectLst>
+                  <a:outerShdw dist="35921" dir="2700000" algn="ctr" rotWithShape="0">
+                    <a:schemeClr val="bg2"/>
+                  </a:outerShdw>
+                </a:effectLst>
+              </a14:hiddenEffects>
+            </a:ext>
+          </a:extLst>
+        </p:spPr>
+        <p:txBody>
+          <a:bodyPr vert="horz" wrap="square" lIns="349592" tIns="174796" rIns="349592" bIns="174796" numCol="1" anchor="t" anchorCtr="0" compatLnSpc="1">
+            <a:prstTxWarp prst="textNoShape">
+              <a:avLst/>
+            </a:prstTxWarp>
+          </a:bodyPr>
+          <a:lstStyle>
+            <a:lvl1pPr marL="1311275" indent="-1311275" algn="l" defTabSz="3495675" rtl="0" fontAlgn="base">
+              <a:spcBef>
+                <a:spcPct val="20000"/>
+              </a:spcBef>
+              <a:spcAft>
+                <a:spcPct val="0"/>
+              </a:spcAft>
+              <a:buChar char="•"/>
+              <a:defRPr sz="10200">
+                <a:solidFill>
+                  <a:schemeClr val="tx1"/>
+                </a:solidFill>
+                <a:latin typeface="+mn-lt"/>
+                <a:ea typeface="+mn-ea"/>
+                <a:cs typeface="+mn-cs"/>
+              </a:defRPr>
+            </a:lvl1pPr>
+            <a:lvl2pPr marL="2838450" indent="-1089025" algn="l" defTabSz="3495675" rtl="0" fontAlgn="base">
+              <a:spcBef>
+                <a:spcPct val="20000"/>
+              </a:spcBef>
+              <a:spcAft>
+                <a:spcPct val="0"/>
+              </a:spcAft>
+              <a:buChar char="–"/>
+              <a:defRPr sz="9000">
+                <a:solidFill>
+                  <a:schemeClr val="tx1"/>
+                </a:solidFill>
+                <a:latin typeface="+mn-lt"/>
+              </a:defRPr>
+            </a:lvl2pPr>
+            <a:lvl3pPr marL="4368800" indent="-873125" algn="l" defTabSz="3495675" rtl="0" fontAlgn="base">
+              <a:spcBef>
+                <a:spcPct val="20000"/>
+              </a:spcBef>
+              <a:spcAft>
+                <a:spcPct val="0"/>
+              </a:spcAft>
+              <a:buChar char="•"/>
+              <a:defRPr sz="7500">
+                <a:solidFill>
+                  <a:schemeClr val="tx1"/>
+                </a:solidFill>
+                <a:latin typeface="+mn-lt"/>
+              </a:defRPr>
+            </a:lvl3pPr>
+            <a:lvl4pPr marL="6119813" indent="-876300" algn="l" defTabSz="3495675" rtl="0" fontAlgn="base">
+              <a:spcBef>
+                <a:spcPct val="20000"/>
+              </a:spcBef>
+              <a:spcAft>
+                <a:spcPct val="0"/>
+              </a:spcAft>
+              <a:buChar char="–"/>
+              <a:defRPr sz="6400">
+                <a:solidFill>
+                  <a:schemeClr val="tx1"/>
+                </a:solidFill>
+                <a:latin typeface="+mn-lt"/>
+              </a:defRPr>
+            </a:lvl4pPr>
+            <a:lvl5pPr marL="7867650" indent="-874713" algn="l" defTabSz="3495675" rtl="0" fontAlgn="base">
+              <a:spcBef>
+                <a:spcPct val="20000"/>
+              </a:spcBef>
+              <a:spcAft>
+                <a:spcPct val="0"/>
+              </a:spcAft>
+              <a:buChar char="»"/>
+              <a:defRPr sz="6400">
+                <a:solidFill>
+                  <a:schemeClr val="tx1"/>
+                </a:solidFill>
+                <a:latin typeface="+mn-lt"/>
+              </a:defRPr>
+            </a:lvl5pPr>
+            <a:lvl6pPr marL="8324850" indent="-874713" algn="l" defTabSz="3495675" rtl="0" fontAlgn="base">
+              <a:spcBef>
+                <a:spcPct val="20000"/>
+              </a:spcBef>
+              <a:spcAft>
+                <a:spcPct val="0"/>
+              </a:spcAft>
+              <a:buChar char="»"/>
+              <a:defRPr sz="6400">
+                <a:solidFill>
+                  <a:schemeClr val="tx1"/>
+                </a:solidFill>
+                <a:latin typeface="+mn-lt"/>
+              </a:defRPr>
+            </a:lvl6pPr>
+            <a:lvl7pPr marL="8782050" indent="-874713" algn="l" defTabSz="3495675" rtl="0" fontAlgn="base">
+              <a:spcBef>
+                <a:spcPct val="20000"/>
+              </a:spcBef>
+              <a:spcAft>
+                <a:spcPct val="0"/>
+              </a:spcAft>
+              <a:buChar char="»"/>
+              <a:defRPr sz="6400">
+                <a:solidFill>
+                  <a:schemeClr val="tx1"/>
+                </a:solidFill>
+                <a:latin typeface="+mn-lt"/>
+              </a:defRPr>
+            </a:lvl7pPr>
+            <a:lvl8pPr marL="9239250" indent="-874713" algn="l" defTabSz="3495675" rtl="0" fontAlgn="base">
+              <a:spcBef>
+                <a:spcPct val="20000"/>
+              </a:spcBef>
+              <a:spcAft>
+                <a:spcPct val="0"/>
+              </a:spcAft>
+              <a:buChar char="»"/>
+              <a:defRPr sz="6400">
+                <a:solidFill>
+                  <a:schemeClr val="tx1"/>
+                </a:solidFill>
+                <a:latin typeface="+mn-lt"/>
+              </a:defRPr>
+            </a:lvl8pPr>
+            <a:lvl9pPr marL="9696450" indent="-874713" algn="l" defTabSz="3495675" rtl="0" fontAlgn="base">
+              <a:spcBef>
+                <a:spcPct val="20000"/>
+              </a:spcBef>
+              <a:spcAft>
+                <a:spcPct val="0"/>
+              </a:spcAft>
+              <a:buChar char="»"/>
+              <a:defRPr sz="6400">
+                <a:solidFill>
+                  <a:schemeClr val="tx1"/>
+                </a:solidFill>
+                <a:latin typeface="+mn-lt"/>
+              </a:defRPr>
+            </a:lvl9pPr>
+          </a:lstStyle>
+          <a:p>
+            <a:pPr lvl="1"/>
+            <a:r>
+              <a:rPr lang="sv-SE" sz="8000" dirty="0"/>
+              <a:t>3x3 filters with randomly arranged values of 1 and -</a:t>
             </a:r>
             <a:r>
-              <a:rPr lang="sv-SE" sz="5400" dirty="0" smtClean="0"/>
-              <a:t>layers</a:t>
+              <a:rPr lang="sv-SE" sz="8000" dirty="0" smtClean="0"/>
+              <a:t>1</a:t>
             </a:r>
-            <a:endParaRPr lang="sv-SE" sz="5400" dirty="0"/>
+            <a:endParaRPr lang="sv-SE" sz="9200" dirty="0"/>
+          </a:p>
+        </p:txBody>
+      </p:sp>
+      <p:sp>
+        <p:nvSpPr>
+          <p:cNvPr id="17" name="Content Placeholder 2"/>
+          <p:cNvSpPr txBox="1">
+            <a:spLocks/>
+          </p:cNvSpPr>
+          <p:nvPr/>
+        </p:nvSpPr>
+        <p:spPr bwMode="auto">
+          <a:xfrm>
+            <a:off x="7358110" y="11299554"/>
+            <a:ext cx="27779663" cy="1728192"/>
+          </a:xfrm>
+          <a:prstGeom prst="rect">
+            <a:avLst/>
+          </a:prstGeom>
+          <a:noFill/>
+          <a:ln>
+            <a:noFill/>
+          </a:ln>
+          <a:effectLst/>
+          <a:extLst>
+            <a:ext uri="{909E8E84-426E-40DD-AFC4-6F175D3DCCD1}">
+              <a14:hiddenFill xmlns:a14="http://schemas.microsoft.com/office/drawing/2010/main">
+                <a:solidFill>
+                  <a:schemeClr val="accent1"/>
+                </a:solidFill>
+              </a14:hiddenFill>
+            </a:ext>
+            <a:ext uri="{91240B29-F687-4F45-9708-019B960494DF}">
+              <a14:hiddenLine xmlns:a14="http://schemas.microsoft.com/office/drawing/2010/main" w="9525">
+                <a:solidFill>
+                  <a:schemeClr val="tx1"/>
+                </a:solidFill>
+                <a:miter lim="800000"/>
+                <a:headEnd/>
+                <a:tailEnd/>
+              </a14:hiddenLine>
+            </a:ext>
+            <a:ext uri="{AF507438-7753-43E0-B8FC-AC1667EBCBE1}">
+              <a14:hiddenEffects xmlns:a14="http://schemas.microsoft.com/office/drawing/2010/main">
+                <a:effectLst>
+                  <a:outerShdw dist="35921" dir="2700000" algn="ctr" rotWithShape="0">
+                    <a:schemeClr val="bg2"/>
+                  </a:outerShdw>
+                </a:effectLst>
+              </a14:hiddenEffects>
+            </a:ext>
+          </a:extLst>
+        </p:spPr>
+        <p:txBody>
+          <a:bodyPr vert="horz" wrap="square" lIns="349592" tIns="174796" rIns="349592" bIns="174796" numCol="1" anchor="t" anchorCtr="0" compatLnSpc="1">
+            <a:prstTxWarp prst="textNoShape">
+              <a:avLst/>
+            </a:prstTxWarp>
+          </a:bodyPr>
+          <a:lstStyle>
+            <a:lvl1pPr marL="1311275" indent="-1311275" algn="l" defTabSz="3495675" rtl="0" fontAlgn="base">
+              <a:spcBef>
+                <a:spcPct val="20000"/>
+              </a:spcBef>
+              <a:spcAft>
+                <a:spcPct val="0"/>
+              </a:spcAft>
+              <a:buChar char="•"/>
+              <a:defRPr sz="10200">
+                <a:solidFill>
+                  <a:schemeClr val="tx1"/>
+                </a:solidFill>
+                <a:latin typeface="+mn-lt"/>
+                <a:ea typeface="+mn-ea"/>
+                <a:cs typeface="+mn-cs"/>
+              </a:defRPr>
+            </a:lvl1pPr>
+            <a:lvl2pPr marL="2838450" indent="-1089025" algn="l" defTabSz="3495675" rtl="0" fontAlgn="base">
+              <a:spcBef>
+                <a:spcPct val="20000"/>
+              </a:spcBef>
+              <a:spcAft>
+                <a:spcPct val="0"/>
+              </a:spcAft>
+              <a:buChar char="–"/>
+              <a:defRPr sz="9000">
+                <a:solidFill>
+                  <a:schemeClr val="tx1"/>
+                </a:solidFill>
+                <a:latin typeface="+mn-lt"/>
+              </a:defRPr>
+            </a:lvl2pPr>
+            <a:lvl3pPr marL="4368800" indent="-873125" algn="l" defTabSz="3495675" rtl="0" fontAlgn="base">
+              <a:spcBef>
+                <a:spcPct val="20000"/>
+              </a:spcBef>
+              <a:spcAft>
+                <a:spcPct val="0"/>
+              </a:spcAft>
+              <a:buChar char="•"/>
+              <a:defRPr sz="7500">
+                <a:solidFill>
+                  <a:schemeClr val="tx1"/>
+                </a:solidFill>
+                <a:latin typeface="+mn-lt"/>
+              </a:defRPr>
+            </a:lvl3pPr>
+            <a:lvl4pPr marL="6119813" indent="-876300" algn="l" defTabSz="3495675" rtl="0" fontAlgn="base">
+              <a:spcBef>
+                <a:spcPct val="20000"/>
+              </a:spcBef>
+              <a:spcAft>
+                <a:spcPct val="0"/>
+              </a:spcAft>
+              <a:buChar char="–"/>
+              <a:defRPr sz="6400">
+                <a:solidFill>
+                  <a:schemeClr val="tx1"/>
+                </a:solidFill>
+                <a:latin typeface="+mn-lt"/>
+              </a:defRPr>
+            </a:lvl4pPr>
+            <a:lvl5pPr marL="7867650" indent="-874713" algn="l" defTabSz="3495675" rtl="0" fontAlgn="base">
+              <a:spcBef>
+                <a:spcPct val="20000"/>
+              </a:spcBef>
+              <a:spcAft>
+                <a:spcPct val="0"/>
+              </a:spcAft>
+              <a:buChar char="»"/>
+              <a:defRPr sz="6400">
+                <a:solidFill>
+                  <a:schemeClr val="tx1"/>
+                </a:solidFill>
+                <a:latin typeface="+mn-lt"/>
+              </a:defRPr>
+            </a:lvl5pPr>
+            <a:lvl6pPr marL="8324850" indent="-874713" algn="l" defTabSz="3495675" rtl="0" fontAlgn="base">
+              <a:spcBef>
+                <a:spcPct val="20000"/>
+              </a:spcBef>
+              <a:spcAft>
+                <a:spcPct val="0"/>
+              </a:spcAft>
+              <a:buChar char="»"/>
+              <a:defRPr sz="6400">
+                <a:solidFill>
+                  <a:schemeClr val="tx1"/>
+                </a:solidFill>
+                <a:latin typeface="+mn-lt"/>
+              </a:defRPr>
+            </a:lvl6pPr>
+            <a:lvl7pPr marL="8782050" indent="-874713" algn="l" defTabSz="3495675" rtl="0" fontAlgn="base">
+              <a:spcBef>
+                <a:spcPct val="20000"/>
+              </a:spcBef>
+              <a:spcAft>
+                <a:spcPct val="0"/>
+              </a:spcAft>
+              <a:buChar char="»"/>
+              <a:defRPr sz="6400">
+                <a:solidFill>
+                  <a:schemeClr val="tx1"/>
+                </a:solidFill>
+                <a:latin typeface="+mn-lt"/>
+              </a:defRPr>
+            </a:lvl7pPr>
+            <a:lvl8pPr marL="9239250" indent="-874713" algn="l" defTabSz="3495675" rtl="0" fontAlgn="base">
+              <a:spcBef>
+                <a:spcPct val="20000"/>
+              </a:spcBef>
+              <a:spcAft>
+                <a:spcPct val="0"/>
+              </a:spcAft>
+              <a:buChar char="»"/>
+              <a:defRPr sz="6400">
+                <a:solidFill>
+                  <a:schemeClr val="tx1"/>
+                </a:solidFill>
+                <a:latin typeface="+mn-lt"/>
+              </a:defRPr>
+            </a:lvl8pPr>
+            <a:lvl9pPr marL="9696450" indent="-874713" algn="l" defTabSz="3495675" rtl="0" fontAlgn="base">
+              <a:spcBef>
+                <a:spcPct val="20000"/>
+              </a:spcBef>
+              <a:spcAft>
+                <a:spcPct val="0"/>
+              </a:spcAft>
+              <a:buChar char="»"/>
+              <a:defRPr sz="6400">
+                <a:solidFill>
+                  <a:schemeClr val="tx1"/>
+                </a:solidFill>
+                <a:latin typeface="+mn-lt"/>
+              </a:defRPr>
+            </a:lvl9pPr>
+          </a:lstStyle>
+          <a:p>
+            <a:pPr lvl="1"/>
+            <a:r>
+              <a:rPr lang="sv-SE" sz="8000" dirty="0" smtClean="0"/>
+              <a:t>Repeat</a:t>
+            </a:r>
+            <a:endParaRPr lang="sv-SE" sz="9200" dirty="0"/>
           </a:p>
         </p:txBody>
       </p:sp>
@@ -10133,6 +10744,186 @@
                                           </p:stCondLst>
                                         </p:cTn>
                                         <p:tgtEl>
+                                          <p:spTgt spid="16"/>
+                                        </p:tgtEl>
+                                        <p:attrNameLst>
+                                          <p:attrName>style.visibility</p:attrName>
+                                        </p:attrNameLst>
+                                      </p:cBhvr>
+                                      <p:to>
+                                        <p:strVal val="visible"/>
+                                      </p:to>
+                                    </p:set>
+                                  </p:childTnLst>
+                                </p:cTn>
+                              </p:par>
+                              <p:par>
+                                <p:cTn id="7" presetID="1" presetClass="entr" presetSubtype="0" fill="hold" nodeType="withEffect">
+                                  <p:stCondLst>
+                                    <p:cond delay="0"/>
+                                  </p:stCondLst>
+                                  <p:childTnLst>
+                                    <p:set>
+                                      <p:cBhvr>
+                                        <p:cTn id="8" dur="1" fill="hold">
+                                          <p:stCondLst>
+                                            <p:cond delay="0"/>
+                                          </p:stCondLst>
+                                        </p:cTn>
+                                        <p:tgtEl>
+                                          <p:spTgt spid="20"/>
+                                        </p:tgtEl>
+                                        <p:attrNameLst>
+                                          <p:attrName>style.visibility</p:attrName>
+                                        </p:attrNameLst>
+                                      </p:cBhvr>
+                                      <p:to>
+                                        <p:strVal val="visible"/>
+                                      </p:to>
+                                    </p:set>
+                                  </p:childTnLst>
+                                </p:cTn>
+                              </p:par>
+                              <p:par>
+                                <p:cTn id="9" presetID="1" presetClass="entr" presetSubtype="0" fill="hold" nodeType="withEffect">
+                                  <p:stCondLst>
+                                    <p:cond delay="0"/>
+                                  </p:stCondLst>
+                                  <p:childTnLst>
+                                    <p:set>
+                                      <p:cBhvr>
+                                        <p:cTn id="10" dur="1" fill="hold">
+                                          <p:stCondLst>
+                                            <p:cond delay="0"/>
+                                          </p:stCondLst>
+                                        </p:cTn>
+                                        <p:tgtEl>
+                                          <p:spTgt spid="21"/>
+                                        </p:tgtEl>
+                                        <p:attrNameLst>
+                                          <p:attrName>style.visibility</p:attrName>
+                                        </p:attrNameLst>
+                                      </p:cBhvr>
+                                      <p:to>
+                                        <p:strVal val="visible"/>
+                                      </p:to>
+                                    </p:set>
+                                  </p:childTnLst>
+                                </p:cTn>
+                              </p:par>
+                              <p:par>
+                                <p:cTn id="11" presetID="1" presetClass="entr" presetSubtype="0" fill="hold" nodeType="withEffect">
+                                  <p:stCondLst>
+                                    <p:cond delay="0"/>
+                                  </p:stCondLst>
+                                  <p:childTnLst>
+                                    <p:set>
+                                      <p:cBhvr>
+                                        <p:cTn id="12" dur="1" fill="hold">
+                                          <p:stCondLst>
+                                            <p:cond delay="0"/>
+                                          </p:stCondLst>
+                                        </p:cTn>
+                                        <p:tgtEl>
+                                          <p:spTgt spid="26"/>
+                                        </p:tgtEl>
+                                        <p:attrNameLst>
+                                          <p:attrName>style.visibility</p:attrName>
+                                        </p:attrNameLst>
+                                      </p:cBhvr>
+                                      <p:to>
+                                        <p:strVal val="visible"/>
+                                      </p:to>
+                                    </p:set>
+                                  </p:childTnLst>
+                                </p:cTn>
+                              </p:par>
+                              <p:par>
+                                <p:cTn id="13" presetID="1" presetClass="entr" presetSubtype="0" fill="hold" grpId="0" nodeType="withEffect">
+                                  <p:stCondLst>
+                                    <p:cond delay="0"/>
+                                  </p:stCondLst>
+                                  <p:childTnLst>
+                                    <p:set>
+                                      <p:cBhvr>
+                                        <p:cTn id="14" dur="1" fill="hold">
+                                          <p:stCondLst>
+                                            <p:cond delay="0"/>
+                                          </p:stCondLst>
+                                        </p:cTn>
+                                        <p:tgtEl>
+                                          <p:spTgt spid="6"/>
+                                        </p:tgtEl>
+                                        <p:attrNameLst>
+                                          <p:attrName>style.visibility</p:attrName>
+                                        </p:attrNameLst>
+                                      </p:cBhvr>
+                                      <p:to>
+                                        <p:strVal val="visible"/>
+                                      </p:to>
+                                    </p:set>
+                                  </p:childTnLst>
+                                </p:cTn>
+                              </p:par>
+                              <p:par>
+                                <p:cTn id="15" presetID="1" presetClass="entr" presetSubtype="0" fill="hold" grpId="0" nodeType="withEffect">
+                                  <p:stCondLst>
+                                    <p:cond delay="0"/>
+                                  </p:stCondLst>
+                                  <p:childTnLst>
+                                    <p:set>
+                                      <p:cBhvr>
+                                        <p:cTn id="16" dur="1" fill="hold">
+                                          <p:stCondLst>
+                                            <p:cond delay="0"/>
+                                          </p:stCondLst>
+                                        </p:cTn>
+                                        <p:tgtEl>
+                                          <p:spTgt spid="7"/>
+                                        </p:tgtEl>
+                                        <p:attrNameLst>
+                                          <p:attrName>style.visibility</p:attrName>
+                                        </p:attrNameLst>
+                                      </p:cBhvr>
+                                      <p:to>
+                                        <p:strVal val="visible"/>
+                                      </p:to>
+                                    </p:set>
+                                  </p:childTnLst>
+                                </p:cTn>
+                              </p:par>
+                            </p:childTnLst>
+                          </p:cTn>
+                        </p:par>
+                      </p:childTnLst>
+                    </p:cTn>
+                  </p:par>
+                  <p:par>
+                    <p:cTn id="17" fill="hold">
+                      <p:stCondLst>
+                        <p:cond delay="indefinite"/>
+                      </p:stCondLst>
+                      <p:childTnLst>
+                        <p:par>
+                          <p:cTn id="18" fill="hold">
+                            <p:stCondLst>
+                              <p:cond delay="0"/>
+                            </p:stCondLst>
+                            <p:childTnLst>
+                              <p:par>
+                                <p:cTn id="19" presetID="1" presetClass="entr" presetSubtype="0" fill="hold" grpId="0" nodeType="clickEffect">
+                                  <p:stCondLst>
+                                    <p:cond delay="0"/>
+                                  </p:stCondLst>
+                                  <p:childTnLst>
+                                    <p:set>
+                                      <p:cBhvr>
+                                        <p:cTn id="20" dur="1" fill="hold">
+                                          <p:stCondLst>
+                                            <p:cond delay="0"/>
+                                          </p:stCondLst>
+                                        </p:cTn>
+                                        <p:tgtEl>
                                           <p:spTgt spid="4"/>
                                         </p:tgtEl>
                                         <p:attrNameLst>
@@ -10147,14 +10938,14 @@
                                 </p:cTn>
                               </p:par>
                               <p:par>
-                                <p:cTn id="7" presetID="1" presetClass="entr" presetSubtype="0" fill="hold" grpId="0" nodeType="withEffect">
+                                <p:cTn id="21" presetID="1" presetClass="entr" presetSubtype="0" fill="hold" grpId="0" nodeType="withEffect">
                                   <p:stCondLst>
                                     <p:cond delay="0"/>
                                   </p:stCondLst>
                                   <p:childTnLst>
                                     <p:set>
                                       <p:cBhvr>
-                                        <p:cTn id="8" dur="1" fill="hold">
+                                        <p:cTn id="22" dur="1" fill="hold">
                                           <p:stCondLst>
                                             <p:cond delay="0"/>
                                           </p:stCondLst>
@@ -10174,20 +10965,47 @@
                                 </p:cTn>
                               </p:par>
                               <p:par>
-                                <p:cTn id="9" presetID="1" presetClass="entr" presetSubtype="0" fill="hold" grpId="0" nodeType="withEffect">
+                                <p:cTn id="23" presetID="1" presetClass="entr" presetSubtype="0" fill="hold" grpId="0" nodeType="withEffect">
                                   <p:stCondLst>
                                     <p:cond delay="0"/>
                                   </p:stCondLst>
                                   <p:childTnLst>
                                     <p:set>
                                       <p:cBhvr>
-                                        <p:cTn id="10" dur="1" fill="hold">
+                                        <p:cTn id="24" dur="1" fill="hold">
                                           <p:stCondLst>
                                             <p:cond delay="0"/>
                                           </p:stCondLst>
                                         </p:cTn>
                                         <p:tgtEl>
                                           <p:spTgt spid="13"/>
+                                        </p:tgtEl>
+                                        <p:attrNameLst>
+                                          <p:attrName>style.visibility</p:attrName>
+                                        </p:attrNameLst>
+                                      </p:cBhvr>
+                                      <p:to>
+                                        <p:strVal val="visible"/>
+                                      </p:to>
+                                    </p:set>
+                                  </p:childTnLst>
+                                </p:cTn>
+                              </p:par>
+                              <p:par>
+                                <p:cTn id="25" presetID="1" presetClass="entr" presetSubtype="0" fill="hold" grpId="0" nodeType="withEffect">
+                                  <p:stCondLst>
+                                    <p:cond delay="0"/>
+                                  </p:stCondLst>
+                                  <p:childTnLst>
+                                    <p:set>
+                                      <p:cBhvr>
+                                        <p:cTn id="26" dur="1" fill="hold">
+                                          <p:stCondLst>
+                                            <p:cond delay="0"/>
+                                          </p:stCondLst>
+                                        </p:cTn>
+                                        <p:tgtEl>
+                                          <p:spTgt spid="15"/>
                                         </p:tgtEl>
                                         <p:attrNameLst>
                                           <p:attrName>style.visibility</p:attrName>
@@ -10207,26 +11025,26 @@
                     </p:cTn>
                   </p:par>
                   <p:par>
-                    <p:cTn id="11" fill="hold">
+                    <p:cTn id="27" fill="hold">
                       <p:stCondLst>
                         <p:cond delay="indefinite"/>
                       </p:stCondLst>
                       <p:childTnLst>
                         <p:par>
-                          <p:cTn id="12" fill="hold">
+                          <p:cTn id="28" fill="hold">
                             <p:stCondLst>
                               <p:cond delay="0"/>
                             </p:stCondLst>
                             <p:childTnLst>
                               <p:par>
-                                <p:cTn id="13" presetID="1" presetClass="entr" presetSubtype="0" fill="hold" grpId="0" nodeType="clickEffect">
+                                <p:cTn id="29" presetID="1" presetClass="entr" presetSubtype="0" fill="hold" grpId="0" nodeType="clickEffect">
                                   <p:stCondLst>
                                     <p:cond delay="0"/>
                                   </p:stCondLst>
                                   <p:childTnLst>
                                     <p:set>
                                       <p:cBhvr>
-                                        <p:cTn id="14" dur="1" fill="hold">
+                                        <p:cTn id="30" dur="1" fill="hold">
                                           <p:stCondLst>
                                             <p:cond delay="0"/>
                                           </p:stCondLst>
@@ -10246,14 +11064,41 @@
                                 </p:cTn>
                               </p:par>
                               <p:par>
-                                <p:cTn id="15" presetID="1" presetClass="entr" presetSubtype="0" fill="hold" nodeType="withEffect">
+                                <p:cTn id="31" presetID="1" presetClass="entr" presetSubtype="0" fill="hold" grpId="0" nodeType="withEffect">
                                   <p:stCondLst>
                                     <p:cond delay="0"/>
                                   </p:stCondLst>
                                   <p:childTnLst>
                                     <p:set>
                                       <p:cBhvr>
-                                        <p:cTn id="16" dur="1" fill="hold">
+                                        <p:cTn id="32" dur="1" fill="hold">
+                                          <p:stCondLst>
+                                            <p:cond delay="0"/>
+                                          </p:stCondLst>
+                                        </p:cTn>
+                                        <p:tgtEl>
+                                          <p:spTgt spid="14"/>
+                                        </p:tgtEl>
+                                        <p:attrNameLst>
+                                          <p:attrName>style.visibility</p:attrName>
+                                        </p:attrNameLst>
+                                      </p:cBhvr>
+                                      <p:to>
+                                        <p:strVal val="visible"/>
+                                      </p:to>
+                                    </p:set>
+                                  </p:childTnLst>
+                                </p:cTn>
+                              </p:par>
+                              <p:par>
+                                <p:cTn id="33" presetID="1" presetClass="entr" presetSubtype="0" fill="hold" nodeType="withEffect">
+                                  <p:stCondLst>
+                                    <p:cond delay="0"/>
+                                  </p:stCondLst>
+                                  <p:childTnLst>
+                                    <p:set>
+                                      <p:cBhvr>
+                                        <p:cTn id="34" dur="1" fill="hold">
                                           <p:stCondLst>
                                             <p:cond delay="0"/>
                                           </p:stCondLst>
@@ -10273,20 +11118,20 @@
                                 </p:cTn>
                               </p:par>
                               <p:par>
-                                <p:cTn id="17" presetID="1" presetClass="entr" presetSubtype="0" fill="hold" grpId="0" nodeType="withEffect">
+                                <p:cTn id="35" presetID="1" presetClass="entr" presetSubtype="0" fill="hold" grpId="0" nodeType="withEffect">
                                   <p:stCondLst>
                                     <p:cond delay="0"/>
                                   </p:stCondLst>
                                   <p:childTnLst>
                                     <p:set>
                                       <p:cBhvr>
-                                        <p:cTn id="18" dur="1" fill="hold">
+                                        <p:cTn id="36" dur="1" fill="hold">
                                           <p:stCondLst>
                                             <p:cond delay="0"/>
                                           </p:stCondLst>
                                         </p:cTn>
                                         <p:tgtEl>
-                                          <p:spTgt spid="14"/>
+                                          <p:spTgt spid="17"/>
                                         </p:tgtEl>
                                         <p:attrNameLst>
                                           <p:attrName>style.visibility</p:attrName>
@@ -10329,9 +11174,14 @@
     <p:bldLst>
       <p:bldP spid="4" grpId="0"/>
       <p:bldP spid="5" grpId="0" animBg="1"/>
+      <p:bldP spid="6" grpId="0"/>
       <p:bldP spid="10" grpId="0" animBg="1"/>
+      <p:bldP spid="7" grpId="0"/>
       <p:bldP spid="13" grpId="0"/>
       <p:bldP spid="14" grpId="0"/>
+      <p:bldP spid="15" grpId="0"/>
+      <p:bldP spid="16" grpId="0"/>
+      <p:bldP spid="17" grpId="0"/>
     </p:bldLst>
   </p:timing>
 </p:sld>
